--- a/Grassmere_Top_Comps.pptx
+++ b/Grassmere_Top_Comps.pptx
@@ -5,18 +5,19 @@
     <p:sldMasterId id="2147483648" r:id="rId1"/>
   </p:sldMasterIdLst>
   <p:sldIdLst>
-    <p:sldId id="256" r:id="rId7"/>
-    <p:sldId id="257" r:id="rId8"/>
-    <p:sldId id="258" r:id="rId9"/>
-    <p:sldId id="259" r:id="rId10"/>
-    <p:sldId id="260" r:id="rId11"/>
-    <p:sldId id="261" r:id="rId12"/>
-    <p:sldId id="262" r:id="rId13"/>
-    <p:sldId id="263" r:id="rId14"/>
-    <p:sldId id="264" r:id="rId15"/>
-    <p:sldId id="265" r:id="rId16"/>
+    <p:sldId id="256" r:id="rId2"/>
+    <p:sldId id="266" r:id="rId16"/>
+    <p:sldId id="257" r:id="rId3"/>
+    <p:sldId id="258" r:id="rId4"/>
+    <p:sldId id="259" r:id="rId5"/>
+    <p:sldId id="260" r:id="rId6"/>
+    <p:sldId id="261" r:id="rId7"/>
+    <p:sldId id="262" r:id="rId8"/>
+    <p:sldId id="263" r:id="rId9"/>
+    <p:sldId id="264" r:id="rId10"/>
+    <p:sldId id="265" r:id="rId11"/>
   </p:sldIdLst>
-  <p:sldSz cx="12191695" cy="6858000" type="screen4x3"/>
+  <p:sldSz cx="12192000" cy="6858000"/>
   <p:notesSz cx="6858000" cy="9144000"/>
   <p:defaultTextStyle>
     <a:defPPr>
@@ -113,6 +114,22 @@
       </a:defRPr>
     </a:lvl9pPr>
   </p:defaultTextStyle>
+  <p:extLst>
+    <p:ext uri="{EFAFB233-063F-42B5-8137-9DF3F51BA10A}">
+      <p15:sldGuideLst xmlns:p15="http://schemas.microsoft.com/office/powerpoint/2012/main">
+        <p15:guide id="1" orient="horz" pos="2160">
+          <p15:clr>
+            <a:srgbClr val="A4A3A4"/>
+          </p15:clr>
+        </p15:guide>
+        <p15:guide id="2" pos="2880">
+          <p15:clr>
+            <a:srgbClr val="A4A3A4"/>
+          </p15:clr>
+        </p15:guide>
+      </p15:sldGuideLst>
+    </p:ext>
+  </p:extLst>
 </p:presentation>
 </file>
 
@@ -154,10 +171,9 @@
           <a:lstStyle/>
           <a:p>
             <a:r>
-              <a:rPr lang="en-US" smtClean="0"/>
+              <a:rPr lang="en-US"/>
               <a:t>Click to edit Master title style</a:t>
             </a:r>
-            <a:endParaRPr lang="en-US"/>
           </a:p>
         </p:txBody>
       </p:sp>
@@ -273,10 +289,9 @@
           </a:lstStyle>
           <a:p>
             <a:r>
-              <a:rPr lang="en-US" smtClean="0"/>
+              <a:rPr lang="en-US"/>
               <a:t>Click to edit Master subtitle style</a:t>
             </a:r>
-            <a:endParaRPr lang="en-US"/>
           </a:p>
         </p:txBody>
       </p:sp>
@@ -297,7 +312,7 @@
           <a:p>
             <a:fld id="{5BCAD085-E8A6-8845-BD4E-CB4CCA059FC4}" type="datetimeFigureOut">
               <a:rPr lang="en-US" smtClean="0"/>
-              <a:t>1/27/13</a:t>
+              <a:t>2/17/26</a:t>
             </a:fld>
             <a:endParaRPr lang="en-US"/>
           </a:p>
@@ -391,10 +406,9 @@
           <a:lstStyle/>
           <a:p>
             <a:r>
-              <a:rPr lang="en-US" smtClean="0"/>
+              <a:rPr lang="en-US"/>
               <a:t>Click to edit Master title style</a:t>
             </a:r>
-            <a:endParaRPr lang="en-US"/>
           </a:p>
         </p:txBody>
       </p:sp>
@@ -415,38 +429,37 @@
           <a:p>
             <a:pPr lvl="0"/>
             <a:r>
-              <a:rPr lang="en-US" smtClean="0"/>
+              <a:rPr lang="en-US"/>
               <a:t>Click to edit Master text styles</a:t>
             </a:r>
           </a:p>
           <a:p>
             <a:pPr lvl="1"/>
             <a:r>
-              <a:rPr lang="en-US" smtClean="0"/>
+              <a:rPr lang="en-US"/>
               <a:t>Second level</a:t>
             </a:r>
           </a:p>
           <a:p>
             <a:pPr lvl="2"/>
             <a:r>
-              <a:rPr lang="en-US" smtClean="0"/>
+              <a:rPr lang="en-US"/>
               <a:t>Third level</a:t>
             </a:r>
           </a:p>
           <a:p>
             <a:pPr lvl="3"/>
             <a:r>
-              <a:rPr lang="en-US" smtClean="0"/>
+              <a:rPr lang="en-US"/>
               <a:t>Fourth level</a:t>
             </a:r>
           </a:p>
           <a:p>
             <a:pPr lvl="4"/>
             <a:r>
-              <a:rPr lang="en-US" smtClean="0"/>
+              <a:rPr lang="en-US"/>
               <a:t>Fifth level</a:t>
             </a:r>
-            <a:endParaRPr lang="en-US"/>
           </a:p>
         </p:txBody>
       </p:sp>
@@ -467,7 +480,7 @@
           <a:p>
             <a:fld id="{5BCAD085-E8A6-8845-BD4E-CB4CCA059FC4}" type="datetimeFigureOut">
               <a:rPr lang="en-US" smtClean="0"/>
-              <a:t>1/27/13</a:t>
+              <a:t>2/17/26</a:t>
             </a:fld>
             <a:endParaRPr lang="en-US"/>
           </a:p>
@@ -566,10 +579,9 @@
           <a:lstStyle/>
           <a:p>
             <a:r>
-              <a:rPr lang="en-US" smtClean="0"/>
+              <a:rPr lang="en-US"/>
               <a:t>Click to edit Master title style</a:t>
             </a:r>
-            <a:endParaRPr lang="en-US"/>
           </a:p>
         </p:txBody>
       </p:sp>
@@ -595,38 +607,37 @@
           <a:p>
             <a:pPr lvl="0"/>
             <a:r>
-              <a:rPr lang="en-US" smtClean="0"/>
+              <a:rPr lang="en-US"/>
               <a:t>Click to edit Master text styles</a:t>
             </a:r>
           </a:p>
           <a:p>
             <a:pPr lvl="1"/>
             <a:r>
-              <a:rPr lang="en-US" smtClean="0"/>
+              <a:rPr lang="en-US"/>
               <a:t>Second level</a:t>
             </a:r>
           </a:p>
           <a:p>
             <a:pPr lvl="2"/>
             <a:r>
-              <a:rPr lang="en-US" smtClean="0"/>
+              <a:rPr lang="en-US"/>
               <a:t>Third level</a:t>
             </a:r>
           </a:p>
           <a:p>
             <a:pPr lvl="3"/>
             <a:r>
-              <a:rPr lang="en-US" smtClean="0"/>
+              <a:rPr lang="en-US"/>
               <a:t>Fourth level</a:t>
             </a:r>
           </a:p>
           <a:p>
             <a:pPr lvl="4"/>
             <a:r>
-              <a:rPr lang="en-US" smtClean="0"/>
+              <a:rPr lang="en-US"/>
               <a:t>Fifth level</a:t>
             </a:r>
-            <a:endParaRPr lang="en-US"/>
           </a:p>
         </p:txBody>
       </p:sp>
@@ -647,7 +658,7 @@
           <a:p>
             <a:fld id="{5BCAD085-E8A6-8845-BD4E-CB4CCA059FC4}" type="datetimeFigureOut">
               <a:rPr lang="en-US" smtClean="0"/>
-              <a:t>1/27/13</a:t>
+              <a:t>2/17/26</a:t>
             </a:fld>
             <a:endParaRPr lang="en-US"/>
           </a:p>
@@ -741,10 +752,9 @@
           <a:lstStyle/>
           <a:p>
             <a:r>
-              <a:rPr lang="en-US" smtClean="0"/>
+              <a:rPr lang="en-US"/>
               <a:t>Click to edit Master title style</a:t>
             </a:r>
-            <a:endParaRPr lang="en-US"/>
           </a:p>
         </p:txBody>
       </p:sp>
@@ -765,38 +775,37 @@
           <a:p>
             <a:pPr lvl="0"/>
             <a:r>
-              <a:rPr lang="en-US" smtClean="0"/>
+              <a:rPr lang="en-US"/>
               <a:t>Click to edit Master text styles</a:t>
             </a:r>
           </a:p>
           <a:p>
             <a:pPr lvl="1"/>
             <a:r>
-              <a:rPr lang="en-US" smtClean="0"/>
+              <a:rPr lang="en-US"/>
               <a:t>Second level</a:t>
             </a:r>
           </a:p>
           <a:p>
             <a:pPr lvl="2"/>
             <a:r>
-              <a:rPr lang="en-US" smtClean="0"/>
+              <a:rPr lang="en-US"/>
               <a:t>Third level</a:t>
             </a:r>
           </a:p>
           <a:p>
             <a:pPr lvl="3"/>
             <a:r>
-              <a:rPr lang="en-US" smtClean="0"/>
+              <a:rPr lang="en-US"/>
               <a:t>Fourth level</a:t>
             </a:r>
           </a:p>
           <a:p>
             <a:pPr lvl="4"/>
             <a:r>
-              <a:rPr lang="en-US" smtClean="0"/>
+              <a:rPr lang="en-US"/>
               <a:t>Fifth level</a:t>
             </a:r>
-            <a:endParaRPr lang="en-US"/>
           </a:p>
         </p:txBody>
       </p:sp>
@@ -817,7 +826,7 @@
           <a:p>
             <a:fld id="{5BCAD085-E8A6-8845-BD4E-CB4CCA059FC4}" type="datetimeFigureOut">
               <a:rPr lang="en-US" smtClean="0"/>
-              <a:t>1/27/13</a:t>
+              <a:t>2/17/26</a:t>
             </a:fld>
             <a:endParaRPr lang="en-US"/>
           </a:p>
@@ -920,10 +929,9 @@
           </a:lstStyle>
           <a:p>
             <a:r>
-              <a:rPr lang="en-US" smtClean="0"/>
+              <a:rPr lang="en-US"/>
               <a:t>Click to edit Master title style</a:t>
             </a:r>
-            <a:endParaRPr lang="en-US"/>
           </a:p>
         </p:txBody>
       </p:sp>
@@ -1040,7 +1048,7 @@
           <a:p>
             <a:pPr lvl="0"/>
             <a:r>
-              <a:rPr lang="en-US" smtClean="0"/>
+              <a:rPr lang="en-US"/>
               <a:t>Click to edit Master text styles</a:t>
             </a:r>
           </a:p>
@@ -1063,7 +1071,7 @@
           <a:p>
             <a:fld id="{5BCAD085-E8A6-8845-BD4E-CB4CCA059FC4}" type="datetimeFigureOut">
               <a:rPr lang="en-US" smtClean="0"/>
-              <a:t>1/27/13</a:t>
+              <a:t>2/17/26</a:t>
             </a:fld>
             <a:endParaRPr lang="en-US"/>
           </a:p>
@@ -1157,10 +1165,9 @@
           <a:lstStyle/>
           <a:p>
             <a:r>
-              <a:rPr lang="en-US" smtClean="0"/>
+              <a:rPr lang="en-US"/>
               <a:t>Click to edit Master title style</a:t>
             </a:r>
-            <a:endParaRPr lang="en-US"/>
           </a:p>
         </p:txBody>
       </p:sp>
@@ -1214,38 +1221,37 @@
           <a:p>
             <a:pPr lvl="0"/>
             <a:r>
-              <a:rPr lang="en-US" smtClean="0"/>
+              <a:rPr lang="en-US"/>
               <a:t>Click to edit Master text styles</a:t>
             </a:r>
           </a:p>
           <a:p>
             <a:pPr lvl="1"/>
             <a:r>
-              <a:rPr lang="en-US" smtClean="0"/>
+              <a:rPr lang="en-US"/>
               <a:t>Second level</a:t>
             </a:r>
           </a:p>
           <a:p>
             <a:pPr lvl="2"/>
             <a:r>
-              <a:rPr lang="en-US" smtClean="0"/>
+              <a:rPr lang="en-US"/>
               <a:t>Third level</a:t>
             </a:r>
           </a:p>
           <a:p>
             <a:pPr lvl="3"/>
             <a:r>
-              <a:rPr lang="en-US" smtClean="0"/>
+              <a:rPr lang="en-US"/>
               <a:t>Fourth level</a:t>
             </a:r>
           </a:p>
           <a:p>
             <a:pPr lvl="4"/>
             <a:r>
-              <a:rPr lang="en-US" smtClean="0"/>
+              <a:rPr lang="en-US"/>
               <a:t>Fifth level</a:t>
             </a:r>
-            <a:endParaRPr lang="en-US"/>
           </a:p>
         </p:txBody>
       </p:sp>
@@ -1299,38 +1305,37 @@
           <a:p>
             <a:pPr lvl="0"/>
             <a:r>
-              <a:rPr lang="en-US" smtClean="0"/>
+              <a:rPr lang="en-US"/>
               <a:t>Click to edit Master text styles</a:t>
             </a:r>
           </a:p>
           <a:p>
             <a:pPr lvl="1"/>
             <a:r>
-              <a:rPr lang="en-US" smtClean="0"/>
+              <a:rPr lang="en-US"/>
               <a:t>Second level</a:t>
             </a:r>
           </a:p>
           <a:p>
             <a:pPr lvl="2"/>
             <a:r>
-              <a:rPr lang="en-US" smtClean="0"/>
+              <a:rPr lang="en-US"/>
               <a:t>Third level</a:t>
             </a:r>
           </a:p>
           <a:p>
             <a:pPr lvl="3"/>
             <a:r>
-              <a:rPr lang="en-US" smtClean="0"/>
+              <a:rPr lang="en-US"/>
               <a:t>Fourth level</a:t>
             </a:r>
           </a:p>
           <a:p>
             <a:pPr lvl="4"/>
             <a:r>
-              <a:rPr lang="en-US" smtClean="0"/>
+              <a:rPr lang="en-US"/>
               <a:t>Fifth level</a:t>
             </a:r>
-            <a:endParaRPr lang="en-US"/>
           </a:p>
         </p:txBody>
       </p:sp>
@@ -1351,7 +1356,7 @@
           <a:p>
             <a:fld id="{5BCAD085-E8A6-8845-BD4E-CB4CCA059FC4}" type="datetimeFigureOut">
               <a:rPr lang="en-US" smtClean="0"/>
-              <a:t>1/27/13</a:t>
+              <a:t>2/17/26</a:t>
             </a:fld>
             <a:endParaRPr lang="en-US"/>
           </a:p>
@@ -1449,10 +1454,9 @@
           </a:lstStyle>
           <a:p>
             <a:r>
-              <a:rPr lang="en-US" smtClean="0"/>
+              <a:rPr lang="en-US"/>
               <a:t>Click to edit Master title style</a:t>
             </a:r>
-            <a:endParaRPr lang="en-US"/>
           </a:p>
         </p:txBody>
       </p:sp>
@@ -1515,7 +1519,7 @@
           <a:p>
             <a:pPr lvl="0"/>
             <a:r>
-              <a:rPr lang="en-US" smtClean="0"/>
+              <a:rPr lang="en-US"/>
               <a:t>Click to edit Master text styles</a:t>
             </a:r>
           </a:p>
@@ -1571,38 +1575,37 @@
           <a:p>
             <a:pPr lvl="0"/>
             <a:r>
-              <a:rPr lang="en-US" smtClean="0"/>
+              <a:rPr lang="en-US"/>
               <a:t>Click to edit Master text styles</a:t>
             </a:r>
           </a:p>
           <a:p>
             <a:pPr lvl="1"/>
             <a:r>
-              <a:rPr lang="en-US" smtClean="0"/>
+              <a:rPr lang="en-US"/>
               <a:t>Second level</a:t>
             </a:r>
           </a:p>
           <a:p>
             <a:pPr lvl="2"/>
             <a:r>
-              <a:rPr lang="en-US" smtClean="0"/>
+              <a:rPr lang="en-US"/>
               <a:t>Third level</a:t>
             </a:r>
           </a:p>
           <a:p>
             <a:pPr lvl="3"/>
             <a:r>
-              <a:rPr lang="en-US" smtClean="0"/>
+              <a:rPr lang="en-US"/>
               <a:t>Fourth level</a:t>
             </a:r>
           </a:p>
           <a:p>
             <a:pPr lvl="4"/>
             <a:r>
-              <a:rPr lang="en-US" smtClean="0"/>
+              <a:rPr lang="en-US"/>
               <a:t>Fifth level</a:t>
             </a:r>
-            <a:endParaRPr lang="en-US"/>
           </a:p>
         </p:txBody>
       </p:sp>
@@ -1665,7 +1668,7 @@
           <a:p>
             <a:pPr lvl="0"/>
             <a:r>
-              <a:rPr lang="en-US" smtClean="0"/>
+              <a:rPr lang="en-US"/>
               <a:t>Click to edit Master text styles</a:t>
             </a:r>
           </a:p>
@@ -1721,38 +1724,37 @@
           <a:p>
             <a:pPr lvl="0"/>
             <a:r>
-              <a:rPr lang="en-US" smtClean="0"/>
+              <a:rPr lang="en-US"/>
               <a:t>Click to edit Master text styles</a:t>
             </a:r>
           </a:p>
           <a:p>
             <a:pPr lvl="1"/>
             <a:r>
-              <a:rPr lang="en-US" smtClean="0"/>
+              <a:rPr lang="en-US"/>
               <a:t>Second level</a:t>
             </a:r>
           </a:p>
           <a:p>
             <a:pPr lvl="2"/>
             <a:r>
-              <a:rPr lang="en-US" smtClean="0"/>
+              <a:rPr lang="en-US"/>
               <a:t>Third level</a:t>
             </a:r>
           </a:p>
           <a:p>
             <a:pPr lvl="3"/>
             <a:r>
-              <a:rPr lang="en-US" smtClean="0"/>
+              <a:rPr lang="en-US"/>
               <a:t>Fourth level</a:t>
             </a:r>
           </a:p>
           <a:p>
             <a:pPr lvl="4"/>
             <a:r>
-              <a:rPr lang="en-US" smtClean="0"/>
+              <a:rPr lang="en-US"/>
               <a:t>Fifth level</a:t>
             </a:r>
-            <a:endParaRPr lang="en-US"/>
           </a:p>
         </p:txBody>
       </p:sp>
@@ -1773,7 +1775,7 @@
           <a:p>
             <a:fld id="{5BCAD085-E8A6-8845-BD4E-CB4CCA059FC4}" type="datetimeFigureOut">
               <a:rPr lang="en-US" smtClean="0"/>
-              <a:t>1/27/13</a:t>
+              <a:t>2/17/26</a:t>
             </a:fld>
             <a:endParaRPr lang="en-US"/>
           </a:p>
@@ -1867,10 +1869,9 @@
           <a:lstStyle/>
           <a:p>
             <a:r>
-              <a:rPr lang="en-US" smtClean="0"/>
+              <a:rPr lang="en-US"/>
               <a:t>Click to edit Master title style</a:t>
             </a:r>
-            <a:endParaRPr lang="en-US"/>
           </a:p>
         </p:txBody>
       </p:sp>
@@ -1891,7 +1892,7 @@
           <a:p>
             <a:fld id="{5BCAD085-E8A6-8845-BD4E-CB4CCA059FC4}" type="datetimeFigureOut">
               <a:rPr lang="en-US" smtClean="0"/>
-              <a:t>1/27/13</a:t>
+              <a:t>2/17/26</a:t>
             </a:fld>
             <a:endParaRPr lang="en-US"/>
           </a:p>
@@ -1986,7 +1987,7 @@
           <a:p>
             <a:fld id="{5BCAD085-E8A6-8845-BD4E-CB4CCA059FC4}" type="datetimeFigureOut">
               <a:rPr lang="en-US" smtClean="0"/>
-              <a:t>1/27/13</a:t>
+              <a:t>2/17/26</a:t>
             </a:fld>
             <a:endParaRPr lang="en-US"/>
           </a:p>
@@ -2089,10 +2090,9 @@
           </a:lstStyle>
           <a:p>
             <a:r>
-              <a:rPr lang="en-US" smtClean="0"/>
+              <a:rPr lang="en-US"/>
               <a:t>Click to edit Master title style</a:t>
             </a:r>
-            <a:endParaRPr lang="en-US"/>
           </a:p>
         </p:txBody>
       </p:sp>
@@ -2146,38 +2146,37 @@
           <a:p>
             <a:pPr lvl="0"/>
             <a:r>
-              <a:rPr lang="en-US" smtClean="0"/>
+              <a:rPr lang="en-US"/>
               <a:t>Click to edit Master text styles</a:t>
             </a:r>
           </a:p>
           <a:p>
             <a:pPr lvl="1"/>
             <a:r>
-              <a:rPr lang="en-US" smtClean="0"/>
+              <a:rPr lang="en-US"/>
               <a:t>Second level</a:t>
             </a:r>
           </a:p>
           <a:p>
             <a:pPr lvl="2"/>
             <a:r>
-              <a:rPr lang="en-US" smtClean="0"/>
+              <a:rPr lang="en-US"/>
               <a:t>Third level</a:t>
             </a:r>
           </a:p>
           <a:p>
             <a:pPr lvl="3"/>
             <a:r>
-              <a:rPr lang="en-US" smtClean="0"/>
+              <a:rPr lang="en-US"/>
               <a:t>Fourth level</a:t>
             </a:r>
           </a:p>
           <a:p>
             <a:pPr lvl="4"/>
             <a:r>
-              <a:rPr lang="en-US" smtClean="0"/>
+              <a:rPr lang="en-US"/>
               <a:t>Fifth level</a:t>
             </a:r>
-            <a:endParaRPr lang="en-US"/>
           </a:p>
         </p:txBody>
       </p:sp>
@@ -2240,7 +2239,7 @@
           <a:p>
             <a:pPr lvl="0"/>
             <a:r>
-              <a:rPr lang="en-US" smtClean="0"/>
+              <a:rPr lang="en-US"/>
               <a:t>Click to edit Master text styles</a:t>
             </a:r>
           </a:p>
@@ -2263,7 +2262,7 @@
           <a:p>
             <a:fld id="{5BCAD085-E8A6-8845-BD4E-CB4CCA059FC4}" type="datetimeFigureOut">
               <a:rPr lang="en-US" smtClean="0"/>
-              <a:t>1/27/13</a:t>
+              <a:t>2/17/26</a:t>
             </a:fld>
             <a:endParaRPr lang="en-US"/>
           </a:p>
@@ -2366,10 +2365,9 @@
           </a:lstStyle>
           <a:p>
             <a:r>
-              <a:rPr lang="en-US" smtClean="0"/>
+              <a:rPr lang="en-US"/>
               <a:t>Click to edit Master title style</a:t>
             </a:r>
-            <a:endParaRPr lang="en-US"/>
           </a:p>
         </p:txBody>
       </p:sp>
@@ -2493,7 +2491,7 @@
           <a:p>
             <a:pPr lvl="0"/>
             <a:r>
-              <a:rPr lang="en-US" smtClean="0"/>
+              <a:rPr lang="en-US"/>
               <a:t>Click to edit Master text styles</a:t>
             </a:r>
           </a:p>
@@ -2516,7 +2514,7 @@
           <a:p>
             <a:fld id="{5BCAD085-E8A6-8845-BD4E-CB4CCA059FC4}" type="datetimeFigureOut">
               <a:rPr lang="en-US" smtClean="0"/>
-              <a:t>1/27/13</a:t>
+              <a:t>2/17/26</a:t>
             </a:fld>
             <a:endParaRPr lang="en-US"/>
           </a:p>
@@ -2625,10 +2623,9 @@
           <a:lstStyle/>
           <a:p>
             <a:r>
-              <a:rPr lang="en-US" smtClean="0"/>
+              <a:rPr lang="en-US"/>
               <a:t>Click to edit Master title style</a:t>
             </a:r>
-            <a:endParaRPr lang="en-US"/>
           </a:p>
         </p:txBody>
       </p:sp>
@@ -2659,38 +2656,37 @@
           <a:p>
             <a:pPr lvl="0"/>
             <a:r>
-              <a:rPr lang="en-US" smtClean="0"/>
+              <a:rPr lang="en-US"/>
               <a:t>Click to edit Master text styles</a:t>
             </a:r>
           </a:p>
           <a:p>
             <a:pPr lvl="1"/>
             <a:r>
-              <a:rPr lang="en-US" smtClean="0"/>
+              <a:rPr lang="en-US"/>
               <a:t>Second level</a:t>
             </a:r>
           </a:p>
           <a:p>
             <a:pPr lvl="2"/>
             <a:r>
-              <a:rPr lang="en-US" smtClean="0"/>
+              <a:rPr lang="en-US"/>
               <a:t>Third level</a:t>
             </a:r>
           </a:p>
           <a:p>
             <a:pPr lvl="3"/>
             <a:r>
-              <a:rPr lang="en-US" smtClean="0"/>
+              <a:rPr lang="en-US"/>
               <a:t>Fourth level</a:t>
             </a:r>
           </a:p>
           <a:p>
             <a:pPr lvl="4"/>
             <a:r>
-              <a:rPr lang="en-US" smtClean="0"/>
+              <a:rPr lang="en-US"/>
               <a:t>Fifth level</a:t>
             </a:r>
-            <a:endParaRPr lang="en-US"/>
           </a:p>
         </p:txBody>
       </p:sp>
@@ -2729,7 +2725,7 @@
           <a:p>
             <a:fld id="{5BCAD085-E8A6-8845-BD4E-CB4CCA059FC4}" type="datetimeFigureOut">
               <a:rPr lang="en-US" smtClean="0"/>
-              <a:t>1/27/13</a:t>
+              <a:t>2/17/26</a:t>
             </a:fld>
             <a:endParaRPr lang="en-US"/>
           </a:p>
@@ -3088,6 +3084,2001 @@
 </file>
 
 <file path=ppt/slides/slide1.xml><?xml version="1.0" encoding="utf-8"?>
+<p:sld xmlns:a="http://schemas.openxmlformats.org/drawingml/2006/main" xmlns:r="http://schemas.openxmlformats.org/officeDocument/2006/relationships" xmlns:p="http://schemas.openxmlformats.org/presentationml/2006/main">
+  <p:cSld>
+    <p:bg>
+      <p:bgPr>
+        <a:solidFill>
+          <a:srgbClr val="FFFFFF"/>
+        </a:solidFill>
+        <a:effectLst/>
+      </p:bgPr>
+    </p:bg>
+    <p:spTree>
+      <p:nvGrpSpPr>
+        <p:cNvPr id="1" name=""/>
+        <p:cNvGrpSpPr/>
+        <p:nvPr/>
+      </p:nvGrpSpPr>
+      <p:grpSpPr>
+        <a:xfrm>
+          <a:off x="0" y="0"/>
+          <a:ext cx="0" cy="0"/>
+          <a:chOff x="0" y="0"/>
+          <a:chExt cx="0" cy="0"/>
+        </a:xfrm>
+      </p:grpSpPr>
+      <p:sp>
+        <p:nvSpPr>
+          <p:cNvPr id="2" name="Rectangle 1"/>
+          <p:cNvSpPr/>
+          <p:nvPr/>
+        </p:nvSpPr>
+        <p:spPr>
+          <a:xfrm>
+            <a:off x="0" y="0"/>
+            <a:ext cx="12191695" cy="1005840"/>
+          </a:xfrm>
+          <a:prstGeom prst="rect">
+            <a:avLst/>
+          </a:prstGeom>
+          <a:solidFill>
+            <a:srgbClr val="3A5566"/>
+          </a:solidFill>
+          <a:ln>
+            <a:noFill/>
+          </a:ln>
+        </p:spPr>
+        <p:style>
+          <a:lnRef idx="1">
+            <a:schemeClr val="accent1"/>
+          </a:lnRef>
+          <a:fillRef idx="3">
+            <a:schemeClr val="accent1"/>
+          </a:fillRef>
+          <a:effectRef idx="2">
+            <a:schemeClr val="accent1"/>
+          </a:effectRef>
+          <a:fontRef idx="minor">
+            <a:schemeClr val="lt1"/>
+          </a:fontRef>
+        </p:style>
+        <p:txBody>
+          <a:bodyPr rtlCol="0" anchor="ctr"/>
+          <a:lstStyle/>
+          <a:p>
+            <a:pPr algn="ctr"/>
+            <a:endParaRPr/>
+          </a:p>
+        </p:txBody>
+      </p:sp>
+      <p:sp>
+        <p:nvSpPr>
+          <p:cNvPr id="3" name="TextBox 2"/>
+          <p:cNvSpPr txBox="1"/>
+          <p:nvPr/>
+        </p:nvSpPr>
+        <p:spPr>
+          <a:xfrm>
+            <a:off x="457200" y="137160"/>
+            <a:ext cx="10972800" cy="457200"/>
+          </a:xfrm>
+          <a:prstGeom prst="rect">
+            <a:avLst/>
+          </a:prstGeom>
+          <a:noFill/>
+        </p:spPr>
+        <p:txBody>
+          <a:bodyPr wrap="square">
+            <a:spAutoFit/>
+          </a:bodyPr>
+          <a:lstStyle/>
+          <a:p>
+            <a:pPr algn="l">
+              <a:defRPr sz="3200" b="1">
+                <a:solidFill>
+                  <a:srgbClr val="FFFFFF"/>
+                </a:solidFill>
+              </a:defRPr>
+            </a:pPr>
+            <a:r>
+              <a:t>648 Grassmere Park — Comparable Sales Analysis</a:t>
+            </a:r>
+          </a:p>
+        </p:txBody>
+      </p:sp>
+      <p:sp>
+        <p:nvSpPr>
+          <p:cNvPr id="4" name="TextBox 3"/>
+          <p:cNvSpPr txBox="1"/>
+          <p:nvPr/>
+        </p:nvSpPr>
+        <p:spPr>
+          <a:xfrm>
+            <a:off x="457200" y="548640"/>
+            <a:ext cx="10972800" cy="365760"/>
+          </a:xfrm>
+          <a:prstGeom prst="rect">
+            <a:avLst/>
+          </a:prstGeom>
+          <a:noFill/>
+        </p:spPr>
+        <p:txBody>
+          <a:bodyPr wrap="square">
+            <a:spAutoFit/>
+          </a:bodyPr>
+          <a:lstStyle/>
+          <a:p>
+            <a:pPr algn="l">
+              <a:defRPr sz="1600" b="0">
+                <a:solidFill>
+                  <a:srgbClr val="CBB279"/>
+                </a:solidFill>
+              </a:defRPr>
+            </a:pPr>
+            <a:r>
+              <a:t>Subject Property  |  Nashville, Davidson County, TN</a:t>
+            </a:r>
+          </a:p>
+        </p:txBody>
+      </p:sp>
+      <p:pic>
+        <p:nvPicPr>
+          <p:cNvPr id="5" name="Picture 4" descr="rank0_photo.jpg"/>
+          <p:cNvPicPr>
+            <a:picLocks noChangeAspect="1"/>
+          </p:cNvPicPr>
+          <p:nvPr/>
+        </p:nvPicPr>
+        <p:blipFill>
+          <a:blip r:embed="rId2"/>
+          <a:stretch>
+            <a:fillRect/>
+          </a:stretch>
+        </p:blipFill>
+        <p:spPr>
+          <a:xfrm>
+            <a:off x="457200" y="1371600"/>
+            <a:ext cx="4114800" cy="2743200"/>
+          </a:xfrm>
+          <a:prstGeom prst="rect">
+            <a:avLst/>
+          </a:prstGeom>
+        </p:spPr>
+      </p:pic>
+      <p:pic>
+        <p:nvPicPr>
+          <p:cNvPr id="6" name="Picture 5" descr="rank0_sketch.jpg"/>
+          <p:cNvPicPr>
+            <a:picLocks noChangeAspect="1"/>
+          </p:cNvPicPr>
+          <p:nvPr/>
+        </p:nvPicPr>
+        <p:blipFill>
+          <a:blip r:embed="rId3"/>
+          <a:stretch>
+            <a:fillRect/>
+          </a:stretch>
+        </p:blipFill>
+        <p:spPr>
+          <a:xfrm>
+            <a:off x="4846320" y="1371600"/>
+            <a:ext cx="3200400" cy="2743200"/>
+          </a:xfrm>
+          <a:prstGeom prst="rect">
+            <a:avLst/>
+          </a:prstGeom>
+        </p:spPr>
+      </p:pic>
+      <p:sp>
+        <p:nvSpPr>
+          <p:cNvPr id="7" name="Rectangle 6"/>
+          <p:cNvSpPr/>
+          <p:nvPr/>
+        </p:nvSpPr>
+        <p:spPr>
+          <a:xfrm>
+            <a:off x="8503920" y="1371600"/>
+            <a:ext cx="1645920" cy="1188720"/>
+          </a:xfrm>
+          <a:prstGeom prst="rect">
+            <a:avLst/>
+          </a:prstGeom>
+          <a:solidFill>
+            <a:srgbClr val="F2F0ED"/>
+          </a:solidFill>
+          <a:ln>
+            <a:solidFill>
+              <a:srgbClr val="E2E2E0"/>
+            </a:solidFill>
+          </a:ln>
+        </p:spPr>
+        <p:style>
+          <a:lnRef idx="1">
+            <a:schemeClr val="accent1"/>
+          </a:lnRef>
+          <a:fillRef idx="3">
+            <a:schemeClr val="accent1"/>
+          </a:fillRef>
+          <a:effectRef idx="2">
+            <a:schemeClr val="accent1"/>
+          </a:effectRef>
+          <a:fontRef idx="minor">
+            <a:schemeClr val="lt1"/>
+          </a:fontRef>
+        </p:style>
+        <p:txBody>
+          <a:bodyPr wrap="square" rtlCol="0" anchor="ctr"/>
+          <a:lstStyle/>
+          <a:p>
+            <a:pPr algn="ctr">
+              <a:defRPr sz="2200" b="1">
+                <a:solidFill>
+                  <a:srgbClr val="3A5566"/>
+                </a:solidFill>
+              </a:defRPr>
+            </a:pPr>
+            <a:r>
+              <a:t>$25.9M</a:t>
+            </a:r>
+          </a:p>
+          <a:p>
+            <a:pPr algn="ctr">
+              <a:defRPr sz="1000">
+                <a:solidFill>
+                  <a:srgbClr val="706F6C"/>
+                </a:solidFill>
+              </a:defRPr>
+            </a:pPr>
+            <a:r>
+              <a:t>Sale Price</a:t>
+            </a:r>
+          </a:p>
+        </p:txBody>
+      </p:sp>
+      <p:sp>
+        <p:nvSpPr>
+          <p:cNvPr id="8" name="Rectangle 7"/>
+          <p:cNvSpPr/>
+          <p:nvPr/>
+        </p:nvSpPr>
+        <p:spPr>
+          <a:xfrm>
+            <a:off x="10287000" y="1371600"/>
+            <a:ext cx="1645920" cy="1188720"/>
+          </a:xfrm>
+          <a:prstGeom prst="rect">
+            <a:avLst/>
+          </a:prstGeom>
+          <a:solidFill>
+            <a:srgbClr val="F2F0ED"/>
+          </a:solidFill>
+          <a:ln>
+            <a:solidFill>
+              <a:srgbClr val="E2E2E0"/>
+            </a:solidFill>
+          </a:ln>
+        </p:spPr>
+        <p:style>
+          <a:lnRef idx="1">
+            <a:schemeClr val="accent1"/>
+          </a:lnRef>
+          <a:fillRef idx="3">
+            <a:schemeClr val="accent1"/>
+          </a:fillRef>
+          <a:effectRef idx="2">
+            <a:schemeClr val="accent1"/>
+          </a:effectRef>
+          <a:fontRef idx="minor">
+            <a:schemeClr val="lt1"/>
+          </a:fontRef>
+        </p:style>
+        <p:txBody>
+          <a:bodyPr wrap="square" rtlCol="0" anchor="ctr"/>
+          <a:lstStyle/>
+          <a:p>
+            <a:pPr algn="ctr">
+              <a:defRPr sz="2200" b="1">
+                <a:solidFill>
+                  <a:srgbClr val="3A5566"/>
+                </a:solidFill>
+              </a:defRPr>
+            </a:pPr>
+            <a:r>
+              <a:t>$115.69</a:t>
+            </a:r>
+          </a:p>
+          <a:p>
+            <a:pPr algn="ctr">
+              <a:defRPr sz="1000">
+                <a:solidFill>
+                  <a:srgbClr val="706F6C"/>
+                </a:solidFill>
+              </a:defRPr>
+            </a:pPr>
+            <a:r>
+              <a:t>Per SF</a:t>
+            </a:r>
+          </a:p>
+        </p:txBody>
+      </p:sp>
+      <p:sp>
+        <p:nvSpPr>
+          <p:cNvPr id="9" name="Rectangle 8"/>
+          <p:cNvSpPr/>
+          <p:nvPr/>
+        </p:nvSpPr>
+        <p:spPr>
+          <a:xfrm>
+            <a:off x="12070080" y="1371600"/>
+            <a:ext cx="1645920" cy="1188720"/>
+          </a:xfrm>
+          <a:prstGeom prst="rect">
+            <a:avLst/>
+          </a:prstGeom>
+          <a:solidFill>
+            <a:srgbClr val="F2F0ED"/>
+          </a:solidFill>
+          <a:ln>
+            <a:solidFill>
+              <a:srgbClr val="E2E2E0"/>
+            </a:solidFill>
+          </a:ln>
+        </p:spPr>
+        <p:style>
+          <a:lnRef idx="1">
+            <a:schemeClr val="accent1"/>
+          </a:lnRef>
+          <a:fillRef idx="3">
+            <a:schemeClr val="accent1"/>
+          </a:fillRef>
+          <a:effectRef idx="2">
+            <a:schemeClr val="accent1"/>
+          </a:effectRef>
+          <a:fontRef idx="minor">
+            <a:schemeClr val="lt1"/>
+          </a:fontRef>
+        </p:style>
+        <p:txBody>
+          <a:bodyPr wrap="square" rtlCol="0" anchor="ctr"/>
+          <a:lstStyle/>
+          <a:p>
+            <a:pPr algn="ctr">
+              <a:defRPr sz="2200" b="1">
+                <a:solidFill>
+                  <a:srgbClr val="3A5566"/>
+                </a:solidFill>
+              </a:defRPr>
+            </a:pPr>
+            <a:r>
+              <a:t>23.49 ac</a:t>
+            </a:r>
+          </a:p>
+          <a:p>
+            <a:pPr algn="ctr">
+              <a:defRPr sz="1000">
+                <a:solidFill>
+                  <a:srgbClr val="706F6C"/>
+                </a:solidFill>
+              </a:defRPr>
+            </a:pPr>
+            <a:r>
+              <a:t>Lot Size</a:t>
+            </a:r>
+          </a:p>
+        </p:txBody>
+      </p:sp>
+      <p:sp>
+        <p:nvSpPr>
+          <p:cNvPr id="10" name="Rectangle 9"/>
+          <p:cNvSpPr/>
+          <p:nvPr/>
+        </p:nvSpPr>
+        <p:spPr>
+          <a:xfrm>
+            <a:off x="13853159" y="1371600"/>
+            <a:ext cx="1645920" cy="1188720"/>
+          </a:xfrm>
+          <a:prstGeom prst="rect">
+            <a:avLst/>
+          </a:prstGeom>
+          <a:solidFill>
+            <a:srgbClr val="F2F0ED"/>
+          </a:solidFill>
+          <a:ln>
+            <a:solidFill>
+              <a:srgbClr val="E2E2E0"/>
+            </a:solidFill>
+          </a:ln>
+        </p:spPr>
+        <p:style>
+          <a:lnRef idx="1">
+            <a:schemeClr val="accent1"/>
+          </a:lnRef>
+          <a:fillRef idx="3">
+            <a:schemeClr val="accent1"/>
+          </a:fillRef>
+          <a:effectRef idx="2">
+            <a:schemeClr val="accent1"/>
+          </a:effectRef>
+          <a:fontRef idx="minor">
+            <a:schemeClr val="lt1"/>
+          </a:fontRef>
+        </p:style>
+        <p:txBody>
+          <a:bodyPr wrap="square" rtlCol="0" anchor="ctr"/>
+          <a:lstStyle/>
+          <a:p>
+            <a:pPr algn="ctr">
+              <a:defRPr sz="2200" b="1">
+                <a:solidFill>
+                  <a:srgbClr val="3A5566"/>
+                </a:solidFill>
+              </a:defRPr>
+            </a:pPr>
+            <a:r>
+              <a:t>1985</a:t>
+            </a:r>
+          </a:p>
+          <a:p>
+            <a:pPr algn="ctr">
+              <a:defRPr sz="1000">
+                <a:solidFill>
+                  <a:srgbClr val="706F6C"/>
+                </a:solidFill>
+              </a:defRPr>
+            </a:pPr>
+            <a:r>
+              <a:t>Year Built</a:t>
+            </a:r>
+          </a:p>
+        </p:txBody>
+      </p:sp>
+      <p:sp>
+        <p:nvSpPr>
+          <p:cNvPr id="11" name="TextBox 10"/>
+          <p:cNvSpPr txBox="1"/>
+          <p:nvPr/>
+        </p:nvSpPr>
+        <p:spPr>
+          <a:xfrm>
+            <a:off x="457200" y="4389120"/>
+            <a:ext cx="10972800" cy="320040"/>
+          </a:xfrm>
+          <a:prstGeom prst="rect">
+            <a:avLst/>
+          </a:prstGeom>
+          <a:noFill/>
+        </p:spPr>
+        <p:txBody>
+          <a:bodyPr wrap="square">
+            <a:spAutoFit/>
+          </a:bodyPr>
+          <a:lstStyle/>
+          <a:p>
+            <a:pPr algn="l">
+              <a:defRPr sz="1400" b="0">
+                <a:solidFill>
+                  <a:srgbClr val="3A5566"/>
+                </a:solidFill>
+              </a:defRPr>
+            </a:pPr>
+            <a:r>
+              <a:t>648 Grassmere Park, Nashville, TN 37211</a:t>
+            </a:r>
+          </a:p>
+        </p:txBody>
+      </p:sp>
+      <p:sp>
+        <p:nvSpPr>
+          <p:cNvPr id="12" name="TextBox 11"/>
+          <p:cNvSpPr txBox="1"/>
+          <p:nvPr/>
+        </p:nvSpPr>
+        <p:spPr>
+          <a:xfrm>
+            <a:off x="457200" y="4736592"/>
+            <a:ext cx="10972800" cy="320040"/>
+          </a:xfrm>
+          <a:prstGeom prst="rect">
+            <a:avLst/>
+          </a:prstGeom>
+          <a:noFill/>
+        </p:spPr>
+        <p:txBody>
+          <a:bodyPr wrap="square">
+            <a:spAutoFit/>
+          </a:bodyPr>
+          <a:lstStyle/>
+          <a:p>
+            <a:pPr algn="l">
+              <a:defRPr sz="1400" b="0">
+                <a:solidFill>
+                  <a:srgbClr val="3A5566"/>
+                </a:solidFill>
+              </a:defRPr>
+            </a:pPr>
+            <a:r>
+              <a:t>Sale Price: $25,938,000  |  Price/SF: $115.69  |  Sold: 2015</a:t>
+            </a:r>
+          </a:p>
+        </p:txBody>
+      </p:sp>
+      <p:sp>
+        <p:nvSpPr>
+          <p:cNvPr id="13" name="TextBox 12"/>
+          <p:cNvSpPr txBox="1"/>
+          <p:nvPr/>
+        </p:nvSpPr>
+        <p:spPr>
+          <a:xfrm>
+            <a:off x="457200" y="5084064"/>
+            <a:ext cx="10972800" cy="320040"/>
+          </a:xfrm>
+          <a:prstGeom prst="rect">
+            <a:avLst/>
+          </a:prstGeom>
+          <a:noFill/>
+        </p:spPr>
+        <p:txBody>
+          <a:bodyPr wrap="square">
+            <a:spAutoFit/>
+          </a:bodyPr>
+          <a:lstStyle/>
+          <a:p>
+            <a:pPr algn="l">
+              <a:defRPr sz="1400" b="0">
+                <a:solidFill>
+                  <a:srgbClr val="3A5566"/>
+                </a:solidFill>
+              </a:defRPr>
+            </a:pPr>
+            <a:r>
+              <a:t>Year Built: 1985  |  Acreage: 23.49 ac  |  Stories: 3  |  Zoning: IWD</a:t>
+            </a:r>
+          </a:p>
+        </p:txBody>
+      </p:sp>
+      <p:sp>
+        <p:nvSpPr>
+          <p:cNvPr id="14" name="TextBox 13"/>
+          <p:cNvSpPr txBox="1"/>
+          <p:nvPr/>
+        </p:nvSpPr>
+        <p:spPr>
+          <a:xfrm>
+            <a:off x="457200" y="5431536"/>
+            <a:ext cx="10972800" cy="320040"/>
+          </a:xfrm>
+          <a:prstGeom prst="rect">
+            <a:avLst/>
+          </a:prstGeom>
+          <a:noFill/>
+        </p:spPr>
+        <p:txBody>
+          <a:bodyPr wrap="square">
+            <a:spAutoFit/>
+          </a:bodyPr>
+          <a:lstStyle/>
+          <a:p>
+            <a:pPr algn="l">
+              <a:defRPr sz="1400" b="0">
+                <a:solidFill>
+                  <a:srgbClr val="3A5566"/>
+                </a:solidFill>
+              </a:defRPr>
+            </a:pPr>
+            <a:r>
+              <a:t>Land Use: Office Building (3+ Stories)  |  Comp Score: 100/100</a:t>
+            </a:r>
+          </a:p>
+        </p:txBody>
+      </p:sp>
+      <p:sp>
+        <p:nvSpPr>
+          <p:cNvPr id="15" name="Rectangle 14"/>
+          <p:cNvSpPr/>
+          <p:nvPr/>
+        </p:nvSpPr>
+        <p:spPr>
+          <a:xfrm>
+            <a:off x="8503920" y="2743200"/>
+            <a:ext cx="1645920" cy="1188720"/>
+          </a:xfrm>
+          <a:prstGeom prst="rect">
+            <a:avLst/>
+          </a:prstGeom>
+          <a:solidFill>
+            <a:srgbClr val="F2F0ED"/>
+          </a:solidFill>
+          <a:ln>
+            <a:solidFill>
+              <a:srgbClr val="E2E2E0"/>
+            </a:solidFill>
+          </a:ln>
+        </p:spPr>
+        <p:style>
+          <a:lnRef idx="1">
+            <a:schemeClr val="accent1"/>
+          </a:lnRef>
+          <a:fillRef idx="3">
+            <a:schemeClr val="accent1"/>
+          </a:fillRef>
+          <a:effectRef idx="2">
+            <a:schemeClr val="accent1"/>
+          </a:effectRef>
+          <a:fontRef idx="minor">
+            <a:schemeClr val="lt1"/>
+          </a:fontRef>
+        </p:style>
+        <p:txBody>
+          <a:bodyPr wrap="square" rtlCol="0" anchor="ctr"/>
+          <a:lstStyle/>
+          <a:p>
+            <a:pPr algn="ctr">
+              <a:defRPr sz="2200" b="1">
+                <a:solidFill>
+                  <a:srgbClr val="3A5566"/>
+                </a:solidFill>
+              </a:defRPr>
+            </a:pPr>
+            <a:r>
+              <a:t>3</a:t>
+            </a:r>
+          </a:p>
+          <a:p>
+            <a:pPr algn="ctr">
+              <a:defRPr sz="1000">
+                <a:solidFill>
+                  <a:srgbClr val="706F6C"/>
+                </a:solidFill>
+              </a:defRPr>
+            </a:pPr>
+            <a:r>
+              <a:t>Stories</a:t>
+            </a:r>
+          </a:p>
+        </p:txBody>
+      </p:sp>
+      <p:sp>
+        <p:nvSpPr>
+          <p:cNvPr id="16" name="Rectangle 15"/>
+          <p:cNvSpPr/>
+          <p:nvPr/>
+        </p:nvSpPr>
+        <p:spPr>
+          <a:xfrm>
+            <a:off x="10287000" y="2743200"/>
+            <a:ext cx="1645920" cy="1188720"/>
+          </a:xfrm>
+          <a:prstGeom prst="rect">
+            <a:avLst/>
+          </a:prstGeom>
+          <a:solidFill>
+            <a:srgbClr val="F2F0ED"/>
+          </a:solidFill>
+          <a:ln>
+            <a:solidFill>
+              <a:srgbClr val="E2E2E0"/>
+            </a:solidFill>
+          </a:ln>
+        </p:spPr>
+        <p:style>
+          <a:lnRef idx="1">
+            <a:schemeClr val="accent1"/>
+          </a:lnRef>
+          <a:fillRef idx="3">
+            <a:schemeClr val="accent1"/>
+          </a:fillRef>
+          <a:effectRef idx="2">
+            <a:schemeClr val="accent1"/>
+          </a:effectRef>
+          <a:fontRef idx="minor">
+            <a:schemeClr val="lt1"/>
+          </a:fontRef>
+        </p:style>
+        <p:txBody>
+          <a:bodyPr wrap="square" rtlCol="0" anchor="ctr"/>
+          <a:lstStyle/>
+          <a:p>
+            <a:pPr algn="ctr">
+              <a:defRPr sz="2200" b="1">
+                <a:solidFill>
+                  <a:srgbClr val="3A5566"/>
+                </a:solidFill>
+              </a:defRPr>
+            </a:pPr>
+            <a:r>
+              <a:t>IWD</a:t>
+            </a:r>
+          </a:p>
+          <a:p>
+            <a:pPr algn="ctr">
+              <a:defRPr sz="1000">
+                <a:solidFill>
+                  <a:srgbClr val="706F6C"/>
+                </a:solidFill>
+              </a:defRPr>
+            </a:pPr>
+            <a:r>
+              <a:t>Zoning</a:t>
+            </a:r>
+          </a:p>
+        </p:txBody>
+      </p:sp>
+      <p:sp>
+        <p:nvSpPr>
+          <p:cNvPr id="17" name="Rectangle 16"/>
+          <p:cNvSpPr/>
+          <p:nvPr/>
+        </p:nvSpPr>
+        <p:spPr>
+          <a:xfrm>
+            <a:off x="12070080" y="2743200"/>
+            <a:ext cx="1645920" cy="1188720"/>
+          </a:xfrm>
+          <a:prstGeom prst="rect">
+            <a:avLst/>
+          </a:prstGeom>
+          <a:solidFill>
+            <a:srgbClr val="F2F0ED"/>
+          </a:solidFill>
+          <a:ln>
+            <a:solidFill>
+              <a:srgbClr val="E2E2E0"/>
+            </a:solidFill>
+          </a:ln>
+        </p:spPr>
+        <p:style>
+          <a:lnRef idx="1">
+            <a:schemeClr val="accent1"/>
+          </a:lnRef>
+          <a:fillRef idx="3">
+            <a:schemeClr val="accent1"/>
+          </a:fillRef>
+          <a:effectRef idx="2">
+            <a:schemeClr val="accent1"/>
+          </a:effectRef>
+          <a:fontRef idx="minor">
+            <a:schemeClr val="lt1"/>
+          </a:fontRef>
+        </p:style>
+        <p:txBody>
+          <a:bodyPr wrap="square" rtlCol="0" anchor="ctr"/>
+          <a:lstStyle/>
+          <a:p>
+            <a:pPr algn="ctr">
+              <a:defRPr sz="2200" b="1">
+                <a:solidFill>
+                  <a:srgbClr val="3A5566"/>
+                </a:solidFill>
+              </a:defRPr>
+            </a:pPr>
+            <a:r>
+              <a:t>100</a:t>
+            </a:r>
+          </a:p>
+          <a:p>
+            <a:pPr algn="ctr">
+              <a:defRPr sz="1000">
+                <a:solidFill>
+                  <a:srgbClr val="706F6C"/>
+                </a:solidFill>
+              </a:defRPr>
+            </a:pPr>
+            <a:r>
+              <a:t>Comp Score</a:t>
+            </a:r>
+          </a:p>
+        </p:txBody>
+      </p:sp>
+    </p:spTree>
+  </p:cSld>
+  <p:clrMapOvr>
+    <a:masterClrMapping/>
+  </p:clrMapOvr>
+</p:sld>
+</file>
+
+<file path=ppt/slides/slide10.xml><?xml version="1.0" encoding="utf-8"?>
+<p:sld xmlns:a="http://schemas.openxmlformats.org/drawingml/2006/main" xmlns:r="http://schemas.openxmlformats.org/officeDocument/2006/relationships" xmlns:p="http://schemas.openxmlformats.org/presentationml/2006/main">
+  <p:cSld>
+    <p:bg>
+      <p:bgPr>
+        <a:solidFill>
+          <a:srgbClr val="3A5566"/>
+        </a:solidFill>
+        <a:effectLst/>
+      </p:bgPr>
+    </p:bg>
+    <p:spTree>
+      <p:nvGrpSpPr>
+        <p:cNvPr id="1" name=""/>
+        <p:cNvGrpSpPr/>
+        <p:nvPr/>
+      </p:nvGrpSpPr>
+      <p:grpSpPr>
+        <a:xfrm>
+          <a:off x="0" y="0"/>
+          <a:ext cx="0" cy="0"/>
+          <a:chOff x="0" y="0"/>
+          <a:chExt cx="0" cy="0"/>
+        </a:xfrm>
+      </p:grpSpPr>
+      <p:sp>
+        <p:nvSpPr>
+          <p:cNvPr id="2" name="TextBox 1"/>
+          <p:cNvSpPr txBox="1"/>
+          <p:nvPr/>
+        </p:nvSpPr>
+        <p:spPr>
+          <a:xfrm>
+            <a:off x="457200" y="365760"/>
+            <a:ext cx="10972800" cy="548640"/>
+          </a:xfrm>
+          <a:prstGeom prst="rect">
+            <a:avLst/>
+          </a:prstGeom>
+          <a:noFill/>
+        </p:spPr>
+        <p:txBody>
+          <a:bodyPr wrap="square">
+            <a:spAutoFit/>
+          </a:bodyPr>
+          <a:lstStyle/>
+          <a:p>
+            <a:pPr algn="ctr">
+              <a:defRPr sz="3400" b="1">
+                <a:solidFill>
+                  <a:srgbClr val="FFFFFF"/>
+                </a:solidFill>
+              </a:defRPr>
+            </a:pPr>
+            <a:r>
+              <a:t>Comparable Sales Summary</a:t>
+            </a:r>
+          </a:p>
+        </p:txBody>
+      </p:sp>
+      <p:sp>
+        <p:nvSpPr>
+          <p:cNvPr id="3" name="TextBox 2"/>
+          <p:cNvSpPr txBox="1"/>
+          <p:nvPr/>
+        </p:nvSpPr>
+        <p:spPr>
+          <a:xfrm>
+            <a:off x="457200" y="914400"/>
+            <a:ext cx="10972800" cy="365760"/>
+          </a:xfrm>
+          <a:prstGeom prst="rect">
+            <a:avLst/>
+          </a:prstGeom>
+          <a:noFill/>
+        </p:spPr>
+        <p:txBody>
+          <a:bodyPr wrap="square">
+            <a:spAutoFit/>
+          </a:bodyPr>
+          <a:lstStyle/>
+          <a:p>
+            <a:pPr algn="ctr">
+              <a:defRPr sz="1600" b="0">
+                <a:solidFill>
+                  <a:srgbClr val="CBB279"/>
+                </a:solidFill>
+              </a:defRPr>
+            </a:pPr>
+            <a:r>
+              <a:t>648 Grassmere Park  |  20 Comparable Properties  |  Davidson County, TN</a:t>
+            </a:r>
+          </a:p>
+        </p:txBody>
+      </p:sp>
+      <p:sp>
+        <p:nvSpPr>
+          <p:cNvPr id="4" name="TextBox 3"/>
+          <p:cNvSpPr txBox="1"/>
+          <p:nvPr/>
+        </p:nvSpPr>
+        <p:spPr>
+          <a:xfrm>
+            <a:off x="1371600" y="1645920"/>
+            <a:ext cx="1645920" cy="365760"/>
+          </a:xfrm>
+          <a:prstGeom prst="rect">
+            <a:avLst/>
+          </a:prstGeom>
+          <a:noFill/>
+        </p:spPr>
+        <p:txBody>
+          <a:bodyPr wrap="square">
+            <a:spAutoFit/>
+          </a:bodyPr>
+          <a:lstStyle/>
+          <a:p>
+            <a:pPr algn="ctr">
+              <a:defRPr sz="1300" b="1">
+                <a:solidFill>
+                  <a:srgbClr val="CBB279"/>
+                </a:solidFill>
+              </a:defRPr>
+            </a:pPr>
+            <a:r>
+              <a:t>Tier</a:t>
+            </a:r>
+          </a:p>
+        </p:txBody>
+      </p:sp>
+      <p:sp>
+        <p:nvSpPr>
+          <p:cNvPr id="5" name="TextBox 4"/>
+          <p:cNvSpPr txBox="1"/>
+          <p:nvPr/>
+        </p:nvSpPr>
+        <p:spPr>
+          <a:xfrm>
+            <a:off x="3200400" y="1645920"/>
+            <a:ext cx="1188720" cy="365760"/>
+          </a:xfrm>
+          <a:prstGeom prst="rect">
+            <a:avLst/>
+          </a:prstGeom>
+          <a:noFill/>
+        </p:spPr>
+        <p:txBody>
+          <a:bodyPr wrap="square">
+            <a:spAutoFit/>
+          </a:bodyPr>
+          <a:lstStyle/>
+          <a:p>
+            <a:pPr algn="ctr">
+              <a:defRPr sz="1300" b="1">
+                <a:solidFill>
+                  <a:srgbClr val="CBB279"/>
+                </a:solidFill>
+              </a:defRPr>
+            </a:pPr>
+            <a:r>
+              <a:t>Count</a:t>
+            </a:r>
+          </a:p>
+        </p:txBody>
+      </p:sp>
+      <p:sp>
+        <p:nvSpPr>
+          <p:cNvPr id="6" name="TextBox 5"/>
+          <p:cNvSpPr txBox="1"/>
+          <p:nvPr/>
+        </p:nvSpPr>
+        <p:spPr>
+          <a:xfrm>
+            <a:off x="4572000" y="1645920"/>
+            <a:ext cx="2560320" cy="365760"/>
+          </a:xfrm>
+          <a:prstGeom prst="rect">
+            <a:avLst/>
+          </a:prstGeom>
+          <a:noFill/>
+        </p:spPr>
+        <p:txBody>
+          <a:bodyPr wrap="square">
+            <a:spAutoFit/>
+          </a:bodyPr>
+          <a:lstStyle/>
+          <a:p>
+            <a:pPr algn="ctr">
+              <a:defRPr sz="1300" b="1">
+                <a:solidFill>
+                  <a:srgbClr val="CBB279"/>
+                </a:solidFill>
+              </a:defRPr>
+            </a:pPr>
+            <a:r>
+              <a:t>Price Range</a:t>
+            </a:r>
+          </a:p>
+        </p:txBody>
+      </p:sp>
+      <p:sp>
+        <p:nvSpPr>
+          <p:cNvPr id="7" name="TextBox 6"/>
+          <p:cNvSpPr txBox="1"/>
+          <p:nvPr/>
+        </p:nvSpPr>
+        <p:spPr>
+          <a:xfrm>
+            <a:off x="7315200" y="1645920"/>
+            <a:ext cx="2103120" cy="365760"/>
+          </a:xfrm>
+          <a:prstGeom prst="rect">
+            <a:avLst/>
+          </a:prstGeom>
+          <a:noFill/>
+        </p:spPr>
+        <p:txBody>
+          <a:bodyPr wrap="square">
+            <a:spAutoFit/>
+          </a:bodyPr>
+          <a:lstStyle/>
+          <a:p>
+            <a:pPr algn="ctr">
+              <a:defRPr sz="1300" b="1">
+                <a:solidFill>
+                  <a:srgbClr val="CBB279"/>
+                </a:solidFill>
+              </a:defRPr>
+            </a:pPr>
+            <a:r>
+              <a:t>Avg $/SF</a:t>
+            </a:r>
+          </a:p>
+        </p:txBody>
+      </p:sp>
+      <p:sp>
+        <p:nvSpPr>
+          <p:cNvPr id="8" name="TextBox 7"/>
+          <p:cNvSpPr txBox="1"/>
+          <p:nvPr/>
+        </p:nvSpPr>
+        <p:spPr>
+          <a:xfrm>
+            <a:off x="9601200" y="1645920"/>
+            <a:ext cx="1828800" cy="365760"/>
+          </a:xfrm>
+          <a:prstGeom prst="rect">
+            <a:avLst/>
+          </a:prstGeom>
+          <a:noFill/>
+        </p:spPr>
+        <p:txBody>
+          <a:bodyPr wrap="square">
+            <a:spAutoFit/>
+          </a:bodyPr>
+          <a:lstStyle/>
+          <a:p>
+            <a:pPr algn="ctr">
+              <a:defRPr sz="1300" b="1">
+                <a:solidFill>
+                  <a:srgbClr val="CBB279"/>
+                </a:solidFill>
+              </a:defRPr>
+            </a:pPr>
+            <a:r>
+              <a:t>Score Range</a:t>
+            </a:r>
+          </a:p>
+        </p:txBody>
+      </p:sp>
+      <p:sp>
+        <p:nvSpPr>
+          <p:cNvPr id="9" name="Rectangle 8"/>
+          <p:cNvSpPr/>
+          <p:nvPr/>
+        </p:nvSpPr>
+        <p:spPr>
+          <a:xfrm>
+            <a:off x="1371600" y="2011680"/>
+            <a:ext cx="9601200" cy="27432"/>
+          </a:xfrm>
+          <a:prstGeom prst="rect">
+            <a:avLst/>
+          </a:prstGeom>
+          <a:solidFill>
+            <a:srgbClr val="CBB279"/>
+          </a:solidFill>
+          <a:ln>
+            <a:noFill/>
+          </a:ln>
+        </p:spPr>
+        <p:style>
+          <a:lnRef idx="1">
+            <a:schemeClr val="accent1"/>
+          </a:lnRef>
+          <a:fillRef idx="3">
+            <a:schemeClr val="accent1"/>
+          </a:fillRef>
+          <a:effectRef idx="2">
+            <a:schemeClr val="accent1"/>
+          </a:effectRef>
+          <a:fontRef idx="minor">
+            <a:schemeClr val="lt1"/>
+          </a:fontRef>
+        </p:style>
+        <p:txBody>
+          <a:bodyPr rtlCol="0" anchor="ctr"/>
+          <a:lstStyle/>
+          <a:p>
+            <a:pPr algn="ctr"/>
+            <a:endParaRPr/>
+          </a:p>
+        </p:txBody>
+      </p:sp>
+      <p:sp>
+        <p:nvSpPr>
+          <p:cNvPr id="10" name="Oval 9"/>
+          <p:cNvSpPr/>
+          <p:nvPr/>
+        </p:nvSpPr>
+        <p:spPr>
+          <a:xfrm>
+            <a:off x="1097280" y="2377440"/>
+            <a:ext cx="182880" cy="182880"/>
+          </a:xfrm>
+          <a:prstGeom prst="ellipse">
+            <a:avLst/>
+          </a:prstGeom>
+          <a:solidFill>
+            <a:srgbClr val="C62828"/>
+          </a:solidFill>
+          <a:ln>
+            <a:noFill/>
+          </a:ln>
+        </p:spPr>
+        <p:style>
+          <a:lnRef idx="1">
+            <a:schemeClr val="accent1"/>
+          </a:lnRef>
+          <a:fillRef idx="3">
+            <a:schemeClr val="accent1"/>
+          </a:fillRef>
+          <a:effectRef idx="2">
+            <a:schemeClr val="accent1"/>
+          </a:effectRef>
+          <a:fontRef idx="minor">
+            <a:schemeClr val="lt1"/>
+          </a:fontRef>
+        </p:style>
+        <p:txBody>
+          <a:bodyPr rtlCol="0" anchor="ctr"/>
+          <a:lstStyle/>
+          <a:p>
+            <a:pPr algn="ctr"/>
+            <a:endParaRPr/>
+          </a:p>
+        </p:txBody>
+      </p:sp>
+      <p:sp>
+        <p:nvSpPr>
+          <p:cNvPr id="11" name="TextBox 10"/>
+          <p:cNvSpPr txBox="1"/>
+          <p:nvPr/>
+        </p:nvSpPr>
+        <p:spPr>
+          <a:xfrm>
+            <a:off x="1371600" y="2286000"/>
+            <a:ext cx="1645920" cy="365760"/>
+          </a:xfrm>
+          <a:prstGeom prst="rect">
+            <a:avLst/>
+          </a:prstGeom>
+          <a:noFill/>
+        </p:spPr>
+        <p:txBody>
+          <a:bodyPr wrap="square">
+            <a:spAutoFit/>
+          </a:bodyPr>
+          <a:lstStyle/>
+          <a:p>
+            <a:pPr algn="ctr">
+              <a:defRPr sz="1300" b="1">
+                <a:solidFill>
+                  <a:srgbClr val="FFFFFF"/>
+                </a:solidFill>
+              </a:defRPr>
+            </a:pPr>
+            <a:r>
+              <a:t>Subject</a:t>
+            </a:r>
+          </a:p>
+        </p:txBody>
+      </p:sp>
+      <p:sp>
+        <p:nvSpPr>
+          <p:cNvPr id="12" name="TextBox 11"/>
+          <p:cNvSpPr txBox="1"/>
+          <p:nvPr/>
+        </p:nvSpPr>
+        <p:spPr>
+          <a:xfrm>
+            <a:off x="3200400" y="2286000"/>
+            <a:ext cx="1188720" cy="365760"/>
+          </a:xfrm>
+          <a:prstGeom prst="rect">
+            <a:avLst/>
+          </a:prstGeom>
+          <a:noFill/>
+        </p:spPr>
+        <p:txBody>
+          <a:bodyPr wrap="square">
+            <a:spAutoFit/>
+          </a:bodyPr>
+          <a:lstStyle/>
+          <a:p>
+            <a:pPr algn="ctr">
+              <a:defRPr sz="1300" b="0">
+                <a:solidFill>
+                  <a:srgbClr val="FFFFFF"/>
+                </a:solidFill>
+              </a:defRPr>
+            </a:pPr>
+            <a:r>
+              <a:t>1</a:t>
+            </a:r>
+          </a:p>
+        </p:txBody>
+      </p:sp>
+      <p:sp>
+        <p:nvSpPr>
+          <p:cNvPr id="13" name="TextBox 12"/>
+          <p:cNvSpPr txBox="1"/>
+          <p:nvPr/>
+        </p:nvSpPr>
+        <p:spPr>
+          <a:xfrm>
+            <a:off x="4572000" y="2286000"/>
+            <a:ext cx="2560320" cy="365760"/>
+          </a:xfrm>
+          <a:prstGeom prst="rect">
+            <a:avLst/>
+          </a:prstGeom>
+          <a:noFill/>
+        </p:spPr>
+        <p:txBody>
+          <a:bodyPr wrap="square">
+            <a:spAutoFit/>
+          </a:bodyPr>
+          <a:lstStyle/>
+          <a:p>
+            <a:pPr algn="ctr">
+              <a:defRPr sz="1300" b="0">
+                <a:solidFill>
+                  <a:srgbClr val="FFFFFF"/>
+                </a:solidFill>
+              </a:defRPr>
+            </a:pPr>
+            <a:r>
+              <a:t>$25,938,000</a:t>
+            </a:r>
+          </a:p>
+        </p:txBody>
+      </p:sp>
+      <p:sp>
+        <p:nvSpPr>
+          <p:cNvPr id="14" name="TextBox 13"/>
+          <p:cNvSpPr txBox="1"/>
+          <p:nvPr/>
+        </p:nvSpPr>
+        <p:spPr>
+          <a:xfrm>
+            <a:off x="7315200" y="2286000"/>
+            <a:ext cx="2103120" cy="365760"/>
+          </a:xfrm>
+          <a:prstGeom prst="rect">
+            <a:avLst/>
+          </a:prstGeom>
+          <a:noFill/>
+        </p:spPr>
+        <p:txBody>
+          <a:bodyPr wrap="square">
+            <a:spAutoFit/>
+          </a:bodyPr>
+          <a:lstStyle/>
+          <a:p>
+            <a:pPr algn="ctr">
+              <a:defRPr sz="1300" b="0">
+                <a:solidFill>
+                  <a:srgbClr val="FFFFFF"/>
+                </a:solidFill>
+              </a:defRPr>
+            </a:pPr>
+            <a:r>
+              <a:t>$115.69</a:t>
+            </a:r>
+          </a:p>
+        </p:txBody>
+      </p:sp>
+      <p:sp>
+        <p:nvSpPr>
+          <p:cNvPr id="15" name="TextBox 14"/>
+          <p:cNvSpPr txBox="1"/>
+          <p:nvPr/>
+        </p:nvSpPr>
+        <p:spPr>
+          <a:xfrm>
+            <a:off x="9601200" y="2286000"/>
+            <a:ext cx="1828800" cy="365760"/>
+          </a:xfrm>
+          <a:prstGeom prst="rect">
+            <a:avLst/>
+          </a:prstGeom>
+          <a:noFill/>
+        </p:spPr>
+        <p:txBody>
+          <a:bodyPr wrap="square">
+            <a:spAutoFit/>
+          </a:bodyPr>
+          <a:lstStyle/>
+          <a:p>
+            <a:pPr algn="ctr">
+              <a:defRPr sz="1300" b="0">
+                <a:solidFill>
+                  <a:srgbClr val="FFFFFF"/>
+                </a:solidFill>
+              </a:defRPr>
+            </a:pPr>
+            <a:r>
+              <a:t>100</a:t>
+            </a:r>
+          </a:p>
+        </p:txBody>
+      </p:sp>
+      <p:sp>
+        <p:nvSpPr>
+          <p:cNvPr id="16" name="Oval 15"/>
+          <p:cNvSpPr/>
+          <p:nvPr/>
+        </p:nvSpPr>
+        <p:spPr>
+          <a:xfrm>
+            <a:off x="1097280" y="2880360"/>
+            <a:ext cx="182880" cy="182880"/>
+          </a:xfrm>
+          <a:prstGeom prst="ellipse">
+            <a:avLst/>
+          </a:prstGeom>
+          <a:solidFill>
+            <a:srgbClr val="1565C0"/>
+          </a:solidFill>
+          <a:ln>
+            <a:noFill/>
+          </a:ln>
+        </p:spPr>
+        <p:style>
+          <a:lnRef idx="1">
+            <a:schemeClr val="accent1"/>
+          </a:lnRef>
+          <a:fillRef idx="3">
+            <a:schemeClr val="accent1"/>
+          </a:fillRef>
+          <a:effectRef idx="2">
+            <a:schemeClr val="accent1"/>
+          </a:effectRef>
+          <a:fontRef idx="minor">
+            <a:schemeClr val="lt1"/>
+          </a:fontRef>
+        </p:style>
+        <p:txBody>
+          <a:bodyPr rtlCol="0" anchor="ctr"/>
+          <a:lstStyle/>
+          <a:p>
+            <a:pPr algn="ctr"/>
+            <a:endParaRPr/>
+          </a:p>
+        </p:txBody>
+      </p:sp>
+      <p:sp>
+        <p:nvSpPr>
+          <p:cNvPr id="17" name="TextBox 16"/>
+          <p:cNvSpPr txBox="1"/>
+          <p:nvPr/>
+        </p:nvSpPr>
+        <p:spPr>
+          <a:xfrm>
+            <a:off x="1371600" y="2788920"/>
+            <a:ext cx="1645920" cy="365760"/>
+          </a:xfrm>
+          <a:prstGeom prst="rect">
+            <a:avLst/>
+          </a:prstGeom>
+          <a:noFill/>
+        </p:spPr>
+        <p:txBody>
+          <a:bodyPr wrap="square">
+            <a:spAutoFit/>
+          </a:bodyPr>
+          <a:lstStyle/>
+          <a:p>
+            <a:pPr algn="ctr">
+              <a:defRPr sz="1300" b="1">
+                <a:solidFill>
+                  <a:srgbClr val="FFFFFF"/>
+                </a:solidFill>
+              </a:defRPr>
+            </a:pPr>
+            <a:r>
+              <a:t>Tier 1 — Best</a:t>
+            </a:r>
+          </a:p>
+        </p:txBody>
+      </p:sp>
+      <p:sp>
+        <p:nvSpPr>
+          <p:cNvPr id="18" name="TextBox 17"/>
+          <p:cNvSpPr txBox="1"/>
+          <p:nvPr/>
+        </p:nvSpPr>
+        <p:spPr>
+          <a:xfrm>
+            <a:off x="3200400" y="2788920"/>
+            <a:ext cx="1188720" cy="365760"/>
+          </a:xfrm>
+          <a:prstGeom prst="rect">
+            <a:avLst/>
+          </a:prstGeom>
+          <a:noFill/>
+        </p:spPr>
+        <p:txBody>
+          <a:bodyPr wrap="square">
+            <a:spAutoFit/>
+          </a:bodyPr>
+          <a:lstStyle/>
+          <a:p>
+            <a:pPr algn="ctr">
+              <a:defRPr sz="1300" b="0">
+                <a:solidFill>
+                  <a:srgbClr val="FFFFFF"/>
+                </a:solidFill>
+              </a:defRPr>
+            </a:pPr>
+            <a:r>
+              <a:t>6</a:t>
+            </a:r>
+          </a:p>
+        </p:txBody>
+      </p:sp>
+      <p:sp>
+        <p:nvSpPr>
+          <p:cNvPr id="19" name="TextBox 18"/>
+          <p:cNvSpPr txBox="1"/>
+          <p:nvPr/>
+        </p:nvSpPr>
+        <p:spPr>
+          <a:xfrm>
+            <a:off x="4572000" y="2788920"/>
+            <a:ext cx="2560320" cy="365760"/>
+          </a:xfrm>
+          <a:prstGeom prst="rect">
+            <a:avLst/>
+          </a:prstGeom>
+          <a:noFill/>
+        </p:spPr>
+        <p:txBody>
+          <a:bodyPr wrap="square">
+            <a:spAutoFit/>
+          </a:bodyPr>
+          <a:lstStyle/>
+          <a:p>
+            <a:pPr algn="ctr">
+              <a:defRPr sz="1300" b="0">
+                <a:solidFill>
+                  <a:srgbClr val="FFFFFF"/>
+                </a:solidFill>
+              </a:defRPr>
+            </a:pPr>
+            <a:r>
+              <a:t>$10.9M - $36.0M</a:t>
+            </a:r>
+          </a:p>
+        </p:txBody>
+      </p:sp>
+      <p:sp>
+        <p:nvSpPr>
+          <p:cNvPr id="20" name="TextBox 19"/>
+          <p:cNvSpPr txBox="1"/>
+          <p:nvPr/>
+        </p:nvSpPr>
+        <p:spPr>
+          <a:xfrm>
+            <a:off x="7315200" y="2788920"/>
+            <a:ext cx="2103120" cy="365760"/>
+          </a:xfrm>
+          <a:prstGeom prst="rect">
+            <a:avLst/>
+          </a:prstGeom>
+          <a:noFill/>
+        </p:spPr>
+        <p:txBody>
+          <a:bodyPr wrap="square">
+            <a:spAutoFit/>
+          </a:bodyPr>
+          <a:lstStyle/>
+          <a:p>
+            <a:pPr algn="ctr">
+              <a:defRPr sz="1300" b="0">
+                <a:solidFill>
+                  <a:srgbClr val="FFFFFF"/>
+                </a:solidFill>
+              </a:defRPr>
+            </a:pPr>
+            <a:r>
+              <a:t>$107 - $236</a:t>
+            </a:r>
+          </a:p>
+        </p:txBody>
+      </p:sp>
+      <p:sp>
+        <p:nvSpPr>
+          <p:cNvPr id="21" name="TextBox 20"/>
+          <p:cNvSpPr txBox="1"/>
+          <p:nvPr/>
+        </p:nvSpPr>
+        <p:spPr>
+          <a:xfrm>
+            <a:off x="9601200" y="2788920"/>
+            <a:ext cx="1828800" cy="365760"/>
+          </a:xfrm>
+          <a:prstGeom prst="rect">
+            <a:avLst/>
+          </a:prstGeom>
+          <a:noFill/>
+        </p:spPr>
+        <p:txBody>
+          <a:bodyPr wrap="square">
+            <a:spAutoFit/>
+          </a:bodyPr>
+          <a:lstStyle/>
+          <a:p>
+            <a:pPr algn="ctr">
+              <a:defRPr sz="1300" b="0">
+                <a:solidFill>
+                  <a:srgbClr val="FFFFFF"/>
+                </a:solidFill>
+              </a:defRPr>
+            </a:pPr>
+            <a:r>
+              <a:t>85-95</a:t>
+            </a:r>
+          </a:p>
+        </p:txBody>
+      </p:sp>
+      <p:sp>
+        <p:nvSpPr>
+          <p:cNvPr id="22" name="Oval 21"/>
+          <p:cNvSpPr/>
+          <p:nvPr/>
+        </p:nvSpPr>
+        <p:spPr>
+          <a:xfrm>
+            <a:off x="1097280" y="3383279"/>
+            <a:ext cx="182880" cy="182880"/>
+          </a:xfrm>
+          <a:prstGeom prst="ellipse">
+            <a:avLst/>
+          </a:prstGeom>
+          <a:solidFill>
+            <a:srgbClr val="2E7D32"/>
+          </a:solidFill>
+          <a:ln>
+            <a:noFill/>
+          </a:ln>
+        </p:spPr>
+        <p:style>
+          <a:lnRef idx="1">
+            <a:schemeClr val="accent1"/>
+          </a:lnRef>
+          <a:fillRef idx="3">
+            <a:schemeClr val="accent1"/>
+          </a:fillRef>
+          <a:effectRef idx="2">
+            <a:schemeClr val="accent1"/>
+          </a:effectRef>
+          <a:fontRef idx="minor">
+            <a:schemeClr val="lt1"/>
+          </a:fontRef>
+        </p:style>
+        <p:txBody>
+          <a:bodyPr rtlCol="0" anchor="ctr"/>
+          <a:lstStyle/>
+          <a:p>
+            <a:pPr algn="ctr"/>
+            <a:endParaRPr/>
+          </a:p>
+        </p:txBody>
+      </p:sp>
+      <p:sp>
+        <p:nvSpPr>
+          <p:cNvPr id="23" name="TextBox 22"/>
+          <p:cNvSpPr txBox="1"/>
+          <p:nvPr/>
+        </p:nvSpPr>
+        <p:spPr>
+          <a:xfrm>
+            <a:off x="1371600" y="3291839"/>
+            <a:ext cx="1645920" cy="365760"/>
+          </a:xfrm>
+          <a:prstGeom prst="rect">
+            <a:avLst/>
+          </a:prstGeom>
+          <a:noFill/>
+        </p:spPr>
+        <p:txBody>
+          <a:bodyPr wrap="square">
+            <a:spAutoFit/>
+          </a:bodyPr>
+          <a:lstStyle/>
+          <a:p>
+            <a:pPr algn="ctr">
+              <a:defRPr sz="1300" b="1">
+                <a:solidFill>
+                  <a:srgbClr val="FFFFFF"/>
+                </a:solidFill>
+              </a:defRPr>
+            </a:pPr>
+            <a:r>
+              <a:t>Tier 2 — Good</a:t>
+            </a:r>
+          </a:p>
+        </p:txBody>
+      </p:sp>
+      <p:sp>
+        <p:nvSpPr>
+          <p:cNvPr id="24" name="TextBox 23"/>
+          <p:cNvSpPr txBox="1"/>
+          <p:nvPr/>
+        </p:nvSpPr>
+        <p:spPr>
+          <a:xfrm>
+            <a:off x="3200400" y="3291839"/>
+            <a:ext cx="1188720" cy="365760"/>
+          </a:xfrm>
+          <a:prstGeom prst="rect">
+            <a:avLst/>
+          </a:prstGeom>
+          <a:noFill/>
+        </p:spPr>
+        <p:txBody>
+          <a:bodyPr wrap="square">
+            <a:spAutoFit/>
+          </a:bodyPr>
+          <a:lstStyle/>
+          <a:p>
+            <a:pPr algn="ctr">
+              <a:defRPr sz="1300" b="0">
+                <a:solidFill>
+                  <a:srgbClr val="FFFFFF"/>
+                </a:solidFill>
+              </a:defRPr>
+            </a:pPr>
+            <a:r>
+              <a:t>7</a:t>
+            </a:r>
+          </a:p>
+        </p:txBody>
+      </p:sp>
+      <p:sp>
+        <p:nvSpPr>
+          <p:cNvPr id="25" name="TextBox 24"/>
+          <p:cNvSpPr txBox="1"/>
+          <p:nvPr/>
+        </p:nvSpPr>
+        <p:spPr>
+          <a:xfrm>
+            <a:off x="4572000" y="3291839"/>
+            <a:ext cx="2560320" cy="365760"/>
+          </a:xfrm>
+          <a:prstGeom prst="rect">
+            <a:avLst/>
+          </a:prstGeom>
+          <a:noFill/>
+        </p:spPr>
+        <p:txBody>
+          <a:bodyPr wrap="square">
+            <a:spAutoFit/>
+          </a:bodyPr>
+          <a:lstStyle/>
+          <a:p>
+            <a:pPr algn="ctr">
+              <a:defRPr sz="1300" b="0">
+                <a:solidFill>
+                  <a:srgbClr val="FFFFFF"/>
+                </a:solidFill>
+              </a:defRPr>
+            </a:pPr>
+            <a:r>
+              <a:t>$12.0M - $85.5M</a:t>
+            </a:r>
+          </a:p>
+        </p:txBody>
+      </p:sp>
+      <p:sp>
+        <p:nvSpPr>
+          <p:cNvPr id="26" name="TextBox 25"/>
+          <p:cNvSpPr txBox="1"/>
+          <p:nvPr/>
+        </p:nvSpPr>
+        <p:spPr>
+          <a:xfrm>
+            <a:off x="7315200" y="3291839"/>
+            <a:ext cx="2103120" cy="365760"/>
+          </a:xfrm>
+          <a:prstGeom prst="rect">
+            <a:avLst/>
+          </a:prstGeom>
+          <a:noFill/>
+        </p:spPr>
+        <p:txBody>
+          <a:bodyPr wrap="square">
+            <a:spAutoFit/>
+          </a:bodyPr>
+          <a:lstStyle/>
+          <a:p>
+            <a:pPr algn="ctr">
+              <a:defRPr sz="1300" b="0">
+                <a:solidFill>
+                  <a:srgbClr val="FFFFFF"/>
+                </a:solidFill>
+              </a:defRPr>
+            </a:pPr>
+            <a:r>
+              <a:t>$98 - $325</a:t>
+            </a:r>
+          </a:p>
+        </p:txBody>
+      </p:sp>
+      <p:sp>
+        <p:nvSpPr>
+          <p:cNvPr id="27" name="TextBox 26"/>
+          <p:cNvSpPr txBox="1"/>
+          <p:nvPr/>
+        </p:nvSpPr>
+        <p:spPr>
+          <a:xfrm>
+            <a:off x="9601200" y="3291839"/>
+            <a:ext cx="1828800" cy="365760"/>
+          </a:xfrm>
+          <a:prstGeom prst="rect">
+            <a:avLst/>
+          </a:prstGeom>
+          <a:noFill/>
+        </p:spPr>
+        <p:txBody>
+          <a:bodyPr wrap="square">
+            <a:spAutoFit/>
+          </a:bodyPr>
+          <a:lstStyle/>
+          <a:p>
+            <a:pPr algn="ctr">
+              <a:defRPr sz="1300" b="0">
+                <a:solidFill>
+                  <a:srgbClr val="FFFFFF"/>
+                </a:solidFill>
+              </a:defRPr>
+            </a:pPr>
+            <a:r>
+              <a:t>75-82</a:t>
+            </a:r>
+          </a:p>
+        </p:txBody>
+      </p:sp>
+      <p:sp>
+        <p:nvSpPr>
+          <p:cNvPr id="28" name="Oval 27"/>
+          <p:cNvSpPr/>
+          <p:nvPr/>
+        </p:nvSpPr>
+        <p:spPr>
+          <a:xfrm>
+            <a:off x="1097280" y="3886199"/>
+            <a:ext cx="182880" cy="182880"/>
+          </a:xfrm>
+          <a:prstGeom prst="ellipse">
+            <a:avLst/>
+          </a:prstGeom>
+          <a:solidFill>
+            <a:srgbClr val="E65100"/>
+          </a:solidFill>
+          <a:ln>
+            <a:noFill/>
+          </a:ln>
+        </p:spPr>
+        <p:style>
+          <a:lnRef idx="1">
+            <a:schemeClr val="accent1"/>
+          </a:lnRef>
+          <a:fillRef idx="3">
+            <a:schemeClr val="accent1"/>
+          </a:fillRef>
+          <a:effectRef idx="2">
+            <a:schemeClr val="accent1"/>
+          </a:effectRef>
+          <a:fontRef idx="minor">
+            <a:schemeClr val="lt1"/>
+          </a:fontRef>
+        </p:style>
+        <p:txBody>
+          <a:bodyPr rtlCol="0" anchor="ctr"/>
+          <a:lstStyle/>
+          <a:p>
+            <a:pPr algn="ctr"/>
+            <a:endParaRPr/>
+          </a:p>
+        </p:txBody>
+      </p:sp>
+      <p:sp>
+        <p:nvSpPr>
+          <p:cNvPr id="29" name="TextBox 28"/>
+          <p:cNvSpPr txBox="1"/>
+          <p:nvPr/>
+        </p:nvSpPr>
+        <p:spPr>
+          <a:xfrm>
+            <a:off x="1371600" y="3794759"/>
+            <a:ext cx="1645920" cy="365760"/>
+          </a:xfrm>
+          <a:prstGeom prst="rect">
+            <a:avLst/>
+          </a:prstGeom>
+          <a:noFill/>
+        </p:spPr>
+        <p:txBody>
+          <a:bodyPr wrap="square">
+            <a:spAutoFit/>
+          </a:bodyPr>
+          <a:lstStyle/>
+          <a:p>
+            <a:pPr algn="ctr">
+              <a:defRPr sz="1300" b="1">
+                <a:solidFill>
+                  <a:srgbClr val="FFFFFF"/>
+                </a:solidFill>
+              </a:defRPr>
+            </a:pPr>
+            <a:r>
+              <a:t>Tier 3 — Supporting</a:t>
+            </a:r>
+          </a:p>
+        </p:txBody>
+      </p:sp>
+      <p:sp>
+        <p:nvSpPr>
+          <p:cNvPr id="30" name="TextBox 29"/>
+          <p:cNvSpPr txBox="1"/>
+          <p:nvPr/>
+        </p:nvSpPr>
+        <p:spPr>
+          <a:xfrm>
+            <a:off x="3200400" y="3794759"/>
+            <a:ext cx="1188720" cy="365760"/>
+          </a:xfrm>
+          <a:prstGeom prst="rect">
+            <a:avLst/>
+          </a:prstGeom>
+          <a:noFill/>
+        </p:spPr>
+        <p:txBody>
+          <a:bodyPr wrap="square">
+            <a:spAutoFit/>
+          </a:bodyPr>
+          <a:lstStyle/>
+          <a:p>
+            <a:pPr algn="ctr">
+              <a:defRPr sz="1300" b="0">
+                <a:solidFill>
+                  <a:srgbClr val="FFFFFF"/>
+                </a:solidFill>
+              </a:defRPr>
+            </a:pPr>
+            <a:r>
+              <a:t>7</a:t>
+            </a:r>
+          </a:p>
+        </p:txBody>
+      </p:sp>
+      <p:sp>
+        <p:nvSpPr>
+          <p:cNvPr id="31" name="TextBox 30"/>
+          <p:cNvSpPr txBox="1"/>
+          <p:nvPr/>
+        </p:nvSpPr>
+        <p:spPr>
+          <a:xfrm>
+            <a:off x="4572000" y="3794759"/>
+            <a:ext cx="2560320" cy="365760"/>
+          </a:xfrm>
+          <a:prstGeom prst="rect">
+            <a:avLst/>
+          </a:prstGeom>
+          <a:noFill/>
+        </p:spPr>
+        <p:txBody>
+          <a:bodyPr wrap="square">
+            <a:spAutoFit/>
+          </a:bodyPr>
+          <a:lstStyle/>
+          <a:p>
+            <a:pPr algn="ctr">
+              <a:defRPr sz="1300" b="0">
+                <a:solidFill>
+                  <a:srgbClr val="FFFFFF"/>
+                </a:solidFill>
+              </a:defRPr>
+            </a:pPr>
+            <a:r>
+              <a:t>$5.3M - $88.3M</a:t>
+            </a:r>
+          </a:p>
+        </p:txBody>
+      </p:sp>
+      <p:sp>
+        <p:nvSpPr>
+          <p:cNvPr id="32" name="TextBox 31"/>
+          <p:cNvSpPr txBox="1"/>
+          <p:nvPr/>
+        </p:nvSpPr>
+        <p:spPr>
+          <a:xfrm>
+            <a:off x="7315200" y="3794759"/>
+            <a:ext cx="2103120" cy="365760"/>
+          </a:xfrm>
+          <a:prstGeom prst="rect">
+            <a:avLst/>
+          </a:prstGeom>
+          <a:noFill/>
+        </p:spPr>
+        <p:txBody>
+          <a:bodyPr wrap="square">
+            <a:spAutoFit/>
+          </a:bodyPr>
+          <a:lstStyle/>
+          <a:p>
+            <a:pPr algn="ctr">
+              <a:defRPr sz="1300" b="0">
+                <a:solidFill>
+                  <a:srgbClr val="FFFFFF"/>
+                </a:solidFill>
+              </a:defRPr>
+            </a:pPr>
+            <a:r>
+              <a:t>$72 - $184</a:t>
+            </a:r>
+          </a:p>
+        </p:txBody>
+      </p:sp>
+      <p:sp>
+        <p:nvSpPr>
+          <p:cNvPr id="33" name="TextBox 32"/>
+          <p:cNvSpPr txBox="1"/>
+          <p:nvPr/>
+        </p:nvSpPr>
+        <p:spPr>
+          <a:xfrm>
+            <a:off x="9601200" y="3794759"/>
+            <a:ext cx="1828800" cy="365760"/>
+          </a:xfrm>
+          <a:prstGeom prst="rect">
+            <a:avLst/>
+          </a:prstGeom>
+          <a:noFill/>
+        </p:spPr>
+        <p:txBody>
+          <a:bodyPr wrap="square">
+            <a:spAutoFit/>
+          </a:bodyPr>
+          <a:lstStyle/>
+          <a:p>
+            <a:pPr algn="ctr">
+              <a:defRPr sz="1300" b="0">
+                <a:solidFill>
+                  <a:srgbClr val="FFFFFF"/>
+                </a:solidFill>
+              </a:defRPr>
+            </a:pPr>
+            <a:r>
+              <a:t>58-72</a:t>
+            </a:r>
+          </a:p>
+        </p:txBody>
+      </p:sp>
+    </p:spTree>
+  </p:cSld>
+  <p:clrMapOvr>
+    <a:masterClrMapping/>
+  </p:clrMapOvr>
+</p:sld>
+</file>
+
+<file path=ppt/slides/slide11.xml><?xml version="1.0" encoding="utf-8"?>
 <p:sld xmlns:a="http://schemas.openxmlformats.org/drawingml/2006/main" xmlns:p="http://schemas.openxmlformats.org/presentationml/2006/main" xmlns:r="http://schemas.openxmlformats.org/officeDocument/2006/relationships">
   <p:cSld>
     <p:bg>
@@ -3114,7 +5105,7 @@
         <p:spPr>
           <a:xfrm>
             <a:off x="0" y="0"/>
-            <a:ext cx="12191695" cy="1005840"/>
+            <a:ext cx="12191695" cy="777240"/>
           </a:xfrm>
           <a:prstGeom prst="rect">
             <a:avLst/>
@@ -3165,20 +5156,20 @@
           <a:noFill/>
         </p:spPr>
         <p:txBody>
-          <a:bodyPr wrap="square">
-            <a:spAutoFit/>
-          </a:bodyPr>
-          <a:lstStyle/>
-          <a:p>
-            <a:pPr algn="l">
-              <a:defRPr sz="3200" b="1">
+          <a:bodyPr wrap="none">
+            <a:spAutoFit/>
+          </a:bodyPr>
+          <a:lstStyle/>
+          <a:p>
+            <a:pPr>
+              <a:defRPr sz="2600" b="1">
                 <a:solidFill>
                   <a:srgbClr val="FFFFFF"/>
                 </a:solidFill>
               </a:defRPr>
             </a:pPr>
             <a:r>
-              <a:t>648 Grassmere Park — Comparable Sales Analysis</a:t>
+              <a:t>Comparable Sales Map — Davidson County, Nashville, TN</a:t>
             </a:r>
           </a:p>
         </p:txBody>
@@ -3191,36 +5182,36 @@
         </p:nvSpPr>
         <p:spPr>
           <a:xfrm>
-            <a:off x="457200" y="548640"/>
-            <a:ext cx="10972800" cy="365760"/>
-          </a:xfrm>
-          <a:prstGeom prst="rect">
-            <a:avLst/>
-          </a:prstGeom>
-          <a:noFill/>
-        </p:spPr>
-        <p:txBody>
-          <a:bodyPr wrap="square">
-            <a:spAutoFit/>
-          </a:bodyPr>
-          <a:lstStyle/>
-          <a:p>
-            <a:pPr algn="l">
-              <a:defRPr sz="1600" b="0">
+            <a:off x="457200" y="457200"/>
+            <a:ext cx="10972800" cy="274320"/>
+          </a:xfrm>
+          <a:prstGeom prst="rect">
+            <a:avLst/>
+          </a:prstGeom>
+          <a:noFill/>
+        </p:spPr>
+        <p:txBody>
+          <a:bodyPr wrap="none">
+            <a:spAutoFit/>
+          </a:bodyPr>
+          <a:lstStyle/>
+          <a:p>
+            <a:pPr>
+              <a:defRPr sz="1200">
                 <a:solidFill>
                   <a:srgbClr val="CBB279"/>
                 </a:solidFill>
               </a:defRPr>
             </a:pPr>
             <a:r>
-              <a:t>Subject Property  |  Nashville, Davidson County, TN</a:t>
+              <a:t>648 Grassmere Park  |  20 Comparable Properties  |  Interactive Map: nataliebaldacci.github.io/RE_Final_Case</a:t>
             </a:r>
           </a:p>
         </p:txBody>
       </p:sp>
       <p:pic>
         <p:nvPicPr>
-          <p:cNvPr id="5" name="Picture 4" descr="rank0_photo.jpg"/>
+          <p:cNvPr id="5" name="Picture 4" descr="map_screenshot.png"/>
           <p:cNvPicPr>
             <a:picLocks noChangeAspect="1"/>
           </p:cNvPicPr>
@@ -3234,1826 +5225,14 @@
         </p:blipFill>
         <p:spPr>
           <a:xfrm>
-            <a:off x="457200" y="1371600"/>
-            <a:ext cx="4114800" cy="2743200"/>
+            <a:off x="274320" y="960120"/>
+            <a:ext cx="11643055" cy="5715000"/>
           </a:xfrm>
           <a:prstGeom prst="rect">
             <a:avLst/>
           </a:prstGeom>
         </p:spPr>
       </p:pic>
-      <p:pic>
-        <p:nvPicPr>
-          <p:cNvPr id="6" name="Picture 5" descr="rank0_sketch.jpg"/>
-          <p:cNvPicPr>
-            <a:picLocks noChangeAspect="1"/>
-          </p:cNvPicPr>
-          <p:nvPr/>
-        </p:nvPicPr>
-        <p:blipFill>
-          <a:blip r:embed="rId3"/>
-          <a:stretch>
-            <a:fillRect/>
-          </a:stretch>
-        </p:blipFill>
-        <p:spPr>
-          <a:xfrm>
-            <a:off x="4846320" y="1371600"/>
-            <a:ext cx="3200400" cy="2743200"/>
-          </a:xfrm>
-          <a:prstGeom prst="rect">
-            <a:avLst/>
-          </a:prstGeom>
-        </p:spPr>
-      </p:pic>
-      <p:sp>
-        <p:nvSpPr>
-          <p:cNvPr id="7" name="Rectangle 6"/>
-          <p:cNvSpPr/>
-          <p:nvPr/>
-        </p:nvSpPr>
-        <p:spPr>
-          <a:xfrm>
-            <a:off x="8503920" y="1371600"/>
-            <a:ext cx="1645920" cy="1188720"/>
-          </a:xfrm>
-          <a:prstGeom prst="rect">
-            <a:avLst/>
-          </a:prstGeom>
-          <a:solidFill>
-            <a:srgbClr val="F2F0ED"/>
-          </a:solidFill>
-          <a:ln>
-            <a:solidFill>
-              <a:srgbClr val="E2E2E0"/>
-            </a:solidFill>
-          </a:ln>
-        </p:spPr>
-        <p:style>
-          <a:lnRef idx="1">
-            <a:schemeClr val="accent1"/>
-          </a:lnRef>
-          <a:fillRef idx="3">
-            <a:schemeClr val="accent1"/>
-          </a:fillRef>
-          <a:effectRef idx="2">
-            <a:schemeClr val="accent1"/>
-          </a:effectRef>
-          <a:fontRef idx="minor">
-            <a:schemeClr val="lt1"/>
-          </a:fontRef>
-        </p:style>
-        <p:txBody>
-          <a:bodyPr rtlCol="0" anchor="ctr" wrap="square"/>
-          <a:lstStyle/>
-          <a:p>
-            <a:pPr algn="ctr">
-              <a:defRPr sz="2200" b="1">
-                <a:solidFill>
-                  <a:srgbClr val="3A5566"/>
-                </a:solidFill>
-              </a:defRPr>
-            </a:pPr>
-            <a:r>
-              <a:t>$25.9M</a:t>
-            </a:r>
-          </a:p>
-          <a:p>
-            <a:pPr algn="ctr">
-              <a:defRPr sz="1000">
-                <a:solidFill>
-                  <a:srgbClr val="706F6C"/>
-                </a:solidFill>
-              </a:defRPr>
-            </a:pPr>
-            <a:r>
-              <a:t>Sale Price</a:t>
-            </a:r>
-          </a:p>
-        </p:txBody>
-      </p:sp>
-      <p:sp>
-        <p:nvSpPr>
-          <p:cNvPr id="8" name="Rectangle 7"/>
-          <p:cNvSpPr/>
-          <p:nvPr/>
-        </p:nvSpPr>
-        <p:spPr>
-          <a:xfrm>
-            <a:off x="10287000" y="1371600"/>
-            <a:ext cx="1645920" cy="1188720"/>
-          </a:xfrm>
-          <a:prstGeom prst="rect">
-            <a:avLst/>
-          </a:prstGeom>
-          <a:solidFill>
-            <a:srgbClr val="F2F0ED"/>
-          </a:solidFill>
-          <a:ln>
-            <a:solidFill>
-              <a:srgbClr val="E2E2E0"/>
-            </a:solidFill>
-          </a:ln>
-        </p:spPr>
-        <p:style>
-          <a:lnRef idx="1">
-            <a:schemeClr val="accent1"/>
-          </a:lnRef>
-          <a:fillRef idx="3">
-            <a:schemeClr val="accent1"/>
-          </a:fillRef>
-          <a:effectRef idx="2">
-            <a:schemeClr val="accent1"/>
-          </a:effectRef>
-          <a:fontRef idx="minor">
-            <a:schemeClr val="lt1"/>
-          </a:fontRef>
-        </p:style>
-        <p:txBody>
-          <a:bodyPr rtlCol="0" anchor="ctr" wrap="square"/>
-          <a:lstStyle/>
-          <a:p>
-            <a:pPr algn="ctr">
-              <a:defRPr sz="2200" b="1">
-                <a:solidFill>
-                  <a:srgbClr val="3A5566"/>
-                </a:solidFill>
-              </a:defRPr>
-            </a:pPr>
-            <a:r>
-              <a:t>$115.69</a:t>
-            </a:r>
-          </a:p>
-          <a:p>
-            <a:pPr algn="ctr">
-              <a:defRPr sz="1000">
-                <a:solidFill>
-                  <a:srgbClr val="706F6C"/>
-                </a:solidFill>
-              </a:defRPr>
-            </a:pPr>
-            <a:r>
-              <a:t>Per SF</a:t>
-            </a:r>
-          </a:p>
-        </p:txBody>
-      </p:sp>
-      <p:sp>
-        <p:nvSpPr>
-          <p:cNvPr id="9" name="Rectangle 8"/>
-          <p:cNvSpPr/>
-          <p:nvPr/>
-        </p:nvSpPr>
-        <p:spPr>
-          <a:xfrm>
-            <a:off x="12070080" y="1371600"/>
-            <a:ext cx="1645920" cy="1188720"/>
-          </a:xfrm>
-          <a:prstGeom prst="rect">
-            <a:avLst/>
-          </a:prstGeom>
-          <a:solidFill>
-            <a:srgbClr val="F2F0ED"/>
-          </a:solidFill>
-          <a:ln>
-            <a:solidFill>
-              <a:srgbClr val="E2E2E0"/>
-            </a:solidFill>
-          </a:ln>
-        </p:spPr>
-        <p:style>
-          <a:lnRef idx="1">
-            <a:schemeClr val="accent1"/>
-          </a:lnRef>
-          <a:fillRef idx="3">
-            <a:schemeClr val="accent1"/>
-          </a:fillRef>
-          <a:effectRef idx="2">
-            <a:schemeClr val="accent1"/>
-          </a:effectRef>
-          <a:fontRef idx="minor">
-            <a:schemeClr val="lt1"/>
-          </a:fontRef>
-        </p:style>
-        <p:txBody>
-          <a:bodyPr rtlCol="0" anchor="ctr" wrap="square"/>
-          <a:lstStyle/>
-          <a:p>
-            <a:pPr algn="ctr">
-              <a:defRPr sz="2200" b="1">
-                <a:solidFill>
-                  <a:srgbClr val="3A5566"/>
-                </a:solidFill>
-              </a:defRPr>
-            </a:pPr>
-            <a:r>
-              <a:t>23.49 ac</a:t>
-            </a:r>
-          </a:p>
-          <a:p>
-            <a:pPr algn="ctr">
-              <a:defRPr sz="1000">
-                <a:solidFill>
-                  <a:srgbClr val="706F6C"/>
-                </a:solidFill>
-              </a:defRPr>
-            </a:pPr>
-            <a:r>
-              <a:t>Lot Size</a:t>
-            </a:r>
-          </a:p>
-        </p:txBody>
-      </p:sp>
-      <p:sp>
-        <p:nvSpPr>
-          <p:cNvPr id="10" name="Rectangle 9"/>
-          <p:cNvSpPr/>
-          <p:nvPr/>
-        </p:nvSpPr>
-        <p:spPr>
-          <a:xfrm>
-            <a:off x="13853159" y="1371600"/>
-            <a:ext cx="1645920" cy="1188720"/>
-          </a:xfrm>
-          <a:prstGeom prst="rect">
-            <a:avLst/>
-          </a:prstGeom>
-          <a:solidFill>
-            <a:srgbClr val="F2F0ED"/>
-          </a:solidFill>
-          <a:ln>
-            <a:solidFill>
-              <a:srgbClr val="E2E2E0"/>
-            </a:solidFill>
-          </a:ln>
-        </p:spPr>
-        <p:style>
-          <a:lnRef idx="1">
-            <a:schemeClr val="accent1"/>
-          </a:lnRef>
-          <a:fillRef idx="3">
-            <a:schemeClr val="accent1"/>
-          </a:fillRef>
-          <a:effectRef idx="2">
-            <a:schemeClr val="accent1"/>
-          </a:effectRef>
-          <a:fontRef idx="minor">
-            <a:schemeClr val="lt1"/>
-          </a:fontRef>
-        </p:style>
-        <p:txBody>
-          <a:bodyPr rtlCol="0" anchor="ctr" wrap="square"/>
-          <a:lstStyle/>
-          <a:p>
-            <a:pPr algn="ctr">
-              <a:defRPr sz="2200" b="1">
-                <a:solidFill>
-                  <a:srgbClr val="3A5566"/>
-                </a:solidFill>
-              </a:defRPr>
-            </a:pPr>
-            <a:r>
-              <a:t>1985</a:t>
-            </a:r>
-          </a:p>
-          <a:p>
-            <a:pPr algn="ctr">
-              <a:defRPr sz="1000">
-                <a:solidFill>
-                  <a:srgbClr val="706F6C"/>
-                </a:solidFill>
-              </a:defRPr>
-            </a:pPr>
-            <a:r>
-              <a:t>Year Built</a:t>
-            </a:r>
-          </a:p>
-        </p:txBody>
-      </p:sp>
-      <p:sp>
-        <p:nvSpPr>
-          <p:cNvPr id="11" name="TextBox 10"/>
-          <p:cNvSpPr txBox="1"/>
-          <p:nvPr/>
-        </p:nvSpPr>
-        <p:spPr>
-          <a:xfrm>
-            <a:off x="457200" y="4389120"/>
-            <a:ext cx="10972800" cy="320040"/>
-          </a:xfrm>
-          <a:prstGeom prst="rect">
-            <a:avLst/>
-          </a:prstGeom>
-          <a:noFill/>
-        </p:spPr>
-        <p:txBody>
-          <a:bodyPr wrap="square">
-            <a:spAutoFit/>
-          </a:bodyPr>
-          <a:lstStyle/>
-          <a:p>
-            <a:pPr algn="l">
-              <a:defRPr sz="1400" b="0">
-                <a:solidFill>
-                  <a:srgbClr val="3A5566"/>
-                </a:solidFill>
-              </a:defRPr>
-            </a:pPr>
-            <a:r>
-              <a:t>648 Grassmere Park, Nashville, TN 37211</a:t>
-            </a:r>
-          </a:p>
-        </p:txBody>
-      </p:sp>
-      <p:sp>
-        <p:nvSpPr>
-          <p:cNvPr id="12" name="TextBox 11"/>
-          <p:cNvSpPr txBox="1"/>
-          <p:nvPr/>
-        </p:nvSpPr>
-        <p:spPr>
-          <a:xfrm>
-            <a:off x="457200" y="4736592"/>
-            <a:ext cx="10972800" cy="320040"/>
-          </a:xfrm>
-          <a:prstGeom prst="rect">
-            <a:avLst/>
-          </a:prstGeom>
-          <a:noFill/>
-        </p:spPr>
-        <p:txBody>
-          <a:bodyPr wrap="square">
-            <a:spAutoFit/>
-          </a:bodyPr>
-          <a:lstStyle/>
-          <a:p>
-            <a:pPr algn="l">
-              <a:defRPr sz="1400" b="0">
-                <a:solidFill>
-                  <a:srgbClr val="3A5566"/>
-                </a:solidFill>
-              </a:defRPr>
-            </a:pPr>
-            <a:r>
-              <a:t>Sale Price: $25,938,000  |  Price/SF: $115.69  |  Sold: 2015</a:t>
-            </a:r>
-          </a:p>
-        </p:txBody>
-      </p:sp>
-      <p:sp>
-        <p:nvSpPr>
-          <p:cNvPr id="13" name="TextBox 12"/>
-          <p:cNvSpPr txBox="1"/>
-          <p:nvPr/>
-        </p:nvSpPr>
-        <p:spPr>
-          <a:xfrm>
-            <a:off x="457200" y="5084064"/>
-            <a:ext cx="10972800" cy="320040"/>
-          </a:xfrm>
-          <a:prstGeom prst="rect">
-            <a:avLst/>
-          </a:prstGeom>
-          <a:noFill/>
-        </p:spPr>
-        <p:txBody>
-          <a:bodyPr wrap="square">
-            <a:spAutoFit/>
-          </a:bodyPr>
-          <a:lstStyle/>
-          <a:p>
-            <a:pPr algn="l">
-              <a:defRPr sz="1400" b="0">
-                <a:solidFill>
-                  <a:srgbClr val="3A5566"/>
-                </a:solidFill>
-              </a:defRPr>
-            </a:pPr>
-            <a:r>
-              <a:t>Year Built: 1985  |  Acreage: 23.49 ac  |  Stories: 3  |  Zoning: IWD</a:t>
-            </a:r>
-          </a:p>
-        </p:txBody>
-      </p:sp>
-      <p:sp>
-        <p:nvSpPr>
-          <p:cNvPr id="14" name="TextBox 13"/>
-          <p:cNvSpPr txBox="1"/>
-          <p:nvPr/>
-        </p:nvSpPr>
-        <p:spPr>
-          <a:xfrm>
-            <a:off x="457200" y="5431536"/>
-            <a:ext cx="10972800" cy="320040"/>
-          </a:xfrm>
-          <a:prstGeom prst="rect">
-            <a:avLst/>
-          </a:prstGeom>
-          <a:noFill/>
-        </p:spPr>
-        <p:txBody>
-          <a:bodyPr wrap="square">
-            <a:spAutoFit/>
-          </a:bodyPr>
-          <a:lstStyle/>
-          <a:p>
-            <a:pPr algn="l">
-              <a:defRPr sz="1400" b="0">
-                <a:solidFill>
-                  <a:srgbClr val="3A5566"/>
-                </a:solidFill>
-              </a:defRPr>
-            </a:pPr>
-            <a:r>
-              <a:t>Land Use: Office Building (3+ Stories)  |  Comp Score: 100/100</a:t>
-            </a:r>
-          </a:p>
-        </p:txBody>
-      </p:sp>
-      <p:sp>
-        <p:nvSpPr>
-          <p:cNvPr id="15" name="Rectangle 14"/>
-          <p:cNvSpPr/>
-          <p:nvPr/>
-        </p:nvSpPr>
-        <p:spPr>
-          <a:xfrm>
-            <a:off x="8503920" y="2743200"/>
-            <a:ext cx="1645920" cy="1188720"/>
-          </a:xfrm>
-          <a:prstGeom prst="rect">
-            <a:avLst/>
-          </a:prstGeom>
-          <a:solidFill>
-            <a:srgbClr val="F2F0ED"/>
-          </a:solidFill>
-          <a:ln>
-            <a:solidFill>
-              <a:srgbClr val="E2E2E0"/>
-            </a:solidFill>
-          </a:ln>
-        </p:spPr>
-        <p:style>
-          <a:lnRef idx="1">
-            <a:schemeClr val="accent1"/>
-          </a:lnRef>
-          <a:fillRef idx="3">
-            <a:schemeClr val="accent1"/>
-          </a:fillRef>
-          <a:effectRef idx="2">
-            <a:schemeClr val="accent1"/>
-          </a:effectRef>
-          <a:fontRef idx="minor">
-            <a:schemeClr val="lt1"/>
-          </a:fontRef>
-        </p:style>
-        <p:txBody>
-          <a:bodyPr rtlCol="0" anchor="ctr" wrap="square"/>
-          <a:lstStyle/>
-          <a:p>
-            <a:pPr algn="ctr">
-              <a:defRPr sz="2200" b="1">
-                <a:solidFill>
-                  <a:srgbClr val="3A5566"/>
-                </a:solidFill>
-              </a:defRPr>
-            </a:pPr>
-            <a:r>
-              <a:t>3</a:t>
-            </a:r>
-          </a:p>
-          <a:p>
-            <a:pPr algn="ctr">
-              <a:defRPr sz="1000">
-                <a:solidFill>
-                  <a:srgbClr val="706F6C"/>
-                </a:solidFill>
-              </a:defRPr>
-            </a:pPr>
-            <a:r>
-              <a:t>Stories</a:t>
-            </a:r>
-          </a:p>
-        </p:txBody>
-      </p:sp>
-      <p:sp>
-        <p:nvSpPr>
-          <p:cNvPr id="16" name="Rectangle 15"/>
-          <p:cNvSpPr/>
-          <p:nvPr/>
-        </p:nvSpPr>
-        <p:spPr>
-          <a:xfrm>
-            <a:off x="10287000" y="2743200"/>
-            <a:ext cx="1645920" cy="1188720"/>
-          </a:xfrm>
-          <a:prstGeom prst="rect">
-            <a:avLst/>
-          </a:prstGeom>
-          <a:solidFill>
-            <a:srgbClr val="F2F0ED"/>
-          </a:solidFill>
-          <a:ln>
-            <a:solidFill>
-              <a:srgbClr val="E2E2E0"/>
-            </a:solidFill>
-          </a:ln>
-        </p:spPr>
-        <p:style>
-          <a:lnRef idx="1">
-            <a:schemeClr val="accent1"/>
-          </a:lnRef>
-          <a:fillRef idx="3">
-            <a:schemeClr val="accent1"/>
-          </a:fillRef>
-          <a:effectRef idx="2">
-            <a:schemeClr val="accent1"/>
-          </a:effectRef>
-          <a:fontRef idx="minor">
-            <a:schemeClr val="lt1"/>
-          </a:fontRef>
-        </p:style>
-        <p:txBody>
-          <a:bodyPr rtlCol="0" anchor="ctr" wrap="square"/>
-          <a:lstStyle/>
-          <a:p>
-            <a:pPr algn="ctr">
-              <a:defRPr sz="2200" b="1">
-                <a:solidFill>
-                  <a:srgbClr val="3A5566"/>
-                </a:solidFill>
-              </a:defRPr>
-            </a:pPr>
-            <a:r>
-              <a:t>IWD</a:t>
-            </a:r>
-          </a:p>
-          <a:p>
-            <a:pPr algn="ctr">
-              <a:defRPr sz="1000">
-                <a:solidFill>
-                  <a:srgbClr val="706F6C"/>
-                </a:solidFill>
-              </a:defRPr>
-            </a:pPr>
-            <a:r>
-              <a:t>Zoning</a:t>
-            </a:r>
-          </a:p>
-        </p:txBody>
-      </p:sp>
-      <p:sp>
-        <p:nvSpPr>
-          <p:cNvPr id="17" name="Rectangle 16"/>
-          <p:cNvSpPr/>
-          <p:nvPr/>
-        </p:nvSpPr>
-        <p:spPr>
-          <a:xfrm>
-            <a:off x="12070080" y="2743200"/>
-            <a:ext cx="1645920" cy="1188720"/>
-          </a:xfrm>
-          <a:prstGeom prst="rect">
-            <a:avLst/>
-          </a:prstGeom>
-          <a:solidFill>
-            <a:srgbClr val="F2F0ED"/>
-          </a:solidFill>
-          <a:ln>
-            <a:solidFill>
-              <a:srgbClr val="E2E2E0"/>
-            </a:solidFill>
-          </a:ln>
-        </p:spPr>
-        <p:style>
-          <a:lnRef idx="1">
-            <a:schemeClr val="accent1"/>
-          </a:lnRef>
-          <a:fillRef idx="3">
-            <a:schemeClr val="accent1"/>
-          </a:fillRef>
-          <a:effectRef idx="2">
-            <a:schemeClr val="accent1"/>
-          </a:effectRef>
-          <a:fontRef idx="minor">
-            <a:schemeClr val="lt1"/>
-          </a:fontRef>
-        </p:style>
-        <p:txBody>
-          <a:bodyPr rtlCol="0" anchor="ctr" wrap="square"/>
-          <a:lstStyle/>
-          <a:p>
-            <a:pPr algn="ctr">
-              <a:defRPr sz="2200" b="1">
-                <a:solidFill>
-                  <a:srgbClr val="3A5566"/>
-                </a:solidFill>
-              </a:defRPr>
-            </a:pPr>
-            <a:r>
-              <a:t>100</a:t>
-            </a:r>
-          </a:p>
-          <a:p>
-            <a:pPr algn="ctr">
-              <a:defRPr sz="1000">
-                <a:solidFill>
-                  <a:srgbClr val="706F6C"/>
-                </a:solidFill>
-              </a:defRPr>
-            </a:pPr>
-            <a:r>
-              <a:t>Comp Score</a:t>
-            </a:r>
-          </a:p>
-        </p:txBody>
-      </p:sp>
-    </p:spTree>
-  </p:cSld>
-  <p:clrMapOvr>
-    <a:masterClrMapping/>
-  </p:clrMapOvr>
-</p:sld>
-</file>
-
-<file path=ppt/slides/slide10.xml><?xml version="1.0" encoding="utf-8"?>
-<p:sld xmlns:a="http://schemas.openxmlformats.org/drawingml/2006/main" xmlns:p="http://schemas.openxmlformats.org/presentationml/2006/main" xmlns:r="http://schemas.openxmlformats.org/officeDocument/2006/relationships">
-  <p:cSld>
-    <p:bg>
-      <p:bgPr>
-        <a:solidFill>
-          <a:srgbClr val="3A5566"/>
-        </a:solidFill>
-        <a:effectLst/>
-      </p:bgPr>
-    </p:bg>
-    <p:spTree>
-      <p:nvGrpSpPr>
-        <p:cNvPr id="1" name=""/>
-        <p:cNvGrpSpPr/>
-        <p:nvPr/>
-      </p:nvGrpSpPr>
-      <p:grpSpPr/>
-      <p:sp>
-        <p:nvSpPr>
-          <p:cNvPr id="2" name="TextBox 1"/>
-          <p:cNvSpPr txBox="1"/>
-          <p:nvPr/>
-        </p:nvSpPr>
-        <p:spPr>
-          <a:xfrm>
-            <a:off x="457200" y="365760"/>
-            <a:ext cx="10972800" cy="548640"/>
-          </a:xfrm>
-          <a:prstGeom prst="rect">
-            <a:avLst/>
-          </a:prstGeom>
-          <a:noFill/>
-        </p:spPr>
-        <p:txBody>
-          <a:bodyPr wrap="square">
-            <a:spAutoFit/>
-          </a:bodyPr>
-          <a:lstStyle/>
-          <a:p>
-            <a:pPr algn="ctr">
-              <a:defRPr sz="3400" b="1">
-                <a:solidFill>
-                  <a:srgbClr val="FFFFFF"/>
-                </a:solidFill>
-              </a:defRPr>
-            </a:pPr>
-            <a:r>
-              <a:t>Comparable Sales Summary</a:t>
-            </a:r>
-          </a:p>
-        </p:txBody>
-      </p:sp>
-      <p:sp>
-        <p:nvSpPr>
-          <p:cNvPr id="3" name="TextBox 2"/>
-          <p:cNvSpPr txBox="1"/>
-          <p:nvPr/>
-        </p:nvSpPr>
-        <p:spPr>
-          <a:xfrm>
-            <a:off x="457200" y="914400"/>
-            <a:ext cx="10972800" cy="365760"/>
-          </a:xfrm>
-          <a:prstGeom prst="rect">
-            <a:avLst/>
-          </a:prstGeom>
-          <a:noFill/>
-        </p:spPr>
-        <p:txBody>
-          <a:bodyPr wrap="square">
-            <a:spAutoFit/>
-          </a:bodyPr>
-          <a:lstStyle/>
-          <a:p>
-            <a:pPr algn="ctr">
-              <a:defRPr sz="1600" b="0">
-                <a:solidFill>
-                  <a:srgbClr val="CBB279"/>
-                </a:solidFill>
-              </a:defRPr>
-            </a:pPr>
-            <a:r>
-              <a:t>648 Grassmere Park  |  20 Comparable Properties  |  Davidson County, TN</a:t>
-            </a:r>
-          </a:p>
-        </p:txBody>
-      </p:sp>
-      <p:sp>
-        <p:nvSpPr>
-          <p:cNvPr id="4" name="TextBox 3"/>
-          <p:cNvSpPr txBox="1"/>
-          <p:nvPr/>
-        </p:nvSpPr>
-        <p:spPr>
-          <a:xfrm>
-            <a:off x="1371600" y="1645920"/>
-            <a:ext cx="1645920" cy="365760"/>
-          </a:xfrm>
-          <a:prstGeom prst="rect">
-            <a:avLst/>
-          </a:prstGeom>
-          <a:noFill/>
-        </p:spPr>
-        <p:txBody>
-          <a:bodyPr wrap="square">
-            <a:spAutoFit/>
-          </a:bodyPr>
-          <a:lstStyle/>
-          <a:p>
-            <a:pPr algn="ctr">
-              <a:defRPr sz="1300" b="1">
-                <a:solidFill>
-                  <a:srgbClr val="CBB279"/>
-                </a:solidFill>
-              </a:defRPr>
-            </a:pPr>
-            <a:r>
-              <a:t>Tier</a:t>
-            </a:r>
-          </a:p>
-        </p:txBody>
-      </p:sp>
-      <p:sp>
-        <p:nvSpPr>
-          <p:cNvPr id="5" name="TextBox 4"/>
-          <p:cNvSpPr txBox="1"/>
-          <p:nvPr/>
-        </p:nvSpPr>
-        <p:spPr>
-          <a:xfrm>
-            <a:off x="3200400" y="1645920"/>
-            <a:ext cx="1188720" cy="365760"/>
-          </a:xfrm>
-          <a:prstGeom prst="rect">
-            <a:avLst/>
-          </a:prstGeom>
-          <a:noFill/>
-        </p:spPr>
-        <p:txBody>
-          <a:bodyPr wrap="square">
-            <a:spAutoFit/>
-          </a:bodyPr>
-          <a:lstStyle/>
-          <a:p>
-            <a:pPr algn="ctr">
-              <a:defRPr sz="1300" b="1">
-                <a:solidFill>
-                  <a:srgbClr val="CBB279"/>
-                </a:solidFill>
-              </a:defRPr>
-            </a:pPr>
-            <a:r>
-              <a:t>Count</a:t>
-            </a:r>
-          </a:p>
-        </p:txBody>
-      </p:sp>
-      <p:sp>
-        <p:nvSpPr>
-          <p:cNvPr id="6" name="TextBox 5"/>
-          <p:cNvSpPr txBox="1"/>
-          <p:nvPr/>
-        </p:nvSpPr>
-        <p:spPr>
-          <a:xfrm>
-            <a:off x="4572000" y="1645920"/>
-            <a:ext cx="2560320" cy="365760"/>
-          </a:xfrm>
-          <a:prstGeom prst="rect">
-            <a:avLst/>
-          </a:prstGeom>
-          <a:noFill/>
-        </p:spPr>
-        <p:txBody>
-          <a:bodyPr wrap="square">
-            <a:spAutoFit/>
-          </a:bodyPr>
-          <a:lstStyle/>
-          <a:p>
-            <a:pPr algn="ctr">
-              <a:defRPr sz="1300" b="1">
-                <a:solidFill>
-                  <a:srgbClr val="CBB279"/>
-                </a:solidFill>
-              </a:defRPr>
-            </a:pPr>
-            <a:r>
-              <a:t>Price Range</a:t>
-            </a:r>
-          </a:p>
-        </p:txBody>
-      </p:sp>
-      <p:sp>
-        <p:nvSpPr>
-          <p:cNvPr id="7" name="TextBox 6"/>
-          <p:cNvSpPr txBox="1"/>
-          <p:nvPr/>
-        </p:nvSpPr>
-        <p:spPr>
-          <a:xfrm>
-            <a:off x="7315200" y="1645920"/>
-            <a:ext cx="2103120" cy="365760"/>
-          </a:xfrm>
-          <a:prstGeom prst="rect">
-            <a:avLst/>
-          </a:prstGeom>
-          <a:noFill/>
-        </p:spPr>
-        <p:txBody>
-          <a:bodyPr wrap="square">
-            <a:spAutoFit/>
-          </a:bodyPr>
-          <a:lstStyle/>
-          <a:p>
-            <a:pPr algn="ctr">
-              <a:defRPr sz="1300" b="1">
-                <a:solidFill>
-                  <a:srgbClr val="CBB279"/>
-                </a:solidFill>
-              </a:defRPr>
-            </a:pPr>
-            <a:r>
-              <a:t>Avg $/SF</a:t>
-            </a:r>
-          </a:p>
-        </p:txBody>
-      </p:sp>
-      <p:sp>
-        <p:nvSpPr>
-          <p:cNvPr id="8" name="TextBox 7"/>
-          <p:cNvSpPr txBox="1"/>
-          <p:nvPr/>
-        </p:nvSpPr>
-        <p:spPr>
-          <a:xfrm>
-            <a:off x="9601200" y="1645920"/>
-            <a:ext cx="1828800" cy="365760"/>
-          </a:xfrm>
-          <a:prstGeom prst="rect">
-            <a:avLst/>
-          </a:prstGeom>
-          <a:noFill/>
-        </p:spPr>
-        <p:txBody>
-          <a:bodyPr wrap="square">
-            <a:spAutoFit/>
-          </a:bodyPr>
-          <a:lstStyle/>
-          <a:p>
-            <a:pPr algn="ctr">
-              <a:defRPr sz="1300" b="1">
-                <a:solidFill>
-                  <a:srgbClr val="CBB279"/>
-                </a:solidFill>
-              </a:defRPr>
-            </a:pPr>
-            <a:r>
-              <a:t>Score Range</a:t>
-            </a:r>
-          </a:p>
-        </p:txBody>
-      </p:sp>
-      <p:sp>
-        <p:nvSpPr>
-          <p:cNvPr id="9" name="Rectangle 8"/>
-          <p:cNvSpPr/>
-          <p:nvPr/>
-        </p:nvSpPr>
-        <p:spPr>
-          <a:xfrm>
-            <a:off x="1371600" y="2011680"/>
-            <a:ext cx="9601200" cy="27432"/>
-          </a:xfrm>
-          <a:prstGeom prst="rect">
-            <a:avLst/>
-          </a:prstGeom>
-          <a:solidFill>
-            <a:srgbClr val="CBB279"/>
-          </a:solidFill>
-          <a:ln>
-            <a:noFill/>
-          </a:ln>
-        </p:spPr>
-        <p:style>
-          <a:lnRef idx="1">
-            <a:schemeClr val="accent1"/>
-          </a:lnRef>
-          <a:fillRef idx="3">
-            <a:schemeClr val="accent1"/>
-          </a:fillRef>
-          <a:effectRef idx="2">
-            <a:schemeClr val="accent1"/>
-          </a:effectRef>
-          <a:fontRef idx="minor">
-            <a:schemeClr val="lt1"/>
-          </a:fontRef>
-        </p:style>
-        <p:txBody>
-          <a:bodyPr rtlCol="0" anchor="ctr"/>
-          <a:lstStyle/>
-          <a:p>
-            <a:pPr algn="ctr"/>
-          </a:p>
-        </p:txBody>
-      </p:sp>
-      <p:sp>
-        <p:nvSpPr>
-          <p:cNvPr id="10" name="Oval 9"/>
-          <p:cNvSpPr/>
-          <p:nvPr/>
-        </p:nvSpPr>
-        <p:spPr>
-          <a:xfrm>
-            <a:off x="1097280" y="2377440"/>
-            <a:ext cx="182880" cy="182880"/>
-          </a:xfrm>
-          <a:prstGeom prst="ellipse">
-            <a:avLst/>
-          </a:prstGeom>
-          <a:solidFill>
-            <a:srgbClr val="C62828"/>
-          </a:solidFill>
-          <a:ln>
-            <a:noFill/>
-          </a:ln>
-        </p:spPr>
-        <p:style>
-          <a:lnRef idx="1">
-            <a:schemeClr val="accent1"/>
-          </a:lnRef>
-          <a:fillRef idx="3">
-            <a:schemeClr val="accent1"/>
-          </a:fillRef>
-          <a:effectRef idx="2">
-            <a:schemeClr val="accent1"/>
-          </a:effectRef>
-          <a:fontRef idx="minor">
-            <a:schemeClr val="lt1"/>
-          </a:fontRef>
-        </p:style>
-        <p:txBody>
-          <a:bodyPr rtlCol="0" anchor="ctr"/>
-          <a:lstStyle/>
-          <a:p>
-            <a:pPr algn="ctr"/>
-          </a:p>
-        </p:txBody>
-      </p:sp>
-      <p:sp>
-        <p:nvSpPr>
-          <p:cNvPr id="11" name="TextBox 10"/>
-          <p:cNvSpPr txBox="1"/>
-          <p:nvPr/>
-        </p:nvSpPr>
-        <p:spPr>
-          <a:xfrm>
-            <a:off x="1371600" y="2286000"/>
-            <a:ext cx="1645920" cy="365760"/>
-          </a:xfrm>
-          <a:prstGeom prst="rect">
-            <a:avLst/>
-          </a:prstGeom>
-          <a:noFill/>
-        </p:spPr>
-        <p:txBody>
-          <a:bodyPr wrap="square">
-            <a:spAutoFit/>
-          </a:bodyPr>
-          <a:lstStyle/>
-          <a:p>
-            <a:pPr algn="ctr">
-              <a:defRPr sz="1300" b="1">
-                <a:solidFill>
-                  <a:srgbClr val="FFFFFF"/>
-                </a:solidFill>
-              </a:defRPr>
-            </a:pPr>
-            <a:r>
-              <a:t>Subject</a:t>
-            </a:r>
-          </a:p>
-        </p:txBody>
-      </p:sp>
-      <p:sp>
-        <p:nvSpPr>
-          <p:cNvPr id="12" name="TextBox 11"/>
-          <p:cNvSpPr txBox="1"/>
-          <p:nvPr/>
-        </p:nvSpPr>
-        <p:spPr>
-          <a:xfrm>
-            <a:off x="3200400" y="2286000"/>
-            <a:ext cx="1188720" cy="365760"/>
-          </a:xfrm>
-          <a:prstGeom prst="rect">
-            <a:avLst/>
-          </a:prstGeom>
-          <a:noFill/>
-        </p:spPr>
-        <p:txBody>
-          <a:bodyPr wrap="square">
-            <a:spAutoFit/>
-          </a:bodyPr>
-          <a:lstStyle/>
-          <a:p>
-            <a:pPr algn="ctr">
-              <a:defRPr sz="1300" b="0">
-                <a:solidFill>
-                  <a:srgbClr val="FFFFFF"/>
-                </a:solidFill>
-              </a:defRPr>
-            </a:pPr>
-            <a:r>
-              <a:t>1</a:t>
-            </a:r>
-          </a:p>
-        </p:txBody>
-      </p:sp>
-      <p:sp>
-        <p:nvSpPr>
-          <p:cNvPr id="13" name="TextBox 12"/>
-          <p:cNvSpPr txBox="1"/>
-          <p:nvPr/>
-        </p:nvSpPr>
-        <p:spPr>
-          <a:xfrm>
-            <a:off x="4572000" y="2286000"/>
-            <a:ext cx="2560320" cy="365760"/>
-          </a:xfrm>
-          <a:prstGeom prst="rect">
-            <a:avLst/>
-          </a:prstGeom>
-          <a:noFill/>
-        </p:spPr>
-        <p:txBody>
-          <a:bodyPr wrap="square">
-            <a:spAutoFit/>
-          </a:bodyPr>
-          <a:lstStyle/>
-          <a:p>
-            <a:pPr algn="ctr">
-              <a:defRPr sz="1300" b="0">
-                <a:solidFill>
-                  <a:srgbClr val="FFFFFF"/>
-                </a:solidFill>
-              </a:defRPr>
-            </a:pPr>
-            <a:r>
-              <a:t>$25,938,000</a:t>
-            </a:r>
-          </a:p>
-        </p:txBody>
-      </p:sp>
-      <p:sp>
-        <p:nvSpPr>
-          <p:cNvPr id="14" name="TextBox 13"/>
-          <p:cNvSpPr txBox="1"/>
-          <p:nvPr/>
-        </p:nvSpPr>
-        <p:spPr>
-          <a:xfrm>
-            <a:off x="7315200" y="2286000"/>
-            <a:ext cx="2103120" cy="365760"/>
-          </a:xfrm>
-          <a:prstGeom prst="rect">
-            <a:avLst/>
-          </a:prstGeom>
-          <a:noFill/>
-        </p:spPr>
-        <p:txBody>
-          <a:bodyPr wrap="square">
-            <a:spAutoFit/>
-          </a:bodyPr>
-          <a:lstStyle/>
-          <a:p>
-            <a:pPr algn="ctr">
-              <a:defRPr sz="1300" b="0">
-                <a:solidFill>
-                  <a:srgbClr val="FFFFFF"/>
-                </a:solidFill>
-              </a:defRPr>
-            </a:pPr>
-            <a:r>
-              <a:t>$115.69</a:t>
-            </a:r>
-          </a:p>
-        </p:txBody>
-      </p:sp>
-      <p:sp>
-        <p:nvSpPr>
-          <p:cNvPr id="15" name="TextBox 14"/>
-          <p:cNvSpPr txBox="1"/>
-          <p:nvPr/>
-        </p:nvSpPr>
-        <p:spPr>
-          <a:xfrm>
-            <a:off x="9601200" y="2286000"/>
-            <a:ext cx="1828800" cy="365760"/>
-          </a:xfrm>
-          <a:prstGeom prst="rect">
-            <a:avLst/>
-          </a:prstGeom>
-          <a:noFill/>
-        </p:spPr>
-        <p:txBody>
-          <a:bodyPr wrap="square">
-            <a:spAutoFit/>
-          </a:bodyPr>
-          <a:lstStyle/>
-          <a:p>
-            <a:pPr algn="ctr">
-              <a:defRPr sz="1300" b="0">
-                <a:solidFill>
-                  <a:srgbClr val="FFFFFF"/>
-                </a:solidFill>
-              </a:defRPr>
-            </a:pPr>
-            <a:r>
-              <a:t>100</a:t>
-            </a:r>
-          </a:p>
-        </p:txBody>
-      </p:sp>
-      <p:sp>
-        <p:nvSpPr>
-          <p:cNvPr id="16" name="Oval 15"/>
-          <p:cNvSpPr/>
-          <p:nvPr/>
-        </p:nvSpPr>
-        <p:spPr>
-          <a:xfrm>
-            <a:off x="1097280" y="2880360"/>
-            <a:ext cx="182880" cy="182880"/>
-          </a:xfrm>
-          <a:prstGeom prst="ellipse">
-            <a:avLst/>
-          </a:prstGeom>
-          <a:solidFill>
-            <a:srgbClr val="1565C0"/>
-          </a:solidFill>
-          <a:ln>
-            <a:noFill/>
-          </a:ln>
-        </p:spPr>
-        <p:style>
-          <a:lnRef idx="1">
-            <a:schemeClr val="accent1"/>
-          </a:lnRef>
-          <a:fillRef idx="3">
-            <a:schemeClr val="accent1"/>
-          </a:fillRef>
-          <a:effectRef idx="2">
-            <a:schemeClr val="accent1"/>
-          </a:effectRef>
-          <a:fontRef idx="minor">
-            <a:schemeClr val="lt1"/>
-          </a:fontRef>
-        </p:style>
-        <p:txBody>
-          <a:bodyPr rtlCol="0" anchor="ctr"/>
-          <a:lstStyle/>
-          <a:p>
-            <a:pPr algn="ctr"/>
-          </a:p>
-        </p:txBody>
-      </p:sp>
-      <p:sp>
-        <p:nvSpPr>
-          <p:cNvPr id="17" name="TextBox 16"/>
-          <p:cNvSpPr txBox="1"/>
-          <p:nvPr/>
-        </p:nvSpPr>
-        <p:spPr>
-          <a:xfrm>
-            <a:off x="1371600" y="2788920"/>
-            <a:ext cx="1645920" cy="365760"/>
-          </a:xfrm>
-          <a:prstGeom prst="rect">
-            <a:avLst/>
-          </a:prstGeom>
-          <a:noFill/>
-        </p:spPr>
-        <p:txBody>
-          <a:bodyPr wrap="square">
-            <a:spAutoFit/>
-          </a:bodyPr>
-          <a:lstStyle/>
-          <a:p>
-            <a:pPr algn="ctr">
-              <a:defRPr sz="1300" b="1">
-                <a:solidFill>
-                  <a:srgbClr val="FFFFFF"/>
-                </a:solidFill>
-              </a:defRPr>
-            </a:pPr>
-            <a:r>
-              <a:t>Tier 1 — Best</a:t>
-            </a:r>
-          </a:p>
-        </p:txBody>
-      </p:sp>
-      <p:sp>
-        <p:nvSpPr>
-          <p:cNvPr id="18" name="TextBox 17"/>
-          <p:cNvSpPr txBox="1"/>
-          <p:nvPr/>
-        </p:nvSpPr>
-        <p:spPr>
-          <a:xfrm>
-            <a:off x="3200400" y="2788920"/>
-            <a:ext cx="1188720" cy="365760"/>
-          </a:xfrm>
-          <a:prstGeom prst="rect">
-            <a:avLst/>
-          </a:prstGeom>
-          <a:noFill/>
-        </p:spPr>
-        <p:txBody>
-          <a:bodyPr wrap="square">
-            <a:spAutoFit/>
-          </a:bodyPr>
-          <a:lstStyle/>
-          <a:p>
-            <a:pPr algn="ctr">
-              <a:defRPr sz="1300" b="0">
-                <a:solidFill>
-                  <a:srgbClr val="FFFFFF"/>
-                </a:solidFill>
-              </a:defRPr>
-            </a:pPr>
-            <a:r>
-              <a:t>6</a:t>
-            </a:r>
-          </a:p>
-        </p:txBody>
-      </p:sp>
-      <p:sp>
-        <p:nvSpPr>
-          <p:cNvPr id="19" name="TextBox 18"/>
-          <p:cNvSpPr txBox="1"/>
-          <p:nvPr/>
-        </p:nvSpPr>
-        <p:spPr>
-          <a:xfrm>
-            <a:off x="4572000" y="2788920"/>
-            <a:ext cx="2560320" cy="365760"/>
-          </a:xfrm>
-          <a:prstGeom prst="rect">
-            <a:avLst/>
-          </a:prstGeom>
-          <a:noFill/>
-        </p:spPr>
-        <p:txBody>
-          <a:bodyPr wrap="square">
-            <a:spAutoFit/>
-          </a:bodyPr>
-          <a:lstStyle/>
-          <a:p>
-            <a:pPr algn="ctr">
-              <a:defRPr sz="1300" b="0">
-                <a:solidFill>
-                  <a:srgbClr val="FFFFFF"/>
-                </a:solidFill>
-              </a:defRPr>
-            </a:pPr>
-            <a:r>
-              <a:t>$10.9M - $36.0M</a:t>
-            </a:r>
-          </a:p>
-        </p:txBody>
-      </p:sp>
-      <p:sp>
-        <p:nvSpPr>
-          <p:cNvPr id="20" name="TextBox 19"/>
-          <p:cNvSpPr txBox="1"/>
-          <p:nvPr/>
-        </p:nvSpPr>
-        <p:spPr>
-          <a:xfrm>
-            <a:off x="7315200" y="2788920"/>
-            <a:ext cx="2103120" cy="365760"/>
-          </a:xfrm>
-          <a:prstGeom prst="rect">
-            <a:avLst/>
-          </a:prstGeom>
-          <a:noFill/>
-        </p:spPr>
-        <p:txBody>
-          <a:bodyPr wrap="square">
-            <a:spAutoFit/>
-          </a:bodyPr>
-          <a:lstStyle/>
-          <a:p>
-            <a:pPr algn="ctr">
-              <a:defRPr sz="1300" b="0">
-                <a:solidFill>
-                  <a:srgbClr val="FFFFFF"/>
-                </a:solidFill>
-              </a:defRPr>
-            </a:pPr>
-            <a:r>
-              <a:t>$107 - $236</a:t>
-            </a:r>
-          </a:p>
-        </p:txBody>
-      </p:sp>
-      <p:sp>
-        <p:nvSpPr>
-          <p:cNvPr id="21" name="TextBox 20"/>
-          <p:cNvSpPr txBox="1"/>
-          <p:nvPr/>
-        </p:nvSpPr>
-        <p:spPr>
-          <a:xfrm>
-            <a:off x="9601200" y="2788920"/>
-            <a:ext cx="1828800" cy="365760"/>
-          </a:xfrm>
-          <a:prstGeom prst="rect">
-            <a:avLst/>
-          </a:prstGeom>
-          <a:noFill/>
-        </p:spPr>
-        <p:txBody>
-          <a:bodyPr wrap="square">
-            <a:spAutoFit/>
-          </a:bodyPr>
-          <a:lstStyle/>
-          <a:p>
-            <a:pPr algn="ctr">
-              <a:defRPr sz="1300" b="0">
-                <a:solidFill>
-                  <a:srgbClr val="FFFFFF"/>
-                </a:solidFill>
-              </a:defRPr>
-            </a:pPr>
-            <a:r>
-              <a:t>85-95</a:t>
-            </a:r>
-          </a:p>
-        </p:txBody>
-      </p:sp>
-      <p:sp>
-        <p:nvSpPr>
-          <p:cNvPr id="22" name="Oval 21"/>
-          <p:cNvSpPr/>
-          <p:nvPr/>
-        </p:nvSpPr>
-        <p:spPr>
-          <a:xfrm>
-            <a:off x="1097280" y="3383279"/>
-            <a:ext cx="182880" cy="182880"/>
-          </a:xfrm>
-          <a:prstGeom prst="ellipse">
-            <a:avLst/>
-          </a:prstGeom>
-          <a:solidFill>
-            <a:srgbClr val="2E7D32"/>
-          </a:solidFill>
-          <a:ln>
-            <a:noFill/>
-          </a:ln>
-        </p:spPr>
-        <p:style>
-          <a:lnRef idx="1">
-            <a:schemeClr val="accent1"/>
-          </a:lnRef>
-          <a:fillRef idx="3">
-            <a:schemeClr val="accent1"/>
-          </a:fillRef>
-          <a:effectRef idx="2">
-            <a:schemeClr val="accent1"/>
-          </a:effectRef>
-          <a:fontRef idx="minor">
-            <a:schemeClr val="lt1"/>
-          </a:fontRef>
-        </p:style>
-        <p:txBody>
-          <a:bodyPr rtlCol="0" anchor="ctr"/>
-          <a:lstStyle/>
-          <a:p>
-            <a:pPr algn="ctr"/>
-          </a:p>
-        </p:txBody>
-      </p:sp>
-      <p:sp>
-        <p:nvSpPr>
-          <p:cNvPr id="23" name="TextBox 22"/>
-          <p:cNvSpPr txBox="1"/>
-          <p:nvPr/>
-        </p:nvSpPr>
-        <p:spPr>
-          <a:xfrm>
-            <a:off x="1371600" y="3291839"/>
-            <a:ext cx="1645920" cy="365760"/>
-          </a:xfrm>
-          <a:prstGeom prst="rect">
-            <a:avLst/>
-          </a:prstGeom>
-          <a:noFill/>
-        </p:spPr>
-        <p:txBody>
-          <a:bodyPr wrap="square">
-            <a:spAutoFit/>
-          </a:bodyPr>
-          <a:lstStyle/>
-          <a:p>
-            <a:pPr algn="ctr">
-              <a:defRPr sz="1300" b="1">
-                <a:solidFill>
-                  <a:srgbClr val="FFFFFF"/>
-                </a:solidFill>
-              </a:defRPr>
-            </a:pPr>
-            <a:r>
-              <a:t>Tier 2 — Good</a:t>
-            </a:r>
-          </a:p>
-        </p:txBody>
-      </p:sp>
-      <p:sp>
-        <p:nvSpPr>
-          <p:cNvPr id="24" name="TextBox 23"/>
-          <p:cNvSpPr txBox="1"/>
-          <p:nvPr/>
-        </p:nvSpPr>
-        <p:spPr>
-          <a:xfrm>
-            <a:off x="3200400" y="3291839"/>
-            <a:ext cx="1188720" cy="365760"/>
-          </a:xfrm>
-          <a:prstGeom prst="rect">
-            <a:avLst/>
-          </a:prstGeom>
-          <a:noFill/>
-        </p:spPr>
-        <p:txBody>
-          <a:bodyPr wrap="square">
-            <a:spAutoFit/>
-          </a:bodyPr>
-          <a:lstStyle/>
-          <a:p>
-            <a:pPr algn="ctr">
-              <a:defRPr sz="1300" b="0">
-                <a:solidFill>
-                  <a:srgbClr val="FFFFFF"/>
-                </a:solidFill>
-              </a:defRPr>
-            </a:pPr>
-            <a:r>
-              <a:t>7</a:t>
-            </a:r>
-          </a:p>
-        </p:txBody>
-      </p:sp>
-      <p:sp>
-        <p:nvSpPr>
-          <p:cNvPr id="25" name="TextBox 24"/>
-          <p:cNvSpPr txBox="1"/>
-          <p:nvPr/>
-        </p:nvSpPr>
-        <p:spPr>
-          <a:xfrm>
-            <a:off x="4572000" y="3291839"/>
-            <a:ext cx="2560320" cy="365760"/>
-          </a:xfrm>
-          <a:prstGeom prst="rect">
-            <a:avLst/>
-          </a:prstGeom>
-          <a:noFill/>
-        </p:spPr>
-        <p:txBody>
-          <a:bodyPr wrap="square">
-            <a:spAutoFit/>
-          </a:bodyPr>
-          <a:lstStyle/>
-          <a:p>
-            <a:pPr algn="ctr">
-              <a:defRPr sz="1300" b="0">
-                <a:solidFill>
-                  <a:srgbClr val="FFFFFF"/>
-                </a:solidFill>
-              </a:defRPr>
-            </a:pPr>
-            <a:r>
-              <a:t>$12.0M - $85.5M</a:t>
-            </a:r>
-          </a:p>
-        </p:txBody>
-      </p:sp>
-      <p:sp>
-        <p:nvSpPr>
-          <p:cNvPr id="26" name="TextBox 25"/>
-          <p:cNvSpPr txBox="1"/>
-          <p:nvPr/>
-        </p:nvSpPr>
-        <p:spPr>
-          <a:xfrm>
-            <a:off x="7315200" y="3291839"/>
-            <a:ext cx="2103120" cy="365760"/>
-          </a:xfrm>
-          <a:prstGeom prst="rect">
-            <a:avLst/>
-          </a:prstGeom>
-          <a:noFill/>
-        </p:spPr>
-        <p:txBody>
-          <a:bodyPr wrap="square">
-            <a:spAutoFit/>
-          </a:bodyPr>
-          <a:lstStyle/>
-          <a:p>
-            <a:pPr algn="ctr">
-              <a:defRPr sz="1300" b="0">
-                <a:solidFill>
-                  <a:srgbClr val="FFFFFF"/>
-                </a:solidFill>
-              </a:defRPr>
-            </a:pPr>
-            <a:r>
-              <a:t>$98 - $325</a:t>
-            </a:r>
-          </a:p>
-        </p:txBody>
-      </p:sp>
-      <p:sp>
-        <p:nvSpPr>
-          <p:cNvPr id="27" name="TextBox 26"/>
-          <p:cNvSpPr txBox="1"/>
-          <p:nvPr/>
-        </p:nvSpPr>
-        <p:spPr>
-          <a:xfrm>
-            <a:off x="9601200" y="3291839"/>
-            <a:ext cx="1828800" cy="365760"/>
-          </a:xfrm>
-          <a:prstGeom prst="rect">
-            <a:avLst/>
-          </a:prstGeom>
-          <a:noFill/>
-        </p:spPr>
-        <p:txBody>
-          <a:bodyPr wrap="square">
-            <a:spAutoFit/>
-          </a:bodyPr>
-          <a:lstStyle/>
-          <a:p>
-            <a:pPr algn="ctr">
-              <a:defRPr sz="1300" b="0">
-                <a:solidFill>
-                  <a:srgbClr val="FFFFFF"/>
-                </a:solidFill>
-              </a:defRPr>
-            </a:pPr>
-            <a:r>
-              <a:t>75-82</a:t>
-            </a:r>
-          </a:p>
-        </p:txBody>
-      </p:sp>
-      <p:sp>
-        <p:nvSpPr>
-          <p:cNvPr id="28" name="Oval 27"/>
-          <p:cNvSpPr/>
-          <p:nvPr/>
-        </p:nvSpPr>
-        <p:spPr>
-          <a:xfrm>
-            <a:off x="1097280" y="3886199"/>
-            <a:ext cx="182880" cy="182880"/>
-          </a:xfrm>
-          <a:prstGeom prst="ellipse">
-            <a:avLst/>
-          </a:prstGeom>
-          <a:solidFill>
-            <a:srgbClr val="E65100"/>
-          </a:solidFill>
-          <a:ln>
-            <a:noFill/>
-          </a:ln>
-        </p:spPr>
-        <p:style>
-          <a:lnRef idx="1">
-            <a:schemeClr val="accent1"/>
-          </a:lnRef>
-          <a:fillRef idx="3">
-            <a:schemeClr val="accent1"/>
-          </a:fillRef>
-          <a:effectRef idx="2">
-            <a:schemeClr val="accent1"/>
-          </a:effectRef>
-          <a:fontRef idx="minor">
-            <a:schemeClr val="lt1"/>
-          </a:fontRef>
-        </p:style>
-        <p:txBody>
-          <a:bodyPr rtlCol="0" anchor="ctr"/>
-          <a:lstStyle/>
-          <a:p>
-            <a:pPr algn="ctr"/>
-          </a:p>
-        </p:txBody>
-      </p:sp>
-      <p:sp>
-        <p:nvSpPr>
-          <p:cNvPr id="29" name="TextBox 28"/>
-          <p:cNvSpPr txBox="1"/>
-          <p:nvPr/>
-        </p:nvSpPr>
-        <p:spPr>
-          <a:xfrm>
-            <a:off x="1371600" y="3794759"/>
-            <a:ext cx="1645920" cy="365760"/>
-          </a:xfrm>
-          <a:prstGeom prst="rect">
-            <a:avLst/>
-          </a:prstGeom>
-          <a:noFill/>
-        </p:spPr>
-        <p:txBody>
-          <a:bodyPr wrap="square">
-            <a:spAutoFit/>
-          </a:bodyPr>
-          <a:lstStyle/>
-          <a:p>
-            <a:pPr algn="ctr">
-              <a:defRPr sz="1300" b="1">
-                <a:solidFill>
-                  <a:srgbClr val="FFFFFF"/>
-                </a:solidFill>
-              </a:defRPr>
-            </a:pPr>
-            <a:r>
-              <a:t>Tier 3 — Supporting</a:t>
-            </a:r>
-          </a:p>
-        </p:txBody>
-      </p:sp>
-      <p:sp>
-        <p:nvSpPr>
-          <p:cNvPr id="30" name="TextBox 29"/>
-          <p:cNvSpPr txBox="1"/>
-          <p:nvPr/>
-        </p:nvSpPr>
-        <p:spPr>
-          <a:xfrm>
-            <a:off x="3200400" y="3794759"/>
-            <a:ext cx="1188720" cy="365760"/>
-          </a:xfrm>
-          <a:prstGeom prst="rect">
-            <a:avLst/>
-          </a:prstGeom>
-          <a:noFill/>
-        </p:spPr>
-        <p:txBody>
-          <a:bodyPr wrap="square">
-            <a:spAutoFit/>
-          </a:bodyPr>
-          <a:lstStyle/>
-          <a:p>
-            <a:pPr algn="ctr">
-              <a:defRPr sz="1300" b="0">
-                <a:solidFill>
-                  <a:srgbClr val="FFFFFF"/>
-                </a:solidFill>
-              </a:defRPr>
-            </a:pPr>
-            <a:r>
-              <a:t>7</a:t>
-            </a:r>
-          </a:p>
-        </p:txBody>
-      </p:sp>
-      <p:sp>
-        <p:nvSpPr>
-          <p:cNvPr id="31" name="TextBox 30"/>
-          <p:cNvSpPr txBox="1"/>
-          <p:nvPr/>
-        </p:nvSpPr>
-        <p:spPr>
-          <a:xfrm>
-            <a:off x="4572000" y="3794759"/>
-            <a:ext cx="2560320" cy="365760"/>
-          </a:xfrm>
-          <a:prstGeom prst="rect">
-            <a:avLst/>
-          </a:prstGeom>
-          <a:noFill/>
-        </p:spPr>
-        <p:txBody>
-          <a:bodyPr wrap="square">
-            <a:spAutoFit/>
-          </a:bodyPr>
-          <a:lstStyle/>
-          <a:p>
-            <a:pPr algn="ctr">
-              <a:defRPr sz="1300" b="0">
-                <a:solidFill>
-                  <a:srgbClr val="FFFFFF"/>
-                </a:solidFill>
-              </a:defRPr>
-            </a:pPr>
-            <a:r>
-              <a:t>$5.3M - $88.3M</a:t>
-            </a:r>
-          </a:p>
-        </p:txBody>
-      </p:sp>
-      <p:sp>
-        <p:nvSpPr>
-          <p:cNvPr id="32" name="TextBox 31"/>
-          <p:cNvSpPr txBox="1"/>
-          <p:nvPr/>
-        </p:nvSpPr>
-        <p:spPr>
-          <a:xfrm>
-            <a:off x="7315200" y="3794759"/>
-            <a:ext cx="2103120" cy="365760"/>
-          </a:xfrm>
-          <a:prstGeom prst="rect">
-            <a:avLst/>
-          </a:prstGeom>
-          <a:noFill/>
-        </p:spPr>
-        <p:txBody>
-          <a:bodyPr wrap="square">
-            <a:spAutoFit/>
-          </a:bodyPr>
-          <a:lstStyle/>
-          <a:p>
-            <a:pPr algn="ctr">
-              <a:defRPr sz="1300" b="0">
-                <a:solidFill>
-                  <a:srgbClr val="FFFFFF"/>
-                </a:solidFill>
-              </a:defRPr>
-            </a:pPr>
-            <a:r>
-              <a:t>$72 - $184</a:t>
-            </a:r>
-          </a:p>
-        </p:txBody>
-      </p:sp>
-      <p:sp>
-        <p:nvSpPr>
-          <p:cNvPr id="33" name="TextBox 32"/>
-          <p:cNvSpPr txBox="1"/>
-          <p:nvPr/>
-        </p:nvSpPr>
-        <p:spPr>
-          <a:xfrm>
-            <a:off x="9601200" y="3794759"/>
-            <a:ext cx="1828800" cy="365760"/>
-          </a:xfrm>
-          <a:prstGeom prst="rect">
-            <a:avLst/>
-          </a:prstGeom>
-          <a:noFill/>
-        </p:spPr>
-        <p:txBody>
-          <a:bodyPr wrap="square">
-            <a:spAutoFit/>
-          </a:bodyPr>
-          <a:lstStyle/>
-          <a:p>
-            <a:pPr algn="ctr">
-              <a:defRPr sz="1300" b="0">
-                <a:solidFill>
-                  <a:srgbClr val="FFFFFF"/>
-                </a:solidFill>
-              </a:defRPr>
-            </a:pPr>
-            <a:r>
-              <a:t>58-72</a:t>
-            </a:r>
-          </a:p>
-        </p:txBody>
-      </p:sp>
     </p:spTree>
   </p:cSld>
   <p:clrMapOvr>
@@ -5063,7 +5242,7 @@
 </file>
 
 <file path=ppt/slides/slide2.xml><?xml version="1.0" encoding="utf-8"?>
-<p:sld xmlns:a="http://schemas.openxmlformats.org/drawingml/2006/main" xmlns:p="http://schemas.openxmlformats.org/presentationml/2006/main" xmlns:r="http://schemas.openxmlformats.org/officeDocument/2006/relationships">
+<p:sld xmlns:a="http://schemas.openxmlformats.org/drawingml/2006/main" xmlns:r="http://schemas.openxmlformats.org/officeDocument/2006/relationships" xmlns:p="http://schemas.openxmlformats.org/presentationml/2006/main">
   <p:cSld>
     <p:bg>
       <p:bgPr>
@@ -5079,7 +5258,14 @@
         <p:cNvGrpSpPr/>
         <p:nvPr/>
       </p:nvGrpSpPr>
-      <p:grpSpPr/>
+      <p:grpSpPr>
+        <a:xfrm>
+          <a:off x="0" y="0"/>
+          <a:ext cx="0" cy="0"/>
+          <a:chOff x="0" y="0"/>
+          <a:chExt cx="0" cy="0"/>
+        </a:xfrm>
+      </p:grpSpPr>
       <p:sp>
         <p:nvSpPr>
           <p:cNvPr id="2" name="Rectangle 1"/>
@@ -5120,6 +5306,7 @@
           <a:lstStyle/>
           <a:p>
             <a:pPr algn="ctr"/>
+            <a:endParaRPr/>
           </a:p>
         </p:txBody>
       </p:sp>
@@ -5163,6 +5350,7 @@
           <a:lstStyle/>
           <a:p>
             <a:pPr algn="ctr"/>
+            <a:endParaRPr/>
           </a:p>
         </p:txBody>
       </p:sp>
@@ -6280,7 +6468,7 @@
 </file>
 
 <file path=ppt/slides/slide3.xml><?xml version="1.0" encoding="utf-8"?>
-<p:sld xmlns:a="http://schemas.openxmlformats.org/drawingml/2006/main" xmlns:p="http://schemas.openxmlformats.org/presentationml/2006/main" xmlns:r="http://schemas.openxmlformats.org/officeDocument/2006/relationships">
+<p:sld xmlns:a="http://schemas.openxmlformats.org/drawingml/2006/main" xmlns:r="http://schemas.openxmlformats.org/officeDocument/2006/relationships" xmlns:p="http://schemas.openxmlformats.org/presentationml/2006/main">
   <p:cSld>
     <p:bg>
       <p:bgPr>
@@ -6296,7 +6484,14 @@
         <p:cNvGrpSpPr/>
         <p:nvPr/>
       </p:nvGrpSpPr>
-      <p:grpSpPr/>
+      <p:grpSpPr>
+        <a:xfrm>
+          <a:off x="0" y="0"/>
+          <a:ext cx="0" cy="0"/>
+          <a:chOff x="0" y="0"/>
+          <a:chExt cx="0" cy="0"/>
+        </a:xfrm>
+      </p:grpSpPr>
       <p:sp>
         <p:nvSpPr>
           <p:cNvPr id="2" name="Rectangle 1"/>
@@ -6337,6 +6532,7 @@
           <a:lstStyle/>
           <a:p>
             <a:pPr algn="ctr"/>
+            <a:endParaRPr/>
           </a:p>
         </p:txBody>
       </p:sp>
@@ -6380,6 +6576,7 @@
           <a:lstStyle/>
           <a:p>
             <a:pPr algn="ctr"/>
+            <a:endParaRPr/>
           </a:p>
         </p:txBody>
       </p:sp>
@@ -7497,7 +7694,7 @@
 </file>
 
 <file path=ppt/slides/slide4.xml><?xml version="1.0" encoding="utf-8"?>
-<p:sld xmlns:a="http://schemas.openxmlformats.org/drawingml/2006/main" xmlns:p="http://schemas.openxmlformats.org/presentationml/2006/main" xmlns:r="http://schemas.openxmlformats.org/officeDocument/2006/relationships">
+<p:sld xmlns:a="http://schemas.openxmlformats.org/drawingml/2006/main" xmlns:r="http://schemas.openxmlformats.org/officeDocument/2006/relationships" xmlns:p="http://schemas.openxmlformats.org/presentationml/2006/main">
   <p:cSld>
     <p:bg>
       <p:bgPr>
@@ -7513,7 +7710,14 @@
         <p:cNvGrpSpPr/>
         <p:nvPr/>
       </p:nvGrpSpPr>
-      <p:grpSpPr/>
+      <p:grpSpPr>
+        <a:xfrm>
+          <a:off x="0" y="0"/>
+          <a:ext cx="0" cy="0"/>
+          <a:chOff x="0" y="0"/>
+          <a:chExt cx="0" cy="0"/>
+        </a:xfrm>
+      </p:grpSpPr>
       <p:sp>
         <p:nvSpPr>
           <p:cNvPr id="2" name="Rectangle 1"/>
@@ -7554,6 +7758,7 @@
           <a:lstStyle/>
           <a:p>
             <a:pPr algn="ctr"/>
+            <a:endParaRPr/>
           </a:p>
         </p:txBody>
       </p:sp>
@@ -7597,6 +7802,7 @@
           <a:lstStyle/>
           <a:p>
             <a:pPr algn="ctr"/>
+            <a:endParaRPr/>
           </a:p>
         </p:txBody>
       </p:sp>
@@ -8714,7 +8920,7 @@
 </file>
 
 <file path=ppt/slides/slide5.xml><?xml version="1.0" encoding="utf-8"?>
-<p:sld xmlns:a="http://schemas.openxmlformats.org/drawingml/2006/main" xmlns:p="http://schemas.openxmlformats.org/presentationml/2006/main" xmlns:r="http://schemas.openxmlformats.org/officeDocument/2006/relationships">
+<p:sld xmlns:a="http://schemas.openxmlformats.org/drawingml/2006/main" xmlns:r="http://schemas.openxmlformats.org/officeDocument/2006/relationships" xmlns:p="http://schemas.openxmlformats.org/presentationml/2006/main">
   <p:cSld>
     <p:bg>
       <p:bgPr>
@@ -8730,7 +8936,14 @@
         <p:cNvGrpSpPr/>
         <p:nvPr/>
       </p:nvGrpSpPr>
-      <p:grpSpPr/>
+      <p:grpSpPr>
+        <a:xfrm>
+          <a:off x="0" y="0"/>
+          <a:ext cx="0" cy="0"/>
+          <a:chOff x="0" y="0"/>
+          <a:chExt cx="0" cy="0"/>
+        </a:xfrm>
+      </p:grpSpPr>
       <p:sp>
         <p:nvSpPr>
           <p:cNvPr id="2" name="Rectangle 1"/>
@@ -8771,6 +8984,7 @@
           <a:lstStyle/>
           <a:p>
             <a:pPr algn="ctr"/>
+            <a:endParaRPr/>
           </a:p>
         </p:txBody>
       </p:sp>
@@ -8814,6 +9028,7 @@
           <a:lstStyle/>
           <a:p>
             <a:pPr algn="ctr"/>
+            <a:endParaRPr/>
           </a:p>
         </p:txBody>
       </p:sp>
@@ -9931,7 +10146,7 @@
 </file>
 
 <file path=ppt/slides/slide6.xml><?xml version="1.0" encoding="utf-8"?>
-<p:sld xmlns:a="http://schemas.openxmlformats.org/drawingml/2006/main" xmlns:p="http://schemas.openxmlformats.org/presentationml/2006/main" xmlns:r="http://schemas.openxmlformats.org/officeDocument/2006/relationships">
+<p:sld xmlns:a="http://schemas.openxmlformats.org/drawingml/2006/main" xmlns:r="http://schemas.openxmlformats.org/officeDocument/2006/relationships" xmlns:p="http://schemas.openxmlformats.org/presentationml/2006/main">
   <p:cSld>
     <p:bg>
       <p:bgPr>
@@ -9947,7 +10162,14 @@
         <p:cNvGrpSpPr/>
         <p:nvPr/>
       </p:nvGrpSpPr>
-      <p:grpSpPr/>
+      <p:grpSpPr>
+        <a:xfrm>
+          <a:off x="0" y="0"/>
+          <a:ext cx="0" cy="0"/>
+          <a:chOff x="0" y="0"/>
+          <a:chExt cx="0" cy="0"/>
+        </a:xfrm>
+      </p:grpSpPr>
       <p:sp>
         <p:nvSpPr>
           <p:cNvPr id="2" name="Rectangle 1"/>
@@ -9988,6 +10210,7 @@
           <a:lstStyle/>
           <a:p>
             <a:pPr algn="ctr"/>
+            <a:endParaRPr/>
           </a:p>
         </p:txBody>
       </p:sp>
@@ -10031,6 +10254,7 @@
           <a:lstStyle/>
           <a:p>
             <a:pPr algn="ctr"/>
+            <a:endParaRPr/>
           </a:p>
         </p:txBody>
       </p:sp>
@@ -10458,7 +10682,7 @@
 </file>
 
 <file path=ppt/slides/slide7.xml><?xml version="1.0" encoding="utf-8"?>
-<p:sld xmlns:a="http://schemas.openxmlformats.org/drawingml/2006/main" xmlns:p="http://schemas.openxmlformats.org/presentationml/2006/main" xmlns:r="http://schemas.openxmlformats.org/officeDocument/2006/relationships">
+<p:sld xmlns:a="http://schemas.openxmlformats.org/drawingml/2006/main" xmlns:r="http://schemas.openxmlformats.org/officeDocument/2006/relationships" xmlns:p="http://schemas.openxmlformats.org/presentationml/2006/main">
   <p:cSld>
     <p:bg>
       <p:bgPr>
@@ -10474,7 +10698,14 @@
         <p:cNvGrpSpPr/>
         <p:nvPr/>
       </p:nvGrpSpPr>
-      <p:grpSpPr/>
+      <p:grpSpPr>
+        <a:xfrm>
+          <a:off x="0" y="0"/>
+          <a:ext cx="0" cy="0"/>
+          <a:chOff x="0" y="0"/>
+          <a:chExt cx="0" cy="0"/>
+        </a:xfrm>
+      </p:grpSpPr>
       <p:sp>
         <p:nvSpPr>
           <p:cNvPr id="2" name="Rectangle 1"/>
@@ -10515,6 +10746,7 @@
           <a:lstStyle/>
           <a:p>
             <a:pPr algn="ctr"/>
+            <a:endParaRPr/>
           </a:p>
         </p:txBody>
       </p:sp>
@@ -10558,6 +10790,7 @@
           <a:lstStyle/>
           <a:p>
             <a:pPr algn="ctr"/>
+            <a:endParaRPr/>
           </a:p>
         </p:txBody>
       </p:sp>
@@ -11675,7 +11908,7 @@
 </file>
 
 <file path=ppt/slides/slide8.xml><?xml version="1.0" encoding="utf-8"?>
-<p:sld xmlns:a="http://schemas.openxmlformats.org/drawingml/2006/main" xmlns:p="http://schemas.openxmlformats.org/presentationml/2006/main" xmlns:r="http://schemas.openxmlformats.org/officeDocument/2006/relationships">
+<p:sld xmlns:a="http://schemas.openxmlformats.org/drawingml/2006/main" xmlns:r="http://schemas.openxmlformats.org/officeDocument/2006/relationships" xmlns:p="http://schemas.openxmlformats.org/presentationml/2006/main">
   <p:cSld>
     <p:bg>
       <p:bgPr>
@@ -11691,7 +11924,14 @@
         <p:cNvGrpSpPr/>
         <p:nvPr/>
       </p:nvGrpSpPr>
-      <p:grpSpPr/>
+      <p:grpSpPr>
+        <a:xfrm>
+          <a:off x="0" y="0"/>
+          <a:ext cx="0" cy="0"/>
+          <a:chOff x="0" y="0"/>
+          <a:chExt cx="0" cy="0"/>
+        </a:xfrm>
+      </p:grpSpPr>
       <p:sp>
         <p:nvSpPr>
           <p:cNvPr id="2" name="Rectangle 1"/>
@@ -11732,6 +11972,7 @@
           <a:lstStyle/>
           <a:p>
             <a:pPr algn="ctr"/>
+            <a:endParaRPr/>
           </a:p>
         </p:txBody>
       </p:sp>
@@ -11775,6 +12016,7 @@
           <a:lstStyle/>
           <a:p>
             <a:pPr algn="ctr"/>
+            <a:endParaRPr/>
           </a:p>
         </p:txBody>
       </p:sp>
@@ -12892,7 +13134,7 @@
 </file>
 
 <file path=ppt/slides/slide9.xml><?xml version="1.0" encoding="utf-8"?>
-<p:sld xmlns:a="http://schemas.openxmlformats.org/drawingml/2006/main" xmlns:p="http://schemas.openxmlformats.org/presentationml/2006/main" xmlns:r="http://schemas.openxmlformats.org/officeDocument/2006/relationships">
+<p:sld xmlns:a="http://schemas.openxmlformats.org/drawingml/2006/main" xmlns:r="http://schemas.openxmlformats.org/officeDocument/2006/relationships" xmlns:p="http://schemas.openxmlformats.org/presentationml/2006/main">
   <p:cSld>
     <p:bg>
       <p:bgPr>
@@ -12908,7 +13150,14 @@
         <p:cNvGrpSpPr/>
         <p:nvPr/>
       </p:nvGrpSpPr>
-      <p:grpSpPr/>
+      <p:grpSpPr>
+        <a:xfrm>
+          <a:off x="0" y="0"/>
+          <a:ext cx="0" cy="0"/>
+          <a:chOff x="0" y="0"/>
+          <a:chExt cx="0" cy="0"/>
+        </a:xfrm>
+      </p:grpSpPr>
       <p:sp>
         <p:nvSpPr>
           <p:cNvPr id="2" name="Rectangle 1"/>
@@ -12949,6 +13198,7 @@
           <a:lstStyle/>
           <a:p>
             <a:pPr algn="ctr"/>
+            <a:endParaRPr/>
           </a:p>
         </p:txBody>
       </p:sp>
@@ -12992,6 +13242,7 @@
           <a:lstStyle/>
           <a:p>
             <a:pPr algn="ctr"/>
+            <a:endParaRPr/>
           </a:p>
         </p:txBody>
       </p:sp>

--- a/Grassmere_Top_Comps.pptx
+++ b/Grassmere_Top_Comps.pptx
@@ -16,6 +16,9 @@
     <p:sldId id="263" r:id="rId9"/>
     <p:sldId id="264" r:id="rId10"/>
     <p:sldId id="265" r:id="rId11"/>
+    <p:sldId id="267" r:id="rId17"/>
+    <p:sldId id="268" r:id="rId18"/>
+    <p:sldId id="269" r:id="rId19"/>
   </p:sldIdLst>
   <p:sldSz cx="12192000" cy="6858000"/>
   <p:notesSz cx="6858000" cy="9144000"/>
@@ -131,6 +134,681 @@
     </p:ext>
   </p:extLst>
 </p:presentation>
+</file>
+
+<file path=ppt/charts/chart1.xml><?xml version="1.0" encoding="utf-8"?>
+<c:chartSpace xmlns:c="http://schemas.openxmlformats.org/drawingml/2006/chart" xmlns:a="http://schemas.openxmlformats.org/drawingml/2006/main" xmlns:r="http://schemas.openxmlformats.org/officeDocument/2006/relationships">
+  <c:date1904 val="0"/>
+  <c:chart>
+    <c:title>
+      <c:tx>
+        <c:rich>
+          <a:bodyPr/>
+          <a:lstStyle/>
+          <a:p>
+            <a:pPr>
+              <a:defRPr sz="1400" b="1">
+                <a:solidFill>
+                  <a:srgbClr val="3A5566"/>
+                </a:solidFill>
+              </a:defRPr>
+            </a:pPr>
+            <a:r>
+              <a:t>BZA Cases by Year</a:t>
+            </a:r>
+          </a:p>
+        </c:rich>
+      </c:tx>
+      <c:layout/>
+      <c:overlay val="0"/>
+    </c:title>
+    <c:autoTitleDeleted val="0"/>
+    <c:plotArea>
+      <c:barChart>
+        <c:barDir val="col"/>
+        <c:grouping val="clustered"/>
+        <c:ser>
+          <c:idx val="0"/>
+          <c:order val="0"/>
+          <c:tx>
+            <c:strRef>
+              <c:f>Sheet1!$B$1</c:f>
+              <c:strCache>
+                <c:ptCount val="1"/>
+                <c:pt idx="0">
+                  <c:v>BZA Cases</c:v>
+                </c:pt>
+              </c:strCache>
+            </c:strRef>
+          </c:tx>
+          <c:spPr>
+            <a:solidFill>
+              <a:srgbClr val="3A5566"/>
+            </a:solidFill>
+          </c:spPr>
+          <c:cat>
+            <c:strRef>
+              <c:f>Sheet1!$A$2:$A$14</c:f>
+              <c:strCache>
+                <c:ptCount val="13"/>
+                <c:pt idx="0">
+                  <c:v>2006</c:v>
+                </c:pt>
+                <c:pt idx="1">
+                  <c:v>2007</c:v>
+                </c:pt>
+                <c:pt idx="2">
+                  <c:v>2008</c:v>
+                </c:pt>
+                <c:pt idx="3">
+                  <c:v>2009</c:v>
+                </c:pt>
+                <c:pt idx="4">
+                  <c:v>2010</c:v>
+                </c:pt>
+                <c:pt idx="5">
+                  <c:v>2011</c:v>
+                </c:pt>
+                <c:pt idx="6">
+                  <c:v>2012</c:v>
+                </c:pt>
+                <c:pt idx="7">
+                  <c:v>2013</c:v>
+                </c:pt>
+                <c:pt idx="8">
+                  <c:v>2014</c:v>
+                </c:pt>
+                <c:pt idx="9">
+                  <c:v>2015</c:v>
+                </c:pt>
+                <c:pt idx="10">
+                  <c:v>2016</c:v>
+                </c:pt>
+                <c:pt idx="11">
+                  <c:v>2017</c:v>
+                </c:pt>
+                <c:pt idx="12">
+                  <c:v>2018</c:v>
+                </c:pt>
+              </c:strCache>
+            </c:strRef>
+          </c:cat>
+          <c:val>
+            <c:numRef>
+              <c:f>Sheet1!$B$2:$B$14</c:f>
+              <c:numCache>
+                <c:formatCode>General</c:formatCode>
+                <c:ptCount val="13"/>
+                <c:pt idx="0">
+                  <c:v>1</c:v>
+                </c:pt>
+                <c:pt idx="1">
+                  <c:v>9</c:v>
+                </c:pt>
+                <c:pt idx="2">
+                  <c:v>16</c:v>
+                </c:pt>
+                <c:pt idx="3">
+                  <c:v>9</c:v>
+                </c:pt>
+                <c:pt idx="4">
+                  <c:v>16</c:v>
+                </c:pt>
+                <c:pt idx="5">
+                  <c:v>14</c:v>
+                </c:pt>
+                <c:pt idx="6">
+                  <c:v>15</c:v>
+                </c:pt>
+                <c:pt idx="7">
+                  <c:v>17</c:v>
+                </c:pt>
+                <c:pt idx="8">
+                  <c:v>15</c:v>
+                </c:pt>
+                <c:pt idx="9">
+                  <c:v>14</c:v>
+                </c:pt>
+                <c:pt idx="10">
+                  <c:v>10</c:v>
+                </c:pt>
+                <c:pt idx="11">
+                  <c:v>6</c:v>
+                </c:pt>
+                <c:pt idx="12">
+                  <c:v>1</c:v>
+                </c:pt>
+              </c:numCache>
+            </c:numRef>
+          </c:val>
+        </c:ser>
+        <c:axId val="-2068027336"/>
+        <c:axId val="-2113994440"/>
+      </c:barChart>
+      <c:catAx>
+        <c:axId val="-2068027336"/>
+        <c:scaling>
+          <c:orientation val="minMax"/>
+        </c:scaling>
+        <c:delete val="0"/>
+        <c:axPos val="b"/>
+        <c:majorTickMark val="out"/>
+        <c:minorTickMark val="none"/>
+        <c:tickLblPos val="nextTo"/>
+        <c:crossAx val="-2113994440"/>
+        <c:crosses val="autoZero"/>
+        <c:auto val="1"/>
+        <c:lblAlgn val="ctr"/>
+        <c:lblOffset val="100"/>
+        <c:noMultiLvlLbl val="0"/>
+      </c:catAx>
+      <c:valAx>
+        <c:axId val="-2113994440"/>
+        <c:scaling/>
+        <c:delete val="0"/>
+        <c:axPos val="l"/>
+        <c:majorGridlines/>
+        <c:majorTickMark val="out"/>
+        <c:minorTickMark val="none"/>
+        <c:tickLblPos val="nextTo"/>
+        <c:crossAx val="-2068027336"/>
+        <c:crosses val="autoZero"/>
+      </c:valAx>
+    </c:plotArea>
+    <c:dispBlanksAs val="gap"/>
+  </c:chart>
+  <c:txPr>
+    <a:bodyPr/>
+    <a:lstStyle/>
+    <a:p>
+      <a:pPr>
+        <a:defRPr sz="1800"/>
+      </a:pPr>
+      <a:endParaRPr lang="en-US"/>
+    </a:p>
+  </c:txPr>
+  <c:externalData r:id="rId1">
+    <c:autoUpdate val="0"/>
+  </c:externalData>
+</c:chartSpace>
+</file>
+
+<file path=ppt/charts/chart2.xml><?xml version="1.0" encoding="utf-8"?>
+<c:chartSpace xmlns:c="http://schemas.openxmlformats.org/drawingml/2006/chart" xmlns:a="http://schemas.openxmlformats.org/drawingml/2006/main" xmlns:r="http://schemas.openxmlformats.org/officeDocument/2006/relationships">
+  <c:date1904 val="0"/>
+  <c:chart>
+    <c:title>
+      <c:tx>
+        <c:rich>
+          <a:bodyPr/>
+          <a:lstStyle/>
+          <a:p>
+            <a:pPr>
+              <a:defRPr sz="1400" b="1">
+                <a:solidFill>
+                  <a:srgbClr val="3A5566"/>
+                </a:solidFill>
+              </a:defRPr>
+            </a:pPr>
+            <a:r>
+              <a:t>Office Permits by Year</a:t>
+            </a:r>
+          </a:p>
+        </c:rich>
+      </c:tx>
+      <c:layout/>
+      <c:overlay val="0"/>
+    </c:title>
+    <c:autoTitleDeleted val="0"/>
+    <c:plotArea>
+      <c:barChart>
+        <c:barDir val="col"/>
+        <c:grouping val="clustered"/>
+        <c:ser>
+          <c:idx val="0"/>
+          <c:order val="0"/>
+          <c:tx>
+            <c:strRef>
+              <c:f>Sheet1!$B$1</c:f>
+              <c:strCache>
+                <c:ptCount val="1"/>
+                <c:pt idx="0">
+                  <c:v>Permits Issued</c:v>
+                </c:pt>
+              </c:strCache>
+            </c:strRef>
+          </c:tx>
+          <c:spPr>
+            <a:solidFill>
+              <a:srgbClr val="1565C0"/>
+            </a:solidFill>
+          </c:spPr>
+          <c:cat>
+            <c:strRef>
+              <c:f>Sheet1!$A$2:$A$21</c:f>
+              <c:strCache>
+                <c:ptCount val="20"/>
+                <c:pt idx="0">
+                  <c:v>2006</c:v>
+                </c:pt>
+                <c:pt idx="1">
+                  <c:v>2007</c:v>
+                </c:pt>
+                <c:pt idx="2">
+                  <c:v>2008</c:v>
+                </c:pt>
+                <c:pt idx="3">
+                  <c:v>2009</c:v>
+                </c:pt>
+                <c:pt idx="4">
+                  <c:v>2010</c:v>
+                </c:pt>
+                <c:pt idx="5">
+                  <c:v>2011</c:v>
+                </c:pt>
+                <c:pt idx="6">
+                  <c:v>2012</c:v>
+                </c:pt>
+                <c:pt idx="7">
+                  <c:v>2013</c:v>
+                </c:pt>
+                <c:pt idx="8">
+                  <c:v>2014</c:v>
+                </c:pt>
+                <c:pt idx="9">
+                  <c:v>2015</c:v>
+                </c:pt>
+                <c:pt idx="10">
+                  <c:v>2016</c:v>
+                </c:pt>
+                <c:pt idx="11">
+                  <c:v>2017</c:v>
+                </c:pt>
+                <c:pt idx="12">
+                  <c:v>2018</c:v>
+                </c:pt>
+                <c:pt idx="13">
+                  <c:v>2019</c:v>
+                </c:pt>
+                <c:pt idx="14">
+                  <c:v>2020</c:v>
+                </c:pt>
+                <c:pt idx="15">
+                  <c:v>2021</c:v>
+                </c:pt>
+                <c:pt idx="16">
+                  <c:v>2022</c:v>
+                </c:pt>
+                <c:pt idx="17">
+                  <c:v>2023</c:v>
+                </c:pt>
+                <c:pt idx="18">
+                  <c:v>2024</c:v>
+                </c:pt>
+                <c:pt idx="19">
+                  <c:v>2025</c:v>
+                </c:pt>
+              </c:strCache>
+            </c:strRef>
+          </c:cat>
+          <c:val>
+            <c:numRef>
+              <c:f>Sheet1!$B$2:$B$21</c:f>
+              <c:numCache>
+                <c:formatCode>General</c:formatCode>
+                <c:ptCount val="20"/>
+                <c:pt idx="0">
+                  <c:v>166</c:v>
+                </c:pt>
+                <c:pt idx="1">
+                  <c:v>502</c:v>
+                </c:pt>
+                <c:pt idx="2">
+                  <c:v>400</c:v>
+                </c:pt>
+                <c:pt idx="3">
+                  <c:v>307</c:v>
+                </c:pt>
+                <c:pt idx="4">
+                  <c:v>406</c:v>
+                </c:pt>
+                <c:pt idx="5">
+                  <c:v>353</c:v>
+                </c:pt>
+                <c:pt idx="6">
+                  <c:v>379</c:v>
+                </c:pt>
+                <c:pt idx="7">
+                  <c:v>391</c:v>
+                </c:pt>
+                <c:pt idx="8">
+                  <c:v>450</c:v>
+                </c:pt>
+                <c:pt idx="9">
+                  <c:v>539</c:v>
+                </c:pt>
+                <c:pt idx="10">
+                  <c:v>508</c:v>
+                </c:pt>
+                <c:pt idx="11">
+                  <c:v>471</c:v>
+                </c:pt>
+                <c:pt idx="12">
+                  <c:v>489</c:v>
+                </c:pt>
+                <c:pt idx="13">
+                  <c:v>494</c:v>
+                </c:pt>
+                <c:pt idx="14">
+                  <c:v>429</c:v>
+                </c:pt>
+                <c:pt idx="15">
+                  <c:v>381</c:v>
+                </c:pt>
+                <c:pt idx="16">
+                  <c:v>506</c:v>
+                </c:pt>
+                <c:pt idx="17">
+                  <c:v>369</c:v>
+                </c:pt>
+                <c:pt idx="18">
+                  <c:v>361</c:v>
+                </c:pt>
+                <c:pt idx="19">
+                  <c:v>366</c:v>
+                </c:pt>
+              </c:numCache>
+            </c:numRef>
+          </c:val>
+        </c:ser>
+        <c:axId val="-2068027336"/>
+        <c:axId val="-2113994440"/>
+      </c:barChart>
+      <c:catAx>
+        <c:axId val="-2068027336"/>
+        <c:scaling>
+          <c:orientation val="minMax"/>
+        </c:scaling>
+        <c:delete val="0"/>
+        <c:axPos val="b"/>
+        <c:majorTickMark val="out"/>
+        <c:minorTickMark val="none"/>
+        <c:tickLblPos val="nextTo"/>
+        <c:crossAx val="-2113994440"/>
+        <c:crosses val="autoZero"/>
+        <c:auto val="1"/>
+        <c:lblAlgn val="ctr"/>
+        <c:lblOffset val="100"/>
+        <c:noMultiLvlLbl val="0"/>
+      </c:catAx>
+      <c:valAx>
+        <c:axId val="-2113994440"/>
+        <c:scaling/>
+        <c:delete val="0"/>
+        <c:axPos val="l"/>
+        <c:majorGridlines/>
+        <c:majorTickMark val="out"/>
+        <c:minorTickMark val="none"/>
+        <c:tickLblPos val="nextTo"/>
+        <c:crossAx val="-2068027336"/>
+        <c:crosses val="autoZero"/>
+      </c:valAx>
+    </c:plotArea>
+    <c:dispBlanksAs val="gap"/>
+  </c:chart>
+  <c:txPr>
+    <a:bodyPr/>
+    <a:lstStyle/>
+    <a:p>
+      <a:pPr>
+        <a:defRPr sz="1800"/>
+      </a:pPr>
+      <a:endParaRPr lang="en-US"/>
+    </a:p>
+  </c:txPr>
+  <c:externalData r:id="rId1">
+    <c:autoUpdate val="0"/>
+  </c:externalData>
+</c:chartSpace>
+</file>
+
+<file path=ppt/charts/chart3.xml><?xml version="1.0" encoding="utf-8"?>
+<c:chartSpace xmlns:c="http://schemas.openxmlformats.org/drawingml/2006/chart" xmlns:a="http://schemas.openxmlformats.org/drawingml/2006/main" xmlns:r="http://schemas.openxmlformats.org/officeDocument/2006/relationships">
+  <c:date1904 val="0"/>
+  <c:chart>
+    <c:title>
+      <c:tx>
+        <c:rich>
+          <a:bodyPr/>
+          <a:lstStyle/>
+          <a:p>
+            <a:pPr>
+              <a:defRPr sz="1400" b="1">
+                <a:solidFill>
+                  <a:srgbClr val="3A5566"/>
+                </a:solidFill>
+              </a:defRPr>
+            </a:pPr>
+            <a:r>
+              <a:t>Annual Construction Value ($ Millions)</a:t>
+            </a:r>
+          </a:p>
+        </c:rich>
+      </c:tx>
+      <c:layout/>
+      <c:overlay val="0"/>
+    </c:title>
+    <c:autoTitleDeleted val="0"/>
+    <c:plotArea>
+      <c:barChart>
+        <c:barDir val="col"/>
+        <c:grouping val="clustered"/>
+        <c:ser>
+          <c:idx val="0"/>
+          <c:order val="0"/>
+          <c:tx>
+            <c:strRef>
+              <c:f>Sheet1!$B$1</c:f>
+              <c:strCache>
+                <c:ptCount val="1"/>
+                <c:pt idx="0">
+                  <c:v>Construction Value ($M)</c:v>
+                </c:pt>
+              </c:strCache>
+            </c:strRef>
+          </c:tx>
+          <c:spPr>
+            <a:solidFill>
+              <a:srgbClr val="2E7D32"/>
+            </a:solidFill>
+          </c:spPr>
+          <c:cat>
+            <c:strRef>
+              <c:f>Sheet1!$A$2:$A$21</c:f>
+              <c:strCache>
+                <c:ptCount val="20"/>
+                <c:pt idx="0">
+                  <c:v>2006</c:v>
+                </c:pt>
+                <c:pt idx="1">
+                  <c:v>2007</c:v>
+                </c:pt>
+                <c:pt idx="2">
+                  <c:v>2008</c:v>
+                </c:pt>
+                <c:pt idx="3">
+                  <c:v>2009</c:v>
+                </c:pt>
+                <c:pt idx="4">
+                  <c:v>2010</c:v>
+                </c:pt>
+                <c:pt idx="5">
+                  <c:v>2011</c:v>
+                </c:pt>
+                <c:pt idx="6">
+                  <c:v>2012</c:v>
+                </c:pt>
+                <c:pt idx="7">
+                  <c:v>2013</c:v>
+                </c:pt>
+                <c:pt idx="8">
+                  <c:v>2014</c:v>
+                </c:pt>
+                <c:pt idx="9">
+                  <c:v>2015</c:v>
+                </c:pt>
+                <c:pt idx="10">
+                  <c:v>2016</c:v>
+                </c:pt>
+                <c:pt idx="11">
+                  <c:v>2017</c:v>
+                </c:pt>
+                <c:pt idx="12">
+                  <c:v>2018</c:v>
+                </c:pt>
+                <c:pt idx="13">
+                  <c:v>2019</c:v>
+                </c:pt>
+                <c:pt idx="14">
+                  <c:v>2020</c:v>
+                </c:pt>
+                <c:pt idx="15">
+                  <c:v>2021</c:v>
+                </c:pt>
+                <c:pt idx="16">
+                  <c:v>2022</c:v>
+                </c:pt>
+                <c:pt idx="17">
+                  <c:v>2023</c:v>
+                </c:pt>
+                <c:pt idx="18">
+                  <c:v>2024</c:v>
+                </c:pt>
+                <c:pt idx="19">
+                  <c:v>2025</c:v>
+                </c:pt>
+              </c:strCache>
+            </c:strRef>
+          </c:cat>
+          <c:val>
+            <c:numRef>
+              <c:f>Sheet1!$B$2:$B$21</c:f>
+              <c:numCache>
+                <c:formatCode>General</c:formatCode>
+                <c:ptCount val="20"/>
+                <c:pt idx="0">
+                  <c:v>28.60521696</c:v>
+                </c:pt>
+                <c:pt idx="1">
+                  <c:v>186.75023897999998</c:v>
+                </c:pt>
+                <c:pt idx="2">
+                  <c:v>30.16160137</c:v>
+                </c:pt>
+                <c:pt idx="3">
+                  <c:v>27.32372482</c:v>
+                </c:pt>
+                <c:pt idx="4">
+                  <c:v>42.90492372</c:v>
+                </c:pt>
+                <c:pt idx="5">
+                  <c:v>126.18557049</c:v>
+                </c:pt>
+                <c:pt idx="6">
+                  <c:v>86.78543437</c:v>
+                </c:pt>
+                <c:pt idx="7">
+                  <c:v>164.5064612</c:v>
+                </c:pt>
+                <c:pt idx="8">
+                  <c:v>197.76109091</c:v>
+                </c:pt>
+                <c:pt idx="9">
+                  <c:v>347.60499228</c:v>
+                </c:pt>
+                <c:pt idx="10">
+                  <c:v>341.49302592000004</c:v>
+                </c:pt>
+                <c:pt idx="11">
+                  <c:v>410.41803824</c:v>
+                </c:pt>
+                <c:pt idx="12">
+                  <c:v>531.0691792599999</c:v>
+                </c:pt>
+                <c:pt idx="13">
+                  <c:v>445.02231673</c:v>
+                </c:pt>
+                <c:pt idx="14">
+                  <c:v>474.50201591</c:v>
+                </c:pt>
+                <c:pt idx="15">
+                  <c:v>185.26705004</c:v>
+                </c:pt>
+                <c:pt idx="16">
+                  <c:v>597.25151863</c:v>
+                </c:pt>
+                <c:pt idx="17">
+                  <c:v>332.03112558</c:v>
+                </c:pt>
+                <c:pt idx="18">
+                  <c:v>233.15263121</c:v>
+                </c:pt>
+                <c:pt idx="19">
+                  <c:v>380.02140068</c:v>
+                </c:pt>
+              </c:numCache>
+            </c:numRef>
+          </c:val>
+        </c:ser>
+        <c:axId val="-2068027336"/>
+        <c:axId val="-2113994440"/>
+      </c:barChart>
+      <c:catAx>
+        <c:axId val="-2068027336"/>
+        <c:scaling>
+          <c:orientation val="minMax"/>
+        </c:scaling>
+        <c:delete val="0"/>
+        <c:axPos val="b"/>
+        <c:majorTickMark val="out"/>
+        <c:minorTickMark val="none"/>
+        <c:tickLblPos val="nextTo"/>
+        <c:crossAx val="-2113994440"/>
+        <c:crosses val="autoZero"/>
+        <c:auto val="1"/>
+        <c:lblAlgn val="ctr"/>
+        <c:lblOffset val="100"/>
+        <c:noMultiLvlLbl val="0"/>
+      </c:catAx>
+      <c:valAx>
+        <c:axId val="-2113994440"/>
+        <c:scaling/>
+        <c:delete val="0"/>
+        <c:axPos val="l"/>
+        <c:majorGridlines/>
+        <c:majorTickMark val="out"/>
+        <c:minorTickMark val="none"/>
+        <c:tickLblPos val="nextTo"/>
+        <c:crossAx val="-2068027336"/>
+        <c:crosses val="autoZero"/>
+      </c:valAx>
+    </c:plotArea>
+    <c:dispBlanksAs val="gap"/>
+  </c:chart>
+  <c:txPr>
+    <a:bodyPr/>
+    <a:lstStyle/>
+    <a:p>
+      <a:pPr>
+        <a:defRPr sz="1800"/>
+      </a:pPr>
+      <a:endParaRPr lang="en-US"/>
+    </a:p>
+  </c:txPr>
+  <c:externalData r:id="rId1">
+    <c:autoUpdate val="0"/>
+  </c:externalData>
+</c:chartSpace>
 </file>
 
 <file path=ppt/slideLayouts/slideLayout1.xml><?xml version="1.0" encoding="utf-8"?>
@@ -3886,6 +4564,542 @@
     <p:bg>
       <p:bgPr>
         <a:solidFill>
+          <a:srgbClr val="FFFFFF"/>
+        </a:solidFill>
+        <a:effectLst/>
+      </p:bgPr>
+    </p:bg>
+    <p:spTree>
+      <p:nvGrpSpPr>
+        <p:cNvPr id="1" name=""/>
+        <p:cNvGrpSpPr/>
+        <p:nvPr/>
+      </p:nvGrpSpPr>
+      <p:grpSpPr>
+        <a:xfrm>
+          <a:off x="0" y="0"/>
+          <a:ext cx="0" cy="0"/>
+          <a:chOff x="0" y="0"/>
+          <a:chExt cx="0" cy="0"/>
+        </a:xfrm>
+      </p:grpSpPr>
+      <p:sp>
+        <p:nvSpPr>
+          <p:cNvPr id="2" name="Rectangle 1"/>
+          <p:cNvSpPr/>
+          <p:nvPr/>
+        </p:nvSpPr>
+        <p:spPr>
+          <a:xfrm>
+            <a:off x="0" y="0"/>
+            <a:ext cx="12191695" cy="777240"/>
+          </a:xfrm>
+          <a:prstGeom prst="rect">
+            <a:avLst/>
+          </a:prstGeom>
+          <a:solidFill>
+            <a:srgbClr val="3A5566"/>
+          </a:solidFill>
+          <a:ln>
+            <a:noFill/>
+          </a:ln>
+        </p:spPr>
+        <p:style>
+          <a:lnRef idx="1">
+            <a:schemeClr val="accent1"/>
+          </a:lnRef>
+          <a:fillRef idx="3">
+            <a:schemeClr val="accent1"/>
+          </a:fillRef>
+          <a:effectRef idx="2">
+            <a:schemeClr val="accent1"/>
+          </a:effectRef>
+          <a:fontRef idx="minor">
+            <a:schemeClr val="lt1"/>
+          </a:fontRef>
+        </p:style>
+        <p:txBody>
+          <a:bodyPr rtlCol="0" anchor="ctr"/>
+          <a:lstStyle/>
+          <a:p>
+            <a:pPr algn="ctr"/>
+            <a:endParaRPr/>
+          </a:p>
+        </p:txBody>
+      </p:sp>
+      <p:sp>
+        <p:nvSpPr>
+          <p:cNvPr id="3" name="Rectangle 2"/>
+          <p:cNvSpPr/>
+          <p:nvPr/>
+        </p:nvSpPr>
+        <p:spPr>
+          <a:xfrm>
+            <a:off x="0" y="777240"/>
+            <a:ext cx="12191695" cy="54864"/>
+          </a:xfrm>
+          <a:prstGeom prst="rect">
+            <a:avLst/>
+          </a:prstGeom>
+          <a:solidFill>
+            <a:srgbClr val="E65100"/>
+          </a:solidFill>
+          <a:ln>
+            <a:noFill/>
+          </a:ln>
+        </p:spPr>
+        <p:style>
+          <a:lnRef idx="1">
+            <a:schemeClr val="accent1"/>
+          </a:lnRef>
+          <a:fillRef idx="3">
+            <a:schemeClr val="accent1"/>
+          </a:fillRef>
+          <a:effectRef idx="2">
+            <a:schemeClr val="accent1"/>
+          </a:effectRef>
+          <a:fontRef idx="minor">
+            <a:schemeClr val="lt1"/>
+          </a:fontRef>
+        </p:style>
+        <p:txBody>
+          <a:bodyPr rtlCol="0" anchor="ctr"/>
+          <a:lstStyle/>
+          <a:p>
+            <a:pPr algn="ctr"/>
+            <a:endParaRPr/>
+          </a:p>
+        </p:txBody>
+      </p:sp>
+      <p:sp>
+        <p:nvSpPr>
+          <p:cNvPr id="4" name="TextBox 3"/>
+          <p:cNvSpPr txBox="1"/>
+          <p:nvPr/>
+        </p:nvSpPr>
+        <p:spPr>
+          <a:xfrm>
+            <a:off x="457200" y="137160"/>
+            <a:ext cx="10972800" cy="457200"/>
+          </a:xfrm>
+          <a:prstGeom prst="rect">
+            <a:avLst/>
+          </a:prstGeom>
+          <a:noFill/>
+        </p:spPr>
+        <p:txBody>
+          <a:bodyPr wrap="square">
+            <a:spAutoFit/>
+          </a:bodyPr>
+          <a:lstStyle/>
+          <a:p>
+            <a:pPr algn="l">
+              <a:defRPr sz="2600" b="1">
+                <a:solidFill>
+                  <a:srgbClr val="FFFFFF"/>
+                </a:solidFill>
+              </a:defRPr>
+            </a:pPr>
+            <a:r>
+              <a:t>Tier 3 — Supporting Comparables — #20</a:t>
+            </a:r>
+          </a:p>
+        </p:txBody>
+      </p:sp>
+      <p:sp>
+        <p:nvSpPr>
+          <p:cNvPr id="5" name="TextBox 4"/>
+          <p:cNvSpPr txBox="1"/>
+          <p:nvPr/>
+        </p:nvSpPr>
+        <p:spPr>
+          <a:xfrm>
+            <a:off x="457200" y="457200"/>
+            <a:ext cx="10972800" cy="274320"/>
+          </a:xfrm>
+          <a:prstGeom prst="rect">
+            <a:avLst/>
+          </a:prstGeom>
+          <a:noFill/>
+        </p:spPr>
+        <p:txBody>
+          <a:bodyPr wrap="square">
+            <a:spAutoFit/>
+          </a:bodyPr>
+          <a:lstStyle/>
+          <a:p>
+            <a:pPr algn="l">
+              <a:defRPr sz="1300" b="0">
+                <a:solidFill>
+                  <a:srgbClr val="CBB279"/>
+                </a:solidFill>
+              </a:defRPr>
+            </a:pPr>
+            <a:r>
+              <a:t>Scores: 58-58/100</a:t>
+            </a:r>
+          </a:p>
+        </p:txBody>
+      </p:sp>
+      <p:sp>
+        <p:nvSpPr>
+          <p:cNvPr id="6" name="Rectangle 5"/>
+          <p:cNvSpPr/>
+          <p:nvPr/>
+        </p:nvSpPr>
+        <p:spPr>
+          <a:xfrm>
+            <a:off x="457200" y="1051560"/>
+            <a:ext cx="457200" cy="365760"/>
+          </a:xfrm>
+          <a:prstGeom prst="rect">
+            <a:avLst/>
+          </a:prstGeom>
+          <a:solidFill>
+            <a:srgbClr val="E65100"/>
+          </a:solidFill>
+          <a:ln>
+            <a:noFill/>
+          </a:ln>
+        </p:spPr>
+        <p:style>
+          <a:lnRef idx="1">
+            <a:schemeClr val="accent1"/>
+          </a:lnRef>
+          <a:fillRef idx="3">
+            <a:schemeClr val="accent1"/>
+          </a:fillRef>
+          <a:effectRef idx="2">
+            <a:schemeClr val="accent1"/>
+          </a:effectRef>
+          <a:fontRef idx="minor">
+            <a:schemeClr val="lt1"/>
+          </a:fontRef>
+        </p:style>
+        <p:txBody>
+          <a:bodyPr rtlCol="0" anchor="ctr"/>
+          <a:lstStyle/>
+          <a:p>
+            <a:pPr algn="ctr">
+              <a:defRPr sz="1400" b="1">
+                <a:solidFill>
+                  <a:srgbClr val="FFFFFF"/>
+                </a:solidFill>
+              </a:defRPr>
+            </a:pPr>
+            <a:r>
+              <a:t>#20</a:t>
+            </a:r>
+          </a:p>
+        </p:txBody>
+      </p:sp>
+      <p:sp>
+        <p:nvSpPr>
+          <p:cNvPr id="7" name="TextBox 6"/>
+          <p:cNvSpPr txBox="1"/>
+          <p:nvPr/>
+        </p:nvSpPr>
+        <p:spPr>
+          <a:xfrm>
+            <a:off x="1005840" y="1051560"/>
+            <a:ext cx="10545775" cy="320040"/>
+          </a:xfrm>
+          <a:prstGeom prst="rect">
+            <a:avLst/>
+          </a:prstGeom>
+          <a:noFill/>
+        </p:spPr>
+        <p:txBody>
+          <a:bodyPr wrap="square">
+            <a:spAutoFit/>
+          </a:bodyPr>
+          <a:lstStyle/>
+          <a:p>
+            <a:pPr algn="l">
+              <a:defRPr sz="1500" b="1">
+                <a:solidFill>
+                  <a:srgbClr val="3A5566"/>
+                </a:solidFill>
+              </a:defRPr>
+            </a:pPr>
+            <a:r>
+              <a:t>3343 Perimeter Hill Dr</a:t>
+            </a:r>
+          </a:p>
+        </p:txBody>
+      </p:sp>
+      <p:sp>
+        <p:nvSpPr>
+          <p:cNvPr id="8" name="TextBox 7"/>
+          <p:cNvSpPr txBox="1"/>
+          <p:nvPr/>
+        </p:nvSpPr>
+        <p:spPr>
+          <a:xfrm>
+            <a:off x="1005840" y="1307592"/>
+            <a:ext cx="10545775" cy="228600"/>
+          </a:xfrm>
+          <a:prstGeom prst="rect">
+            <a:avLst/>
+          </a:prstGeom>
+          <a:noFill/>
+        </p:spPr>
+        <p:txBody>
+          <a:bodyPr wrap="square">
+            <a:spAutoFit/>
+          </a:bodyPr>
+          <a:lstStyle/>
+          <a:p>
+            <a:pPr algn="l">
+              <a:defRPr sz="950" b="0">
+                <a:solidFill>
+                  <a:srgbClr val="706F6C"/>
+                </a:solidFill>
+              </a:defRPr>
+            </a:pPr>
+            <a:r>
+              <a:t>Nashville, TN  |  Score: 58/100</a:t>
+            </a:r>
+          </a:p>
+        </p:txBody>
+      </p:sp>
+      <p:pic>
+        <p:nvPicPr>
+          <p:cNvPr id="9" name="Picture 8" descr="rank20_photo.jpg"/>
+          <p:cNvPicPr>
+            <a:picLocks noChangeAspect="1"/>
+          </p:cNvPicPr>
+          <p:nvPr/>
+        </p:nvPicPr>
+        <p:blipFill>
+          <a:blip r:embed="rId2"/>
+          <a:stretch>
+            <a:fillRect/>
+          </a:stretch>
+        </p:blipFill>
+        <p:spPr>
+          <a:xfrm>
+            <a:off x="457200" y="1600200"/>
+            <a:ext cx="10911535" cy="1920240"/>
+          </a:xfrm>
+          <a:prstGeom prst="rect">
+            <a:avLst/>
+          </a:prstGeom>
+        </p:spPr>
+      </p:pic>
+      <p:pic>
+        <p:nvPicPr>
+          <p:cNvPr id="10" name="Picture 9" descr="rank20_sketch.jpg"/>
+          <p:cNvPicPr>
+            <a:picLocks noChangeAspect="1"/>
+          </p:cNvPicPr>
+          <p:nvPr/>
+        </p:nvPicPr>
+        <p:blipFill>
+          <a:blip r:embed="rId3"/>
+          <a:stretch>
+            <a:fillRect/>
+          </a:stretch>
+        </p:blipFill>
+        <p:spPr>
+          <a:xfrm>
+            <a:off x="457200" y="3611879"/>
+            <a:ext cx="10911535" cy="1463040"/>
+          </a:xfrm>
+          <a:prstGeom prst="rect">
+            <a:avLst/>
+          </a:prstGeom>
+        </p:spPr>
+      </p:pic>
+      <p:sp>
+        <p:nvSpPr>
+          <p:cNvPr id="11" name="TextBox 10"/>
+          <p:cNvSpPr txBox="1"/>
+          <p:nvPr/>
+        </p:nvSpPr>
+        <p:spPr>
+          <a:xfrm>
+            <a:off x="457200" y="5212079"/>
+            <a:ext cx="10911535" cy="237744"/>
+          </a:xfrm>
+          <a:prstGeom prst="rect">
+            <a:avLst/>
+          </a:prstGeom>
+          <a:noFill/>
+        </p:spPr>
+        <p:txBody>
+          <a:bodyPr wrap="square">
+            <a:spAutoFit/>
+          </a:bodyPr>
+          <a:lstStyle/>
+          <a:p>
+            <a:pPr algn="l">
+              <a:defRPr sz="1050" b="1">
+                <a:solidFill>
+                  <a:srgbClr val="3A5566"/>
+                </a:solidFill>
+              </a:defRPr>
+            </a:pPr>
+            <a:r>
+              <a:t>$5,254,600  (2018)</a:t>
+            </a:r>
+          </a:p>
+        </p:txBody>
+      </p:sp>
+      <p:sp>
+        <p:nvSpPr>
+          <p:cNvPr id="12" name="TextBox 11"/>
+          <p:cNvSpPr txBox="1"/>
+          <p:nvPr/>
+        </p:nvSpPr>
+        <p:spPr>
+          <a:xfrm>
+            <a:off x="457200" y="5440679"/>
+            <a:ext cx="10911535" cy="237744"/>
+          </a:xfrm>
+          <a:prstGeom prst="rect">
+            <a:avLst/>
+          </a:prstGeom>
+          <a:noFill/>
+        </p:spPr>
+        <p:txBody>
+          <a:bodyPr wrap="square">
+            <a:spAutoFit/>
+          </a:bodyPr>
+          <a:lstStyle/>
+          <a:p>
+            <a:pPr algn="l">
+              <a:defRPr sz="1050" b="0">
+                <a:solidFill>
+                  <a:srgbClr val="3A5566"/>
+                </a:solidFill>
+              </a:defRPr>
+            </a:pPr>
+            <a:r>
+              <a:t>Price/SF: $71.64/SF</a:t>
+            </a:r>
+          </a:p>
+        </p:txBody>
+      </p:sp>
+      <p:sp>
+        <p:nvSpPr>
+          <p:cNvPr id="13" name="TextBox 12"/>
+          <p:cNvSpPr txBox="1"/>
+          <p:nvPr/>
+        </p:nvSpPr>
+        <p:spPr>
+          <a:xfrm>
+            <a:off x="457200" y="5669279"/>
+            <a:ext cx="10911535" cy="237744"/>
+          </a:xfrm>
+          <a:prstGeom prst="rect">
+            <a:avLst/>
+          </a:prstGeom>
+          <a:noFill/>
+        </p:spPr>
+        <p:txBody>
+          <a:bodyPr wrap="square">
+            <a:spAutoFit/>
+          </a:bodyPr>
+          <a:lstStyle/>
+          <a:p>
+            <a:pPr algn="l">
+              <a:defRPr sz="1050" b="0">
+                <a:solidFill>
+                  <a:srgbClr val="3A5566"/>
+                </a:solidFill>
+              </a:defRPr>
+            </a:pPr>
+            <a:r>
+              <a:t>Built 1985  |  3.58 ac  |  3 stories</a:t>
+            </a:r>
+          </a:p>
+        </p:txBody>
+      </p:sp>
+      <p:sp>
+        <p:nvSpPr>
+          <p:cNvPr id="14" name="TextBox 13"/>
+          <p:cNvSpPr txBox="1"/>
+          <p:nvPr/>
+        </p:nvSpPr>
+        <p:spPr>
+          <a:xfrm>
+            <a:off x="457200" y="5897879"/>
+            <a:ext cx="10911535" cy="237744"/>
+          </a:xfrm>
+          <a:prstGeom prst="rect">
+            <a:avLst/>
+          </a:prstGeom>
+          <a:noFill/>
+        </p:spPr>
+        <p:txBody>
+          <a:bodyPr wrap="square">
+            <a:spAutoFit/>
+          </a:bodyPr>
+          <a:lstStyle/>
+          <a:p>
+            <a:pPr algn="l">
+              <a:defRPr sz="1050" b="0">
+                <a:solidFill>
+                  <a:srgbClr val="3A5566"/>
+                </a:solidFill>
+              </a:defRPr>
+            </a:pPr>
+            <a:r>
+              <a:t>Zoning: CS  |  Office (1-2 Stories)</a:t>
+            </a:r>
+          </a:p>
+        </p:txBody>
+      </p:sp>
+      <p:sp>
+        <p:nvSpPr>
+          <p:cNvPr id="15" name="TextBox 14"/>
+          <p:cNvSpPr txBox="1"/>
+          <p:nvPr/>
+        </p:nvSpPr>
+        <p:spPr>
+          <a:xfrm>
+            <a:off x="457200" y="6126479"/>
+            <a:ext cx="10911535" cy="237744"/>
+          </a:xfrm>
+          <a:prstGeom prst="rect">
+            <a:avLst/>
+          </a:prstGeom>
+          <a:noFill/>
+        </p:spPr>
+        <p:txBody>
+          <a:bodyPr wrap="square">
+            <a:spAutoFit/>
+          </a:bodyPr>
+          <a:lstStyle/>
+          <a:p>
+            <a:pPr algn="l">
+              <a:defRPr sz="1050" b="0">
+                <a:solidFill>
+                  <a:srgbClr val="3A5566"/>
+                </a:solidFill>
+              </a:defRPr>
+            </a:pPr>
+            <a:r>
+              <a:t>Building: 73,352 SF</a:t>
+            </a:r>
+          </a:p>
+        </p:txBody>
+      </p:sp>
+    </p:spTree>
+  </p:cSld>
+  <p:clrMapOvr>
+    <a:masterClrMapping/>
+  </p:clrMapOvr>
+</p:sld>
+</file>
+
+<file path=ppt/slides/slide11.xml><?xml version="1.0" encoding="utf-8"?>
+<p:sld xmlns:a="http://schemas.openxmlformats.org/drawingml/2006/main" xmlns:r="http://schemas.openxmlformats.org/officeDocument/2006/relationships" xmlns:p="http://schemas.openxmlformats.org/presentationml/2006/main">
+  <p:cSld>
+    <p:bg>
+      <p:bgPr>
+        <a:solidFill>
           <a:srgbClr val="3A5566"/>
         </a:solidFill>
         <a:effectLst/>
@@ -5078,7 +6292,7 @@
 </p:sld>
 </file>
 
-<file path=ppt/slides/slide11.xml><?xml version="1.0" encoding="utf-8"?>
+<file path=ppt/slides/slide12.xml><?xml version="1.0" encoding="utf-8"?>
 <p:sld xmlns:a="http://schemas.openxmlformats.org/drawingml/2006/main" xmlns:p="http://schemas.openxmlformats.org/presentationml/2006/main" xmlns:r="http://schemas.openxmlformats.org/officeDocument/2006/relationships">
   <p:cSld>
     <p:bg>
@@ -5147,21 +6361,21 @@
         </p:nvSpPr>
         <p:spPr>
           <a:xfrm>
-            <a:off x="457200" y="137160"/>
-            <a:ext cx="10972800" cy="457200"/>
-          </a:xfrm>
-          <a:prstGeom prst="rect">
-            <a:avLst/>
-          </a:prstGeom>
-          <a:noFill/>
-        </p:spPr>
-        <p:txBody>
-          <a:bodyPr wrap="none">
-            <a:spAutoFit/>
-          </a:bodyPr>
-          <a:lstStyle/>
-          <a:p>
-            <a:pPr>
+            <a:off x="457200" y="109728"/>
+            <a:ext cx="10972800" cy="411480"/>
+          </a:xfrm>
+          <a:prstGeom prst="rect">
+            <a:avLst/>
+          </a:prstGeom>
+          <a:noFill/>
+        </p:spPr>
+        <p:txBody>
+          <a:bodyPr wrap="square">
+            <a:spAutoFit/>
+          </a:bodyPr>
+          <a:lstStyle/>
+          <a:p>
+            <a:pPr algn="l">
               <a:defRPr sz="2600" b="1">
                 <a:solidFill>
                   <a:srgbClr val="FFFFFF"/>
@@ -5169,7 +6383,7 @@
               </a:defRPr>
             </a:pPr>
             <a:r>
-              <a:t>Comparable Sales Map — Davidson County, Nashville, TN</a:t>
+              <a:t>Board of Zoning Appeals — Case History</a:t>
             </a:r>
           </a:p>
         </p:txBody>
@@ -5182,7 +6396,7 @@
         </p:nvSpPr>
         <p:spPr>
           <a:xfrm>
-            <a:off x="457200" y="457200"/>
+            <a:off x="457200" y="438912"/>
             <a:ext cx="10972800" cy="274320"/>
           </a:xfrm>
           <a:prstGeom prst="rect">
@@ -5191,48 +6405,1383 @@
           <a:noFill/>
         </p:spPr>
         <p:txBody>
-          <a:bodyPr wrap="none">
-            <a:spAutoFit/>
-          </a:bodyPr>
-          <a:lstStyle/>
-          <a:p>
-            <a:pPr>
-              <a:defRPr sz="1200">
+          <a:bodyPr wrap="square">
+            <a:spAutoFit/>
+          </a:bodyPr>
+          <a:lstStyle/>
+          <a:p>
+            <a:pPr algn="l">
+              <a:defRPr sz="1200" b="0">
                 <a:solidFill>
                   <a:srgbClr val="CBB279"/>
                 </a:solidFill>
               </a:defRPr>
             </a:pPr>
             <a:r>
-              <a:t>648 Grassmere Park  |  20 Comparable Properties  |  Interactive Map: nataliebaldacci.github.io/RE_Final_Case</a:t>
-            </a:r>
-          </a:p>
-        </p:txBody>
-      </p:sp>
-      <p:pic>
-        <p:nvPicPr>
-          <p:cNvPr id="5" name="Picture 4" descr="map_screenshot.png"/>
-          <p:cNvPicPr>
-            <a:picLocks noChangeAspect="1"/>
-          </p:cNvPicPr>
-          <p:nvPr/>
-        </p:nvPicPr>
-        <p:blipFill>
-          <a:blip r:embed="rId2"/>
-          <a:stretch>
-            <a:fillRect/>
-          </a:stretch>
-        </p:blipFill>
-        <p:spPr>
-          <a:xfrm>
-            <a:off x="274320" y="960120"/>
-            <a:ext cx="11643055" cy="5715000"/>
-          </a:xfrm>
-          <a:prstGeom prst="rect">
-            <a:avLst/>
-          </a:prstGeom>
-        </p:spPr>
-      </p:pic>
+              <a:t>Davidson County, Nashville, TN  |  325 Total Cases (2006-2018)</a:t>
+            </a:r>
+          </a:p>
+        </p:txBody>
+      </p:sp>
+      <p:sp>
+        <p:nvSpPr>
+          <p:cNvPr id="5" name="Rectangle 4"/>
+          <p:cNvSpPr/>
+          <p:nvPr/>
+        </p:nvSpPr>
+        <p:spPr>
+          <a:xfrm>
+            <a:off x="457200" y="1051560"/>
+            <a:ext cx="1828800" cy="1097280"/>
+          </a:xfrm>
+          <a:prstGeom prst="rect">
+            <a:avLst/>
+          </a:prstGeom>
+          <a:solidFill>
+            <a:srgbClr val="F2F0ED"/>
+          </a:solidFill>
+          <a:ln>
+            <a:solidFill>
+              <a:srgbClr val="E2E2E0"/>
+            </a:solidFill>
+          </a:ln>
+        </p:spPr>
+        <p:style>
+          <a:lnRef idx="1">
+            <a:schemeClr val="accent1"/>
+          </a:lnRef>
+          <a:fillRef idx="3">
+            <a:schemeClr val="accent1"/>
+          </a:fillRef>
+          <a:effectRef idx="2">
+            <a:schemeClr val="accent1"/>
+          </a:effectRef>
+          <a:fontRef idx="minor">
+            <a:schemeClr val="lt1"/>
+          </a:fontRef>
+        </p:style>
+        <p:txBody>
+          <a:bodyPr rtlCol="0" anchor="ctr" wrap="square"/>
+          <a:lstStyle/>
+          <a:p>
+            <a:pPr algn="ctr">
+              <a:defRPr sz="2400" b="1">
+                <a:solidFill>
+                  <a:srgbClr val="3A5566"/>
+                </a:solidFill>
+              </a:defRPr>
+            </a:pPr>
+            <a:r>
+              <a:t>325</a:t>
+            </a:r>
+          </a:p>
+          <a:p>
+            <a:pPr algn="ctr">
+              <a:defRPr sz="1000">
+                <a:solidFill>
+                  <a:srgbClr val="706F6C"/>
+                </a:solidFill>
+              </a:defRPr>
+            </a:pPr>
+            <a:r>
+              <a:t>Total BZA Cases</a:t>
+            </a:r>
+          </a:p>
+        </p:txBody>
+      </p:sp>
+      <p:sp>
+        <p:nvSpPr>
+          <p:cNvPr id="6" name="Rectangle 5"/>
+          <p:cNvSpPr/>
+          <p:nvPr/>
+        </p:nvSpPr>
+        <p:spPr>
+          <a:xfrm>
+            <a:off x="2468880" y="1051560"/>
+            <a:ext cx="1828800" cy="1097280"/>
+          </a:xfrm>
+          <a:prstGeom prst="rect">
+            <a:avLst/>
+          </a:prstGeom>
+          <a:solidFill>
+            <a:srgbClr val="F2F0ED"/>
+          </a:solidFill>
+          <a:ln>
+            <a:solidFill>
+              <a:srgbClr val="E2E2E0"/>
+            </a:solidFill>
+          </a:ln>
+        </p:spPr>
+        <p:style>
+          <a:lnRef idx="1">
+            <a:schemeClr val="accent1"/>
+          </a:lnRef>
+          <a:fillRef idx="3">
+            <a:schemeClr val="accent1"/>
+          </a:fillRef>
+          <a:effectRef idx="2">
+            <a:schemeClr val="accent1"/>
+          </a:effectRef>
+          <a:fontRef idx="minor">
+            <a:schemeClr val="lt1"/>
+          </a:fontRef>
+        </p:style>
+        <p:txBody>
+          <a:bodyPr rtlCol="0" anchor="ctr" wrap="square"/>
+          <a:lstStyle/>
+          <a:p>
+            <a:pPr algn="ctr">
+              <a:defRPr sz="2400" b="1">
+                <a:solidFill>
+                  <a:srgbClr val="E65100"/>
+                </a:solidFill>
+              </a:defRPr>
+            </a:pPr>
+            <a:r>
+              <a:t>223</a:t>
+            </a:r>
+          </a:p>
+          <a:p>
+            <a:pPr algn="ctr">
+              <a:defRPr sz="1000">
+                <a:solidFill>
+                  <a:srgbClr val="706F6C"/>
+                </a:solidFill>
+              </a:defRPr>
+            </a:pPr>
+            <a:r>
+              <a:t>Expired</a:t>
+            </a:r>
+          </a:p>
+        </p:txBody>
+      </p:sp>
+      <p:sp>
+        <p:nvSpPr>
+          <p:cNvPr id="7" name="Rectangle 6"/>
+          <p:cNvSpPr/>
+          <p:nvPr/>
+        </p:nvSpPr>
+        <p:spPr>
+          <a:xfrm>
+            <a:off x="4480560" y="1051560"/>
+            <a:ext cx="1828800" cy="1097280"/>
+          </a:xfrm>
+          <a:prstGeom prst="rect">
+            <a:avLst/>
+          </a:prstGeom>
+          <a:solidFill>
+            <a:srgbClr val="F2F0ED"/>
+          </a:solidFill>
+          <a:ln>
+            <a:solidFill>
+              <a:srgbClr val="E2E2E0"/>
+            </a:solidFill>
+          </a:ln>
+        </p:spPr>
+        <p:style>
+          <a:lnRef idx="1">
+            <a:schemeClr val="accent1"/>
+          </a:lnRef>
+          <a:fillRef idx="3">
+            <a:schemeClr val="accent1"/>
+          </a:fillRef>
+          <a:effectRef idx="2">
+            <a:schemeClr val="accent1"/>
+          </a:effectRef>
+          <a:fontRef idx="minor">
+            <a:schemeClr val="lt1"/>
+          </a:fontRef>
+        </p:style>
+        <p:txBody>
+          <a:bodyPr rtlCol="0" anchor="ctr" wrap="square"/>
+          <a:lstStyle/>
+          <a:p>
+            <a:pPr algn="ctr">
+              <a:defRPr sz="2400" b="1">
+                <a:solidFill>
+                  <a:srgbClr val="2E7D32"/>
+                </a:solidFill>
+              </a:defRPr>
+            </a:pPr>
+            <a:r>
+              <a:t>70</a:t>
+            </a:r>
+          </a:p>
+          <a:p>
+            <a:pPr algn="ctr">
+              <a:defRPr sz="1000">
+                <a:solidFill>
+                  <a:srgbClr val="706F6C"/>
+                </a:solidFill>
+              </a:defRPr>
+            </a:pPr>
+            <a:r>
+              <a:t>Completed</a:t>
+            </a:r>
+          </a:p>
+        </p:txBody>
+      </p:sp>
+      <p:sp>
+        <p:nvSpPr>
+          <p:cNvPr id="8" name="Rectangle 7"/>
+          <p:cNvSpPr/>
+          <p:nvPr/>
+        </p:nvSpPr>
+        <p:spPr>
+          <a:xfrm>
+            <a:off x="6492240" y="1051560"/>
+            <a:ext cx="1828800" cy="1097280"/>
+          </a:xfrm>
+          <a:prstGeom prst="rect">
+            <a:avLst/>
+          </a:prstGeom>
+          <a:solidFill>
+            <a:srgbClr val="F2F0ED"/>
+          </a:solidFill>
+          <a:ln>
+            <a:solidFill>
+              <a:srgbClr val="E2E2E0"/>
+            </a:solidFill>
+          </a:ln>
+        </p:spPr>
+        <p:style>
+          <a:lnRef idx="1">
+            <a:schemeClr val="accent1"/>
+          </a:lnRef>
+          <a:fillRef idx="3">
+            <a:schemeClr val="accent1"/>
+          </a:fillRef>
+          <a:effectRef idx="2">
+            <a:schemeClr val="accent1"/>
+          </a:effectRef>
+          <a:fontRef idx="minor">
+            <a:schemeClr val="lt1"/>
+          </a:fontRef>
+        </p:style>
+        <p:txBody>
+          <a:bodyPr rtlCol="0" anchor="ctr" wrap="square"/>
+          <a:lstStyle/>
+          <a:p>
+            <a:pPr algn="ctr">
+              <a:defRPr sz="2400" b="1">
+                <a:solidFill>
+                  <a:srgbClr val="706F6C"/>
+                </a:solidFill>
+              </a:defRPr>
+            </a:pPr>
+            <a:r>
+              <a:t>24</a:t>
+            </a:r>
+          </a:p>
+          <a:p>
+            <a:pPr algn="ctr">
+              <a:defRPr sz="1000">
+                <a:solidFill>
+                  <a:srgbClr val="706F6C"/>
+                </a:solidFill>
+              </a:defRPr>
+            </a:pPr>
+            <a:r>
+              <a:t>Withdrawn</a:t>
+            </a:r>
+          </a:p>
+        </p:txBody>
+      </p:sp>
+      <p:sp>
+        <p:nvSpPr>
+          <p:cNvPr id="9" name="Rectangle 8"/>
+          <p:cNvSpPr/>
+          <p:nvPr/>
+        </p:nvSpPr>
+        <p:spPr>
+          <a:xfrm>
+            <a:off x="8503920" y="1051560"/>
+            <a:ext cx="1828800" cy="1097280"/>
+          </a:xfrm>
+          <a:prstGeom prst="rect">
+            <a:avLst/>
+          </a:prstGeom>
+          <a:solidFill>
+            <a:srgbClr val="F2F0ED"/>
+          </a:solidFill>
+          <a:ln>
+            <a:solidFill>
+              <a:srgbClr val="E2E2E0"/>
+            </a:solidFill>
+          </a:ln>
+        </p:spPr>
+        <p:style>
+          <a:lnRef idx="1">
+            <a:schemeClr val="accent1"/>
+          </a:lnRef>
+          <a:fillRef idx="3">
+            <a:schemeClr val="accent1"/>
+          </a:fillRef>
+          <a:effectRef idx="2">
+            <a:schemeClr val="accent1"/>
+          </a:effectRef>
+          <a:fontRef idx="minor">
+            <a:schemeClr val="lt1"/>
+          </a:fontRef>
+        </p:style>
+        <p:txBody>
+          <a:bodyPr rtlCol="0" anchor="ctr" wrap="square"/>
+          <a:lstStyle/>
+          <a:p>
+            <a:pPr algn="ctr">
+              <a:defRPr sz="2400" b="1">
+                <a:solidFill>
+                  <a:srgbClr val="3A5566"/>
+                </a:solidFill>
+              </a:defRPr>
+            </a:pPr>
+            <a:r>
+              <a:t>5</a:t>
+            </a:r>
+          </a:p>
+          <a:p>
+            <a:pPr algn="ctr">
+              <a:defRPr sz="1000">
+                <a:solidFill>
+                  <a:srgbClr val="706F6C"/>
+                </a:solidFill>
+              </a:defRPr>
+            </a:pPr>
+            <a:r>
+              <a:t>Approved to Pay</a:t>
+            </a:r>
+          </a:p>
+        </p:txBody>
+      </p:sp>
+      <p:sp>
+        <p:nvSpPr>
+          <p:cNvPr id="10" name="Rectangle 9"/>
+          <p:cNvSpPr/>
+          <p:nvPr/>
+        </p:nvSpPr>
+        <p:spPr>
+          <a:xfrm>
+            <a:off x="10515600" y="1051560"/>
+            <a:ext cx="1371600" cy="1097280"/>
+          </a:xfrm>
+          <a:prstGeom prst="rect">
+            <a:avLst/>
+          </a:prstGeom>
+          <a:solidFill>
+            <a:srgbClr val="F2F0ED"/>
+          </a:solidFill>
+          <a:ln>
+            <a:solidFill>
+              <a:srgbClr val="E2E2E0"/>
+            </a:solidFill>
+          </a:ln>
+        </p:spPr>
+        <p:style>
+          <a:lnRef idx="1">
+            <a:schemeClr val="accent1"/>
+          </a:lnRef>
+          <a:fillRef idx="3">
+            <a:schemeClr val="accent1"/>
+          </a:fillRef>
+          <a:effectRef idx="2">
+            <a:schemeClr val="accent1"/>
+          </a:effectRef>
+          <a:fontRef idx="minor">
+            <a:schemeClr val="lt1"/>
+          </a:fontRef>
+        </p:style>
+        <p:txBody>
+          <a:bodyPr rtlCol="0" anchor="ctr" wrap="square"/>
+          <a:lstStyle/>
+          <a:p>
+            <a:pPr algn="ctr">
+              <a:defRPr sz="2400" b="1">
+                <a:solidFill>
+                  <a:srgbClr val="1565C0"/>
+                </a:solidFill>
+              </a:defRPr>
+            </a:pPr>
+            <a:r>
+              <a:t>1</a:t>
+            </a:r>
+          </a:p>
+          <a:p>
+            <a:pPr algn="ctr">
+              <a:defRPr sz="1000">
+                <a:solidFill>
+                  <a:srgbClr val="706F6C"/>
+                </a:solidFill>
+              </a:defRPr>
+            </a:pPr>
+            <a:r>
+              <a:t>Granted</a:t>
+            </a:r>
+          </a:p>
+        </p:txBody>
+      </p:sp>
+      <p:graphicFrame>
+        <p:nvGraphicFramePr>
+          <p:cNvPr id="11" name="Chart 10"/>
+          <p:cNvGraphicFramePr>
+            <a:graphicFrameLocks noGrp="1"/>
+          </p:cNvGraphicFramePr>
+          <p:nvPr/>
+        </p:nvGraphicFramePr>
+        <p:xfrm>
+          <a:off x="457200" y="2377440"/>
+          <a:ext cx="6858000" cy="4114800"/>
+        </p:xfrm>
+        <a:graphic>
+          <a:graphicData uri="http://schemas.openxmlformats.org/drawingml/2006/chart">
+            <c:chart xmlns:c="http://schemas.openxmlformats.org/drawingml/2006/chart" r:id="rId2"/>
+          </a:graphicData>
+        </a:graphic>
+      </p:graphicFrame>
+      <p:sp>
+        <p:nvSpPr>
+          <p:cNvPr id="12" name="TextBox 11"/>
+          <p:cNvSpPr txBox="1"/>
+          <p:nvPr/>
+        </p:nvSpPr>
+        <p:spPr>
+          <a:xfrm>
+            <a:off x="7772400" y="2377440"/>
+            <a:ext cx="4114800" cy="365760"/>
+          </a:xfrm>
+          <a:prstGeom prst="rect">
+            <a:avLst/>
+          </a:prstGeom>
+          <a:noFill/>
+        </p:spPr>
+        <p:txBody>
+          <a:bodyPr wrap="square">
+            <a:spAutoFit/>
+          </a:bodyPr>
+          <a:lstStyle/>
+          <a:p>
+            <a:pPr algn="l">
+              <a:defRPr sz="1400" b="1">
+                <a:solidFill>
+                  <a:srgbClr val="3A5566"/>
+                </a:solidFill>
+              </a:defRPr>
+            </a:pPr>
+            <a:r>
+              <a:t>Top Case Subtypes</a:t>
+            </a:r>
+          </a:p>
+        </p:txBody>
+      </p:sp>
+      <p:sp>
+        <p:nvSpPr>
+          <p:cNvPr id="13" name="TextBox 12"/>
+          <p:cNvSpPr txBox="1"/>
+          <p:nvPr/>
+        </p:nvSpPr>
+        <p:spPr>
+          <a:xfrm>
+            <a:off x="7772400" y="2834640"/>
+            <a:ext cx="2743200" cy="274320"/>
+          </a:xfrm>
+          <a:prstGeom prst="rect">
+            <a:avLst/>
+          </a:prstGeom>
+          <a:noFill/>
+        </p:spPr>
+        <p:txBody>
+          <a:bodyPr wrap="square">
+            <a:spAutoFit/>
+          </a:bodyPr>
+          <a:lstStyle/>
+          <a:p>
+            <a:pPr algn="l">
+              <a:defRPr sz="1000" b="1">
+                <a:solidFill>
+                  <a:srgbClr val="706F6C"/>
+                </a:solidFill>
+              </a:defRPr>
+            </a:pPr>
+            <a:r>
+              <a:t>Case Subtype</a:t>
+            </a:r>
+          </a:p>
+        </p:txBody>
+      </p:sp>
+      <p:sp>
+        <p:nvSpPr>
+          <p:cNvPr id="14" name="TextBox 13"/>
+          <p:cNvSpPr txBox="1"/>
+          <p:nvPr/>
+        </p:nvSpPr>
+        <p:spPr>
+          <a:xfrm>
+            <a:off x="10515600" y="2834640"/>
+            <a:ext cx="914400" cy="274320"/>
+          </a:xfrm>
+          <a:prstGeom prst="rect">
+            <a:avLst/>
+          </a:prstGeom>
+          <a:noFill/>
+        </p:spPr>
+        <p:txBody>
+          <a:bodyPr wrap="square">
+            <a:spAutoFit/>
+          </a:bodyPr>
+          <a:lstStyle/>
+          <a:p>
+            <a:pPr algn="l">
+              <a:defRPr sz="1000" b="1">
+                <a:solidFill>
+                  <a:srgbClr val="706F6C"/>
+                </a:solidFill>
+              </a:defRPr>
+            </a:pPr>
+            <a:r>
+              <a:t>Count</a:t>
+            </a:r>
+          </a:p>
+        </p:txBody>
+      </p:sp>
+      <p:sp>
+        <p:nvSpPr>
+          <p:cNvPr id="15" name="TextBox 14"/>
+          <p:cNvSpPr txBox="1"/>
+          <p:nvPr/>
+        </p:nvSpPr>
+        <p:spPr>
+          <a:xfrm>
+            <a:off x="7772400" y="3154680"/>
+            <a:ext cx="2743200" cy="256032"/>
+          </a:xfrm>
+          <a:prstGeom prst="rect">
+            <a:avLst/>
+          </a:prstGeom>
+          <a:noFill/>
+        </p:spPr>
+        <p:txBody>
+          <a:bodyPr wrap="square">
+            <a:spAutoFit/>
+          </a:bodyPr>
+          <a:lstStyle/>
+          <a:p>
+            <a:pPr algn="l">
+              <a:defRPr sz="900" b="0">
+                <a:solidFill>
+                  <a:srgbClr val="3A5566"/>
+                </a:solidFill>
+              </a:defRPr>
+            </a:pPr>
+            <a:r>
+              <a:t>Zoning Board Appeal / Religious Institution, ...</a:t>
+            </a:r>
+          </a:p>
+        </p:txBody>
+      </p:sp>
+      <p:sp>
+        <p:nvSpPr>
+          <p:cNvPr id="16" name="TextBox 15"/>
+          <p:cNvSpPr txBox="1"/>
+          <p:nvPr/>
+        </p:nvSpPr>
+        <p:spPr>
+          <a:xfrm>
+            <a:off x="10515600" y="3154680"/>
+            <a:ext cx="914400" cy="256032"/>
+          </a:xfrm>
+          <a:prstGeom prst="rect">
+            <a:avLst/>
+          </a:prstGeom>
+          <a:noFill/>
+        </p:spPr>
+        <p:txBody>
+          <a:bodyPr wrap="square">
+            <a:spAutoFit/>
+          </a:bodyPr>
+          <a:lstStyle/>
+          <a:p>
+            <a:pPr algn="l">
+              <a:defRPr sz="900" b="1">
+                <a:solidFill>
+                  <a:srgbClr val="3A5566"/>
+                </a:solidFill>
+              </a:defRPr>
+            </a:pPr>
+            <a:r>
+              <a:t>33</a:t>
+            </a:r>
+          </a:p>
+        </p:txBody>
+      </p:sp>
+      <p:sp>
+        <p:nvSpPr>
+          <p:cNvPr id="17" name="TextBox 16"/>
+          <p:cNvSpPr txBox="1"/>
+          <p:nvPr/>
+        </p:nvSpPr>
+        <p:spPr>
+          <a:xfrm>
+            <a:off x="7772400" y="3456432"/>
+            <a:ext cx="2743200" cy="256032"/>
+          </a:xfrm>
+          <a:prstGeom prst="rect">
+            <a:avLst/>
+          </a:prstGeom>
+          <a:noFill/>
+        </p:spPr>
+        <p:txBody>
+          <a:bodyPr wrap="square">
+            <a:spAutoFit/>
+          </a:bodyPr>
+          <a:lstStyle/>
+          <a:p>
+            <a:pPr algn="l">
+              <a:defRPr sz="900" b="0">
+                <a:solidFill>
+                  <a:srgbClr val="3A5566"/>
+                </a:solidFill>
+              </a:defRPr>
+            </a:pPr>
+            <a:r>
+              <a:t>Zoning Board Appeal / Day Care Home, Single F...</a:t>
+            </a:r>
+          </a:p>
+        </p:txBody>
+      </p:sp>
+      <p:sp>
+        <p:nvSpPr>
+          <p:cNvPr id="18" name="TextBox 17"/>
+          <p:cNvSpPr txBox="1"/>
+          <p:nvPr/>
+        </p:nvSpPr>
+        <p:spPr>
+          <a:xfrm>
+            <a:off x="10515600" y="3456432"/>
+            <a:ext cx="914400" cy="256032"/>
+          </a:xfrm>
+          <a:prstGeom prst="rect">
+            <a:avLst/>
+          </a:prstGeom>
+          <a:noFill/>
+        </p:spPr>
+        <p:txBody>
+          <a:bodyPr wrap="square">
+            <a:spAutoFit/>
+          </a:bodyPr>
+          <a:lstStyle/>
+          <a:p>
+            <a:pPr algn="l">
+              <a:defRPr sz="900" b="1">
+                <a:solidFill>
+                  <a:srgbClr val="3A5566"/>
+                </a:solidFill>
+              </a:defRPr>
+            </a:pPr>
+            <a:r>
+              <a:t>8</a:t>
+            </a:r>
+          </a:p>
+        </p:txBody>
+      </p:sp>
+      <p:sp>
+        <p:nvSpPr>
+          <p:cNvPr id="19" name="TextBox 18"/>
+          <p:cNvSpPr txBox="1"/>
+          <p:nvPr/>
+        </p:nvSpPr>
+        <p:spPr>
+          <a:xfrm>
+            <a:off x="7772400" y="3758184"/>
+            <a:ext cx="2743200" cy="256032"/>
+          </a:xfrm>
+          <a:prstGeom prst="rect">
+            <a:avLst/>
+          </a:prstGeom>
+          <a:noFill/>
+        </p:spPr>
+        <p:txBody>
+          <a:bodyPr wrap="square">
+            <a:spAutoFit/>
+          </a:bodyPr>
+          <a:lstStyle/>
+          <a:p>
+            <a:pPr algn="l">
+              <a:defRPr sz="900" b="0">
+                <a:solidFill>
+                  <a:srgbClr val="3A5566"/>
+                </a:solidFill>
+              </a:defRPr>
+            </a:pPr>
+            <a:r>
+              <a:t>Zoning Board Appeal / Zoning Appeal...</a:t>
+            </a:r>
+          </a:p>
+        </p:txBody>
+      </p:sp>
+      <p:sp>
+        <p:nvSpPr>
+          <p:cNvPr id="20" name="TextBox 19"/>
+          <p:cNvSpPr txBox="1"/>
+          <p:nvPr/>
+        </p:nvSpPr>
+        <p:spPr>
+          <a:xfrm>
+            <a:off x="10515600" y="3758184"/>
+            <a:ext cx="914400" cy="256032"/>
+          </a:xfrm>
+          <a:prstGeom prst="rect">
+            <a:avLst/>
+          </a:prstGeom>
+          <a:noFill/>
+        </p:spPr>
+        <p:txBody>
+          <a:bodyPr wrap="square">
+            <a:spAutoFit/>
+          </a:bodyPr>
+          <a:lstStyle/>
+          <a:p>
+            <a:pPr algn="l">
+              <a:defRPr sz="900" b="1">
+                <a:solidFill>
+                  <a:srgbClr val="3A5566"/>
+                </a:solidFill>
+              </a:defRPr>
+            </a:pPr>
+            <a:r>
+              <a:t>7</a:t>
+            </a:r>
+          </a:p>
+        </p:txBody>
+      </p:sp>
+      <p:sp>
+        <p:nvSpPr>
+          <p:cNvPr id="21" name="TextBox 20"/>
+          <p:cNvSpPr txBox="1"/>
+          <p:nvPr/>
+        </p:nvSpPr>
+        <p:spPr>
+          <a:xfrm>
+            <a:off x="7772400" y="4059936"/>
+            <a:ext cx="2743200" cy="256032"/>
+          </a:xfrm>
+          <a:prstGeom prst="rect">
+            <a:avLst/>
+          </a:prstGeom>
+          <a:noFill/>
+        </p:spPr>
+        <p:txBody>
+          <a:bodyPr wrap="square">
+            <a:spAutoFit/>
+          </a:bodyPr>
+          <a:lstStyle/>
+          <a:p>
+            <a:pPr algn="l">
+              <a:defRPr sz="900" b="0">
+                <a:solidFill>
+                  <a:srgbClr val="3A5566"/>
+                </a:solidFill>
+              </a:defRPr>
+            </a:pPr>
+            <a:r>
+              <a:t>Zoning Board Appeal / Kennel / Stable, Kennel...</a:t>
+            </a:r>
+          </a:p>
+        </p:txBody>
+      </p:sp>
+      <p:sp>
+        <p:nvSpPr>
+          <p:cNvPr id="22" name="TextBox 21"/>
+          <p:cNvSpPr txBox="1"/>
+          <p:nvPr/>
+        </p:nvSpPr>
+        <p:spPr>
+          <a:xfrm>
+            <a:off x="10515600" y="4059936"/>
+            <a:ext cx="914400" cy="256032"/>
+          </a:xfrm>
+          <a:prstGeom prst="rect">
+            <a:avLst/>
+          </a:prstGeom>
+          <a:noFill/>
+        </p:spPr>
+        <p:txBody>
+          <a:bodyPr wrap="square">
+            <a:spAutoFit/>
+          </a:bodyPr>
+          <a:lstStyle/>
+          <a:p>
+            <a:pPr algn="l">
+              <a:defRPr sz="900" b="1">
+                <a:solidFill>
+                  <a:srgbClr val="3A5566"/>
+                </a:solidFill>
+              </a:defRPr>
+            </a:pPr>
+            <a:r>
+              <a:t>6</a:t>
+            </a:r>
+          </a:p>
+        </p:txBody>
+      </p:sp>
+      <p:sp>
+        <p:nvSpPr>
+          <p:cNvPr id="23" name="TextBox 22"/>
+          <p:cNvSpPr txBox="1"/>
+          <p:nvPr/>
+        </p:nvSpPr>
+        <p:spPr>
+          <a:xfrm>
+            <a:off x="7772400" y="4361688"/>
+            <a:ext cx="2743200" cy="256032"/>
+          </a:xfrm>
+          <a:prstGeom prst="rect">
+            <a:avLst/>
+          </a:prstGeom>
+          <a:noFill/>
+        </p:spPr>
+        <p:txBody>
+          <a:bodyPr wrap="square">
+            <a:spAutoFit/>
+          </a:bodyPr>
+          <a:lstStyle/>
+          <a:p>
+            <a:pPr algn="l">
+              <a:defRPr sz="900" b="0">
+                <a:solidFill>
+                  <a:srgbClr val="3A5566"/>
+                </a:solidFill>
+              </a:defRPr>
+            </a:pPr>
+            <a:r>
+              <a:t>Zoning Board Appeal / Day Care Center (Up To ...</a:t>
+            </a:r>
+          </a:p>
+        </p:txBody>
+      </p:sp>
+      <p:sp>
+        <p:nvSpPr>
+          <p:cNvPr id="24" name="TextBox 23"/>
+          <p:cNvSpPr txBox="1"/>
+          <p:nvPr/>
+        </p:nvSpPr>
+        <p:spPr>
+          <a:xfrm>
+            <a:off x="10515600" y="4361688"/>
+            <a:ext cx="914400" cy="256032"/>
+          </a:xfrm>
+          <a:prstGeom prst="rect">
+            <a:avLst/>
+          </a:prstGeom>
+          <a:noFill/>
+        </p:spPr>
+        <p:txBody>
+          <a:bodyPr wrap="square">
+            <a:spAutoFit/>
+          </a:bodyPr>
+          <a:lstStyle/>
+          <a:p>
+            <a:pPr algn="l">
+              <a:defRPr sz="900" b="1">
+                <a:solidFill>
+                  <a:srgbClr val="3A5566"/>
+                </a:solidFill>
+              </a:defRPr>
+            </a:pPr>
+            <a:r>
+              <a:t>6</a:t>
+            </a:r>
+          </a:p>
+        </p:txBody>
+      </p:sp>
+      <p:sp>
+        <p:nvSpPr>
+          <p:cNvPr id="25" name="TextBox 24"/>
+          <p:cNvSpPr txBox="1"/>
+          <p:nvPr/>
+        </p:nvSpPr>
+        <p:spPr>
+          <a:xfrm>
+            <a:off x="7772400" y="4663440"/>
+            <a:ext cx="2743200" cy="256032"/>
+          </a:xfrm>
+          <a:prstGeom prst="rect">
+            <a:avLst/>
+          </a:prstGeom>
+          <a:noFill/>
+        </p:spPr>
+        <p:txBody>
+          <a:bodyPr wrap="square">
+            <a:spAutoFit/>
+          </a:bodyPr>
+          <a:lstStyle/>
+          <a:p>
+            <a:pPr algn="l">
+              <a:defRPr sz="900" b="0">
+                <a:solidFill>
+                  <a:srgbClr val="3A5566"/>
+                </a:solidFill>
+              </a:defRPr>
+            </a:pPr>
+            <a:r>
+              <a:t>Zoning Board Appeal / Master Permit Applicati...</a:t>
+            </a:r>
+          </a:p>
+        </p:txBody>
+      </p:sp>
+      <p:sp>
+        <p:nvSpPr>
+          <p:cNvPr id="26" name="TextBox 25"/>
+          <p:cNvSpPr txBox="1"/>
+          <p:nvPr/>
+        </p:nvSpPr>
+        <p:spPr>
+          <a:xfrm>
+            <a:off x="10515600" y="4663440"/>
+            <a:ext cx="914400" cy="256032"/>
+          </a:xfrm>
+          <a:prstGeom prst="rect">
+            <a:avLst/>
+          </a:prstGeom>
+          <a:noFill/>
+        </p:spPr>
+        <p:txBody>
+          <a:bodyPr wrap="square">
+            <a:spAutoFit/>
+          </a:bodyPr>
+          <a:lstStyle/>
+          <a:p>
+            <a:pPr algn="l">
+              <a:defRPr sz="900" b="1">
+                <a:solidFill>
+                  <a:srgbClr val="3A5566"/>
+                </a:solidFill>
+              </a:defRPr>
+            </a:pPr>
+            <a:r>
+              <a:t>5</a:t>
+            </a:r>
+          </a:p>
+        </p:txBody>
+      </p:sp>
+      <p:sp>
+        <p:nvSpPr>
+          <p:cNvPr id="27" name="TextBox 26"/>
+          <p:cNvSpPr txBox="1"/>
+          <p:nvPr/>
+        </p:nvSpPr>
+        <p:spPr>
+          <a:xfrm>
+            <a:off x="7772400" y="4965192"/>
+            <a:ext cx="2743200" cy="256032"/>
+          </a:xfrm>
+          <a:prstGeom prst="rect">
+            <a:avLst/>
+          </a:prstGeom>
+          <a:noFill/>
+        </p:spPr>
+        <p:txBody>
+          <a:bodyPr wrap="square">
+            <a:spAutoFit/>
+          </a:bodyPr>
+          <a:lstStyle/>
+          <a:p>
+            <a:pPr algn="l">
+              <a:defRPr sz="900" b="0">
+                <a:solidFill>
+                  <a:srgbClr val="3A5566"/>
+                </a:solidFill>
+              </a:defRPr>
+            </a:pPr>
+            <a:r>
+              <a:t>Zoning Board Appeal / Religious Institution, ...</a:t>
+            </a:r>
+          </a:p>
+        </p:txBody>
+      </p:sp>
+      <p:sp>
+        <p:nvSpPr>
+          <p:cNvPr id="28" name="TextBox 27"/>
+          <p:cNvSpPr txBox="1"/>
+          <p:nvPr/>
+        </p:nvSpPr>
+        <p:spPr>
+          <a:xfrm>
+            <a:off x="10515600" y="4965192"/>
+            <a:ext cx="914400" cy="256032"/>
+          </a:xfrm>
+          <a:prstGeom prst="rect">
+            <a:avLst/>
+          </a:prstGeom>
+          <a:noFill/>
+        </p:spPr>
+        <p:txBody>
+          <a:bodyPr wrap="square">
+            <a:spAutoFit/>
+          </a:bodyPr>
+          <a:lstStyle/>
+          <a:p>
+            <a:pPr algn="l">
+              <a:defRPr sz="900" b="1">
+                <a:solidFill>
+                  <a:srgbClr val="3A5566"/>
+                </a:solidFill>
+              </a:defRPr>
+            </a:pPr>
+            <a:r>
+              <a:t>5</a:t>
+            </a:r>
+          </a:p>
+        </p:txBody>
+      </p:sp>
+      <p:sp>
+        <p:nvSpPr>
+          <p:cNvPr id="29" name="TextBox 28"/>
+          <p:cNvSpPr txBox="1"/>
+          <p:nvPr/>
+        </p:nvSpPr>
+        <p:spPr>
+          <a:xfrm>
+            <a:off x="7772400" y="5266944"/>
+            <a:ext cx="2743200" cy="256032"/>
+          </a:xfrm>
+          <a:prstGeom prst="rect">
+            <a:avLst/>
+          </a:prstGeom>
+          <a:noFill/>
+        </p:spPr>
+        <p:txBody>
+          <a:bodyPr wrap="square">
+            <a:spAutoFit/>
+          </a:bodyPr>
+          <a:lstStyle/>
+          <a:p>
+            <a:pPr algn="l">
+              <a:defRPr sz="900" b="0">
+                <a:solidFill>
+                  <a:srgbClr val="3A5566"/>
+                </a:solidFill>
+              </a:defRPr>
+            </a:pPr>
+            <a:r>
+              <a:t>Zoning Board Appeal / Multifamily, Condominiu...</a:t>
+            </a:r>
+          </a:p>
+        </p:txBody>
+      </p:sp>
+      <p:sp>
+        <p:nvSpPr>
+          <p:cNvPr id="30" name="TextBox 29"/>
+          <p:cNvSpPr txBox="1"/>
+          <p:nvPr/>
+        </p:nvSpPr>
+        <p:spPr>
+          <a:xfrm>
+            <a:off x="10515600" y="5266944"/>
+            <a:ext cx="914400" cy="256032"/>
+          </a:xfrm>
+          <a:prstGeom prst="rect">
+            <a:avLst/>
+          </a:prstGeom>
+          <a:noFill/>
+        </p:spPr>
+        <p:txBody>
+          <a:bodyPr wrap="square">
+            <a:spAutoFit/>
+          </a:bodyPr>
+          <a:lstStyle/>
+          <a:p>
+            <a:pPr algn="l">
+              <a:defRPr sz="900" b="1">
+                <a:solidFill>
+                  <a:srgbClr val="3A5566"/>
+                </a:solidFill>
+              </a:defRPr>
+            </a:pPr>
+            <a:r>
+              <a:t>4</a:t>
+            </a:r>
+          </a:p>
+        </p:txBody>
+      </p:sp>
+      <p:sp>
+        <p:nvSpPr>
+          <p:cNvPr id="31" name="TextBox 30"/>
+          <p:cNvSpPr txBox="1"/>
+          <p:nvPr/>
+        </p:nvSpPr>
+        <p:spPr>
+          <a:xfrm>
+            <a:off x="7772400" y="5843016"/>
+            <a:ext cx="4114800" cy="274320"/>
+          </a:xfrm>
+          <a:prstGeom prst="rect">
+            <a:avLst/>
+          </a:prstGeom>
+          <a:noFill/>
+        </p:spPr>
+        <p:txBody>
+          <a:bodyPr wrap="square">
+            <a:spAutoFit/>
+          </a:bodyPr>
+          <a:lstStyle/>
+          <a:p>
+            <a:pPr algn="l">
+              <a:defRPr sz="1400" b="1">
+                <a:solidFill>
+                  <a:srgbClr val="3A5566"/>
+                </a:solidFill>
+              </a:defRPr>
+            </a:pPr>
+            <a:r>
+              <a:t>Status Breakdown</a:t>
+            </a:r>
+          </a:p>
+        </p:txBody>
+      </p:sp>
+      <p:sp>
+        <p:nvSpPr>
+          <p:cNvPr id="32" name="TextBox 31"/>
+          <p:cNvSpPr txBox="1"/>
+          <p:nvPr/>
+        </p:nvSpPr>
+        <p:spPr>
+          <a:xfrm>
+            <a:off x="7772400" y="6208776"/>
+            <a:ext cx="4114800" cy="228600"/>
+          </a:xfrm>
+          <a:prstGeom prst="rect">
+            <a:avLst/>
+          </a:prstGeom>
+          <a:noFill/>
+        </p:spPr>
+        <p:txBody>
+          <a:bodyPr wrap="square">
+            <a:spAutoFit/>
+          </a:bodyPr>
+          <a:lstStyle/>
+          <a:p>
+            <a:pPr algn="l">
+              <a:defRPr sz="1000" b="0">
+                <a:solidFill>
+                  <a:srgbClr val="3A5566"/>
+                </a:solidFill>
+              </a:defRPr>
+            </a:pPr>
+            <a:r>
+              <a:t>EXPIRED: 223 (69%)</a:t>
+            </a:r>
+          </a:p>
+        </p:txBody>
+      </p:sp>
+      <p:sp>
+        <p:nvSpPr>
+          <p:cNvPr id="33" name="TextBox 32"/>
+          <p:cNvSpPr txBox="1"/>
+          <p:nvPr/>
+        </p:nvSpPr>
+        <p:spPr>
+          <a:xfrm>
+            <a:off x="7772400" y="6464808"/>
+            <a:ext cx="4114800" cy="228600"/>
+          </a:xfrm>
+          <a:prstGeom prst="rect">
+            <a:avLst/>
+          </a:prstGeom>
+          <a:noFill/>
+        </p:spPr>
+        <p:txBody>
+          <a:bodyPr wrap="square">
+            <a:spAutoFit/>
+          </a:bodyPr>
+          <a:lstStyle/>
+          <a:p>
+            <a:pPr algn="l">
+              <a:defRPr sz="1000" b="0">
+                <a:solidFill>
+                  <a:srgbClr val="3A5566"/>
+                </a:solidFill>
+              </a:defRPr>
+            </a:pPr>
+            <a:r>
+              <a:t>Done: 70 (22%)</a:t>
+            </a:r>
+          </a:p>
+        </p:txBody>
+      </p:sp>
+      <p:sp>
+        <p:nvSpPr>
+          <p:cNvPr id="34" name="TextBox 33"/>
+          <p:cNvSpPr txBox="1"/>
+          <p:nvPr/>
+        </p:nvSpPr>
+        <p:spPr>
+          <a:xfrm>
+            <a:off x="7772400" y="6720840"/>
+            <a:ext cx="4114800" cy="228600"/>
+          </a:xfrm>
+          <a:prstGeom prst="rect">
+            <a:avLst/>
+          </a:prstGeom>
+          <a:noFill/>
+        </p:spPr>
+        <p:txBody>
+          <a:bodyPr wrap="square">
+            <a:spAutoFit/>
+          </a:bodyPr>
+          <a:lstStyle/>
+          <a:p>
+            <a:pPr algn="l">
+              <a:defRPr sz="1000" b="0">
+                <a:solidFill>
+                  <a:srgbClr val="3A5566"/>
+                </a:solidFill>
+              </a:defRPr>
+            </a:pPr>
+            <a:r>
+              <a:t>Withdrawn: 24 (7%)</a:t>
+            </a:r>
+          </a:p>
+        </p:txBody>
+      </p:sp>
+      <p:sp>
+        <p:nvSpPr>
+          <p:cNvPr id="35" name="TextBox 34"/>
+          <p:cNvSpPr txBox="1"/>
+          <p:nvPr/>
+        </p:nvSpPr>
+        <p:spPr>
+          <a:xfrm>
+            <a:off x="7772400" y="6976872"/>
+            <a:ext cx="4114800" cy="228600"/>
+          </a:xfrm>
+          <a:prstGeom prst="rect">
+            <a:avLst/>
+          </a:prstGeom>
+          <a:noFill/>
+        </p:spPr>
+        <p:txBody>
+          <a:bodyPr wrap="square">
+            <a:spAutoFit/>
+          </a:bodyPr>
+          <a:lstStyle/>
+          <a:p>
+            <a:pPr algn="l">
+              <a:defRPr sz="1000" b="0">
+                <a:solidFill>
+                  <a:srgbClr val="3A5566"/>
+                </a:solidFill>
+              </a:defRPr>
+            </a:pPr>
+            <a:r>
+              <a:t>OK to Pay Permit Fee: 5 (2%)</a:t>
+            </a:r>
+          </a:p>
+        </p:txBody>
+      </p:sp>
+      <p:sp>
+        <p:nvSpPr>
+          <p:cNvPr id="36" name="TextBox 35"/>
+          <p:cNvSpPr txBox="1"/>
+          <p:nvPr/>
+        </p:nvSpPr>
+        <p:spPr>
+          <a:xfrm>
+            <a:off x="7772400" y="7232904"/>
+            <a:ext cx="4114800" cy="228600"/>
+          </a:xfrm>
+          <a:prstGeom prst="rect">
+            <a:avLst/>
+          </a:prstGeom>
+          <a:noFill/>
+        </p:spPr>
+        <p:txBody>
+          <a:bodyPr wrap="square">
+            <a:spAutoFit/>
+          </a:bodyPr>
+          <a:lstStyle/>
+          <a:p>
+            <a:pPr algn="l">
+              <a:defRPr sz="1000" b="0">
+                <a:solidFill>
+                  <a:srgbClr val="3A5566"/>
+                </a:solidFill>
+              </a:defRPr>
+            </a:pPr>
+            <a:r>
+              <a:t>Cancelled: 1 (0%)</a:t>
+            </a:r>
+          </a:p>
+        </p:txBody>
+      </p:sp>
+      <p:sp>
+        <p:nvSpPr>
+          <p:cNvPr id="37" name="TextBox 36"/>
+          <p:cNvSpPr txBox="1"/>
+          <p:nvPr/>
+        </p:nvSpPr>
+        <p:spPr>
+          <a:xfrm>
+            <a:off x="7772400" y="7488936"/>
+            <a:ext cx="4114800" cy="228600"/>
+          </a:xfrm>
+          <a:prstGeom prst="rect">
+            <a:avLst/>
+          </a:prstGeom>
+          <a:noFill/>
+        </p:spPr>
+        <p:txBody>
+          <a:bodyPr wrap="square">
+            <a:spAutoFit/>
+          </a:bodyPr>
+          <a:lstStyle/>
+          <a:p>
+            <a:pPr algn="l">
+              <a:defRPr sz="1000" b="0">
+                <a:solidFill>
+                  <a:srgbClr val="3A5566"/>
+                </a:solidFill>
+              </a:defRPr>
+            </a:pPr>
+            <a:r>
+              <a:t>Payment was refunded/permit cancelled: 1 (0%)</a:t>
+            </a:r>
+          </a:p>
+        </p:txBody>
+      </p:sp>
+      <p:sp>
+        <p:nvSpPr>
+          <p:cNvPr id="38" name="TextBox 37"/>
+          <p:cNvSpPr txBox="1"/>
+          <p:nvPr/>
+        </p:nvSpPr>
+        <p:spPr>
+          <a:xfrm>
+            <a:off x="7772400" y="7744968"/>
+            <a:ext cx="4114800" cy="228600"/>
+          </a:xfrm>
+          <a:prstGeom prst="rect">
+            <a:avLst/>
+          </a:prstGeom>
+          <a:noFill/>
+        </p:spPr>
+        <p:txBody>
+          <a:bodyPr wrap="square">
+            <a:spAutoFit/>
+          </a:bodyPr>
+          <a:lstStyle/>
+          <a:p>
+            <a:pPr algn="l">
+              <a:defRPr sz="1000" b="0">
+                <a:solidFill>
+                  <a:srgbClr val="3A5566"/>
+                </a:solidFill>
+              </a:defRPr>
+            </a:pPr>
+            <a:r>
+              <a:t>GRANTED: 1 (0%)</a:t>
+            </a:r>
+          </a:p>
+        </p:txBody>
+      </p:sp>
     </p:spTree>
   </p:cSld>
   <p:clrMapOvr>
@@ -5241,8 +7790,8 @@
 </p:sld>
 </file>
 
-<file path=ppt/slides/slide2.xml><?xml version="1.0" encoding="utf-8"?>
-<p:sld xmlns:a="http://schemas.openxmlformats.org/drawingml/2006/main" xmlns:r="http://schemas.openxmlformats.org/officeDocument/2006/relationships" xmlns:p="http://schemas.openxmlformats.org/presentationml/2006/main">
+<file path=ppt/slides/slide13.xml><?xml version="1.0" encoding="utf-8"?>
+<p:sld xmlns:a="http://schemas.openxmlformats.org/drawingml/2006/main" xmlns:p="http://schemas.openxmlformats.org/presentationml/2006/main" xmlns:r="http://schemas.openxmlformats.org/officeDocument/2006/relationships">
   <p:cSld>
     <p:bg>
       <p:bgPr>
@@ -5258,14 +7807,7 @@
         <p:cNvGrpSpPr/>
         <p:nvPr/>
       </p:nvGrpSpPr>
-      <p:grpSpPr>
-        <a:xfrm>
-          <a:off x="0" y="0"/>
-          <a:ext cx="0" cy="0"/>
-          <a:chOff x="0" y="0"/>
-          <a:chExt cx="0" cy="0"/>
-        </a:xfrm>
-      </p:grpSpPr>
+      <p:grpSpPr/>
       <p:sp>
         <p:nvSpPr>
           <p:cNvPr id="2" name="Rectangle 1"/>
@@ -5306,29 +7848,100 @@
           <a:lstStyle/>
           <a:p>
             <a:pPr algn="ctr"/>
-            <a:endParaRPr/>
-          </a:p>
-        </p:txBody>
-      </p:sp>
-      <p:sp>
-        <p:nvSpPr>
-          <p:cNvPr id="3" name="Rectangle 2"/>
+          </a:p>
+        </p:txBody>
+      </p:sp>
+      <p:sp>
+        <p:nvSpPr>
+          <p:cNvPr id="3" name="TextBox 2"/>
+          <p:cNvSpPr txBox="1"/>
+          <p:nvPr/>
+        </p:nvSpPr>
+        <p:spPr>
+          <a:xfrm>
+            <a:off x="457200" y="109728"/>
+            <a:ext cx="10972800" cy="411480"/>
+          </a:xfrm>
+          <a:prstGeom prst="rect">
+            <a:avLst/>
+          </a:prstGeom>
+          <a:noFill/>
+        </p:spPr>
+        <p:txBody>
+          <a:bodyPr wrap="square">
+            <a:spAutoFit/>
+          </a:bodyPr>
+          <a:lstStyle/>
+          <a:p>
+            <a:pPr algn="l">
+              <a:defRPr sz="2600" b="1">
+                <a:solidFill>
+                  <a:srgbClr val="FFFFFF"/>
+                </a:solidFill>
+              </a:defRPr>
+            </a:pPr>
+            <a:r>
+              <a:t>Office Building Permit History — Davidson County</a:t>
+            </a:r>
+          </a:p>
+        </p:txBody>
+      </p:sp>
+      <p:sp>
+        <p:nvSpPr>
+          <p:cNvPr id="4" name="TextBox 3"/>
+          <p:cNvSpPr txBox="1"/>
+          <p:nvPr/>
+        </p:nvSpPr>
+        <p:spPr>
+          <a:xfrm>
+            <a:off x="457200" y="438912"/>
+            <a:ext cx="10972800" cy="274320"/>
+          </a:xfrm>
+          <a:prstGeom prst="rect">
+            <a:avLst/>
+          </a:prstGeom>
+          <a:noFill/>
+        </p:spPr>
+        <p:txBody>
+          <a:bodyPr wrap="square">
+            <a:spAutoFit/>
+          </a:bodyPr>
+          <a:lstStyle/>
+          <a:p>
+            <a:pPr algn="l">
+              <a:defRPr sz="1200" b="0">
+                <a:solidFill>
+                  <a:srgbClr val="CBB279"/>
+                </a:solidFill>
+              </a:defRPr>
+            </a:pPr>
+            <a:r>
+              <a:t>General Office, Professional Services  |  8,291 Total Permits (2006-2025)</a:t>
+            </a:r>
+          </a:p>
+        </p:txBody>
+      </p:sp>
+      <p:sp>
+        <p:nvSpPr>
+          <p:cNvPr id="5" name="Rectangle 4"/>
           <p:cNvSpPr/>
           <p:nvPr/>
         </p:nvSpPr>
         <p:spPr>
           <a:xfrm>
-            <a:off x="0" y="777240"/>
-            <a:ext cx="12191695" cy="54864"/>
+            <a:off x="457200" y="1051560"/>
+            <a:ext cx="2103120" cy="1097280"/>
           </a:xfrm>
           <a:prstGeom prst="rect">
             <a:avLst/>
           </a:prstGeom>
           <a:solidFill>
-            <a:srgbClr val="1565C0"/>
+            <a:srgbClr val="F2F0ED"/>
           </a:solidFill>
           <a:ln>
-            <a:noFill/>
+            <a:solidFill>
+              <a:srgbClr val="E2E2E0"/>
+            </a:solidFill>
           </a:ln>
         </p:spPr>
         <p:style>
@@ -5346,80 +7959,30 @@
           </a:fontRef>
         </p:style>
         <p:txBody>
-          <a:bodyPr rtlCol="0" anchor="ctr"/>
-          <a:lstStyle/>
-          <a:p>
-            <a:pPr algn="ctr"/>
-            <a:endParaRPr/>
-          </a:p>
-        </p:txBody>
-      </p:sp>
-      <p:sp>
-        <p:nvSpPr>
-          <p:cNvPr id="4" name="TextBox 3"/>
-          <p:cNvSpPr txBox="1"/>
-          <p:nvPr/>
-        </p:nvSpPr>
-        <p:spPr>
-          <a:xfrm>
-            <a:off x="457200" y="137160"/>
-            <a:ext cx="10972800" cy="457200"/>
-          </a:xfrm>
-          <a:prstGeom prst="rect">
-            <a:avLst/>
-          </a:prstGeom>
-          <a:noFill/>
-        </p:spPr>
-        <p:txBody>
-          <a:bodyPr wrap="square">
-            <a:spAutoFit/>
-          </a:bodyPr>
-          <a:lstStyle/>
-          <a:p>
-            <a:pPr algn="l">
-              <a:defRPr sz="2600" b="1">
-                <a:solidFill>
-                  <a:srgbClr val="FFFFFF"/>
-                </a:solidFill>
-              </a:defRPr>
-            </a:pPr>
-            <a:r>
-              <a:t>Tier 1 — Best Comparables — #1, #2, #3</a:t>
-            </a:r>
-          </a:p>
-        </p:txBody>
-      </p:sp>
-      <p:sp>
-        <p:nvSpPr>
-          <p:cNvPr id="5" name="TextBox 4"/>
-          <p:cNvSpPr txBox="1"/>
-          <p:nvPr/>
-        </p:nvSpPr>
-        <p:spPr>
-          <a:xfrm>
-            <a:off x="457200" y="457200"/>
-            <a:ext cx="10972800" cy="274320"/>
-          </a:xfrm>
-          <a:prstGeom prst="rect">
-            <a:avLst/>
-          </a:prstGeom>
-          <a:noFill/>
-        </p:spPr>
-        <p:txBody>
-          <a:bodyPr wrap="square">
-            <a:spAutoFit/>
-          </a:bodyPr>
-          <a:lstStyle/>
-          <a:p>
-            <a:pPr algn="l">
-              <a:defRPr sz="1300" b="0">
-                <a:solidFill>
-                  <a:srgbClr val="CBB279"/>
-                </a:solidFill>
-              </a:defRPr>
-            </a:pPr>
-            <a:r>
-              <a:t>Scores: 90-95/100</a:t>
+          <a:bodyPr rtlCol="0" anchor="ctr" wrap="square"/>
+          <a:lstStyle/>
+          <a:p>
+            <a:pPr algn="ctr">
+              <a:defRPr sz="2400" b="1">
+                <a:solidFill>
+                  <a:srgbClr val="3A5566"/>
+                </a:solidFill>
+              </a:defRPr>
+            </a:pPr>
+            <a:r>
+              <a:t>8,291</a:t>
+            </a:r>
+          </a:p>
+          <a:p>
+            <a:pPr algn="ctr">
+              <a:defRPr sz="1000">
+                <a:solidFill>
+                  <a:srgbClr val="706F6C"/>
+                </a:solidFill>
+              </a:defRPr>
+            </a:pPr>
+            <a:r>
+              <a:t>Total Permits</a:t>
             </a:r>
           </a:p>
         </p:txBody>
@@ -5432,17 +7995,19 @@
         </p:nvSpPr>
         <p:spPr>
           <a:xfrm>
-            <a:off x="457200" y="1051560"/>
-            <a:ext cx="457200" cy="365760"/>
+            <a:off x="2743200" y="1051560"/>
+            <a:ext cx="2103120" cy="1097280"/>
           </a:xfrm>
           <a:prstGeom prst="rect">
             <a:avLst/>
           </a:prstGeom>
           <a:solidFill>
-            <a:srgbClr val="1565C0"/>
+            <a:srgbClr val="F2F0ED"/>
           </a:solidFill>
           <a:ln>
-            <a:noFill/>
+            <a:solidFill>
+              <a:srgbClr val="E2E2E0"/>
+            </a:solidFill>
           </a:ln>
         </p:spPr>
         <p:style>
@@ -5460,95 +8025,1927 @@
           </a:fontRef>
         </p:style>
         <p:txBody>
+          <a:bodyPr rtlCol="0" anchor="ctr" wrap="square"/>
+          <a:lstStyle/>
+          <a:p>
+            <a:pPr algn="ctr">
+              <a:defRPr sz="2400" b="1">
+                <a:solidFill>
+                  <a:srgbClr val="2E7D32"/>
+                </a:solidFill>
+              </a:defRPr>
+            </a:pPr>
+            <a:r>
+              <a:t>$5.17B</a:t>
+            </a:r>
+          </a:p>
+          <a:p>
+            <a:pPr algn="ctr">
+              <a:defRPr sz="1000">
+                <a:solidFill>
+                  <a:srgbClr val="706F6C"/>
+                </a:solidFill>
+              </a:defRPr>
+            </a:pPr>
+            <a:r>
+              <a:t>Total Const. Value</a:t>
+            </a:r>
+          </a:p>
+        </p:txBody>
+      </p:sp>
+      <p:sp>
+        <p:nvSpPr>
+          <p:cNvPr id="7" name="Rectangle 6"/>
+          <p:cNvSpPr/>
+          <p:nvPr/>
+        </p:nvSpPr>
+        <p:spPr>
+          <a:xfrm>
+            <a:off x="5029200" y="1051560"/>
+            <a:ext cx="2103120" cy="1097280"/>
+          </a:xfrm>
+          <a:prstGeom prst="rect">
+            <a:avLst/>
+          </a:prstGeom>
+          <a:solidFill>
+            <a:srgbClr val="F2F0ED"/>
+          </a:solidFill>
+          <a:ln>
+            <a:solidFill>
+              <a:srgbClr val="E2E2E0"/>
+            </a:solidFill>
+          </a:ln>
+        </p:spPr>
+        <p:style>
+          <a:lnRef idx="1">
+            <a:schemeClr val="accent1"/>
+          </a:lnRef>
+          <a:fillRef idx="3">
+            <a:schemeClr val="accent1"/>
+          </a:fillRef>
+          <a:effectRef idx="2">
+            <a:schemeClr val="accent1"/>
+          </a:effectRef>
+          <a:fontRef idx="minor">
+            <a:schemeClr val="lt1"/>
+          </a:fontRef>
+        </p:style>
+        <p:txBody>
+          <a:bodyPr rtlCol="0" anchor="ctr" wrap="square"/>
+          <a:lstStyle/>
+          <a:p>
+            <a:pPr algn="ctr">
+              <a:defRPr sz="2400" b="1">
+                <a:solidFill>
+                  <a:srgbClr val="3A5566"/>
+                </a:solidFill>
+              </a:defRPr>
+            </a:pPr>
+            <a:r>
+              <a:t>$894K</a:t>
+            </a:r>
+          </a:p>
+          <a:p>
+            <a:pPr algn="ctr">
+              <a:defRPr sz="1000">
+                <a:solidFill>
+                  <a:srgbClr val="706F6C"/>
+                </a:solidFill>
+              </a:defRPr>
+            </a:pPr>
+            <a:r>
+              <a:t>Avg Const. Value</a:t>
+            </a:r>
+          </a:p>
+        </p:txBody>
+      </p:sp>
+      <p:sp>
+        <p:nvSpPr>
+          <p:cNvPr id="8" name="Rectangle 7"/>
+          <p:cNvSpPr/>
+          <p:nvPr/>
+        </p:nvSpPr>
+        <p:spPr>
+          <a:xfrm>
+            <a:off x="7315200" y="1051560"/>
+            <a:ext cx="2103120" cy="1097280"/>
+          </a:xfrm>
+          <a:prstGeom prst="rect">
+            <a:avLst/>
+          </a:prstGeom>
+          <a:solidFill>
+            <a:srgbClr val="F2F0ED"/>
+          </a:solidFill>
+          <a:ln>
+            <a:solidFill>
+              <a:srgbClr val="E2E2E0"/>
+            </a:solidFill>
+          </a:ln>
+        </p:spPr>
+        <p:style>
+          <a:lnRef idx="1">
+            <a:schemeClr val="accent1"/>
+          </a:lnRef>
+          <a:fillRef idx="3">
+            <a:schemeClr val="accent1"/>
+          </a:fillRef>
+          <a:effectRef idx="2">
+            <a:schemeClr val="accent1"/>
+          </a:effectRef>
+          <a:fontRef idx="minor">
+            <a:schemeClr val="lt1"/>
+          </a:fontRef>
+        </p:style>
+        <p:txBody>
+          <a:bodyPr rtlCol="0" anchor="ctr" wrap="square"/>
+          <a:lstStyle/>
+          <a:p>
+            <a:pPr algn="ctr">
+              <a:defRPr sz="2400" b="1">
+                <a:solidFill>
+                  <a:srgbClr val="1565C0"/>
+                </a:solidFill>
+              </a:defRPr>
+            </a:pPr>
+            <a:r>
+              <a:t>6,475</a:t>
+            </a:r>
+          </a:p>
+          <a:p>
+            <a:pPr algn="ctr">
+              <a:defRPr sz="1000">
+                <a:solidFill>
+                  <a:srgbClr val="706F6C"/>
+                </a:solidFill>
+              </a:defRPr>
+            </a:pPr>
+            <a:r>
+              <a:t>Completed (78%)</a:t>
+            </a:r>
+          </a:p>
+        </p:txBody>
+      </p:sp>
+      <p:sp>
+        <p:nvSpPr>
+          <p:cNvPr id="9" name="Rectangle 8"/>
+          <p:cNvSpPr/>
+          <p:nvPr/>
+        </p:nvSpPr>
+        <p:spPr>
+          <a:xfrm>
+            <a:off x="9601200" y="1051560"/>
+            <a:ext cx="2103120" cy="1097280"/>
+          </a:xfrm>
+          <a:prstGeom prst="rect">
+            <a:avLst/>
+          </a:prstGeom>
+          <a:solidFill>
+            <a:srgbClr val="F2F0ED"/>
+          </a:solidFill>
+          <a:ln>
+            <a:solidFill>
+              <a:srgbClr val="E2E2E0"/>
+            </a:solidFill>
+          </a:ln>
+        </p:spPr>
+        <p:style>
+          <a:lnRef idx="1">
+            <a:schemeClr val="accent1"/>
+          </a:lnRef>
+          <a:fillRef idx="3">
+            <a:schemeClr val="accent1"/>
+          </a:fillRef>
+          <a:effectRef idx="2">
+            <a:schemeClr val="accent1"/>
+          </a:effectRef>
+          <a:fontRef idx="minor">
+            <a:schemeClr val="lt1"/>
+          </a:fontRef>
+        </p:style>
+        <p:txBody>
+          <a:bodyPr rtlCol="0" anchor="ctr" wrap="square"/>
+          <a:lstStyle/>
+          <a:p>
+            <a:pPr algn="ctr">
+              <a:defRPr sz="2400" b="1">
+                <a:solidFill>
+                  <a:srgbClr val="E65100"/>
+                </a:solidFill>
+              </a:defRPr>
+            </a:pPr>
+            <a:r>
+              <a:t>1,447</a:t>
+            </a:r>
+          </a:p>
+          <a:p>
+            <a:pPr algn="ctr">
+              <a:defRPr sz="1000">
+                <a:solidFill>
+                  <a:srgbClr val="706F6C"/>
+                </a:solidFill>
+              </a:defRPr>
+            </a:pPr>
+            <a:r>
+              <a:t>Expired (17%)</a:t>
+            </a:r>
+          </a:p>
+        </p:txBody>
+      </p:sp>
+      <p:graphicFrame>
+        <p:nvGraphicFramePr>
+          <p:cNvPr id="10" name="Chart 9"/>
+          <p:cNvGraphicFramePr>
+            <a:graphicFrameLocks noGrp="1"/>
+          </p:cNvGraphicFramePr>
+          <p:nvPr/>
+        </p:nvGraphicFramePr>
+        <p:xfrm>
+          <a:off x="457200" y="2377440"/>
+          <a:ext cx="6858000" cy="4114800"/>
+        </p:xfrm>
+        <a:graphic>
+          <a:graphicData uri="http://schemas.openxmlformats.org/drawingml/2006/chart">
+            <c:chart xmlns:c="http://schemas.openxmlformats.org/drawingml/2006/chart" r:id="rId2"/>
+          </a:graphicData>
+        </a:graphic>
+      </p:graphicFrame>
+      <p:sp>
+        <p:nvSpPr>
+          <p:cNvPr id="11" name="TextBox 10"/>
+          <p:cNvSpPr txBox="1"/>
+          <p:nvPr/>
+        </p:nvSpPr>
+        <p:spPr>
+          <a:xfrm>
+            <a:off x="7772400" y="2377440"/>
+            <a:ext cx="4114800" cy="365760"/>
+          </a:xfrm>
+          <a:prstGeom prst="rect">
+            <a:avLst/>
+          </a:prstGeom>
+          <a:noFill/>
+        </p:spPr>
+        <p:txBody>
+          <a:bodyPr wrap="square">
+            <a:spAutoFit/>
+          </a:bodyPr>
+          <a:lstStyle/>
+          <a:p>
+            <a:pPr algn="l">
+              <a:defRPr sz="1400" b="1">
+                <a:solidFill>
+                  <a:srgbClr val="3A5566"/>
+                </a:solidFill>
+              </a:defRPr>
+            </a:pPr>
+            <a:r>
+              <a:t>Permit Type Breakdown</a:t>
+            </a:r>
+          </a:p>
+        </p:txBody>
+      </p:sp>
+      <p:sp>
+        <p:nvSpPr>
+          <p:cNvPr id="12" name="TextBox 11"/>
+          <p:cNvSpPr txBox="1"/>
+          <p:nvPr/>
+        </p:nvSpPr>
+        <p:spPr>
+          <a:xfrm>
+            <a:off x="7772400" y="2834640"/>
+            <a:ext cx="3017520" cy="274320"/>
+          </a:xfrm>
+          <a:prstGeom prst="rect">
+            <a:avLst/>
+          </a:prstGeom>
+          <a:noFill/>
+        </p:spPr>
+        <p:txBody>
+          <a:bodyPr wrap="square">
+            <a:spAutoFit/>
+          </a:bodyPr>
+          <a:lstStyle/>
+          <a:p>
+            <a:pPr algn="l">
+              <a:defRPr sz="1000" b="1">
+                <a:solidFill>
+                  <a:srgbClr val="706F6C"/>
+                </a:solidFill>
+              </a:defRPr>
+            </a:pPr>
+            <a:r>
+              <a:t>Type</a:t>
+            </a:r>
+          </a:p>
+        </p:txBody>
+      </p:sp>
+      <p:sp>
+        <p:nvSpPr>
+          <p:cNvPr id="13" name="TextBox 12"/>
+          <p:cNvSpPr txBox="1"/>
+          <p:nvPr/>
+        </p:nvSpPr>
+        <p:spPr>
+          <a:xfrm>
+            <a:off x="10789920" y="2834640"/>
+            <a:ext cx="1097280" cy="274320"/>
+          </a:xfrm>
+          <a:prstGeom prst="rect">
+            <a:avLst/>
+          </a:prstGeom>
+          <a:noFill/>
+        </p:spPr>
+        <p:txBody>
+          <a:bodyPr wrap="square">
+            <a:spAutoFit/>
+          </a:bodyPr>
+          <a:lstStyle/>
+          <a:p>
+            <a:pPr algn="l">
+              <a:defRPr sz="1000" b="1">
+                <a:solidFill>
+                  <a:srgbClr val="706F6C"/>
+                </a:solidFill>
+              </a:defRPr>
+            </a:pPr>
+            <a:r>
+              <a:t>Count</a:t>
+            </a:r>
+          </a:p>
+        </p:txBody>
+      </p:sp>
+      <p:sp>
+        <p:nvSpPr>
+          <p:cNvPr id="14" name="TextBox 13"/>
+          <p:cNvSpPr txBox="1"/>
+          <p:nvPr/>
+        </p:nvSpPr>
+        <p:spPr>
+          <a:xfrm>
+            <a:off x="7772400" y="3154680"/>
+            <a:ext cx="3017520" cy="256032"/>
+          </a:xfrm>
+          <a:prstGeom prst="rect">
+            <a:avLst/>
+          </a:prstGeom>
+          <a:noFill/>
+        </p:spPr>
+        <p:txBody>
+          <a:bodyPr wrap="square">
+            <a:spAutoFit/>
+          </a:bodyPr>
+          <a:lstStyle/>
+          <a:p>
+            <a:pPr algn="l">
+              <a:defRPr sz="1000" b="0">
+                <a:solidFill>
+                  <a:srgbClr val="3A5566"/>
+                </a:solidFill>
+              </a:defRPr>
+            </a:pPr>
+            <a:r>
+              <a:t>Rehab</a:t>
+            </a:r>
+          </a:p>
+        </p:txBody>
+      </p:sp>
+      <p:sp>
+        <p:nvSpPr>
+          <p:cNvPr id="15" name="TextBox 14"/>
+          <p:cNvSpPr txBox="1"/>
+          <p:nvPr/>
+        </p:nvSpPr>
+        <p:spPr>
+          <a:xfrm>
+            <a:off x="10789920" y="3154680"/>
+            <a:ext cx="1097280" cy="256032"/>
+          </a:xfrm>
+          <a:prstGeom prst="rect">
+            <a:avLst/>
+          </a:prstGeom>
+          <a:noFill/>
+        </p:spPr>
+        <p:txBody>
+          <a:bodyPr wrap="square">
+            <a:spAutoFit/>
+          </a:bodyPr>
+          <a:lstStyle/>
+          <a:p>
+            <a:pPr algn="l">
+              <a:defRPr sz="1000" b="1">
+                <a:solidFill>
+                  <a:srgbClr val="3A5566"/>
+                </a:solidFill>
+              </a:defRPr>
+            </a:pPr>
+            <a:r>
+              <a:t>6,001</a:t>
+            </a:r>
+          </a:p>
+        </p:txBody>
+      </p:sp>
+      <p:sp>
+        <p:nvSpPr>
+          <p:cNvPr id="16" name="TextBox 15"/>
+          <p:cNvSpPr txBox="1"/>
+          <p:nvPr/>
+        </p:nvSpPr>
+        <p:spPr>
+          <a:xfrm>
+            <a:off x="7772400" y="3456432"/>
+            <a:ext cx="3017520" cy="256032"/>
+          </a:xfrm>
+          <a:prstGeom prst="rect">
+            <a:avLst/>
+          </a:prstGeom>
+          <a:noFill/>
+        </p:spPr>
+        <p:txBody>
+          <a:bodyPr wrap="square">
+            <a:spAutoFit/>
+          </a:bodyPr>
+          <a:lstStyle/>
+          <a:p>
+            <a:pPr algn="l">
+              <a:defRPr sz="1000" b="0">
+                <a:solidFill>
+                  <a:srgbClr val="3A5566"/>
+                </a:solidFill>
+              </a:defRPr>
+            </a:pPr>
+            <a:r>
+              <a:t>Tenant Finish Out</a:t>
+            </a:r>
+          </a:p>
+        </p:txBody>
+      </p:sp>
+      <p:sp>
+        <p:nvSpPr>
+          <p:cNvPr id="17" name="TextBox 16"/>
+          <p:cNvSpPr txBox="1"/>
+          <p:nvPr/>
+        </p:nvSpPr>
+        <p:spPr>
+          <a:xfrm>
+            <a:off x="10789920" y="3456432"/>
+            <a:ext cx="1097280" cy="256032"/>
+          </a:xfrm>
+          <a:prstGeom prst="rect">
+            <a:avLst/>
+          </a:prstGeom>
+          <a:noFill/>
+        </p:spPr>
+        <p:txBody>
+          <a:bodyPr wrap="square">
+            <a:spAutoFit/>
+          </a:bodyPr>
+          <a:lstStyle/>
+          <a:p>
+            <a:pPr algn="l">
+              <a:defRPr sz="1000" b="1">
+                <a:solidFill>
+                  <a:srgbClr val="3A5566"/>
+                </a:solidFill>
+              </a:defRPr>
+            </a:pPr>
+            <a:r>
+              <a:t>955</a:t>
+            </a:r>
+          </a:p>
+        </p:txBody>
+      </p:sp>
+      <p:sp>
+        <p:nvSpPr>
+          <p:cNvPr id="18" name="TextBox 17"/>
+          <p:cNvSpPr txBox="1"/>
+          <p:nvPr/>
+        </p:nvSpPr>
+        <p:spPr>
+          <a:xfrm>
+            <a:off x="7772400" y="3758184"/>
+            <a:ext cx="3017520" cy="256032"/>
+          </a:xfrm>
+          <a:prstGeom prst="rect">
+            <a:avLst/>
+          </a:prstGeom>
+          <a:noFill/>
+        </p:spPr>
+        <p:txBody>
+          <a:bodyPr wrap="square">
+            <a:spAutoFit/>
+          </a:bodyPr>
+          <a:lstStyle/>
+          <a:p>
+            <a:pPr algn="l">
+              <a:defRPr sz="1000" b="0">
+                <a:solidFill>
+                  <a:srgbClr val="3A5566"/>
+                </a:solidFill>
+              </a:defRPr>
+            </a:pPr>
+            <a:r>
+              <a:t>New</a:t>
+            </a:r>
+          </a:p>
+        </p:txBody>
+      </p:sp>
+      <p:sp>
+        <p:nvSpPr>
+          <p:cNvPr id="19" name="TextBox 18"/>
+          <p:cNvSpPr txBox="1"/>
+          <p:nvPr/>
+        </p:nvSpPr>
+        <p:spPr>
+          <a:xfrm>
+            <a:off x="10789920" y="3758184"/>
+            <a:ext cx="1097280" cy="256032"/>
+          </a:xfrm>
+          <a:prstGeom prst="rect">
+            <a:avLst/>
+          </a:prstGeom>
+          <a:noFill/>
+        </p:spPr>
+        <p:txBody>
+          <a:bodyPr wrap="square">
+            <a:spAutoFit/>
+          </a:bodyPr>
+          <a:lstStyle/>
+          <a:p>
+            <a:pPr algn="l">
+              <a:defRPr sz="1000" b="1">
+                <a:solidFill>
+                  <a:srgbClr val="3A5566"/>
+                </a:solidFill>
+              </a:defRPr>
+            </a:pPr>
+            <a:r>
+              <a:t>394</a:t>
+            </a:r>
+          </a:p>
+        </p:txBody>
+      </p:sp>
+      <p:sp>
+        <p:nvSpPr>
+          <p:cNvPr id="20" name="TextBox 19"/>
+          <p:cNvSpPr txBox="1"/>
+          <p:nvPr/>
+        </p:nvSpPr>
+        <p:spPr>
+          <a:xfrm>
+            <a:off x="7772400" y="4059936"/>
+            <a:ext cx="3017520" cy="256032"/>
+          </a:xfrm>
+          <a:prstGeom prst="rect">
+            <a:avLst/>
+          </a:prstGeom>
+          <a:noFill/>
+        </p:spPr>
+        <p:txBody>
+          <a:bodyPr wrap="square">
+            <a:spAutoFit/>
+          </a:bodyPr>
+          <a:lstStyle/>
+          <a:p>
+            <a:pPr algn="l">
+              <a:defRPr sz="1000" b="0">
+                <a:solidFill>
+                  <a:srgbClr val="3A5566"/>
+                </a:solidFill>
+              </a:defRPr>
+            </a:pPr>
+            <a:r>
+              <a:t>Use &amp; Occupancy</a:t>
+            </a:r>
+          </a:p>
+        </p:txBody>
+      </p:sp>
+      <p:sp>
+        <p:nvSpPr>
+          <p:cNvPr id="21" name="TextBox 20"/>
+          <p:cNvSpPr txBox="1"/>
+          <p:nvPr/>
+        </p:nvSpPr>
+        <p:spPr>
+          <a:xfrm>
+            <a:off x="10789920" y="4059936"/>
+            <a:ext cx="1097280" cy="256032"/>
+          </a:xfrm>
+          <a:prstGeom prst="rect">
+            <a:avLst/>
+          </a:prstGeom>
+          <a:noFill/>
+        </p:spPr>
+        <p:txBody>
+          <a:bodyPr wrap="square">
+            <a:spAutoFit/>
+          </a:bodyPr>
+          <a:lstStyle/>
+          <a:p>
+            <a:pPr algn="l">
+              <a:defRPr sz="1000" b="1">
+                <a:solidFill>
+                  <a:srgbClr val="3A5566"/>
+                </a:solidFill>
+              </a:defRPr>
+            </a:pPr>
+            <a:r>
+              <a:t>379</a:t>
+            </a:r>
+          </a:p>
+        </p:txBody>
+      </p:sp>
+      <p:sp>
+        <p:nvSpPr>
+          <p:cNvPr id="22" name="TextBox 21"/>
+          <p:cNvSpPr txBox="1"/>
+          <p:nvPr/>
+        </p:nvSpPr>
+        <p:spPr>
+          <a:xfrm>
+            <a:off x="7772400" y="4361688"/>
+            <a:ext cx="3017520" cy="256032"/>
+          </a:xfrm>
+          <a:prstGeom prst="rect">
+            <a:avLst/>
+          </a:prstGeom>
+          <a:noFill/>
+        </p:spPr>
+        <p:txBody>
+          <a:bodyPr wrap="square">
+            <a:spAutoFit/>
+          </a:bodyPr>
+          <a:lstStyle/>
+          <a:p>
+            <a:pPr algn="l">
+              <a:defRPr sz="1000" b="0">
+                <a:solidFill>
+                  <a:srgbClr val="3A5566"/>
+                </a:solidFill>
+              </a:defRPr>
+            </a:pPr>
+            <a:r>
+              <a:t>Addition</a:t>
+            </a:r>
+          </a:p>
+        </p:txBody>
+      </p:sp>
+      <p:sp>
+        <p:nvSpPr>
+          <p:cNvPr id="23" name="TextBox 22"/>
+          <p:cNvSpPr txBox="1"/>
+          <p:nvPr/>
+        </p:nvSpPr>
+        <p:spPr>
+          <a:xfrm>
+            <a:off x="10789920" y="4361688"/>
+            <a:ext cx="1097280" cy="256032"/>
+          </a:xfrm>
+          <a:prstGeom prst="rect">
+            <a:avLst/>
+          </a:prstGeom>
+          <a:noFill/>
+        </p:spPr>
+        <p:txBody>
+          <a:bodyPr wrap="square">
+            <a:spAutoFit/>
+          </a:bodyPr>
+          <a:lstStyle/>
+          <a:p>
+            <a:pPr algn="l">
+              <a:defRPr sz="1000" b="1">
+                <a:solidFill>
+                  <a:srgbClr val="3A5566"/>
+                </a:solidFill>
+              </a:defRPr>
+            </a:pPr>
+            <a:r>
+              <a:t>221</a:t>
+            </a:r>
+          </a:p>
+        </p:txBody>
+      </p:sp>
+      <p:sp>
+        <p:nvSpPr>
+          <p:cNvPr id="24" name="TextBox 23"/>
+          <p:cNvSpPr txBox="1"/>
+          <p:nvPr/>
+        </p:nvSpPr>
+        <p:spPr>
+          <a:xfrm>
+            <a:off x="7772400" y="4663440"/>
+            <a:ext cx="3017520" cy="256032"/>
+          </a:xfrm>
+          <a:prstGeom prst="rect">
+            <a:avLst/>
+          </a:prstGeom>
+          <a:noFill/>
+        </p:spPr>
+        <p:txBody>
+          <a:bodyPr wrap="square">
+            <a:spAutoFit/>
+          </a:bodyPr>
+          <a:lstStyle/>
+          <a:p>
+            <a:pPr algn="l">
+              <a:defRPr sz="1000" b="0">
+                <a:solidFill>
+                  <a:srgbClr val="3A5566"/>
+                </a:solidFill>
+              </a:defRPr>
+            </a:pPr>
+            <a:r>
+              <a:t>Commercial Rehab Storm Damage</a:t>
+            </a:r>
+          </a:p>
+        </p:txBody>
+      </p:sp>
+      <p:sp>
+        <p:nvSpPr>
+          <p:cNvPr id="25" name="TextBox 24"/>
+          <p:cNvSpPr txBox="1"/>
+          <p:nvPr/>
+        </p:nvSpPr>
+        <p:spPr>
+          <a:xfrm>
+            <a:off x="10789920" y="4663440"/>
+            <a:ext cx="1097280" cy="256032"/>
+          </a:xfrm>
+          <a:prstGeom prst="rect">
+            <a:avLst/>
+          </a:prstGeom>
+          <a:noFill/>
+        </p:spPr>
+        <p:txBody>
+          <a:bodyPr wrap="square">
+            <a:spAutoFit/>
+          </a:bodyPr>
+          <a:lstStyle/>
+          <a:p>
+            <a:pPr algn="l">
+              <a:defRPr sz="1000" b="1">
+                <a:solidFill>
+                  <a:srgbClr val="3A5566"/>
+                </a:solidFill>
+              </a:defRPr>
+            </a:pPr>
+            <a:r>
+              <a:t>97</a:t>
+            </a:r>
+          </a:p>
+        </p:txBody>
+      </p:sp>
+      <p:sp>
+        <p:nvSpPr>
+          <p:cNvPr id="26" name="TextBox 25"/>
+          <p:cNvSpPr txBox="1"/>
+          <p:nvPr/>
+        </p:nvSpPr>
+        <p:spPr>
+          <a:xfrm>
+            <a:off x="7772400" y="4965192"/>
+            <a:ext cx="3017520" cy="256032"/>
+          </a:xfrm>
+          <a:prstGeom prst="rect">
+            <a:avLst/>
+          </a:prstGeom>
+          <a:noFill/>
+        </p:spPr>
+        <p:txBody>
+          <a:bodyPr wrap="square">
+            <a:spAutoFit/>
+          </a:bodyPr>
+          <a:lstStyle/>
+          <a:p>
+            <a:pPr algn="l">
+              <a:defRPr sz="1000" b="0">
+                <a:solidFill>
+                  <a:srgbClr val="3A5566"/>
+                </a:solidFill>
+              </a:defRPr>
+            </a:pPr>
+            <a:r>
+              <a:t>Shell</a:t>
+            </a:r>
+          </a:p>
+        </p:txBody>
+      </p:sp>
+      <p:sp>
+        <p:nvSpPr>
+          <p:cNvPr id="27" name="TextBox 26"/>
+          <p:cNvSpPr txBox="1"/>
+          <p:nvPr/>
+        </p:nvSpPr>
+        <p:spPr>
+          <a:xfrm>
+            <a:off x="10789920" y="4965192"/>
+            <a:ext cx="1097280" cy="256032"/>
+          </a:xfrm>
+          <a:prstGeom prst="rect">
+            <a:avLst/>
+          </a:prstGeom>
+          <a:noFill/>
+        </p:spPr>
+        <p:txBody>
+          <a:bodyPr wrap="square">
+            <a:spAutoFit/>
+          </a:bodyPr>
+          <a:lstStyle/>
+          <a:p>
+            <a:pPr algn="l">
+              <a:defRPr sz="1000" b="1">
+                <a:solidFill>
+                  <a:srgbClr val="3A5566"/>
+                </a:solidFill>
+              </a:defRPr>
+            </a:pPr>
+            <a:r>
+              <a:t>96</a:t>
+            </a:r>
+          </a:p>
+        </p:txBody>
+      </p:sp>
+      <p:sp>
+        <p:nvSpPr>
+          <p:cNvPr id="28" name="TextBox 27"/>
+          <p:cNvSpPr txBox="1"/>
+          <p:nvPr/>
+        </p:nvSpPr>
+        <p:spPr>
+          <a:xfrm>
+            <a:off x="7772400" y="5266944"/>
+            <a:ext cx="3017520" cy="256032"/>
+          </a:xfrm>
+          <a:prstGeom prst="rect">
+            <a:avLst/>
+          </a:prstGeom>
+          <a:noFill/>
+        </p:spPr>
+        <p:txBody>
+          <a:bodyPr wrap="square">
+            <a:spAutoFit/>
+          </a:bodyPr>
+          <a:lstStyle/>
+          <a:p>
+            <a:pPr algn="l">
+              <a:defRPr sz="1000" b="0">
+                <a:solidFill>
+                  <a:srgbClr val="3A5566"/>
+                </a:solidFill>
+              </a:defRPr>
+            </a:pPr>
+            <a:r>
+              <a:t>Foundation</a:t>
+            </a:r>
+          </a:p>
+        </p:txBody>
+      </p:sp>
+      <p:sp>
+        <p:nvSpPr>
+          <p:cNvPr id="29" name="TextBox 28"/>
+          <p:cNvSpPr txBox="1"/>
+          <p:nvPr/>
+        </p:nvSpPr>
+        <p:spPr>
+          <a:xfrm>
+            <a:off x="10789920" y="5266944"/>
+            <a:ext cx="1097280" cy="256032"/>
+          </a:xfrm>
+          <a:prstGeom prst="rect">
+            <a:avLst/>
+          </a:prstGeom>
+          <a:noFill/>
+        </p:spPr>
+        <p:txBody>
+          <a:bodyPr wrap="square">
+            <a:spAutoFit/>
+          </a:bodyPr>
+          <a:lstStyle/>
+          <a:p>
+            <a:pPr algn="l">
+              <a:defRPr sz="1000" b="1">
+                <a:solidFill>
+                  <a:srgbClr val="3A5566"/>
+                </a:solidFill>
+              </a:defRPr>
+            </a:pPr>
+            <a:r>
+              <a:t>60</a:t>
+            </a:r>
+          </a:p>
+        </p:txBody>
+      </p:sp>
+      <p:sp>
+        <p:nvSpPr>
+          <p:cNvPr id="30" name="TextBox 29"/>
+          <p:cNvSpPr txBox="1"/>
+          <p:nvPr/>
+        </p:nvSpPr>
+        <p:spPr>
+          <a:xfrm>
+            <a:off x="7772400" y="5843016"/>
+            <a:ext cx="4114800" cy="274320"/>
+          </a:xfrm>
+          <a:prstGeom prst="rect">
+            <a:avLst/>
+          </a:prstGeom>
+          <a:noFill/>
+        </p:spPr>
+        <p:txBody>
+          <a:bodyPr wrap="square">
+            <a:spAutoFit/>
+          </a:bodyPr>
+          <a:lstStyle/>
+          <a:p>
+            <a:pPr algn="l">
+              <a:defRPr sz="1400" b="1">
+                <a:solidFill>
+                  <a:srgbClr val="3A5566"/>
+                </a:solidFill>
+              </a:defRPr>
+            </a:pPr>
+            <a:r>
+              <a:t>Key Insights</a:t>
+            </a:r>
+          </a:p>
+        </p:txBody>
+      </p:sp>
+      <p:sp>
+        <p:nvSpPr>
+          <p:cNvPr id="31" name="TextBox 30"/>
+          <p:cNvSpPr txBox="1"/>
+          <p:nvPr/>
+        </p:nvSpPr>
+        <p:spPr>
+          <a:xfrm>
+            <a:off x="7772400" y="6208776"/>
+            <a:ext cx="4114800" cy="228600"/>
+          </a:xfrm>
+          <a:prstGeom prst="rect">
+            <a:avLst/>
+          </a:prstGeom>
+          <a:noFill/>
+        </p:spPr>
+        <p:txBody>
+          <a:bodyPr wrap="square">
+            <a:spAutoFit/>
+          </a:bodyPr>
+          <a:lstStyle/>
+          <a:p>
+            <a:pPr algn="l">
+              <a:defRPr sz="950" b="0">
+                <a:solidFill>
+                  <a:srgbClr val="3A5566"/>
+                </a:solidFill>
+              </a:defRPr>
+            </a:pPr>
+            <a:r>
+              <a:t>  Peak activity: 2015 (539 permits), 2016 (508)</a:t>
+            </a:r>
+          </a:p>
+        </p:txBody>
+      </p:sp>
+      <p:sp>
+        <p:nvSpPr>
+          <p:cNvPr id="32" name="TextBox 31"/>
+          <p:cNvSpPr txBox="1"/>
+          <p:nvPr/>
+        </p:nvSpPr>
+        <p:spPr>
+          <a:xfrm>
+            <a:off x="7772400" y="6483096"/>
+            <a:ext cx="4114800" cy="228600"/>
+          </a:xfrm>
+          <a:prstGeom prst="rect">
+            <a:avLst/>
+          </a:prstGeom>
+          <a:noFill/>
+        </p:spPr>
+        <p:txBody>
+          <a:bodyPr wrap="square">
+            <a:spAutoFit/>
+          </a:bodyPr>
+          <a:lstStyle/>
+          <a:p>
+            <a:pPr algn="l">
+              <a:defRPr sz="950" b="0">
+                <a:solidFill>
+                  <a:srgbClr val="3A5566"/>
+                </a:solidFill>
+              </a:defRPr>
+            </a:pPr>
+            <a:r>
+              <a:t>  Highest construction value: 2022 ($597M)</a:t>
+            </a:r>
+          </a:p>
+        </p:txBody>
+      </p:sp>
+      <p:sp>
+        <p:nvSpPr>
+          <p:cNvPr id="33" name="TextBox 32"/>
+          <p:cNvSpPr txBox="1"/>
+          <p:nvPr/>
+        </p:nvSpPr>
+        <p:spPr>
+          <a:xfrm>
+            <a:off x="7772400" y="6757416"/>
+            <a:ext cx="4114800" cy="228600"/>
+          </a:xfrm>
+          <a:prstGeom prst="rect">
+            <a:avLst/>
+          </a:prstGeom>
+          <a:noFill/>
+        </p:spPr>
+        <p:txBody>
+          <a:bodyPr wrap="square">
+            <a:spAutoFit/>
+          </a:bodyPr>
+          <a:lstStyle/>
+          <a:p>
+            <a:pPr algn="l">
+              <a:defRPr sz="950" b="0">
+                <a:solidFill>
+                  <a:srgbClr val="3A5566"/>
+                </a:solidFill>
+              </a:defRPr>
+            </a:pPr>
+            <a:r>
+              <a:t>  Rehab permits dominate (72% of all permits)</a:t>
+            </a:r>
+          </a:p>
+        </p:txBody>
+      </p:sp>
+      <p:sp>
+        <p:nvSpPr>
+          <p:cNvPr id="34" name="TextBox 33"/>
+          <p:cNvSpPr txBox="1"/>
+          <p:nvPr/>
+        </p:nvSpPr>
+        <p:spPr>
+          <a:xfrm>
+            <a:off x="7772400" y="7031736"/>
+            <a:ext cx="4114800" cy="228600"/>
+          </a:xfrm>
+          <a:prstGeom prst="rect">
+            <a:avLst/>
+          </a:prstGeom>
+          <a:noFill/>
+        </p:spPr>
+        <p:txBody>
+          <a:bodyPr wrap="square">
+            <a:spAutoFit/>
+          </a:bodyPr>
+          <a:lstStyle/>
+          <a:p>
+            <a:pPr algn="l">
+              <a:defRPr sz="950" b="0">
+                <a:solidFill>
+                  <a:srgbClr val="3A5566"/>
+                </a:solidFill>
+              </a:defRPr>
+            </a:pPr>
+            <a:r>
+              <a:t>  New construction: 394 permits (5% of total)</a:t>
+            </a:r>
+          </a:p>
+        </p:txBody>
+      </p:sp>
+      <p:sp>
+        <p:nvSpPr>
+          <p:cNvPr id="35" name="TextBox 34"/>
+          <p:cNvSpPr txBox="1"/>
+          <p:nvPr/>
+        </p:nvSpPr>
+        <p:spPr>
+          <a:xfrm>
+            <a:off x="7772400" y="7306056"/>
+            <a:ext cx="4114800" cy="228600"/>
+          </a:xfrm>
+          <a:prstGeom prst="rect">
+            <a:avLst/>
+          </a:prstGeom>
+          <a:noFill/>
+        </p:spPr>
+        <p:txBody>
+          <a:bodyPr wrap="square">
+            <a:spAutoFit/>
+          </a:bodyPr>
+          <a:lstStyle/>
+          <a:p>
+            <a:pPr algn="l">
+              <a:defRPr sz="950" b="0">
+                <a:solidFill>
+                  <a:srgbClr val="3A5566"/>
+                </a:solidFill>
+              </a:defRPr>
+            </a:pPr>
+            <a:r>
+              <a:t>  Consistent ~400-500 permits/year since 2010</a:t>
+            </a:r>
+          </a:p>
+        </p:txBody>
+      </p:sp>
+    </p:spTree>
+  </p:cSld>
+  <p:clrMapOvr>
+    <a:masterClrMapping/>
+  </p:clrMapOvr>
+</p:sld>
+</file>
+
+<file path=ppt/slides/slide14.xml><?xml version="1.0" encoding="utf-8"?>
+<p:sld xmlns:a="http://schemas.openxmlformats.org/drawingml/2006/main" xmlns:p="http://schemas.openxmlformats.org/presentationml/2006/main" xmlns:r="http://schemas.openxmlformats.org/officeDocument/2006/relationships">
+  <p:cSld>
+    <p:bg>
+      <p:bgPr>
+        <a:solidFill>
+          <a:srgbClr val="FFFFFF"/>
+        </a:solidFill>
+        <a:effectLst/>
+      </p:bgPr>
+    </p:bg>
+    <p:spTree>
+      <p:nvGrpSpPr>
+        <p:cNvPr id="1" name=""/>
+        <p:cNvGrpSpPr/>
+        <p:nvPr/>
+      </p:nvGrpSpPr>
+      <p:grpSpPr/>
+      <p:sp>
+        <p:nvSpPr>
+          <p:cNvPr id="2" name="Rectangle 1"/>
+          <p:cNvSpPr/>
+          <p:nvPr/>
+        </p:nvSpPr>
+        <p:spPr>
+          <a:xfrm>
+            <a:off x="0" y="0"/>
+            <a:ext cx="12191695" cy="777240"/>
+          </a:xfrm>
+          <a:prstGeom prst="rect">
+            <a:avLst/>
+          </a:prstGeom>
+          <a:solidFill>
+            <a:srgbClr val="3A5566"/>
+          </a:solidFill>
+          <a:ln>
+            <a:noFill/>
+          </a:ln>
+        </p:spPr>
+        <p:style>
+          <a:lnRef idx="1">
+            <a:schemeClr val="accent1"/>
+          </a:lnRef>
+          <a:fillRef idx="3">
+            <a:schemeClr val="accent1"/>
+          </a:fillRef>
+          <a:effectRef idx="2">
+            <a:schemeClr val="accent1"/>
+          </a:effectRef>
+          <a:fontRef idx="minor">
+            <a:schemeClr val="lt1"/>
+          </a:fontRef>
+        </p:style>
+        <p:txBody>
           <a:bodyPr rtlCol="0" anchor="ctr"/>
           <a:lstStyle/>
           <a:p>
+            <a:pPr algn="ctr"/>
+          </a:p>
+        </p:txBody>
+      </p:sp>
+      <p:sp>
+        <p:nvSpPr>
+          <p:cNvPr id="3" name="TextBox 2"/>
+          <p:cNvSpPr txBox="1"/>
+          <p:nvPr/>
+        </p:nvSpPr>
+        <p:spPr>
+          <a:xfrm>
+            <a:off x="457200" y="109728"/>
+            <a:ext cx="10972800" cy="411480"/>
+          </a:xfrm>
+          <a:prstGeom prst="rect">
+            <a:avLst/>
+          </a:prstGeom>
+          <a:noFill/>
+        </p:spPr>
+        <p:txBody>
+          <a:bodyPr wrap="square">
+            <a:spAutoFit/>
+          </a:bodyPr>
+          <a:lstStyle/>
+          <a:p>
+            <a:pPr algn="l">
+              <a:defRPr sz="2600" b="1">
+                <a:solidFill>
+                  <a:srgbClr val="FFFFFF"/>
+                </a:solidFill>
+              </a:defRPr>
+            </a:pPr>
+            <a:r>
+              <a:t>Office Construction Value Trends</a:t>
+            </a:r>
+          </a:p>
+        </p:txBody>
+      </p:sp>
+      <p:sp>
+        <p:nvSpPr>
+          <p:cNvPr id="4" name="TextBox 3"/>
+          <p:cNvSpPr txBox="1"/>
+          <p:nvPr/>
+        </p:nvSpPr>
+        <p:spPr>
+          <a:xfrm>
+            <a:off x="457200" y="438912"/>
+            <a:ext cx="10972800" cy="274320"/>
+          </a:xfrm>
+          <a:prstGeom prst="rect">
+            <a:avLst/>
+          </a:prstGeom>
+          <a:noFill/>
+        </p:spPr>
+        <p:txBody>
+          <a:bodyPr wrap="square">
+            <a:spAutoFit/>
+          </a:bodyPr>
+          <a:lstStyle/>
+          <a:p>
+            <a:pPr algn="l">
+              <a:defRPr sz="1200" b="0">
+                <a:solidFill>
+                  <a:srgbClr val="CBB279"/>
+                </a:solidFill>
+              </a:defRPr>
+            </a:pPr>
+            <a:r>
+              <a:t>Total Construction Value by Year  |  Davidson County, Nashville, TN</a:t>
+            </a:r>
+          </a:p>
+        </p:txBody>
+      </p:sp>
+      <p:graphicFrame>
+        <p:nvGraphicFramePr>
+          <p:cNvPr id="5" name="Chart 4"/>
+          <p:cNvGraphicFramePr>
+            <a:graphicFrameLocks noGrp="1"/>
+          </p:cNvGraphicFramePr>
+          <p:nvPr/>
+        </p:nvGraphicFramePr>
+        <p:xfrm>
+          <a:off x="457200" y="1097280"/>
+          <a:ext cx="11247120" cy="3657600"/>
+        </p:xfrm>
+        <a:graphic>
+          <a:graphicData uri="http://schemas.openxmlformats.org/drawingml/2006/chart">
+            <c:chart xmlns:c="http://schemas.openxmlformats.org/drawingml/2006/chart" r:id="rId2"/>
+          </a:graphicData>
+        </a:graphic>
+      </p:graphicFrame>
+      <p:sp>
+        <p:nvSpPr>
+          <p:cNvPr id="6" name="TextBox 5"/>
+          <p:cNvSpPr txBox="1"/>
+          <p:nvPr/>
+        </p:nvSpPr>
+        <p:spPr>
+          <a:xfrm>
+            <a:off x="457200" y="5029200"/>
+            <a:ext cx="10972800" cy="365760"/>
+          </a:xfrm>
+          <a:prstGeom prst="rect">
+            <a:avLst/>
+          </a:prstGeom>
+          <a:noFill/>
+        </p:spPr>
+        <p:txBody>
+          <a:bodyPr wrap="square">
+            <a:spAutoFit/>
+          </a:bodyPr>
+          <a:lstStyle/>
+          <a:p>
+            <a:pPr algn="l">
+              <a:defRPr sz="1600" b="1">
+                <a:solidFill>
+                  <a:srgbClr val="3A5566"/>
+                </a:solidFill>
+              </a:defRPr>
+            </a:pPr>
+            <a:r>
+              <a:t>Construction Value Highlights</a:t>
+            </a:r>
+          </a:p>
+        </p:txBody>
+      </p:sp>
+      <p:sp>
+        <p:nvSpPr>
+          <p:cNvPr id="7" name="Rectangle 6"/>
+          <p:cNvSpPr/>
+          <p:nvPr/>
+        </p:nvSpPr>
+        <p:spPr>
+          <a:xfrm>
+            <a:off x="457200" y="5486400"/>
+            <a:ext cx="1737360" cy="1005840"/>
+          </a:xfrm>
+          <a:prstGeom prst="rect">
+            <a:avLst/>
+          </a:prstGeom>
+          <a:solidFill>
+            <a:srgbClr val="F2F0ED"/>
+          </a:solidFill>
+          <a:ln>
+            <a:solidFill>
+              <a:srgbClr val="E2E2E0"/>
+            </a:solidFill>
+          </a:ln>
+        </p:spPr>
+        <p:style>
+          <a:lnRef idx="1">
+            <a:schemeClr val="accent1"/>
+          </a:lnRef>
+          <a:fillRef idx="3">
+            <a:schemeClr val="accent1"/>
+          </a:fillRef>
+          <a:effectRef idx="2">
+            <a:schemeClr val="accent1"/>
+          </a:effectRef>
+          <a:fontRef idx="minor">
+            <a:schemeClr val="lt1"/>
+          </a:fontRef>
+        </p:style>
+        <p:txBody>
+          <a:bodyPr rtlCol="0" anchor="ctr" wrap="square"/>
+          <a:lstStyle/>
+          <a:p>
             <a:pPr algn="ctr">
-              <a:defRPr sz="1400" b="1">
+              <a:defRPr sz="1800" b="1">
+                <a:solidFill>
+                  <a:srgbClr val="2E7D32"/>
+                </a:solidFill>
+              </a:defRPr>
+            </a:pPr>
+            <a:r>
+              <a:t>$187M</a:t>
+            </a:r>
+          </a:p>
+          <a:p>
+            <a:pPr algn="ctr">
+              <a:defRPr sz="1200" b="1">
+                <a:solidFill>
+                  <a:srgbClr val="3A5566"/>
+                </a:solidFill>
+              </a:defRPr>
+            </a:pPr>
+            <a:r>
+              <a:t>2007</a:t>
+            </a:r>
+          </a:p>
+          <a:p>
+            <a:pPr algn="ctr">
+              <a:defRPr sz="800">
+                <a:solidFill>
+                  <a:srgbClr val="706F6C"/>
+                </a:solidFill>
+              </a:defRPr>
+            </a:pPr>
+            <a:r>
+              <a:t>Early boom period</a:t>
+            </a:r>
+          </a:p>
+        </p:txBody>
+      </p:sp>
+      <p:sp>
+        <p:nvSpPr>
+          <p:cNvPr id="8" name="Rectangle 7"/>
+          <p:cNvSpPr/>
+          <p:nvPr/>
+        </p:nvSpPr>
+        <p:spPr>
+          <a:xfrm>
+            <a:off x="2377440" y="5486400"/>
+            <a:ext cx="1737360" cy="1005840"/>
+          </a:xfrm>
+          <a:prstGeom prst="rect">
+            <a:avLst/>
+          </a:prstGeom>
+          <a:solidFill>
+            <a:srgbClr val="F2F0ED"/>
+          </a:solidFill>
+          <a:ln>
+            <a:solidFill>
+              <a:srgbClr val="E2E2E0"/>
+            </a:solidFill>
+          </a:ln>
+        </p:spPr>
+        <p:style>
+          <a:lnRef idx="1">
+            <a:schemeClr val="accent1"/>
+          </a:lnRef>
+          <a:fillRef idx="3">
+            <a:schemeClr val="accent1"/>
+          </a:fillRef>
+          <a:effectRef idx="2">
+            <a:schemeClr val="accent1"/>
+          </a:effectRef>
+          <a:fontRef idx="minor">
+            <a:schemeClr val="lt1"/>
+          </a:fontRef>
+        </p:style>
+        <p:txBody>
+          <a:bodyPr rtlCol="0" anchor="ctr" wrap="square"/>
+          <a:lstStyle/>
+          <a:p>
+            <a:pPr algn="ctr">
+              <a:defRPr sz="1800" b="1">
+                <a:solidFill>
+                  <a:srgbClr val="2E7D32"/>
+                </a:solidFill>
+              </a:defRPr>
+            </a:pPr>
+            <a:r>
+              <a:t>$348M</a:t>
+            </a:r>
+          </a:p>
+          <a:p>
+            <a:pPr algn="ctr">
+              <a:defRPr sz="1200" b="1">
+                <a:solidFill>
+                  <a:srgbClr val="3A5566"/>
+                </a:solidFill>
+              </a:defRPr>
+            </a:pPr>
+            <a:r>
+              <a:t>2015</a:t>
+            </a:r>
+          </a:p>
+          <a:p>
+            <a:pPr algn="ctr">
+              <a:defRPr sz="800">
+                <a:solidFill>
+                  <a:srgbClr val="706F6C"/>
+                </a:solidFill>
+              </a:defRPr>
+            </a:pPr>
+            <a:r>
+              <a:t>Post-recession surge</a:t>
+            </a:r>
+          </a:p>
+        </p:txBody>
+      </p:sp>
+      <p:sp>
+        <p:nvSpPr>
+          <p:cNvPr id="9" name="Rectangle 8"/>
+          <p:cNvSpPr/>
+          <p:nvPr/>
+        </p:nvSpPr>
+        <p:spPr>
+          <a:xfrm>
+            <a:off x="4297680" y="5486400"/>
+            <a:ext cx="1737360" cy="1005840"/>
+          </a:xfrm>
+          <a:prstGeom prst="rect">
+            <a:avLst/>
+          </a:prstGeom>
+          <a:solidFill>
+            <a:srgbClr val="F2F0ED"/>
+          </a:solidFill>
+          <a:ln>
+            <a:solidFill>
+              <a:srgbClr val="E2E2E0"/>
+            </a:solidFill>
+          </a:ln>
+        </p:spPr>
+        <p:style>
+          <a:lnRef idx="1">
+            <a:schemeClr val="accent1"/>
+          </a:lnRef>
+          <a:fillRef idx="3">
+            <a:schemeClr val="accent1"/>
+          </a:fillRef>
+          <a:effectRef idx="2">
+            <a:schemeClr val="accent1"/>
+          </a:effectRef>
+          <a:fontRef idx="minor">
+            <a:schemeClr val="lt1"/>
+          </a:fontRef>
+        </p:style>
+        <p:txBody>
+          <a:bodyPr rtlCol="0" anchor="ctr" wrap="square"/>
+          <a:lstStyle/>
+          <a:p>
+            <a:pPr algn="ctr">
+              <a:defRPr sz="1800" b="1">
+                <a:solidFill>
+                  <a:srgbClr val="2E7D32"/>
+                </a:solidFill>
+              </a:defRPr>
+            </a:pPr>
+            <a:r>
+              <a:t>$410M</a:t>
+            </a:r>
+          </a:p>
+          <a:p>
+            <a:pPr algn="ctr">
+              <a:defRPr sz="1200" b="1">
+                <a:solidFill>
+                  <a:srgbClr val="3A5566"/>
+                </a:solidFill>
+              </a:defRPr>
+            </a:pPr>
+            <a:r>
+              <a:t>2017</a:t>
+            </a:r>
+          </a:p>
+          <a:p>
+            <a:pPr algn="ctr">
+              <a:defRPr sz="800">
+                <a:solidFill>
+                  <a:srgbClr val="706F6C"/>
+                </a:solidFill>
+              </a:defRPr>
+            </a:pPr>
+            <a:r>
+              <a:t>Peak pre-COVID</a:t>
+            </a:r>
+          </a:p>
+        </p:txBody>
+      </p:sp>
+      <p:sp>
+        <p:nvSpPr>
+          <p:cNvPr id="10" name="Rectangle 9"/>
+          <p:cNvSpPr/>
+          <p:nvPr/>
+        </p:nvSpPr>
+        <p:spPr>
+          <a:xfrm>
+            <a:off x="6217920" y="5486400"/>
+            <a:ext cx="1737360" cy="1005840"/>
+          </a:xfrm>
+          <a:prstGeom prst="rect">
+            <a:avLst/>
+          </a:prstGeom>
+          <a:solidFill>
+            <a:srgbClr val="F2F0ED"/>
+          </a:solidFill>
+          <a:ln>
+            <a:solidFill>
+              <a:srgbClr val="E2E2E0"/>
+            </a:solidFill>
+          </a:ln>
+        </p:spPr>
+        <p:style>
+          <a:lnRef idx="1">
+            <a:schemeClr val="accent1"/>
+          </a:lnRef>
+          <a:fillRef idx="3">
+            <a:schemeClr val="accent1"/>
+          </a:fillRef>
+          <a:effectRef idx="2">
+            <a:schemeClr val="accent1"/>
+          </a:effectRef>
+          <a:fontRef idx="minor">
+            <a:schemeClr val="lt1"/>
+          </a:fontRef>
+        </p:style>
+        <p:txBody>
+          <a:bodyPr rtlCol="0" anchor="ctr" wrap="square"/>
+          <a:lstStyle/>
+          <a:p>
+            <a:pPr algn="ctr">
+              <a:defRPr sz="1800" b="1">
+                <a:solidFill>
+                  <a:srgbClr val="2E7D32"/>
+                </a:solidFill>
+              </a:defRPr>
+            </a:pPr>
+            <a:r>
+              <a:t>$531M</a:t>
+            </a:r>
+          </a:p>
+          <a:p>
+            <a:pPr algn="ctr">
+              <a:defRPr sz="1200" b="1">
+                <a:solidFill>
+                  <a:srgbClr val="3A5566"/>
+                </a:solidFill>
+              </a:defRPr>
+            </a:pPr>
+            <a:r>
+              <a:t>2018</a:t>
+            </a:r>
+          </a:p>
+          <a:p>
+            <a:pPr algn="ctr">
+              <a:defRPr sz="800">
+                <a:solidFill>
+                  <a:srgbClr val="706F6C"/>
+                </a:solidFill>
+              </a:defRPr>
+            </a:pPr>
+            <a:r>
+              <a:t>Record high</a:t>
+            </a:r>
+          </a:p>
+        </p:txBody>
+      </p:sp>
+      <p:sp>
+        <p:nvSpPr>
+          <p:cNvPr id="11" name="Rectangle 10"/>
+          <p:cNvSpPr/>
+          <p:nvPr/>
+        </p:nvSpPr>
+        <p:spPr>
+          <a:xfrm>
+            <a:off x="8138160" y="5486400"/>
+            <a:ext cx="1737360" cy="1005840"/>
+          </a:xfrm>
+          <a:prstGeom prst="rect">
+            <a:avLst/>
+          </a:prstGeom>
+          <a:solidFill>
+            <a:srgbClr val="F2F0ED"/>
+          </a:solidFill>
+          <a:ln>
+            <a:solidFill>
+              <a:srgbClr val="E2E2E0"/>
+            </a:solidFill>
+          </a:ln>
+        </p:spPr>
+        <p:style>
+          <a:lnRef idx="1">
+            <a:schemeClr val="accent1"/>
+          </a:lnRef>
+          <a:fillRef idx="3">
+            <a:schemeClr val="accent1"/>
+          </a:fillRef>
+          <a:effectRef idx="2">
+            <a:schemeClr val="accent1"/>
+          </a:effectRef>
+          <a:fontRef idx="minor">
+            <a:schemeClr val="lt1"/>
+          </a:fontRef>
+        </p:style>
+        <p:txBody>
+          <a:bodyPr rtlCol="0" anchor="ctr" wrap="square"/>
+          <a:lstStyle/>
+          <a:p>
+            <a:pPr algn="ctr">
+              <a:defRPr sz="1800" b="1">
+                <a:solidFill>
+                  <a:srgbClr val="2E7D32"/>
+                </a:solidFill>
+              </a:defRPr>
+            </a:pPr>
+            <a:r>
+              <a:t>$475M</a:t>
+            </a:r>
+          </a:p>
+          <a:p>
+            <a:pPr algn="ctr">
+              <a:defRPr sz="1200" b="1">
+                <a:solidFill>
+                  <a:srgbClr val="3A5566"/>
+                </a:solidFill>
+              </a:defRPr>
+            </a:pPr>
+            <a:r>
+              <a:t>2020</a:t>
+            </a:r>
+          </a:p>
+          <a:p>
+            <a:pPr algn="ctr">
+              <a:defRPr sz="800">
+                <a:solidFill>
+                  <a:srgbClr val="706F6C"/>
+                </a:solidFill>
+              </a:defRPr>
+            </a:pPr>
+            <a:r>
+              <a:t>Resilience through COVID</a:t>
+            </a:r>
+          </a:p>
+        </p:txBody>
+      </p:sp>
+      <p:sp>
+        <p:nvSpPr>
+          <p:cNvPr id="12" name="Rectangle 11"/>
+          <p:cNvSpPr/>
+          <p:nvPr/>
+        </p:nvSpPr>
+        <p:spPr>
+          <a:xfrm>
+            <a:off x="10058400" y="5486400"/>
+            <a:ext cx="1737360" cy="1005840"/>
+          </a:xfrm>
+          <a:prstGeom prst="rect">
+            <a:avLst/>
+          </a:prstGeom>
+          <a:solidFill>
+            <a:srgbClr val="F2F0ED"/>
+          </a:solidFill>
+          <a:ln>
+            <a:solidFill>
+              <a:srgbClr val="E2E2E0"/>
+            </a:solidFill>
+          </a:ln>
+        </p:spPr>
+        <p:style>
+          <a:lnRef idx="1">
+            <a:schemeClr val="accent1"/>
+          </a:lnRef>
+          <a:fillRef idx="3">
+            <a:schemeClr val="accent1"/>
+          </a:fillRef>
+          <a:effectRef idx="2">
+            <a:schemeClr val="accent1"/>
+          </a:effectRef>
+          <a:fontRef idx="minor">
+            <a:schemeClr val="lt1"/>
+          </a:fontRef>
+        </p:style>
+        <p:txBody>
+          <a:bodyPr rtlCol="0" anchor="ctr" wrap="square"/>
+          <a:lstStyle/>
+          <a:p>
+            <a:pPr algn="ctr">
+              <a:defRPr sz="1800" b="1">
+                <a:solidFill>
+                  <a:srgbClr val="2E7D32"/>
+                </a:solidFill>
+              </a:defRPr>
+            </a:pPr>
+            <a:r>
+              <a:t>$597M</a:t>
+            </a:r>
+          </a:p>
+          <a:p>
+            <a:pPr algn="ctr">
+              <a:defRPr sz="1200" b="1">
+                <a:solidFill>
+                  <a:srgbClr val="3A5566"/>
+                </a:solidFill>
+              </a:defRPr>
+            </a:pPr>
+            <a:r>
+              <a:t>2022</a:t>
+            </a:r>
+          </a:p>
+          <a:p>
+            <a:pPr algn="ctr">
+              <a:defRPr sz="800">
+                <a:solidFill>
+                  <a:srgbClr val="706F6C"/>
+                </a:solidFill>
+              </a:defRPr>
+            </a:pPr>
+            <a:r>
+              <a:t>All-time record</a:t>
+            </a:r>
+          </a:p>
+        </p:txBody>
+      </p:sp>
+    </p:spTree>
+  </p:cSld>
+  <p:clrMapOvr>
+    <a:masterClrMapping/>
+  </p:clrMapOvr>
+</p:sld>
+</file>
+
+<file path=ppt/slides/slide2.xml><?xml version="1.0" encoding="utf-8"?>
+<p:sld xmlns:a="http://schemas.openxmlformats.org/drawingml/2006/main" xmlns:p="http://schemas.openxmlformats.org/presentationml/2006/main" xmlns:r="http://schemas.openxmlformats.org/officeDocument/2006/relationships">
+  <p:cSld>
+    <p:bg>
+      <p:bgPr>
+        <a:solidFill>
+          <a:srgbClr val="FFFFFF"/>
+        </a:solidFill>
+        <a:effectLst/>
+      </p:bgPr>
+    </p:bg>
+    <p:spTree>
+      <p:nvGrpSpPr>
+        <p:cNvPr id="1" name=""/>
+        <p:cNvGrpSpPr/>
+        <p:nvPr/>
+      </p:nvGrpSpPr>
+      <p:grpSpPr/>
+      <p:sp>
+        <p:nvSpPr>
+          <p:cNvPr id="2" name="Rectangle 1"/>
+          <p:cNvSpPr/>
+          <p:nvPr/>
+        </p:nvSpPr>
+        <p:spPr>
+          <a:xfrm>
+            <a:off x="0" y="0"/>
+            <a:ext cx="12191695" cy="777240"/>
+          </a:xfrm>
+          <a:prstGeom prst="rect">
+            <a:avLst/>
+          </a:prstGeom>
+          <a:solidFill>
+            <a:srgbClr val="3A5566"/>
+          </a:solidFill>
+          <a:ln>
+            <a:noFill/>
+          </a:ln>
+        </p:spPr>
+        <p:style>
+          <a:lnRef idx="1">
+            <a:schemeClr val="accent1"/>
+          </a:lnRef>
+          <a:fillRef idx="3">
+            <a:schemeClr val="accent1"/>
+          </a:fillRef>
+          <a:effectRef idx="2">
+            <a:schemeClr val="accent1"/>
+          </a:effectRef>
+          <a:fontRef idx="minor">
+            <a:schemeClr val="lt1"/>
+          </a:fontRef>
+        </p:style>
+        <p:txBody>
+          <a:bodyPr rtlCol="0" anchor="ctr"/>
+          <a:lstStyle/>
+          <a:p>
+            <a:pPr algn="ctr"/>
+          </a:p>
+        </p:txBody>
+      </p:sp>
+      <p:sp>
+        <p:nvSpPr>
+          <p:cNvPr id="3" name="TextBox 2"/>
+          <p:cNvSpPr txBox="1"/>
+          <p:nvPr/>
+        </p:nvSpPr>
+        <p:spPr>
+          <a:xfrm>
+            <a:off x="457200" y="137160"/>
+            <a:ext cx="10972800" cy="457200"/>
+          </a:xfrm>
+          <a:prstGeom prst="rect">
+            <a:avLst/>
+          </a:prstGeom>
+          <a:noFill/>
+        </p:spPr>
+        <p:txBody>
+          <a:bodyPr wrap="none">
+            <a:spAutoFit/>
+          </a:bodyPr>
+          <a:lstStyle/>
+          <a:p>
+            <a:pPr>
+              <a:defRPr sz="2600" b="1">
                 <a:solidFill>
                   <a:srgbClr val="FFFFFF"/>
                 </a:solidFill>
               </a:defRPr>
             </a:pPr>
             <a:r>
-              <a:t>#1</a:t>
-            </a:r>
-          </a:p>
-        </p:txBody>
-      </p:sp>
-      <p:sp>
-        <p:nvSpPr>
-          <p:cNvPr id="7" name="TextBox 6"/>
-          <p:cNvSpPr txBox="1"/>
-          <p:nvPr/>
-        </p:nvSpPr>
-        <p:spPr>
-          <a:xfrm>
-            <a:off x="1005840" y="1051560"/>
-            <a:ext cx="3027578" cy="320040"/>
-          </a:xfrm>
-          <a:prstGeom prst="rect">
-            <a:avLst/>
-          </a:prstGeom>
-          <a:noFill/>
-        </p:spPr>
-        <p:txBody>
-          <a:bodyPr wrap="square">
-            <a:spAutoFit/>
-          </a:bodyPr>
-          <a:lstStyle/>
-          <a:p>
-            <a:pPr algn="l">
-              <a:defRPr sz="1500" b="1">
-                <a:solidFill>
-                  <a:srgbClr val="3A5566"/>
-                </a:solidFill>
-              </a:defRPr>
-            </a:pPr>
-            <a:r>
-              <a:t>636 Grassmere Park</a:t>
-            </a:r>
-          </a:p>
-        </p:txBody>
-      </p:sp>
-      <p:sp>
-        <p:nvSpPr>
-          <p:cNvPr id="8" name="TextBox 7"/>
-          <p:cNvSpPr txBox="1"/>
-          <p:nvPr/>
-        </p:nvSpPr>
-        <p:spPr>
-          <a:xfrm>
-            <a:off x="1005840" y="1307592"/>
-            <a:ext cx="3027578" cy="228600"/>
-          </a:xfrm>
-          <a:prstGeom prst="rect">
-            <a:avLst/>
-          </a:prstGeom>
-          <a:noFill/>
-        </p:spPr>
-        <p:txBody>
-          <a:bodyPr wrap="square">
-            <a:spAutoFit/>
-          </a:bodyPr>
-          <a:lstStyle/>
-          <a:p>
-            <a:pPr algn="l">
-              <a:defRPr sz="950" b="0">
-                <a:solidFill>
-                  <a:srgbClr val="706F6C"/>
-                </a:solidFill>
-              </a:defRPr>
-            </a:pPr>
-            <a:r>
-              <a:t>Nashville, TN  |  Score: 95/100</a:t>
+              <a:t>Comparable Sales Map — Davidson County, Nashville, TN</a:t>
+            </a:r>
+          </a:p>
+        </p:txBody>
+      </p:sp>
+      <p:sp>
+        <p:nvSpPr>
+          <p:cNvPr id="4" name="TextBox 3"/>
+          <p:cNvSpPr txBox="1"/>
+          <p:nvPr/>
+        </p:nvSpPr>
+        <p:spPr>
+          <a:xfrm>
+            <a:off x="457200" y="457200"/>
+            <a:ext cx="10972800" cy="274320"/>
+          </a:xfrm>
+          <a:prstGeom prst="rect">
+            <a:avLst/>
+          </a:prstGeom>
+          <a:noFill/>
+        </p:spPr>
+        <p:txBody>
+          <a:bodyPr wrap="none">
+            <a:spAutoFit/>
+          </a:bodyPr>
+          <a:lstStyle/>
+          <a:p>
+            <a:pPr>
+              <a:defRPr sz="1200">
+                <a:solidFill>
+                  <a:srgbClr val="CBB279"/>
+                </a:solidFill>
+              </a:defRPr>
+            </a:pPr>
+            <a:r>
+              <a:t>648 Grassmere Park  |  20 Comparable Properties  |  Interactive Map: nataliebaldacci.github.io/RE_Final_Case</a:t>
             </a:r>
           </a:p>
         </p:txBody>
       </p:sp>
       <p:pic>
         <p:nvPicPr>
-          <p:cNvPr id="9" name="Picture 8" descr="rank1_photo.jpg"/>
+          <p:cNvPr id="5" name="Picture 4" descr="map_screenshot.png"/>
           <p:cNvPicPr>
             <a:picLocks noChangeAspect="1"/>
           </p:cNvPicPr>
@@ -5562,903 +9959,14 @@
         </p:blipFill>
         <p:spPr>
           <a:xfrm>
-            <a:off x="457200" y="1600200"/>
-            <a:ext cx="3393338" cy="1920240"/>
+            <a:off x="274320" y="960120"/>
+            <a:ext cx="11643055" cy="5715000"/>
           </a:xfrm>
           <a:prstGeom prst="rect">
             <a:avLst/>
           </a:prstGeom>
         </p:spPr>
       </p:pic>
-      <p:pic>
-        <p:nvPicPr>
-          <p:cNvPr id="10" name="Picture 9" descr="rank1_sketch.jpg"/>
-          <p:cNvPicPr>
-            <a:picLocks noChangeAspect="1"/>
-          </p:cNvPicPr>
-          <p:nvPr/>
-        </p:nvPicPr>
-        <p:blipFill>
-          <a:blip r:embed="rId3"/>
-          <a:stretch>
-            <a:fillRect/>
-          </a:stretch>
-        </p:blipFill>
-        <p:spPr>
-          <a:xfrm>
-            <a:off x="457200" y="3611879"/>
-            <a:ext cx="3393338" cy="1463040"/>
-          </a:xfrm>
-          <a:prstGeom prst="rect">
-            <a:avLst/>
-          </a:prstGeom>
-        </p:spPr>
-      </p:pic>
-      <p:sp>
-        <p:nvSpPr>
-          <p:cNvPr id="11" name="TextBox 10"/>
-          <p:cNvSpPr txBox="1"/>
-          <p:nvPr/>
-        </p:nvSpPr>
-        <p:spPr>
-          <a:xfrm>
-            <a:off x="457200" y="5212079"/>
-            <a:ext cx="3393338" cy="237744"/>
-          </a:xfrm>
-          <a:prstGeom prst="rect">
-            <a:avLst/>
-          </a:prstGeom>
-          <a:noFill/>
-        </p:spPr>
-        <p:txBody>
-          <a:bodyPr wrap="square">
-            <a:spAutoFit/>
-          </a:bodyPr>
-          <a:lstStyle/>
-          <a:p>
-            <a:pPr algn="l">
-              <a:defRPr sz="1050" b="1">
-                <a:solidFill>
-                  <a:srgbClr val="3A5566"/>
-                </a:solidFill>
-              </a:defRPr>
-            </a:pPr>
-            <a:r>
-              <a:t>$15,000,000  (2022)</a:t>
-            </a:r>
-          </a:p>
-        </p:txBody>
-      </p:sp>
-      <p:sp>
-        <p:nvSpPr>
-          <p:cNvPr id="12" name="TextBox 11"/>
-          <p:cNvSpPr txBox="1"/>
-          <p:nvPr/>
-        </p:nvSpPr>
-        <p:spPr>
-          <a:xfrm>
-            <a:off x="457200" y="5440679"/>
-            <a:ext cx="3393338" cy="237744"/>
-          </a:xfrm>
-          <a:prstGeom prst="rect">
-            <a:avLst/>
-          </a:prstGeom>
-          <a:noFill/>
-        </p:spPr>
-        <p:txBody>
-          <a:bodyPr wrap="square">
-            <a:spAutoFit/>
-          </a:bodyPr>
-          <a:lstStyle/>
-          <a:p>
-            <a:pPr algn="l">
-              <a:defRPr sz="1050" b="0">
-                <a:solidFill>
-                  <a:srgbClr val="3A5566"/>
-                </a:solidFill>
-              </a:defRPr>
-            </a:pPr>
-            <a:r>
-              <a:t>Price/SF: $236.32/SF</a:t>
-            </a:r>
-          </a:p>
-        </p:txBody>
-      </p:sp>
-      <p:sp>
-        <p:nvSpPr>
-          <p:cNvPr id="13" name="TextBox 12"/>
-          <p:cNvSpPr txBox="1"/>
-          <p:nvPr/>
-        </p:nvSpPr>
-        <p:spPr>
-          <a:xfrm>
-            <a:off x="457200" y="5669279"/>
-            <a:ext cx="3393338" cy="237744"/>
-          </a:xfrm>
-          <a:prstGeom prst="rect">
-            <a:avLst/>
-          </a:prstGeom>
-          <a:noFill/>
-        </p:spPr>
-        <p:txBody>
-          <a:bodyPr wrap="square">
-            <a:spAutoFit/>
-          </a:bodyPr>
-          <a:lstStyle/>
-          <a:p>
-            <a:pPr algn="l">
-              <a:defRPr sz="1050" b="0">
-                <a:solidFill>
-                  <a:srgbClr val="3A5566"/>
-                </a:solidFill>
-              </a:defRPr>
-            </a:pPr>
-            <a:r>
-              <a:t>Built 1985  |  6.02 ac  |  1 stories</a:t>
-            </a:r>
-          </a:p>
-        </p:txBody>
-      </p:sp>
-      <p:sp>
-        <p:nvSpPr>
-          <p:cNvPr id="14" name="TextBox 13"/>
-          <p:cNvSpPr txBox="1"/>
-          <p:nvPr/>
-        </p:nvSpPr>
-        <p:spPr>
-          <a:xfrm>
-            <a:off x="457200" y="5897879"/>
-            <a:ext cx="3393338" cy="237744"/>
-          </a:xfrm>
-          <a:prstGeom prst="rect">
-            <a:avLst/>
-          </a:prstGeom>
-          <a:noFill/>
-        </p:spPr>
-        <p:txBody>
-          <a:bodyPr wrap="square">
-            <a:spAutoFit/>
-          </a:bodyPr>
-          <a:lstStyle/>
-          <a:p>
-            <a:pPr algn="l">
-              <a:defRPr sz="1050" b="0">
-                <a:solidFill>
-                  <a:srgbClr val="3A5566"/>
-                </a:solidFill>
-              </a:defRPr>
-            </a:pPr>
-            <a:r>
-              <a:t>Zoning: IWD  |  Office (1-2 Stories)</a:t>
-            </a:r>
-          </a:p>
-        </p:txBody>
-      </p:sp>
-      <p:sp>
-        <p:nvSpPr>
-          <p:cNvPr id="15" name="TextBox 14"/>
-          <p:cNvSpPr txBox="1"/>
-          <p:nvPr/>
-        </p:nvSpPr>
-        <p:spPr>
-          <a:xfrm>
-            <a:off x="457200" y="6126479"/>
-            <a:ext cx="3393338" cy="237744"/>
-          </a:xfrm>
-          <a:prstGeom prst="rect">
-            <a:avLst/>
-          </a:prstGeom>
-          <a:noFill/>
-        </p:spPr>
-        <p:txBody>
-          <a:bodyPr wrap="square">
-            <a:spAutoFit/>
-          </a:bodyPr>
-          <a:lstStyle/>
-          <a:p>
-            <a:pPr algn="l">
-              <a:defRPr sz="1050" b="0">
-                <a:solidFill>
-                  <a:srgbClr val="3A5566"/>
-                </a:solidFill>
-              </a:defRPr>
-            </a:pPr>
-            <a:r>
-              <a:t>Building: 63,474 SF</a:t>
-            </a:r>
-          </a:p>
-        </p:txBody>
-      </p:sp>
-      <p:sp>
-        <p:nvSpPr>
-          <p:cNvPr id="16" name="Rectangle 15"/>
-          <p:cNvSpPr/>
-          <p:nvPr/>
-        </p:nvSpPr>
-        <p:spPr>
-          <a:xfrm>
-            <a:off x="4216298" y="1051560"/>
-            <a:ext cx="457200" cy="365760"/>
-          </a:xfrm>
-          <a:prstGeom prst="rect">
-            <a:avLst/>
-          </a:prstGeom>
-          <a:solidFill>
-            <a:srgbClr val="1565C0"/>
-          </a:solidFill>
-          <a:ln>
-            <a:noFill/>
-          </a:ln>
-        </p:spPr>
-        <p:style>
-          <a:lnRef idx="1">
-            <a:schemeClr val="accent1"/>
-          </a:lnRef>
-          <a:fillRef idx="3">
-            <a:schemeClr val="accent1"/>
-          </a:fillRef>
-          <a:effectRef idx="2">
-            <a:schemeClr val="accent1"/>
-          </a:effectRef>
-          <a:fontRef idx="minor">
-            <a:schemeClr val="lt1"/>
-          </a:fontRef>
-        </p:style>
-        <p:txBody>
-          <a:bodyPr rtlCol="0" anchor="ctr"/>
-          <a:lstStyle/>
-          <a:p>
-            <a:pPr algn="ctr">
-              <a:defRPr sz="1400" b="1">
-                <a:solidFill>
-                  <a:srgbClr val="FFFFFF"/>
-                </a:solidFill>
-              </a:defRPr>
-            </a:pPr>
-            <a:r>
-              <a:t>#2</a:t>
-            </a:r>
-          </a:p>
-        </p:txBody>
-      </p:sp>
-      <p:sp>
-        <p:nvSpPr>
-          <p:cNvPr id="17" name="TextBox 16"/>
-          <p:cNvSpPr txBox="1"/>
-          <p:nvPr/>
-        </p:nvSpPr>
-        <p:spPr>
-          <a:xfrm>
-            <a:off x="4764938" y="1051560"/>
-            <a:ext cx="3027578" cy="320040"/>
-          </a:xfrm>
-          <a:prstGeom prst="rect">
-            <a:avLst/>
-          </a:prstGeom>
-          <a:noFill/>
-        </p:spPr>
-        <p:txBody>
-          <a:bodyPr wrap="square">
-            <a:spAutoFit/>
-          </a:bodyPr>
-          <a:lstStyle/>
-          <a:p>
-            <a:pPr algn="l">
-              <a:defRPr sz="1500" b="1">
-                <a:solidFill>
-                  <a:srgbClr val="3A5566"/>
-                </a:solidFill>
-              </a:defRPr>
-            </a:pPr>
-            <a:r>
-              <a:t>200 Athens Way</a:t>
-            </a:r>
-          </a:p>
-        </p:txBody>
-      </p:sp>
-      <p:sp>
-        <p:nvSpPr>
-          <p:cNvPr id="18" name="TextBox 17"/>
-          <p:cNvSpPr txBox="1"/>
-          <p:nvPr/>
-        </p:nvSpPr>
-        <p:spPr>
-          <a:xfrm>
-            <a:off x="4764938" y="1307592"/>
-            <a:ext cx="3027578" cy="228600"/>
-          </a:xfrm>
-          <a:prstGeom prst="rect">
-            <a:avLst/>
-          </a:prstGeom>
-          <a:noFill/>
-        </p:spPr>
-        <p:txBody>
-          <a:bodyPr wrap="square">
-            <a:spAutoFit/>
-          </a:bodyPr>
-          <a:lstStyle/>
-          <a:p>
-            <a:pPr algn="l">
-              <a:defRPr sz="950" b="0">
-                <a:solidFill>
-                  <a:srgbClr val="706F6C"/>
-                </a:solidFill>
-              </a:defRPr>
-            </a:pPr>
-            <a:r>
-              <a:t>Nashville, TN  |  Score: 93/100</a:t>
-            </a:r>
-          </a:p>
-        </p:txBody>
-      </p:sp>
-      <p:pic>
-        <p:nvPicPr>
-          <p:cNvPr id="19" name="Picture 18" descr="rank2_photo.jpg"/>
-          <p:cNvPicPr>
-            <a:picLocks noChangeAspect="1"/>
-          </p:cNvPicPr>
-          <p:nvPr/>
-        </p:nvPicPr>
-        <p:blipFill>
-          <a:blip r:embed="rId4"/>
-          <a:stretch>
-            <a:fillRect/>
-          </a:stretch>
-        </p:blipFill>
-        <p:spPr>
-          <a:xfrm>
-            <a:off x="4216298" y="1600200"/>
-            <a:ext cx="3393338" cy="1920240"/>
-          </a:xfrm>
-          <a:prstGeom prst="rect">
-            <a:avLst/>
-          </a:prstGeom>
-        </p:spPr>
-      </p:pic>
-      <p:pic>
-        <p:nvPicPr>
-          <p:cNvPr id="20" name="Picture 19" descr="rank2_sketch.jpg"/>
-          <p:cNvPicPr>
-            <a:picLocks noChangeAspect="1"/>
-          </p:cNvPicPr>
-          <p:nvPr/>
-        </p:nvPicPr>
-        <p:blipFill>
-          <a:blip r:embed="rId5"/>
-          <a:stretch>
-            <a:fillRect/>
-          </a:stretch>
-        </p:blipFill>
-        <p:spPr>
-          <a:xfrm>
-            <a:off x="4216298" y="3611879"/>
-            <a:ext cx="3393338" cy="1463040"/>
-          </a:xfrm>
-          <a:prstGeom prst="rect">
-            <a:avLst/>
-          </a:prstGeom>
-        </p:spPr>
-      </p:pic>
-      <p:sp>
-        <p:nvSpPr>
-          <p:cNvPr id="21" name="TextBox 20"/>
-          <p:cNvSpPr txBox="1"/>
-          <p:nvPr/>
-        </p:nvSpPr>
-        <p:spPr>
-          <a:xfrm>
-            <a:off x="4216298" y="5212079"/>
-            <a:ext cx="3393338" cy="237744"/>
-          </a:xfrm>
-          <a:prstGeom prst="rect">
-            <a:avLst/>
-          </a:prstGeom>
-          <a:noFill/>
-        </p:spPr>
-        <p:txBody>
-          <a:bodyPr wrap="square">
-            <a:spAutoFit/>
-          </a:bodyPr>
-          <a:lstStyle/>
-          <a:p>
-            <a:pPr algn="l">
-              <a:defRPr sz="1050" b="1">
-                <a:solidFill>
-                  <a:srgbClr val="3A5566"/>
-                </a:solidFill>
-              </a:defRPr>
-            </a:pPr>
-            <a:r>
-              <a:t>$36,000,000  (2019)</a:t>
-            </a:r>
-          </a:p>
-        </p:txBody>
-      </p:sp>
-      <p:sp>
-        <p:nvSpPr>
-          <p:cNvPr id="22" name="TextBox 21"/>
-          <p:cNvSpPr txBox="1"/>
-          <p:nvPr/>
-        </p:nvSpPr>
-        <p:spPr>
-          <a:xfrm>
-            <a:off x="4216298" y="5440679"/>
-            <a:ext cx="3393338" cy="237744"/>
-          </a:xfrm>
-          <a:prstGeom prst="rect">
-            <a:avLst/>
-          </a:prstGeom>
-          <a:noFill/>
-        </p:spPr>
-        <p:txBody>
-          <a:bodyPr wrap="square">
-            <a:spAutoFit/>
-          </a:bodyPr>
-          <a:lstStyle/>
-          <a:p>
-            <a:pPr algn="l">
-              <a:defRPr sz="1050" b="0">
-                <a:solidFill>
-                  <a:srgbClr val="3A5566"/>
-                </a:solidFill>
-              </a:defRPr>
-            </a:pPr>
-            <a:r>
-              <a:t>Price/SF: $146.25/SF</a:t>
-            </a:r>
-          </a:p>
-        </p:txBody>
-      </p:sp>
-      <p:sp>
-        <p:nvSpPr>
-          <p:cNvPr id="23" name="TextBox 22"/>
-          <p:cNvSpPr txBox="1"/>
-          <p:nvPr/>
-        </p:nvSpPr>
-        <p:spPr>
-          <a:xfrm>
-            <a:off x="4216298" y="5669279"/>
-            <a:ext cx="3393338" cy="237744"/>
-          </a:xfrm>
-          <a:prstGeom prst="rect">
-            <a:avLst/>
-          </a:prstGeom>
-          <a:noFill/>
-        </p:spPr>
-        <p:txBody>
-          <a:bodyPr wrap="square">
-            <a:spAutoFit/>
-          </a:bodyPr>
-          <a:lstStyle/>
-          <a:p>
-            <a:pPr algn="l">
-              <a:defRPr sz="1050" b="0">
-                <a:solidFill>
-                  <a:srgbClr val="3A5566"/>
-                </a:solidFill>
-              </a:defRPr>
-            </a:pPr>
-            <a:r>
-              <a:t>Built 1985  |  8.70 ac  |  8 stories</a:t>
-            </a:r>
-          </a:p>
-        </p:txBody>
-      </p:sp>
-      <p:sp>
-        <p:nvSpPr>
-          <p:cNvPr id="24" name="TextBox 23"/>
-          <p:cNvSpPr txBox="1"/>
-          <p:nvPr/>
-        </p:nvSpPr>
-        <p:spPr>
-          <a:xfrm>
-            <a:off x="4216298" y="5897879"/>
-            <a:ext cx="3393338" cy="237744"/>
-          </a:xfrm>
-          <a:prstGeom prst="rect">
-            <a:avLst/>
-          </a:prstGeom>
-          <a:noFill/>
-        </p:spPr>
-        <p:txBody>
-          <a:bodyPr wrap="square">
-            <a:spAutoFit/>
-          </a:bodyPr>
-          <a:lstStyle/>
-          <a:p>
-            <a:pPr algn="l">
-              <a:defRPr sz="1050" b="0">
-                <a:solidFill>
-                  <a:srgbClr val="3A5566"/>
-                </a:solidFill>
-              </a:defRPr>
-            </a:pPr>
-            <a:r>
-              <a:t>Zoning: IWD  |  Office (3+ Stories)</a:t>
-            </a:r>
-          </a:p>
-        </p:txBody>
-      </p:sp>
-      <p:sp>
-        <p:nvSpPr>
-          <p:cNvPr id="25" name="TextBox 24"/>
-          <p:cNvSpPr txBox="1"/>
-          <p:nvPr/>
-        </p:nvSpPr>
-        <p:spPr>
-          <a:xfrm>
-            <a:off x="4216298" y="6126479"/>
-            <a:ext cx="3393338" cy="237744"/>
-          </a:xfrm>
-          <a:prstGeom prst="rect">
-            <a:avLst/>
-          </a:prstGeom>
-          <a:noFill/>
-        </p:spPr>
-        <p:txBody>
-          <a:bodyPr wrap="square">
-            <a:spAutoFit/>
-          </a:bodyPr>
-          <a:lstStyle/>
-          <a:p>
-            <a:pPr algn="l">
-              <a:defRPr sz="1050" b="0">
-                <a:solidFill>
-                  <a:srgbClr val="3A5566"/>
-                </a:solidFill>
-              </a:defRPr>
-            </a:pPr>
-            <a:r>
-              <a:t>Building: N/A</a:t>
-            </a:r>
-          </a:p>
-        </p:txBody>
-      </p:sp>
-      <p:sp>
-        <p:nvSpPr>
-          <p:cNvPr id="26" name="Rectangle 25"/>
-          <p:cNvSpPr/>
-          <p:nvPr/>
-        </p:nvSpPr>
-        <p:spPr>
-          <a:xfrm>
-            <a:off x="7975396" y="1051560"/>
-            <a:ext cx="457200" cy="365760"/>
-          </a:xfrm>
-          <a:prstGeom prst="rect">
-            <a:avLst/>
-          </a:prstGeom>
-          <a:solidFill>
-            <a:srgbClr val="1565C0"/>
-          </a:solidFill>
-          <a:ln>
-            <a:noFill/>
-          </a:ln>
-        </p:spPr>
-        <p:style>
-          <a:lnRef idx="1">
-            <a:schemeClr val="accent1"/>
-          </a:lnRef>
-          <a:fillRef idx="3">
-            <a:schemeClr val="accent1"/>
-          </a:fillRef>
-          <a:effectRef idx="2">
-            <a:schemeClr val="accent1"/>
-          </a:effectRef>
-          <a:fontRef idx="minor">
-            <a:schemeClr val="lt1"/>
-          </a:fontRef>
-        </p:style>
-        <p:txBody>
-          <a:bodyPr rtlCol="0" anchor="ctr"/>
-          <a:lstStyle/>
-          <a:p>
-            <a:pPr algn="ctr">
-              <a:defRPr sz="1400" b="1">
-                <a:solidFill>
-                  <a:srgbClr val="FFFFFF"/>
-                </a:solidFill>
-              </a:defRPr>
-            </a:pPr>
-            <a:r>
-              <a:t>#3</a:t>
-            </a:r>
-          </a:p>
-        </p:txBody>
-      </p:sp>
-      <p:sp>
-        <p:nvSpPr>
-          <p:cNvPr id="27" name="TextBox 26"/>
-          <p:cNvSpPr txBox="1"/>
-          <p:nvPr/>
-        </p:nvSpPr>
-        <p:spPr>
-          <a:xfrm>
-            <a:off x="8524036" y="1051560"/>
-            <a:ext cx="3027578" cy="320040"/>
-          </a:xfrm>
-          <a:prstGeom prst="rect">
-            <a:avLst/>
-          </a:prstGeom>
-          <a:noFill/>
-        </p:spPr>
-        <p:txBody>
-          <a:bodyPr wrap="square">
-            <a:spAutoFit/>
-          </a:bodyPr>
-          <a:lstStyle/>
-          <a:p>
-            <a:pPr algn="l">
-              <a:defRPr sz="1500" b="1">
-                <a:solidFill>
-                  <a:srgbClr val="3A5566"/>
-                </a:solidFill>
-              </a:defRPr>
-            </a:pPr>
-            <a:r>
-              <a:t>210 Athens Way</a:t>
-            </a:r>
-          </a:p>
-        </p:txBody>
-      </p:sp>
-      <p:sp>
-        <p:nvSpPr>
-          <p:cNvPr id="28" name="TextBox 27"/>
-          <p:cNvSpPr txBox="1"/>
-          <p:nvPr/>
-        </p:nvSpPr>
-        <p:spPr>
-          <a:xfrm>
-            <a:off x="8524036" y="1307592"/>
-            <a:ext cx="3027578" cy="228600"/>
-          </a:xfrm>
-          <a:prstGeom prst="rect">
-            <a:avLst/>
-          </a:prstGeom>
-          <a:noFill/>
-        </p:spPr>
-        <p:txBody>
-          <a:bodyPr wrap="square">
-            <a:spAutoFit/>
-          </a:bodyPr>
-          <a:lstStyle/>
-          <a:p>
-            <a:pPr algn="l">
-              <a:defRPr sz="950" b="0">
-                <a:solidFill>
-                  <a:srgbClr val="706F6C"/>
-                </a:solidFill>
-              </a:defRPr>
-            </a:pPr>
-            <a:r>
-              <a:t>Nashville, TN  |  Score: 90/100</a:t>
-            </a:r>
-          </a:p>
-        </p:txBody>
-      </p:sp>
-      <p:pic>
-        <p:nvPicPr>
-          <p:cNvPr id="29" name="Picture 28" descr="rank3_photo.jpg"/>
-          <p:cNvPicPr>
-            <a:picLocks noChangeAspect="1"/>
-          </p:cNvPicPr>
-          <p:nvPr/>
-        </p:nvPicPr>
-        <p:blipFill>
-          <a:blip r:embed="rId6"/>
-          <a:stretch>
-            <a:fillRect/>
-          </a:stretch>
-        </p:blipFill>
-        <p:spPr>
-          <a:xfrm>
-            <a:off x="7975396" y="1600200"/>
-            <a:ext cx="3393338" cy="1920240"/>
-          </a:xfrm>
-          <a:prstGeom prst="rect">
-            <a:avLst/>
-          </a:prstGeom>
-        </p:spPr>
-      </p:pic>
-      <p:pic>
-        <p:nvPicPr>
-          <p:cNvPr id="30" name="Picture 29" descr="rank3_sketch.jpg"/>
-          <p:cNvPicPr>
-            <a:picLocks noChangeAspect="1"/>
-          </p:cNvPicPr>
-          <p:nvPr/>
-        </p:nvPicPr>
-        <p:blipFill>
-          <a:blip r:embed="rId7"/>
-          <a:stretch>
-            <a:fillRect/>
-          </a:stretch>
-        </p:blipFill>
-        <p:spPr>
-          <a:xfrm>
-            <a:off x="7975396" y="3611879"/>
-            <a:ext cx="3393338" cy="1463040"/>
-          </a:xfrm>
-          <a:prstGeom prst="rect">
-            <a:avLst/>
-          </a:prstGeom>
-        </p:spPr>
-      </p:pic>
-      <p:sp>
-        <p:nvSpPr>
-          <p:cNvPr id="31" name="TextBox 30"/>
-          <p:cNvSpPr txBox="1"/>
-          <p:nvPr/>
-        </p:nvSpPr>
-        <p:spPr>
-          <a:xfrm>
-            <a:off x="7975396" y="5212079"/>
-            <a:ext cx="3393338" cy="237744"/>
-          </a:xfrm>
-          <a:prstGeom prst="rect">
-            <a:avLst/>
-          </a:prstGeom>
-          <a:noFill/>
-        </p:spPr>
-        <p:txBody>
-          <a:bodyPr wrap="square">
-            <a:spAutoFit/>
-          </a:bodyPr>
-          <a:lstStyle/>
-          <a:p>
-            <a:pPr algn="l">
-              <a:defRPr sz="1050" b="1">
-                <a:solidFill>
-                  <a:srgbClr val="3A5566"/>
-                </a:solidFill>
-              </a:defRPr>
-            </a:pPr>
-            <a:r>
-              <a:t>$32,250,000  (2022)</a:t>
-            </a:r>
-          </a:p>
-        </p:txBody>
-      </p:sp>
-      <p:sp>
-        <p:nvSpPr>
-          <p:cNvPr id="32" name="TextBox 31"/>
-          <p:cNvSpPr txBox="1"/>
-          <p:nvPr/>
-        </p:nvSpPr>
-        <p:spPr>
-          <a:xfrm>
-            <a:off x="7975396" y="5440679"/>
-            <a:ext cx="3393338" cy="237744"/>
-          </a:xfrm>
-          <a:prstGeom prst="rect">
-            <a:avLst/>
-          </a:prstGeom>
-          <a:noFill/>
-        </p:spPr>
-        <p:txBody>
-          <a:bodyPr wrap="square">
-            <a:spAutoFit/>
-          </a:bodyPr>
-          <a:lstStyle/>
-          <a:p>
-            <a:pPr algn="l">
-              <a:defRPr sz="1050" b="0">
-                <a:solidFill>
-                  <a:srgbClr val="3A5566"/>
-                </a:solidFill>
-              </a:defRPr>
-            </a:pPr>
-            <a:r>
-              <a:t>Price/SF: $203.39/SF</a:t>
-            </a:r>
-          </a:p>
-        </p:txBody>
-      </p:sp>
-      <p:sp>
-        <p:nvSpPr>
-          <p:cNvPr id="33" name="TextBox 32"/>
-          <p:cNvSpPr txBox="1"/>
-          <p:nvPr/>
-        </p:nvSpPr>
-        <p:spPr>
-          <a:xfrm>
-            <a:off x="7975396" y="5669279"/>
-            <a:ext cx="3393338" cy="237744"/>
-          </a:xfrm>
-          <a:prstGeom prst="rect">
-            <a:avLst/>
-          </a:prstGeom>
-          <a:noFill/>
-        </p:spPr>
-        <p:txBody>
-          <a:bodyPr wrap="square">
-            <a:spAutoFit/>
-          </a:bodyPr>
-          <a:lstStyle/>
-          <a:p>
-            <a:pPr algn="l">
-              <a:defRPr sz="1050" b="0">
-                <a:solidFill>
-                  <a:srgbClr val="3A5566"/>
-                </a:solidFill>
-              </a:defRPr>
-            </a:pPr>
-            <a:r>
-              <a:t>Built 1985  |  10.01 ac  |  5 stories</a:t>
-            </a:r>
-          </a:p>
-        </p:txBody>
-      </p:sp>
-      <p:sp>
-        <p:nvSpPr>
-          <p:cNvPr id="34" name="TextBox 33"/>
-          <p:cNvSpPr txBox="1"/>
-          <p:nvPr/>
-        </p:nvSpPr>
-        <p:spPr>
-          <a:xfrm>
-            <a:off x="7975396" y="5897879"/>
-            <a:ext cx="3393338" cy="237744"/>
-          </a:xfrm>
-          <a:prstGeom prst="rect">
-            <a:avLst/>
-          </a:prstGeom>
-          <a:noFill/>
-        </p:spPr>
-        <p:txBody>
-          <a:bodyPr wrap="square">
-            <a:spAutoFit/>
-          </a:bodyPr>
-          <a:lstStyle/>
-          <a:p>
-            <a:pPr algn="l">
-              <a:defRPr sz="1050" b="0">
-                <a:solidFill>
-                  <a:srgbClr val="3A5566"/>
-                </a:solidFill>
-              </a:defRPr>
-            </a:pPr>
-            <a:r>
-              <a:t>Zoning: MUG-NS  |  Office (3+ Stories)</a:t>
-            </a:r>
-          </a:p>
-        </p:txBody>
-      </p:sp>
-      <p:sp>
-        <p:nvSpPr>
-          <p:cNvPr id="35" name="TextBox 34"/>
-          <p:cNvSpPr txBox="1"/>
-          <p:nvPr/>
-        </p:nvSpPr>
-        <p:spPr>
-          <a:xfrm>
-            <a:off x="7975396" y="6126479"/>
-            <a:ext cx="3393338" cy="237744"/>
-          </a:xfrm>
-          <a:prstGeom prst="rect">
-            <a:avLst/>
-          </a:prstGeom>
-          <a:noFill/>
-        </p:spPr>
-        <p:txBody>
-          <a:bodyPr wrap="square">
-            <a:spAutoFit/>
-          </a:bodyPr>
-          <a:lstStyle/>
-          <a:p>
-            <a:pPr algn="l">
-              <a:defRPr sz="1050" b="0">
-                <a:solidFill>
-                  <a:srgbClr val="3A5566"/>
-                </a:solidFill>
-              </a:defRPr>
-            </a:pPr>
-            <a:r>
-              <a:t>Building: N/A</a:t>
-            </a:r>
-          </a:p>
-        </p:txBody>
-      </p:sp>
     </p:spTree>
   </p:cSld>
   <p:clrMapOvr>
@@ -6610,7 +10118,7 @@
               </a:defRPr>
             </a:pPr>
             <a:r>
-              <a:t>Tier 1 — Best Comparables — #4, #5, #6</a:t>
+              <a:t>Tier 1 — Best Comparables — #1, #2, #3</a:t>
             </a:r>
           </a:p>
         </p:txBody>
@@ -6645,7 +10153,7 @@
               </a:defRPr>
             </a:pPr>
             <a:r>
-              <a:t>Scores: 85-89/100</a:t>
+              <a:t>Scores: 90-95/100</a:t>
             </a:r>
           </a:p>
         </p:txBody>
@@ -6697,7 +10205,7 @@
               </a:defRPr>
             </a:pPr>
             <a:r>
-              <a:t>#4</a:t>
+              <a:t>#1</a:t>
             </a:r>
           </a:p>
         </p:txBody>
@@ -6732,7 +10240,7 @@
               </a:defRPr>
             </a:pPr>
             <a:r>
-              <a:t>227 French Landing Dr</a:t>
+              <a:t>636 Grassmere Park</a:t>
             </a:r>
           </a:p>
         </p:txBody>
@@ -6767,14 +10275,14 @@
               </a:defRPr>
             </a:pPr>
             <a:r>
-              <a:t>Nashville, TN  |  Score: 89/100</a:t>
+              <a:t>Nashville, TN  |  Score: 95/100</a:t>
             </a:r>
           </a:p>
         </p:txBody>
       </p:sp>
       <p:pic>
         <p:nvPicPr>
-          <p:cNvPr id="9" name="Picture 8" descr="rank4_photo.jpg"/>
+          <p:cNvPr id="9" name="Picture 8" descr="rank1_photo.jpg"/>
           <p:cNvPicPr>
             <a:picLocks noChangeAspect="1"/>
           </p:cNvPicPr>
@@ -6798,7 +10306,7 @@
       </p:pic>
       <p:pic>
         <p:nvPicPr>
-          <p:cNvPr id="10" name="Picture 9" descr="rank4_sketch.jpg"/>
+          <p:cNvPr id="10" name="Picture 9" descr="rank1_sketch.jpg"/>
           <p:cNvPicPr>
             <a:picLocks noChangeAspect="1"/>
           </p:cNvPicPr>
@@ -6850,7 +10358,7 @@
               </a:defRPr>
             </a:pPr>
             <a:r>
-              <a:t>$22,350,000  (2019)</a:t>
+              <a:t>$15,000,000  (2022)</a:t>
             </a:r>
           </a:p>
         </p:txBody>
@@ -6885,7 +10393,7 @@
               </a:defRPr>
             </a:pPr>
             <a:r>
-              <a:t>Price/SF: $201.50/SF</a:t>
+              <a:t>Price/SF: $236.32/SF</a:t>
             </a:r>
           </a:p>
         </p:txBody>
@@ -6920,7 +10428,7 @@
               </a:defRPr>
             </a:pPr>
             <a:r>
-              <a:t>Built 1984  |  4.93 ac  |  5 stories</a:t>
+              <a:t>Built 1985  |  6.02 ac  |  1 stories</a:t>
             </a:r>
           </a:p>
         </p:txBody>
@@ -6955,7 +10463,7 @@
               </a:defRPr>
             </a:pPr>
             <a:r>
-              <a:t>Zoning: IWD  |  Office (3+ Stories)</a:t>
+              <a:t>Zoning: IWD  |  Office (1-2 Stories)</a:t>
             </a:r>
           </a:p>
         </p:txBody>
@@ -6990,7 +10498,7 @@
               </a:defRPr>
             </a:pPr>
             <a:r>
-              <a:t>Building: N/A</a:t>
+              <a:t>Building: 63,474 SF</a:t>
             </a:r>
           </a:p>
         </p:txBody>
@@ -7042,7 +10550,7 @@
               </a:defRPr>
             </a:pPr>
             <a:r>
-              <a:t>#5</a:t>
+              <a:t>#2</a:t>
             </a:r>
           </a:p>
         </p:txBody>
@@ -7077,7 +10585,7 @@
               </a:defRPr>
             </a:pPr>
             <a:r>
-              <a:t>501 Great Circle Rd</a:t>
+              <a:t>200 Athens Way</a:t>
             </a:r>
           </a:p>
         </p:txBody>
@@ -7112,14 +10620,14 @@
               </a:defRPr>
             </a:pPr>
             <a:r>
-              <a:t>Nashville, TN  |  Score: 88/100</a:t>
+              <a:t>Nashville, TN  |  Score: 93/100</a:t>
             </a:r>
           </a:p>
         </p:txBody>
       </p:sp>
       <p:pic>
         <p:nvPicPr>
-          <p:cNvPr id="19" name="Picture 18" descr="rank5_photo.jpg"/>
+          <p:cNvPr id="19" name="Picture 18" descr="rank2_photo.jpg"/>
           <p:cNvPicPr>
             <a:picLocks noChangeAspect="1"/>
           </p:cNvPicPr>
@@ -7143,7 +10651,7 @@
       </p:pic>
       <p:pic>
         <p:nvPicPr>
-          <p:cNvPr id="20" name="Picture 19" descr="rank5_sketch.jpg"/>
+          <p:cNvPr id="20" name="Picture 19" descr="rank2_sketch.jpg"/>
           <p:cNvPicPr>
             <a:picLocks noChangeAspect="1"/>
           </p:cNvPicPr>
@@ -7195,7 +10703,7 @@
               </a:defRPr>
             </a:pPr>
             <a:r>
-              <a:t>$18,000,000  (2019)</a:t>
+              <a:t>$36,000,000  (2019)</a:t>
             </a:r>
           </a:p>
         </p:txBody>
@@ -7230,7 +10738,7 @@
               </a:defRPr>
             </a:pPr>
             <a:r>
-              <a:t>Price/SF: $143.08/SF</a:t>
+              <a:t>Price/SF: $146.25/SF</a:t>
             </a:r>
           </a:p>
         </p:txBody>
@@ -7265,7 +10773,7 @@
               </a:defRPr>
             </a:pPr>
             <a:r>
-              <a:t>Built 1985  |  6.22 ac  |  3 stories</a:t>
+              <a:t>Built 1985  |  8.70 ac  |  8 stories</a:t>
             </a:r>
           </a:p>
         </p:txBody>
@@ -7335,7 +10843,7 @@
               </a:defRPr>
             </a:pPr>
             <a:r>
-              <a:t>Building: 71,916 SF</a:t>
+              <a:t>Building: N/A</a:t>
             </a:r>
           </a:p>
         </p:txBody>
@@ -7387,7 +10895,7 @@
               </a:defRPr>
             </a:pPr>
             <a:r>
-              <a:t>#6</a:t>
+              <a:t>#3</a:t>
             </a:r>
           </a:p>
         </p:txBody>
@@ -7422,7 +10930,7 @@
               </a:defRPr>
             </a:pPr>
             <a:r>
-              <a:t>215 Cumberland Bnd</a:t>
+              <a:t>210 Athens Way</a:t>
             </a:r>
           </a:p>
         </p:txBody>
@@ -7457,14 +10965,14 @@
               </a:defRPr>
             </a:pPr>
             <a:r>
-              <a:t>Nashville, TN  |  Score: 85/100</a:t>
+              <a:t>Nashville, TN  |  Score: 90/100</a:t>
             </a:r>
           </a:p>
         </p:txBody>
       </p:sp>
       <p:pic>
         <p:nvPicPr>
-          <p:cNvPr id="29" name="Picture 28" descr="rank6_photo.jpg"/>
+          <p:cNvPr id="29" name="Picture 28" descr="rank3_photo.jpg"/>
           <p:cNvPicPr>
             <a:picLocks noChangeAspect="1"/>
           </p:cNvPicPr>
@@ -7488,7 +10996,7 @@
       </p:pic>
       <p:pic>
         <p:nvPicPr>
-          <p:cNvPr id="30" name="Picture 29" descr="rank6_sketch.jpg"/>
+          <p:cNvPr id="30" name="Picture 29" descr="rank3_sketch.jpg"/>
           <p:cNvPicPr>
             <a:picLocks noChangeAspect="1"/>
           </p:cNvPicPr>
@@ -7540,7 +11048,7 @@
               </a:defRPr>
             </a:pPr>
             <a:r>
-              <a:t>$10,850,000  (2020)</a:t>
+              <a:t>$32,250,000  (2022)</a:t>
             </a:r>
           </a:p>
         </p:txBody>
@@ -7575,7 +11083,7 @@
               </a:defRPr>
             </a:pPr>
             <a:r>
-              <a:t>Price/SF: $107.29/SF</a:t>
+              <a:t>Price/SF: $203.39/SF</a:t>
             </a:r>
           </a:p>
         </p:txBody>
@@ -7610,7 +11118,7 @@
               </a:defRPr>
             </a:pPr>
             <a:r>
-              <a:t>Built 1980  |  8.20 ac  |  2 stories</a:t>
+              <a:t>Built 1985  |  10.01 ac  |  5 stories</a:t>
             </a:r>
           </a:p>
         </p:txBody>
@@ -7645,7 +11153,7 @@
               </a:defRPr>
             </a:pPr>
             <a:r>
-              <a:t>Zoning: IWD  |  Office (1-2 Stories)</a:t>
+              <a:t>Zoning: MUG-NS  |  Office (3+ Stories)</a:t>
             </a:r>
           </a:p>
         </p:txBody>
@@ -7777,7 +11285,7 @@
             <a:avLst/>
           </a:prstGeom>
           <a:solidFill>
-            <a:srgbClr val="2E7D32"/>
+            <a:srgbClr val="1565C0"/>
           </a:solidFill>
           <a:ln>
             <a:noFill/>
@@ -7836,7 +11344,7 @@
               </a:defRPr>
             </a:pPr>
             <a:r>
-              <a:t>Tier 2 — Good Comparables — #7, #8, #9</a:t>
+              <a:t>Tier 1 — Best Comparables — #4, #5, #6</a:t>
             </a:r>
           </a:p>
         </p:txBody>
@@ -7871,7 +11379,7 @@
               </a:defRPr>
             </a:pPr>
             <a:r>
-              <a:t>Scores: 80-82/100</a:t>
+              <a:t>Scores: 85-89/100</a:t>
             </a:r>
           </a:p>
         </p:txBody>
@@ -7891,7 +11399,7 @@
             <a:avLst/>
           </a:prstGeom>
           <a:solidFill>
-            <a:srgbClr val="2E7D32"/>
+            <a:srgbClr val="1565C0"/>
           </a:solidFill>
           <a:ln>
             <a:noFill/>
@@ -7923,7 +11431,7 @@
               </a:defRPr>
             </a:pPr>
             <a:r>
-              <a:t>#7</a:t>
+              <a:t>#4</a:t>
             </a:r>
           </a:p>
         </p:txBody>
@@ -7958,7 +11466,7 @@
               </a:defRPr>
             </a:pPr>
             <a:r>
-              <a:t>545 Marriott Dr</a:t>
+              <a:t>227 French Landing Dr</a:t>
             </a:r>
           </a:p>
         </p:txBody>
@@ -7993,14 +11501,14 @@
               </a:defRPr>
             </a:pPr>
             <a:r>
-              <a:t>Nashville, TN  |  Score: 82/100</a:t>
+              <a:t>Nashville, TN  |  Score: 89/100</a:t>
             </a:r>
           </a:p>
         </p:txBody>
       </p:sp>
       <p:pic>
         <p:nvPicPr>
-          <p:cNvPr id="9" name="Picture 8" descr="rank7_photo.jpg"/>
+          <p:cNvPr id="9" name="Picture 8" descr="rank4_photo.jpg"/>
           <p:cNvPicPr>
             <a:picLocks noChangeAspect="1"/>
           </p:cNvPicPr>
@@ -8024,7 +11532,7 @@
       </p:pic>
       <p:pic>
         <p:nvPicPr>
-          <p:cNvPr id="10" name="Picture 9" descr="rank7_sketch.jpg"/>
+          <p:cNvPr id="10" name="Picture 9" descr="rank4_sketch.jpg"/>
           <p:cNvPicPr>
             <a:picLocks noChangeAspect="1"/>
           </p:cNvPicPr>
@@ -8076,7 +11584,7 @@
               </a:defRPr>
             </a:pPr>
             <a:r>
-              <a:t>$85,500,000  (2019)</a:t>
+              <a:t>$22,350,000  (2019)</a:t>
             </a:r>
           </a:p>
         </p:txBody>
@@ -8111,7 +11619,7 @@
               </a:defRPr>
             </a:pPr>
             <a:r>
-              <a:t>Price/SF: $324.59/SF</a:t>
+              <a:t>Price/SF: $201.50/SF</a:t>
             </a:r>
           </a:p>
         </p:txBody>
@@ -8146,7 +11654,7 @@
               </a:defRPr>
             </a:pPr>
             <a:r>
-              <a:t>Built 1986  |  8.60 ac  |  8 stories</a:t>
+              <a:t>Built 1984  |  4.93 ac  |  5 stories</a:t>
             </a:r>
           </a:p>
         </p:txBody>
@@ -8181,7 +11689,7 @@
               </a:defRPr>
             </a:pPr>
             <a:r>
-              <a:t>Zoning: ORI  |  Office (3+ Stories)</a:t>
+              <a:t>Zoning: IWD  |  Office (3+ Stories)</a:t>
             </a:r>
           </a:p>
         </p:txBody>
@@ -8236,7 +11744,7 @@
             <a:avLst/>
           </a:prstGeom>
           <a:solidFill>
-            <a:srgbClr val="2E7D32"/>
+            <a:srgbClr val="1565C0"/>
           </a:solidFill>
           <a:ln>
             <a:noFill/>
@@ -8268,7 +11776,7 @@
               </a:defRPr>
             </a:pPr>
             <a:r>
-              <a:t>#8</a:t>
+              <a:t>#5</a:t>
             </a:r>
           </a:p>
         </p:txBody>
@@ -8303,7 +11811,7 @@
               </a:defRPr>
             </a:pPr>
             <a:r>
-              <a:t>621 Mainstream Dr</a:t>
+              <a:t>501 Great Circle Rd</a:t>
             </a:r>
           </a:p>
         </p:txBody>
@@ -8338,14 +11846,14 @@
               </a:defRPr>
             </a:pPr>
             <a:r>
-              <a:t>Nashville, TN  |  Score: 80/100</a:t>
+              <a:t>Nashville, TN  |  Score: 88/100</a:t>
             </a:r>
           </a:p>
         </p:txBody>
       </p:sp>
       <p:pic>
         <p:nvPicPr>
-          <p:cNvPr id="19" name="Picture 18" descr="rank8_photo.jpg"/>
+          <p:cNvPr id="19" name="Picture 18" descr="rank5_photo.jpg"/>
           <p:cNvPicPr>
             <a:picLocks noChangeAspect="1"/>
           </p:cNvPicPr>
@@ -8369,7 +11877,7 @@
       </p:pic>
       <p:pic>
         <p:nvPicPr>
-          <p:cNvPr id="20" name="Picture 19" descr="rank8_sketch.jpg"/>
+          <p:cNvPr id="20" name="Picture 19" descr="rank5_sketch.jpg"/>
           <p:cNvPicPr>
             <a:picLocks noChangeAspect="1"/>
           </p:cNvPicPr>
@@ -8421,7 +11929,7 @@
               </a:defRPr>
             </a:pPr>
             <a:r>
-              <a:t>$16,150,000  (2023)</a:t>
+              <a:t>$18,000,000  (2019)</a:t>
             </a:r>
           </a:p>
         </p:txBody>
@@ -8456,7 +11964,7 @@
               </a:defRPr>
             </a:pPr>
             <a:r>
-              <a:t>Price/SF: $305.19/SF</a:t>
+              <a:t>Price/SF: $143.08/SF</a:t>
             </a:r>
           </a:p>
         </p:txBody>
@@ -8491,7 +11999,7 @@
               </a:defRPr>
             </a:pPr>
             <a:r>
-              <a:t>Built 1984  |  7.18 ac  |  1 stories</a:t>
+              <a:t>Built 1985  |  6.22 ac  |  3 stories</a:t>
             </a:r>
           </a:p>
         </p:txBody>
@@ -8526,7 +12034,7 @@
               </a:defRPr>
             </a:pPr>
             <a:r>
-              <a:t>Zoning: IWD  |  Office (1-2 Stories)</a:t>
+              <a:t>Zoning: IWD  |  Office (3+ Stories)</a:t>
             </a:r>
           </a:p>
         </p:txBody>
@@ -8561,7 +12069,7 @@
               </a:defRPr>
             </a:pPr>
             <a:r>
-              <a:t>Building: 52,917 SF</a:t>
+              <a:t>Building: 71,916 SF</a:t>
             </a:r>
           </a:p>
         </p:txBody>
@@ -8581,7 +12089,7 @@
             <a:avLst/>
           </a:prstGeom>
           <a:solidFill>
-            <a:srgbClr val="2E7D32"/>
+            <a:srgbClr val="1565C0"/>
           </a:solidFill>
           <a:ln>
             <a:noFill/>
@@ -8613,7 +12121,7 @@
               </a:defRPr>
             </a:pPr>
             <a:r>
-              <a:t>#9</a:t>
+              <a:t>#6</a:t>
             </a:r>
           </a:p>
         </p:txBody>
@@ -8648,7 +12156,7 @@
               </a:defRPr>
             </a:pPr>
             <a:r>
-              <a:t>601 Mainstream Dr</a:t>
+              <a:t>215 Cumberland Bnd</a:t>
             </a:r>
           </a:p>
         </p:txBody>
@@ -8683,14 +12191,14 @@
               </a:defRPr>
             </a:pPr>
             <a:r>
-              <a:t>Nashville, TN  |  Score: 80/100</a:t>
+              <a:t>Nashville, TN  |  Score: 85/100</a:t>
             </a:r>
           </a:p>
         </p:txBody>
       </p:sp>
       <p:pic>
         <p:nvPicPr>
-          <p:cNvPr id="29" name="Picture 28" descr="rank9_photo.jpg"/>
+          <p:cNvPr id="29" name="Picture 28" descr="rank6_photo.jpg"/>
           <p:cNvPicPr>
             <a:picLocks noChangeAspect="1"/>
           </p:cNvPicPr>
@@ -8714,7 +12222,7 @@
       </p:pic>
       <p:pic>
         <p:nvPicPr>
-          <p:cNvPr id="30" name="Picture 29" descr="rank9_sketch.jpg"/>
+          <p:cNvPr id="30" name="Picture 29" descr="rank6_sketch.jpg"/>
           <p:cNvPicPr>
             <a:picLocks noChangeAspect="1"/>
           </p:cNvPicPr>
@@ -8766,7 +12274,7 @@
               </a:defRPr>
             </a:pPr>
             <a:r>
-              <a:t>$13,100,000  (2025)</a:t>
+              <a:t>$10,850,000  (2020)</a:t>
             </a:r>
           </a:p>
         </p:txBody>
@@ -8801,7 +12309,7 @@
               </a:defRPr>
             </a:pPr>
             <a:r>
-              <a:t>Price/SF: $247.56/SF</a:t>
+              <a:t>Price/SF: $107.29/SF</a:t>
             </a:r>
           </a:p>
         </p:txBody>
@@ -8836,7 +12344,7 @@
               </a:defRPr>
             </a:pPr>
             <a:r>
-              <a:t>Built 1984  |  7.18 ac  |  1 stories</a:t>
+              <a:t>Built 1980  |  8.20 ac  |  2 stories</a:t>
             </a:r>
           </a:p>
         </p:txBody>
@@ -8906,7 +12414,7 @@
               </a:defRPr>
             </a:pPr>
             <a:r>
-              <a:t>Building: 52,917 SF</a:t>
+              <a:t>Building: N/A</a:t>
             </a:r>
           </a:p>
         </p:txBody>
@@ -9062,7 +12570,7 @@
               </a:defRPr>
             </a:pPr>
             <a:r>
-              <a:t>Tier 2 — Good Comparables — #10, #11, #12</a:t>
+              <a:t>Tier 2 — Good Comparables — #7, #8, #9</a:t>
             </a:r>
           </a:p>
         </p:txBody>
@@ -9097,7 +12605,7 @@
               </a:defRPr>
             </a:pPr>
             <a:r>
-              <a:t>Scores: 76-78/100</a:t>
+              <a:t>Scores: 80-82/100</a:t>
             </a:r>
           </a:p>
         </p:txBody>
@@ -9149,7 +12657,7 @@
               </a:defRPr>
             </a:pPr>
             <a:r>
-              <a:t>#10</a:t>
+              <a:t>#7</a:t>
             </a:r>
           </a:p>
         </p:txBody>
@@ -9184,7 +12692,7 @@
               </a:defRPr>
             </a:pPr>
             <a:r>
-              <a:t>616 Marriott Dr</a:t>
+              <a:t>545 Marriott Dr</a:t>
             </a:r>
           </a:p>
         </p:txBody>
@@ -9219,14 +12727,14 @@
               </a:defRPr>
             </a:pPr>
             <a:r>
-              <a:t>Nashville, TN  |  Score: 78/100</a:t>
+              <a:t>Nashville, TN  |  Score: 82/100</a:t>
             </a:r>
           </a:p>
         </p:txBody>
       </p:sp>
       <p:pic>
         <p:nvPicPr>
-          <p:cNvPr id="9" name="Picture 8" descr="rank10_photo.jpg"/>
+          <p:cNvPr id="9" name="Picture 8" descr="rank7_photo.jpg"/>
           <p:cNvPicPr>
             <a:picLocks noChangeAspect="1"/>
           </p:cNvPicPr>
@@ -9250,7 +12758,7 @@
       </p:pic>
       <p:pic>
         <p:nvPicPr>
-          <p:cNvPr id="10" name="Picture 9" descr="rank10_sketch.jpg"/>
+          <p:cNvPr id="10" name="Picture 9" descr="rank7_sketch.jpg"/>
           <p:cNvPicPr>
             <a:picLocks noChangeAspect="1"/>
           </p:cNvPicPr>
@@ -9302,7 +12810,7 @@
               </a:defRPr>
             </a:pPr>
             <a:r>
-              <a:t>$13,030,000  (2018)</a:t>
+              <a:t>$85,500,000  (2019)</a:t>
             </a:r>
           </a:p>
         </p:txBody>
@@ -9337,7 +12845,7 @@
               </a:defRPr>
             </a:pPr>
             <a:r>
-              <a:t>Price/SF: $155.66/SF</a:t>
+              <a:t>Price/SF: $324.59/SF</a:t>
             </a:r>
           </a:p>
         </p:txBody>
@@ -9372,7 +12880,7 @@
               </a:defRPr>
             </a:pPr>
             <a:r>
-              <a:t>Built 1985  |  3.74 ac  |  6 stories</a:t>
+              <a:t>Built 1986  |  8.60 ac  |  8 stories</a:t>
             </a:r>
           </a:p>
         </p:txBody>
@@ -9442,7 +12950,7 @@
               </a:defRPr>
             </a:pPr>
             <a:r>
-              <a:t>Building: 83,708 SF</a:t>
+              <a:t>Building: N/A</a:t>
             </a:r>
           </a:p>
         </p:txBody>
@@ -9494,7 +13002,7 @@
               </a:defRPr>
             </a:pPr>
             <a:r>
-              <a:t>#11</a:t>
+              <a:t>#8</a:t>
             </a:r>
           </a:p>
         </p:txBody>
@@ -9529,7 +13037,7 @@
               </a:defRPr>
             </a:pPr>
             <a:r>
-              <a:t>25 Century Blvd</a:t>
+              <a:t>621 Mainstream Dr</a:t>
             </a:r>
           </a:p>
         </p:txBody>
@@ -9564,14 +13072,14 @@
               </a:defRPr>
             </a:pPr>
             <a:r>
-              <a:t>Nashville, TN  |  Score: 77/100</a:t>
+              <a:t>Nashville, TN  |  Score: 80/100</a:t>
             </a:r>
           </a:p>
         </p:txBody>
       </p:sp>
       <p:pic>
         <p:nvPicPr>
-          <p:cNvPr id="19" name="Picture 18" descr="rank11_photo.jpg"/>
+          <p:cNvPr id="19" name="Picture 18" descr="rank8_photo.jpg"/>
           <p:cNvPicPr>
             <a:picLocks noChangeAspect="1"/>
           </p:cNvPicPr>
@@ -9595,7 +13103,7 @@
       </p:pic>
       <p:pic>
         <p:nvPicPr>
-          <p:cNvPr id="20" name="Picture 19" descr="rank11_sketch.jpg"/>
+          <p:cNvPr id="20" name="Picture 19" descr="rank8_sketch.jpg"/>
           <p:cNvPicPr>
             <a:picLocks noChangeAspect="1"/>
           </p:cNvPicPr>
@@ -9647,7 +13155,7 @@
               </a:defRPr>
             </a:pPr>
             <a:r>
-              <a:t>$30,000,000  (2025)</a:t>
+              <a:t>$16,150,000  (2023)</a:t>
             </a:r>
           </a:p>
         </p:txBody>
@@ -9682,7 +13190,7 @@
               </a:defRPr>
             </a:pPr>
             <a:r>
-              <a:t>Price/SF: $228.93/SF</a:t>
+              <a:t>Price/SF: $305.19/SF</a:t>
             </a:r>
           </a:p>
         </p:txBody>
@@ -9717,7 +13225,7 @@
               </a:defRPr>
             </a:pPr>
             <a:r>
-              <a:t>Built 1986  |  6.85 ac  |  6 stories</a:t>
+              <a:t>Built 1984  |  7.18 ac  |  1 stories</a:t>
             </a:r>
           </a:p>
         </p:txBody>
@@ -9752,7 +13260,7 @@
               </a:defRPr>
             </a:pPr>
             <a:r>
-              <a:t>Zoning: ORI  |  Office (3+ Stories)</a:t>
+              <a:t>Zoning: IWD  |  Office (1-2 Stories)</a:t>
             </a:r>
           </a:p>
         </p:txBody>
@@ -9787,7 +13295,7 @@
               </a:defRPr>
             </a:pPr>
             <a:r>
-              <a:t>Building: N/A</a:t>
+              <a:t>Building: 52,917 SF</a:t>
             </a:r>
           </a:p>
         </p:txBody>
@@ -9839,7 +13347,7 @@
               </a:defRPr>
             </a:pPr>
             <a:r>
-              <a:t>#12</a:t>
+              <a:t>#9</a:t>
             </a:r>
           </a:p>
         </p:txBody>
@@ -9874,7 +13382,7 @@
               </a:defRPr>
             </a:pPr>
             <a:r>
-              <a:t>1 Burton Hills Blvd</a:t>
+              <a:t>601 Mainstream Dr</a:t>
             </a:r>
           </a:p>
         </p:txBody>
@@ -9909,14 +13417,14 @@
               </a:defRPr>
             </a:pPr>
             <a:r>
-              <a:t>Nashville, TN  |  Score: 76/100</a:t>
+              <a:t>Nashville, TN  |  Score: 80/100</a:t>
             </a:r>
           </a:p>
         </p:txBody>
       </p:sp>
       <p:pic>
         <p:nvPicPr>
-          <p:cNvPr id="29" name="Picture 28" descr="rank12_photo.jpg"/>
+          <p:cNvPr id="29" name="Picture 28" descr="rank9_photo.jpg"/>
           <p:cNvPicPr>
             <a:picLocks noChangeAspect="1"/>
           </p:cNvPicPr>
@@ -9940,7 +13448,7 @@
       </p:pic>
       <p:pic>
         <p:nvPicPr>
-          <p:cNvPr id="30" name="Picture 29" descr="rank12_sketch.jpg"/>
+          <p:cNvPr id="30" name="Picture 29" descr="rank9_sketch.jpg"/>
           <p:cNvPicPr>
             <a:picLocks noChangeAspect="1"/>
           </p:cNvPicPr>
@@ -9992,7 +13500,7 @@
               </a:defRPr>
             </a:pPr>
             <a:r>
-              <a:t>$12,000,000  (2025)</a:t>
+              <a:t>$13,100,000  (2025)</a:t>
             </a:r>
           </a:p>
         </p:txBody>
@@ -10027,7 +13535,7 @@
               </a:defRPr>
             </a:pPr>
             <a:r>
-              <a:t>Price/SF: $98.39/SF</a:t>
+              <a:t>Price/SF: $247.56/SF</a:t>
             </a:r>
           </a:p>
         </p:txBody>
@@ -10062,7 +13570,7 @@
               </a:defRPr>
             </a:pPr>
             <a:r>
-              <a:t>Built 1985  |  7.07 ac  |  3 stories</a:t>
+              <a:t>Built 1984  |  7.18 ac  |  1 stories</a:t>
             </a:r>
           </a:p>
         </p:txBody>
@@ -10097,7 +13605,7 @@
               </a:defRPr>
             </a:pPr>
             <a:r>
-              <a:t>Zoning: SP  |  Office (3+ Stories)</a:t>
+              <a:t>Zoning: IWD  |  Office (1-2 Stories)</a:t>
             </a:r>
           </a:p>
         </p:txBody>
@@ -10132,7 +13640,7 @@
               </a:defRPr>
             </a:pPr>
             <a:r>
-              <a:t>Building: N/A</a:t>
+              <a:t>Building: 52,917 SF</a:t>
             </a:r>
           </a:p>
         </p:txBody>
@@ -10288,7 +13796,7 @@
               </a:defRPr>
             </a:pPr>
             <a:r>
-              <a:t>Tier 2 — Good Comparables — #13</a:t>
+              <a:t>Tier 2 — Good Comparables — #10, #11, #12</a:t>
             </a:r>
           </a:p>
         </p:txBody>
@@ -10323,7 +13831,7 @@
               </a:defRPr>
             </a:pPr>
             <a:r>
-              <a:t>Scores: 75-75/100</a:t>
+              <a:t>Scores: 76-78/100</a:t>
             </a:r>
           </a:p>
         </p:txBody>
@@ -10375,7 +13883,7 @@
               </a:defRPr>
             </a:pPr>
             <a:r>
-              <a:t>#13</a:t>
+              <a:t>#10</a:t>
             </a:r>
           </a:p>
         </p:txBody>
@@ -10389,7 +13897,7 @@
         <p:spPr>
           <a:xfrm>
             <a:off x="1005840" y="1051560"/>
-            <a:ext cx="10545775" cy="320040"/>
+            <a:ext cx="3027578" cy="320040"/>
           </a:xfrm>
           <a:prstGeom prst="rect">
             <a:avLst/>
@@ -10410,7 +13918,7 @@
               </a:defRPr>
             </a:pPr>
             <a:r>
-              <a:t>104 Woodmont Blvd</a:t>
+              <a:t>616 Marriott Dr</a:t>
             </a:r>
           </a:p>
         </p:txBody>
@@ -10424,7 +13932,7 @@
         <p:spPr>
           <a:xfrm>
             <a:off x="1005840" y="1307592"/>
-            <a:ext cx="10545775" cy="228600"/>
+            <a:ext cx="3027578" cy="228600"/>
           </a:xfrm>
           <a:prstGeom prst="rect">
             <a:avLst/>
@@ -10445,14 +13953,14 @@
               </a:defRPr>
             </a:pPr>
             <a:r>
-              <a:t>Nashville, TN  |  Score: 75/100</a:t>
+              <a:t>Nashville, TN  |  Score: 78/100</a:t>
             </a:r>
           </a:p>
         </p:txBody>
       </p:sp>
       <p:pic>
         <p:nvPicPr>
-          <p:cNvPr id="9" name="Picture 8" descr="rank13_photo.jpg"/>
+          <p:cNvPr id="9" name="Picture 8" descr="rank10_photo.jpg"/>
           <p:cNvPicPr>
             <a:picLocks noChangeAspect="1"/>
           </p:cNvPicPr>
@@ -10467,7 +13975,7 @@
         <p:spPr>
           <a:xfrm>
             <a:off x="457200" y="1600200"/>
-            <a:ext cx="10911535" cy="1920240"/>
+            <a:ext cx="3393338" cy="1920240"/>
           </a:xfrm>
           <a:prstGeom prst="rect">
             <a:avLst/>
@@ -10476,7 +13984,7 @@
       </p:pic>
       <p:pic>
         <p:nvPicPr>
-          <p:cNvPr id="10" name="Picture 9" descr="rank13_sketch.jpg"/>
+          <p:cNvPr id="10" name="Picture 9" descr="rank10_sketch.jpg"/>
           <p:cNvPicPr>
             <a:picLocks noChangeAspect="1"/>
           </p:cNvPicPr>
@@ -10491,7 +13999,7 @@
         <p:spPr>
           <a:xfrm>
             <a:off x="457200" y="3611879"/>
-            <a:ext cx="10911535" cy="1463040"/>
+            <a:ext cx="3393338" cy="1463040"/>
           </a:xfrm>
           <a:prstGeom prst="rect">
             <a:avLst/>
@@ -10507,7 +14015,7 @@
         <p:spPr>
           <a:xfrm>
             <a:off x="457200" y="5212079"/>
-            <a:ext cx="10911535" cy="237744"/>
+            <a:ext cx="3393338" cy="237744"/>
           </a:xfrm>
           <a:prstGeom prst="rect">
             <a:avLst/>
@@ -10528,7 +14036,7 @@
               </a:defRPr>
             </a:pPr>
             <a:r>
-              <a:t>$50,970,857  (2025)</a:t>
+              <a:t>$13,030,000  (2018)</a:t>
             </a:r>
           </a:p>
         </p:txBody>
@@ -10542,7 +14050,7 @@
         <p:spPr>
           <a:xfrm>
             <a:off x="457200" y="5440679"/>
-            <a:ext cx="10911535" cy="237744"/>
+            <a:ext cx="3393338" cy="237744"/>
           </a:xfrm>
           <a:prstGeom prst="rect">
             <a:avLst/>
@@ -10563,7 +14071,7 @@
               </a:defRPr>
             </a:pPr>
             <a:r>
-              <a:t>Price/SF: $140.77/SF</a:t>
+              <a:t>Price/SF: $155.66/SF</a:t>
             </a:r>
           </a:p>
         </p:txBody>
@@ -10577,7 +14085,7 @@
         <p:spPr>
           <a:xfrm>
             <a:off x="457200" y="5669279"/>
-            <a:ext cx="10911535" cy="237744"/>
+            <a:ext cx="3393338" cy="237744"/>
           </a:xfrm>
           <a:prstGeom prst="rect">
             <a:avLst/>
@@ -10598,7 +14106,7 @@
               </a:defRPr>
             </a:pPr>
             <a:r>
-              <a:t>Built 1985  |  2.40 ac  |  8 stories</a:t>
+              <a:t>Built 1985  |  3.74 ac  |  6 stories</a:t>
             </a:r>
           </a:p>
         </p:txBody>
@@ -10612,7 +14120,7 @@
         <p:spPr>
           <a:xfrm>
             <a:off x="457200" y="5897879"/>
-            <a:ext cx="10911535" cy="237744"/>
+            <a:ext cx="3393338" cy="237744"/>
           </a:xfrm>
           <a:prstGeom prst="rect">
             <a:avLst/>
@@ -10633,7 +14141,7 @@
               </a:defRPr>
             </a:pPr>
             <a:r>
-              <a:t>Zoning: OR20  |  Office (3+ Stories)</a:t>
+              <a:t>Zoning: ORI  |  Office (3+ Stories)</a:t>
             </a:r>
           </a:p>
         </p:txBody>
@@ -10647,7 +14155,697 @@
         <p:spPr>
           <a:xfrm>
             <a:off x="457200" y="6126479"/>
-            <a:ext cx="10911535" cy="237744"/>
+            <a:ext cx="3393338" cy="237744"/>
+          </a:xfrm>
+          <a:prstGeom prst="rect">
+            <a:avLst/>
+          </a:prstGeom>
+          <a:noFill/>
+        </p:spPr>
+        <p:txBody>
+          <a:bodyPr wrap="square">
+            <a:spAutoFit/>
+          </a:bodyPr>
+          <a:lstStyle/>
+          <a:p>
+            <a:pPr algn="l">
+              <a:defRPr sz="1050" b="0">
+                <a:solidFill>
+                  <a:srgbClr val="3A5566"/>
+                </a:solidFill>
+              </a:defRPr>
+            </a:pPr>
+            <a:r>
+              <a:t>Building: 83,708 SF</a:t>
+            </a:r>
+          </a:p>
+        </p:txBody>
+      </p:sp>
+      <p:sp>
+        <p:nvSpPr>
+          <p:cNvPr id="16" name="Rectangle 15"/>
+          <p:cNvSpPr/>
+          <p:nvPr/>
+        </p:nvSpPr>
+        <p:spPr>
+          <a:xfrm>
+            <a:off x="4216298" y="1051560"/>
+            <a:ext cx="457200" cy="365760"/>
+          </a:xfrm>
+          <a:prstGeom prst="rect">
+            <a:avLst/>
+          </a:prstGeom>
+          <a:solidFill>
+            <a:srgbClr val="2E7D32"/>
+          </a:solidFill>
+          <a:ln>
+            <a:noFill/>
+          </a:ln>
+        </p:spPr>
+        <p:style>
+          <a:lnRef idx="1">
+            <a:schemeClr val="accent1"/>
+          </a:lnRef>
+          <a:fillRef idx="3">
+            <a:schemeClr val="accent1"/>
+          </a:fillRef>
+          <a:effectRef idx="2">
+            <a:schemeClr val="accent1"/>
+          </a:effectRef>
+          <a:fontRef idx="minor">
+            <a:schemeClr val="lt1"/>
+          </a:fontRef>
+        </p:style>
+        <p:txBody>
+          <a:bodyPr rtlCol="0" anchor="ctr"/>
+          <a:lstStyle/>
+          <a:p>
+            <a:pPr algn="ctr">
+              <a:defRPr sz="1400" b="1">
+                <a:solidFill>
+                  <a:srgbClr val="FFFFFF"/>
+                </a:solidFill>
+              </a:defRPr>
+            </a:pPr>
+            <a:r>
+              <a:t>#11</a:t>
+            </a:r>
+          </a:p>
+        </p:txBody>
+      </p:sp>
+      <p:sp>
+        <p:nvSpPr>
+          <p:cNvPr id="17" name="TextBox 16"/>
+          <p:cNvSpPr txBox="1"/>
+          <p:nvPr/>
+        </p:nvSpPr>
+        <p:spPr>
+          <a:xfrm>
+            <a:off x="4764938" y="1051560"/>
+            <a:ext cx="3027578" cy="320040"/>
+          </a:xfrm>
+          <a:prstGeom prst="rect">
+            <a:avLst/>
+          </a:prstGeom>
+          <a:noFill/>
+        </p:spPr>
+        <p:txBody>
+          <a:bodyPr wrap="square">
+            <a:spAutoFit/>
+          </a:bodyPr>
+          <a:lstStyle/>
+          <a:p>
+            <a:pPr algn="l">
+              <a:defRPr sz="1500" b="1">
+                <a:solidFill>
+                  <a:srgbClr val="3A5566"/>
+                </a:solidFill>
+              </a:defRPr>
+            </a:pPr>
+            <a:r>
+              <a:t>25 Century Blvd</a:t>
+            </a:r>
+          </a:p>
+        </p:txBody>
+      </p:sp>
+      <p:sp>
+        <p:nvSpPr>
+          <p:cNvPr id="18" name="TextBox 17"/>
+          <p:cNvSpPr txBox="1"/>
+          <p:nvPr/>
+        </p:nvSpPr>
+        <p:spPr>
+          <a:xfrm>
+            <a:off x="4764938" y="1307592"/>
+            <a:ext cx="3027578" cy="228600"/>
+          </a:xfrm>
+          <a:prstGeom prst="rect">
+            <a:avLst/>
+          </a:prstGeom>
+          <a:noFill/>
+        </p:spPr>
+        <p:txBody>
+          <a:bodyPr wrap="square">
+            <a:spAutoFit/>
+          </a:bodyPr>
+          <a:lstStyle/>
+          <a:p>
+            <a:pPr algn="l">
+              <a:defRPr sz="950" b="0">
+                <a:solidFill>
+                  <a:srgbClr val="706F6C"/>
+                </a:solidFill>
+              </a:defRPr>
+            </a:pPr>
+            <a:r>
+              <a:t>Nashville, TN  |  Score: 77/100</a:t>
+            </a:r>
+          </a:p>
+        </p:txBody>
+      </p:sp>
+      <p:pic>
+        <p:nvPicPr>
+          <p:cNvPr id="19" name="Picture 18" descr="rank11_photo.jpg"/>
+          <p:cNvPicPr>
+            <a:picLocks noChangeAspect="1"/>
+          </p:cNvPicPr>
+          <p:nvPr/>
+        </p:nvPicPr>
+        <p:blipFill>
+          <a:blip r:embed="rId4"/>
+          <a:stretch>
+            <a:fillRect/>
+          </a:stretch>
+        </p:blipFill>
+        <p:spPr>
+          <a:xfrm>
+            <a:off x="4216298" y="1600200"/>
+            <a:ext cx="3393338" cy="1920240"/>
+          </a:xfrm>
+          <a:prstGeom prst="rect">
+            <a:avLst/>
+          </a:prstGeom>
+        </p:spPr>
+      </p:pic>
+      <p:pic>
+        <p:nvPicPr>
+          <p:cNvPr id="20" name="Picture 19" descr="rank11_sketch.jpg"/>
+          <p:cNvPicPr>
+            <a:picLocks noChangeAspect="1"/>
+          </p:cNvPicPr>
+          <p:nvPr/>
+        </p:nvPicPr>
+        <p:blipFill>
+          <a:blip r:embed="rId5"/>
+          <a:stretch>
+            <a:fillRect/>
+          </a:stretch>
+        </p:blipFill>
+        <p:spPr>
+          <a:xfrm>
+            <a:off x="4216298" y="3611879"/>
+            <a:ext cx="3393338" cy="1463040"/>
+          </a:xfrm>
+          <a:prstGeom prst="rect">
+            <a:avLst/>
+          </a:prstGeom>
+        </p:spPr>
+      </p:pic>
+      <p:sp>
+        <p:nvSpPr>
+          <p:cNvPr id="21" name="TextBox 20"/>
+          <p:cNvSpPr txBox="1"/>
+          <p:nvPr/>
+        </p:nvSpPr>
+        <p:spPr>
+          <a:xfrm>
+            <a:off x="4216298" y="5212079"/>
+            <a:ext cx="3393338" cy="237744"/>
+          </a:xfrm>
+          <a:prstGeom prst="rect">
+            <a:avLst/>
+          </a:prstGeom>
+          <a:noFill/>
+        </p:spPr>
+        <p:txBody>
+          <a:bodyPr wrap="square">
+            <a:spAutoFit/>
+          </a:bodyPr>
+          <a:lstStyle/>
+          <a:p>
+            <a:pPr algn="l">
+              <a:defRPr sz="1050" b="1">
+                <a:solidFill>
+                  <a:srgbClr val="3A5566"/>
+                </a:solidFill>
+              </a:defRPr>
+            </a:pPr>
+            <a:r>
+              <a:t>$30,000,000  (2025)</a:t>
+            </a:r>
+          </a:p>
+        </p:txBody>
+      </p:sp>
+      <p:sp>
+        <p:nvSpPr>
+          <p:cNvPr id="22" name="TextBox 21"/>
+          <p:cNvSpPr txBox="1"/>
+          <p:nvPr/>
+        </p:nvSpPr>
+        <p:spPr>
+          <a:xfrm>
+            <a:off x="4216298" y="5440679"/>
+            <a:ext cx="3393338" cy="237744"/>
+          </a:xfrm>
+          <a:prstGeom prst="rect">
+            <a:avLst/>
+          </a:prstGeom>
+          <a:noFill/>
+        </p:spPr>
+        <p:txBody>
+          <a:bodyPr wrap="square">
+            <a:spAutoFit/>
+          </a:bodyPr>
+          <a:lstStyle/>
+          <a:p>
+            <a:pPr algn="l">
+              <a:defRPr sz="1050" b="0">
+                <a:solidFill>
+                  <a:srgbClr val="3A5566"/>
+                </a:solidFill>
+              </a:defRPr>
+            </a:pPr>
+            <a:r>
+              <a:t>Price/SF: $228.93/SF</a:t>
+            </a:r>
+          </a:p>
+        </p:txBody>
+      </p:sp>
+      <p:sp>
+        <p:nvSpPr>
+          <p:cNvPr id="23" name="TextBox 22"/>
+          <p:cNvSpPr txBox="1"/>
+          <p:nvPr/>
+        </p:nvSpPr>
+        <p:spPr>
+          <a:xfrm>
+            <a:off x="4216298" y="5669279"/>
+            <a:ext cx="3393338" cy="237744"/>
+          </a:xfrm>
+          <a:prstGeom prst="rect">
+            <a:avLst/>
+          </a:prstGeom>
+          <a:noFill/>
+        </p:spPr>
+        <p:txBody>
+          <a:bodyPr wrap="square">
+            <a:spAutoFit/>
+          </a:bodyPr>
+          <a:lstStyle/>
+          <a:p>
+            <a:pPr algn="l">
+              <a:defRPr sz="1050" b="0">
+                <a:solidFill>
+                  <a:srgbClr val="3A5566"/>
+                </a:solidFill>
+              </a:defRPr>
+            </a:pPr>
+            <a:r>
+              <a:t>Built 1986  |  6.85 ac  |  6 stories</a:t>
+            </a:r>
+          </a:p>
+        </p:txBody>
+      </p:sp>
+      <p:sp>
+        <p:nvSpPr>
+          <p:cNvPr id="24" name="TextBox 23"/>
+          <p:cNvSpPr txBox="1"/>
+          <p:nvPr/>
+        </p:nvSpPr>
+        <p:spPr>
+          <a:xfrm>
+            <a:off x="4216298" y="5897879"/>
+            <a:ext cx="3393338" cy="237744"/>
+          </a:xfrm>
+          <a:prstGeom prst="rect">
+            <a:avLst/>
+          </a:prstGeom>
+          <a:noFill/>
+        </p:spPr>
+        <p:txBody>
+          <a:bodyPr wrap="square">
+            <a:spAutoFit/>
+          </a:bodyPr>
+          <a:lstStyle/>
+          <a:p>
+            <a:pPr algn="l">
+              <a:defRPr sz="1050" b="0">
+                <a:solidFill>
+                  <a:srgbClr val="3A5566"/>
+                </a:solidFill>
+              </a:defRPr>
+            </a:pPr>
+            <a:r>
+              <a:t>Zoning: ORI  |  Office (3+ Stories)</a:t>
+            </a:r>
+          </a:p>
+        </p:txBody>
+      </p:sp>
+      <p:sp>
+        <p:nvSpPr>
+          <p:cNvPr id="25" name="TextBox 24"/>
+          <p:cNvSpPr txBox="1"/>
+          <p:nvPr/>
+        </p:nvSpPr>
+        <p:spPr>
+          <a:xfrm>
+            <a:off x="4216298" y="6126479"/>
+            <a:ext cx="3393338" cy="237744"/>
+          </a:xfrm>
+          <a:prstGeom prst="rect">
+            <a:avLst/>
+          </a:prstGeom>
+          <a:noFill/>
+        </p:spPr>
+        <p:txBody>
+          <a:bodyPr wrap="square">
+            <a:spAutoFit/>
+          </a:bodyPr>
+          <a:lstStyle/>
+          <a:p>
+            <a:pPr algn="l">
+              <a:defRPr sz="1050" b="0">
+                <a:solidFill>
+                  <a:srgbClr val="3A5566"/>
+                </a:solidFill>
+              </a:defRPr>
+            </a:pPr>
+            <a:r>
+              <a:t>Building: N/A</a:t>
+            </a:r>
+          </a:p>
+        </p:txBody>
+      </p:sp>
+      <p:sp>
+        <p:nvSpPr>
+          <p:cNvPr id="26" name="Rectangle 25"/>
+          <p:cNvSpPr/>
+          <p:nvPr/>
+        </p:nvSpPr>
+        <p:spPr>
+          <a:xfrm>
+            <a:off x="7975396" y="1051560"/>
+            <a:ext cx="457200" cy="365760"/>
+          </a:xfrm>
+          <a:prstGeom prst="rect">
+            <a:avLst/>
+          </a:prstGeom>
+          <a:solidFill>
+            <a:srgbClr val="2E7D32"/>
+          </a:solidFill>
+          <a:ln>
+            <a:noFill/>
+          </a:ln>
+        </p:spPr>
+        <p:style>
+          <a:lnRef idx="1">
+            <a:schemeClr val="accent1"/>
+          </a:lnRef>
+          <a:fillRef idx="3">
+            <a:schemeClr val="accent1"/>
+          </a:fillRef>
+          <a:effectRef idx="2">
+            <a:schemeClr val="accent1"/>
+          </a:effectRef>
+          <a:fontRef idx="minor">
+            <a:schemeClr val="lt1"/>
+          </a:fontRef>
+        </p:style>
+        <p:txBody>
+          <a:bodyPr rtlCol="0" anchor="ctr"/>
+          <a:lstStyle/>
+          <a:p>
+            <a:pPr algn="ctr">
+              <a:defRPr sz="1400" b="1">
+                <a:solidFill>
+                  <a:srgbClr val="FFFFFF"/>
+                </a:solidFill>
+              </a:defRPr>
+            </a:pPr>
+            <a:r>
+              <a:t>#12</a:t>
+            </a:r>
+          </a:p>
+        </p:txBody>
+      </p:sp>
+      <p:sp>
+        <p:nvSpPr>
+          <p:cNvPr id="27" name="TextBox 26"/>
+          <p:cNvSpPr txBox="1"/>
+          <p:nvPr/>
+        </p:nvSpPr>
+        <p:spPr>
+          <a:xfrm>
+            <a:off x="8524036" y="1051560"/>
+            <a:ext cx="3027578" cy="320040"/>
+          </a:xfrm>
+          <a:prstGeom prst="rect">
+            <a:avLst/>
+          </a:prstGeom>
+          <a:noFill/>
+        </p:spPr>
+        <p:txBody>
+          <a:bodyPr wrap="square">
+            <a:spAutoFit/>
+          </a:bodyPr>
+          <a:lstStyle/>
+          <a:p>
+            <a:pPr algn="l">
+              <a:defRPr sz="1500" b="1">
+                <a:solidFill>
+                  <a:srgbClr val="3A5566"/>
+                </a:solidFill>
+              </a:defRPr>
+            </a:pPr>
+            <a:r>
+              <a:t>1 Burton Hills Blvd</a:t>
+            </a:r>
+          </a:p>
+        </p:txBody>
+      </p:sp>
+      <p:sp>
+        <p:nvSpPr>
+          <p:cNvPr id="28" name="TextBox 27"/>
+          <p:cNvSpPr txBox="1"/>
+          <p:nvPr/>
+        </p:nvSpPr>
+        <p:spPr>
+          <a:xfrm>
+            <a:off x="8524036" y="1307592"/>
+            <a:ext cx="3027578" cy="228600"/>
+          </a:xfrm>
+          <a:prstGeom prst="rect">
+            <a:avLst/>
+          </a:prstGeom>
+          <a:noFill/>
+        </p:spPr>
+        <p:txBody>
+          <a:bodyPr wrap="square">
+            <a:spAutoFit/>
+          </a:bodyPr>
+          <a:lstStyle/>
+          <a:p>
+            <a:pPr algn="l">
+              <a:defRPr sz="950" b="0">
+                <a:solidFill>
+                  <a:srgbClr val="706F6C"/>
+                </a:solidFill>
+              </a:defRPr>
+            </a:pPr>
+            <a:r>
+              <a:t>Nashville, TN  |  Score: 76/100</a:t>
+            </a:r>
+          </a:p>
+        </p:txBody>
+      </p:sp>
+      <p:pic>
+        <p:nvPicPr>
+          <p:cNvPr id="29" name="Picture 28" descr="rank12_photo.jpg"/>
+          <p:cNvPicPr>
+            <a:picLocks noChangeAspect="1"/>
+          </p:cNvPicPr>
+          <p:nvPr/>
+        </p:nvPicPr>
+        <p:blipFill>
+          <a:blip r:embed="rId6"/>
+          <a:stretch>
+            <a:fillRect/>
+          </a:stretch>
+        </p:blipFill>
+        <p:spPr>
+          <a:xfrm>
+            <a:off x="7975396" y="1600200"/>
+            <a:ext cx="3393338" cy="1920240"/>
+          </a:xfrm>
+          <a:prstGeom prst="rect">
+            <a:avLst/>
+          </a:prstGeom>
+        </p:spPr>
+      </p:pic>
+      <p:pic>
+        <p:nvPicPr>
+          <p:cNvPr id="30" name="Picture 29" descr="rank12_sketch.jpg"/>
+          <p:cNvPicPr>
+            <a:picLocks noChangeAspect="1"/>
+          </p:cNvPicPr>
+          <p:nvPr/>
+        </p:nvPicPr>
+        <p:blipFill>
+          <a:blip r:embed="rId7"/>
+          <a:stretch>
+            <a:fillRect/>
+          </a:stretch>
+        </p:blipFill>
+        <p:spPr>
+          <a:xfrm>
+            <a:off x="7975396" y="3611879"/>
+            <a:ext cx="3393338" cy="1463040"/>
+          </a:xfrm>
+          <a:prstGeom prst="rect">
+            <a:avLst/>
+          </a:prstGeom>
+        </p:spPr>
+      </p:pic>
+      <p:sp>
+        <p:nvSpPr>
+          <p:cNvPr id="31" name="TextBox 30"/>
+          <p:cNvSpPr txBox="1"/>
+          <p:nvPr/>
+        </p:nvSpPr>
+        <p:spPr>
+          <a:xfrm>
+            <a:off x="7975396" y="5212079"/>
+            <a:ext cx="3393338" cy="237744"/>
+          </a:xfrm>
+          <a:prstGeom prst="rect">
+            <a:avLst/>
+          </a:prstGeom>
+          <a:noFill/>
+        </p:spPr>
+        <p:txBody>
+          <a:bodyPr wrap="square">
+            <a:spAutoFit/>
+          </a:bodyPr>
+          <a:lstStyle/>
+          <a:p>
+            <a:pPr algn="l">
+              <a:defRPr sz="1050" b="1">
+                <a:solidFill>
+                  <a:srgbClr val="3A5566"/>
+                </a:solidFill>
+              </a:defRPr>
+            </a:pPr>
+            <a:r>
+              <a:t>$12,000,000  (2025)</a:t>
+            </a:r>
+          </a:p>
+        </p:txBody>
+      </p:sp>
+      <p:sp>
+        <p:nvSpPr>
+          <p:cNvPr id="32" name="TextBox 31"/>
+          <p:cNvSpPr txBox="1"/>
+          <p:nvPr/>
+        </p:nvSpPr>
+        <p:spPr>
+          <a:xfrm>
+            <a:off x="7975396" y="5440679"/>
+            <a:ext cx="3393338" cy="237744"/>
+          </a:xfrm>
+          <a:prstGeom prst="rect">
+            <a:avLst/>
+          </a:prstGeom>
+          <a:noFill/>
+        </p:spPr>
+        <p:txBody>
+          <a:bodyPr wrap="square">
+            <a:spAutoFit/>
+          </a:bodyPr>
+          <a:lstStyle/>
+          <a:p>
+            <a:pPr algn="l">
+              <a:defRPr sz="1050" b="0">
+                <a:solidFill>
+                  <a:srgbClr val="3A5566"/>
+                </a:solidFill>
+              </a:defRPr>
+            </a:pPr>
+            <a:r>
+              <a:t>Price/SF: $98.39/SF</a:t>
+            </a:r>
+          </a:p>
+        </p:txBody>
+      </p:sp>
+      <p:sp>
+        <p:nvSpPr>
+          <p:cNvPr id="33" name="TextBox 32"/>
+          <p:cNvSpPr txBox="1"/>
+          <p:nvPr/>
+        </p:nvSpPr>
+        <p:spPr>
+          <a:xfrm>
+            <a:off x="7975396" y="5669279"/>
+            <a:ext cx="3393338" cy="237744"/>
+          </a:xfrm>
+          <a:prstGeom prst="rect">
+            <a:avLst/>
+          </a:prstGeom>
+          <a:noFill/>
+        </p:spPr>
+        <p:txBody>
+          <a:bodyPr wrap="square">
+            <a:spAutoFit/>
+          </a:bodyPr>
+          <a:lstStyle/>
+          <a:p>
+            <a:pPr algn="l">
+              <a:defRPr sz="1050" b="0">
+                <a:solidFill>
+                  <a:srgbClr val="3A5566"/>
+                </a:solidFill>
+              </a:defRPr>
+            </a:pPr>
+            <a:r>
+              <a:t>Built 1985  |  7.07 ac  |  3 stories</a:t>
+            </a:r>
+          </a:p>
+        </p:txBody>
+      </p:sp>
+      <p:sp>
+        <p:nvSpPr>
+          <p:cNvPr id="34" name="TextBox 33"/>
+          <p:cNvSpPr txBox="1"/>
+          <p:nvPr/>
+        </p:nvSpPr>
+        <p:spPr>
+          <a:xfrm>
+            <a:off x="7975396" y="5897879"/>
+            <a:ext cx="3393338" cy="237744"/>
+          </a:xfrm>
+          <a:prstGeom prst="rect">
+            <a:avLst/>
+          </a:prstGeom>
+          <a:noFill/>
+        </p:spPr>
+        <p:txBody>
+          <a:bodyPr wrap="square">
+            <a:spAutoFit/>
+          </a:bodyPr>
+          <a:lstStyle/>
+          <a:p>
+            <a:pPr algn="l">
+              <a:defRPr sz="1050" b="0">
+                <a:solidFill>
+                  <a:srgbClr val="3A5566"/>
+                </a:solidFill>
+              </a:defRPr>
+            </a:pPr>
+            <a:r>
+              <a:t>Zoning: SP  |  Office (3+ Stories)</a:t>
+            </a:r>
+          </a:p>
+        </p:txBody>
+      </p:sp>
+      <p:sp>
+        <p:nvSpPr>
+          <p:cNvPr id="35" name="TextBox 34"/>
+          <p:cNvSpPr txBox="1"/>
+          <p:nvPr/>
+        </p:nvSpPr>
+        <p:spPr>
+          <a:xfrm>
+            <a:off x="7975396" y="6126479"/>
+            <a:ext cx="3393338" cy="237744"/>
           </a:xfrm>
           <a:prstGeom prst="rect">
             <a:avLst/>
@@ -10765,7 +14963,7 @@
             <a:avLst/>
           </a:prstGeom>
           <a:solidFill>
-            <a:srgbClr val="E65100"/>
+            <a:srgbClr val="2E7D32"/>
           </a:solidFill>
           <a:ln>
             <a:noFill/>
@@ -10824,7 +15022,7 @@
               </a:defRPr>
             </a:pPr>
             <a:r>
-              <a:t>Tier 3 — Supporting Comparables — #14, #15, #16</a:t>
+              <a:t>Tier 2 — Good Comparables — #13</a:t>
             </a:r>
           </a:p>
         </p:txBody>
@@ -10859,7 +15057,7 @@
               </a:defRPr>
             </a:pPr>
             <a:r>
-              <a:t>Scores: 68-72/100</a:t>
+              <a:t>Scores: 75-75/100</a:t>
             </a:r>
           </a:p>
         </p:txBody>
@@ -10879,7 +15077,7 @@
             <a:avLst/>
           </a:prstGeom>
           <a:solidFill>
-            <a:srgbClr val="E65100"/>
+            <a:srgbClr val="2E7D32"/>
           </a:solidFill>
           <a:ln>
             <a:noFill/>
@@ -10911,7 +15109,7 @@
               </a:defRPr>
             </a:pPr>
             <a:r>
-              <a:t>#14</a:t>
+              <a:t>#13</a:t>
             </a:r>
           </a:p>
         </p:txBody>
@@ -10925,7 +15123,7 @@
         <p:spPr>
           <a:xfrm>
             <a:off x="1005840" y="1051560"/>
-            <a:ext cx="3027578" cy="320040"/>
+            <a:ext cx="10545775" cy="320040"/>
           </a:xfrm>
           <a:prstGeom prst="rect">
             <a:avLst/>
@@ -10946,7 +15144,7 @@
               </a:defRPr>
             </a:pPr>
             <a:r>
-              <a:t>1321 Murfreesboro Pike</a:t>
+              <a:t>104 Woodmont Blvd</a:t>
             </a:r>
           </a:p>
         </p:txBody>
@@ -10960,7 +15158,7 @@
         <p:spPr>
           <a:xfrm>
             <a:off x="1005840" y="1307592"/>
-            <a:ext cx="3027578" cy="228600"/>
+            <a:ext cx="10545775" cy="228600"/>
           </a:xfrm>
           <a:prstGeom prst="rect">
             <a:avLst/>
@@ -10981,14 +15179,14 @@
               </a:defRPr>
             </a:pPr>
             <a:r>
-              <a:t>Nashville, TN  |  Score: 72/100</a:t>
+              <a:t>Nashville, TN  |  Score: 75/100</a:t>
             </a:r>
           </a:p>
         </p:txBody>
       </p:sp>
       <p:pic>
         <p:nvPicPr>
-          <p:cNvPr id="9" name="Picture 8" descr="rank14_photo.jpg"/>
+          <p:cNvPr id="9" name="Picture 8" descr="rank13_photo.jpg"/>
           <p:cNvPicPr>
             <a:picLocks noChangeAspect="1"/>
           </p:cNvPicPr>
@@ -11003,7 +15201,7 @@
         <p:spPr>
           <a:xfrm>
             <a:off x="457200" y="1600200"/>
-            <a:ext cx="3393338" cy="1920240"/>
+            <a:ext cx="10911535" cy="1920240"/>
           </a:xfrm>
           <a:prstGeom prst="rect">
             <a:avLst/>
@@ -11012,7 +15210,7 @@
       </p:pic>
       <p:pic>
         <p:nvPicPr>
-          <p:cNvPr id="10" name="Picture 9" descr="rank14_sketch.jpg"/>
+          <p:cNvPr id="10" name="Picture 9" descr="rank13_sketch.jpg"/>
           <p:cNvPicPr>
             <a:picLocks noChangeAspect="1"/>
           </p:cNvPicPr>
@@ -11027,7 +15225,7 @@
         <p:spPr>
           <a:xfrm>
             <a:off x="457200" y="3611879"/>
-            <a:ext cx="3393338" cy="1463040"/>
+            <a:ext cx="10911535" cy="1463040"/>
           </a:xfrm>
           <a:prstGeom prst="rect">
             <a:avLst/>
@@ -11043,7 +15241,7 @@
         <p:spPr>
           <a:xfrm>
             <a:off x="457200" y="5212079"/>
-            <a:ext cx="3393338" cy="237744"/>
+            <a:ext cx="10911535" cy="237744"/>
           </a:xfrm>
           <a:prstGeom prst="rect">
             <a:avLst/>
@@ -11064,7 +15262,7 @@
               </a:defRPr>
             </a:pPr>
             <a:r>
-              <a:t>$18,500,000  (2021)</a:t>
+              <a:t>$50,970,857  (2025)</a:t>
             </a:r>
           </a:p>
         </p:txBody>
@@ -11078,7 +15276,7 @@
         <p:spPr>
           <a:xfrm>
             <a:off x="457200" y="5440679"/>
-            <a:ext cx="3393338" cy="237744"/>
+            <a:ext cx="10911535" cy="237744"/>
           </a:xfrm>
           <a:prstGeom prst="rect">
             <a:avLst/>
@@ -11099,7 +15297,7 @@
               </a:defRPr>
             </a:pPr>
             <a:r>
-              <a:t>Price/SF: $97.45/SF</a:t>
+              <a:t>Price/SF: $140.77/SF</a:t>
             </a:r>
           </a:p>
         </p:txBody>
@@ -11113,7 +15311,7 @@
         <p:spPr>
           <a:xfrm>
             <a:off x="457200" y="5669279"/>
-            <a:ext cx="3393338" cy="237744"/>
+            <a:ext cx="10911535" cy="237744"/>
           </a:xfrm>
           <a:prstGeom prst="rect">
             <a:avLst/>
@@ -11134,7 +15332,7 @@
               </a:defRPr>
             </a:pPr>
             <a:r>
-              <a:t>Built 1987  |  5.30 ac  |  8 stories</a:t>
+              <a:t>Built 1985  |  2.40 ac  |  8 stories</a:t>
             </a:r>
           </a:p>
         </p:txBody>
@@ -11148,7 +15346,7 @@
         <p:spPr>
           <a:xfrm>
             <a:off x="457200" y="5897879"/>
-            <a:ext cx="3393338" cy="237744"/>
+            <a:ext cx="10911535" cy="237744"/>
           </a:xfrm>
           <a:prstGeom prst="rect">
             <a:avLst/>
@@ -11169,7 +15367,7 @@
               </a:defRPr>
             </a:pPr>
             <a:r>
-              <a:t>Zoning: CL  |  Office (3+ Stories)</a:t>
+              <a:t>Zoning: OR20  |  Office (3+ Stories)</a:t>
             </a:r>
           </a:p>
         </p:txBody>
@@ -11183,7 +15381,7 @@
         <p:spPr>
           <a:xfrm>
             <a:off x="457200" y="6126479"/>
-            <a:ext cx="3393338" cy="237744"/>
+            <a:ext cx="10911535" cy="237744"/>
           </a:xfrm>
           <a:prstGeom prst="rect">
             <a:avLst/>
@@ -11205,696 +15403,6 @@
             </a:pPr>
             <a:r>
               <a:t>Building: N/A</a:t>
-            </a:r>
-          </a:p>
-        </p:txBody>
-      </p:sp>
-      <p:sp>
-        <p:nvSpPr>
-          <p:cNvPr id="16" name="Rectangle 15"/>
-          <p:cNvSpPr/>
-          <p:nvPr/>
-        </p:nvSpPr>
-        <p:spPr>
-          <a:xfrm>
-            <a:off x="4216298" y="1051560"/>
-            <a:ext cx="457200" cy="365760"/>
-          </a:xfrm>
-          <a:prstGeom prst="rect">
-            <a:avLst/>
-          </a:prstGeom>
-          <a:solidFill>
-            <a:srgbClr val="E65100"/>
-          </a:solidFill>
-          <a:ln>
-            <a:noFill/>
-          </a:ln>
-        </p:spPr>
-        <p:style>
-          <a:lnRef idx="1">
-            <a:schemeClr val="accent1"/>
-          </a:lnRef>
-          <a:fillRef idx="3">
-            <a:schemeClr val="accent1"/>
-          </a:fillRef>
-          <a:effectRef idx="2">
-            <a:schemeClr val="accent1"/>
-          </a:effectRef>
-          <a:fontRef idx="minor">
-            <a:schemeClr val="lt1"/>
-          </a:fontRef>
-        </p:style>
-        <p:txBody>
-          <a:bodyPr rtlCol="0" anchor="ctr"/>
-          <a:lstStyle/>
-          <a:p>
-            <a:pPr algn="ctr">
-              <a:defRPr sz="1400" b="1">
-                <a:solidFill>
-                  <a:srgbClr val="FFFFFF"/>
-                </a:solidFill>
-              </a:defRPr>
-            </a:pPr>
-            <a:r>
-              <a:t>#15</a:t>
-            </a:r>
-          </a:p>
-        </p:txBody>
-      </p:sp>
-      <p:sp>
-        <p:nvSpPr>
-          <p:cNvPr id="17" name="TextBox 16"/>
-          <p:cNvSpPr txBox="1"/>
-          <p:nvPr/>
-        </p:nvSpPr>
-        <p:spPr>
-          <a:xfrm>
-            <a:off x="4764938" y="1051560"/>
-            <a:ext cx="3027578" cy="320040"/>
-          </a:xfrm>
-          <a:prstGeom prst="rect">
-            <a:avLst/>
-          </a:prstGeom>
-          <a:noFill/>
-        </p:spPr>
-        <p:txBody>
-          <a:bodyPr wrap="square">
-            <a:spAutoFit/>
-          </a:bodyPr>
-          <a:lstStyle/>
-          <a:p>
-            <a:pPr algn="l">
-              <a:defRPr sz="1500" b="1">
-                <a:solidFill>
-                  <a:srgbClr val="3A5566"/>
-                </a:solidFill>
-              </a:defRPr>
-            </a:pPr>
-            <a:r>
-              <a:t>5880 Nolensville Pike</a:t>
-            </a:r>
-          </a:p>
-        </p:txBody>
-      </p:sp>
-      <p:sp>
-        <p:nvSpPr>
-          <p:cNvPr id="18" name="TextBox 17"/>
-          <p:cNvSpPr txBox="1"/>
-          <p:nvPr/>
-        </p:nvSpPr>
-        <p:spPr>
-          <a:xfrm>
-            <a:off x="4764938" y="1307592"/>
-            <a:ext cx="3027578" cy="228600"/>
-          </a:xfrm>
-          <a:prstGeom prst="rect">
-            <a:avLst/>
-          </a:prstGeom>
-          <a:noFill/>
-        </p:spPr>
-        <p:txBody>
-          <a:bodyPr wrap="square">
-            <a:spAutoFit/>
-          </a:bodyPr>
-          <a:lstStyle/>
-          <a:p>
-            <a:pPr algn="l">
-              <a:defRPr sz="950" b="0">
-                <a:solidFill>
-                  <a:srgbClr val="706F6C"/>
-                </a:solidFill>
-              </a:defRPr>
-            </a:pPr>
-            <a:r>
-              <a:t>Nashville, TN  |  Score: 70/100</a:t>
-            </a:r>
-          </a:p>
-        </p:txBody>
-      </p:sp>
-      <p:pic>
-        <p:nvPicPr>
-          <p:cNvPr id="19" name="Picture 18" descr="rank15_photo.jpg"/>
-          <p:cNvPicPr>
-            <a:picLocks noChangeAspect="1"/>
-          </p:cNvPicPr>
-          <p:nvPr/>
-        </p:nvPicPr>
-        <p:blipFill>
-          <a:blip r:embed="rId4"/>
-          <a:stretch>
-            <a:fillRect/>
-          </a:stretch>
-        </p:blipFill>
-        <p:spPr>
-          <a:xfrm>
-            <a:off x="4216298" y="1600200"/>
-            <a:ext cx="3393338" cy="1920240"/>
-          </a:xfrm>
-          <a:prstGeom prst="rect">
-            <a:avLst/>
-          </a:prstGeom>
-        </p:spPr>
-      </p:pic>
-      <p:pic>
-        <p:nvPicPr>
-          <p:cNvPr id="20" name="Picture 19" descr="rank15_sketch.jpg"/>
-          <p:cNvPicPr>
-            <a:picLocks noChangeAspect="1"/>
-          </p:cNvPicPr>
-          <p:nvPr/>
-        </p:nvPicPr>
-        <p:blipFill>
-          <a:blip r:embed="rId5"/>
-          <a:stretch>
-            <a:fillRect/>
-          </a:stretch>
-        </p:blipFill>
-        <p:spPr>
-          <a:xfrm>
-            <a:off x="4216298" y="3611879"/>
-            <a:ext cx="3393338" cy="1463040"/>
-          </a:xfrm>
-          <a:prstGeom prst="rect">
-            <a:avLst/>
-          </a:prstGeom>
-        </p:spPr>
-      </p:pic>
-      <p:sp>
-        <p:nvSpPr>
-          <p:cNvPr id="21" name="TextBox 20"/>
-          <p:cNvSpPr txBox="1"/>
-          <p:nvPr/>
-        </p:nvSpPr>
-        <p:spPr>
-          <a:xfrm>
-            <a:off x="4216298" y="5212079"/>
-            <a:ext cx="3393338" cy="237744"/>
-          </a:xfrm>
-          <a:prstGeom prst="rect">
-            <a:avLst/>
-          </a:prstGeom>
-          <a:noFill/>
-        </p:spPr>
-        <p:txBody>
-          <a:bodyPr wrap="square">
-            <a:spAutoFit/>
-          </a:bodyPr>
-          <a:lstStyle/>
-          <a:p>
-            <a:pPr algn="l">
-              <a:defRPr sz="1050" b="1">
-                <a:solidFill>
-                  <a:srgbClr val="3A5566"/>
-                </a:solidFill>
-              </a:defRPr>
-            </a:pPr>
-            <a:r>
-              <a:t>$17,000,000  (2019)</a:t>
-            </a:r>
-          </a:p>
-        </p:txBody>
-      </p:sp>
-      <p:sp>
-        <p:nvSpPr>
-          <p:cNvPr id="22" name="TextBox 21"/>
-          <p:cNvSpPr txBox="1"/>
-          <p:nvPr/>
-        </p:nvSpPr>
-        <p:spPr>
-          <a:xfrm>
-            <a:off x="4216298" y="5440679"/>
-            <a:ext cx="3393338" cy="237744"/>
-          </a:xfrm>
-          <a:prstGeom prst="rect">
-            <a:avLst/>
-          </a:prstGeom>
-          <a:noFill/>
-        </p:spPr>
-        <p:txBody>
-          <a:bodyPr wrap="square">
-            <a:spAutoFit/>
-          </a:bodyPr>
-          <a:lstStyle/>
-          <a:p>
-            <a:pPr algn="l">
-              <a:defRPr sz="1050" b="0">
-                <a:solidFill>
-                  <a:srgbClr val="3A5566"/>
-                </a:solidFill>
-              </a:defRPr>
-            </a:pPr>
-            <a:r>
-              <a:t>Price/SF: $184.04/SF</a:t>
-            </a:r>
-          </a:p>
-        </p:txBody>
-      </p:sp>
-      <p:sp>
-        <p:nvSpPr>
-          <p:cNvPr id="23" name="TextBox 22"/>
-          <p:cNvSpPr txBox="1"/>
-          <p:nvPr/>
-        </p:nvSpPr>
-        <p:spPr>
-          <a:xfrm>
-            <a:off x="4216298" y="5669279"/>
-            <a:ext cx="3393338" cy="237744"/>
-          </a:xfrm>
-          <a:prstGeom prst="rect">
-            <a:avLst/>
-          </a:prstGeom>
-          <a:noFill/>
-        </p:spPr>
-        <p:txBody>
-          <a:bodyPr wrap="square">
-            <a:spAutoFit/>
-          </a:bodyPr>
-          <a:lstStyle/>
-          <a:p>
-            <a:pPr algn="l">
-              <a:defRPr sz="1050" b="0">
-                <a:solidFill>
-                  <a:srgbClr val="3A5566"/>
-                </a:solidFill>
-              </a:defRPr>
-            </a:pPr>
-            <a:r>
-              <a:t>Built 1989  |  13.80 ac  |  2 stories</a:t>
-            </a:r>
-          </a:p>
-        </p:txBody>
-      </p:sp>
-      <p:sp>
-        <p:nvSpPr>
-          <p:cNvPr id="24" name="TextBox 23"/>
-          <p:cNvSpPr txBox="1"/>
-          <p:nvPr/>
-        </p:nvSpPr>
-        <p:spPr>
-          <a:xfrm>
-            <a:off x="4216298" y="5897879"/>
-            <a:ext cx="3393338" cy="237744"/>
-          </a:xfrm>
-          <a:prstGeom prst="rect">
-            <a:avLst/>
-          </a:prstGeom>
-          <a:noFill/>
-        </p:spPr>
-        <p:txBody>
-          <a:bodyPr wrap="square">
-            <a:spAutoFit/>
-          </a:bodyPr>
-          <a:lstStyle/>
-          <a:p>
-            <a:pPr algn="l">
-              <a:defRPr sz="1050" b="0">
-                <a:solidFill>
-                  <a:srgbClr val="3A5566"/>
-                </a:solidFill>
-              </a:defRPr>
-            </a:pPr>
-            <a:r>
-              <a:t>Zoning: R10  |  Office (1-2 Stories)</a:t>
-            </a:r>
-          </a:p>
-        </p:txBody>
-      </p:sp>
-      <p:sp>
-        <p:nvSpPr>
-          <p:cNvPr id="25" name="TextBox 24"/>
-          <p:cNvSpPr txBox="1"/>
-          <p:nvPr/>
-        </p:nvSpPr>
-        <p:spPr>
-          <a:xfrm>
-            <a:off x="4216298" y="6126479"/>
-            <a:ext cx="3393338" cy="237744"/>
-          </a:xfrm>
-          <a:prstGeom prst="rect">
-            <a:avLst/>
-          </a:prstGeom>
-          <a:noFill/>
-        </p:spPr>
-        <p:txBody>
-          <a:bodyPr wrap="square">
-            <a:spAutoFit/>
-          </a:bodyPr>
-          <a:lstStyle/>
-          <a:p>
-            <a:pPr algn="l">
-              <a:defRPr sz="1050" b="0">
-                <a:solidFill>
-                  <a:srgbClr val="3A5566"/>
-                </a:solidFill>
-              </a:defRPr>
-            </a:pPr>
-            <a:r>
-              <a:t>Building: 92,370 SF</a:t>
-            </a:r>
-          </a:p>
-        </p:txBody>
-      </p:sp>
-      <p:sp>
-        <p:nvSpPr>
-          <p:cNvPr id="26" name="Rectangle 25"/>
-          <p:cNvSpPr/>
-          <p:nvPr/>
-        </p:nvSpPr>
-        <p:spPr>
-          <a:xfrm>
-            <a:off x="7975396" y="1051560"/>
-            <a:ext cx="457200" cy="365760"/>
-          </a:xfrm>
-          <a:prstGeom prst="rect">
-            <a:avLst/>
-          </a:prstGeom>
-          <a:solidFill>
-            <a:srgbClr val="E65100"/>
-          </a:solidFill>
-          <a:ln>
-            <a:noFill/>
-          </a:ln>
-        </p:spPr>
-        <p:style>
-          <a:lnRef idx="1">
-            <a:schemeClr val="accent1"/>
-          </a:lnRef>
-          <a:fillRef idx="3">
-            <a:schemeClr val="accent1"/>
-          </a:fillRef>
-          <a:effectRef idx="2">
-            <a:schemeClr val="accent1"/>
-          </a:effectRef>
-          <a:fontRef idx="minor">
-            <a:schemeClr val="lt1"/>
-          </a:fontRef>
-        </p:style>
-        <p:txBody>
-          <a:bodyPr rtlCol="0" anchor="ctr"/>
-          <a:lstStyle/>
-          <a:p>
-            <a:pPr algn="ctr">
-              <a:defRPr sz="1400" b="1">
-                <a:solidFill>
-                  <a:srgbClr val="FFFFFF"/>
-                </a:solidFill>
-              </a:defRPr>
-            </a:pPr>
-            <a:r>
-              <a:t>#16</a:t>
-            </a:r>
-          </a:p>
-        </p:txBody>
-      </p:sp>
-      <p:sp>
-        <p:nvSpPr>
-          <p:cNvPr id="27" name="TextBox 26"/>
-          <p:cNvSpPr txBox="1"/>
-          <p:nvPr/>
-        </p:nvSpPr>
-        <p:spPr>
-          <a:xfrm>
-            <a:off x="8524036" y="1051560"/>
-            <a:ext cx="3027578" cy="320040"/>
-          </a:xfrm>
-          <a:prstGeom prst="rect">
-            <a:avLst/>
-          </a:prstGeom>
-          <a:noFill/>
-        </p:spPr>
-        <p:txBody>
-          <a:bodyPr wrap="square">
-            <a:spAutoFit/>
-          </a:bodyPr>
-          <a:lstStyle/>
-          <a:p>
-            <a:pPr algn="l">
-              <a:defRPr sz="1500" b="1">
-                <a:solidFill>
-                  <a:srgbClr val="3A5566"/>
-                </a:solidFill>
-              </a:defRPr>
-            </a:pPr>
-            <a:r>
-              <a:t>490 Metroplex Dr</a:t>
-            </a:r>
-          </a:p>
-        </p:txBody>
-      </p:sp>
-      <p:sp>
-        <p:nvSpPr>
-          <p:cNvPr id="28" name="TextBox 27"/>
-          <p:cNvSpPr txBox="1"/>
-          <p:nvPr/>
-        </p:nvSpPr>
-        <p:spPr>
-          <a:xfrm>
-            <a:off x="8524036" y="1307592"/>
-            <a:ext cx="3027578" cy="228600"/>
-          </a:xfrm>
-          <a:prstGeom prst="rect">
-            <a:avLst/>
-          </a:prstGeom>
-          <a:noFill/>
-        </p:spPr>
-        <p:txBody>
-          <a:bodyPr wrap="square">
-            <a:spAutoFit/>
-          </a:bodyPr>
-          <a:lstStyle/>
-          <a:p>
-            <a:pPr algn="l">
-              <a:defRPr sz="950" b="0">
-                <a:solidFill>
-                  <a:srgbClr val="706F6C"/>
-                </a:solidFill>
-              </a:defRPr>
-            </a:pPr>
-            <a:r>
-              <a:t>Nashville, TN  |  Score: 68/100</a:t>
-            </a:r>
-          </a:p>
-        </p:txBody>
-      </p:sp>
-      <p:pic>
-        <p:nvPicPr>
-          <p:cNvPr id="29" name="Picture 28" descr="rank16_photo.jpg"/>
-          <p:cNvPicPr>
-            <a:picLocks noChangeAspect="1"/>
-          </p:cNvPicPr>
-          <p:nvPr/>
-        </p:nvPicPr>
-        <p:blipFill>
-          <a:blip r:embed="rId6"/>
-          <a:stretch>
-            <a:fillRect/>
-          </a:stretch>
-        </p:blipFill>
-        <p:spPr>
-          <a:xfrm>
-            <a:off x="7975396" y="1600200"/>
-            <a:ext cx="3393338" cy="1920240"/>
-          </a:xfrm>
-          <a:prstGeom prst="rect">
-            <a:avLst/>
-          </a:prstGeom>
-        </p:spPr>
-      </p:pic>
-      <p:pic>
-        <p:nvPicPr>
-          <p:cNvPr id="30" name="Picture 29" descr="rank16_sketch.jpg"/>
-          <p:cNvPicPr>
-            <a:picLocks noChangeAspect="1"/>
-          </p:cNvPicPr>
-          <p:nvPr/>
-        </p:nvPicPr>
-        <p:blipFill>
-          <a:blip r:embed="rId7"/>
-          <a:stretch>
-            <a:fillRect/>
-          </a:stretch>
-        </p:blipFill>
-        <p:spPr>
-          <a:xfrm>
-            <a:off x="7975396" y="3611879"/>
-            <a:ext cx="3393338" cy="1463040"/>
-          </a:xfrm>
-          <a:prstGeom prst="rect">
-            <a:avLst/>
-          </a:prstGeom>
-        </p:spPr>
-      </p:pic>
-      <p:sp>
-        <p:nvSpPr>
-          <p:cNvPr id="31" name="TextBox 30"/>
-          <p:cNvSpPr txBox="1"/>
-          <p:nvPr/>
-        </p:nvSpPr>
-        <p:spPr>
-          <a:xfrm>
-            <a:off x="7975396" y="5212079"/>
-            <a:ext cx="3393338" cy="237744"/>
-          </a:xfrm>
-          <a:prstGeom prst="rect">
-            <a:avLst/>
-          </a:prstGeom>
-          <a:noFill/>
-        </p:spPr>
-        <p:txBody>
-          <a:bodyPr wrap="square">
-            <a:spAutoFit/>
-          </a:bodyPr>
-          <a:lstStyle/>
-          <a:p>
-            <a:pPr algn="l">
-              <a:defRPr sz="1050" b="1">
-                <a:solidFill>
-                  <a:srgbClr val="3A5566"/>
-                </a:solidFill>
-              </a:defRPr>
-            </a:pPr>
-            <a:r>
-              <a:t>$11,000,000  (2024)</a:t>
-            </a:r>
-          </a:p>
-        </p:txBody>
-      </p:sp>
-      <p:sp>
-        <p:nvSpPr>
-          <p:cNvPr id="32" name="TextBox 31"/>
-          <p:cNvSpPr txBox="1"/>
-          <p:nvPr/>
-        </p:nvSpPr>
-        <p:spPr>
-          <a:xfrm>
-            <a:off x="7975396" y="5440679"/>
-            <a:ext cx="3393338" cy="237744"/>
-          </a:xfrm>
-          <a:prstGeom prst="rect">
-            <a:avLst/>
-          </a:prstGeom>
-          <a:noFill/>
-        </p:spPr>
-        <p:txBody>
-          <a:bodyPr wrap="square">
-            <a:spAutoFit/>
-          </a:bodyPr>
-          <a:lstStyle/>
-          <a:p>
-            <a:pPr algn="l">
-              <a:defRPr sz="1050" b="0">
-                <a:solidFill>
-                  <a:srgbClr val="3A5566"/>
-                </a:solidFill>
-              </a:defRPr>
-            </a:pPr>
-            <a:r>
-              <a:t>Price/SF: $129.99/SF</a:t>
-            </a:r>
-          </a:p>
-        </p:txBody>
-      </p:sp>
-      <p:sp>
-        <p:nvSpPr>
-          <p:cNvPr id="33" name="TextBox 32"/>
-          <p:cNvSpPr txBox="1"/>
-          <p:nvPr/>
-        </p:nvSpPr>
-        <p:spPr>
-          <a:xfrm>
-            <a:off x="7975396" y="5669279"/>
-            <a:ext cx="3393338" cy="237744"/>
-          </a:xfrm>
-          <a:prstGeom prst="rect">
-            <a:avLst/>
-          </a:prstGeom>
-          <a:noFill/>
-        </p:spPr>
-        <p:txBody>
-          <a:bodyPr wrap="square">
-            <a:spAutoFit/>
-          </a:bodyPr>
-          <a:lstStyle/>
-          <a:p>
-            <a:pPr algn="l">
-              <a:defRPr sz="1050" b="0">
-                <a:solidFill>
-                  <a:srgbClr val="3A5566"/>
-                </a:solidFill>
-              </a:defRPr>
-            </a:pPr>
-            <a:r>
-              <a:t>Built 1986  |  4.68 ac  |  2 stories</a:t>
-            </a:r>
-          </a:p>
-        </p:txBody>
-      </p:sp>
-      <p:sp>
-        <p:nvSpPr>
-          <p:cNvPr id="34" name="TextBox 33"/>
-          <p:cNvSpPr txBox="1"/>
-          <p:nvPr/>
-        </p:nvSpPr>
-        <p:spPr>
-          <a:xfrm>
-            <a:off x="7975396" y="5897879"/>
-            <a:ext cx="3393338" cy="237744"/>
-          </a:xfrm>
-          <a:prstGeom prst="rect">
-            <a:avLst/>
-          </a:prstGeom>
-          <a:noFill/>
-        </p:spPr>
-        <p:txBody>
-          <a:bodyPr wrap="square">
-            <a:spAutoFit/>
-          </a:bodyPr>
-          <a:lstStyle/>
-          <a:p>
-            <a:pPr algn="l">
-              <a:defRPr sz="1050" b="0">
-                <a:solidFill>
-                  <a:srgbClr val="3A5566"/>
-                </a:solidFill>
-              </a:defRPr>
-            </a:pPr>
-            <a:r>
-              <a:t>Zoning: CS  |  Office (1-2 Stories)</a:t>
-            </a:r>
-          </a:p>
-        </p:txBody>
-      </p:sp>
-      <p:sp>
-        <p:nvSpPr>
-          <p:cNvPr id="35" name="TextBox 34"/>
-          <p:cNvSpPr txBox="1"/>
-          <p:nvPr/>
-        </p:nvSpPr>
-        <p:spPr>
-          <a:xfrm>
-            <a:off x="7975396" y="6126479"/>
-            <a:ext cx="3393338" cy="237744"/>
-          </a:xfrm>
-          <a:prstGeom prst="rect">
-            <a:avLst/>
-          </a:prstGeom>
-          <a:noFill/>
-        </p:spPr>
-        <p:txBody>
-          <a:bodyPr wrap="square">
-            <a:spAutoFit/>
-          </a:bodyPr>
-          <a:lstStyle/>
-          <a:p>
-            <a:pPr algn="l">
-              <a:defRPr sz="1050" b="0">
-                <a:solidFill>
-                  <a:srgbClr val="3A5566"/>
-                </a:solidFill>
-              </a:defRPr>
-            </a:pPr>
-            <a:r>
-              <a:t>Building: 84,620 SF</a:t>
             </a:r>
           </a:p>
         </p:txBody>
@@ -12050,7 +15558,7 @@
               </a:defRPr>
             </a:pPr>
             <a:r>
-              <a:t>Tier 3 — Supporting Comparables — #17, #18, #19</a:t>
+              <a:t>Tier 3 — Supporting Comparables — #14, #15, #16</a:t>
             </a:r>
           </a:p>
         </p:txBody>
@@ -12085,7 +15593,7 @@
               </a:defRPr>
             </a:pPr>
             <a:r>
-              <a:t>Scores: 60-65/100</a:t>
+              <a:t>Scores: 68-72/100</a:t>
             </a:r>
           </a:p>
         </p:txBody>
@@ -12137,7 +15645,7 @@
               </a:defRPr>
             </a:pPr>
             <a:r>
-              <a:t>#17</a:t>
+              <a:t>#14</a:t>
             </a:r>
           </a:p>
         </p:txBody>
@@ -12172,7 +15680,7 @@
               </a:defRPr>
             </a:pPr>
             <a:r>
-              <a:t>750 Old Hickory Blvd</a:t>
+              <a:t>1321 Murfreesboro Pike</a:t>
             </a:r>
           </a:p>
         </p:txBody>
@@ -12207,14 +15715,14 @@
               </a:defRPr>
             </a:pPr>
             <a:r>
-              <a:t>Nashville, TN  |  Score: 65/100</a:t>
+              <a:t>Nashville, TN  |  Score: 72/100</a:t>
             </a:r>
           </a:p>
         </p:txBody>
       </p:sp>
       <p:pic>
         <p:nvPicPr>
-          <p:cNvPr id="9" name="Picture 8" descr="rank17_photo.jpg"/>
+          <p:cNvPr id="9" name="Picture 8" descr="rank14_photo.jpg"/>
           <p:cNvPicPr>
             <a:picLocks noChangeAspect="1"/>
           </p:cNvPicPr>
@@ -12238,7 +15746,7 @@
       </p:pic>
       <p:pic>
         <p:nvPicPr>
-          <p:cNvPr id="10" name="Picture 9" descr="rank17_sketch.jpg"/>
+          <p:cNvPr id="10" name="Picture 9" descr="rank14_sketch.jpg"/>
           <p:cNvPicPr>
             <a:picLocks noChangeAspect="1"/>
           </p:cNvPicPr>
@@ -12290,7 +15798,7 @@
               </a:defRPr>
             </a:pPr>
             <a:r>
-              <a:t>$88,300,000  (2025)</a:t>
+              <a:t>$18,500,000  (2021)</a:t>
             </a:r>
           </a:p>
         </p:txBody>
@@ -12325,7 +15833,7 @@
               </a:defRPr>
             </a:pPr>
             <a:r>
-              <a:t>Price/SF: $102.42/SF</a:t>
+              <a:t>Price/SF: $97.45/SF</a:t>
             </a:r>
           </a:p>
         </p:txBody>
@@ -12360,7 +15868,7 @@
               </a:defRPr>
             </a:pPr>
             <a:r>
-              <a:t>Built 1983  |  14.50 ac  |  2 stories</a:t>
+              <a:t>Built 1987  |  5.30 ac  |  8 stories</a:t>
             </a:r>
           </a:p>
         </p:txBody>
@@ -12395,7 +15903,7 @@
               </a:defRPr>
             </a:pPr>
             <a:r>
-              <a:t>Zoning: OL  |  Office (1-2 Stories)</a:t>
+              <a:t>Zoning: CL  |  Office (3+ Stories)</a:t>
             </a:r>
           </a:p>
         </p:txBody>
@@ -12430,7 +15938,7 @@
               </a:defRPr>
             </a:pPr>
             <a:r>
-              <a:t>Building: 99,550 SF</a:t>
+              <a:t>Building: N/A</a:t>
             </a:r>
           </a:p>
         </p:txBody>
@@ -12482,7 +15990,7 @@
               </a:defRPr>
             </a:pPr>
             <a:r>
-              <a:t>#18</a:t>
+              <a:t>#15</a:t>
             </a:r>
           </a:p>
         </p:txBody>
@@ -12517,7 +16025,7 @@
               </a:defRPr>
             </a:pPr>
             <a:r>
-              <a:t>100 Centerview Dr</a:t>
+              <a:t>5880 Nolensville Pike</a:t>
             </a:r>
           </a:p>
         </p:txBody>
@@ -12552,14 +16060,14 @@
               </a:defRPr>
             </a:pPr>
             <a:r>
-              <a:t>Nashville, TN  |  Score: 63/100</a:t>
+              <a:t>Nashville, TN  |  Score: 70/100</a:t>
             </a:r>
           </a:p>
         </p:txBody>
       </p:sp>
       <p:pic>
         <p:nvPicPr>
-          <p:cNvPr id="19" name="Picture 18" descr="rank18_photo.jpg"/>
+          <p:cNvPr id="19" name="Picture 18" descr="rank15_photo.jpg"/>
           <p:cNvPicPr>
             <a:picLocks noChangeAspect="1"/>
           </p:cNvPicPr>
@@ -12583,7 +16091,7 @@
       </p:pic>
       <p:pic>
         <p:nvPicPr>
-          <p:cNvPr id="20" name="Picture 19" descr="rank18_sketch.jpg"/>
+          <p:cNvPr id="20" name="Picture 19" descr="rank15_sketch.jpg"/>
           <p:cNvPicPr>
             <a:picLocks noChangeAspect="1"/>
           </p:cNvPicPr>
@@ -12635,7 +16143,7 @@
               </a:defRPr>
             </a:pPr>
             <a:r>
-              <a:t>$19,500,000  (2025)</a:t>
+              <a:t>$17,000,000  (2019)</a:t>
             </a:r>
           </a:p>
         </p:txBody>
@@ -12670,7 +16178,7 @@
               </a:defRPr>
             </a:pPr>
             <a:r>
-              <a:t>Price/SF: $78.45/SF</a:t>
+              <a:t>Price/SF: $184.04/SF</a:t>
             </a:r>
           </a:p>
         </p:txBody>
@@ -12705,7 +16213,7 @@
               </a:defRPr>
             </a:pPr>
             <a:r>
-              <a:t>Built 1984  |  25.36 ac  |  3 stories</a:t>
+              <a:t>Built 1989  |  13.80 ac  |  2 stories</a:t>
             </a:r>
           </a:p>
         </p:txBody>
@@ -12740,7 +16248,7 @@
               </a:defRPr>
             </a:pPr>
             <a:r>
-              <a:t>Zoning: OL  |  Office (3+ Stories)</a:t>
+              <a:t>Zoning: R10  |  Office (1-2 Stories)</a:t>
             </a:r>
           </a:p>
         </p:txBody>
@@ -12775,7 +16283,7 @@
               </a:defRPr>
             </a:pPr>
             <a:r>
-              <a:t>Building: N/A</a:t>
+              <a:t>Building: 92,370 SF</a:t>
             </a:r>
           </a:p>
         </p:txBody>
@@ -12827,7 +16335,7 @@
               </a:defRPr>
             </a:pPr>
             <a:r>
-              <a:t>#19</a:t>
+              <a:t>#16</a:t>
             </a:r>
           </a:p>
         </p:txBody>
@@ -12862,7 +16370,7 @@
               </a:defRPr>
             </a:pPr>
             <a:r>
-              <a:t>1000 Northchase Dr</a:t>
+              <a:t>490 Metroplex Dr</a:t>
             </a:r>
           </a:p>
         </p:txBody>
@@ -12897,14 +16405,14 @@
               </a:defRPr>
             </a:pPr>
             <a:r>
-              <a:t>Nashville, TN  |  Score: 60/100</a:t>
+              <a:t>Nashville, TN  |  Score: 68/100</a:t>
             </a:r>
           </a:p>
         </p:txBody>
       </p:sp>
       <p:pic>
         <p:nvPicPr>
-          <p:cNvPr id="29" name="Picture 28" descr="rank19_photo.jpg"/>
+          <p:cNvPr id="29" name="Picture 28" descr="rank16_photo.jpg"/>
           <p:cNvPicPr>
             <a:picLocks noChangeAspect="1"/>
           </p:cNvPicPr>
@@ -12928,7 +16436,7 @@
       </p:pic>
       <p:pic>
         <p:nvPicPr>
-          <p:cNvPr id="30" name="Picture 29" descr="rank19_sketch.jpg"/>
+          <p:cNvPr id="30" name="Picture 29" descr="rank16_sketch.jpg"/>
           <p:cNvPicPr>
             <a:picLocks noChangeAspect="1"/>
           </p:cNvPicPr>
@@ -12980,7 +16488,7 @@
               </a:defRPr>
             </a:pPr>
             <a:r>
-              <a:t>$8,350,000  (2026)</a:t>
+              <a:t>$11,000,000  (2024)</a:t>
             </a:r>
           </a:p>
         </p:txBody>
@@ -13015,7 +16523,7 @@
               </a:defRPr>
             </a:pPr>
             <a:r>
-              <a:t>Price/SF: $152.30/SF</a:t>
+              <a:t>Price/SF: $129.99/SF</a:t>
             </a:r>
           </a:p>
         </p:txBody>
@@ -13050,7 +16558,7 @@
               </a:defRPr>
             </a:pPr>
             <a:r>
-              <a:t>Built 1988  |  3.18 ac  |  3 stories</a:t>
+              <a:t>Built 1986  |  4.68 ac  |  2 stories</a:t>
             </a:r>
           </a:p>
         </p:txBody>
@@ -13085,7 +16593,7 @@
               </a:defRPr>
             </a:pPr>
             <a:r>
-              <a:t>Zoning: 6ZZ  |  Office (3+ Stories)</a:t>
+              <a:t>Zoning: CS  |  Office (1-2 Stories)</a:t>
             </a:r>
           </a:p>
         </p:txBody>
@@ -13120,7 +16628,7 @@
               </a:defRPr>
             </a:pPr>
             <a:r>
-              <a:t>Building: 54,826 SF</a:t>
+              <a:t>Building: 84,620 SF</a:t>
             </a:r>
           </a:p>
         </p:txBody>
@@ -13276,7 +16784,7 @@
               </a:defRPr>
             </a:pPr>
             <a:r>
-              <a:t>Tier 3 — Supporting Comparables — #20</a:t>
+              <a:t>Tier 3 — Supporting Comparables — #17, #18, #19</a:t>
             </a:r>
           </a:p>
         </p:txBody>
@@ -13311,7 +16819,7 @@
               </a:defRPr>
             </a:pPr>
             <a:r>
-              <a:t>Scores: 58-58/100</a:t>
+              <a:t>Scores: 60-65/100</a:t>
             </a:r>
           </a:p>
         </p:txBody>
@@ -13363,7 +16871,7 @@
               </a:defRPr>
             </a:pPr>
             <a:r>
-              <a:t>#20</a:t>
+              <a:t>#17</a:t>
             </a:r>
           </a:p>
         </p:txBody>
@@ -13377,7 +16885,7 @@
         <p:spPr>
           <a:xfrm>
             <a:off x="1005840" y="1051560"/>
-            <a:ext cx="10545775" cy="320040"/>
+            <a:ext cx="3027578" cy="320040"/>
           </a:xfrm>
           <a:prstGeom prst="rect">
             <a:avLst/>
@@ -13398,7 +16906,7 @@
               </a:defRPr>
             </a:pPr>
             <a:r>
-              <a:t>3343 Perimeter Hill Dr</a:t>
+              <a:t>750 Old Hickory Blvd</a:t>
             </a:r>
           </a:p>
         </p:txBody>
@@ -13412,7 +16920,7 @@
         <p:spPr>
           <a:xfrm>
             <a:off x="1005840" y="1307592"/>
-            <a:ext cx="10545775" cy="228600"/>
+            <a:ext cx="3027578" cy="228600"/>
           </a:xfrm>
           <a:prstGeom prst="rect">
             <a:avLst/>
@@ -13433,14 +16941,14 @@
               </a:defRPr>
             </a:pPr>
             <a:r>
-              <a:t>Nashville, TN  |  Score: 58/100</a:t>
+              <a:t>Nashville, TN  |  Score: 65/100</a:t>
             </a:r>
           </a:p>
         </p:txBody>
       </p:sp>
       <p:pic>
         <p:nvPicPr>
-          <p:cNvPr id="9" name="Picture 8" descr="rank20_photo.jpg"/>
+          <p:cNvPr id="9" name="Picture 8" descr="rank17_photo.jpg"/>
           <p:cNvPicPr>
             <a:picLocks noChangeAspect="1"/>
           </p:cNvPicPr>
@@ -13455,7 +16963,7 @@
         <p:spPr>
           <a:xfrm>
             <a:off x="457200" y="1600200"/>
-            <a:ext cx="10911535" cy="1920240"/>
+            <a:ext cx="3393338" cy="1920240"/>
           </a:xfrm>
           <a:prstGeom prst="rect">
             <a:avLst/>
@@ -13464,7 +16972,7 @@
       </p:pic>
       <p:pic>
         <p:nvPicPr>
-          <p:cNvPr id="10" name="Picture 9" descr="rank20_sketch.jpg"/>
+          <p:cNvPr id="10" name="Picture 9" descr="rank17_sketch.jpg"/>
           <p:cNvPicPr>
             <a:picLocks noChangeAspect="1"/>
           </p:cNvPicPr>
@@ -13479,7 +16987,7 @@
         <p:spPr>
           <a:xfrm>
             <a:off x="457200" y="3611879"/>
-            <a:ext cx="10911535" cy="1463040"/>
+            <a:ext cx="3393338" cy="1463040"/>
           </a:xfrm>
           <a:prstGeom prst="rect">
             <a:avLst/>
@@ -13495,7 +17003,7 @@
         <p:spPr>
           <a:xfrm>
             <a:off x="457200" y="5212079"/>
-            <a:ext cx="10911535" cy="237744"/>
+            <a:ext cx="3393338" cy="237744"/>
           </a:xfrm>
           <a:prstGeom prst="rect">
             <a:avLst/>
@@ -13516,7 +17024,7 @@
               </a:defRPr>
             </a:pPr>
             <a:r>
-              <a:t>$5,254,600  (2018)</a:t>
+              <a:t>$88,300,000  (2025)</a:t>
             </a:r>
           </a:p>
         </p:txBody>
@@ -13530,7 +17038,7 @@
         <p:spPr>
           <a:xfrm>
             <a:off x="457200" y="5440679"/>
-            <a:ext cx="10911535" cy="237744"/>
+            <a:ext cx="3393338" cy="237744"/>
           </a:xfrm>
           <a:prstGeom prst="rect">
             <a:avLst/>
@@ -13551,7 +17059,7 @@
               </a:defRPr>
             </a:pPr>
             <a:r>
-              <a:t>Price/SF: $71.64/SF</a:t>
+              <a:t>Price/SF: $102.42/SF</a:t>
             </a:r>
           </a:p>
         </p:txBody>
@@ -13565,7 +17073,7 @@
         <p:spPr>
           <a:xfrm>
             <a:off x="457200" y="5669279"/>
-            <a:ext cx="10911535" cy="237744"/>
+            <a:ext cx="3393338" cy="237744"/>
           </a:xfrm>
           <a:prstGeom prst="rect">
             <a:avLst/>
@@ -13586,7 +17094,7 @@
               </a:defRPr>
             </a:pPr>
             <a:r>
-              <a:t>Built 1985  |  3.58 ac  |  3 stories</a:t>
+              <a:t>Built 1983  |  14.50 ac  |  2 stories</a:t>
             </a:r>
           </a:p>
         </p:txBody>
@@ -13600,7 +17108,7 @@
         <p:spPr>
           <a:xfrm>
             <a:off x="457200" y="5897879"/>
-            <a:ext cx="10911535" cy="237744"/>
+            <a:ext cx="3393338" cy="237744"/>
           </a:xfrm>
           <a:prstGeom prst="rect">
             <a:avLst/>
@@ -13621,7 +17129,7 @@
               </a:defRPr>
             </a:pPr>
             <a:r>
-              <a:t>Zoning: CS  |  Office (1-2 Stories)</a:t>
+              <a:t>Zoning: OL  |  Office (1-2 Stories)</a:t>
             </a:r>
           </a:p>
         </p:txBody>
@@ -13635,7 +17143,7 @@
         <p:spPr>
           <a:xfrm>
             <a:off x="457200" y="6126479"/>
-            <a:ext cx="10911535" cy="237744"/>
+            <a:ext cx="3393338" cy="237744"/>
           </a:xfrm>
           <a:prstGeom prst="rect">
             <a:avLst/>
@@ -13656,7 +17164,697 @@
               </a:defRPr>
             </a:pPr>
             <a:r>
-              <a:t>Building: 73,352 SF</a:t>
+              <a:t>Building: 99,550 SF</a:t>
+            </a:r>
+          </a:p>
+        </p:txBody>
+      </p:sp>
+      <p:sp>
+        <p:nvSpPr>
+          <p:cNvPr id="16" name="Rectangle 15"/>
+          <p:cNvSpPr/>
+          <p:nvPr/>
+        </p:nvSpPr>
+        <p:spPr>
+          <a:xfrm>
+            <a:off x="4216298" y="1051560"/>
+            <a:ext cx="457200" cy="365760"/>
+          </a:xfrm>
+          <a:prstGeom prst="rect">
+            <a:avLst/>
+          </a:prstGeom>
+          <a:solidFill>
+            <a:srgbClr val="E65100"/>
+          </a:solidFill>
+          <a:ln>
+            <a:noFill/>
+          </a:ln>
+        </p:spPr>
+        <p:style>
+          <a:lnRef idx="1">
+            <a:schemeClr val="accent1"/>
+          </a:lnRef>
+          <a:fillRef idx="3">
+            <a:schemeClr val="accent1"/>
+          </a:fillRef>
+          <a:effectRef idx="2">
+            <a:schemeClr val="accent1"/>
+          </a:effectRef>
+          <a:fontRef idx="minor">
+            <a:schemeClr val="lt1"/>
+          </a:fontRef>
+        </p:style>
+        <p:txBody>
+          <a:bodyPr rtlCol="0" anchor="ctr"/>
+          <a:lstStyle/>
+          <a:p>
+            <a:pPr algn="ctr">
+              <a:defRPr sz="1400" b="1">
+                <a:solidFill>
+                  <a:srgbClr val="FFFFFF"/>
+                </a:solidFill>
+              </a:defRPr>
+            </a:pPr>
+            <a:r>
+              <a:t>#18</a:t>
+            </a:r>
+          </a:p>
+        </p:txBody>
+      </p:sp>
+      <p:sp>
+        <p:nvSpPr>
+          <p:cNvPr id="17" name="TextBox 16"/>
+          <p:cNvSpPr txBox="1"/>
+          <p:nvPr/>
+        </p:nvSpPr>
+        <p:spPr>
+          <a:xfrm>
+            <a:off x="4764938" y="1051560"/>
+            <a:ext cx="3027578" cy="320040"/>
+          </a:xfrm>
+          <a:prstGeom prst="rect">
+            <a:avLst/>
+          </a:prstGeom>
+          <a:noFill/>
+        </p:spPr>
+        <p:txBody>
+          <a:bodyPr wrap="square">
+            <a:spAutoFit/>
+          </a:bodyPr>
+          <a:lstStyle/>
+          <a:p>
+            <a:pPr algn="l">
+              <a:defRPr sz="1500" b="1">
+                <a:solidFill>
+                  <a:srgbClr val="3A5566"/>
+                </a:solidFill>
+              </a:defRPr>
+            </a:pPr>
+            <a:r>
+              <a:t>100 Centerview Dr</a:t>
+            </a:r>
+          </a:p>
+        </p:txBody>
+      </p:sp>
+      <p:sp>
+        <p:nvSpPr>
+          <p:cNvPr id="18" name="TextBox 17"/>
+          <p:cNvSpPr txBox="1"/>
+          <p:nvPr/>
+        </p:nvSpPr>
+        <p:spPr>
+          <a:xfrm>
+            <a:off x="4764938" y="1307592"/>
+            <a:ext cx="3027578" cy="228600"/>
+          </a:xfrm>
+          <a:prstGeom prst="rect">
+            <a:avLst/>
+          </a:prstGeom>
+          <a:noFill/>
+        </p:spPr>
+        <p:txBody>
+          <a:bodyPr wrap="square">
+            <a:spAutoFit/>
+          </a:bodyPr>
+          <a:lstStyle/>
+          <a:p>
+            <a:pPr algn="l">
+              <a:defRPr sz="950" b="0">
+                <a:solidFill>
+                  <a:srgbClr val="706F6C"/>
+                </a:solidFill>
+              </a:defRPr>
+            </a:pPr>
+            <a:r>
+              <a:t>Nashville, TN  |  Score: 63/100</a:t>
+            </a:r>
+          </a:p>
+        </p:txBody>
+      </p:sp>
+      <p:pic>
+        <p:nvPicPr>
+          <p:cNvPr id="19" name="Picture 18" descr="rank18_photo.jpg"/>
+          <p:cNvPicPr>
+            <a:picLocks noChangeAspect="1"/>
+          </p:cNvPicPr>
+          <p:nvPr/>
+        </p:nvPicPr>
+        <p:blipFill>
+          <a:blip r:embed="rId4"/>
+          <a:stretch>
+            <a:fillRect/>
+          </a:stretch>
+        </p:blipFill>
+        <p:spPr>
+          <a:xfrm>
+            <a:off x="4216298" y="1600200"/>
+            <a:ext cx="3393338" cy="1920240"/>
+          </a:xfrm>
+          <a:prstGeom prst="rect">
+            <a:avLst/>
+          </a:prstGeom>
+        </p:spPr>
+      </p:pic>
+      <p:pic>
+        <p:nvPicPr>
+          <p:cNvPr id="20" name="Picture 19" descr="rank18_sketch.jpg"/>
+          <p:cNvPicPr>
+            <a:picLocks noChangeAspect="1"/>
+          </p:cNvPicPr>
+          <p:nvPr/>
+        </p:nvPicPr>
+        <p:blipFill>
+          <a:blip r:embed="rId5"/>
+          <a:stretch>
+            <a:fillRect/>
+          </a:stretch>
+        </p:blipFill>
+        <p:spPr>
+          <a:xfrm>
+            <a:off x="4216298" y="3611879"/>
+            <a:ext cx="3393338" cy="1463040"/>
+          </a:xfrm>
+          <a:prstGeom prst="rect">
+            <a:avLst/>
+          </a:prstGeom>
+        </p:spPr>
+      </p:pic>
+      <p:sp>
+        <p:nvSpPr>
+          <p:cNvPr id="21" name="TextBox 20"/>
+          <p:cNvSpPr txBox="1"/>
+          <p:nvPr/>
+        </p:nvSpPr>
+        <p:spPr>
+          <a:xfrm>
+            <a:off x="4216298" y="5212079"/>
+            <a:ext cx="3393338" cy="237744"/>
+          </a:xfrm>
+          <a:prstGeom prst="rect">
+            <a:avLst/>
+          </a:prstGeom>
+          <a:noFill/>
+        </p:spPr>
+        <p:txBody>
+          <a:bodyPr wrap="square">
+            <a:spAutoFit/>
+          </a:bodyPr>
+          <a:lstStyle/>
+          <a:p>
+            <a:pPr algn="l">
+              <a:defRPr sz="1050" b="1">
+                <a:solidFill>
+                  <a:srgbClr val="3A5566"/>
+                </a:solidFill>
+              </a:defRPr>
+            </a:pPr>
+            <a:r>
+              <a:t>$19,500,000  (2025)</a:t>
+            </a:r>
+          </a:p>
+        </p:txBody>
+      </p:sp>
+      <p:sp>
+        <p:nvSpPr>
+          <p:cNvPr id="22" name="TextBox 21"/>
+          <p:cNvSpPr txBox="1"/>
+          <p:nvPr/>
+        </p:nvSpPr>
+        <p:spPr>
+          <a:xfrm>
+            <a:off x="4216298" y="5440679"/>
+            <a:ext cx="3393338" cy="237744"/>
+          </a:xfrm>
+          <a:prstGeom prst="rect">
+            <a:avLst/>
+          </a:prstGeom>
+          <a:noFill/>
+        </p:spPr>
+        <p:txBody>
+          <a:bodyPr wrap="square">
+            <a:spAutoFit/>
+          </a:bodyPr>
+          <a:lstStyle/>
+          <a:p>
+            <a:pPr algn="l">
+              <a:defRPr sz="1050" b="0">
+                <a:solidFill>
+                  <a:srgbClr val="3A5566"/>
+                </a:solidFill>
+              </a:defRPr>
+            </a:pPr>
+            <a:r>
+              <a:t>Price/SF: $78.45/SF</a:t>
+            </a:r>
+          </a:p>
+        </p:txBody>
+      </p:sp>
+      <p:sp>
+        <p:nvSpPr>
+          <p:cNvPr id="23" name="TextBox 22"/>
+          <p:cNvSpPr txBox="1"/>
+          <p:nvPr/>
+        </p:nvSpPr>
+        <p:spPr>
+          <a:xfrm>
+            <a:off x="4216298" y="5669279"/>
+            <a:ext cx="3393338" cy="237744"/>
+          </a:xfrm>
+          <a:prstGeom prst="rect">
+            <a:avLst/>
+          </a:prstGeom>
+          <a:noFill/>
+        </p:spPr>
+        <p:txBody>
+          <a:bodyPr wrap="square">
+            <a:spAutoFit/>
+          </a:bodyPr>
+          <a:lstStyle/>
+          <a:p>
+            <a:pPr algn="l">
+              <a:defRPr sz="1050" b="0">
+                <a:solidFill>
+                  <a:srgbClr val="3A5566"/>
+                </a:solidFill>
+              </a:defRPr>
+            </a:pPr>
+            <a:r>
+              <a:t>Built 1984  |  25.36 ac  |  3 stories</a:t>
+            </a:r>
+          </a:p>
+        </p:txBody>
+      </p:sp>
+      <p:sp>
+        <p:nvSpPr>
+          <p:cNvPr id="24" name="TextBox 23"/>
+          <p:cNvSpPr txBox="1"/>
+          <p:nvPr/>
+        </p:nvSpPr>
+        <p:spPr>
+          <a:xfrm>
+            <a:off x="4216298" y="5897879"/>
+            <a:ext cx="3393338" cy="237744"/>
+          </a:xfrm>
+          <a:prstGeom prst="rect">
+            <a:avLst/>
+          </a:prstGeom>
+          <a:noFill/>
+        </p:spPr>
+        <p:txBody>
+          <a:bodyPr wrap="square">
+            <a:spAutoFit/>
+          </a:bodyPr>
+          <a:lstStyle/>
+          <a:p>
+            <a:pPr algn="l">
+              <a:defRPr sz="1050" b="0">
+                <a:solidFill>
+                  <a:srgbClr val="3A5566"/>
+                </a:solidFill>
+              </a:defRPr>
+            </a:pPr>
+            <a:r>
+              <a:t>Zoning: OL  |  Office (3+ Stories)</a:t>
+            </a:r>
+          </a:p>
+        </p:txBody>
+      </p:sp>
+      <p:sp>
+        <p:nvSpPr>
+          <p:cNvPr id="25" name="TextBox 24"/>
+          <p:cNvSpPr txBox="1"/>
+          <p:nvPr/>
+        </p:nvSpPr>
+        <p:spPr>
+          <a:xfrm>
+            <a:off x="4216298" y="6126479"/>
+            <a:ext cx="3393338" cy="237744"/>
+          </a:xfrm>
+          <a:prstGeom prst="rect">
+            <a:avLst/>
+          </a:prstGeom>
+          <a:noFill/>
+        </p:spPr>
+        <p:txBody>
+          <a:bodyPr wrap="square">
+            <a:spAutoFit/>
+          </a:bodyPr>
+          <a:lstStyle/>
+          <a:p>
+            <a:pPr algn="l">
+              <a:defRPr sz="1050" b="0">
+                <a:solidFill>
+                  <a:srgbClr val="3A5566"/>
+                </a:solidFill>
+              </a:defRPr>
+            </a:pPr>
+            <a:r>
+              <a:t>Building: N/A</a:t>
+            </a:r>
+          </a:p>
+        </p:txBody>
+      </p:sp>
+      <p:sp>
+        <p:nvSpPr>
+          <p:cNvPr id="26" name="Rectangle 25"/>
+          <p:cNvSpPr/>
+          <p:nvPr/>
+        </p:nvSpPr>
+        <p:spPr>
+          <a:xfrm>
+            <a:off x="7975396" y="1051560"/>
+            <a:ext cx="457200" cy="365760"/>
+          </a:xfrm>
+          <a:prstGeom prst="rect">
+            <a:avLst/>
+          </a:prstGeom>
+          <a:solidFill>
+            <a:srgbClr val="E65100"/>
+          </a:solidFill>
+          <a:ln>
+            <a:noFill/>
+          </a:ln>
+        </p:spPr>
+        <p:style>
+          <a:lnRef idx="1">
+            <a:schemeClr val="accent1"/>
+          </a:lnRef>
+          <a:fillRef idx="3">
+            <a:schemeClr val="accent1"/>
+          </a:fillRef>
+          <a:effectRef idx="2">
+            <a:schemeClr val="accent1"/>
+          </a:effectRef>
+          <a:fontRef idx="minor">
+            <a:schemeClr val="lt1"/>
+          </a:fontRef>
+        </p:style>
+        <p:txBody>
+          <a:bodyPr rtlCol="0" anchor="ctr"/>
+          <a:lstStyle/>
+          <a:p>
+            <a:pPr algn="ctr">
+              <a:defRPr sz="1400" b="1">
+                <a:solidFill>
+                  <a:srgbClr val="FFFFFF"/>
+                </a:solidFill>
+              </a:defRPr>
+            </a:pPr>
+            <a:r>
+              <a:t>#19</a:t>
+            </a:r>
+          </a:p>
+        </p:txBody>
+      </p:sp>
+      <p:sp>
+        <p:nvSpPr>
+          <p:cNvPr id="27" name="TextBox 26"/>
+          <p:cNvSpPr txBox="1"/>
+          <p:nvPr/>
+        </p:nvSpPr>
+        <p:spPr>
+          <a:xfrm>
+            <a:off x="8524036" y="1051560"/>
+            <a:ext cx="3027578" cy="320040"/>
+          </a:xfrm>
+          <a:prstGeom prst="rect">
+            <a:avLst/>
+          </a:prstGeom>
+          <a:noFill/>
+        </p:spPr>
+        <p:txBody>
+          <a:bodyPr wrap="square">
+            <a:spAutoFit/>
+          </a:bodyPr>
+          <a:lstStyle/>
+          <a:p>
+            <a:pPr algn="l">
+              <a:defRPr sz="1500" b="1">
+                <a:solidFill>
+                  <a:srgbClr val="3A5566"/>
+                </a:solidFill>
+              </a:defRPr>
+            </a:pPr>
+            <a:r>
+              <a:t>1000 Northchase Dr</a:t>
+            </a:r>
+          </a:p>
+        </p:txBody>
+      </p:sp>
+      <p:sp>
+        <p:nvSpPr>
+          <p:cNvPr id="28" name="TextBox 27"/>
+          <p:cNvSpPr txBox="1"/>
+          <p:nvPr/>
+        </p:nvSpPr>
+        <p:spPr>
+          <a:xfrm>
+            <a:off x="8524036" y="1307592"/>
+            <a:ext cx="3027578" cy="228600"/>
+          </a:xfrm>
+          <a:prstGeom prst="rect">
+            <a:avLst/>
+          </a:prstGeom>
+          <a:noFill/>
+        </p:spPr>
+        <p:txBody>
+          <a:bodyPr wrap="square">
+            <a:spAutoFit/>
+          </a:bodyPr>
+          <a:lstStyle/>
+          <a:p>
+            <a:pPr algn="l">
+              <a:defRPr sz="950" b="0">
+                <a:solidFill>
+                  <a:srgbClr val="706F6C"/>
+                </a:solidFill>
+              </a:defRPr>
+            </a:pPr>
+            <a:r>
+              <a:t>Nashville, TN  |  Score: 60/100</a:t>
+            </a:r>
+          </a:p>
+        </p:txBody>
+      </p:sp>
+      <p:pic>
+        <p:nvPicPr>
+          <p:cNvPr id="29" name="Picture 28" descr="rank19_photo.jpg"/>
+          <p:cNvPicPr>
+            <a:picLocks noChangeAspect="1"/>
+          </p:cNvPicPr>
+          <p:nvPr/>
+        </p:nvPicPr>
+        <p:blipFill>
+          <a:blip r:embed="rId6"/>
+          <a:stretch>
+            <a:fillRect/>
+          </a:stretch>
+        </p:blipFill>
+        <p:spPr>
+          <a:xfrm>
+            <a:off x="7975396" y="1600200"/>
+            <a:ext cx="3393338" cy="1920240"/>
+          </a:xfrm>
+          <a:prstGeom prst="rect">
+            <a:avLst/>
+          </a:prstGeom>
+        </p:spPr>
+      </p:pic>
+      <p:pic>
+        <p:nvPicPr>
+          <p:cNvPr id="30" name="Picture 29" descr="rank19_sketch.jpg"/>
+          <p:cNvPicPr>
+            <a:picLocks noChangeAspect="1"/>
+          </p:cNvPicPr>
+          <p:nvPr/>
+        </p:nvPicPr>
+        <p:blipFill>
+          <a:blip r:embed="rId7"/>
+          <a:stretch>
+            <a:fillRect/>
+          </a:stretch>
+        </p:blipFill>
+        <p:spPr>
+          <a:xfrm>
+            <a:off x="7975396" y="3611879"/>
+            <a:ext cx="3393338" cy="1463040"/>
+          </a:xfrm>
+          <a:prstGeom prst="rect">
+            <a:avLst/>
+          </a:prstGeom>
+        </p:spPr>
+      </p:pic>
+      <p:sp>
+        <p:nvSpPr>
+          <p:cNvPr id="31" name="TextBox 30"/>
+          <p:cNvSpPr txBox="1"/>
+          <p:nvPr/>
+        </p:nvSpPr>
+        <p:spPr>
+          <a:xfrm>
+            <a:off x="7975396" y="5212079"/>
+            <a:ext cx="3393338" cy="237744"/>
+          </a:xfrm>
+          <a:prstGeom prst="rect">
+            <a:avLst/>
+          </a:prstGeom>
+          <a:noFill/>
+        </p:spPr>
+        <p:txBody>
+          <a:bodyPr wrap="square">
+            <a:spAutoFit/>
+          </a:bodyPr>
+          <a:lstStyle/>
+          <a:p>
+            <a:pPr algn="l">
+              <a:defRPr sz="1050" b="1">
+                <a:solidFill>
+                  <a:srgbClr val="3A5566"/>
+                </a:solidFill>
+              </a:defRPr>
+            </a:pPr>
+            <a:r>
+              <a:t>$8,350,000  (2026)</a:t>
+            </a:r>
+          </a:p>
+        </p:txBody>
+      </p:sp>
+      <p:sp>
+        <p:nvSpPr>
+          <p:cNvPr id="32" name="TextBox 31"/>
+          <p:cNvSpPr txBox="1"/>
+          <p:nvPr/>
+        </p:nvSpPr>
+        <p:spPr>
+          <a:xfrm>
+            <a:off x="7975396" y="5440679"/>
+            <a:ext cx="3393338" cy="237744"/>
+          </a:xfrm>
+          <a:prstGeom prst="rect">
+            <a:avLst/>
+          </a:prstGeom>
+          <a:noFill/>
+        </p:spPr>
+        <p:txBody>
+          <a:bodyPr wrap="square">
+            <a:spAutoFit/>
+          </a:bodyPr>
+          <a:lstStyle/>
+          <a:p>
+            <a:pPr algn="l">
+              <a:defRPr sz="1050" b="0">
+                <a:solidFill>
+                  <a:srgbClr val="3A5566"/>
+                </a:solidFill>
+              </a:defRPr>
+            </a:pPr>
+            <a:r>
+              <a:t>Price/SF: $152.30/SF</a:t>
+            </a:r>
+          </a:p>
+        </p:txBody>
+      </p:sp>
+      <p:sp>
+        <p:nvSpPr>
+          <p:cNvPr id="33" name="TextBox 32"/>
+          <p:cNvSpPr txBox="1"/>
+          <p:nvPr/>
+        </p:nvSpPr>
+        <p:spPr>
+          <a:xfrm>
+            <a:off x="7975396" y="5669279"/>
+            <a:ext cx="3393338" cy="237744"/>
+          </a:xfrm>
+          <a:prstGeom prst="rect">
+            <a:avLst/>
+          </a:prstGeom>
+          <a:noFill/>
+        </p:spPr>
+        <p:txBody>
+          <a:bodyPr wrap="square">
+            <a:spAutoFit/>
+          </a:bodyPr>
+          <a:lstStyle/>
+          <a:p>
+            <a:pPr algn="l">
+              <a:defRPr sz="1050" b="0">
+                <a:solidFill>
+                  <a:srgbClr val="3A5566"/>
+                </a:solidFill>
+              </a:defRPr>
+            </a:pPr>
+            <a:r>
+              <a:t>Built 1988  |  3.18 ac  |  3 stories</a:t>
+            </a:r>
+          </a:p>
+        </p:txBody>
+      </p:sp>
+      <p:sp>
+        <p:nvSpPr>
+          <p:cNvPr id="34" name="TextBox 33"/>
+          <p:cNvSpPr txBox="1"/>
+          <p:nvPr/>
+        </p:nvSpPr>
+        <p:spPr>
+          <a:xfrm>
+            <a:off x="7975396" y="5897879"/>
+            <a:ext cx="3393338" cy="237744"/>
+          </a:xfrm>
+          <a:prstGeom prst="rect">
+            <a:avLst/>
+          </a:prstGeom>
+          <a:noFill/>
+        </p:spPr>
+        <p:txBody>
+          <a:bodyPr wrap="square">
+            <a:spAutoFit/>
+          </a:bodyPr>
+          <a:lstStyle/>
+          <a:p>
+            <a:pPr algn="l">
+              <a:defRPr sz="1050" b="0">
+                <a:solidFill>
+                  <a:srgbClr val="3A5566"/>
+                </a:solidFill>
+              </a:defRPr>
+            </a:pPr>
+            <a:r>
+              <a:t>Zoning: 6ZZ  |  Office (3+ Stories)</a:t>
+            </a:r>
+          </a:p>
+        </p:txBody>
+      </p:sp>
+      <p:sp>
+        <p:nvSpPr>
+          <p:cNvPr id="35" name="TextBox 34"/>
+          <p:cNvSpPr txBox="1"/>
+          <p:nvPr/>
+        </p:nvSpPr>
+        <p:spPr>
+          <a:xfrm>
+            <a:off x="7975396" y="6126479"/>
+            <a:ext cx="3393338" cy="237744"/>
+          </a:xfrm>
+          <a:prstGeom prst="rect">
+            <a:avLst/>
+          </a:prstGeom>
+          <a:noFill/>
+        </p:spPr>
+        <p:txBody>
+          <a:bodyPr wrap="square">
+            <a:spAutoFit/>
+          </a:bodyPr>
+          <a:lstStyle/>
+          <a:p>
+            <a:pPr algn="l">
+              <a:defRPr sz="1050" b="0">
+                <a:solidFill>
+                  <a:srgbClr val="3A5566"/>
+                </a:solidFill>
+              </a:defRPr>
+            </a:pPr>
+            <a:r>
+              <a:t>Building: 54,826 SF</a:t>
             </a:r>
           </a:p>
         </p:txBody>

--- a/Grassmere_Top_Comps.pptx
+++ b/Grassmere_Top_Comps.pptx
@@ -19,6 +19,8 @@
     <p:sldId id="267" r:id="rId17"/>
     <p:sldId id="268" r:id="rId18"/>
     <p:sldId id="269" r:id="rId19"/>
+    <p:sldId id="270" r:id="rId20"/>
+    <p:sldId id="271" r:id="rId21"/>
   </p:sldIdLst>
   <p:sldSz cx="12192000" cy="6858000"/>
   <p:notesSz cx="6858000" cy="9144000"/>
@@ -794,6 +796,751 @@
       </c:valAx>
     </c:plotArea>
     <c:dispBlanksAs val="gap"/>
+  </c:chart>
+  <c:txPr>
+    <a:bodyPr/>
+    <a:lstStyle/>
+    <a:p>
+      <a:pPr>
+        <a:defRPr sz="1800"/>
+      </a:pPr>
+      <a:endParaRPr lang="en-US"/>
+    </a:p>
+  </c:txPr>
+  <c:externalData r:id="rId1">
+    <c:autoUpdate val="0"/>
+  </c:externalData>
+</c:chartSpace>
+</file>
+
+<file path=ppt/charts/chart4.xml><?xml version="1.0" encoding="utf-8"?>
+<c:chartSpace xmlns:c="http://schemas.openxmlformats.org/drawingml/2006/chart" xmlns:a="http://schemas.openxmlformats.org/drawingml/2006/main" xmlns:r="http://schemas.openxmlformats.org/officeDocument/2006/relationships">
+  <c:date1904 val="0"/>
+  <c:chart>
+    <c:title>
+      <c:tx>
+        <c:rich>
+          <a:bodyPr/>
+          <a:lstStyle/>
+          <a:p>
+            <a:pPr>
+              <a:defRPr sz="1300" b="1">
+                <a:solidFill>
+                  <a:srgbClr val="3A5566"/>
+                </a:solidFill>
+              </a:defRPr>
+            </a:pPr>
+            <a:r>
+              <a:t>Annual Office Sales Volume ($ Millions)</a:t>
+            </a:r>
+          </a:p>
+        </c:rich>
+      </c:tx>
+      <c:layout/>
+      <c:overlay val="0"/>
+    </c:title>
+    <c:autoTitleDeleted val="0"/>
+    <c:plotArea>
+      <c:barChart>
+        <c:barDir val="col"/>
+        <c:grouping val="clustered"/>
+        <c:ser>
+          <c:idx val="0"/>
+          <c:order val="0"/>
+          <c:tx>
+            <c:strRef>
+              <c:f>Sheet1!$B$1</c:f>
+              <c:strCache>
+                <c:ptCount val="1"/>
+                <c:pt idx="0">
+                  <c:v>Sales Volume ($M)</c:v>
+                </c:pt>
+              </c:strCache>
+            </c:strRef>
+          </c:tx>
+          <c:spPr>
+            <a:solidFill>
+              <a:srgbClr val="1565C0"/>
+            </a:solidFill>
+          </c:spPr>
+          <c:cat>
+            <c:strRef>
+              <c:f>Sheet1!$A$2:$A$22</c:f>
+              <c:strCache>
+                <c:ptCount val="21"/>
+                <c:pt idx="0">
+                  <c:v>2005</c:v>
+                </c:pt>
+                <c:pt idx="1">
+                  <c:v>2006</c:v>
+                </c:pt>
+                <c:pt idx="2">
+                  <c:v>2007</c:v>
+                </c:pt>
+                <c:pt idx="3">
+                  <c:v>2008</c:v>
+                </c:pt>
+                <c:pt idx="4">
+                  <c:v>2009</c:v>
+                </c:pt>
+                <c:pt idx="5">
+                  <c:v>2010</c:v>
+                </c:pt>
+                <c:pt idx="6">
+                  <c:v>2011</c:v>
+                </c:pt>
+                <c:pt idx="7">
+                  <c:v>2012</c:v>
+                </c:pt>
+                <c:pt idx="8">
+                  <c:v>2013</c:v>
+                </c:pt>
+                <c:pt idx="9">
+                  <c:v>2014</c:v>
+                </c:pt>
+                <c:pt idx="10">
+                  <c:v>2015</c:v>
+                </c:pt>
+                <c:pt idx="11">
+                  <c:v>2016</c:v>
+                </c:pt>
+                <c:pt idx="12">
+                  <c:v>2017</c:v>
+                </c:pt>
+                <c:pt idx="13">
+                  <c:v>2018</c:v>
+                </c:pt>
+                <c:pt idx="14">
+                  <c:v>2019</c:v>
+                </c:pt>
+                <c:pt idx="15">
+                  <c:v>2020</c:v>
+                </c:pt>
+                <c:pt idx="16">
+                  <c:v>2021</c:v>
+                </c:pt>
+                <c:pt idx="17">
+                  <c:v>2022</c:v>
+                </c:pt>
+                <c:pt idx="18">
+                  <c:v>2023</c:v>
+                </c:pt>
+                <c:pt idx="19">
+                  <c:v>2024</c:v>
+                </c:pt>
+                <c:pt idx="20">
+                  <c:v>2025</c:v>
+                </c:pt>
+              </c:strCache>
+            </c:strRef>
+          </c:cat>
+          <c:val>
+            <c:numRef>
+              <c:f>Sheet1!$B$2:$B$22</c:f>
+              <c:numCache>
+                <c:formatCode>General</c:formatCode>
+                <c:ptCount val="21"/>
+                <c:pt idx="0">
+                  <c:v>1719.041967</c:v>
+                </c:pt>
+                <c:pt idx="1">
+                  <c:v>427.500536</c:v>
+                </c:pt>
+                <c:pt idx="2">
+                  <c:v>448.725879</c:v>
+                </c:pt>
+                <c:pt idx="3">
+                  <c:v>278.549138</c:v>
+                </c:pt>
+                <c:pt idx="4">
+                  <c:v>59.766416</c:v>
+                </c:pt>
+                <c:pt idx="5">
+                  <c:v>34.578051</c:v>
+                </c:pt>
+                <c:pt idx="6">
+                  <c:v>168.341559</c:v>
+                </c:pt>
+                <c:pt idx="7">
+                  <c:v>323.647609</c:v>
+                </c:pt>
+                <c:pt idx="8">
+                  <c:v>414.266256</c:v>
+                </c:pt>
+                <c:pt idx="9">
+                  <c:v>551.418646</c:v>
+                </c:pt>
+                <c:pt idx="10">
+                  <c:v>598.347158</c:v>
+                </c:pt>
+                <c:pt idx="11">
+                  <c:v>578.151817</c:v>
+                </c:pt>
+                <c:pt idx="12">
+                  <c:v>800.182179</c:v>
+                </c:pt>
+                <c:pt idx="13">
+                  <c:v>925.375483</c:v>
+                </c:pt>
+                <c:pt idx="14">
+                  <c:v>1128.972997</c:v>
+                </c:pt>
+                <c:pt idx="15">
+                  <c:v>739.646482</c:v>
+                </c:pt>
+                <c:pt idx="16">
+                  <c:v>959.803533</c:v>
+                </c:pt>
+                <c:pt idx="17">
+                  <c:v>1564.151389</c:v>
+                </c:pt>
+                <c:pt idx="18">
+                  <c:v>378.53783</c:v>
+                </c:pt>
+                <c:pt idx="19">
+                  <c:v>310.846915</c:v>
+                </c:pt>
+                <c:pt idx="20">
+                  <c:v>1170.263244</c:v>
+                </c:pt>
+              </c:numCache>
+            </c:numRef>
+          </c:val>
+        </c:ser>
+        <c:axId val="-2068027336"/>
+        <c:axId val="-2113994440"/>
+      </c:barChart>
+      <c:catAx>
+        <c:axId val="-2068027336"/>
+        <c:scaling>
+          <c:orientation val="minMax"/>
+        </c:scaling>
+        <c:delete val="0"/>
+        <c:axPos val="b"/>
+        <c:majorTickMark val="out"/>
+        <c:minorTickMark val="none"/>
+        <c:tickLblPos val="nextTo"/>
+        <c:crossAx val="-2113994440"/>
+        <c:crosses val="autoZero"/>
+        <c:auto val="1"/>
+        <c:lblAlgn val="ctr"/>
+        <c:lblOffset val="100"/>
+        <c:noMultiLvlLbl val="0"/>
+      </c:catAx>
+      <c:valAx>
+        <c:axId val="-2113994440"/>
+        <c:scaling/>
+        <c:delete val="0"/>
+        <c:axPos val="l"/>
+        <c:majorGridlines/>
+        <c:majorTickMark val="out"/>
+        <c:minorTickMark val="none"/>
+        <c:tickLblPos val="nextTo"/>
+        <c:crossAx val="-2068027336"/>
+        <c:crosses val="autoZero"/>
+      </c:valAx>
+    </c:plotArea>
+    <c:dispBlanksAs val="gap"/>
+  </c:chart>
+  <c:txPr>
+    <a:bodyPr/>
+    <a:lstStyle/>
+    <a:p>
+      <a:pPr>
+        <a:defRPr sz="1800"/>
+      </a:pPr>
+      <a:endParaRPr lang="en-US"/>
+    </a:p>
+  </c:txPr>
+  <c:externalData r:id="rId1">
+    <c:autoUpdate val="0"/>
+  </c:externalData>
+</c:chartSpace>
+</file>
+
+<file path=ppt/charts/chart5.xml><?xml version="1.0" encoding="utf-8"?>
+<c:chartSpace xmlns:c="http://schemas.openxmlformats.org/drawingml/2006/chart" xmlns:a="http://schemas.openxmlformats.org/drawingml/2006/main" xmlns:r="http://schemas.openxmlformats.org/officeDocument/2006/relationships">
+  <c:date1904 val="0"/>
+  <c:chart>
+    <c:title>
+      <c:tx>
+        <c:rich>
+          <a:bodyPr/>
+          <a:lstStyle/>
+          <a:p>
+            <a:pPr>
+              <a:defRPr sz="1200" b="1">
+                <a:solidFill>
+                  <a:srgbClr val="3A5566"/>
+                </a:solidFill>
+              </a:defRPr>
+            </a:pPr>
+            <a:r>
+              <a:t>Number of Office Sales by Year</a:t>
+            </a:r>
+          </a:p>
+        </c:rich>
+      </c:tx>
+      <c:layout/>
+      <c:overlay val="0"/>
+    </c:title>
+    <c:autoTitleDeleted val="0"/>
+    <c:plotArea>
+      <c:barChart>
+        <c:barDir val="col"/>
+        <c:grouping val="clustered"/>
+        <c:ser>
+          <c:idx val="0"/>
+          <c:order val="0"/>
+          <c:tx>
+            <c:strRef>
+              <c:f>Sheet1!$B$1</c:f>
+              <c:strCache>
+                <c:ptCount val="1"/>
+                <c:pt idx="0">
+                  <c:v>Transaction Count</c:v>
+                </c:pt>
+              </c:strCache>
+            </c:strRef>
+          </c:tx>
+          <c:spPr>
+            <a:solidFill>
+              <a:srgbClr val="3A5566"/>
+            </a:solidFill>
+          </c:spPr>
+          <c:cat>
+            <c:strRef>
+              <c:f>Sheet1!$A$2:$A$22</c:f>
+              <c:strCache>
+                <c:ptCount val="21"/>
+                <c:pt idx="0">
+                  <c:v>2005</c:v>
+                </c:pt>
+                <c:pt idx="1">
+                  <c:v>2006</c:v>
+                </c:pt>
+                <c:pt idx="2">
+                  <c:v>2007</c:v>
+                </c:pt>
+                <c:pt idx="3">
+                  <c:v>2008</c:v>
+                </c:pt>
+                <c:pt idx="4">
+                  <c:v>2009</c:v>
+                </c:pt>
+                <c:pt idx="5">
+                  <c:v>2010</c:v>
+                </c:pt>
+                <c:pt idx="6">
+                  <c:v>2011</c:v>
+                </c:pt>
+                <c:pt idx="7">
+                  <c:v>2012</c:v>
+                </c:pt>
+                <c:pt idx="8">
+                  <c:v>2013</c:v>
+                </c:pt>
+                <c:pt idx="9">
+                  <c:v>2014</c:v>
+                </c:pt>
+                <c:pt idx="10">
+                  <c:v>2015</c:v>
+                </c:pt>
+                <c:pt idx="11">
+                  <c:v>2016</c:v>
+                </c:pt>
+                <c:pt idx="12">
+                  <c:v>2017</c:v>
+                </c:pt>
+                <c:pt idx="13">
+                  <c:v>2018</c:v>
+                </c:pt>
+                <c:pt idx="14">
+                  <c:v>2019</c:v>
+                </c:pt>
+                <c:pt idx="15">
+                  <c:v>2020</c:v>
+                </c:pt>
+                <c:pt idx="16">
+                  <c:v>2021</c:v>
+                </c:pt>
+                <c:pt idx="17">
+                  <c:v>2022</c:v>
+                </c:pt>
+                <c:pt idx="18">
+                  <c:v>2023</c:v>
+                </c:pt>
+                <c:pt idx="19">
+                  <c:v>2024</c:v>
+                </c:pt>
+                <c:pt idx="20">
+                  <c:v>2025</c:v>
+                </c:pt>
+              </c:strCache>
+            </c:strRef>
+          </c:cat>
+          <c:val>
+            <c:numRef>
+              <c:f>Sheet1!$B$2:$B$22</c:f>
+              <c:numCache>
+                <c:formatCode>General</c:formatCode>
+                <c:ptCount val="21"/>
+                <c:pt idx="0">
+                  <c:v>196</c:v>
+                </c:pt>
+                <c:pt idx="1">
+                  <c:v>200</c:v>
+                </c:pt>
+                <c:pt idx="2">
+                  <c:v>179</c:v>
+                </c:pt>
+                <c:pt idx="3">
+                  <c:v>132</c:v>
+                </c:pt>
+                <c:pt idx="4">
+                  <c:v>80</c:v>
+                </c:pt>
+                <c:pt idx="5">
+                  <c:v>67</c:v>
+                </c:pt>
+                <c:pt idx="6">
+                  <c:v>80</c:v>
+                </c:pt>
+                <c:pt idx="7">
+                  <c:v>129</c:v>
+                </c:pt>
+                <c:pt idx="8">
+                  <c:v>133</c:v>
+                </c:pt>
+                <c:pt idx="9">
+                  <c:v>164</c:v>
+                </c:pt>
+                <c:pt idx="10">
+                  <c:v>192</c:v>
+                </c:pt>
+                <c:pt idx="11">
+                  <c:v>165</c:v>
+                </c:pt>
+                <c:pt idx="12">
+                  <c:v>168</c:v>
+                </c:pt>
+                <c:pt idx="13">
+                  <c:v>150</c:v>
+                </c:pt>
+                <c:pt idx="14">
+                  <c:v>142</c:v>
+                </c:pt>
+                <c:pt idx="15">
+                  <c:v>119</c:v>
+                </c:pt>
+                <c:pt idx="16">
+                  <c:v>157</c:v>
+                </c:pt>
+                <c:pt idx="17">
+                  <c:v>112</c:v>
+                </c:pt>
+                <c:pt idx="18">
+                  <c:v>98</c:v>
+                </c:pt>
+                <c:pt idx="19">
+                  <c:v>81</c:v>
+                </c:pt>
+                <c:pt idx="20">
+                  <c:v>87</c:v>
+                </c:pt>
+              </c:numCache>
+            </c:numRef>
+          </c:val>
+        </c:ser>
+        <c:axId val="-2068027336"/>
+        <c:axId val="-2113994440"/>
+      </c:barChart>
+      <c:catAx>
+        <c:axId val="-2068027336"/>
+        <c:scaling>
+          <c:orientation val="minMax"/>
+        </c:scaling>
+        <c:delete val="0"/>
+        <c:axPos val="b"/>
+        <c:majorTickMark val="out"/>
+        <c:minorTickMark val="none"/>
+        <c:tickLblPos val="nextTo"/>
+        <c:crossAx val="-2113994440"/>
+        <c:crosses val="autoZero"/>
+        <c:auto val="1"/>
+        <c:lblAlgn val="ctr"/>
+        <c:lblOffset val="100"/>
+        <c:noMultiLvlLbl val="0"/>
+      </c:catAx>
+      <c:valAx>
+        <c:axId val="-2113994440"/>
+        <c:scaling/>
+        <c:delete val="0"/>
+        <c:axPos val="l"/>
+        <c:majorGridlines/>
+        <c:majorTickMark val="out"/>
+        <c:minorTickMark val="none"/>
+        <c:tickLblPos val="nextTo"/>
+        <c:crossAx val="-2068027336"/>
+        <c:crosses val="autoZero"/>
+      </c:valAx>
+    </c:plotArea>
+    <c:dispBlanksAs val="gap"/>
+  </c:chart>
+  <c:txPr>
+    <a:bodyPr/>
+    <a:lstStyle/>
+    <a:p>
+      <a:pPr>
+        <a:defRPr sz="1800"/>
+      </a:pPr>
+      <a:endParaRPr lang="en-US"/>
+    </a:p>
+  </c:txPr>
+  <c:externalData r:id="rId1">
+    <c:autoUpdate val="0"/>
+  </c:externalData>
+</c:chartSpace>
+</file>
+
+<file path=ppt/charts/chart6.xml><?xml version="1.0" encoding="utf-8"?>
+<c:chartSpace xmlns:c="http://schemas.openxmlformats.org/drawingml/2006/chart" xmlns:a="http://schemas.openxmlformats.org/drawingml/2006/main" xmlns:r="http://schemas.openxmlformats.org/officeDocument/2006/relationships">
+  <c:date1904 val="0"/>
+  <c:chart>
+    <c:title>
+      <c:tx>
+        <c:rich>
+          <a:bodyPr/>
+          <a:lstStyle/>
+          <a:p>
+            <a:pPr>
+              <a:defRPr sz="1200" b="1">
+                <a:solidFill>
+                  <a:srgbClr val="3A5566"/>
+                </a:solidFill>
+              </a:defRPr>
+            </a:pPr>
+            <a:r>
+              <a:t>Median Price Per SF</a:t>
+            </a:r>
+          </a:p>
+        </c:rich>
+      </c:tx>
+      <c:layout/>
+      <c:overlay val="0"/>
+    </c:title>
+    <c:autoTitleDeleted val="0"/>
+    <c:plotArea>
+      <c:lineChart>
+        <c:grouping val="standard"/>
+        <c:varyColors val="0"/>
+        <c:ser>
+          <c:idx val="0"/>
+          <c:order val="0"/>
+          <c:tx>
+            <c:strRef>
+              <c:f>Sheet1!$B$1</c:f>
+              <c:strCache>
+                <c:ptCount val="1"/>
+                <c:pt idx="0">
+                  <c:v>Median $/SF</c:v>
+                </c:pt>
+              </c:strCache>
+            </c:strRef>
+          </c:tx>
+          <c:spPr>
+            <a:ln w="38100">
+              <a:solidFill>
+                <a:srgbClr val="2E7D32"/>
+              </a:solidFill>
+            </a:ln>
+          </c:spPr>
+          <c:marker>
+            <c:symbol val="none"/>
+          </c:marker>
+          <c:cat>
+            <c:strRef>
+              <c:f>Sheet1!$A$2:$A$22</c:f>
+              <c:strCache>
+                <c:ptCount val="21"/>
+                <c:pt idx="0">
+                  <c:v>2005</c:v>
+                </c:pt>
+                <c:pt idx="1">
+                  <c:v>2006</c:v>
+                </c:pt>
+                <c:pt idx="2">
+                  <c:v>2007</c:v>
+                </c:pt>
+                <c:pt idx="3">
+                  <c:v>2008</c:v>
+                </c:pt>
+                <c:pt idx="4">
+                  <c:v>2009</c:v>
+                </c:pt>
+                <c:pt idx="5">
+                  <c:v>2010</c:v>
+                </c:pt>
+                <c:pt idx="6">
+                  <c:v>2011</c:v>
+                </c:pt>
+                <c:pt idx="7">
+                  <c:v>2012</c:v>
+                </c:pt>
+                <c:pt idx="8">
+                  <c:v>2013</c:v>
+                </c:pt>
+                <c:pt idx="9">
+                  <c:v>2014</c:v>
+                </c:pt>
+                <c:pt idx="10">
+                  <c:v>2015</c:v>
+                </c:pt>
+                <c:pt idx="11">
+                  <c:v>2016</c:v>
+                </c:pt>
+                <c:pt idx="12">
+                  <c:v>2017</c:v>
+                </c:pt>
+                <c:pt idx="13">
+                  <c:v>2018</c:v>
+                </c:pt>
+                <c:pt idx="14">
+                  <c:v>2019</c:v>
+                </c:pt>
+                <c:pt idx="15">
+                  <c:v>2020</c:v>
+                </c:pt>
+                <c:pt idx="16">
+                  <c:v>2021</c:v>
+                </c:pt>
+                <c:pt idx="17">
+                  <c:v>2022</c:v>
+                </c:pt>
+                <c:pt idx="18">
+                  <c:v>2023</c:v>
+                </c:pt>
+                <c:pt idx="19">
+                  <c:v>2024</c:v>
+                </c:pt>
+                <c:pt idx="20">
+                  <c:v>2025</c:v>
+                </c:pt>
+              </c:strCache>
+            </c:strRef>
+          </c:cat>
+          <c:val>
+            <c:numRef>
+              <c:f>Sheet1!$B$2:$B$22</c:f>
+              <c:numCache>
+                <c:formatCode>General</c:formatCode>
+                <c:ptCount val="21"/>
+                <c:pt idx="0">
+                  <c:v>77.6</c:v>
+                </c:pt>
+                <c:pt idx="1">
+                  <c:v>82.76</c:v>
+                </c:pt>
+                <c:pt idx="2">
+                  <c:v>99.45</c:v>
+                </c:pt>
+                <c:pt idx="3">
+                  <c:v>88.86</c:v>
+                </c:pt>
+                <c:pt idx="4">
+                  <c:v>87.21000000000001</c:v>
+                </c:pt>
+                <c:pt idx="5">
+                  <c:v>86.59</c:v>
+                </c:pt>
+                <c:pt idx="6">
+                  <c:v>77.25999999999999</c:v>
+                </c:pt>
+                <c:pt idx="7">
+                  <c:v>75.83</c:v>
+                </c:pt>
+                <c:pt idx="8">
+                  <c:v>110.86</c:v>
+                </c:pt>
+                <c:pt idx="9">
+                  <c:v>98.96</c:v>
+                </c:pt>
+                <c:pt idx="10">
+                  <c:v>136.34</c:v>
+                </c:pt>
+                <c:pt idx="11">
+                  <c:v>146.70999999999998</c:v>
+                </c:pt>
+                <c:pt idx="12">
+                  <c:v>181.62</c:v>
+                </c:pt>
+                <c:pt idx="13">
+                  <c:v>177.815</c:v>
+                </c:pt>
+                <c:pt idx="14">
+                  <c:v>221.57</c:v>
+                </c:pt>
+                <c:pt idx="15">
+                  <c:v>216.82</c:v>
+                </c:pt>
+                <c:pt idx="16">
+                  <c:v>321.75</c:v>
+                </c:pt>
+                <c:pt idx="17">
+                  <c:v>394.265</c:v>
+                </c:pt>
+                <c:pt idx="18">
+                  <c:v>385.93</c:v>
+                </c:pt>
+                <c:pt idx="19">
+                  <c:v>335.44</c:v>
+                </c:pt>
+                <c:pt idx="20">
+                  <c:v>322.30499999999995</c:v>
+                </c:pt>
+              </c:numCache>
+            </c:numRef>
+          </c:val>
+          <c:smooth val="0"/>
+        </c:ser>
+        <c:marker val="1"/>
+        <c:smooth val="0"/>
+        <c:axId val="2118791784"/>
+        <c:axId val="2140495176"/>
+      </c:lineChart>
+      <c:catAx>
+        <c:axId val="2118791784"/>
+        <c:scaling>
+          <c:orientation val="minMax"/>
+        </c:scaling>
+        <c:delete val="0"/>
+        <c:axPos val="b"/>
+        <c:majorTickMark val="out"/>
+        <c:minorTickMark val="none"/>
+        <c:tickLblPos val="nextTo"/>
+        <c:crossAx val="2140495176"/>
+        <c:crosses val="autoZero"/>
+        <c:auto val="1"/>
+        <c:lblAlgn val="ctr"/>
+        <c:lblOffset val="100"/>
+        <c:noMultiLvlLbl val="0"/>
+      </c:catAx>
+      <c:valAx>
+        <c:axId val="2140495176"/>
+        <c:scaling/>
+        <c:delete val="0"/>
+        <c:axPos val="l"/>
+        <c:majorGridlines/>
+        <c:majorTickMark val="out"/>
+        <c:minorTickMark val="none"/>
+        <c:tickLblPos val="nextTo"/>
+        <c:crossAx val="2118791784"/>
+        <c:crosses val="autoZero"/>
+      </c:valAx>
+    </c:plotArea>
+    <c:plotVisOnly val="1"/>
+    <c:dispBlanksAs val="gap"/>
+    <c:showDLblsOverMax val="0"/>
   </c:chart>
   <c:txPr>
     <a:bodyPr/>
@@ -9800,6 +10547,4619 @@
             </a:pPr>
             <a:r>
               <a:t>All-time record</a:t>
+            </a:r>
+          </a:p>
+        </p:txBody>
+      </p:sp>
+    </p:spTree>
+  </p:cSld>
+  <p:clrMapOvr>
+    <a:masterClrMapping/>
+  </p:clrMapOvr>
+</p:sld>
+</file>
+
+<file path=ppt/slides/slide15.xml><?xml version="1.0" encoding="utf-8"?>
+<p:sld xmlns:a="http://schemas.openxmlformats.org/drawingml/2006/main" xmlns:p="http://schemas.openxmlformats.org/presentationml/2006/main" xmlns:r="http://schemas.openxmlformats.org/officeDocument/2006/relationships">
+  <p:cSld>
+    <p:bg>
+      <p:bgPr>
+        <a:solidFill>
+          <a:srgbClr val="FFFFFF"/>
+        </a:solidFill>
+        <a:effectLst/>
+      </p:bgPr>
+    </p:bg>
+    <p:spTree>
+      <p:nvGrpSpPr>
+        <p:cNvPr id="1" name=""/>
+        <p:cNvGrpSpPr/>
+        <p:nvPr/>
+      </p:nvGrpSpPr>
+      <p:grpSpPr/>
+      <p:sp>
+        <p:nvSpPr>
+          <p:cNvPr id="2" name="Rectangle 1"/>
+          <p:cNvSpPr/>
+          <p:nvPr/>
+        </p:nvSpPr>
+        <p:spPr>
+          <a:xfrm>
+            <a:off x="0" y="0"/>
+            <a:ext cx="12191695" cy="777240"/>
+          </a:xfrm>
+          <a:prstGeom prst="rect">
+            <a:avLst/>
+          </a:prstGeom>
+          <a:solidFill>
+            <a:srgbClr val="3A5566"/>
+          </a:solidFill>
+          <a:ln>
+            <a:noFill/>
+          </a:ln>
+        </p:spPr>
+        <p:style>
+          <a:lnRef idx="1">
+            <a:schemeClr val="accent1"/>
+          </a:lnRef>
+          <a:fillRef idx="3">
+            <a:schemeClr val="accent1"/>
+          </a:fillRef>
+          <a:effectRef idx="2">
+            <a:schemeClr val="accent1"/>
+          </a:effectRef>
+          <a:fontRef idx="minor">
+            <a:schemeClr val="lt1"/>
+          </a:fontRef>
+        </p:style>
+        <p:txBody>
+          <a:bodyPr rtlCol="0" anchor="ctr"/>
+          <a:lstStyle/>
+          <a:p>
+            <a:pPr algn="ctr"/>
+          </a:p>
+        </p:txBody>
+      </p:sp>
+      <p:sp>
+        <p:nvSpPr>
+          <p:cNvPr id="3" name="TextBox 2"/>
+          <p:cNvSpPr txBox="1"/>
+          <p:nvPr/>
+        </p:nvSpPr>
+        <p:spPr>
+          <a:xfrm>
+            <a:off x="457200" y="109728"/>
+            <a:ext cx="10972800" cy="411480"/>
+          </a:xfrm>
+          <a:prstGeom prst="rect">
+            <a:avLst/>
+          </a:prstGeom>
+          <a:noFill/>
+        </p:spPr>
+        <p:txBody>
+          <a:bodyPr wrap="square">
+            <a:spAutoFit/>
+          </a:bodyPr>
+          <a:lstStyle/>
+          <a:p>
+            <a:pPr algn="l">
+              <a:defRPr sz="2600" b="1">
+                <a:solidFill>
+                  <a:srgbClr val="FFFFFF"/>
+                </a:solidFill>
+              </a:defRPr>
+            </a:pPr>
+            <a:r>
+              <a:t>Nashville Office Sales — Market Overview</a:t>
+            </a:r>
+          </a:p>
+        </p:txBody>
+      </p:sp>
+      <p:sp>
+        <p:nvSpPr>
+          <p:cNvPr id="4" name="TextBox 3"/>
+          <p:cNvSpPr txBox="1"/>
+          <p:nvPr/>
+        </p:nvSpPr>
+        <p:spPr>
+          <a:xfrm>
+            <a:off x="457200" y="438912"/>
+            <a:ext cx="10972800" cy="274320"/>
+          </a:xfrm>
+          <a:prstGeom prst="rect">
+            <a:avLst/>
+          </a:prstGeom>
+          <a:noFill/>
+        </p:spPr>
+        <p:txBody>
+          <a:bodyPr wrap="square">
+            <a:spAutoFit/>
+          </a:bodyPr>
+          <a:lstStyle/>
+          <a:p>
+            <a:pPr algn="l">
+              <a:defRPr sz="1200" b="0">
+                <a:solidFill>
+                  <a:srgbClr val="CBB279"/>
+                </a:solidFill>
+              </a:defRPr>
+            </a:pPr>
+            <a:r>
+              <a:t>Davidson County  |  14,841 Office Properties  |  8,207 Recorded Sales</a:t>
+            </a:r>
+          </a:p>
+        </p:txBody>
+      </p:sp>
+      <p:sp>
+        <p:nvSpPr>
+          <p:cNvPr id="5" name="Rectangle 4"/>
+          <p:cNvSpPr/>
+          <p:nvPr/>
+        </p:nvSpPr>
+        <p:spPr>
+          <a:xfrm>
+            <a:off x="274320" y="1051560"/>
+            <a:ext cx="1920240" cy="1097280"/>
+          </a:xfrm>
+          <a:prstGeom prst="rect">
+            <a:avLst/>
+          </a:prstGeom>
+          <a:solidFill>
+            <a:srgbClr val="F2F0ED"/>
+          </a:solidFill>
+          <a:ln>
+            <a:solidFill>
+              <a:srgbClr val="E2E2E0"/>
+            </a:solidFill>
+          </a:ln>
+        </p:spPr>
+        <p:style>
+          <a:lnRef idx="1">
+            <a:schemeClr val="accent1"/>
+          </a:lnRef>
+          <a:fillRef idx="3">
+            <a:schemeClr val="accent1"/>
+          </a:fillRef>
+          <a:effectRef idx="2">
+            <a:schemeClr val="accent1"/>
+          </a:effectRef>
+          <a:fontRef idx="minor">
+            <a:schemeClr val="lt1"/>
+          </a:fontRef>
+        </p:style>
+        <p:txBody>
+          <a:bodyPr rtlCol="0" anchor="ctr" wrap="square"/>
+          <a:lstStyle/>
+          <a:p>
+            <a:pPr algn="ctr">
+              <a:defRPr sz="2200" b="1">
+                <a:solidFill>
+                  <a:srgbClr val="3A5566"/>
+                </a:solidFill>
+              </a:defRPr>
+            </a:pPr>
+            <a:r>
+              <a:t>14,841</a:t>
+            </a:r>
+          </a:p>
+          <a:p>
+            <a:pPr algn="ctr">
+              <a:defRPr sz="900">
+                <a:solidFill>
+                  <a:srgbClr val="706F6C"/>
+                </a:solidFill>
+              </a:defRPr>
+            </a:pPr>
+            <a:r>
+              <a:t>Office Properties</a:t>
+            </a:r>
+          </a:p>
+        </p:txBody>
+      </p:sp>
+      <p:sp>
+        <p:nvSpPr>
+          <p:cNvPr id="6" name="Rectangle 5"/>
+          <p:cNvSpPr/>
+          <p:nvPr/>
+        </p:nvSpPr>
+        <p:spPr>
+          <a:xfrm>
+            <a:off x="2331720" y="1051560"/>
+            <a:ext cx="1920240" cy="1097280"/>
+          </a:xfrm>
+          <a:prstGeom prst="rect">
+            <a:avLst/>
+          </a:prstGeom>
+          <a:solidFill>
+            <a:srgbClr val="F2F0ED"/>
+          </a:solidFill>
+          <a:ln>
+            <a:solidFill>
+              <a:srgbClr val="E2E2E0"/>
+            </a:solidFill>
+          </a:ln>
+        </p:spPr>
+        <p:style>
+          <a:lnRef idx="1">
+            <a:schemeClr val="accent1"/>
+          </a:lnRef>
+          <a:fillRef idx="3">
+            <a:schemeClr val="accent1"/>
+          </a:fillRef>
+          <a:effectRef idx="2">
+            <a:schemeClr val="accent1"/>
+          </a:effectRef>
+          <a:fontRef idx="minor">
+            <a:schemeClr val="lt1"/>
+          </a:fontRef>
+        </p:style>
+        <p:txBody>
+          <a:bodyPr rtlCol="0" anchor="ctr" wrap="square"/>
+          <a:lstStyle/>
+          <a:p>
+            <a:pPr algn="ctr">
+              <a:defRPr sz="2200" b="1">
+                <a:solidFill>
+                  <a:srgbClr val="3A5566"/>
+                </a:solidFill>
+              </a:defRPr>
+            </a:pPr>
+            <a:r>
+              <a:t>8,207</a:t>
+            </a:r>
+          </a:p>
+          <a:p>
+            <a:pPr algn="ctr">
+              <a:defRPr sz="900">
+                <a:solidFill>
+                  <a:srgbClr val="706F6C"/>
+                </a:solidFill>
+              </a:defRPr>
+            </a:pPr>
+            <a:r>
+              <a:t>Recorded Sales</a:t>
+            </a:r>
+          </a:p>
+        </p:txBody>
+      </p:sp>
+      <p:sp>
+        <p:nvSpPr>
+          <p:cNvPr id="7" name="Rectangle 6"/>
+          <p:cNvSpPr/>
+          <p:nvPr/>
+        </p:nvSpPr>
+        <p:spPr>
+          <a:xfrm>
+            <a:off x="4389120" y="1051560"/>
+            <a:ext cx="1920240" cy="1097280"/>
+          </a:xfrm>
+          <a:prstGeom prst="rect">
+            <a:avLst/>
+          </a:prstGeom>
+          <a:solidFill>
+            <a:srgbClr val="F2F0ED"/>
+          </a:solidFill>
+          <a:ln>
+            <a:solidFill>
+              <a:srgbClr val="E2E2E0"/>
+            </a:solidFill>
+          </a:ln>
+        </p:spPr>
+        <p:style>
+          <a:lnRef idx="1">
+            <a:schemeClr val="accent1"/>
+          </a:lnRef>
+          <a:fillRef idx="3">
+            <a:schemeClr val="accent1"/>
+          </a:fillRef>
+          <a:effectRef idx="2">
+            <a:schemeClr val="accent1"/>
+          </a:effectRef>
+          <a:fontRef idx="minor">
+            <a:schemeClr val="lt1"/>
+          </a:fontRef>
+        </p:style>
+        <p:txBody>
+          <a:bodyPr rtlCol="0" anchor="ctr" wrap="square"/>
+          <a:lstStyle/>
+          <a:p>
+            <a:pPr algn="ctr">
+              <a:defRPr sz="2200" b="1">
+                <a:solidFill>
+                  <a:srgbClr val="2E7D32"/>
+                </a:solidFill>
+              </a:defRPr>
+            </a:pPr>
+            <a:r>
+              <a:t>$17.8B</a:t>
+            </a:r>
+          </a:p>
+          <a:p>
+            <a:pPr algn="ctr">
+              <a:defRPr sz="900">
+                <a:solidFill>
+                  <a:srgbClr val="706F6C"/>
+                </a:solidFill>
+              </a:defRPr>
+            </a:pPr>
+            <a:r>
+              <a:t>Total Volume</a:t>
+            </a:r>
+          </a:p>
+        </p:txBody>
+      </p:sp>
+      <p:sp>
+        <p:nvSpPr>
+          <p:cNvPr id="8" name="Rectangle 7"/>
+          <p:cNvSpPr/>
+          <p:nvPr/>
+        </p:nvSpPr>
+        <p:spPr>
+          <a:xfrm>
+            <a:off x="6446520" y="1051560"/>
+            <a:ext cx="1920240" cy="1097280"/>
+          </a:xfrm>
+          <a:prstGeom prst="rect">
+            <a:avLst/>
+          </a:prstGeom>
+          <a:solidFill>
+            <a:srgbClr val="F2F0ED"/>
+          </a:solidFill>
+          <a:ln>
+            <a:solidFill>
+              <a:srgbClr val="E2E2E0"/>
+            </a:solidFill>
+          </a:ln>
+        </p:spPr>
+        <p:style>
+          <a:lnRef idx="1">
+            <a:schemeClr val="accent1"/>
+          </a:lnRef>
+          <a:fillRef idx="3">
+            <a:schemeClr val="accent1"/>
+          </a:fillRef>
+          <a:effectRef idx="2">
+            <a:schemeClr val="accent1"/>
+          </a:effectRef>
+          <a:fontRef idx="minor">
+            <a:schemeClr val="lt1"/>
+          </a:fontRef>
+        </p:style>
+        <p:txBody>
+          <a:bodyPr rtlCol="0" anchor="ctr" wrap="square"/>
+          <a:lstStyle/>
+          <a:p>
+            <a:pPr algn="ctr">
+              <a:defRPr sz="2200" b="1">
+                <a:solidFill>
+                  <a:srgbClr val="3A5566"/>
+                </a:solidFill>
+              </a:defRPr>
+            </a:pPr>
+            <a:r>
+              <a:t>$2.2M</a:t>
+            </a:r>
+          </a:p>
+          <a:p>
+            <a:pPr algn="ctr">
+              <a:defRPr sz="900">
+                <a:solidFill>
+                  <a:srgbClr val="706F6C"/>
+                </a:solidFill>
+              </a:defRPr>
+            </a:pPr>
+            <a:r>
+              <a:t>Avg Sale Price</a:t>
+            </a:r>
+          </a:p>
+        </p:txBody>
+      </p:sp>
+      <p:sp>
+        <p:nvSpPr>
+          <p:cNvPr id="9" name="Rectangle 8"/>
+          <p:cNvSpPr/>
+          <p:nvPr/>
+        </p:nvSpPr>
+        <p:spPr>
+          <a:xfrm>
+            <a:off x="8503920" y="1051560"/>
+            <a:ext cx="1920240" cy="1097280"/>
+          </a:xfrm>
+          <a:prstGeom prst="rect">
+            <a:avLst/>
+          </a:prstGeom>
+          <a:solidFill>
+            <a:srgbClr val="F2F0ED"/>
+          </a:solidFill>
+          <a:ln>
+            <a:solidFill>
+              <a:srgbClr val="E2E2E0"/>
+            </a:solidFill>
+          </a:ln>
+        </p:spPr>
+        <p:style>
+          <a:lnRef idx="1">
+            <a:schemeClr val="accent1"/>
+          </a:lnRef>
+          <a:fillRef idx="3">
+            <a:schemeClr val="accent1"/>
+          </a:fillRef>
+          <a:effectRef idx="2">
+            <a:schemeClr val="accent1"/>
+          </a:effectRef>
+          <a:fontRef idx="minor">
+            <a:schemeClr val="lt1"/>
+          </a:fontRef>
+        </p:style>
+        <p:txBody>
+          <a:bodyPr rtlCol="0" anchor="ctr" wrap="square"/>
+          <a:lstStyle/>
+          <a:p>
+            <a:pPr algn="ctr">
+              <a:defRPr sz="2200" b="1">
+                <a:solidFill>
+                  <a:srgbClr val="3A5566"/>
+                </a:solidFill>
+              </a:defRPr>
+            </a:pPr>
+            <a:r>
+              <a:t>$240K</a:t>
+            </a:r>
+          </a:p>
+          <a:p>
+            <a:pPr algn="ctr">
+              <a:defRPr sz="900">
+                <a:solidFill>
+                  <a:srgbClr val="706F6C"/>
+                </a:solidFill>
+              </a:defRPr>
+            </a:pPr>
+            <a:r>
+              <a:t>Median Sale</a:t>
+            </a:r>
+          </a:p>
+        </p:txBody>
+      </p:sp>
+      <p:sp>
+        <p:nvSpPr>
+          <p:cNvPr id="10" name="Rectangle 9"/>
+          <p:cNvSpPr/>
+          <p:nvPr/>
+        </p:nvSpPr>
+        <p:spPr>
+          <a:xfrm>
+            <a:off x="10561320" y="1051560"/>
+            <a:ext cx="1371600" cy="1097280"/>
+          </a:xfrm>
+          <a:prstGeom prst="rect">
+            <a:avLst/>
+          </a:prstGeom>
+          <a:solidFill>
+            <a:srgbClr val="F2F0ED"/>
+          </a:solidFill>
+          <a:ln>
+            <a:solidFill>
+              <a:srgbClr val="E2E2E0"/>
+            </a:solidFill>
+          </a:ln>
+        </p:spPr>
+        <p:style>
+          <a:lnRef idx="1">
+            <a:schemeClr val="accent1"/>
+          </a:lnRef>
+          <a:fillRef idx="3">
+            <a:schemeClr val="accent1"/>
+          </a:fillRef>
+          <a:effectRef idx="2">
+            <a:schemeClr val="accent1"/>
+          </a:effectRef>
+          <a:fontRef idx="minor">
+            <a:schemeClr val="lt1"/>
+          </a:fontRef>
+        </p:style>
+        <p:txBody>
+          <a:bodyPr rtlCol="0" anchor="ctr" wrap="square"/>
+          <a:lstStyle/>
+          <a:p>
+            <a:pPr algn="ctr">
+              <a:defRPr sz="2200" b="1">
+                <a:solidFill>
+                  <a:srgbClr val="3A5566"/>
+                </a:solidFill>
+              </a:defRPr>
+            </a:pPr>
+            <a:r>
+              <a:t>2,020</a:t>
+            </a:r>
+          </a:p>
+          <a:p>
+            <a:pPr algn="ctr">
+              <a:defRPr sz="900">
+                <a:solidFill>
+                  <a:srgbClr val="706F6C"/>
+                </a:solidFill>
+              </a:defRPr>
+            </a:pPr>
+            <a:r>
+              <a:t>Total Buildings</a:t>
+            </a:r>
+          </a:p>
+        </p:txBody>
+      </p:sp>
+      <p:graphicFrame>
+        <p:nvGraphicFramePr>
+          <p:cNvPr id="11" name="Chart 10"/>
+          <p:cNvGraphicFramePr>
+            <a:graphicFrameLocks noGrp="1"/>
+          </p:cNvGraphicFramePr>
+          <p:nvPr/>
+        </p:nvGraphicFramePr>
+        <p:xfrm>
+          <a:off x="274320" y="2377440"/>
+          <a:ext cx="7132320" cy="4114800"/>
+        </p:xfrm>
+        <a:graphic>
+          <a:graphicData uri="http://schemas.openxmlformats.org/drawingml/2006/chart">
+            <c:chart xmlns:c="http://schemas.openxmlformats.org/drawingml/2006/chart" r:id="rId2"/>
+          </a:graphicData>
+        </a:graphic>
+      </p:graphicFrame>
+      <p:sp>
+        <p:nvSpPr>
+          <p:cNvPr id="12" name="TextBox 11"/>
+          <p:cNvSpPr txBox="1"/>
+          <p:nvPr/>
+        </p:nvSpPr>
+        <p:spPr>
+          <a:xfrm>
+            <a:off x="7772400" y="2377440"/>
+            <a:ext cx="4114800" cy="320040"/>
+          </a:xfrm>
+          <a:prstGeom prst="rect">
+            <a:avLst/>
+          </a:prstGeom>
+          <a:noFill/>
+        </p:spPr>
+        <p:txBody>
+          <a:bodyPr wrap="square">
+            <a:spAutoFit/>
+          </a:bodyPr>
+          <a:lstStyle/>
+          <a:p>
+            <a:pPr algn="l">
+              <a:defRPr sz="1400" b="1">
+                <a:solidFill>
+                  <a:srgbClr val="3A5566"/>
+                </a:solidFill>
+              </a:defRPr>
+            </a:pPr>
+            <a:r>
+              <a:t>Sales by Office Type</a:t>
+            </a:r>
+          </a:p>
+        </p:txBody>
+      </p:sp>
+      <p:sp>
+        <p:nvSpPr>
+          <p:cNvPr id="13" name="TextBox 12"/>
+          <p:cNvSpPr txBox="1"/>
+          <p:nvPr/>
+        </p:nvSpPr>
+        <p:spPr>
+          <a:xfrm>
+            <a:off x="7772400" y="2834640"/>
+            <a:ext cx="2286000" cy="228600"/>
+          </a:xfrm>
+          <a:prstGeom prst="rect">
+            <a:avLst/>
+          </a:prstGeom>
+          <a:noFill/>
+        </p:spPr>
+        <p:txBody>
+          <a:bodyPr wrap="square">
+            <a:spAutoFit/>
+          </a:bodyPr>
+          <a:lstStyle/>
+          <a:p>
+            <a:pPr algn="l">
+              <a:defRPr sz="900" b="1">
+                <a:solidFill>
+                  <a:srgbClr val="706F6C"/>
+                </a:solidFill>
+              </a:defRPr>
+            </a:pPr>
+            <a:r>
+              <a:t>Type</a:t>
+            </a:r>
+          </a:p>
+        </p:txBody>
+      </p:sp>
+      <p:sp>
+        <p:nvSpPr>
+          <p:cNvPr id="14" name="TextBox 13"/>
+          <p:cNvSpPr txBox="1"/>
+          <p:nvPr/>
+        </p:nvSpPr>
+        <p:spPr>
+          <a:xfrm>
+            <a:off x="9418320" y="2834640"/>
+            <a:ext cx="914400" cy="228600"/>
+          </a:xfrm>
+          <a:prstGeom prst="rect">
+            <a:avLst/>
+          </a:prstGeom>
+          <a:noFill/>
+        </p:spPr>
+        <p:txBody>
+          <a:bodyPr wrap="square">
+            <a:spAutoFit/>
+          </a:bodyPr>
+          <a:lstStyle/>
+          <a:p>
+            <a:pPr algn="l">
+              <a:defRPr sz="900" b="1">
+                <a:solidFill>
+                  <a:srgbClr val="706F6C"/>
+                </a:solidFill>
+              </a:defRPr>
+            </a:pPr>
+            <a:r>
+              <a:t>Sales</a:t>
+            </a:r>
+          </a:p>
+        </p:txBody>
+      </p:sp>
+      <p:sp>
+        <p:nvSpPr>
+          <p:cNvPr id="15" name="TextBox 14"/>
+          <p:cNvSpPr txBox="1"/>
+          <p:nvPr/>
+        </p:nvSpPr>
+        <p:spPr>
+          <a:xfrm>
+            <a:off x="10058400" y="2834640"/>
+            <a:ext cx="1097280" cy="228600"/>
+          </a:xfrm>
+          <a:prstGeom prst="rect">
+            <a:avLst/>
+          </a:prstGeom>
+          <a:noFill/>
+        </p:spPr>
+        <p:txBody>
+          <a:bodyPr wrap="square">
+            <a:spAutoFit/>
+          </a:bodyPr>
+          <a:lstStyle/>
+          <a:p>
+            <a:pPr algn="l">
+              <a:defRPr sz="900" b="1">
+                <a:solidFill>
+                  <a:srgbClr val="706F6C"/>
+                </a:solidFill>
+              </a:defRPr>
+            </a:pPr>
+            <a:r>
+              <a:t>Avg Price</a:t>
+            </a:r>
+          </a:p>
+        </p:txBody>
+      </p:sp>
+      <p:sp>
+        <p:nvSpPr>
+          <p:cNvPr id="16" name="TextBox 15"/>
+          <p:cNvSpPr txBox="1"/>
+          <p:nvPr/>
+        </p:nvSpPr>
+        <p:spPr>
+          <a:xfrm>
+            <a:off x="10972800" y="2834640"/>
+            <a:ext cx="1097280" cy="228600"/>
+          </a:xfrm>
+          <a:prstGeom prst="rect">
+            <a:avLst/>
+          </a:prstGeom>
+          <a:noFill/>
+        </p:spPr>
+        <p:txBody>
+          <a:bodyPr wrap="square">
+            <a:spAutoFit/>
+          </a:bodyPr>
+          <a:lstStyle/>
+          <a:p>
+            <a:pPr algn="l">
+              <a:defRPr sz="900" b="1">
+                <a:solidFill>
+                  <a:srgbClr val="706F6C"/>
+                </a:solidFill>
+              </a:defRPr>
+            </a:pPr>
+            <a:r>
+              <a:t>Median</a:t>
+            </a:r>
+          </a:p>
+        </p:txBody>
+      </p:sp>
+      <p:sp>
+        <p:nvSpPr>
+          <p:cNvPr id="17" name="TextBox 16"/>
+          <p:cNvSpPr txBox="1"/>
+          <p:nvPr/>
+        </p:nvSpPr>
+        <p:spPr>
+          <a:xfrm>
+            <a:off x="7772400" y="3154680"/>
+            <a:ext cx="1645920" cy="256032"/>
+          </a:xfrm>
+          <a:prstGeom prst="rect">
+            <a:avLst/>
+          </a:prstGeom>
+          <a:noFill/>
+        </p:spPr>
+        <p:txBody>
+          <a:bodyPr wrap="square">
+            <a:spAutoFit/>
+          </a:bodyPr>
+          <a:lstStyle/>
+          <a:p>
+            <a:pPr algn="l">
+              <a:defRPr sz="950" b="0">
+                <a:solidFill>
+                  <a:srgbClr val="3A5566"/>
+                </a:solidFill>
+              </a:defRPr>
+            </a:pPr>
+            <a:r>
+              <a:t>Office (1-2 Story)</a:t>
+            </a:r>
+          </a:p>
+        </p:txBody>
+      </p:sp>
+      <p:sp>
+        <p:nvSpPr>
+          <p:cNvPr id="18" name="TextBox 17"/>
+          <p:cNvSpPr txBox="1"/>
+          <p:nvPr/>
+        </p:nvSpPr>
+        <p:spPr>
+          <a:xfrm>
+            <a:off x="9418320" y="3154680"/>
+            <a:ext cx="640080" cy="256032"/>
+          </a:xfrm>
+          <a:prstGeom prst="rect">
+            <a:avLst/>
+          </a:prstGeom>
+          <a:noFill/>
+        </p:spPr>
+        <p:txBody>
+          <a:bodyPr wrap="square">
+            <a:spAutoFit/>
+          </a:bodyPr>
+          <a:lstStyle/>
+          <a:p>
+            <a:pPr algn="l">
+              <a:defRPr sz="950" b="1">
+                <a:solidFill>
+                  <a:srgbClr val="3A5566"/>
+                </a:solidFill>
+              </a:defRPr>
+            </a:pPr>
+            <a:r>
+              <a:t>6,210</a:t>
+            </a:r>
+          </a:p>
+        </p:txBody>
+      </p:sp>
+      <p:sp>
+        <p:nvSpPr>
+          <p:cNvPr id="19" name="TextBox 18"/>
+          <p:cNvSpPr txBox="1"/>
+          <p:nvPr/>
+        </p:nvSpPr>
+        <p:spPr>
+          <a:xfrm>
+            <a:off x="10058400" y="3154680"/>
+            <a:ext cx="914400" cy="256032"/>
+          </a:xfrm>
+          <a:prstGeom prst="rect">
+            <a:avLst/>
+          </a:prstGeom>
+          <a:noFill/>
+        </p:spPr>
+        <p:txBody>
+          <a:bodyPr wrap="square">
+            <a:spAutoFit/>
+          </a:bodyPr>
+          <a:lstStyle/>
+          <a:p>
+            <a:pPr algn="l">
+              <a:defRPr sz="950" b="0">
+                <a:solidFill>
+                  <a:srgbClr val="3A5566"/>
+                </a:solidFill>
+              </a:defRPr>
+            </a:pPr>
+            <a:r>
+              <a:t>$1.1M avg</a:t>
+            </a:r>
+          </a:p>
+        </p:txBody>
+      </p:sp>
+      <p:sp>
+        <p:nvSpPr>
+          <p:cNvPr id="20" name="TextBox 19"/>
+          <p:cNvSpPr txBox="1"/>
+          <p:nvPr/>
+        </p:nvSpPr>
+        <p:spPr>
+          <a:xfrm>
+            <a:off x="10972800" y="3154680"/>
+            <a:ext cx="914400" cy="256032"/>
+          </a:xfrm>
+          <a:prstGeom prst="rect">
+            <a:avLst/>
+          </a:prstGeom>
+          <a:noFill/>
+        </p:spPr>
+        <p:txBody>
+          <a:bodyPr wrap="square">
+            <a:spAutoFit/>
+          </a:bodyPr>
+          <a:lstStyle/>
+          <a:p>
+            <a:pPr algn="l">
+              <a:defRPr sz="950" b="0">
+                <a:solidFill>
+                  <a:srgbClr val="3A5566"/>
+                </a:solidFill>
+              </a:defRPr>
+            </a:pPr>
+            <a:r>
+              <a:t>$190K med</a:t>
+            </a:r>
+          </a:p>
+        </p:txBody>
+      </p:sp>
+      <p:sp>
+        <p:nvSpPr>
+          <p:cNvPr id="21" name="TextBox 20"/>
+          <p:cNvSpPr txBox="1"/>
+          <p:nvPr/>
+        </p:nvSpPr>
+        <p:spPr>
+          <a:xfrm>
+            <a:off x="7772400" y="3474720"/>
+            <a:ext cx="1645920" cy="256032"/>
+          </a:xfrm>
+          <a:prstGeom prst="rect">
+            <a:avLst/>
+          </a:prstGeom>
+          <a:noFill/>
+        </p:spPr>
+        <p:txBody>
+          <a:bodyPr wrap="square">
+            <a:spAutoFit/>
+          </a:bodyPr>
+          <a:lstStyle/>
+          <a:p>
+            <a:pPr algn="l">
+              <a:defRPr sz="950" b="0">
+                <a:solidFill>
+                  <a:srgbClr val="3A5566"/>
+                </a:solidFill>
+              </a:defRPr>
+            </a:pPr>
+            <a:r>
+              <a:t>Office (3+ Story)</a:t>
+            </a:r>
+          </a:p>
+        </p:txBody>
+      </p:sp>
+      <p:sp>
+        <p:nvSpPr>
+          <p:cNvPr id="22" name="TextBox 21"/>
+          <p:cNvSpPr txBox="1"/>
+          <p:nvPr/>
+        </p:nvSpPr>
+        <p:spPr>
+          <a:xfrm>
+            <a:off x="9418320" y="3474720"/>
+            <a:ext cx="640080" cy="256032"/>
+          </a:xfrm>
+          <a:prstGeom prst="rect">
+            <a:avLst/>
+          </a:prstGeom>
+          <a:noFill/>
+        </p:spPr>
+        <p:txBody>
+          <a:bodyPr wrap="square">
+            <a:spAutoFit/>
+          </a:bodyPr>
+          <a:lstStyle/>
+          <a:p>
+            <a:pPr algn="l">
+              <a:defRPr sz="950" b="1">
+                <a:solidFill>
+                  <a:srgbClr val="3A5566"/>
+                </a:solidFill>
+              </a:defRPr>
+            </a:pPr>
+            <a:r>
+              <a:t>836</a:t>
+            </a:r>
+          </a:p>
+        </p:txBody>
+      </p:sp>
+      <p:sp>
+        <p:nvSpPr>
+          <p:cNvPr id="23" name="TextBox 22"/>
+          <p:cNvSpPr txBox="1"/>
+          <p:nvPr/>
+        </p:nvSpPr>
+        <p:spPr>
+          <a:xfrm>
+            <a:off x="10058400" y="3474720"/>
+            <a:ext cx="914400" cy="256032"/>
+          </a:xfrm>
+          <a:prstGeom prst="rect">
+            <a:avLst/>
+          </a:prstGeom>
+          <a:noFill/>
+        </p:spPr>
+        <p:txBody>
+          <a:bodyPr wrap="square">
+            <a:spAutoFit/>
+          </a:bodyPr>
+          <a:lstStyle/>
+          <a:p>
+            <a:pPr algn="l">
+              <a:defRPr sz="950" b="0">
+                <a:solidFill>
+                  <a:srgbClr val="3A5566"/>
+                </a:solidFill>
+              </a:defRPr>
+            </a:pPr>
+            <a:r>
+              <a:t>$11.3M avg</a:t>
+            </a:r>
+          </a:p>
+        </p:txBody>
+      </p:sp>
+      <p:sp>
+        <p:nvSpPr>
+          <p:cNvPr id="24" name="TextBox 23"/>
+          <p:cNvSpPr txBox="1"/>
+          <p:nvPr/>
+        </p:nvSpPr>
+        <p:spPr>
+          <a:xfrm>
+            <a:off x="10972800" y="3474720"/>
+            <a:ext cx="914400" cy="256032"/>
+          </a:xfrm>
+          <a:prstGeom prst="rect">
+            <a:avLst/>
+          </a:prstGeom>
+          <a:noFill/>
+        </p:spPr>
+        <p:txBody>
+          <a:bodyPr wrap="square">
+            <a:spAutoFit/>
+          </a:bodyPr>
+          <a:lstStyle/>
+          <a:p>
+            <a:pPr algn="l">
+              <a:defRPr sz="950" b="0">
+                <a:solidFill>
+                  <a:srgbClr val="3A5566"/>
+                </a:solidFill>
+              </a:defRPr>
+            </a:pPr>
+            <a:r>
+              <a:t>$2.3M med</a:t>
+            </a:r>
+          </a:p>
+        </p:txBody>
+      </p:sp>
+      <p:sp>
+        <p:nvSpPr>
+          <p:cNvPr id="25" name="TextBox 24"/>
+          <p:cNvSpPr txBox="1"/>
+          <p:nvPr/>
+        </p:nvSpPr>
+        <p:spPr>
+          <a:xfrm>
+            <a:off x="7772400" y="3794760"/>
+            <a:ext cx="1645920" cy="256032"/>
+          </a:xfrm>
+          <a:prstGeom prst="rect">
+            <a:avLst/>
+          </a:prstGeom>
+          <a:noFill/>
+        </p:spPr>
+        <p:txBody>
+          <a:bodyPr wrap="square">
+            <a:spAutoFit/>
+          </a:bodyPr>
+          <a:lstStyle/>
+          <a:p>
+            <a:pPr algn="l">
+              <a:defRPr sz="950" b="0">
+                <a:solidFill>
+                  <a:srgbClr val="3A5566"/>
+                </a:solidFill>
+              </a:defRPr>
+            </a:pPr>
+            <a:r>
+              <a:t>Medical (1-2 Story)</a:t>
+            </a:r>
+          </a:p>
+        </p:txBody>
+      </p:sp>
+      <p:sp>
+        <p:nvSpPr>
+          <p:cNvPr id="26" name="TextBox 25"/>
+          <p:cNvSpPr txBox="1"/>
+          <p:nvPr/>
+        </p:nvSpPr>
+        <p:spPr>
+          <a:xfrm>
+            <a:off x="9418320" y="3794760"/>
+            <a:ext cx="640080" cy="256032"/>
+          </a:xfrm>
+          <a:prstGeom prst="rect">
+            <a:avLst/>
+          </a:prstGeom>
+          <a:noFill/>
+        </p:spPr>
+        <p:txBody>
+          <a:bodyPr wrap="square">
+            <a:spAutoFit/>
+          </a:bodyPr>
+          <a:lstStyle/>
+          <a:p>
+            <a:pPr algn="l">
+              <a:defRPr sz="950" b="1">
+                <a:solidFill>
+                  <a:srgbClr val="3A5566"/>
+                </a:solidFill>
+              </a:defRPr>
+            </a:pPr>
+            <a:r>
+              <a:t>1,054</a:t>
+            </a:r>
+          </a:p>
+        </p:txBody>
+      </p:sp>
+      <p:sp>
+        <p:nvSpPr>
+          <p:cNvPr id="27" name="TextBox 26"/>
+          <p:cNvSpPr txBox="1"/>
+          <p:nvPr/>
+        </p:nvSpPr>
+        <p:spPr>
+          <a:xfrm>
+            <a:off x="10058400" y="3794760"/>
+            <a:ext cx="914400" cy="256032"/>
+          </a:xfrm>
+          <a:prstGeom prst="rect">
+            <a:avLst/>
+          </a:prstGeom>
+          <a:noFill/>
+        </p:spPr>
+        <p:txBody>
+          <a:bodyPr wrap="square">
+            <a:spAutoFit/>
+          </a:bodyPr>
+          <a:lstStyle/>
+          <a:p>
+            <a:pPr algn="l">
+              <a:defRPr sz="950" b="0">
+                <a:solidFill>
+                  <a:srgbClr val="3A5566"/>
+                </a:solidFill>
+              </a:defRPr>
+            </a:pPr>
+            <a:r>
+              <a:t>$933K avg</a:t>
+            </a:r>
+          </a:p>
+        </p:txBody>
+      </p:sp>
+      <p:sp>
+        <p:nvSpPr>
+          <p:cNvPr id="28" name="TextBox 27"/>
+          <p:cNvSpPr txBox="1"/>
+          <p:nvPr/>
+        </p:nvSpPr>
+        <p:spPr>
+          <a:xfrm>
+            <a:off x="10972800" y="3794760"/>
+            <a:ext cx="914400" cy="256032"/>
+          </a:xfrm>
+          <a:prstGeom prst="rect">
+            <a:avLst/>
+          </a:prstGeom>
+          <a:noFill/>
+        </p:spPr>
+        <p:txBody>
+          <a:bodyPr wrap="square">
+            <a:spAutoFit/>
+          </a:bodyPr>
+          <a:lstStyle/>
+          <a:p>
+            <a:pPr algn="l">
+              <a:defRPr sz="950" b="0">
+                <a:solidFill>
+                  <a:srgbClr val="3A5566"/>
+                </a:solidFill>
+              </a:defRPr>
+            </a:pPr>
+            <a:r>
+              <a:t>$253K med</a:t>
+            </a:r>
+          </a:p>
+        </p:txBody>
+      </p:sp>
+      <p:sp>
+        <p:nvSpPr>
+          <p:cNvPr id="29" name="TextBox 28"/>
+          <p:cNvSpPr txBox="1"/>
+          <p:nvPr/>
+        </p:nvSpPr>
+        <p:spPr>
+          <a:xfrm>
+            <a:off x="7772400" y="4114800"/>
+            <a:ext cx="1645920" cy="256032"/>
+          </a:xfrm>
+          <a:prstGeom prst="rect">
+            <a:avLst/>
+          </a:prstGeom>
+          <a:noFill/>
+        </p:spPr>
+        <p:txBody>
+          <a:bodyPr wrap="square">
+            <a:spAutoFit/>
+          </a:bodyPr>
+          <a:lstStyle/>
+          <a:p>
+            <a:pPr algn="l">
+              <a:defRPr sz="950" b="0">
+                <a:solidFill>
+                  <a:srgbClr val="3A5566"/>
+                </a:solidFill>
+              </a:defRPr>
+            </a:pPr>
+            <a:r>
+              <a:t>Medical (3+ Story)</a:t>
+            </a:r>
+          </a:p>
+        </p:txBody>
+      </p:sp>
+      <p:sp>
+        <p:nvSpPr>
+          <p:cNvPr id="30" name="TextBox 29"/>
+          <p:cNvSpPr txBox="1"/>
+          <p:nvPr/>
+        </p:nvSpPr>
+        <p:spPr>
+          <a:xfrm>
+            <a:off x="9418320" y="4114800"/>
+            <a:ext cx="640080" cy="256032"/>
+          </a:xfrm>
+          <a:prstGeom prst="rect">
+            <a:avLst/>
+          </a:prstGeom>
+          <a:noFill/>
+        </p:spPr>
+        <p:txBody>
+          <a:bodyPr wrap="square">
+            <a:spAutoFit/>
+          </a:bodyPr>
+          <a:lstStyle/>
+          <a:p>
+            <a:pPr algn="l">
+              <a:defRPr sz="950" b="1">
+                <a:solidFill>
+                  <a:srgbClr val="3A5566"/>
+                </a:solidFill>
+              </a:defRPr>
+            </a:pPr>
+            <a:r>
+              <a:t>107</a:t>
+            </a:r>
+          </a:p>
+        </p:txBody>
+      </p:sp>
+      <p:sp>
+        <p:nvSpPr>
+          <p:cNvPr id="31" name="TextBox 30"/>
+          <p:cNvSpPr txBox="1"/>
+          <p:nvPr/>
+        </p:nvSpPr>
+        <p:spPr>
+          <a:xfrm>
+            <a:off x="10058400" y="4114800"/>
+            <a:ext cx="914400" cy="256032"/>
+          </a:xfrm>
+          <a:prstGeom prst="rect">
+            <a:avLst/>
+          </a:prstGeom>
+          <a:noFill/>
+        </p:spPr>
+        <p:txBody>
+          <a:bodyPr wrap="square">
+            <a:spAutoFit/>
+          </a:bodyPr>
+          <a:lstStyle/>
+          <a:p>
+            <a:pPr algn="l">
+              <a:defRPr sz="950" b="0">
+                <a:solidFill>
+                  <a:srgbClr val="3A5566"/>
+                </a:solidFill>
+              </a:defRPr>
+            </a:pPr>
+            <a:r>
+              <a:t>$2.2M avg</a:t>
+            </a:r>
+          </a:p>
+        </p:txBody>
+      </p:sp>
+      <p:sp>
+        <p:nvSpPr>
+          <p:cNvPr id="32" name="TextBox 31"/>
+          <p:cNvSpPr txBox="1"/>
+          <p:nvPr/>
+        </p:nvSpPr>
+        <p:spPr>
+          <a:xfrm>
+            <a:off x="10972800" y="4114800"/>
+            <a:ext cx="914400" cy="256032"/>
+          </a:xfrm>
+          <a:prstGeom prst="rect">
+            <a:avLst/>
+          </a:prstGeom>
+          <a:noFill/>
+        </p:spPr>
+        <p:txBody>
+          <a:bodyPr wrap="square">
+            <a:spAutoFit/>
+          </a:bodyPr>
+          <a:lstStyle/>
+          <a:p>
+            <a:pPr algn="l">
+              <a:defRPr sz="950" b="0">
+                <a:solidFill>
+                  <a:srgbClr val="3A5566"/>
+                </a:solidFill>
+              </a:defRPr>
+            </a:pPr>
+            <a:r>
+              <a:t>$214K med</a:t>
+            </a:r>
+          </a:p>
+        </p:txBody>
+      </p:sp>
+      <p:sp>
+        <p:nvSpPr>
+          <p:cNvPr id="33" name="TextBox 32"/>
+          <p:cNvSpPr txBox="1"/>
+          <p:nvPr/>
+        </p:nvSpPr>
+        <p:spPr>
+          <a:xfrm>
+            <a:off x="7772400" y="4800600"/>
+            <a:ext cx="4114800" cy="320040"/>
+          </a:xfrm>
+          <a:prstGeom prst="rect">
+            <a:avLst/>
+          </a:prstGeom>
+          <a:noFill/>
+        </p:spPr>
+        <p:txBody>
+          <a:bodyPr wrap="square">
+            <a:spAutoFit/>
+          </a:bodyPr>
+          <a:lstStyle/>
+          <a:p>
+            <a:pPr algn="l">
+              <a:defRPr sz="1300" b="1">
+                <a:solidFill>
+                  <a:srgbClr val="3A5566"/>
+                </a:solidFill>
+              </a:defRPr>
+            </a:pPr>
+            <a:r>
+              <a:t>648 Grassmere Park — Market Position</a:t>
+            </a:r>
+          </a:p>
+        </p:txBody>
+      </p:sp>
+      <p:sp>
+        <p:nvSpPr>
+          <p:cNvPr id="34" name="TextBox 33"/>
+          <p:cNvSpPr txBox="1"/>
+          <p:nvPr/>
+        </p:nvSpPr>
+        <p:spPr>
+          <a:xfrm>
+            <a:off x="7955279" y="5166359"/>
+            <a:ext cx="3931920" cy="228600"/>
+          </a:xfrm>
+          <a:prstGeom prst="rect">
+            <a:avLst/>
+          </a:prstGeom>
+          <a:noFill/>
+        </p:spPr>
+        <p:txBody>
+          <a:bodyPr wrap="square">
+            <a:spAutoFit/>
+          </a:bodyPr>
+          <a:lstStyle/>
+          <a:p>
+            <a:pPr algn="l">
+              <a:defRPr sz="950" b="0">
+                <a:solidFill>
+                  <a:srgbClr val="3A5566"/>
+                </a:solidFill>
+              </a:defRPr>
+            </a:pPr>
+            <a:r>
+              <a:t>Overall Market Rank: #84 of 2,020 buildings</a:t>
+            </a:r>
+          </a:p>
+        </p:txBody>
+      </p:sp>
+      <p:sp>
+        <p:nvSpPr>
+          <p:cNvPr id="35" name="TextBox 34"/>
+          <p:cNvSpPr txBox="1"/>
+          <p:nvPr/>
+        </p:nvSpPr>
+        <p:spPr>
+          <a:xfrm>
+            <a:off x="7955279" y="5422392"/>
+            <a:ext cx="3931920" cy="228600"/>
+          </a:xfrm>
+          <a:prstGeom prst="rect">
+            <a:avLst/>
+          </a:prstGeom>
+          <a:noFill/>
+        </p:spPr>
+        <p:txBody>
+          <a:bodyPr wrap="square">
+            <a:spAutoFit/>
+          </a:bodyPr>
+          <a:lstStyle/>
+          <a:p>
+            <a:pPr algn="l">
+              <a:defRPr sz="950" b="0">
+                <a:solidFill>
+                  <a:srgbClr val="3A5566"/>
+                </a:solidFill>
+              </a:defRPr>
+            </a:pPr>
+            <a:r>
+              <a:t>95.8th percentile by appraised value</a:t>
+            </a:r>
+          </a:p>
+        </p:txBody>
+      </p:sp>
+      <p:sp>
+        <p:nvSpPr>
+          <p:cNvPr id="36" name="TextBox 35"/>
+          <p:cNvSpPr txBox="1"/>
+          <p:nvPr/>
+        </p:nvSpPr>
+        <p:spPr>
+          <a:xfrm>
+            <a:off x="7955279" y="5678424"/>
+            <a:ext cx="3931920" cy="228600"/>
+          </a:xfrm>
+          <a:prstGeom prst="rect">
+            <a:avLst/>
+          </a:prstGeom>
+          <a:noFill/>
+        </p:spPr>
+        <p:txBody>
+          <a:bodyPr wrap="square">
+            <a:spAutoFit/>
+          </a:bodyPr>
+          <a:lstStyle/>
+          <a:p>
+            <a:pPr algn="l">
+              <a:defRPr sz="950" b="0">
+                <a:solidFill>
+                  <a:srgbClr val="3A5566"/>
+                </a:solidFill>
+              </a:defRPr>
+            </a:pPr>
+            <a:r>
+              <a:t>3+ Story Office Rank: #63 of 213</a:t>
+            </a:r>
+          </a:p>
+        </p:txBody>
+      </p:sp>
+      <p:sp>
+        <p:nvSpPr>
+          <p:cNvPr id="37" name="TextBox 36"/>
+          <p:cNvSpPr txBox="1"/>
+          <p:nvPr/>
+        </p:nvSpPr>
+        <p:spPr>
+          <a:xfrm>
+            <a:off x="7955279" y="5934456"/>
+            <a:ext cx="3931920" cy="228600"/>
+          </a:xfrm>
+          <a:prstGeom prst="rect">
+            <a:avLst/>
+          </a:prstGeom>
+          <a:noFill/>
+        </p:spPr>
+        <p:txBody>
+          <a:bodyPr wrap="square">
+            <a:spAutoFit/>
+          </a:bodyPr>
+          <a:lstStyle/>
+          <a:p>
+            <a:pPr algn="l">
+              <a:defRPr sz="950" b="0">
+                <a:solidFill>
+                  <a:srgbClr val="3A5566"/>
+                </a:solidFill>
+              </a:defRPr>
+            </a:pPr>
+            <a:r>
+              <a:t>IWD Zone Rank: #4 of 153</a:t>
+            </a:r>
+          </a:p>
+        </p:txBody>
+      </p:sp>
+      <p:sp>
+        <p:nvSpPr>
+          <p:cNvPr id="38" name="TextBox 37"/>
+          <p:cNvSpPr txBox="1"/>
+          <p:nvPr/>
+        </p:nvSpPr>
+        <p:spPr>
+          <a:xfrm>
+            <a:off x="7955279" y="6190488"/>
+            <a:ext cx="3931920" cy="228600"/>
+          </a:xfrm>
+          <a:prstGeom prst="rect">
+            <a:avLst/>
+          </a:prstGeom>
+          <a:noFill/>
+        </p:spPr>
+        <p:txBody>
+          <a:bodyPr wrap="square">
+            <a:spAutoFit/>
+          </a:bodyPr>
+          <a:lstStyle/>
+          <a:p>
+            <a:pPr algn="l">
+              <a:defRPr sz="950" b="0">
+                <a:solidFill>
+                  <a:srgbClr val="3A5566"/>
+                </a:solidFill>
+              </a:defRPr>
+            </a:pPr>
+            <a:r>
+              <a:t>Sale Price: $25.9M (2015) at $115.69/SF</a:t>
+            </a:r>
+          </a:p>
+        </p:txBody>
+      </p:sp>
+      <p:sp>
+        <p:nvSpPr>
+          <p:cNvPr id="39" name="TextBox 38"/>
+          <p:cNvSpPr txBox="1"/>
+          <p:nvPr/>
+        </p:nvSpPr>
+        <p:spPr>
+          <a:xfrm>
+            <a:off x="7955279" y="6446520"/>
+            <a:ext cx="3931920" cy="228600"/>
+          </a:xfrm>
+          <a:prstGeom prst="rect">
+            <a:avLst/>
+          </a:prstGeom>
+          <a:noFill/>
+        </p:spPr>
+        <p:txBody>
+          <a:bodyPr wrap="square">
+            <a:spAutoFit/>
+          </a:bodyPr>
+          <a:lstStyle/>
+          <a:p>
+            <a:pPr algn="l">
+              <a:defRPr sz="950" b="0">
+                <a:solidFill>
+                  <a:srgbClr val="3A5566"/>
+                </a:solidFill>
+              </a:defRPr>
+            </a:pPr>
+            <a:r>
+              <a:t>Total Appraised: $37.4M (current)</a:t>
+            </a:r>
+          </a:p>
+        </p:txBody>
+      </p:sp>
+    </p:spTree>
+  </p:cSld>
+  <p:clrMapOvr>
+    <a:masterClrMapping/>
+  </p:clrMapOvr>
+</p:sld>
+</file>
+
+<file path=ppt/slides/slide16.xml><?xml version="1.0" encoding="utf-8"?>
+<p:sld xmlns:a="http://schemas.openxmlformats.org/drawingml/2006/main" xmlns:p="http://schemas.openxmlformats.org/presentationml/2006/main" xmlns:r="http://schemas.openxmlformats.org/officeDocument/2006/relationships">
+  <p:cSld>
+    <p:bg>
+      <p:bgPr>
+        <a:solidFill>
+          <a:srgbClr val="FFFFFF"/>
+        </a:solidFill>
+        <a:effectLst/>
+      </p:bgPr>
+    </p:bg>
+    <p:spTree>
+      <p:nvGrpSpPr>
+        <p:cNvPr id="1" name=""/>
+        <p:cNvGrpSpPr/>
+        <p:nvPr/>
+      </p:nvGrpSpPr>
+      <p:grpSpPr/>
+      <p:sp>
+        <p:nvSpPr>
+          <p:cNvPr id="2" name="Rectangle 1"/>
+          <p:cNvSpPr/>
+          <p:nvPr/>
+        </p:nvSpPr>
+        <p:spPr>
+          <a:xfrm>
+            <a:off x="0" y="0"/>
+            <a:ext cx="12191695" cy="777240"/>
+          </a:xfrm>
+          <a:prstGeom prst="rect">
+            <a:avLst/>
+          </a:prstGeom>
+          <a:solidFill>
+            <a:srgbClr val="3A5566"/>
+          </a:solidFill>
+          <a:ln>
+            <a:noFill/>
+          </a:ln>
+        </p:spPr>
+        <p:style>
+          <a:lnRef idx="1">
+            <a:schemeClr val="accent1"/>
+          </a:lnRef>
+          <a:fillRef idx="3">
+            <a:schemeClr val="accent1"/>
+          </a:fillRef>
+          <a:effectRef idx="2">
+            <a:schemeClr val="accent1"/>
+          </a:effectRef>
+          <a:fontRef idx="minor">
+            <a:schemeClr val="lt1"/>
+          </a:fontRef>
+        </p:style>
+        <p:txBody>
+          <a:bodyPr rtlCol="0" anchor="ctr"/>
+          <a:lstStyle/>
+          <a:p>
+            <a:pPr algn="ctr"/>
+          </a:p>
+        </p:txBody>
+      </p:sp>
+      <p:sp>
+        <p:nvSpPr>
+          <p:cNvPr id="3" name="TextBox 2"/>
+          <p:cNvSpPr txBox="1"/>
+          <p:nvPr/>
+        </p:nvSpPr>
+        <p:spPr>
+          <a:xfrm>
+            <a:off x="457200" y="109728"/>
+            <a:ext cx="10972800" cy="411480"/>
+          </a:xfrm>
+          <a:prstGeom prst="rect">
+            <a:avLst/>
+          </a:prstGeom>
+          <a:noFill/>
+        </p:spPr>
+        <p:txBody>
+          <a:bodyPr wrap="square">
+            <a:spAutoFit/>
+          </a:bodyPr>
+          <a:lstStyle/>
+          <a:p>
+            <a:pPr algn="l">
+              <a:defRPr sz="2600" b="1">
+                <a:solidFill>
+                  <a:srgbClr val="FFFFFF"/>
+                </a:solidFill>
+              </a:defRPr>
+            </a:pPr>
+            <a:r>
+              <a:t>Office Sales Price Trends — $/SF Over Time</a:t>
+            </a:r>
+          </a:p>
+        </p:txBody>
+      </p:sp>
+      <p:sp>
+        <p:nvSpPr>
+          <p:cNvPr id="4" name="TextBox 3"/>
+          <p:cNvSpPr txBox="1"/>
+          <p:nvPr/>
+        </p:nvSpPr>
+        <p:spPr>
+          <a:xfrm>
+            <a:off x="457200" y="438912"/>
+            <a:ext cx="10972800" cy="274320"/>
+          </a:xfrm>
+          <a:prstGeom prst="rect">
+            <a:avLst/>
+          </a:prstGeom>
+          <a:noFill/>
+        </p:spPr>
+        <p:txBody>
+          <a:bodyPr wrap="square">
+            <a:spAutoFit/>
+          </a:bodyPr>
+          <a:lstStyle/>
+          <a:p>
+            <a:pPr algn="l">
+              <a:defRPr sz="1200" b="0">
+                <a:solidFill>
+                  <a:srgbClr val="CBB279"/>
+                </a:solidFill>
+              </a:defRPr>
+            </a:pPr>
+            <a:r>
+              <a:t>Davidson County  |  Median &amp; Average Price Per Square Foot  |  2005-2025</a:t>
+            </a:r>
+          </a:p>
+        </p:txBody>
+      </p:sp>
+      <p:graphicFrame>
+        <p:nvGraphicFramePr>
+          <p:cNvPr id="5" name="Chart 4"/>
+          <p:cNvGraphicFramePr>
+            <a:graphicFrameLocks noGrp="1"/>
+          </p:cNvGraphicFramePr>
+          <p:nvPr/>
+        </p:nvGraphicFramePr>
+        <p:xfrm>
+          <a:off x="274320" y="1005840"/>
+          <a:ext cx="5669280" cy="2560320"/>
+        </p:xfrm>
+        <a:graphic>
+          <a:graphicData uri="http://schemas.openxmlformats.org/drawingml/2006/chart">
+            <c:chart xmlns:c="http://schemas.openxmlformats.org/drawingml/2006/chart" r:id="rId2"/>
+          </a:graphicData>
+        </a:graphic>
+      </p:graphicFrame>
+      <p:graphicFrame>
+        <p:nvGraphicFramePr>
+          <p:cNvPr id="6" name="Chart 5"/>
+          <p:cNvGraphicFramePr>
+            <a:graphicFrameLocks noGrp="1"/>
+          </p:cNvGraphicFramePr>
+          <p:nvPr/>
+        </p:nvGraphicFramePr>
+        <p:xfrm>
+          <a:off x="274320" y="3749039"/>
+          <a:ext cx="5669280" cy="2743200"/>
+        </p:xfrm>
+        <a:graphic>
+          <a:graphicData uri="http://schemas.openxmlformats.org/drawingml/2006/chart">
+            <c:chart xmlns:c="http://schemas.openxmlformats.org/drawingml/2006/chart" r:id="rId3"/>
+          </a:graphicData>
+        </a:graphic>
+      </p:graphicFrame>
+      <p:sp>
+        <p:nvSpPr>
+          <p:cNvPr id="7" name="TextBox 6"/>
+          <p:cNvSpPr txBox="1"/>
+          <p:nvPr/>
+        </p:nvSpPr>
+        <p:spPr>
+          <a:xfrm>
+            <a:off x="6400800" y="1005840"/>
+            <a:ext cx="5486400" cy="320040"/>
+          </a:xfrm>
+          <a:prstGeom prst="rect">
+            <a:avLst/>
+          </a:prstGeom>
+          <a:noFill/>
+        </p:spPr>
+        <p:txBody>
+          <a:bodyPr wrap="square">
+            <a:spAutoFit/>
+          </a:bodyPr>
+          <a:lstStyle/>
+          <a:p>
+            <a:pPr algn="l">
+              <a:defRPr sz="1400" b="1">
+                <a:solidFill>
+                  <a:srgbClr val="3A5566"/>
+                </a:solidFill>
+              </a:defRPr>
+            </a:pPr>
+            <a:r>
+              <a:t>Office Sales Data by Year</a:t>
+            </a:r>
+          </a:p>
+        </p:txBody>
+      </p:sp>
+      <p:sp>
+        <p:nvSpPr>
+          <p:cNvPr id="8" name="TextBox 7"/>
+          <p:cNvSpPr txBox="1"/>
+          <p:nvPr/>
+        </p:nvSpPr>
+        <p:spPr>
+          <a:xfrm>
+            <a:off x="6400800" y="1417320"/>
+            <a:ext cx="1188720" cy="228600"/>
+          </a:xfrm>
+          <a:prstGeom prst="rect">
+            <a:avLst/>
+          </a:prstGeom>
+          <a:noFill/>
+        </p:spPr>
+        <p:txBody>
+          <a:bodyPr wrap="square">
+            <a:spAutoFit/>
+          </a:bodyPr>
+          <a:lstStyle/>
+          <a:p>
+            <a:pPr algn="l">
+              <a:defRPr sz="900" b="1">
+                <a:solidFill>
+                  <a:srgbClr val="706F6C"/>
+                </a:solidFill>
+              </a:defRPr>
+            </a:pPr>
+            <a:r>
+              <a:t>Year</a:t>
+            </a:r>
+          </a:p>
+        </p:txBody>
+      </p:sp>
+      <p:sp>
+        <p:nvSpPr>
+          <p:cNvPr id="9" name="TextBox 8"/>
+          <p:cNvSpPr txBox="1"/>
+          <p:nvPr/>
+        </p:nvSpPr>
+        <p:spPr>
+          <a:xfrm>
+            <a:off x="7315200" y="1417320"/>
+            <a:ext cx="1188720" cy="228600"/>
+          </a:xfrm>
+          <a:prstGeom prst="rect">
+            <a:avLst/>
+          </a:prstGeom>
+          <a:noFill/>
+        </p:spPr>
+        <p:txBody>
+          <a:bodyPr wrap="square">
+            <a:spAutoFit/>
+          </a:bodyPr>
+          <a:lstStyle/>
+          <a:p>
+            <a:pPr algn="l">
+              <a:defRPr sz="900" b="1">
+                <a:solidFill>
+                  <a:srgbClr val="706F6C"/>
+                </a:solidFill>
+              </a:defRPr>
+            </a:pPr>
+            <a:r>
+              <a:t>Sales</a:t>
+            </a:r>
+          </a:p>
+        </p:txBody>
+      </p:sp>
+      <p:sp>
+        <p:nvSpPr>
+          <p:cNvPr id="10" name="TextBox 9"/>
+          <p:cNvSpPr txBox="1"/>
+          <p:nvPr/>
+        </p:nvSpPr>
+        <p:spPr>
+          <a:xfrm>
+            <a:off x="8046720" y="1417320"/>
+            <a:ext cx="1188720" cy="228600"/>
+          </a:xfrm>
+          <a:prstGeom prst="rect">
+            <a:avLst/>
+          </a:prstGeom>
+          <a:noFill/>
+        </p:spPr>
+        <p:txBody>
+          <a:bodyPr wrap="square">
+            <a:spAutoFit/>
+          </a:bodyPr>
+          <a:lstStyle/>
+          <a:p>
+            <a:pPr algn="l">
+              <a:defRPr sz="900" b="1">
+                <a:solidFill>
+                  <a:srgbClr val="706F6C"/>
+                </a:solidFill>
+              </a:defRPr>
+            </a:pPr>
+            <a:r>
+              <a:t>Total Volume</a:t>
+            </a:r>
+          </a:p>
+        </p:txBody>
+      </p:sp>
+      <p:sp>
+        <p:nvSpPr>
+          <p:cNvPr id="11" name="TextBox 10"/>
+          <p:cNvSpPr txBox="1"/>
+          <p:nvPr/>
+        </p:nvSpPr>
+        <p:spPr>
+          <a:xfrm>
+            <a:off x="9326880" y="1417320"/>
+            <a:ext cx="1188720" cy="228600"/>
+          </a:xfrm>
+          <a:prstGeom prst="rect">
+            <a:avLst/>
+          </a:prstGeom>
+          <a:noFill/>
+        </p:spPr>
+        <p:txBody>
+          <a:bodyPr wrap="square">
+            <a:spAutoFit/>
+          </a:bodyPr>
+          <a:lstStyle/>
+          <a:p>
+            <a:pPr algn="l">
+              <a:defRPr sz="900" b="1">
+                <a:solidFill>
+                  <a:srgbClr val="706F6C"/>
+                </a:solidFill>
+              </a:defRPr>
+            </a:pPr>
+            <a:r>
+              <a:t>Avg Price</a:t>
+            </a:r>
+          </a:p>
+        </p:txBody>
+      </p:sp>
+      <p:sp>
+        <p:nvSpPr>
+          <p:cNvPr id="12" name="TextBox 11"/>
+          <p:cNvSpPr txBox="1"/>
+          <p:nvPr/>
+        </p:nvSpPr>
+        <p:spPr>
+          <a:xfrm>
+            <a:off x="10607040" y="1417320"/>
+            <a:ext cx="1188720" cy="228600"/>
+          </a:xfrm>
+          <a:prstGeom prst="rect">
+            <a:avLst/>
+          </a:prstGeom>
+          <a:noFill/>
+        </p:spPr>
+        <p:txBody>
+          <a:bodyPr wrap="square">
+            <a:spAutoFit/>
+          </a:bodyPr>
+          <a:lstStyle/>
+          <a:p>
+            <a:pPr algn="l">
+              <a:defRPr sz="900" b="1">
+                <a:solidFill>
+                  <a:srgbClr val="706F6C"/>
+                </a:solidFill>
+              </a:defRPr>
+            </a:pPr>
+            <a:r>
+              <a:t>Med $/SF</a:t>
+            </a:r>
+          </a:p>
+        </p:txBody>
+      </p:sp>
+      <p:sp>
+        <p:nvSpPr>
+          <p:cNvPr id="13" name="TextBox 12"/>
+          <p:cNvSpPr txBox="1"/>
+          <p:nvPr/>
+        </p:nvSpPr>
+        <p:spPr>
+          <a:xfrm>
+            <a:off x="6400800" y="1691640"/>
+            <a:ext cx="1188720" cy="210312"/>
+          </a:xfrm>
+          <a:prstGeom prst="rect">
+            <a:avLst/>
+          </a:prstGeom>
+          <a:noFill/>
+        </p:spPr>
+        <p:txBody>
+          <a:bodyPr wrap="square">
+            <a:spAutoFit/>
+          </a:bodyPr>
+          <a:lstStyle/>
+          <a:p>
+            <a:pPr algn="l">
+              <a:defRPr sz="900" b="0">
+                <a:solidFill>
+                  <a:srgbClr val="3A5566"/>
+                </a:solidFill>
+              </a:defRPr>
+            </a:pPr>
+            <a:r>
+              <a:t>2005</a:t>
+            </a:r>
+          </a:p>
+        </p:txBody>
+      </p:sp>
+      <p:sp>
+        <p:nvSpPr>
+          <p:cNvPr id="14" name="TextBox 13"/>
+          <p:cNvSpPr txBox="1"/>
+          <p:nvPr/>
+        </p:nvSpPr>
+        <p:spPr>
+          <a:xfrm>
+            <a:off x="7315200" y="1691640"/>
+            <a:ext cx="1188720" cy="210312"/>
+          </a:xfrm>
+          <a:prstGeom prst="rect">
+            <a:avLst/>
+          </a:prstGeom>
+          <a:noFill/>
+        </p:spPr>
+        <p:txBody>
+          <a:bodyPr wrap="square">
+            <a:spAutoFit/>
+          </a:bodyPr>
+          <a:lstStyle/>
+          <a:p>
+            <a:pPr algn="l">
+              <a:defRPr sz="900" b="0">
+                <a:solidFill>
+                  <a:srgbClr val="3A5566"/>
+                </a:solidFill>
+              </a:defRPr>
+            </a:pPr>
+            <a:r>
+              <a:t>196</a:t>
+            </a:r>
+          </a:p>
+        </p:txBody>
+      </p:sp>
+      <p:sp>
+        <p:nvSpPr>
+          <p:cNvPr id="15" name="TextBox 14"/>
+          <p:cNvSpPr txBox="1"/>
+          <p:nvPr/>
+        </p:nvSpPr>
+        <p:spPr>
+          <a:xfrm>
+            <a:off x="8046720" y="1691640"/>
+            <a:ext cx="1188720" cy="210312"/>
+          </a:xfrm>
+          <a:prstGeom prst="rect">
+            <a:avLst/>
+          </a:prstGeom>
+          <a:noFill/>
+        </p:spPr>
+        <p:txBody>
+          <a:bodyPr wrap="square">
+            <a:spAutoFit/>
+          </a:bodyPr>
+          <a:lstStyle/>
+          <a:p>
+            <a:pPr algn="l">
+              <a:defRPr sz="900" b="0">
+                <a:solidFill>
+                  <a:srgbClr val="3A5566"/>
+                </a:solidFill>
+              </a:defRPr>
+            </a:pPr>
+            <a:r>
+              <a:t>$1719M</a:t>
+            </a:r>
+          </a:p>
+        </p:txBody>
+      </p:sp>
+      <p:sp>
+        <p:nvSpPr>
+          <p:cNvPr id="16" name="TextBox 15"/>
+          <p:cNvSpPr txBox="1"/>
+          <p:nvPr/>
+        </p:nvSpPr>
+        <p:spPr>
+          <a:xfrm>
+            <a:off x="9326880" y="1691640"/>
+            <a:ext cx="1188720" cy="210312"/>
+          </a:xfrm>
+          <a:prstGeom prst="rect">
+            <a:avLst/>
+          </a:prstGeom>
+          <a:noFill/>
+        </p:spPr>
+        <p:txBody>
+          <a:bodyPr wrap="square">
+            <a:spAutoFit/>
+          </a:bodyPr>
+          <a:lstStyle/>
+          <a:p>
+            <a:pPr algn="l">
+              <a:defRPr sz="900" b="0">
+                <a:solidFill>
+                  <a:srgbClr val="3A5566"/>
+                </a:solidFill>
+              </a:defRPr>
+            </a:pPr>
+            <a:r>
+              <a:t>$8.8M</a:t>
+            </a:r>
+          </a:p>
+        </p:txBody>
+      </p:sp>
+      <p:sp>
+        <p:nvSpPr>
+          <p:cNvPr id="17" name="TextBox 16"/>
+          <p:cNvSpPr txBox="1"/>
+          <p:nvPr/>
+        </p:nvSpPr>
+        <p:spPr>
+          <a:xfrm>
+            <a:off x="10607040" y="1691640"/>
+            <a:ext cx="1188720" cy="210312"/>
+          </a:xfrm>
+          <a:prstGeom prst="rect">
+            <a:avLst/>
+          </a:prstGeom>
+          <a:noFill/>
+        </p:spPr>
+        <p:txBody>
+          <a:bodyPr wrap="square">
+            <a:spAutoFit/>
+          </a:bodyPr>
+          <a:lstStyle/>
+          <a:p>
+            <a:pPr algn="l">
+              <a:defRPr sz="900" b="0">
+                <a:solidFill>
+                  <a:srgbClr val="3A5566"/>
+                </a:solidFill>
+              </a:defRPr>
+            </a:pPr>
+            <a:r>
+              <a:t>$78</a:t>
+            </a:r>
+          </a:p>
+        </p:txBody>
+      </p:sp>
+      <p:sp>
+        <p:nvSpPr>
+          <p:cNvPr id="18" name="TextBox 17"/>
+          <p:cNvSpPr txBox="1"/>
+          <p:nvPr/>
+        </p:nvSpPr>
+        <p:spPr>
+          <a:xfrm>
+            <a:off x="6400800" y="1947672"/>
+            <a:ext cx="1188720" cy="210312"/>
+          </a:xfrm>
+          <a:prstGeom prst="rect">
+            <a:avLst/>
+          </a:prstGeom>
+          <a:noFill/>
+        </p:spPr>
+        <p:txBody>
+          <a:bodyPr wrap="square">
+            <a:spAutoFit/>
+          </a:bodyPr>
+          <a:lstStyle/>
+          <a:p>
+            <a:pPr algn="l">
+              <a:defRPr sz="900" b="0">
+                <a:solidFill>
+                  <a:srgbClr val="3A5566"/>
+                </a:solidFill>
+              </a:defRPr>
+            </a:pPr>
+            <a:r>
+              <a:t>2008</a:t>
+            </a:r>
+          </a:p>
+        </p:txBody>
+      </p:sp>
+      <p:sp>
+        <p:nvSpPr>
+          <p:cNvPr id="19" name="TextBox 18"/>
+          <p:cNvSpPr txBox="1"/>
+          <p:nvPr/>
+        </p:nvSpPr>
+        <p:spPr>
+          <a:xfrm>
+            <a:off x="7315200" y="1947672"/>
+            <a:ext cx="1188720" cy="210312"/>
+          </a:xfrm>
+          <a:prstGeom prst="rect">
+            <a:avLst/>
+          </a:prstGeom>
+          <a:noFill/>
+        </p:spPr>
+        <p:txBody>
+          <a:bodyPr wrap="square">
+            <a:spAutoFit/>
+          </a:bodyPr>
+          <a:lstStyle/>
+          <a:p>
+            <a:pPr algn="l">
+              <a:defRPr sz="900" b="0">
+                <a:solidFill>
+                  <a:srgbClr val="3A5566"/>
+                </a:solidFill>
+              </a:defRPr>
+            </a:pPr>
+            <a:r>
+              <a:t>132</a:t>
+            </a:r>
+          </a:p>
+        </p:txBody>
+      </p:sp>
+      <p:sp>
+        <p:nvSpPr>
+          <p:cNvPr id="20" name="TextBox 19"/>
+          <p:cNvSpPr txBox="1"/>
+          <p:nvPr/>
+        </p:nvSpPr>
+        <p:spPr>
+          <a:xfrm>
+            <a:off x="8046720" y="1947672"/>
+            <a:ext cx="1188720" cy="210312"/>
+          </a:xfrm>
+          <a:prstGeom prst="rect">
+            <a:avLst/>
+          </a:prstGeom>
+          <a:noFill/>
+        </p:spPr>
+        <p:txBody>
+          <a:bodyPr wrap="square">
+            <a:spAutoFit/>
+          </a:bodyPr>
+          <a:lstStyle/>
+          <a:p>
+            <a:pPr algn="l">
+              <a:defRPr sz="900" b="0">
+                <a:solidFill>
+                  <a:srgbClr val="3A5566"/>
+                </a:solidFill>
+              </a:defRPr>
+            </a:pPr>
+            <a:r>
+              <a:t>$279M</a:t>
+            </a:r>
+          </a:p>
+        </p:txBody>
+      </p:sp>
+      <p:sp>
+        <p:nvSpPr>
+          <p:cNvPr id="21" name="TextBox 20"/>
+          <p:cNvSpPr txBox="1"/>
+          <p:nvPr/>
+        </p:nvSpPr>
+        <p:spPr>
+          <a:xfrm>
+            <a:off x="9326880" y="1947672"/>
+            <a:ext cx="1188720" cy="210312"/>
+          </a:xfrm>
+          <a:prstGeom prst="rect">
+            <a:avLst/>
+          </a:prstGeom>
+          <a:noFill/>
+        </p:spPr>
+        <p:txBody>
+          <a:bodyPr wrap="square">
+            <a:spAutoFit/>
+          </a:bodyPr>
+          <a:lstStyle/>
+          <a:p>
+            <a:pPr algn="l">
+              <a:defRPr sz="900" b="0">
+                <a:solidFill>
+                  <a:srgbClr val="3A5566"/>
+                </a:solidFill>
+              </a:defRPr>
+            </a:pPr>
+            <a:r>
+              <a:t>$2.1M</a:t>
+            </a:r>
+          </a:p>
+        </p:txBody>
+      </p:sp>
+      <p:sp>
+        <p:nvSpPr>
+          <p:cNvPr id="22" name="TextBox 21"/>
+          <p:cNvSpPr txBox="1"/>
+          <p:nvPr/>
+        </p:nvSpPr>
+        <p:spPr>
+          <a:xfrm>
+            <a:off x="10607040" y="1947672"/>
+            <a:ext cx="1188720" cy="210312"/>
+          </a:xfrm>
+          <a:prstGeom prst="rect">
+            <a:avLst/>
+          </a:prstGeom>
+          <a:noFill/>
+        </p:spPr>
+        <p:txBody>
+          <a:bodyPr wrap="square">
+            <a:spAutoFit/>
+          </a:bodyPr>
+          <a:lstStyle/>
+          <a:p>
+            <a:pPr algn="l">
+              <a:defRPr sz="900" b="0">
+                <a:solidFill>
+                  <a:srgbClr val="3A5566"/>
+                </a:solidFill>
+              </a:defRPr>
+            </a:pPr>
+            <a:r>
+              <a:t>$89</a:t>
+            </a:r>
+          </a:p>
+        </p:txBody>
+      </p:sp>
+      <p:sp>
+        <p:nvSpPr>
+          <p:cNvPr id="23" name="TextBox 22"/>
+          <p:cNvSpPr txBox="1"/>
+          <p:nvPr/>
+        </p:nvSpPr>
+        <p:spPr>
+          <a:xfrm>
+            <a:off x="6400800" y="2203704"/>
+            <a:ext cx="1188720" cy="210312"/>
+          </a:xfrm>
+          <a:prstGeom prst="rect">
+            <a:avLst/>
+          </a:prstGeom>
+          <a:noFill/>
+        </p:spPr>
+        <p:txBody>
+          <a:bodyPr wrap="square">
+            <a:spAutoFit/>
+          </a:bodyPr>
+          <a:lstStyle/>
+          <a:p>
+            <a:pPr algn="l">
+              <a:defRPr sz="900" b="0">
+                <a:solidFill>
+                  <a:srgbClr val="3A5566"/>
+                </a:solidFill>
+              </a:defRPr>
+            </a:pPr>
+            <a:r>
+              <a:t>2010</a:t>
+            </a:r>
+          </a:p>
+        </p:txBody>
+      </p:sp>
+      <p:sp>
+        <p:nvSpPr>
+          <p:cNvPr id="24" name="TextBox 23"/>
+          <p:cNvSpPr txBox="1"/>
+          <p:nvPr/>
+        </p:nvSpPr>
+        <p:spPr>
+          <a:xfrm>
+            <a:off x="7315200" y="2203704"/>
+            <a:ext cx="1188720" cy="210312"/>
+          </a:xfrm>
+          <a:prstGeom prst="rect">
+            <a:avLst/>
+          </a:prstGeom>
+          <a:noFill/>
+        </p:spPr>
+        <p:txBody>
+          <a:bodyPr wrap="square">
+            <a:spAutoFit/>
+          </a:bodyPr>
+          <a:lstStyle/>
+          <a:p>
+            <a:pPr algn="l">
+              <a:defRPr sz="900" b="0">
+                <a:solidFill>
+                  <a:srgbClr val="3A5566"/>
+                </a:solidFill>
+              </a:defRPr>
+            </a:pPr>
+            <a:r>
+              <a:t>67</a:t>
+            </a:r>
+          </a:p>
+        </p:txBody>
+      </p:sp>
+      <p:sp>
+        <p:nvSpPr>
+          <p:cNvPr id="25" name="TextBox 24"/>
+          <p:cNvSpPr txBox="1"/>
+          <p:nvPr/>
+        </p:nvSpPr>
+        <p:spPr>
+          <a:xfrm>
+            <a:off x="8046720" y="2203704"/>
+            <a:ext cx="1188720" cy="210312"/>
+          </a:xfrm>
+          <a:prstGeom prst="rect">
+            <a:avLst/>
+          </a:prstGeom>
+          <a:noFill/>
+        </p:spPr>
+        <p:txBody>
+          <a:bodyPr wrap="square">
+            <a:spAutoFit/>
+          </a:bodyPr>
+          <a:lstStyle/>
+          <a:p>
+            <a:pPr algn="l">
+              <a:defRPr sz="900" b="0">
+                <a:solidFill>
+                  <a:srgbClr val="3A5566"/>
+                </a:solidFill>
+              </a:defRPr>
+            </a:pPr>
+            <a:r>
+              <a:t>$35M</a:t>
+            </a:r>
+          </a:p>
+        </p:txBody>
+      </p:sp>
+      <p:sp>
+        <p:nvSpPr>
+          <p:cNvPr id="26" name="TextBox 25"/>
+          <p:cNvSpPr txBox="1"/>
+          <p:nvPr/>
+        </p:nvSpPr>
+        <p:spPr>
+          <a:xfrm>
+            <a:off x="9326880" y="2203704"/>
+            <a:ext cx="1188720" cy="210312"/>
+          </a:xfrm>
+          <a:prstGeom prst="rect">
+            <a:avLst/>
+          </a:prstGeom>
+          <a:noFill/>
+        </p:spPr>
+        <p:txBody>
+          <a:bodyPr wrap="square">
+            <a:spAutoFit/>
+          </a:bodyPr>
+          <a:lstStyle/>
+          <a:p>
+            <a:pPr algn="l">
+              <a:defRPr sz="900" b="0">
+                <a:solidFill>
+                  <a:srgbClr val="3A5566"/>
+                </a:solidFill>
+              </a:defRPr>
+            </a:pPr>
+            <a:r>
+              <a:t>$0.5M</a:t>
+            </a:r>
+          </a:p>
+        </p:txBody>
+      </p:sp>
+      <p:sp>
+        <p:nvSpPr>
+          <p:cNvPr id="27" name="TextBox 26"/>
+          <p:cNvSpPr txBox="1"/>
+          <p:nvPr/>
+        </p:nvSpPr>
+        <p:spPr>
+          <a:xfrm>
+            <a:off x="10607040" y="2203704"/>
+            <a:ext cx="1188720" cy="210312"/>
+          </a:xfrm>
+          <a:prstGeom prst="rect">
+            <a:avLst/>
+          </a:prstGeom>
+          <a:noFill/>
+        </p:spPr>
+        <p:txBody>
+          <a:bodyPr wrap="square">
+            <a:spAutoFit/>
+          </a:bodyPr>
+          <a:lstStyle/>
+          <a:p>
+            <a:pPr algn="l">
+              <a:defRPr sz="900" b="0">
+                <a:solidFill>
+                  <a:srgbClr val="3A5566"/>
+                </a:solidFill>
+              </a:defRPr>
+            </a:pPr>
+            <a:r>
+              <a:t>$87</a:t>
+            </a:r>
+          </a:p>
+        </p:txBody>
+      </p:sp>
+      <p:sp>
+        <p:nvSpPr>
+          <p:cNvPr id="28" name="TextBox 27"/>
+          <p:cNvSpPr txBox="1"/>
+          <p:nvPr/>
+        </p:nvSpPr>
+        <p:spPr>
+          <a:xfrm>
+            <a:off x="6400800" y="2459736"/>
+            <a:ext cx="1188720" cy="210312"/>
+          </a:xfrm>
+          <a:prstGeom prst="rect">
+            <a:avLst/>
+          </a:prstGeom>
+          <a:noFill/>
+        </p:spPr>
+        <p:txBody>
+          <a:bodyPr wrap="square">
+            <a:spAutoFit/>
+          </a:bodyPr>
+          <a:lstStyle/>
+          <a:p>
+            <a:pPr algn="l">
+              <a:defRPr sz="900" b="0">
+                <a:solidFill>
+                  <a:srgbClr val="3A5566"/>
+                </a:solidFill>
+              </a:defRPr>
+            </a:pPr>
+            <a:r>
+              <a:t>2013</a:t>
+            </a:r>
+          </a:p>
+        </p:txBody>
+      </p:sp>
+      <p:sp>
+        <p:nvSpPr>
+          <p:cNvPr id="29" name="TextBox 28"/>
+          <p:cNvSpPr txBox="1"/>
+          <p:nvPr/>
+        </p:nvSpPr>
+        <p:spPr>
+          <a:xfrm>
+            <a:off x="7315200" y="2459736"/>
+            <a:ext cx="1188720" cy="210312"/>
+          </a:xfrm>
+          <a:prstGeom prst="rect">
+            <a:avLst/>
+          </a:prstGeom>
+          <a:noFill/>
+        </p:spPr>
+        <p:txBody>
+          <a:bodyPr wrap="square">
+            <a:spAutoFit/>
+          </a:bodyPr>
+          <a:lstStyle/>
+          <a:p>
+            <a:pPr algn="l">
+              <a:defRPr sz="900" b="0">
+                <a:solidFill>
+                  <a:srgbClr val="3A5566"/>
+                </a:solidFill>
+              </a:defRPr>
+            </a:pPr>
+            <a:r>
+              <a:t>133</a:t>
+            </a:r>
+          </a:p>
+        </p:txBody>
+      </p:sp>
+      <p:sp>
+        <p:nvSpPr>
+          <p:cNvPr id="30" name="TextBox 29"/>
+          <p:cNvSpPr txBox="1"/>
+          <p:nvPr/>
+        </p:nvSpPr>
+        <p:spPr>
+          <a:xfrm>
+            <a:off x="8046720" y="2459736"/>
+            <a:ext cx="1188720" cy="210312"/>
+          </a:xfrm>
+          <a:prstGeom prst="rect">
+            <a:avLst/>
+          </a:prstGeom>
+          <a:noFill/>
+        </p:spPr>
+        <p:txBody>
+          <a:bodyPr wrap="square">
+            <a:spAutoFit/>
+          </a:bodyPr>
+          <a:lstStyle/>
+          <a:p>
+            <a:pPr algn="l">
+              <a:defRPr sz="900" b="0">
+                <a:solidFill>
+                  <a:srgbClr val="3A5566"/>
+                </a:solidFill>
+              </a:defRPr>
+            </a:pPr>
+            <a:r>
+              <a:t>$414M</a:t>
+            </a:r>
+          </a:p>
+        </p:txBody>
+      </p:sp>
+      <p:sp>
+        <p:nvSpPr>
+          <p:cNvPr id="31" name="TextBox 30"/>
+          <p:cNvSpPr txBox="1"/>
+          <p:nvPr/>
+        </p:nvSpPr>
+        <p:spPr>
+          <a:xfrm>
+            <a:off x="9326880" y="2459736"/>
+            <a:ext cx="1188720" cy="210312"/>
+          </a:xfrm>
+          <a:prstGeom prst="rect">
+            <a:avLst/>
+          </a:prstGeom>
+          <a:noFill/>
+        </p:spPr>
+        <p:txBody>
+          <a:bodyPr wrap="square">
+            <a:spAutoFit/>
+          </a:bodyPr>
+          <a:lstStyle/>
+          <a:p>
+            <a:pPr algn="l">
+              <a:defRPr sz="900" b="0">
+                <a:solidFill>
+                  <a:srgbClr val="3A5566"/>
+                </a:solidFill>
+              </a:defRPr>
+            </a:pPr>
+            <a:r>
+              <a:t>$3.1M</a:t>
+            </a:r>
+          </a:p>
+        </p:txBody>
+      </p:sp>
+      <p:sp>
+        <p:nvSpPr>
+          <p:cNvPr id="32" name="TextBox 31"/>
+          <p:cNvSpPr txBox="1"/>
+          <p:nvPr/>
+        </p:nvSpPr>
+        <p:spPr>
+          <a:xfrm>
+            <a:off x="10607040" y="2459736"/>
+            <a:ext cx="1188720" cy="210312"/>
+          </a:xfrm>
+          <a:prstGeom prst="rect">
+            <a:avLst/>
+          </a:prstGeom>
+          <a:noFill/>
+        </p:spPr>
+        <p:txBody>
+          <a:bodyPr wrap="square">
+            <a:spAutoFit/>
+          </a:bodyPr>
+          <a:lstStyle/>
+          <a:p>
+            <a:pPr algn="l">
+              <a:defRPr sz="900" b="0">
+                <a:solidFill>
+                  <a:srgbClr val="3A5566"/>
+                </a:solidFill>
+              </a:defRPr>
+            </a:pPr>
+            <a:r>
+              <a:t>$111</a:t>
+            </a:r>
+          </a:p>
+        </p:txBody>
+      </p:sp>
+      <p:sp>
+        <p:nvSpPr>
+          <p:cNvPr id="33" name="TextBox 32"/>
+          <p:cNvSpPr txBox="1"/>
+          <p:nvPr/>
+        </p:nvSpPr>
+        <p:spPr>
+          <a:xfrm>
+            <a:off x="6400800" y="2715768"/>
+            <a:ext cx="1188720" cy="210312"/>
+          </a:xfrm>
+          <a:prstGeom prst="rect">
+            <a:avLst/>
+          </a:prstGeom>
+          <a:noFill/>
+        </p:spPr>
+        <p:txBody>
+          <a:bodyPr wrap="square">
+            <a:spAutoFit/>
+          </a:bodyPr>
+          <a:lstStyle/>
+          <a:p>
+            <a:pPr algn="l">
+              <a:defRPr sz="900" b="0">
+                <a:solidFill>
+                  <a:srgbClr val="3A5566"/>
+                </a:solidFill>
+              </a:defRPr>
+            </a:pPr>
+            <a:r>
+              <a:t>2015</a:t>
+            </a:r>
+          </a:p>
+        </p:txBody>
+      </p:sp>
+      <p:sp>
+        <p:nvSpPr>
+          <p:cNvPr id="34" name="TextBox 33"/>
+          <p:cNvSpPr txBox="1"/>
+          <p:nvPr/>
+        </p:nvSpPr>
+        <p:spPr>
+          <a:xfrm>
+            <a:off x="7315200" y="2715768"/>
+            <a:ext cx="1188720" cy="210312"/>
+          </a:xfrm>
+          <a:prstGeom prst="rect">
+            <a:avLst/>
+          </a:prstGeom>
+          <a:noFill/>
+        </p:spPr>
+        <p:txBody>
+          <a:bodyPr wrap="square">
+            <a:spAutoFit/>
+          </a:bodyPr>
+          <a:lstStyle/>
+          <a:p>
+            <a:pPr algn="l">
+              <a:defRPr sz="900" b="0">
+                <a:solidFill>
+                  <a:srgbClr val="3A5566"/>
+                </a:solidFill>
+              </a:defRPr>
+            </a:pPr>
+            <a:r>
+              <a:t>192</a:t>
+            </a:r>
+          </a:p>
+        </p:txBody>
+      </p:sp>
+      <p:sp>
+        <p:nvSpPr>
+          <p:cNvPr id="35" name="TextBox 34"/>
+          <p:cNvSpPr txBox="1"/>
+          <p:nvPr/>
+        </p:nvSpPr>
+        <p:spPr>
+          <a:xfrm>
+            <a:off x="8046720" y="2715768"/>
+            <a:ext cx="1188720" cy="210312"/>
+          </a:xfrm>
+          <a:prstGeom prst="rect">
+            <a:avLst/>
+          </a:prstGeom>
+          <a:noFill/>
+        </p:spPr>
+        <p:txBody>
+          <a:bodyPr wrap="square">
+            <a:spAutoFit/>
+          </a:bodyPr>
+          <a:lstStyle/>
+          <a:p>
+            <a:pPr algn="l">
+              <a:defRPr sz="900" b="0">
+                <a:solidFill>
+                  <a:srgbClr val="3A5566"/>
+                </a:solidFill>
+              </a:defRPr>
+            </a:pPr>
+            <a:r>
+              <a:t>$598M</a:t>
+            </a:r>
+          </a:p>
+        </p:txBody>
+      </p:sp>
+      <p:sp>
+        <p:nvSpPr>
+          <p:cNvPr id="36" name="TextBox 35"/>
+          <p:cNvSpPr txBox="1"/>
+          <p:nvPr/>
+        </p:nvSpPr>
+        <p:spPr>
+          <a:xfrm>
+            <a:off x="9326880" y="2715768"/>
+            <a:ext cx="1188720" cy="210312"/>
+          </a:xfrm>
+          <a:prstGeom prst="rect">
+            <a:avLst/>
+          </a:prstGeom>
+          <a:noFill/>
+        </p:spPr>
+        <p:txBody>
+          <a:bodyPr wrap="square">
+            <a:spAutoFit/>
+          </a:bodyPr>
+          <a:lstStyle/>
+          <a:p>
+            <a:pPr algn="l">
+              <a:defRPr sz="900" b="0">
+                <a:solidFill>
+                  <a:srgbClr val="3A5566"/>
+                </a:solidFill>
+              </a:defRPr>
+            </a:pPr>
+            <a:r>
+              <a:t>$3.1M</a:t>
+            </a:r>
+          </a:p>
+        </p:txBody>
+      </p:sp>
+      <p:sp>
+        <p:nvSpPr>
+          <p:cNvPr id="37" name="TextBox 36"/>
+          <p:cNvSpPr txBox="1"/>
+          <p:nvPr/>
+        </p:nvSpPr>
+        <p:spPr>
+          <a:xfrm>
+            <a:off x="10607040" y="2715768"/>
+            <a:ext cx="1188720" cy="210312"/>
+          </a:xfrm>
+          <a:prstGeom prst="rect">
+            <a:avLst/>
+          </a:prstGeom>
+          <a:noFill/>
+        </p:spPr>
+        <p:txBody>
+          <a:bodyPr wrap="square">
+            <a:spAutoFit/>
+          </a:bodyPr>
+          <a:lstStyle/>
+          <a:p>
+            <a:pPr algn="l">
+              <a:defRPr sz="900" b="0">
+                <a:solidFill>
+                  <a:srgbClr val="3A5566"/>
+                </a:solidFill>
+              </a:defRPr>
+            </a:pPr>
+            <a:r>
+              <a:t>$136</a:t>
+            </a:r>
+          </a:p>
+        </p:txBody>
+      </p:sp>
+      <p:sp>
+        <p:nvSpPr>
+          <p:cNvPr id="38" name="TextBox 37"/>
+          <p:cNvSpPr txBox="1"/>
+          <p:nvPr/>
+        </p:nvSpPr>
+        <p:spPr>
+          <a:xfrm>
+            <a:off x="6400800" y="2971800"/>
+            <a:ext cx="1188720" cy="210312"/>
+          </a:xfrm>
+          <a:prstGeom prst="rect">
+            <a:avLst/>
+          </a:prstGeom>
+          <a:noFill/>
+        </p:spPr>
+        <p:txBody>
+          <a:bodyPr wrap="square">
+            <a:spAutoFit/>
+          </a:bodyPr>
+          <a:lstStyle/>
+          <a:p>
+            <a:pPr algn="l">
+              <a:defRPr sz="900" b="0">
+                <a:solidFill>
+                  <a:srgbClr val="3A5566"/>
+                </a:solidFill>
+              </a:defRPr>
+            </a:pPr>
+            <a:r>
+              <a:t>2017</a:t>
+            </a:r>
+          </a:p>
+        </p:txBody>
+      </p:sp>
+      <p:sp>
+        <p:nvSpPr>
+          <p:cNvPr id="39" name="TextBox 38"/>
+          <p:cNvSpPr txBox="1"/>
+          <p:nvPr/>
+        </p:nvSpPr>
+        <p:spPr>
+          <a:xfrm>
+            <a:off x="7315200" y="2971800"/>
+            <a:ext cx="1188720" cy="210312"/>
+          </a:xfrm>
+          <a:prstGeom prst="rect">
+            <a:avLst/>
+          </a:prstGeom>
+          <a:noFill/>
+        </p:spPr>
+        <p:txBody>
+          <a:bodyPr wrap="square">
+            <a:spAutoFit/>
+          </a:bodyPr>
+          <a:lstStyle/>
+          <a:p>
+            <a:pPr algn="l">
+              <a:defRPr sz="900" b="0">
+                <a:solidFill>
+                  <a:srgbClr val="3A5566"/>
+                </a:solidFill>
+              </a:defRPr>
+            </a:pPr>
+            <a:r>
+              <a:t>168</a:t>
+            </a:r>
+          </a:p>
+        </p:txBody>
+      </p:sp>
+      <p:sp>
+        <p:nvSpPr>
+          <p:cNvPr id="40" name="TextBox 39"/>
+          <p:cNvSpPr txBox="1"/>
+          <p:nvPr/>
+        </p:nvSpPr>
+        <p:spPr>
+          <a:xfrm>
+            <a:off x="8046720" y="2971800"/>
+            <a:ext cx="1188720" cy="210312"/>
+          </a:xfrm>
+          <a:prstGeom prst="rect">
+            <a:avLst/>
+          </a:prstGeom>
+          <a:noFill/>
+        </p:spPr>
+        <p:txBody>
+          <a:bodyPr wrap="square">
+            <a:spAutoFit/>
+          </a:bodyPr>
+          <a:lstStyle/>
+          <a:p>
+            <a:pPr algn="l">
+              <a:defRPr sz="900" b="0">
+                <a:solidFill>
+                  <a:srgbClr val="3A5566"/>
+                </a:solidFill>
+              </a:defRPr>
+            </a:pPr>
+            <a:r>
+              <a:t>$800M</a:t>
+            </a:r>
+          </a:p>
+        </p:txBody>
+      </p:sp>
+      <p:sp>
+        <p:nvSpPr>
+          <p:cNvPr id="41" name="TextBox 40"/>
+          <p:cNvSpPr txBox="1"/>
+          <p:nvPr/>
+        </p:nvSpPr>
+        <p:spPr>
+          <a:xfrm>
+            <a:off x="9326880" y="2971800"/>
+            <a:ext cx="1188720" cy="210312"/>
+          </a:xfrm>
+          <a:prstGeom prst="rect">
+            <a:avLst/>
+          </a:prstGeom>
+          <a:noFill/>
+        </p:spPr>
+        <p:txBody>
+          <a:bodyPr wrap="square">
+            <a:spAutoFit/>
+          </a:bodyPr>
+          <a:lstStyle/>
+          <a:p>
+            <a:pPr algn="l">
+              <a:defRPr sz="900" b="0">
+                <a:solidFill>
+                  <a:srgbClr val="3A5566"/>
+                </a:solidFill>
+              </a:defRPr>
+            </a:pPr>
+            <a:r>
+              <a:t>$4.8M</a:t>
+            </a:r>
+          </a:p>
+        </p:txBody>
+      </p:sp>
+      <p:sp>
+        <p:nvSpPr>
+          <p:cNvPr id="42" name="TextBox 41"/>
+          <p:cNvSpPr txBox="1"/>
+          <p:nvPr/>
+        </p:nvSpPr>
+        <p:spPr>
+          <a:xfrm>
+            <a:off x="10607040" y="2971800"/>
+            <a:ext cx="1188720" cy="210312"/>
+          </a:xfrm>
+          <a:prstGeom prst="rect">
+            <a:avLst/>
+          </a:prstGeom>
+          <a:noFill/>
+        </p:spPr>
+        <p:txBody>
+          <a:bodyPr wrap="square">
+            <a:spAutoFit/>
+          </a:bodyPr>
+          <a:lstStyle/>
+          <a:p>
+            <a:pPr algn="l">
+              <a:defRPr sz="900" b="0">
+                <a:solidFill>
+                  <a:srgbClr val="3A5566"/>
+                </a:solidFill>
+              </a:defRPr>
+            </a:pPr>
+            <a:r>
+              <a:t>$182</a:t>
+            </a:r>
+          </a:p>
+        </p:txBody>
+      </p:sp>
+      <p:sp>
+        <p:nvSpPr>
+          <p:cNvPr id="43" name="TextBox 42"/>
+          <p:cNvSpPr txBox="1"/>
+          <p:nvPr/>
+        </p:nvSpPr>
+        <p:spPr>
+          <a:xfrm>
+            <a:off x="6400800" y="3227832"/>
+            <a:ext cx="1188720" cy="210312"/>
+          </a:xfrm>
+          <a:prstGeom prst="rect">
+            <a:avLst/>
+          </a:prstGeom>
+          <a:noFill/>
+        </p:spPr>
+        <p:txBody>
+          <a:bodyPr wrap="square">
+            <a:spAutoFit/>
+          </a:bodyPr>
+          <a:lstStyle/>
+          <a:p>
+            <a:pPr algn="l">
+              <a:defRPr sz="900" b="0">
+                <a:solidFill>
+                  <a:srgbClr val="3A5566"/>
+                </a:solidFill>
+              </a:defRPr>
+            </a:pPr>
+            <a:r>
+              <a:t>2018</a:t>
+            </a:r>
+          </a:p>
+        </p:txBody>
+      </p:sp>
+      <p:sp>
+        <p:nvSpPr>
+          <p:cNvPr id="44" name="TextBox 43"/>
+          <p:cNvSpPr txBox="1"/>
+          <p:nvPr/>
+        </p:nvSpPr>
+        <p:spPr>
+          <a:xfrm>
+            <a:off x="7315200" y="3227832"/>
+            <a:ext cx="1188720" cy="210312"/>
+          </a:xfrm>
+          <a:prstGeom prst="rect">
+            <a:avLst/>
+          </a:prstGeom>
+          <a:noFill/>
+        </p:spPr>
+        <p:txBody>
+          <a:bodyPr wrap="square">
+            <a:spAutoFit/>
+          </a:bodyPr>
+          <a:lstStyle/>
+          <a:p>
+            <a:pPr algn="l">
+              <a:defRPr sz="900" b="0">
+                <a:solidFill>
+                  <a:srgbClr val="3A5566"/>
+                </a:solidFill>
+              </a:defRPr>
+            </a:pPr>
+            <a:r>
+              <a:t>150</a:t>
+            </a:r>
+          </a:p>
+        </p:txBody>
+      </p:sp>
+      <p:sp>
+        <p:nvSpPr>
+          <p:cNvPr id="45" name="TextBox 44"/>
+          <p:cNvSpPr txBox="1"/>
+          <p:nvPr/>
+        </p:nvSpPr>
+        <p:spPr>
+          <a:xfrm>
+            <a:off x="8046720" y="3227832"/>
+            <a:ext cx="1188720" cy="210312"/>
+          </a:xfrm>
+          <a:prstGeom prst="rect">
+            <a:avLst/>
+          </a:prstGeom>
+          <a:noFill/>
+        </p:spPr>
+        <p:txBody>
+          <a:bodyPr wrap="square">
+            <a:spAutoFit/>
+          </a:bodyPr>
+          <a:lstStyle/>
+          <a:p>
+            <a:pPr algn="l">
+              <a:defRPr sz="900" b="0">
+                <a:solidFill>
+                  <a:srgbClr val="3A5566"/>
+                </a:solidFill>
+              </a:defRPr>
+            </a:pPr>
+            <a:r>
+              <a:t>$925M</a:t>
+            </a:r>
+          </a:p>
+        </p:txBody>
+      </p:sp>
+      <p:sp>
+        <p:nvSpPr>
+          <p:cNvPr id="46" name="TextBox 45"/>
+          <p:cNvSpPr txBox="1"/>
+          <p:nvPr/>
+        </p:nvSpPr>
+        <p:spPr>
+          <a:xfrm>
+            <a:off x="9326880" y="3227832"/>
+            <a:ext cx="1188720" cy="210312"/>
+          </a:xfrm>
+          <a:prstGeom prst="rect">
+            <a:avLst/>
+          </a:prstGeom>
+          <a:noFill/>
+        </p:spPr>
+        <p:txBody>
+          <a:bodyPr wrap="square">
+            <a:spAutoFit/>
+          </a:bodyPr>
+          <a:lstStyle/>
+          <a:p>
+            <a:pPr algn="l">
+              <a:defRPr sz="900" b="0">
+                <a:solidFill>
+                  <a:srgbClr val="3A5566"/>
+                </a:solidFill>
+              </a:defRPr>
+            </a:pPr>
+            <a:r>
+              <a:t>$6.2M</a:t>
+            </a:r>
+          </a:p>
+        </p:txBody>
+      </p:sp>
+      <p:sp>
+        <p:nvSpPr>
+          <p:cNvPr id="47" name="TextBox 46"/>
+          <p:cNvSpPr txBox="1"/>
+          <p:nvPr/>
+        </p:nvSpPr>
+        <p:spPr>
+          <a:xfrm>
+            <a:off x="10607040" y="3227832"/>
+            <a:ext cx="1188720" cy="210312"/>
+          </a:xfrm>
+          <a:prstGeom prst="rect">
+            <a:avLst/>
+          </a:prstGeom>
+          <a:noFill/>
+        </p:spPr>
+        <p:txBody>
+          <a:bodyPr wrap="square">
+            <a:spAutoFit/>
+          </a:bodyPr>
+          <a:lstStyle/>
+          <a:p>
+            <a:pPr algn="l">
+              <a:defRPr sz="900" b="0">
+                <a:solidFill>
+                  <a:srgbClr val="3A5566"/>
+                </a:solidFill>
+              </a:defRPr>
+            </a:pPr>
+            <a:r>
+              <a:t>$178</a:t>
+            </a:r>
+          </a:p>
+        </p:txBody>
+      </p:sp>
+      <p:sp>
+        <p:nvSpPr>
+          <p:cNvPr id="48" name="TextBox 47"/>
+          <p:cNvSpPr txBox="1"/>
+          <p:nvPr/>
+        </p:nvSpPr>
+        <p:spPr>
+          <a:xfrm>
+            <a:off x="6400800" y="3483864"/>
+            <a:ext cx="1188720" cy="210312"/>
+          </a:xfrm>
+          <a:prstGeom prst="rect">
+            <a:avLst/>
+          </a:prstGeom>
+          <a:noFill/>
+        </p:spPr>
+        <p:txBody>
+          <a:bodyPr wrap="square">
+            <a:spAutoFit/>
+          </a:bodyPr>
+          <a:lstStyle/>
+          <a:p>
+            <a:pPr algn="l">
+              <a:defRPr sz="900" b="1">
+                <a:solidFill>
+                  <a:srgbClr val="3A5566"/>
+                </a:solidFill>
+              </a:defRPr>
+            </a:pPr>
+            <a:r>
+              <a:t>2019</a:t>
+            </a:r>
+          </a:p>
+        </p:txBody>
+      </p:sp>
+      <p:sp>
+        <p:nvSpPr>
+          <p:cNvPr id="49" name="TextBox 48"/>
+          <p:cNvSpPr txBox="1"/>
+          <p:nvPr/>
+        </p:nvSpPr>
+        <p:spPr>
+          <a:xfrm>
+            <a:off x="7315200" y="3483864"/>
+            <a:ext cx="1188720" cy="210312"/>
+          </a:xfrm>
+          <a:prstGeom prst="rect">
+            <a:avLst/>
+          </a:prstGeom>
+          <a:noFill/>
+        </p:spPr>
+        <p:txBody>
+          <a:bodyPr wrap="square">
+            <a:spAutoFit/>
+          </a:bodyPr>
+          <a:lstStyle/>
+          <a:p>
+            <a:pPr algn="l">
+              <a:defRPr sz="900" b="1">
+                <a:solidFill>
+                  <a:srgbClr val="3A5566"/>
+                </a:solidFill>
+              </a:defRPr>
+            </a:pPr>
+            <a:r>
+              <a:t>142</a:t>
+            </a:r>
+          </a:p>
+        </p:txBody>
+      </p:sp>
+      <p:sp>
+        <p:nvSpPr>
+          <p:cNvPr id="50" name="TextBox 49"/>
+          <p:cNvSpPr txBox="1"/>
+          <p:nvPr/>
+        </p:nvSpPr>
+        <p:spPr>
+          <a:xfrm>
+            <a:off x="8046720" y="3483864"/>
+            <a:ext cx="1188720" cy="210312"/>
+          </a:xfrm>
+          <a:prstGeom prst="rect">
+            <a:avLst/>
+          </a:prstGeom>
+          <a:noFill/>
+        </p:spPr>
+        <p:txBody>
+          <a:bodyPr wrap="square">
+            <a:spAutoFit/>
+          </a:bodyPr>
+          <a:lstStyle/>
+          <a:p>
+            <a:pPr algn="l">
+              <a:defRPr sz="900" b="1">
+                <a:solidFill>
+                  <a:srgbClr val="3A5566"/>
+                </a:solidFill>
+              </a:defRPr>
+            </a:pPr>
+            <a:r>
+              <a:t>$1129M</a:t>
+            </a:r>
+          </a:p>
+        </p:txBody>
+      </p:sp>
+      <p:sp>
+        <p:nvSpPr>
+          <p:cNvPr id="51" name="TextBox 50"/>
+          <p:cNvSpPr txBox="1"/>
+          <p:nvPr/>
+        </p:nvSpPr>
+        <p:spPr>
+          <a:xfrm>
+            <a:off x="9326880" y="3483864"/>
+            <a:ext cx="1188720" cy="210312"/>
+          </a:xfrm>
+          <a:prstGeom prst="rect">
+            <a:avLst/>
+          </a:prstGeom>
+          <a:noFill/>
+        </p:spPr>
+        <p:txBody>
+          <a:bodyPr wrap="square">
+            <a:spAutoFit/>
+          </a:bodyPr>
+          <a:lstStyle/>
+          <a:p>
+            <a:pPr algn="l">
+              <a:defRPr sz="900" b="1">
+                <a:solidFill>
+                  <a:srgbClr val="3A5566"/>
+                </a:solidFill>
+              </a:defRPr>
+            </a:pPr>
+            <a:r>
+              <a:t>$8.0M</a:t>
+            </a:r>
+          </a:p>
+        </p:txBody>
+      </p:sp>
+      <p:sp>
+        <p:nvSpPr>
+          <p:cNvPr id="52" name="TextBox 51"/>
+          <p:cNvSpPr txBox="1"/>
+          <p:nvPr/>
+        </p:nvSpPr>
+        <p:spPr>
+          <a:xfrm>
+            <a:off x="10607040" y="3483864"/>
+            <a:ext cx="1188720" cy="210312"/>
+          </a:xfrm>
+          <a:prstGeom prst="rect">
+            <a:avLst/>
+          </a:prstGeom>
+          <a:noFill/>
+        </p:spPr>
+        <p:txBody>
+          <a:bodyPr wrap="square">
+            <a:spAutoFit/>
+          </a:bodyPr>
+          <a:lstStyle/>
+          <a:p>
+            <a:pPr algn="l">
+              <a:defRPr sz="900" b="1">
+                <a:solidFill>
+                  <a:srgbClr val="3A5566"/>
+                </a:solidFill>
+              </a:defRPr>
+            </a:pPr>
+            <a:r>
+              <a:t>$222</a:t>
+            </a:r>
+          </a:p>
+        </p:txBody>
+      </p:sp>
+      <p:sp>
+        <p:nvSpPr>
+          <p:cNvPr id="53" name="TextBox 52"/>
+          <p:cNvSpPr txBox="1"/>
+          <p:nvPr/>
+        </p:nvSpPr>
+        <p:spPr>
+          <a:xfrm>
+            <a:off x="6400800" y="3739896"/>
+            <a:ext cx="1188720" cy="210312"/>
+          </a:xfrm>
+          <a:prstGeom prst="rect">
+            <a:avLst/>
+          </a:prstGeom>
+          <a:noFill/>
+        </p:spPr>
+        <p:txBody>
+          <a:bodyPr wrap="square">
+            <a:spAutoFit/>
+          </a:bodyPr>
+          <a:lstStyle/>
+          <a:p>
+            <a:pPr algn="l">
+              <a:defRPr sz="900" b="0">
+                <a:solidFill>
+                  <a:srgbClr val="3A5566"/>
+                </a:solidFill>
+              </a:defRPr>
+            </a:pPr>
+            <a:r>
+              <a:t>2020</a:t>
+            </a:r>
+          </a:p>
+        </p:txBody>
+      </p:sp>
+      <p:sp>
+        <p:nvSpPr>
+          <p:cNvPr id="54" name="TextBox 53"/>
+          <p:cNvSpPr txBox="1"/>
+          <p:nvPr/>
+        </p:nvSpPr>
+        <p:spPr>
+          <a:xfrm>
+            <a:off x="7315200" y="3739896"/>
+            <a:ext cx="1188720" cy="210312"/>
+          </a:xfrm>
+          <a:prstGeom prst="rect">
+            <a:avLst/>
+          </a:prstGeom>
+          <a:noFill/>
+        </p:spPr>
+        <p:txBody>
+          <a:bodyPr wrap="square">
+            <a:spAutoFit/>
+          </a:bodyPr>
+          <a:lstStyle/>
+          <a:p>
+            <a:pPr algn="l">
+              <a:defRPr sz="900" b="0">
+                <a:solidFill>
+                  <a:srgbClr val="3A5566"/>
+                </a:solidFill>
+              </a:defRPr>
+            </a:pPr>
+            <a:r>
+              <a:t>119</a:t>
+            </a:r>
+          </a:p>
+        </p:txBody>
+      </p:sp>
+      <p:sp>
+        <p:nvSpPr>
+          <p:cNvPr id="55" name="TextBox 54"/>
+          <p:cNvSpPr txBox="1"/>
+          <p:nvPr/>
+        </p:nvSpPr>
+        <p:spPr>
+          <a:xfrm>
+            <a:off x="8046720" y="3739896"/>
+            <a:ext cx="1188720" cy="210312"/>
+          </a:xfrm>
+          <a:prstGeom prst="rect">
+            <a:avLst/>
+          </a:prstGeom>
+          <a:noFill/>
+        </p:spPr>
+        <p:txBody>
+          <a:bodyPr wrap="square">
+            <a:spAutoFit/>
+          </a:bodyPr>
+          <a:lstStyle/>
+          <a:p>
+            <a:pPr algn="l">
+              <a:defRPr sz="900" b="0">
+                <a:solidFill>
+                  <a:srgbClr val="3A5566"/>
+                </a:solidFill>
+              </a:defRPr>
+            </a:pPr>
+            <a:r>
+              <a:t>$740M</a:t>
+            </a:r>
+          </a:p>
+        </p:txBody>
+      </p:sp>
+      <p:sp>
+        <p:nvSpPr>
+          <p:cNvPr id="56" name="TextBox 55"/>
+          <p:cNvSpPr txBox="1"/>
+          <p:nvPr/>
+        </p:nvSpPr>
+        <p:spPr>
+          <a:xfrm>
+            <a:off x="9326880" y="3739896"/>
+            <a:ext cx="1188720" cy="210312"/>
+          </a:xfrm>
+          <a:prstGeom prst="rect">
+            <a:avLst/>
+          </a:prstGeom>
+          <a:noFill/>
+        </p:spPr>
+        <p:txBody>
+          <a:bodyPr wrap="square">
+            <a:spAutoFit/>
+          </a:bodyPr>
+          <a:lstStyle/>
+          <a:p>
+            <a:pPr algn="l">
+              <a:defRPr sz="900" b="0">
+                <a:solidFill>
+                  <a:srgbClr val="3A5566"/>
+                </a:solidFill>
+              </a:defRPr>
+            </a:pPr>
+            <a:r>
+              <a:t>$6.2M</a:t>
+            </a:r>
+          </a:p>
+        </p:txBody>
+      </p:sp>
+      <p:sp>
+        <p:nvSpPr>
+          <p:cNvPr id="57" name="TextBox 56"/>
+          <p:cNvSpPr txBox="1"/>
+          <p:nvPr/>
+        </p:nvSpPr>
+        <p:spPr>
+          <a:xfrm>
+            <a:off x="10607040" y="3739896"/>
+            <a:ext cx="1188720" cy="210312"/>
+          </a:xfrm>
+          <a:prstGeom prst="rect">
+            <a:avLst/>
+          </a:prstGeom>
+          <a:noFill/>
+        </p:spPr>
+        <p:txBody>
+          <a:bodyPr wrap="square">
+            <a:spAutoFit/>
+          </a:bodyPr>
+          <a:lstStyle/>
+          <a:p>
+            <a:pPr algn="l">
+              <a:defRPr sz="900" b="0">
+                <a:solidFill>
+                  <a:srgbClr val="3A5566"/>
+                </a:solidFill>
+              </a:defRPr>
+            </a:pPr>
+            <a:r>
+              <a:t>$217</a:t>
+            </a:r>
+          </a:p>
+        </p:txBody>
+      </p:sp>
+      <p:sp>
+        <p:nvSpPr>
+          <p:cNvPr id="58" name="TextBox 57"/>
+          <p:cNvSpPr txBox="1"/>
+          <p:nvPr/>
+        </p:nvSpPr>
+        <p:spPr>
+          <a:xfrm>
+            <a:off x="6400800" y="3995928"/>
+            <a:ext cx="1188720" cy="210312"/>
+          </a:xfrm>
+          <a:prstGeom prst="rect">
+            <a:avLst/>
+          </a:prstGeom>
+          <a:noFill/>
+        </p:spPr>
+        <p:txBody>
+          <a:bodyPr wrap="square">
+            <a:spAutoFit/>
+          </a:bodyPr>
+          <a:lstStyle/>
+          <a:p>
+            <a:pPr algn="l">
+              <a:defRPr sz="900" b="0">
+                <a:solidFill>
+                  <a:srgbClr val="3A5566"/>
+                </a:solidFill>
+              </a:defRPr>
+            </a:pPr>
+            <a:r>
+              <a:t>2021</a:t>
+            </a:r>
+          </a:p>
+        </p:txBody>
+      </p:sp>
+      <p:sp>
+        <p:nvSpPr>
+          <p:cNvPr id="59" name="TextBox 58"/>
+          <p:cNvSpPr txBox="1"/>
+          <p:nvPr/>
+        </p:nvSpPr>
+        <p:spPr>
+          <a:xfrm>
+            <a:off x="7315200" y="3995928"/>
+            <a:ext cx="1188720" cy="210312"/>
+          </a:xfrm>
+          <a:prstGeom prst="rect">
+            <a:avLst/>
+          </a:prstGeom>
+          <a:noFill/>
+        </p:spPr>
+        <p:txBody>
+          <a:bodyPr wrap="square">
+            <a:spAutoFit/>
+          </a:bodyPr>
+          <a:lstStyle/>
+          <a:p>
+            <a:pPr algn="l">
+              <a:defRPr sz="900" b="0">
+                <a:solidFill>
+                  <a:srgbClr val="3A5566"/>
+                </a:solidFill>
+              </a:defRPr>
+            </a:pPr>
+            <a:r>
+              <a:t>157</a:t>
+            </a:r>
+          </a:p>
+        </p:txBody>
+      </p:sp>
+      <p:sp>
+        <p:nvSpPr>
+          <p:cNvPr id="60" name="TextBox 59"/>
+          <p:cNvSpPr txBox="1"/>
+          <p:nvPr/>
+        </p:nvSpPr>
+        <p:spPr>
+          <a:xfrm>
+            <a:off x="8046720" y="3995928"/>
+            <a:ext cx="1188720" cy="210312"/>
+          </a:xfrm>
+          <a:prstGeom prst="rect">
+            <a:avLst/>
+          </a:prstGeom>
+          <a:noFill/>
+        </p:spPr>
+        <p:txBody>
+          <a:bodyPr wrap="square">
+            <a:spAutoFit/>
+          </a:bodyPr>
+          <a:lstStyle/>
+          <a:p>
+            <a:pPr algn="l">
+              <a:defRPr sz="900" b="0">
+                <a:solidFill>
+                  <a:srgbClr val="3A5566"/>
+                </a:solidFill>
+              </a:defRPr>
+            </a:pPr>
+            <a:r>
+              <a:t>$960M</a:t>
+            </a:r>
+          </a:p>
+        </p:txBody>
+      </p:sp>
+      <p:sp>
+        <p:nvSpPr>
+          <p:cNvPr id="61" name="TextBox 60"/>
+          <p:cNvSpPr txBox="1"/>
+          <p:nvPr/>
+        </p:nvSpPr>
+        <p:spPr>
+          <a:xfrm>
+            <a:off x="9326880" y="3995928"/>
+            <a:ext cx="1188720" cy="210312"/>
+          </a:xfrm>
+          <a:prstGeom prst="rect">
+            <a:avLst/>
+          </a:prstGeom>
+          <a:noFill/>
+        </p:spPr>
+        <p:txBody>
+          <a:bodyPr wrap="square">
+            <a:spAutoFit/>
+          </a:bodyPr>
+          <a:lstStyle/>
+          <a:p>
+            <a:pPr algn="l">
+              <a:defRPr sz="900" b="0">
+                <a:solidFill>
+                  <a:srgbClr val="3A5566"/>
+                </a:solidFill>
+              </a:defRPr>
+            </a:pPr>
+            <a:r>
+              <a:t>$6.1M</a:t>
+            </a:r>
+          </a:p>
+        </p:txBody>
+      </p:sp>
+      <p:sp>
+        <p:nvSpPr>
+          <p:cNvPr id="62" name="TextBox 61"/>
+          <p:cNvSpPr txBox="1"/>
+          <p:nvPr/>
+        </p:nvSpPr>
+        <p:spPr>
+          <a:xfrm>
+            <a:off x="10607040" y="3995928"/>
+            <a:ext cx="1188720" cy="210312"/>
+          </a:xfrm>
+          <a:prstGeom prst="rect">
+            <a:avLst/>
+          </a:prstGeom>
+          <a:noFill/>
+        </p:spPr>
+        <p:txBody>
+          <a:bodyPr wrap="square">
+            <a:spAutoFit/>
+          </a:bodyPr>
+          <a:lstStyle/>
+          <a:p>
+            <a:pPr algn="l">
+              <a:defRPr sz="900" b="0">
+                <a:solidFill>
+                  <a:srgbClr val="3A5566"/>
+                </a:solidFill>
+              </a:defRPr>
+            </a:pPr>
+            <a:r>
+              <a:t>$322</a:t>
+            </a:r>
+          </a:p>
+        </p:txBody>
+      </p:sp>
+      <p:sp>
+        <p:nvSpPr>
+          <p:cNvPr id="63" name="TextBox 62"/>
+          <p:cNvSpPr txBox="1"/>
+          <p:nvPr/>
+        </p:nvSpPr>
+        <p:spPr>
+          <a:xfrm>
+            <a:off x="6400800" y="4251960"/>
+            <a:ext cx="1188720" cy="210312"/>
+          </a:xfrm>
+          <a:prstGeom prst="rect">
+            <a:avLst/>
+          </a:prstGeom>
+          <a:noFill/>
+        </p:spPr>
+        <p:txBody>
+          <a:bodyPr wrap="square">
+            <a:spAutoFit/>
+          </a:bodyPr>
+          <a:lstStyle/>
+          <a:p>
+            <a:pPr algn="l">
+              <a:defRPr sz="900" b="1">
+                <a:solidFill>
+                  <a:srgbClr val="3A5566"/>
+                </a:solidFill>
+              </a:defRPr>
+            </a:pPr>
+            <a:r>
+              <a:t>2022</a:t>
+            </a:r>
+          </a:p>
+        </p:txBody>
+      </p:sp>
+      <p:sp>
+        <p:nvSpPr>
+          <p:cNvPr id="64" name="TextBox 63"/>
+          <p:cNvSpPr txBox="1"/>
+          <p:nvPr/>
+        </p:nvSpPr>
+        <p:spPr>
+          <a:xfrm>
+            <a:off x="7315200" y="4251960"/>
+            <a:ext cx="1188720" cy="210312"/>
+          </a:xfrm>
+          <a:prstGeom prst="rect">
+            <a:avLst/>
+          </a:prstGeom>
+          <a:noFill/>
+        </p:spPr>
+        <p:txBody>
+          <a:bodyPr wrap="square">
+            <a:spAutoFit/>
+          </a:bodyPr>
+          <a:lstStyle/>
+          <a:p>
+            <a:pPr algn="l">
+              <a:defRPr sz="900" b="1">
+                <a:solidFill>
+                  <a:srgbClr val="3A5566"/>
+                </a:solidFill>
+              </a:defRPr>
+            </a:pPr>
+            <a:r>
+              <a:t>112</a:t>
+            </a:r>
+          </a:p>
+        </p:txBody>
+      </p:sp>
+      <p:sp>
+        <p:nvSpPr>
+          <p:cNvPr id="65" name="TextBox 64"/>
+          <p:cNvSpPr txBox="1"/>
+          <p:nvPr/>
+        </p:nvSpPr>
+        <p:spPr>
+          <a:xfrm>
+            <a:off x="8046720" y="4251960"/>
+            <a:ext cx="1188720" cy="210312"/>
+          </a:xfrm>
+          <a:prstGeom prst="rect">
+            <a:avLst/>
+          </a:prstGeom>
+          <a:noFill/>
+        </p:spPr>
+        <p:txBody>
+          <a:bodyPr wrap="square">
+            <a:spAutoFit/>
+          </a:bodyPr>
+          <a:lstStyle/>
+          <a:p>
+            <a:pPr algn="l">
+              <a:defRPr sz="900" b="1">
+                <a:solidFill>
+                  <a:srgbClr val="3A5566"/>
+                </a:solidFill>
+              </a:defRPr>
+            </a:pPr>
+            <a:r>
+              <a:t>$1564M</a:t>
+            </a:r>
+          </a:p>
+        </p:txBody>
+      </p:sp>
+      <p:sp>
+        <p:nvSpPr>
+          <p:cNvPr id="66" name="TextBox 65"/>
+          <p:cNvSpPr txBox="1"/>
+          <p:nvPr/>
+        </p:nvSpPr>
+        <p:spPr>
+          <a:xfrm>
+            <a:off x="9326880" y="4251960"/>
+            <a:ext cx="1188720" cy="210312"/>
+          </a:xfrm>
+          <a:prstGeom prst="rect">
+            <a:avLst/>
+          </a:prstGeom>
+          <a:noFill/>
+        </p:spPr>
+        <p:txBody>
+          <a:bodyPr wrap="square">
+            <a:spAutoFit/>
+          </a:bodyPr>
+          <a:lstStyle/>
+          <a:p>
+            <a:pPr algn="l">
+              <a:defRPr sz="900" b="1">
+                <a:solidFill>
+                  <a:srgbClr val="3A5566"/>
+                </a:solidFill>
+              </a:defRPr>
+            </a:pPr>
+            <a:r>
+              <a:t>$14.0M</a:t>
+            </a:r>
+          </a:p>
+        </p:txBody>
+      </p:sp>
+      <p:sp>
+        <p:nvSpPr>
+          <p:cNvPr id="67" name="TextBox 66"/>
+          <p:cNvSpPr txBox="1"/>
+          <p:nvPr/>
+        </p:nvSpPr>
+        <p:spPr>
+          <a:xfrm>
+            <a:off x="10607040" y="4251960"/>
+            <a:ext cx="1188720" cy="210312"/>
+          </a:xfrm>
+          <a:prstGeom prst="rect">
+            <a:avLst/>
+          </a:prstGeom>
+          <a:noFill/>
+        </p:spPr>
+        <p:txBody>
+          <a:bodyPr wrap="square">
+            <a:spAutoFit/>
+          </a:bodyPr>
+          <a:lstStyle/>
+          <a:p>
+            <a:pPr algn="l">
+              <a:defRPr sz="900" b="1">
+                <a:solidFill>
+                  <a:srgbClr val="3A5566"/>
+                </a:solidFill>
+              </a:defRPr>
+            </a:pPr>
+            <a:r>
+              <a:t>$394</a:t>
+            </a:r>
+          </a:p>
+        </p:txBody>
+      </p:sp>
+      <p:sp>
+        <p:nvSpPr>
+          <p:cNvPr id="68" name="TextBox 67"/>
+          <p:cNvSpPr txBox="1"/>
+          <p:nvPr/>
+        </p:nvSpPr>
+        <p:spPr>
+          <a:xfrm>
+            <a:off x="6400800" y="4507992"/>
+            <a:ext cx="1188720" cy="210312"/>
+          </a:xfrm>
+          <a:prstGeom prst="rect">
+            <a:avLst/>
+          </a:prstGeom>
+          <a:noFill/>
+        </p:spPr>
+        <p:txBody>
+          <a:bodyPr wrap="square">
+            <a:spAutoFit/>
+          </a:bodyPr>
+          <a:lstStyle/>
+          <a:p>
+            <a:pPr algn="l">
+              <a:defRPr sz="900" b="0">
+                <a:solidFill>
+                  <a:srgbClr val="3A5566"/>
+                </a:solidFill>
+              </a:defRPr>
+            </a:pPr>
+            <a:r>
+              <a:t>2023</a:t>
+            </a:r>
+          </a:p>
+        </p:txBody>
+      </p:sp>
+      <p:sp>
+        <p:nvSpPr>
+          <p:cNvPr id="69" name="TextBox 68"/>
+          <p:cNvSpPr txBox="1"/>
+          <p:nvPr/>
+        </p:nvSpPr>
+        <p:spPr>
+          <a:xfrm>
+            <a:off x="7315200" y="4507992"/>
+            <a:ext cx="1188720" cy="210312"/>
+          </a:xfrm>
+          <a:prstGeom prst="rect">
+            <a:avLst/>
+          </a:prstGeom>
+          <a:noFill/>
+        </p:spPr>
+        <p:txBody>
+          <a:bodyPr wrap="square">
+            <a:spAutoFit/>
+          </a:bodyPr>
+          <a:lstStyle/>
+          <a:p>
+            <a:pPr algn="l">
+              <a:defRPr sz="900" b="0">
+                <a:solidFill>
+                  <a:srgbClr val="3A5566"/>
+                </a:solidFill>
+              </a:defRPr>
+            </a:pPr>
+            <a:r>
+              <a:t>98</a:t>
+            </a:r>
+          </a:p>
+        </p:txBody>
+      </p:sp>
+      <p:sp>
+        <p:nvSpPr>
+          <p:cNvPr id="70" name="TextBox 69"/>
+          <p:cNvSpPr txBox="1"/>
+          <p:nvPr/>
+        </p:nvSpPr>
+        <p:spPr>
+          <a:xfrm>
+            <a:off x="8046720" y="4507992"/>
+            <a:ext cx="1188720" cy="210312"/>
+          </a:xfrm>
+          <a:prstGeom prst="rect">
+            <a:avLst/>
+          </a:prstGeom>
+          <a:noFill/>
+        </p:spPr>
+        <p:txBody>
+          <a:bodyPr wrap="square">
+            <a:spAutoFit/>
+          </a:bodyPr>
+          <a:lstStyle/>
+          <a:p>
+            <a:pPr algn="l">
+              <a:defRPr sz="900" b="0">
+                <a:solidFill>
+                  <a:srgbClr val="3A5566"/>
+                </a:solidFill>
+              </a:defRPr>
+            </a:pPr>
+            <a:r>
+              <a:t>$379M</a:t>
+            </a:r>
+          </a:p>
+        </p:txBody>
+      </p:sp>
+      <p:sp>
+        <p:nvSpPr>
+          <p:cNvPr id="71" name="TextBox 70"/>
+          <p:cNvSpPr txBox="1"/>
+          <p:nvPr/>
+        </p:nvSpPr>
+        <p:spPr>
+          <a:xfrm>
+            <a:off x="9326880" y="4507992"/>
+            <a:ext cx="1188720" cy="210312"/>
+          </a:xfrm>
+          <a:prstGeom prst="rect">
+            <a:avLst/>
+          </a:prstGeom>
+          <a:noFill/>
+        </p:spPr>
+        <p:txBody>
+          <a:bodyPr wrap="square">
+            <a:spAutoFit/>
+          </a:bodyPr>
+          <a:lstStyle/>
+          <a:p>
+            <a:pPr algn="l">
+              <a:defRPr sz="900" b="0">
+                <a:solidFill>
+                  <a:srgbClr val="3A5566"/>
+                </a:solidFill>
+              </a:defRPr>
+            </a:pPr>
+            <a:r>
+              <a:t>$3.9M</a:t>
+            </a:r>
+          </a:p>
+        </p:txBody>
+      </p:sp>
+      <p:sp>
+        <p:nvSpPr>
+          <p:cNvPr id="72" name="TextBox 71"/>
+          <p:cNvSpPr txBox="1"/>
+          <p:nvPr/>
+        </p:nvSpPr>
+        <p:spPr>
+          <a:xfrm>
+            <a:off x="10607040" y="4507992"/>
+            <a:ext cx="1188720" cy="210312"/>
+          </a:xfrm>
+          <a:prstGeom prst="rect">
+            <a:avLst/>
+          </a:prstGeom>
+          <a:noFill/>
+        </p:spPr>
+        <p:txBody>
+          <a:bodyPr wrap="square">
+            <a:spAutoFit/>
+          </a:bodyPr>
+          <a:lstStyle/>
+          <a:p>
+            <a:pPr algn="l">
+              <a:defRPr sz="900" b="0">
+                <a:solidFill>
+                  <a:srgbClr val="3A5566"/>
+                </a:solidFill>
+              </a:defRPr>
+            </a:pPr>
+            <a:r>
+              <a:t>$386</a:t>
+            </a:r>
+          </a:p>
+        </p:txBody>
+      </p:sp>
+      <p:sp>
+        <p:nvSpPr>
+          <p:cNvPr id="73" name="TextBox 72"/>
+          <p:cNvSpPr txBox="1"/>
+          <p:nvPr/>
+        </p:nvSpPr>
+        <p:spPr>
+          <a:xfrm>
+            <a:off x="6400800" y="4764024"/>
+            <a:ext cx="1188720" cy="210312"/>
+          </a:xfrm>
+          <a:prstGeom prst="rect">
+            <a:avLst/>
+          </a:prstGeom>
+          <a:noFill/>
+        </p:spPr>
+        <p:txBody>
+          <a:bodyPr wrap="square">
+            <a:spAutoFit/>
+          </a:bodyPr>
+          <a:lstStyle/>
+          <a:p>
+            <a:pPr algn="l">
+              <a:defRPr sz="900" b="0">
+                <a:solidFill>
+                  <a:srgbClr val="3A5566"/>
+                </a:solidFill>
+              </a:defRPr>
+            </a:pPr>
+            <a:r>
+              <a:t>2024</a:t>
+            </a:r>
+          </a:p>
+        </p:txBody>
+      </p:sp>
+      <p:sp>
+        <p:nvSpPr>
+          <p:cNvPr id="74" name="TextBox 73"/>
+          <p:cNvSpPr txBox="1"/>
+          <p:nvPr/>
+        </p:nvSpPr>
+        <p:spPr>
+          <a:xfrm>
+            <a:off x="7315200" y="4764024"/>
+            <a:ext cx="1188720" cy="210312"/>
+          </a:xfrm>
+          <a:prstGeom prst="rect">
+            <a:avLst/>
+          </a:prstGeom>
+          <a:noFill/>
+        </p:spPr>
+        <p:txBody>
+          <a:bodyPr wrap="square">
+            <a:spAutoFit/>
+          </a:bodyPr>
+          <a:lstStyle/>
+          <a:p>
+            <a:pPr algn="l">
+              <a:defRPr sz="900" b="0">
+                <a:solidFill>
+                  <a:srgbClr val="3A5566"/>
+                </a:solidFill>
+              </a:defRPr>
+            </a:pPr>
+            <a:r>
+              <a:t>81</a:t>
+            </a:r>
+          </a:p>
+        </p:txBody>
+      </p:sp>
+      <p:sp>
+        <p:nvSpPr>
+          <p:cNvPr id="75" name="TextBox 74"/>
+          <p:cNvSpPr txBox="1"/>
+          <p:nvPr/>
+        </p:nvSpPr>
+        <p:spPr>
+          <a:xfrm>
+            <a:off x="8046720" y="4764024"/>
+            <a:ext cx="1188720" cy="210312"/>
+          </a:xfrm>
+          <a:prstGeom prst="rect">
+            <a:avLst/>
+          </a:prstGeom>
+          <a:noFill/>
+        </p:spPr>
+        <p:txBody>
+          <a:bodyPr wrap="square">
+            <a:spAutoFit/>
+          </a:bodyPr>
+          <a:lstStyle/>
+          <a:p>
+            <a:pPr algn="l">
+              <a:defRPr sz="900" b="0">
+                <a:solidFill>
+                  <a:srgbClr val="3A5566"/>
+                </a:solidFill>
+              </a:defRPr>
+            </a:pPr>
+            <a:r>
+              <a:t>$311M</a:t>
+            </a:r>
+          </a:p>
+        </p:txBody>
+      </p:sp>
+      <p:sp>
+        <p:nvSpPr>
+          <p:cNvPr id="76" name="TextBox 75"/>
+          <p:cNvSpPr txBox="1"/>
+          <p:nvPr/>
+        </p:nvSpPr>
+        <p:spPr>
+          <a:xfrm>
+            <a:off x="9326880" y="4764024"/>
+            <a:ext cx="1188720" cy="210312"/>
+          </a:xfrm>
+          <a:prstGeom prst="rect">
+            <a:avLst/>
+          </a:prstGeom>
+          <a:noFill/>
+        </p:spPr>
+        <p:txBody>
+          <a:bodyPr wrap="square">
+            <a:spAutoFit/>
+          </a:bodyPr>
+          <a:lstStyle/>
+          <a:p>
+            <a:pPr algn="l">
+              <a:defRPr sz="900" b="0">
+                <a:solidFill>
+                  <a:srgbClr val="3A5566"/>
+                </a:solidFill>
+              </a:defRPr>
+            </a:pPr>
+            <a:r>
+              <a:t>$3.8M</a:t>
+            </a:r>
+          </a:p>
+        </p:txBody>
+      </p:sp>
+      <p:sp>
+        <p:nvSpPr>
+          <p:cNvPr id="77" name="TextBox 76"/>
+          <p:cNvSpPr txBox="1"/>
+          <p:nvPr/>
+        </p:nvSpPr>
+        <p:spPr>
+          <a:xfrm>
+            <a:off x="10607040" y="4764024"/>
+            <a:ext cx="1188720" cy="210312"/>
+          </a:xfrm>
+          <a:prstGeom prst="rect">
+            <a:avLst/>
+          </a:prstGeom>
+          <a:noFill/>
+        </p:spPr>
+        <p:txBody>
+          <a:bodyPr wrap="square">
+            <a:spAutoFit/>
+          </a:bodyPr>
+          <a:lstStyle/>
+          <a:p>
+            <a:pPr algn="l">
+              <a:defRPr sz="900" b="0">
+                <a:solidFill>
+                  <a:srgbClr val="3A5566"/>
+                </a:solidFill>
+              </a:defRPr>
+            </a:pPr>
+            <a:r>
+              <a:t>$335</a:t>
+            </a:r>
+          </a:p>
+        </p:txBody>
+      </p:sp>
+      <p:sp>
+        <p:nvSpPr>
+          <p:cNvPr id="78" name="TextBox 77"/>
+          <p:cNvSpPr txBox="1"/>
+          <p:nvPr/>
+        </p:nvSpPr>
+        <p:spPr>
+          <a:xfrm>
+            <a:off x="6400800" y="5020056"/>
+            <a:ext cx="1188720" cy="210312"/>
+          </a:xfrm>
+          <a:prstGeom prst="rect">
+            <a:avLst/>
+          </a:prstGeom>
+          <a:noFill/>
+        </p:spPr>
+        <p:txBody>
+          <a:bodyPr wrap="square">
+            <a:spAutoFit/>
+          </a:bodyPr>
+          <a:lstStyle/>
+          <a:p>
+            <a:pPr algn="l">
+              <a:defRPr sz="900" b="1">
+                <a:solidFill>
+                  <a:srgbClr val="3A5566"/>
+                </a:solidFill>
+              </a:defRPr>
+            </a:pPr>
+            <a:r>
+              <a:t>2025</a:t>
+            </a:r>
+          </a:p>
+        </p:txBody>
+      </p:sp>
+      <p:sp>
+        <p:nvSpPr>
+          <p:cNvPr id="79" name="TextBox 78"/>
+          <p:cNvSpPr txBox="1"/>
+          <p:nvPr/>
+        </p:nvSpPr>
+        <p:spPr>
+          <a:xfrm>
+            <a:off x="7315200" y="5020056"/>
+            <a:ext cx="1188720" cy="210312"/>
+          </a:xfrm>
+          <a:prstGeom prst="rect">
+            <a:avLst/>
+          </a:prstGeom>
+          <a:noFill/>
+        </p:spPr>
+        <p:txBody>
+          <a:bodyPr wrap="square">
+            <a:spAutoFit/>
+          </a:bodyPr>
+          <a:lstStyle/>
+          <a:p>
+            <a:pPr algn="l">
+              <a:defRPr sz="900" b="1">
+                <a:solidFill>
+                  <a:srgbClr val="3A5566"/>
+                </a:solidFill>
+              </a:defRPr>
+            </a:pPr>
+            <a:r>
+              <a:t>87</a:t>
+            </a:r>
+          </a:p>
+        </p:txBody>
+      </p:sp>
+      <p:sp>
+        <p:nvSpPr>
+          <p:cNvPr id="80" name="TextBox 79"/>
+          <p:cNvSpPr txBox="1"/>
+          <p:nvPr/>
+        </p:nvSpPr>
+        <p:spPr>
+          <a:xfrm>
+            <a:off x="8046720" y="5020056"/>
+            <a:ext cx="1188720" cy="210312"/>
+          </a:xfrm>
+          <a:prstGeom prst="rect">
+            <a:avLst/>
+          </a:prstGeom>
+          <a:noFill/>
+        </p:spPr>
+        <p:txBody>
+          <a:bodyPr wrap="square">
+            <a:spAutoFit/>
+          </a:bodyPr>
+          <a:lstStyle/>
+          <a:p>
+            <a:pPr algn="l">
+              <a:defRPr sz="900" b="1">
+                <a:solidFill>
+                  <a:srgbClr val="3A5566"/>
+                </a:solidFill>
+              </a:defRPr>
+            </a:pPr>
+            <a:r>
+              <a:t>$1170M</a:t>
+            </a:r>
+          </a:p>
+        </p:txBody>
+      </p:sp>
+      <p:sp>
+        <p:nvSpPr>
+          <p:cNvPr id="81" name="TextBox 80"/>
+          <p:cNvSpPr txBox="1"/>
+          <p:nvPr/>
+        </p:nvSpPr>
+        <p:spPr>
+          <a:xfrm>
+            <a:off x="9326880" y="5020056"/>
+            <a:ext cx="1188720" cy="210312"/>
+          </a:xfrm>
+          <a:prstGeom prst="rect">
+            <a:avLst/>
+          </a:prstGeom>
+          <a:noFill/>
+        </p:spPr>
+        <p:txBody>
+          <a:bodyPr wrap="square">
+            <a:spAutoFit/>
+          </a:bodyPr>
+          <a:lstStyle/>
+          <a:p>
+            <a:pPr algn="l">
+              <a:defRPr sz="900" b="1">
+                <a:solidFill>
+                  <a:srgbClr val="3A5566"/>
+                </a:solidFill>
+              </a:defRPr>
+            </a:pPr>
+            <a:r>
+              <a:t>$13.5M</a:t>
+            </a:r>
+          </a:p>
+        </p:txBody>
+      </p:sp>
+      <p:sp>
+        <p:nvSpPr>
+          <p:cNvPr id="82" name="TextBox 81"/>
+          <p:cNvSpPr txBox="1"/>
+          <p:nvPr/>
+        </p:nvSpPr>
+        <p:spPr>
+          <a:xfrm>
+            <a:off x="10607040" y="5020056"/>
+            <a:ext cx="1188720" cy="210312"/>
+          </a:xfrm>
+          <a:prstGeom prst="rect">
+            <a:avLst/>
+          </a:prstGeom>
+          <a:noFill/>
+        </p:spPr>
+        <p:txBody>
+          <a:bodyPr wrap="square">
+            <a:spAutoFit/>
+          </a:bodyPr>
+          <a:lstStyle/>
+          <a:p>
+            <a:pPr algn="l">
+              <a:defRPr sz="900" b="1">
+                <a:solidFill>
+                  <a:srgbClr val="3A5566"/>
+                </a:solidFill>
+              </a:defRPr>
+            </a:pPr>
+            <a:r>
+              <a:t>$322</a:t>
+            </a:r>
+          </a:p>
+        </p:txBody>
+      </p:sp>
+      <p:sp>
+        <p:nvSpPr>
+          <p:cNvPr id="83" name="TextBox 82"/>
+          <p:cNvSpPr txBox="1"/>
+          <p:nvPr/>
+        </p:nvSpPr>
+        <p:spPr>
+          <a:xfrm>
+            <a:off x="6400800" y="5458968"/>
+            <a:ext cx="5486400" cy="274320"/>
+          </a:xfrm>
+          <a:prstGeom prst="rect">
+            <a:avLst/>
+          </a:prstGeom>
+          <a:noFill/>
+        </p:spPr>
+        <p:txBody>
+          <a:bodyPr wrap="square">
+            <a:spAutoFit/>
+          </a:bodyPr>
+          <a:lstStyle/>
+          <a:p>
+            <a:pPr algn="l">
+              <a:defRPr sz="1300" b="1">
+                <a:solidFill>
+                  <a:srgbClr val="3A5566"/>
+                </a:solidFill>
+              </a:defRPr>
+            </a:pPr>
+            <a:r>
+              <a:t>Key Takeaways</a:t>
+            </a:r>
+          </a:p>
+        </p:txBody>
+      </p:sp>
+      <p:sp>
+        <p:nvSpPr>
+          <p:cNvPr id="84" name="TextBox 83"/>
+          <p:cNvSpPr txBox="1"/>
+          <p:nvPr/>
+        </p:nvSpPr>
+        <p:spPr>
+          <a:xfrm>
+            <a:off x="6583680" y="5733288"/>
+            <a:ext cx="5303520" cy="219456"/>
+          </a:xfrm>
+          <a:prstGeom prst="rect">
+            <a:avLst/>
+          </a:prstGeom>
+          <a:noFill/>
+        </p:spPr>
+        <p:txBody>
+          <a:bodyPr wrap="square">
+            <a:spAutoFit/>
+          </a:bodyPr>
+          <a:lstStyle/>
+          <a:p>
+            <a:pPr algn="l">
+              <a:defRPr sz="900" b="0">
+                <a:solidFill>
+                  <a:srgbClr val="3A5566"/>
+                </a:solidFill>
+              </a:defRPr>
+            </a:pPr>
+            <a:r>
+              <a:t>Median $/SF grew 4x from $78/SF (2005) to $322/SF (2025)</a:t>
+            </a:r>
+          </a:p>
+        </p:txBody>
+      </p:sp>
+      <p:sp>
+        <p:nvSpPr>
+          <p:cNvPr id="85" name="TextBox 84"/>
+          <p:cNvSpPr txBox="1"/>
+          <p:nvPr/>
+        </p:nvSpPr>
+        <p:spPr>
+          <a:xfrm>
+            <a:off x="6583680" y="5980176"/>
+            <a:ext cx="5303520" cy="219456"/>
+          </a:xfrm>
+          <a:prstGeom prst="rect">
+            <a:avLst/>
+          </a:prstGeom>
+          <a:noFill/>
+        </p:spPr>
+        <p:txBody>
+          <a:bodyPr wrap="square">
+            <a:spAutoFit/>
+          </a:bodyPr>
+          <a:lstStyle/>
+          <a:p>
+            <a:pPr algn="l">
+              <a:defRPr sz="900" b="0">
+                <a:solidFill>
+                  <a:srgbClr val="3A5566"/>
+                </a:solidFill>
+              </a:defRPr>
+            </a:pPr>
+            <a:r>
+              <a:t>Peak transaction volume: $1.56B in 2022</a:t>
+            </a:r>
+          </a:p>
+        </p:txBody>
+      </p:sp>
+      <p:sp>
+        <p:nvSpPr>
+          <p:cNvPr id="86" name="TextBox 85"/>
+          <p:cNvSpPr txBox="1"/>
+          <p:nvPr/>
+        </p:nvSpPr>
+        <p:spPr>
+          <a:xfrm>
+            <a:off x="6583680" y="6227064"/>
+            <a:ext cx="5303520" cy="219456"/>
+          </a:xfrm>
+          <a:prstGeom prst="rect">
+            <a:avLst/>
+          </a:prstGeom>
+          <a:noFill/>
+        </p:spPr>
+        <p:txBody>
+          <a:bodyPr wrap="square">
+            <a:spAutoFit/>
+          </a:bodyPr>
+          <a:lstStyle/>
+          <a:p>
+            <a:pPr algn="l">
+              <a:defRPr sz="900" b="0">
+                <a:solidFill>
+                  <a:srgbClr val="3A5566"/>
+                </a:solidFill>
+              </a:defRPr>
+            </a:pPr>
+            <a:r>
+              <a:t>2019 was the high-water mark for avg price ($7.95M)</a:t>
+            </a:r>
+          </a:p>
+        </p:txBody>
+      </p:sp>
+      <p:sp>
+        <p:nvSpPr>
+          <p:cNvPr id="87" name="TextBox 86"/>
+          <p:cNvSpPr txBox="1"/>
+          <p:nvPr/>
+        </p:nvSpPr>
+        <p:spPr>
+          <a:xfrm>
+            <a:off x="6583680" y="6473952"/>
+            <a:ext cx="5303520" cy="219456"/>
+          </a:xfrm>
+          <a:prstGeom prst="rect">
+            <a:avLst/>
+          </a:prstGeom>
+          <a:noFill/>
+        </p:spPr>
+        <p:txBody>
+          <a:bodyPr wrap="square">
+            <a:spAutoFit/>
+          </a:bodyPr>
+          <a:lstStyle/>
+          <a:p>
+            <a:pPr algn="l">
+              <a:defRPr sz="900" b="0">
+                <a:solidFill>
+                  <a:srgbClr val="3A5566"/>
+                </a:solidFill>
+              </a:defRPr>
+            </a:pPr>
+            <a:r>
+              <a:t>Post-COVID recovery strong: 2021-2022 saw record values</a:t>
+            </a:r>
+          </a:p>
+        </p:txBody>
+      </p:sp>
+      <p:sp>
+        <p:nvSpPr>
+          <p:cNvPr id="88" name="TextBox 87"/>
+          <p:cNvSpPr txBox="1"/>
+          <p:nvPr/>
+        </p:nvSpPr>
+        <p:spPr>
+          <a:xfrm>
+            <a:off x="6583680" y="6720840"/>
+            <a:ext cx="5303520" cy="219456"/>
+          </a:xfrm>
+          <a:prstGeom prst="rect">
+            <a:avLst/>
+          </a:prstGeom>
+          <a:noFill/>
+        </p:spPr>
+        <p:txBody>
+          <a:bodyPr wrap="square">
+            <a:spAutoFit/>
+          </a:bodyPr>
+          <a:lstStyle/>
+          <a:p>
+            <a:pPr algn="l">
+              <a:defRPr sz="900" b="0">
+                <a:solidFill>
+                  <a:srgbClr val="3A5566"/>
+                </a:solidFill>
+              </a:defRPr>
+            </a:pPr>
+            <a:r>
+              <a:t>Transaction count declined from 200/yr to ~90/yr (flight to quality)</a:t>
+            </a:r>
+          </a:p>
+        </p:txBody>
+      </p:sp>
+      <p:sp>
+        <p:nvSpPr>
+          <p:cNvPr id="89" name="TextBox 88"/>
+          <p:cNvSpPr txBox="1"/>
+          <p:nvPr/>
+        </p:nvSpPr>
+        <p:spPr>
+          <a:xfrm>
+            <a:off x="6583680" y="6967728"/>
+            <a:ext cx="5303520" cy="219456"/>
+          </a:xfrm>
+          <a:prstGeom prst="rect">
+            <a:avLst/>
+          </a:prstGeom>
+          <a:noFill/>
+        </p:spPr>
+        <p:txBody>
+          <a:bodyPr wrap="square">
+            <a:spAutoFit/>
+          </a:bodyPr>
+          <a:lstStyle/>
+          <a:p>
+            <a:pPr algn="l">
+              <a:defRPr sz="900" b="0">
+                <a:solidFill>
+                  <a:srgbClr val="3A5566"/>
+                </a:solidFill>
+              </a:defRPr>
+            </a:pPr>
+            <a:r>
+              <a:t>648 Grassmere at $115.69/SF sold below 2015 median of $136/SF</a:t>
             </a:r>
           </a:p>
         </p:txBody>

--- a/Grassmere_Top_Comps.pptx
+++ b/Grassmere_Top_Comps.pptx
@@ -21,6 +21,10 @@
     <p:sldId id="269" r:id="rId19"/>
     <p:sldId id="270" r:id="rId20"/>
     <p:sldId id="271" r:id="rId21"/>
+    <p:sldId id="272" r:id="rId22"/>
+    <p:sldId id="273" r:id="rId23"/>
+    <p:sldId id="274" r:id="rId24"/>
+    <p:sldId id="275" r:id="rId25"/>
   </p:sldIdLst>
   <p:sldSz cx="12192000" cy="6858000"/>
   <p:notesSz cx="6858000" cy="9144000"/>
@@ -1541,6 +1545,406 @@
     <c:plotVisOnly val="1"/>
     <c:dispBlanksAs val="gap"/>
     <c:showDLblsOverMax val="0"/>
+  </c:chart>
+  <c:txPr>
+    <a:bodyPr/>
+    <a:lstStyle/>
+    <a:p>
+      <a:pPr>
+        <a:defRPr sz="1800"/>
+      </a:pPr>
+      <a:endParaRPr lang="en-US"/>
+    </a:p>
+  </c:txPr>
+  <c:externalData r:id="rId1">
+    <c:autoUpdate val="0"/>
+  </c:externalData>
+</c:chartSpace>
+</file>
+
+<file path=ppt/charts/chart7.xml><?xml version="1.0" encoding="utf-8"?>
+<c:chartSpace xmlns:c="http://schemas.openxmlformats.org/drawingml/2006/chart" xmlns:a="http://schemas.openxmlformats.org/drawingml/2006/main" xmlns:r="http://schemas.openxmlformats.org/officeDocument/2006/relationships">
+  <c:date1904 val="0"/>
+  <c:chart>
+    <c:title>
+      <c:tx>
+        <c:rich>
+          <a:bodyPr/>
+          <a:lstStyle/>
+          <a:p>
+            <a:pPr>
+              <a:defRPr sz="1200" b="1">
+                <a:solidFill>
+                  <a:srgbClr val="3A5566"/>
+                </a:solidFill>
+              </a:defRPr>
+            </a:pPr>
+            <a:r>
+              <a:t>Special Exception Outcomes by Code Section</a:t>
+            </a:r>
+          </a:p>
+        </c:rich>
+      </c:tx>
+      <c:layout/>
+      <c:overlay val="0"/>
+    </c:title>
+    <c:autoTitleDeleted val="0"/>
+    <c:plotArea>
+      <c:barChart>
+        <c:barDir val="col"/>
+        <c:grouping val="clustered"/>
+        <c:ser>
+          <c:idx val="0"/>
+          <c:order val="0"/>
+          <c:tx>
+            <c:strRef>
+              <c:f>Sheet1!$B$1</c:f>
+              <c:strCache>
+                <c:ptCount val="1"/>
+                <c:pt idx="0">
+                  <c:v>Denied</c:v>
+                </c:pt>
+              </c:strCache>
+            </c:strRef>
+          </c:tx>
+          <c:spPr>
+            <a:solidFill>
+              <a:srgbClr val="C62828"/>
+            </a:solidFill>
+          </c:spPr>
+          <c:cat>
+            <c:strRef>
+              <c:f>Sheet1!$A$2:$A$7</c:f>
+              <c:strCache>
+                <c:ptCount val="6"/>
+                <c:pt idx="0">
+                  <c:v>17.16.170
+(Religious)</c:v>
+                </c:pt>
+                <c:pt idx="1">
+                  <c:v>17.12.035
+(Setback/Sky)</c:v>
+                </c:pt>
+                <c:pt idx="2">
+                  <c:v>17.12.060
+(Height)</c:v>
+                </c:pt>
+                <c:pt idx="3">
+                  <c:v>17.16.210
+(Industrial)</c:v>
+                </c:pt>
+                <c:pt idx="4">
+                  <c:v>17.16.190
+(Transport)</c:v>
+                </c:pt>
+                <c:pt idx="5">
+                  <c:v>17.16.220
+(Recreation)</c:v>
+                </c:pt>
+              </c:strCache>
+            </c:strRef>
+          </c:cat>
+          <c:val>
+            <c:numRef>
+              <c:f>Sheet1!$B$2:$B$7</c:f>
+              <c:numCache>
+                <c:formatCode>General</c:formatCode>
+                <c:ptCount val="6"/>
+                <c:pt idx="0">
+                  <c:v>36</c:v>
+                </c:pt>
+                <c:pt idx="1">
+                  <c:v>16</c:v>
+                </c:pt>
+                <c:pt idx="2">
+                  <c:v>6</c:v>
+                </c:pt>
+                <c:pt idx="3">
+                  <c:v>1</c:v>
+                </c:pt>
+                <c:pt idx="4">
+                  <c:v>1</c:v>
+                </c:pt>
+                <c:pt idx="5">
+                  <c:v>4</c:v>
+                </c:pt>
+              </c:numCache>
+            </c:numRef>
+          </c:val>
+        </c:ser>
+        <c:ser>
+          <c:idx val="1"/>
+          <c:order val="1"/>
+          <c:tx>
+            <c:strRef>
+              <c:f>Sheet1!$C$1</c:f>
+              <c:strCache>
+                <c:ptCount val="1"/>
+                <c:pt idx="0">
+                  <c:v>Granted</c:v>
+                </c:pt>
+              </c:strCache>
+            </c:strRef>
+          </c:tx>
+          <c:spPr>
+            <a:solidFill>
+              <a:srgbClr val="2E7D32"/>
+            </a:solidFill>
+          </c:spPr>
+          <c:cat>
+            <c:strRef>
+              <c:f>Sheet1!$A$2:$A$7</c:f>
+              <c:strCache>
+                <c:ptCount val="6"/>
+                <c:pt idx="0">
+                  <c:v>17.16.170
+(Religious)</c:v>
+                </c:pt>
+                <c:pt idx="1">
+                  <c:v>17.12.035
+(Setback/Sky)</c:v>
+                </c:pt>
+                <c:pt idx="2">
+                  <c:v>17.12.060
+(Height)</c:v>
+                </c:pt>
+                <c:pt idx="3">
+                  <c:v>17.16.210
+(Industrial)</c:v>
+                </c:pt>
+                <c:pt idx="4">
+                  <c:v>17.16.190
+(Transport)</c:v>
+                </c:pt>
+                <c:pt idx="5">
+                  <c:v>17.16.220
+(Recreation)</c:v>
+                </c:pt>
+              </c:strCache>
+            </c:strRef>
+          </c:cat>
+          <c:val>
+            <c:numRef>
+              <c:f>Sheet1!$C$2:$C$7</c:f>
+              <c:numCache>
+                <c:formatCode>General</c:formatCode>
+                <c:ptCount val="6"/>
+                <c:pt idx="0">
+                  <c:v>36</c:v>
+                </c:pt>
+                <c:pt idx="1">
+                  <c:v>12</c:v>
+                </c:pt>
+                <c:pt idx="2">
+                  <c:v>2</c:v>
+                </c:pt>
+                <c:pt idx="3">
+                  <c:v>0</c:v>
+                </c:pt>
+                <c:pt idx="4">
+                  <c:v>1</c:v>
+                </c:pt>
+                <c:pt idx="5">
+                  <c:v>2</c:v>
+                </c:pt>
+              </c:numCache>
+            </c:numRef>
+          </c:val>
+        </c:ser>
+        <c:axId val="-2068027336"/>
+        <c:axId val="-2113994440"/>
+      </c:barChart>
+      <c:catAx>
+        <c:axId val="-2068027336"/>
+        <c:scaling>
+          <c:orientation val="minMax"/>
+        </c:scaling>
+        <c:delete val="0"/>
+        <c:axPos val="b"/>
+        <c:majorTickMark val="out"/>
+        <c:minorTickMark val="none"/>
+        <c:tickLblPos val="nextTo"/>
+        <c:crossAx val="-2113994440"/>
+        <c:crosses val="autoZero"/>
+        <c:auto val="1"/>
+        <c:lblAlgn val="ctr"/>
+        <c:lblOffset val="100"/>
+        <c:noMultiLvlLbl val="0"/>
+      </c:catAx>
+      <c:valAx>
+        <c:axId val="-2113994440"/>
+        <c:scaling/>
+        <c:delete val="0"/>
+        <c:axPos val="l"/>
+        <c:majorGridlines/>
+        <c:majorTickMark val="out"/>
+        <c:minorTickMark val="none"/>
+        <c:tickLblPos val="nextTo"/>
+        <c:crossAx val="-2068027336"/>
+        <c:crosses val="autoZero"/>
+      </c:valAx>
+    </c:plotArea>
+    <c:legend/>
+    <c:dispBlanksAs val="gap"/>
+  </c:chart>
+  <c:txPr>
+    <a:bodyPr/>
+    <a:lstStyle/>
+    <a:p>
+      <a:pPr>
+        <a:defRPr sz="1800"/>
+      </a:pPr>
+      <a:endParaRPr lang="en-US"/>
+    </a:p>
+  </c:txPr>
+  <c:externalData r:id="rId1">
+    <c:autoUpdate val="0"/>
+  </c:externalData>
+</c:chartSpace>
+</file>
+
+<file path=ppt/charts/chart8.xml><?xml version="1.0" encoding="utf-8"?>
+<c:chartSpace xmlns:c="http://schemas.openxmlformats.org/drawingml/2006/chart" xmlns:a="http://schemas.openxmlformats.org/drawingml/2006/main" xmlns:r="http://schemas.openxmlformats.org/officeDocument/2006/relationships">
+  <c:date1904 val="0"/>
+  <c:chart>
+    <c:autoTitleDeleted val="1"/>
+    <c:plotArea>
+      <c:barChart>
+        <c:barDir val="bar"/>
+        <c:grouping val="clustered"/>
+        <c:ser>
+          <c:idx val="0"/>
+          <c:order val="0"/>
+          <c:tx>
+            <c:strRef>
+              <c:f>Sheet1!$B$1</c:f>
+              <c:strCache>
+                <c:ptCount val="1"/>
+                <c:pt idx="0">
+                  <c:v>Properties</c:v>
+                </c:pt>
+              </c:strCache>
+            </c:strRef>
+          </c:tx>
+          <c:spPr>
+            <a:solidFill>
+              <a:srgbClr val="3A5566"/>
+            </a:solidFill>
+          </c:spPr>
+          <c:cat>
+            <c:strRef>
+              <c:f>Sheet1!$A$2:$A$10</c:f>
+              <c:strCache>
+                <c:ptCount val="9"/>
+                <c:pt idx="0">
+                  <c:v>Strip Shopping
+Center</c:v>
+                </c:pt>
+                <c:pt idx="1">
+                  <c:v>Business
+Center</c:v>
+                </c:pt>
+                <c:pt idx="2">
+                  <c:v>Vacant
+Commercial</c:v>
+                </c:pt>
+                <c:pt idx="3">
+                  <c:v>Warehouse</c:v>
+                </c:pt>
+                <c:pt idx="4">
+                  <c:v>Condo
+(Commercial)</c:v>
+                </c:pt>
+                <c:pt idx="5">
+                  <c:v>Retail
+Store</c:v>
+                </c:pt>
+                <c:pt idx="6">
+                  <c:v>Apartment
+(High Rise)</c:v>
+                </c:pt>
+                <c:pt idx="7">
+                  <c:v>Single
+Family</c:v>
+                </c:pt>
+                <c:pt idx="8">
+                  <c:v>Hotel/
+Motel</c:v>
+                </c:pt>
+              </c:strCache>
+            </c:strRef>
+          </c:cat>
+          <c:val>
+            <c:numRef>
+              <c:f>Sheet1!$B$2:$B$10</c:f>
+              <c:numCache>
+                <c:formatCode>General</c:formatCode>
+                <c:ptCount val="9"/>
+                <c:pt idx="0">
+                  <c:v>411</c:v>
+                </c:pt>
+                <c:pt idx="1">
+                  <c:v>304</c:v>
+                </c:pt>
+                <c:pt idx="2">
+                  <c:v>239</c:v>
+                </c:pt>
+                <c:pt idx="3">
+                  <c:v>239</c:v>
+                </c:pt>
+                <c:pt idx="4">
+                  <c:v>150</c:v>
+                </c:pt>
+                <c:pt idx="5">
+                  <c:v>147</c:v>
+                </c:pt>
+                <c:pt idx="6">
+                  <c:v>83</c:v>
+                </c:pt>
+                <c:pt idx="7">
+                  <c:v>71</c:v>
+                </c:pt>
+                <c:pt idx="8">
+                  <c:v>93</c:v>
+                </c:pt>
+              </c:numCache>
+            </c:numRef>
+          </c:val>
+        </c:ser>
+        <c:axId val="-2068027336"/>
+        <c:axId val="-2113994440"/>
+      </c:barChart>
+      <c:catAx>
+        <c:axId val="-2068027336"/>
+        <c:scaling>
+          <c:orientation val="minMax"/>
+        </c:scaling>
+        <c:delete val="0"/>
+        <c:axPos val="l"/>
+        <c:majorTickMark val="out"/>
+        <c:minorTickMark val="none"/>
+        <c:tickLblPos val="nextTo"/>
+        <c:crossAx val="-2113994440"/>
+        <c:crosses val="autoZero"/>
+        <c:auto val="1"/>
+        <c:lblAlgn val="ctr"/>
+        <c:lblOffset val="100"/>
+        <c:noMultiLvlLbl val="0"/>
+      </c:catAx>
+      <c:valAx>
+        <c:axId val="-2113994440"/>
+        <c:scaling/>
+        <c:delete val="0"/>
+        <c:axPos val="b"/>
+        <c:majorGridlines/>
+        <c:majorTickMark val="out"/>
+        <c:minorTickMark val="none"/>
+        <c:tickLblPos val="nextTo"/>
+        <c:crossAx val="-2068027336"/>
+        <c:crosses val="autoZero"/>
+      </c:valAx>
+    </c:plotArea>
+    <c:dispBlanksAs val="gap"/>
   </c:chart>
   <c:txPr>
     <a:bodyPr/>
@@ -15172,6 +15576,5035 @@
 </p:sld>
 </file>
 
+<file path=ppt/slides/slide17.xml><?xml version="1.0" encoding="utf-8"?>
+<p:sld xmlns:a="http://schemas.openxmlformats.org/drawingml/2006/main" xmlns:p="http://schemas.openxmlformats.org/presentationml/2006/main" xmlns:r="http://schemas.openxmlformats.org/officeDocument/2006/relationships">
+  <p:cSld>
+    <p:bg>
+      <p:bgPr>
+        <a:solidFill>
+          <a:srgbClr val="FFFFFF"/>
+        </a:solidFill>
+        <a:effectLst/>
+      </p:bgPr>
+    </p:bg>
+    <p:spTree>
+      <p:nvGrpSpPr>
+        <p:cNvPr id="1" name=""/>
+        <p:cNvGrpSpPr/>
+        <p:nvPr/>
+      </p:nvGrpSpPr>
+      <p:grpSpPr/>
+      <p:sp>
+        <p:nvSpPr>
+          <p:cNvPr id="2" name="Rectangle 1"/>
+          <p:cNvSpPr/>
+          <p:nvPr/>
+        </p:nvSpPr>
+        <p:spPr>
+          <a:xfrm>
+            <a:off x="0" y="0"/>
+            <a:ext cx="12191695" cy="777240"/>
+          </a:xfrm>
+          <a:prstGeom prst="rect">
+            <a:avLst/>
+          </a:prstGeom>
+          <a:solidFill>
+            <a:srgbClr val="3A5566"/>
+          </a:solidFill>
+          <a:ln>
+            <a:noFill/>
+          </a:ln>
+        </p:spPr>
+        <p:style>
+          <a:lnRef idx="1">
+            <a:schemeClr val="accent1"/>
+          </a:lnRef>
+          <a:fillRef idx="3">
+            <a:schemeClr val="accent1"/>
+          </a:fillRef>
+          <a:effectRef idx="2">
+            <a:schemeClr val="accent1"/>
+          </a:effectRef>
+          <a:fontRef idx="minor">
+            <a:schemeClr val="lt1"/>
+          </a:fontRef>
+        </p:style>
+        <p:txBody>
+          <a:bodyPr rtlCol="0" anchor="ctr"/>
+          <a:lstStyle/>
+          <a:p>
+            <a:pPr algn="ctr"/>
+          </a:p>
+        </p:txBody>
+      </p:sp>
+      <p:sp>
+        <p:nvSpPr>
+          <p:cNvPr id="3" name="TextBox 2"/>
+          <p:cNvSpPr txBox="1"/>
+          <p:nvPr/>
+        </p:nvSpPr>
+        <p:spPr>
+          <a:xfrm>
+            <a:off x="457200" y="109728"/>
+            <a:ext cx="10972800" cy="411480"/>
+          </a:xfrm>
+          <a:prstGeom prst="rect">
+            <a:avLst/>
+          </a:prstGeom>
+          <a:noFill/>
+        </p:spPr>
+        <p:txBody>
+          <a:bodyPr wrap="square">
+            <a:spAutoFit/>
+          </a:bodyPr>
+          <a:lstStyle/>
+          <a:p>
+            <a:pPr algn="l">
+              <a:defRPr sz="2600" b="1">
+                <a:solidFill>
+                  <a:srgbClr val="FFFFFF"/>
+                </a:solidFill>
+              </a:defRPr>
+            </a:pPr>
+            <a:r>
+              <a:t>648 Grassmere Park — Ownership History</a:t>
+            </a:r>
+          </a:p>
+        </p:txBody>
+      </p:sp>
+      <p:sp>
+        <p:nvSpPr>
+          <p:cNvPr id="4" name="TextBox 3"/>
+          <p:cNvSpPr txBox="1"/>
+          <p:nvPr/>
+        </p:nvSpPr>
+        <p:spPr>
+          <a:xfrm>
+            <a:off x="457200" y="438912"/>
+            <a:ext cx="10972800" cy="274320"/>
+          </a:xfrm>
+          <a:prstGeom prst="rect">
+            <a:avLst/>
+          </a:prstGeom>
+          <a:noFill/>
+        </p:spPr>
+        <p:txBody>
+          <a:bodyPr wrap="square">
+            <a:spAutoFit/>
+          </a:bodyPr>
+          <a:lstStyle/>
+          <a:p>
+            <a:pPr algn="l">
+              <a:defRPr sz="1200" b="0">
+                <a:solidFill>
+                  <a:srgbClr val="CBB279"/>
+                </a:solidFill>
+              </a:defRPr>
+            </a:pPr>
+            <a:r>
+              <a:t>APN: 13300013500  |  Chain of Title from Original Development (1985) to Present</a:t>
+            </a:r>
+          </a:p>
+        </p:txBody>
+      </p:sp>
+      <p:sp>
+        <p:nvSpPr>
+          <p:cNvPr id="5" name="TextBox 4"/>
+          <p:cNvSpPr txBox="1"/>
+          <p:nvPr/>
+        </p:nvSpPr>
+        <p:spPr>
+          <a:xfrm>
+            <a:off x="274320" y="1005840"/>
+            <a:ext cx="1828800" cy="274320"/>
+          </a:xfrm>
+          <a:prstGeom prst="rect">
+            <a:avLst/>
+          </a:prstGeom>
+          <a:noFill/>
+        </p:spPr>
+        <p:txBody>
+          <a:bodyPr wrap="square">
+            <a:spAutoFit/>
+          </a:bodyPr>
+          <a:lstStyle/>
+          <a:p>
+            <a:pPr algn="l">
+              <a:defRPr sz="1000" b="1">
+                <a:solidFill>
+                  <a:srgbClr val="706F6C"/>
+                </a:solidFill>
+              </a:defRPr>
+            </a:pPr>
+            <a:r>
+              <a:t>Year</a:t>
+            </a:r>
+          </a:p>
+        </p:txBody>
+      </p:sp>
+      <p:sp>
+        <p:nvSpPr>
+          <p:cNvPr id="6" name="TextBox 5"/>
+          <p:cNvSpPr txBox="1"/>
+          <p:nvPr/>
+        </p:nvSpPr>
+        <p:spPr>
+          <a:xfrm>
+            <a:off x="1463040" y="1005840"/>
+            <a:ext cx="3200400" cy="274320"/>
+          </a:xfrm>
+          <a:prstGeom prst="rect">
+            <a:avLst/>
+          </a:prstGeom>
+          <a:noFill/>
+        </p:spPr>
+        <p:txBody>
+          <a:bodyPr wrap="square">
+            <a:spAutoFit/>
+          </a:bodyPr>
+          <a:lstStyle/>
+          <a:p>
+            <a:pPr algn="l">
+              <a:defRPr sz="1000" b="1">
+                <a:solidFill>
+                  <a:srgbClr val="706F6C"/>
+                </a:solidFill>
+              </a:defRPr>
+            </a:pPr>
+            <a:r>
+              <a:t>Owner</a:t>
+            </a:r>
+          </a:p>
+        </p:txBody>
+      </p:sp>
+      <p:sp>
+        <p:nvSpPr>
+          <p:cNvPr id="7" name="TextBox 6"/>
+          <p:cNvSpPr txBox="1"/>
+          <p:nvPr/>
+        </p:nvSpPr>
+        <p:spPr>
+          <a:xfrm>
+            <a:off x="4389120" y="1005840"/>
+            <a:ext cx="1645920" cy="274320"/>
+          </a:xfrm>
+          <a:prstGeom prst="rect">
+            <a:avLst/>
+          </a:prstGeom>
+          <a:noFill/>
+        </p:spPr>
+        <p:txBody>
+          <a:bodyPr wrap="square">
+            <a:spAutoFit/>
+          </a:bodyPr>
+          <a:lstStyle/>
+          <a:p>
+            <a:pPr algn="l">
+              <a:defRPr sz="1000" b="1">
+                <a:solidFill>
+                  <a:srgbClr val="706F6C"/>
+                </a:solidFill>
+              </a:defRPr>
+            </a:pPr>
+            <a:r>
+              <a:t>Price / Action</a:t>
+            </a:r>
+          </a:p>
+        </p:txBody>
+      </p:sp>
+      <p:sp>
+        <p:nvSpPr>
+          <p:cNvPr id="8" name="TextBox 7"/>
+          <p:cNvSpPr txBox="1"/>
+          <p:nvPr/>
+        </p:nvSpPr>
+        <p:spPr>
+          <a:xfrm>
+            <a:off x="5943600" y="1005840"/>
+            <a:ext cx="1097280" cy="274320"/>
+          </a:xfrm>
+          <a:prstGeom prst="rect">
+            <a:avLst/>
+          </a:prstGeom>
+          <a:noFill/>
+        </p:spPr>
+        <p:txBody>
+          <a:bodyPr wrap="square">
+            <a:spAutoFit/>
+          </a:bodyPr>
+          <a:lstStyle/>
+          <a:p>
+            <a:pPr algn="l">
+              <a:defRPr sz="1000" b="1">
+                <a:solidFill>
+                  <a:srgbClr val="706F6C"/>
+                </a:solidFill>
+              </a:defRPr>
+            </a:pPr>
+            <a:r>
+              <a:t>Instrument</a:t>
+            </a:r>
+          </a:p>
+        </p:txBody>
+      </p:sp>
+      <p:sp>
+        <p:nvSpPr>
+          <p:cNvPr id="9" name="TextBox 8"/>
+          <p:cNvSpPr txBox="1"/>
+          <p:nvPr/>
+        </p:nvSpPr>
+        <p:spPr>
+          <a:xfrm>
+            <a:off x="7040880" y="1005840"/>
+            <a:ext cx="4846320" cy="274320"/>
+          </a:xfrm>
+          <a:prstGeom prst="rect">
+            <a:avLst/>
+          </a:prstGeom>
+          <a:noFill/>
+        </p:spPr>
+        <p:txBody>
+          <a:bodyPr wrap="square">
+            <a:spAutoFit/>
+          </a:bodyPr>
+          <a:lstStyle/>
+          <a:p>
+            <a:pPr algn="l">
+              <a:defRPr sz="1000" b="1">
+                <a:solidFill>
+                  <a:srgbClr val="706F6C"/>
+                </a:solidFill>
+              </a:defRPr>
+            </a:pPr>
+            <a:r>
+              <a:t>Notes</a:t>
+            </a:r>
+          </a:p>
+        </p:txBody>
+      </p:sp>
+      <p:sp>
+        <p:nvSpPr>
+          <p:cNvPr id="10" name="Rectangle 9"/>
+          <p:cNvSpPr/>
+          <p:nvPr/>
+        </p:nvSpPr>
+        <p:spPr>
+          <a:xfrm>
+            <a:off x="274320" y="1280160"/>
+            <a:ext cx="11612880" cy="18288"/>
+          </a:xfrm>
+          <a:prstGeom prst="rect">
+            <a:avLst/>
+          </a:prstGeom>
+          <a:solidFill>
+            <a:srgbClr val="E2E2E0"/>
+          </a:solidFill>
+          <a:ln>
+            <a:noFill/>
+          </a:ln>
+        </p:spPr>
+        <p:style>
+          <a:lnRef idx="1">
+            <a:schemeClr val="accent1"/>
+          </a:lnRef>
+          <a:fillRef idx="3">
+            <a:schemeClr val="accent1"/>
+          </a:fillRef>
+          <a:effectRef idx="2">
+            <a:schemeClr val="accent1"/>
+          </a:effectRef>
+          <a:fontRef idx="minor">
+            <a:schemeClr val="lt1"/>
+          </a:fontRef>
+        </p:style>
+        <p:txBody>
+          <a:bodyPr rtlCol="0" anchor="ctr"/>
+          <a:lstStyle/>
+          <a:p>
+            <a:pPr algn="ctr"/>
+          </a:p>
+        </p:txBody>
+      </p:sp>
+      <p:sp>
+        <p:nvSpPr>
+          <p:cNvPr id="11" name="TextBox 10"/>
+          <p:cNvSpPr txBox="1"/>
+          <p:nvPr/>
+        </p:nvSpPr>
+        <p:spPr>
+          <a:xfrm>
+            <a:off x="274320" y="1371600"/>
+            <a:ext cx="1097280" cy="502920"/>
+          </a:xfrm>
+          <a:prstGeom prst="rect">
+            <a:avLst/>
+          </a:prstGeom>
+          <a:noFill/>
+        </p:spPr>
+        <p:txBody>
+          <a:bodyPr wrap="square">
+            <a:spAutoFit/>
+          </a:bodyPr>
+          <a:lstStyle/>
+          <a:p>
+            <a:pPr algn="l">
+              <a:defRPr sz="1100" b="1">
+                <a:solidFill>
+                  <a:srgbClr val="3A5566"/>
+                </a:solidFill>
+              </a:defRPr>
+            </a:pPr>
+            <a:r>
+              <a:t>1985</a:t>
+            </a:r>
+          </a:p>
+        </p:txBody>
+      </p:sp>
+      <p:sp>
+        <p:nvSpPr>
+          <p:cNvPr id="12" name="TextBox 11"/>
+          <p:cNvSpPr txBox="1"/>
+          <p:nvPr/>
+        </p:nvSpPr>
+        <p:spPr>
+          <a:xfrm>
+            <a:off x="1463040" y="1371600"/>
+            <a:ext cx="2743200" cy="502920"/>
+          </a:xfrm>
+          <a:prstGeom prst="rect">
+            <a:avLst/>
+          </a:prstGeom>
+          <a:noFill/>
+        </p:spPr>
+        <p:txBody>
+          <a:bodyPr wrap="square">
+            <a:spAutoFit/>
+          </a:bodyPr>
+          <a:lstStyle/>
+          <a:p>
+            <a:pPr algn="l">
+              <a:defRPr sz="1000" b="1">
+                <a:solidFill>
+                  <a:srgbClr val="3A5566"/>
+                </a:solidFill>
+              </a:defRPr>
+            </a:pPr>
+            <a:r>
+              <a:t>AT&amp;T Resource Management Corp.</a:t>
+            </a:r>
+          </a:p>
+        </p:txBody>
+      </p:sp>
+      <p:sp>
+        <p:nvSpPr>
+          <p:cNvPr id="13" name="TextBox 12"/>
+          <p:cNvSpPr txBox="1"/>
+          <p:nvPr/>
+        </p:nvSpPr>
+        <p:spPr>
+          <a:xfrm>
+            <a:off x="4389120" y="1371600"/>
+            <a:ext cx="1463040" cy="502920"/>
+          </a:xfrm>
+          <a:prstGeom prst="rect">
+            <a:avLst/>
+          </a:prstGeom>
+          <a:noFill/>
+        </p:spPr>
+        <p:txBody>
+          <a:bodyPr wrap="square">
+            <a:spAutoFit/>
+          </a:bodyPr>
+          <a:lstStyle/>
+          <a:p>
+            <a:pPr algn="l">
+              <a:defRPr sz="1000" b="0">
+                <a:solidFill>
+                  <a:srgbClr val="706F6C"/>
+                </a:solidFill>
+              </a:defRPr>
+            </a:pPr>
+            <a:r>
+              <a:t>Original Development</a:t>
+            </a:r>
+          </a:p>
+        </p:txBody>
+      </p:sp>
+      <p:sp>
+        <p:nvSpPr>
+          <p:cNvPr id="14" name="TextBox 13"/>
+          <p:cNvSpPr txBox="1"/>
+          <p:nvPr/>
+        </p:nvSpPr>
+        <p:spPr>
+          <a:xfrm>
+            <a:off x="5943600" y="1371600"/>
+            <a:ext cx="1097280" cy="502920"/>
+          </a:xfrm>
+          <a:prstGeom prst="rect">
+            <a:avLst/>
+          </a:prstGeom>
+          <a:noFill/>
+        </p:spPr>
+        <p:txBody>
+          <a:bodyPr wrap="square">
+            <a:spAutoFit/>
+          </a:bodyPr>
+          <a:lstStyle/>
+          <a:p>
+            <a:pPr algn="l">
+              <a:defRPr sz="900" b="0">
+                <a:solidFill>
+                  <a:srgbClr val="706F6C"/>
+                </a:solidFill>
+              </a:defRPr>
+            </a:pPr>
+            <a:r>
+              <a:t>Deed</a:t>
+            </a:r>
+          </a:p>
+        </p:txBody>
+      </p:sp>
+      <p:sp>
+        <p:nvSpPr>
+          <p:cNvPr id="15" name="TextBox 14"/>
+          <p:cNvSpPr txBox="1"/>
+          <p:nvPr/>
+        </p:nvSpPr>
+        <p:spPr>
+          <a:xfrm>
+            <a:off x="7040880" y="1371600"/>
+            <a:ext cx="4846320" cy="502920"/>
+          </a:xfrm>
+          <a:prstGeom prst="rect">
+            <a:avLst/>
+          </a:prstGeom>
+          <a:noFill/>
+        </p:spPr>
+        <p:txBody>
+          <a:bodyPr wrap="square">
+            <a:spAutoFit/>
+          </a:bodyPr>
+          <a:lstStyle/>
+          <a:p>
+            <a:pPr algn="l">
+              <a:defRPr sz="900" b="0">
+                <a:solidFill>
+                  <a:srgbClr val="3A5566"/>
+                </a:solidFill>
+              </a:defRPr>
+            </a:pPr>
+            <a:r>
+              <a:t>Built the 3-story office complex on 23.49 acres as part of Grassmere Park corporate campus</a:t>
+            </a:r>
+          </a:p>
+        </p:txBody>
+      </p:sp>
+      <p:sp>
+        <p:nvSpPr>
+          <p:cNvPr id="16" name="Rectangle 15"/>
+          <p:cNvSpPr/>
+          <p:nvPr/>
+        </p:nvSpPr>
+        <p:spPr>
+          <a:xfrm>
+            <a:off x="274320" y="1874519"/>
+            <a:ext cx="11612880" cy="9144"/>
+          </a:xfrm>
+          <a:prstGeom prst="rect">
+            <a:avLst/>
+          </a:prstGeom>
+          <a:solidFill>
+            <a:srgbClr val="F0F0F0"/>
+          </a:solidFill>
+          <a:ln>
+            <a:noFill/>
+          </a:ln>
+        </p:spPr>
+        <p:style>
+          <a:lnRef idx="1">
+            <a:schemeClr val="accent1"/>
+          </a:lnRef>
+          <a:fillRef idx="3">
+            <a:schemeClr val="accent1"/>
+          </a:fillRef>
+          <a:effectRef idx="2">
+            <a:schemeClr val="accent1"/>
+          </a:effectRef>
+          <a:fontRef idx="minor">
+            <a:schemeClr val="lt1"/>
+          </a:fontRef>
+        </p:style>
+        <p:txBody>
+          <a:bodyPr rtlCol="0" anchor="ctr"/>
+          <a:lstStyle/>
+          <a:p>
+            <a:pPr algn="ctr"/>
+          </a:p>
+        </p:txBody>
+      </p:sp>
+      <p:sp>
+        <p:nvSpPr>
+          <p:cNvPr id="17" name="TextBox 16"/>
+          <p:cNvSpPr txBox="1"/>
+          <p:nvPr/>
+        </p:nvSpPr>
+        <p:spPr>
+          <a:xfrm>
+            <a:off x="274320" y="1920240"/>
+            <a:ext cx="1097280" cy="502920"/>
+          </a:xfrm>
+          <a:prstGeom prst="rect">
+            <a:avLst/>
+          </a:prstGeom>
+          <a:noFill/>
+        </p:spPr>
+        <p:txBody>
+          <a:bodyPr wrap="square">
+            <a:spAutoFit/>
+          </a:bodyPr>
+          <a:lstStyle/>
+          <a:p>
+            <a:pPr algn="l">
+              <a:defRPr sz="1100" b="1">
+                <a:solidFill>
+                  <a:srgbClr val="3A5566"/>
+                </a:solidFill>
+              </a:defRPr>
+            </a:pPr>
+            <a:r>
+              <a:t>1985</a:t>
+            </a:r>
+          </a:p>
+        </p:txBody>
+      </p:sp>
+      <p:sp>
+        <p:nvSpPr>
+          <p:cNvPr id="18" name="TextBox 17"/>
+          <p:cNvSpPr txBox="1"/>
+          <p:nvPr/>
+        </p:nvSpPr>
+        <p:spPr>
+          <a:xfrm>
+            <a:off x="1463040" y="1920240"/>
+            <a:ext cx="2743200" cy="502920"/>
+          </a:xfrm>
+          <a:prstGeom prst="rect">
+            <a:avLst/>
+          </a:prstGeom>
+          <a:noFill/>
+        </p:spPr>
+        <p:txBody>
+          <a:bodyPr wrap="square">
+            <a:spAutoFit/>
+          </a:bodyPr>
+          <a:lstStyle/>
+          <a:p>
+            <a:pPr algn="l">
+              <a:defRPr sz="1000" b="1">
+                <a:solidFill>
+                  <a:srgbClr val="3A5566"/>
+                </a:solidFill>
+              </a:defRPr>
+            </a:pPr>
+            <a:r>
+              <a:t>AT&amp;T / Grassmere Park Assn.</a:t>
+            </a:r>
+          </a:p>
+        </p:txBody>
+      </p:sp>
+      <p:sp>
+        <p:nvSpPr>
+          <p:cNvPr id="19" name="TextBox 18"/>
+          <p:cNvSpPr txBox="1"/>
+          <p:nvPr/>
+        </p:nvSpPr>
+        <p:spPr>
+          <a:xfrm>
+            <a:off x="4389120" y="1920240"/>
+            <a:ext cx="1463040" cy="502920"/>
+          </a:xfrm>
+          <a:prstGeom prst="rect">
+            <a:avLst/>
+          </a:prstGeom>
+          <a:noFill/>
+        </p:spPr>
+        <p:txBody>
+          <a:bodyPr wrap="square">
+            <a:spAutoFit/>
+          </a:bodyPr>
+          <a:lstStyle/>
+          <a:p>
+            <a:pPr algn="l">
+              <a:defRPr sz="1000" b="0">
+                <a:solidFill>
+                  <a:srgbClr val="706F6C"/>
+                </a:solidFill>
+              </a:defRPr>
+            </a:pPr>
+            <a:r>
+              <a:t>Joint Ownership</a:t>
+            </a:r>
+          </a:p>
+        </p:txBody>
+      </p:sp>
+      <p:sp>
+        <p:nvSpPr>
+          <p:cNvPr id="20" name="TextBox 19"/>
+          <p:cNvSpPr txBox="1"/>
+          <p:nvPr/>
+        </p:nvSpPr>
+        <p:spPr>
+          <a:xfrm>
+            <a:off x="5943600" y="1920240"/>
+            <a:ext cx="1097280" cy="502920"/>
+          </a:xfrm>
+          <a:prstGeom prst="rect">
+            <a:avLst/>
+          </a:prstGeom>
+          <a:noFill/>
+        </p:spPr>
+        <p:txBody>
+          <a:bodyPr wrap="square">
+            <a:spAutoFit/>
+          </a:bodyPr>
+          <a:lstStyle/>
+          <a:p>
+            <a:pPr algn="l">
+              <a:defRPr sz="900" b="0">
+                <a:solidFill>
+                  <a:srgbClr val="706F6C"/>
+                </a:solidFill>
+              </a:defRPr>
+            </a:pPr>
+            <a:r>
+              <a:t>Deed/QC</a:t>
+            </a:r>
+          </a:p>
+        </p:txBody>
+      </p:sp>
+      <p:sp>
+        <p:nvSpPr>
+          <p:cNvPr id="21" name="TextBox 20"/>
+          <p:cNvSpPr txBox="1"/>
+          <p:nvPr/>
+        </p:nvSpPr>
+        <p:spPr>
+          <a:xfrm>
+            <a:off x="7040880" y="1920240"/>
+            <a:ext cx="4846320" cy="502920"/>
+          </a:xfrm>
+          <a:prstGeom prst="rect">
+            <a:avLst/>
+          </a:prstGeom>
+          <a:noFill/>
+        </p:spPr>
+        <p:txBody>
+          <a:bodyPr wrap="square">
+            <a:spAutoFit/>
+          </a:bodyPr>
+          <a:lstStyle/>
+          <a:p>
+            <a:pPr algn="l">
+              <a:defRPr sz="900" b="0">
+                <a:solidFill>
+                  <a:srgbClr val="3A5566"/>
+                </a:solidFill>
+              </a:defRPr>
+            </a:pPr>
+            <a:r>
+              <a:t>Established Grassmere Park Association with CCRs (Book 6008, Page 866)</a:t>
+            </a:r>
+          </a:p>
+        </p:txBody>
+      </p:sp>
+      <p:sp>
+        <p:nvSpPr>
+          <p:cNvPr id="22" name="Rectangle 21"/>
+          <p:cNvSpPr/>
+          <p:nvPr/>
+        </p:nvSpPr>
+        <p:spPr>
+          <a:xfrm>
+            <a:off x="274320" y="2423160"/>
+            <a:ext cx="11612880" cy="9144"/>
+          </a:xfrm>
+          <a:prstGeom prst="rect">
+            <a:avLst/>
+          </a:prstGeom>
+          <a:solidFill>
+            <a:srgbClr val="F0F0F0"/>
+          </a:solidFill>
+          <a:ln>
+            <a:noFill/>
+          </a:ln>
+        </p:spPr>
+        <p:style>
+          <a:lnRef idx="1">
+            <a:schemeClr val="accent1"/>
+          </a:lnRef>
+          <a:fillRef idx="3">
+            <a:schemeClr val="accent1"/>
+          </a:fillRef>
+          <a:effectRef idx="2">
+            <a:schemeClr val="accent1"/>
+          </a:effectRef>
+          <a:fontRef idx="minor">
+            <a:schemeClr val="lt1"/>
+          </a:fontRef>
+        </p:style>
+        <p:txBody>
+          <a:bodyPr rtlCol="0" anchor="ctr"/>
+          <a:lstStyle/>
+          <a:p>
+            <a:pPr algn="ctr"/>
+          </a:p>
+        </p:txBody>
+      </p:sp>
+      <p:sp>
+        <p:nvSpPr>
+          <p:cNvPr id="23" name="TextBox 22"/>
+          <p:cNvSpPr txBox="1"/>
+          <p:nvPr/>
+        </p:nvSpPr>
+        <p:spPr>
+          <a:xfrm>
+            <a:off x="274320" y="2468880"/>
+            <a:ext cx="1097280" cy="502920"/>
+          </a:xfrm>
+          <a:prstGeom prst="rect">
+            <a:avLst/>
+          </a:prstGeom>
+          <a:noFill/>
+        </p:spPr>
+        <p:txBody>
+          <a:bodyPr wrap="square">
+            <a:spAutoFit/>
+          </a:bodyPr>
+          <a:lstStyle/>
+          <a:p>
+            <a:pPr algn="l">
+              <a:defRPr sz="1100" b="1">
+                <a:solidFill>
+                  <a:srgbClr val="706F6C"/>
+                </a:solidFill>
+              </a:defRPr>
+            </a:pPr>
+            <a:r>
+              <a:t>1985</a:t>
+            </a:r>
+          </a:p>
+        </p:txBody>
+      </p:sp>
+      <p:sp>
+        <p:nvSpPr>
+          <p:cNvPr id="24" name="TextBox 23"/>
+          <p:cNvSpPr txBox="1"/>
+          <p:nvPr/>
+        </p:nvSpPr>
+        <p:spPr>
+          <a:xfrm>
+            <a:off x="1463040" y="2468880"/>
+            <a:ext cx="2743200" cy="502920"/>
+          </a:xfrm>
+          <a:prstGeom prst="rect">
+            <a:avLst/>
+          </a:prstGeom>
+          <a:noFill/>
+        </p:spPr>
+        <p:txBody>
+          <a:bodyPr wrap="square">
+            <a:spAutoFit/>
+          </a:bodyPr>
+          <a:lstStyle/>
+          <a:p>
+            <a:pPr algn="l">
+              <a:defRPr sz="1000" b="1">
+                <a:solidFill>
+                  <a:srgbClr val="3A5566"/>
+                </a:solidFill>
+              </a:defRPr>
+            </a:pPr>
+            <a:r>
+              <a:t>Grassmere Park Associates</a:t>
+            </a:r>
+          </a:p>
+        </p:txBody>
+      </p:sp>
+      <p:sp>
+        <p:nvSpPr>
+          <p:cNvPr id="25" name="TextBox 24"/>
+          <p:cNvSpPr txBox="1"/>
+          <p:nvPr/>
+        </p:nvSpPr>
+        <p:spPr>
+          <a:xfrm>
+            <a:off x="4389120" y="2468880"/>
+            <a:ext cx="1463040" cy="502920"/>
+          </a:xfrm>
+          <a:prstGeom prst="rect">
+            <a:avLst/>
+          </a:prstGeom>
+          <a:noFill/>
+        </p:spPr>
+        <p:txBody>
+          <a:bodyPr wrap="square">
+            <a:spAutoFit/>
+          </a:bodyPr>
+          <a:lstStyle/>
+          <a:p>
+            <a:pPr algn="l">
+              <a:defRPr sz="1000" b="0">
+                <a:solidFill>
+                  <a:srgbClr val="706F6C"/>
+                </a:solidFill>
+              </a:defRPr>
+            </a:pPr>
+            <a:r>
+              <a:t>Deed of Correction</a:t>
+            </a:r>
+          </a:p>
+        </p:txBody>
+      </p:sp>
+      <p:sp>
+        <p:nvSpPr>
+          <p:cNvPr id="26" name="TextBox 25"/>
+          <p:cNvSpPr txBox="1"/>
+          <p:nvPr/>
+        </p:nvSpPr>
+        <p:spPr>
+          <a:xfrm>
+            <a:off x="5943600" y="2468880"/>
+            <a:ext cx="1097280" cy="502920"/>
+          </a:xfrm>
+          <a:prstGeom prst="rect">
+            <a:avLst/>
+          </a:prstGeom>
+          <a:noFill/>
+        </p:spPr>
+        <p:txBody>
+          <a:bodyPr wrap="square">
+            <a:spAutoFit/>
+          </a:bodyPr>
+          <a:lstStyle/>
+          <a:p>
+            <a:pPr algn="l">
+              <a:defRPr sz="900" b="0">
+                <a:solidFill>
+                  <a:srgbClr val="706F6C"/>
+                </a:solidFill>
+              </a:defRPr>
+            </a:pPr>
+            <a:r>
+              <a:t>DC</a:t>
+            </a:r>
+          </a:p>
+        </p:txBody>
+      </p:sp>
+      <p:sp>
+        <p:nvSpPr>
+          <p:cNvPr id="27" name="TextBox 26"/>
+          <p:cNvSpPr txBox="1"/>
+          <p:nvPr/>
+        </p:nvSpPr>
+        <p:spPr>
+          <a:xfrm>
+            <a:off x="7040880" y="2468880"/>
+            <a:ext cx="4846320" cy="502920"/>
+          </a:xfrm>
+          <a:prstGeom prst="rect">
+            <a:avLst/>
+          </a:prstGeom>
+          <a:noFill/>
+        </p:spPr>
+        <p:txBody>
+          <a:bodyPr wrap="square">
+            <a:spAutoFit/>
+          </a:bodyPr>
+          <a:lstStyle/>
+          <a:p>
+            <a:pPr algn="l">
+              <a:defRPr sz="900" b="0">
+                <a:solidFill>
+                  <a:srgbClr val="3A5566"/>
+                </a:solidFill>
+              </a:defRPr>
+            </a:pPr>
+            <a:r>
+              <a:t>Two corrections recorded (Book 6934) to original conveyance</a:t>
+            </a:r>
+          </a:p>
+        </p:txBody>
+      </p:sp>
+      <p:sp>
+        <p:nvSpPr>
+          <p:cNvPr id="28" name="Rectangle 27"/>
+          <p:cNvSpPr/>
+          <p:nvPr/>
+        </p:nvSpPr>
+        <p:spPr>
+          <a:xfrm>
+            <a:off x="274320" y="2971800"/>
+            <a:ext cx="11612880" cy="9144"/>
+          </a:xfrm>
+          <a:prstGeom prst="rect">
+            <a:avLst/>
+          </a:prstGeom>
+          <a:solidFill>
+            <a:srgbClr val="F0F0F0"/>
+          </a:solidFill>
+          <a:ln>
+            <a:noFill/>
+          </a:ln>
+        </p:spPr>
+        <p:style>
+          <a:lnRef idx="1">
+            <a:schemeClr val="accent1"/>
+          </a:lnRef>
+          <a:fillRef idx="3">
+            <a:schemeClr val="accent1"/>
+          </a:fillRef>
+          <a:effectRef idx="2">
+            <a:schemeClr val="accent1"/>
+          </a:effectRef>
+          <a:fontRef idx="minor">
+            <a:schemeClr val="lt1"/>
+          </a:fontRef>
+        </p:style>
+        <p:txBody>
+          <a:bodyPr rtlCol="0" anchor="ctr"/>
+          <a:lstStyle/>
+          <a:p>
+            <a:pPr algn="ctr"/>
+          </a:p>
+        </p:txBody>
+      </p:sp>
+      <p:sp>
+        <p:nvSpPr>
+          <p:cNvPr id="29" name="TextBox 28"/>
+          <p:cNvSpPr txBox="1"/>
+          <p:nvPr/>
+        </p:nvSpPr>
+        <p:spPr>
+          <a:xfrm>
+            <a:off x="274320" y="3017520"/>
+            <a:ext cx="1097280" cy="502920"/>
+          </a:xfrm>
+          <a:prstGeom prst="rect">
+            <a:avLst/>
+          </a:prstGeom>
+          <a:noFill/>
+        </p:spPr>
+        <p:txBody>
+          <a:bodyPr wrap="square">
+            <a:spAutoFit/>
+          </a:bodyPr>
+          <a:lstStyle/>
+          <a:p>
+            <a:pPr algn="l">
+              <a:defRPr sz="1100" b="1">
+                <a:solidFill>
+                  <a:srgbClr val="1565C0"/>
+                </a:solidFill>
+              </a:defRPr>
+            </a:pPr>
+            <a:r>
+              <a:t>2004</a:t>
+            </a:r>
+          </a:p>
+        </p:txBody>
+      </p:sp>
+      <p:sp>
+        <p:nvSpPr>
+          <p:cNvPr id="30" name="TextBox 29"/>
+          <p:cNvSpPr txBox="1"/>
+          <p:nvPr/>
+        </p:nvSpPr>
+        <p:spPr>
+          <a:xfrm>
+            <a:off x="1463040" y="3017520"/>
+            <a:ext cx="2743200" cy="502920"/>
+          </a:xfrm>
+          <a:prstGeom prst="rect">
+            <a:avLst/>
+          </a:prstGeom>
+          <a:noFill/>
+        </p:spPr>
+        <p:txBody>
+          <a:bodyPr wrap="square">
+            <a:spAutoFit/>
+          </a:bodyPr>
+          <a:lstStyle/>
+          <a:p>
+            <a:pPr algn="l">
+              <a:defRPr sz="1000" b="1">
+                <a:solidFill>
+                  <a:srgbClr val="3A5566"/>
+                </a:solidFill>
+              </a:defRPr>
+            </a:pPr>
+            <a:r>
+              <a:t>ARI-Grassmere Corporate Plaza, LLC</a:t>
+            </a:r>
+          </a:p>
+        </p:txBody>
+      </p:sp>
+      <p:sp>
+        <p:nvSpPr>
+          <p:cNvPr id="31" name="TextBox 30"/>
+          <p:cNvSpPr txBox="1"/>
+          <p:nvPr/>
+        </p:nvSpPr>
+        <p:spPr>
+          <a:xfrm>
+            <a:off x="4389120" y="3017520"/>
+            <a:ext cx="1463040" cy="502920"/>
+          </a:xfrm>
+          <a:prstGeom prst="rect">
+            <a:avLst/>
+          </a:prstGeom>
+          <a:noFill/>
+        </p:spPr>
+        <p:txBody>
+          <a:bodyPr wrap="square">
+            <a:spAutoFit/>
+          </a:bodyPr>
+          <a:lstStyle/>
+          <a:p>
+            <a:pPr algn="l">
+              <a:defRPr sz="1000" b="1">
+                <a:solidFill>
+                  <a:srgbClr val="2E7D32"/>
+                </a:solidFill>
+              </a:defRPr>
+            </a:pPr>
+            <a:r>
+              <a:t>$22,030,000</a:t>
+            </a:r>
+          </a:p>
+        </p:txBody>
+      </p:sp>
+      <p:sp>
+        <p:nvSpPr>
+          <p:cNvPr id="32" name="TextBox 31"/>
+          <p:cNvSpPr txBox="1"/>
+          <p:nvPr/>
+        </p:nvSpPr>
+        <p:spPr>
+          <a:xfrm>
+            <a:off x="5943600" y="3017520"/>
+            <a:ext cx="1097280" cy="502920"/>
+          </a:xfrm>
+          <a:prstGeom prst="rect">
+            <a:avLst/>
+          </a:prstGeom>
+          <a:noFill/>
+        </p:spPr>
+        <p:txBody>
+          <a:bodyPr wrap="square">
+            <a:spAutoFit/>
+          </a:bodyPr>
+          <a:lstStyle/>
+          <a:p>
+            <a:pPr algn="l">
+              <a:defRPr sz="900" b="0">
+                <a:solidFill>
+                  <a:srgbClr val="706F6C"/>
+                </a:solidFill>
+              </a:defRPr>
+            </a:pPr>
+            <a:r>
+              <a:t>Deed</a:t>
+            </a:r>
+          </a:p>
+        </p:txBody>
+      </p:sp>
+      <p:sp>
+        <p:nvSpPr>
+          <p:cNvPr id="33" name="TextBox 32"/>
+          <p:cNvSpPr txBox="1"/>
+          <p:nvPr/>
+        </p:nvSpPr>
+        <p:spPr>
+          <a:xfrm>
+            <a:off x="7040880" y="3017520"/>
+            <a:ext cx="4846320" cy="502920"/>
+          </a:xfrm>
+          <a:prstGeom prst="rect">
+            <a:avLst/>
+          </a:prstGeom>
+          <a:noFill/>
+        </p:spPr>
+        <p:txBody>
+          <a:bodyPr wrap="square">
+            <a:spAutoFit/>
+          </a:bodyPr>
+          <a:lstStyle/>
+          <a:p>
+            <a:pPr algn="l">
+              <a:defRPr sz="900" b="0">
+                <a:solidFill>
+                  <a:srgbClr val="3A5566"/>
+                </a:solidFill>
+              </a:defRPr>
+            </a:pPr>
+            <a:r>
+              <a:t>Major acquisition: ARI purchased entire campus, then subdivided into 20+ individual LLC units (ARI-GCP 1 through 31)</a:t>
+            </a:r>
+          </a:p>
+        </p:txBody>
+      </p:sp>
+      <p:sp>
+        <p:nvSpPr>
+          <p:cNvPr id="34" name="Rectangle 33"/>
+          <p:cNvSpPr/>
+          <p:nvPr/>
+        </p:nvSpPr>
+        <p:spPr>
+          <a:xfrm>
+            <a:off x="274320" y="3520440"/>
+            <a:ext cx="11612880" cy="9144"/>
+          </a:xfrm>
+          <a:prstGeom prst="rect">
+            <a:avLst/>
+          </a:prstGeom>
+          <a:solidFill>
+            <a:srgbClr val="F0F0F0"/>
+          </a:solidFill>
+          <a:ln>
+            <a:noFill/>
+          </a:ln>
+        </p:spPr>
+        <p:style>
+          <a:lnRef idx="1">
+            <a:schemeClr val="accent1"/>
+          </a:lnRef>
+          <a:fillRef idx="3">
+            <a:schemeClr val="accent1"/>
+          </a:fillRef>
+          <a:effectRef idx="2">
+            <a:schemeClr val="accent1"/>
+          </a:effectRef>
+          <a:fontRef idx="minor">
+            <a:schemeClr val="lt1"/>
+          </a:fontRef>
+        </p:style>
+        <p:txBody>
+          <a:bodyPr rtlCol="0" anchor="ctr"/>
+          <a:lstStyle/>
+          <a:p>
+            <a:pPr algn="ctr"/>
+          </a:p>
+        </p:txBody>
+      </p:sp>
+      <p:sp>
+        <p:nvSpPr>
+          <p:cNvPr id="35" name="TextBox 34"/>
+          <p:cNvSpPr txBox="1"/>
+          <p:nvPr/>
+        </p:nvSpPr>
+        <p:spPr>
+          <a:xfrm>
+            <a:off x="274320" y="3566160"/>
+            <a:ext cx="1097280" cy="502920"/>
+          </a:xfrm>
+          <a:prstGeom prst="rect">
+            <a:avLst/>
+          </a:prstGeom>
+          <a:noFill/>
+        </p:spPr>
+        <p:txBody>
+          <a:bodyPr wrap="square">
+            <a:spAutoFit/>
+          </a:bodyPr>
+          <a:lstStyle/>
+          <a:p>
+            <a:pPr algn="l">
+              <a:defRPr sz="1100" b="1">
+                <a:solidFill>
+                  <a:srgbClr val="1565C0"/>
+                </a:solidFill>
+              </a:defRPr>
+            </a:pPr>
+            <a:r>
+              <a:t>2004-05</a:t>
+            </a:r>
+          </a:p>
+        </p:txBody>
+      </p:sp>
+      <p:sp>
+        <p:nvSpPr>
+          <p:cNvPr id="36" name="TextBox 35"/>
+          <p:cNvSpPr txBox="1"/>
+          <p:nvPr/>
+        </p:nvSpPr>
+        <p:spPr>
+          <a:xfrm>
+            <a:off x="1463040" y="3566160"/>
+            <a:ext cx="2743200" cy="502920"/>
+          </a:xfrm>
+          <a:prstGeom prst="rect">
+            <a:avLst/>
+          </a:prstGeom>
+          <a:noFill/>
+        </p:spPr>
+        <p:txBody>
+          <a:bodyPr wrap="square">
+            <a:spAutoFit/>
+          </a:bodyPr>
+          <a:lstStyle/>
+          <a:p>
+            <a:pPr algn="l">
+              <a:defRPr sz="1000" b="1">
+                <a:solidFill>
+                  <a:srgbClr val="3A5566"/>
+                </a:solidFill>
+              </a:defRPr>
+            </a:pPr>
+            <a:r>
+              <a:t>ARI-GCP 1-31 LLCs (20+ entities)</a:t>
+            </a:r>
+          </a:p>
+        </p:txBody>
+      </p:sp>
+      <p:sp>
+        <p:nvSpPr>
+          <p:cNvPr id="37" name="TextBox 36"/>
+          <p:cNvSpPr txBox="1"/>
+          <p:nvPr/>
+        </p:nvSpPr>
+        <p:spPr>
+          <a:xfrm>
+            <a:off x="4389120" y="3566160"/>
+            <a:ext cx="1463040" cy="502920"/>
+          </a:xfrm>
+          <a:prstGeom prst="rect">
+            <a:avLst/>
+          </a:prstGeom>
+          <a:noFill/>
+        </p:spPr>
+        <p:txBody>
+          <a:bodyPr wrap="square">
+            <a:spAutoFit/>
+          </a:bodyPr>
+          <a:lstStyle/>
+          <a:p>
+            <a:pPr algn="l">
+              <a:defRPr sz="1000" b="1">
+                <a:solidFill>
+                  <a:srgbClr val="2E7D32"/>
+                </a:solidFill>
+              </a:defRPr>
+            </a:pPr>
+            <a:r>
+              <a:t>$48.5M total</a:t>
+            </a:r>
+          </a:p>
+        </p:txBody>
+      </p:sp>
+      <p:sp>
+        <p:nvSpPr>
+          <p:cNvPr id="38" name="TextBox 37"/>
+          <p:cNvSpPr txBox="1"/>
+          <p:nvPr/>
+        </p:nvSpPr>
+        <p:spPr>
+          <a:xfrm>
+            <a:off x="5943600" y="3566160"/>
+            <a:ext cx="1097280" cy="502920"/>
+          </a:xfrm>
+          <a:prstGeom prst="rect">
+            <a:avLst/>
+          </a:prstGeom>
+          <a:noFill/>
+        </p:spPr>
+        <p:txBody>
+          <a:bodyPr wrap="square">
+            <a:spAutoFit/>
+          </a:bodyPr>
+          <a:lstStyle/>
+          <a:p>
+            <a:pPr algn="l">
+              <a:defRPr sz="900" b="0">
+                <a:solidFill>
+                  <a:srgbClr val="706F6C"/>
+                </a:solidFill>
+              </a:defRPr>
+            </a:pPr>
+            <a:r>
+              <a:t>Multiple Deeds</a:t>
+            </a:r>
+          </a:p>
+        </p:txBody>
+      </p:sp>
+      <p:sp>
+        <p:nvSpPr>
+          <p:cNvPr id="39" name="TextBox 38"/>
+          <p:cNvSpPr txBox="1"/>
+          <p:nvPr/>
+        </p:nvSpPr>
+        <p:spPr>
+          <a:xfrm>
+            <a:off x="7040880" y="3566160"/>
+            <a:ext cx="4846320" cy="502920"/>
+          </a:xfrm>
+          <a:prstGeom prst="rect">
+            <a:avLst/>
+          </a:prstGeom>
+          <a:noFill/>
+        </p:spPr>
+        <p:txBody>
+          <a:bodyPr wrap="square">
+            <a:spAutoFit/>
+          </a:bodyPr>
+          <a:lstStyle/>
+          <a:p>
+            <a:pPr algn="l">
+              <a:defRPr sz="900" b="0">
+                <a:solidFill>
+                  <a:srgbClr val="3A5566"/>
+                </a:solidFill>
+              </a:defRPr>
+            </a:pPr>
+            <a:r>
+              <a:t>Individual suite/floor interests conveyed to separate LLCs at prices ranging from $66K to $2.05M</a:t>
+            </a:r>
+          </a:p>
+        </p:txBody>
+      </p:sp>
+      <p:sp>
+        <p:nvSpPr>
+          <p:cNvPr id="40" name="Rectangle 39"/>
+          <p:cNvSpPr/>
+          <p:nvPr/>
+        </p:nvSpPr>
+        <p:spPr>
+          <a:xfrm>
+            <a:off x="274320" y="4069080"/>
+            <a:ext cx="11612880" cy="9144"/>
+          </a:xfrm>
+          <a:prstGeom prst="rect">
+            <a:avLst/>
+          </a:prstGeom>
+          <a:solidFill>
+            <a:srgbClr val="F0F0F0"/>
+          </a:solidFill>
+          <a:ln>
+            <a:noFill/>
+          </a:ln>
+        </p:spPr>
+        <p:style>
+          <a:lnRef idx="1">
+            <a:schemeClr val="accent1"/>
+          </a:lnRef>
+          <a:fillRef idx="3">
+            <a:schemeClr val="accent1"/>
+          </a:fillRef>
+          <a:effectRef idx="2">
+            <a:schemeClr val="accent1"/>
+          </a:effectRef>
+          <a:fontRef idx="minor">
+            <a:schemeClr val="lt1"/>
+          </a:fontRef>
+        </p:style>
+        <p:txBody>
+          <a:bodyPr rtlCol="0" anchor="ctr"/>
+          <a:lstStyle/>
+          <a:p>
+            <a:pPr algn="ctr"/>
+          </a:p>
+        </p:txBody>
+      </p:sp>
+      <p:sp>
+        <p:nvSpPr>
+          <p:cNvPr id="41" name="TextBox 40"/>
+          <p:cNvSpPr txBox="1"/>
+          <p:nvPr/>
+        </p:nvSpPr>
+        <p:spPr>
+          <a:xfrm>
+            <a:off x="274320" y="4114800"/>
+            <a:ext cx="1097280" cy="502920"/>
+          </a:xfrm>
+          <a:prstGeom prst="rect">
+            <a:avLst/>
+          </a:prstGeom>
+          <a:noFill/>
+        </p:spPr>
+        <p:txBody>
+          <a:bodyPr wrap="square">
+            <a:spAutoFit/>
+          </a:bodyPr>
+          <a:lstStyle/>
+          <a:p>
+            <a:pPr algn="l">
+              <a:defRPr sz="1100" b="1">
+                <a:solidFill>
+                  <a:srgbClr val="E65100"/>
+                </a:solidFill>
+              </a:defRPr>
+            </a:pPr>
+            <a:r>
+              <a:t>2011</a:t>
+            </a:r>
+          </a:p>
+        </p:txBody>
+      </p:sp>
+      <p:sp>
+        <p:nvSpPr>
+          <p:cNvPr id="42" name="TextBox 41"/>
+          <p:cNvSpPr txBox="1"/>
+          <p:nvPr/>
+        </p:nvSpPr>
+        <p:spPr>
+          <a:xfrm>
+            <a:off x="1463040" y="4114800"/>
+            <a:ext cx="2743200" cy="502920"/>
+          </a:xfrm>
+          <a:prstGeom prst="rect">
+            <a:avLst/>
+          </a:prstGeom>
+          <a:noFill/>
+        </p:spPr>
+        <p:txBody>
+          <a:bodyPr wrap="square">
+            <a:spAutoFit/>
+          </a:bodyPr>
+          <a:lstStyle/>
+          <a:p>
+            <a:pPr algn="l">
+              <a:defRPr sz="1000" b="1">
+                <a:solidFill>
+                  <a:srgbClr val="3A5566"/>
+                </a:solidFill>
+              </a:defRPr>
+            </a:pPr>
+            <a:r>
+              <a:t>Grassmere Corporate Plaza, LLC</a:t>
+            </a:r>
+          </a:p>
+        </p:txBody>
+      </p:sp>
+      <p:sp>
+        <p:nvSpPr>
+          <p:cNvPr id="43" name="TextBox 42"/>
+          <p:cNvSpPr txBox="1"/>
+          <p:nvPr/>
+        </p:nvSpPr>
+        <p:spPr>
+          <a:xfrm>
+            <a:off x="4389120" y="4114800"/>
+            <a:ext cx="1463040" cy="502920"/>
+          </a:xfrm>
+          <a:prstGeom prst="rect">
+            <a:avLst/>
+          </a:prstGeom>
+          <a:noFill/>
+        </p:spPr>
+        <p:txBody>
+          <a:bodyPr wrap="square">
+            <a:spAutoFit/>
+          </a:bodyPr>
+          <a:lstStyle/>
+          <a:p>
+            <a:pPr algn="l">
+              <a:defRPr sz="1000" b="0">
+                <a:solidFill>
+                  <a:srgbClr val="706F6C"/>
+                </a:solidFill>
+              </a:defRPr>
+            </a:pPr>
+            <a:r>
+              <a:t>Reconsolidation</a:t>
+            </a:r>
+          </a:p>
+        </p:txBody>
+      </p:sp>
+      <p:sp>
+        <p:nvSpPr>
+          <p:cNvPr id="44" name="TextBox 43"/>
+          <p:cNvSpPr txBox="1"/>
+          <p:nvPr/>
+        </p:nvSpPr>
+        <p:spPr>
+          <a:xfrm>
+            <a:off x="5943600" y="4114800"/>
+            <a:ext cx="1097280" cy="502920"/>
+          </a:xfrm>
+          <a:prstGeom prst="rect">
+            <a:avLst/>
+          </a:prstGeom>
+          <a:noFill/>
+        </p:spPr>
+        <p:txBody>
+          <a:bodyPr wrap="square">
+            <a:spAutoFit/>
+          </a:bodyPr>
+          <a:lstStyle/>
+          <a:p>
+            <a:pPr algn="l">
+              <a:defRPr sz="900" b="0">
+                <a:solidFill>
+                  <a:srgbClr val="706F6C"/>
+                </a:solidFill>
+              </a:defRPr>
+            </a:pPr>
+            <a:r>
+              <a:t>20+ Quit Claims</a:t>
+            </a:r>
+          </a:p>
+        </p:txBody>
+      </p:sp>
+      <p:sp>
+        <p:nvSpPr>
+          <p:cNvPr id="45" name="TextBox 44"/>
+          <p:cNvSpPr txBox="1"/>
+          <p:nvPr/>
+        </p:nvSpPr>
+        <p:spPr>
+          <a:xfrm>
+            <a:off x="7040880" y="4114800"/>
+            <a:ext cx="4846320" cy="502920"/>
+          </a:xfrm>
+          <a:prstGeom prst="rect">
+            <a:avLst/>
+          </a:prstGeom>
+          <a:noFill/>
+        </p:spPr>
+        <p:txBody>
+          <a:bodyPr wrap="square">
+            <a:spAutoFit/>
+          </a:bodyPr>
+          <a:lstStyle/>
+          <a:p>
+            <a:pPr algn="l">
+              <a:defRPr sz="900" b="0">
+                <a:solidFill>
+                  <a:srgbClr val="3A5566"/>
+                </a:solidFill>
+              </a:defRPr>
+            </a:pPr>
+            <a:r>
+              <a:t>All ARI-GCP entities reconsolidated back into single ownership via 20+ quit claim deeds</a:t>
+            </a:r>
+          </a:p>
+        </p:txBody>
+      </p:sp>
+      <p:sp>
+        <p:nvSpPr>
+          <p:cNvPr id="46" name="Rectangle 45"/>
+          <p:cNvSpPr/>
+          <p:nvPr/>
+        </p:nvSpPr>
+        <p:spPr>
+          <a:xfrm>
+            <a:off x="274320" y="4617720"/>
+            <a:ext cx="11612880" cy="9144"/>
+          </a:xfrm>
+          <a:prstGeom prst="rect">
+            <a:avLst/>
+          </a:prstGeom>
+          <a:solidFill>
+            <a:srgbClr val="F0F0F0"/>
+          </a:solidFill>
+          <a:ln>
+            <a:noFill/>
+          </a:ln>
+        </p:spPr>
+        <p:style>
+          <a:lnRef idx="1">
+            <a:schemeClr val="accent1"/>
+          </a:lnRef>
+          <a:fillRef idx="3">
+            <a:schemeClr val="accent1"/>
+          </a:fillRef>
+          <a:effectRef idx="2">
+            <a:schemeClr val="accent1"/>
+          </a:effectRef>
+          <a:fontRef idx="minor">
+            <a:schemeClr val="lt1"/>
+          </a:fontRef>
+        </p:style>
+        <p:txBody>
+          <a:bodyPr rtlCol="0" anchor="ctr"/>
+          <a:lstStyle/>
+          <a:p>
+            <a:pPr algn="ctr"/>
+          </a:p>
+        </p:txBody>
+      </p:sp>
+      <p:sp>
+        <p:nvSpPr>
+          <p:cNvPr id="47" name="TextBox 46"/>
+          <p:cNvSpPr txBox="1"/>
+          <p:nvPr/>
+        </p:nvSpPr>
+        <p:spPr>
+          <a:xfrm>
+            <a:off x="274320" y="4663440"/>
+            <a:ext cx="1097280" cy="502920"/>
+          </a:xfrm>
+          <a:prstGeom prst="rect">
+            <a:avLst/>
+          </a:prstGeom>
+          <a:noFill/>
+        </p:spPr>
+        <p:txBody>
+          <a:bodyPr wrap="square">
+            <a:spAutoFit/>
+          </a:bodyPr>
+          <a:lstStyle/>
+          <a:p>
+            <a:pPr algn="l">
+              <a:defRPr sz="1100" b="1">
+                <a:solidFill>
+                  <a:srgbClr val="706F6C"/>
+                </a:solidFill>
+              </a:defRPr>
+            </a:pPr>
+            <a:r>
+              <a:t>2011</a:t>
+            </a:r>
+          </a:p>
+        </p:txBody>
+      </p:sp>
+      <p:sp>
+        <p:nvSpPr>
+          <p:cNvPr id="48" name="TextBox 47"/>
+          <p:cNvSpPr txBox="1"/>
+          <p:nvPr/>
+        </p:nvSpPr>
+        <p:spPr>
+          <a:xfrm>
+            <a:off x="1463040" y="4663440"/>
+            <a:ext cx="2743200" cy="502920"/>
+          </a:xfrm>
+          <a:prstGeom prst="rect">
+            <a:avLst/>
+          </a:prstGeom>
+          <a:noFill/>
+        </p:spPr>
+        <p:txBody>
+          <a:bodyPr wrap="square">
+            <a:spAutoFit/>
+          </a:bodyPr>
+          <a:lstStyle/>
+          <a:p>
+            <a:pPr algn="l">
+              <a:defRPr sz="1000" b="1">
+                <a:solidFill>
+                  <a:srgbClr val="3A5566"/>
+                </a:solidFill>
+              </a:defRPr>
+            </a:pPr>
+            <a:r>
+              <a:t>GCP HoldCo, LLC</a:t>
+            </a:r>
+          </a:p>
+        </p:txBody>
+      </p:sp>
+      <p:sp>
+        <p:nvSpPr>
+          <p:cNvPr id="49" name="TextBox 48"/>
+          <p:cNvSpPr txBox="1"/>
+          <p:nvPr/>
+        </p:nvSpPr>
+        <p:spPr>
+          <a:xfrm>
+            <a:off x="4389120" y="4663440"/>
+            <a:ext cx="1463040" cy="502920"/>
+          </a:xfrm>
+          <a:prstGeom prst="rect">
+            <a:avLst/>
+          </a:prstGeom>
+          <a:noFill/>
+        </p:spPr>
+        <p:txBody>
+          <a:bodyPr wrap="square">
+            <a:spAutoFit/>
+          </a:bodyPr>
+          <a:lstStyle/>
+          <a:p>
+            <a:pPr algn="l">
+              <a:defRPr sz="1000" b="0">
+                <a:solidFill>
+                  <a:srgbClr val="706F6C"/>
+                </a:solidFill>
+              </a:defRPr>
+            </a:pPr>
+            <a:r>
+              <a:t>Holding Co Transfer</a:t>
+            </a:r>
+          </a:p>
+        </p:txBody>
+      </p:sp>
+      <p:sp>
+        <p:nvSpPr>
+          <p:cNvPr id="50" name="TextBox 49"/>
+          <p:cNvSpPr txBox="1"/>
+          <p:nvPr/>
+        </p:nvSpPr>
+        <p:spPr>
+          <a:xfrm>
+            <a:off x="5943600" y="4663440"/>
+            <a:ext cx="1097280" cy="502920"/>
+          </a:xfrm>
+          <a:prstGeom prst="rect">
+            <a:avLst/>
+          </a:prstGeom>
+          <a:noFill/>
+        </p:spPr>
+        <p:txBody>
+          <a:bodyPr wrap="square">
+            <a:spAutoFit/>
+          </a:bodyPr>
+          <a:lstStyle/>
+          <a:p>
+            <a:pPr algn="l">
+              <a:defRPr sz="900" b="0">
+                <a:solidFill>
+                  <a:srgbClr val="706F6C"/>
+                </a:solidFill>
+              </a:defRPr>
+            </a:pPr>
+            <a:r>
+              <a:t>QC</a:t>
+            </a:r>
+          </a:p>
+        </p:txBody>
+      </p:sp>
+      <p:sp>
+        <p:nvSpPr>
+          <p:cNvPr id="51" name="TextBox 50"/>
+          <p:cNvSpPr txBox="1"/>
+          <p:nvPr/>
+        </p:nvSpPr>
+        <p:spPr>
+          <a:xfrm>
+            <a:off x="7040880" y="4663440"/>
+            <a:ext cx="4846320" cy="502920"/>
+          </a:xfrm>
+          <a:prstGeom prst="rect">
+            <a:avLst/>
+          </a:prstGeom>
+          <a:noFill/>
+        </p:spPr>
+        <p:txBody>
+          <a:bodyPr wrap="square">
+            <a:spAutoFit/>
+          </a:bodyPr>
+          <a:lstStyle/>
+          <a:p>
+            <a:pPr algn="l">
+              <a:defRPr sz="900" b="0">
+                <a:solidFill>
+                  <a:srgbClr val="3A5566"/>
+                </a:solidFill>
+              </a:defRPr>
+            </a:pPr>
+            <a:r>
+              <a:t>Transferred to holding company structure</a:t>
+            </a:r>
+          </a:p>
+        </p:txBody>
+      </p:sp>
+      <p:sp>
+        <p:nvSpPr>
+          <p:cNvPr id="52" name="Rectangle 51"/>
+          <p:cNvSpPr/>
+          <p:nvPr/>
+        </p:nvSpPr>
+        <p:spPr>
+          <a:xfrm>
+            <a:off x="274320" y="5166359"/>
+            <a:ext cx="11612880" cy="9144"/>
+          </a:xfrm>
+          <a:prstGeom prst="rect">
+            <a:avLst/>
+          </a:prstGeom>
+          <a:solidFill>
+            <a:srgbClr val="F0F0F0"/>
+          </a:solidFill>
+          <a:ln>
+            <a:noFill/>
+          </a:ln>
+        </p:spPr>
+        <p:style>
+          <a:lnRef idx="1">
+            <a:schemeClr val="accent1"/>
+          </a:lnRef>
+          <a:fillRef idx="3">
+            <a:schemeClr val="accent1"/>
+          </a:fillRef>
+          <a:effectRef idx="2">
+            <a:schemeClr val="accent1"/>
+          </a:effectRef>
+          <a:fontRef idx="minor">
+            <a:schemeClr val="lt1"/>
+          </a:fontRef>
+        </p:style>
+        <p:txBody>
+          <a:bodyPr rtlCol="0" anchor="ctr"/>
+          <a:lstStyle/>
+          <a:p>
+            <a:pPr algn="ctr"/>
+          </a:p>
+        </p:txBody>
+      </p:sp>
+      <p:sp>
+        <p:nvSpPr>
+          <p:cNvPr id="53" name="TextBox 52"/>
+          <p:cNvSpPr txBox="1"/>
+          <p:nvPr/>
+        </p:nvSpPr>
+        <p:spPr>
+          <a:xfrm>
+            <a:off x="274320" y="5212079"/>
+            <a:ext cx="1097280" cy="502920"/>
+          </a:xfrm>
+          <a:prstGeom prst="rect">
+            <a:avLst/>
+          </a:prstGeom>
+          <a:noFill/>
+        </p:spPr>
+        <p:txBody>
+          <a:bodyPr wrap="square">
+            <a:spAutoFit/>
+          </a:bodyPr>
+          <a:lstStyle/>
+          <a:p>
+            <a:pPr algn="l">
+              <a:defRPr sz="1100" b="1">
+                <a:solidFill>
+                  <a:srgbClr val="2E7D32"/>
+                </a:solidFill>
+              </a:defRPr>
+            </a:pPr>
+            <a:r>
+              <a:t>2015</a:t>
+            </a:r>
+          </a:p>
+        </p:txBody>
+      </p:sp>
+      <p:sp>
+        <p:nvSpPr>
+          <p:cNvPr id="54" name="TextBox 53"/>
+          <p:cNvSpPr txBox="1"/>
+          <p:nvPr/>
+        </p:nvSpPr>
+        <p:spPr>
+          <a:xfrm>
+            <a:off x="1463040" y="5212079"/>
+            <a:ext cx="2743200" cy="502920"/>
+          </a:xfrm>
+          <a:prstGeom prst="rect">
+            <a:avLst/>
+          </a:prstGeom>
+          <a:noFill/>
+        </p:spPr>
+        <p:txBody>
+          <a:bodyPr wrap="square">
+            <a:spAutoFit/>
+          </a:bodyPr>
+          <a:lstStyle/>
+          <a:p>
+            <a:pPr algn="l">
+              <a:defRPr sz="1000" b="1">
+                <a:solidFill>
+                  <a:srgbClr val="3A5566"/>
+                </a:solidFill>
+              </a:defRPr>
+            </a:pPr>
+            <a:r>
+              <a:t>MarketStreet Grassmere, Co</a:t>
+            </a:r>
+          </a:p>
+        </p:txBody>
+      </p:sp>
+      <p:sp>
+        <p:nvSpPr>
+          <p:cNvPr id="55" name="TextBox 54"/>
+          <p:cNvSpPr txBox="1"/>
+          <p:nvPr/>
+        </p:nvSpPr>
+        <p:spPr>
+          <a:xfrm>
+            <a:off x="4389120" y="5212079"/>
+            <a:ext cx="1463040" cy="502920"/>
+          </a:xfrm>
+          <a:prstGeom prst="rect">
+            <a:avLst/>
+          </a:prstGeom>
+          <a:noFill/>
+        </p:spPr>
+        <p:txBody>
+          <a:bodyPr wrap="square">
+            <a:spAutoFit/>
+          </a:bodyPr>
+          <a:lstStyle/>
+          <a:p>
+            <a:pPr algn="l">
+              <a:defRPr sz="1000" b="1">
+                <a:solidFill>
+                  <a:srgbClr val="2E7D32"/>
+                </a:solidFill>
+              </a:defRPr>
+            </a:pPr>
+            <a:r>
+              <a:t>$25,938,000</a:t>
+            </a:r>
+          </a:p>
+        </p:txBody>
+      </p:sp>
+      <p:sp>
+        <p:nvSpPr>
+          <p:cNvPr id="56" name="TextBox 55"/>
+          <p:cNvSpPr txBox="1"/>
+          <p:nvPr/>
+        </p:nvSpPr>
+        <p:spPr>
+          <a:xfrm>
+            <a:off x="5943600" y="5212079"/>
+            <a:ext cx="1097280" cy="502920"/>
+          </a:xfrm>
+          <a:prstGeom prst="rect">
+            <a:avLst/>
+          </a:prstGeom>
+          <a:noFill/>
+        </p:spPr>
+        <p:txBody>
+          <a:bodyPr wrap="square">
+            <a:spAutoFit/>
+          </a:bodyPr>
+          <a:lstStyle/>
+          <a:p>
+            <a:pPr algn="l">
+              <a:defRPr sz="900" b="0">
+                <a:solidFill>
+                  <a:srgbClr val="706F6C"/>
+                </a:solidFill>
+              </a:defRPr>
+            </a:pPr>
+            <a:r>
+              <a:t>Deed</a:t>
+            </a:r>
+          </a:p>
+        </p:txBody>
+      </p:sp>
+      <p:sp>
+        <p:nvSpPr>
+          <p:cNvPr id="57" name="TextBox 56"/>
+          <p:cNvSpPr txBox="1"/>
+          <p:nvPr/>
+        </p:nvSpPr>
+        <p:spPr>
+          <a:xfrm>
+            <a:off x="7040880" y="5212079"/>
+            <a:ext cx="4846320" cy="502920"/>
+          </a:xfrm>
+          <a:prstGeom prst="rect">
+            <a:avLst/>
+          </a:prstGeom>
+          <a:noFill/>
+        </p:spPr>
+        <p:txBody>
+          <a:bodyPr wrap="square">
+            <a:spAutoFit/>
+          </a:bodyPr>
+          <a:lstStyle/>
+          <a:p>
+            <a:pPr algn="l">
+              <a:defRPr sz="900" b="0">
+                <a:solidFill>
+                  <a:srgbClr val="3A5566"/>
+                </a:solidFill>
+              </a:defRPr>
+            </a:pPr>
+            <a:r>
+              <a:t>Current owner. Acquired at $115.69/SF. Active status. Instrument: DB-20150612 0055733</a:t>
+            </a:r>
+          </a:p>
+        </p:txBody>
+      </p:sp>
+      <p:sp>
+        <p:nvSpPr>
+          <p:cNvPr id="58" name="Rectangle 57"/>
+          <p:cNvSpPr/>
+          <p:nvPr/>
+        </p:nvSpPr>
+        <p:spPr>
+          <a:xfrm>
+            <a:off x="274320" y="5714999"/>
+            <a:ext cx="11612880" cy="9144"/>
+          </a:xfrm>
+          <a:prstGeom prst="rect">
+            <a:avLst/>
+          </a:prstGeom>
+          <a:solidFill>
+            <a:srgbClr val="F0F0F0"/>
+          </a:solidFill>
+          <a:ln>
+            <a:noFill/>
+          </a:ln>
+        </p:spPr>
+        <p:style>
+          <a:lnRef idx="1">
+            <a:schemeClr val="accent1"/>
+          </a:lnRef>
+          <a:fillRef idx="3">
+            <a:schemeClr val="accent1"/>
+          </a:fillRef>
+          <a:effectRef idx="2">
+            <a:schemeClr val="accent1"/>
+          </a:effectRef>
+          <a:fontRef idx="minor">
+            <a:schemeClr val="lt1"/>
+          </a:fontRef>
+        </p:style>
+        <p:txBody>
+          <a:bodyPr rtlCol="0" anchor="ctr"/>
+          <a:lstStyle/>
+          <a:p>
+            <a:pPr algn="ctr"/>
+          </a:p>
+        </p:txBody>
+      </p:sp>
+      <p:sp>
+        <p:nvSpPr>
+          <p:cNvPr id="59" name="TextBox 58"/>
+          <p:cNvSpPr txBox="1"/>
+          <p:nvPr/>
+        </p:nvSpPr>
+        <p:spPr>
+          <a:xfrm>
+            <a:off x="274320" y="5897879"/>
+            <a:ext cx="11612880" cy="274320"/>
+          </a:xfrm>
+          <a:prstGeom prst="rect">
+            <a:avLst/>
+          </a:prstGeom>
+          <a:noFill/>
+        </p:spPr>
+        <p:txBody>
+          <a:bodyPr wrap="square">
+            <a:spAutoFit/>
+          </a:bodyPr>
+          <a:lstStyle/>
+          <a:p>
+            <a:pPr algn="l">
+              <a:defRPr sz="1400" b="1">
+                <a:solidFill>
+                  <a:srgbClr val="3A5566"/>
+                </a:solidFill>
+              </a:defRPr>
+            </a:pPr>
+            <a:r>
+              <a:t>Key Observations</a:t>
+            </a:r>
+          </a:p>
+        </p:txBody>
+      </p:sp>
+      <p:sp>
+        <p:nvSpPr>
+          <p:cNvPr id="60" name="TextBox 59"/>
+          <p:cNvSpPr txBox="1"/>
+          <p:nvPr/>
+        </p:nvSpPr>
+        <p:spPr>
+          <a:xfrm>
+            <a:off x="457200" y="6217919"/>
+            <a:ext cx="11430000" cy="274320"/>
+          </a:xfrm>
+          <a:prstGeom prst="rect">
+            <a:avLst/>
+          </a:prstGeom>
+          <a:noFill/>
+        </p:spPr>
+        <p:txBody>
+          <a:bodyPr wrap="square">
+            <a:spAutoFit/>
+          </a:bodyPr>
+          <a:lstStyle/>
+          <a:p>
+            <a:pPr algn="l">
+              <a:defRPr sz="950" b="0">
+                <a:solidFill>
+                  <a:srgbClr val="3A5566"/>
+                </a:solidFill>
+              </a:defRPr>
+            </a:pPr>
+            <a:r>
+              <a:t>4 major ownership changes in 40 years: AT&amp;T (original) &gt; ARI (2004, $22M) &gt; Reconsolidation (2011) &gt; MarketStreet (2015, $25.9M)</a:t>
+            </a:r>
+          </a:p>
+        </p:txBody>
+      </p:sp>
+      <p:sp>
+        <p:nvSpPr>
+          <p:cNvPr id="61" name="TextBox 60"/>
+          <p:cNvSpPr txBox="1"/>
+          <p:nvPr/>
+        </p:nvSpPr>
+        <p:spPr>
+          <a:xfrm>
+            <a:off x="457200" y="6492239"/>
+            <a:ext cx="11430000" cy="274320"/>
+          </a:xfrm>
+          <a:prstGeom prst="rect">
+            <a:avLst/>
+          </a:prstGeom>
+          <a:noFill/>
+        </p:spPr>
+        <p:txBody>
+          <a:bodyPr wrap="square">
+            <a:spAutoFit/>
+          </a:bodyPr>
+          <a:lstStyle/>
+          <a:p>
+            <a:pPr algn="l">
+              <a:defRPr sz="950" b="0">
+                <a:solidFill>
+                  <a:srgbClr val="3A5566"/>
+                </a:solidFill>
+              </a:defRPr>
+            </a:pPr>
+            <a:r>
+              <a:t>2004 ARI acquisition included complex condo-style subdivision into 20+ LLC entities, later reconsolidated in 2011</a:t>
+            </a:r>
+          </a:p>
+        </p:txBody>
+      </p:sp>
+      <p:sp>
+        <p:nvSpPr>
+          <p:cNvPr id="62" name="TextBox 61"/>
+          <p:cNvSpPr txBox="1"/>
+          <p:nvPr/>
+        </p:nvSpPr>
+        <p:spPr>
+          <a:xfrm>
+            <a:off x="457200" y="6766559"/>
+            <a:ext cx="11430000" cy="274320"/>
+          </a:xfrm>
+          <a:prstGeom prst="rect">
+            <a:avLst/>
+          </a:prstGeom>
+          <a:noFill/>
+        </p:spPr>
+        <p:txBody>
+          <a:bodyPr wrap="square">
+            <a:spAutoFit/>
+          </a:bodyPr>
+          <a:lstStyle/>
+          <a:p>
+            <a:pPr algn="l">
+              <a:defRPr sz="950" b="0">
+                <a:solidFill>
+                  <a:srgbClr val="3A5566"/>
+                </a:solidFill>
+              </a:defRPr>
+            </a:pPr>
+            <a:r>
+              <a:t>Current appraised value ($37.4M) represents 44% appreciation over the 2015 purchase price ($25.9M)</a:t>
+            </a:r>
+          </a:p>
+        </p:txBody>
+      </p:sp>
+      <p:sp>
+        <p:nvSpPr>
+          <p:cNvPr id="63" name="TextBox 62"/>
+          <p:cNvSpPr txBox="1"/>
+          <p:nvPr/>
+        </p:nvSpPr>
+        <p:spPr>
+          <a:xfrm>
+            <a:off x="457200" y="7040879"/>
+            <a:ext cx="11430000" cy="274320"/>
+          </a:xfrm>
+          <a:prstGeom prst="rect">
+            <a:avLst/>
+          </a:prstGeom>
+          <a:noFill/>
+        </p:spPr>
+        <p:txBody>
+          <a:bodyPr wrap="square">
+            <a:spAutoFit/>
+          </a:bodyPr>
+          <a:lstStyle/>
+          <a:p>
+            <a:pPr algn="l">
+              <a:defRPr sz="950" b="0">
+                <a:solidFill>
+                  <a:srgbClr val="3A5566"/>
+                </a:solidFill>
+              </a:defRPr>
+            </a:pPr>
+            <a:r>
+              <a:t>67 total recorded instruments on this parcel reflect the complex ownership and restructuring history</a:t>
+            </a:r>
+          </a:p>
+        </p:txBody>
+      </p:sp>
+    </p:spTree>
+  </p:cSld>
+  <p:clrMapOvr>
+    <a:masterClrMapping/>
+  </p:clrMapOvr>
+</p:sld>
+</file>
+
+<file path=ppt/slides/slide18.xml><?xml version="1.0" encoding="utf-8"?>
+<p:sld xmlns:a="http://schemas.openxmlformats.org/drawingml/2006/main" xmlns:p="http://schemas.openxmlformats.org/presentationml/2006/main" xmlns:r="http://schemas.openxmlformats.org/officeDocument/2006/relationships">
+  <p:cSld>
+    <p:bg>
+      <p:bgPr>
+        <a:solidFill>
+          <a:srgbClr val="FFFFFF"/>
+        </a:solidFill>
+        <a:effectLst/>
+      </p:bgPr>
+    </p:bg>
+    <p:spTree>
+      <p:nvGrpSpPr>
+        <p:cNvPr id="1" name=""/>
+        <p:cNvGrpSpPr/>
+        <p:nvPr/>
+      </p:nvGrpSpPr>
+      <p:grpSpPr/>
+      <p:sp>
+        <p:nvSpPr>
+          <p:cNvPr id="2" name="Rectangle 1"/>
+          <p:cNvSpPr/>
+          <p:nvPr/>
+        </p:nvSpPr>
+        <p:spPr>
+          <a:xfrm>
+            <a:off x="0" y="0"/>
+            <a:ext cx="12191695" cy="777240"/>
+          </a:xfrm>
+          <a:prstGeom prst="rect">
+            <a:avLst/>
+          </a:prstGeom>
+          <a:solidFill>
+            <a:srgbClr val="3A5566"/>
+          </a:solidFill>
+          <a:ln>
+            <a:noFill/>
+          </a:ln>
+        </p:spPr>
+        <p:style>
+          <a:lnRef idx="1">
+            <a:schemeClr val="accent1"/>
+          </a:lnRef>
+          <a:fillRef idx="3">
+            <a:schemeClr val="accent1"/>
+          </a:fillRef>
+          <a:effectRef idx="2">
+            <a:schemeClr val="accent1"/>
+          </a:effectRef>
+          <a:fontRef idx="minor">
+            <a:schemeClr val="lt1"/>
+          </a:fontRef>
+        </p:style>
+        <p:txBody>
+          <a:bodyPr rtlCol="0" anchor="ctr"/>
+          <a:lstStyle/>
+          <a:p>
+            <a:pPr algn="ctr"/>
+          </a:p>
+        </p:txBody>
+      </p:sp>
+      <p:sp>
+        <p:nvSpPr>
+          <p:cNvPr id="3" name="TextBox 2"/>
+          <p:cNvSpPr txBox="1"/>
+          <p:nvPr/>
+        </p:nvSpPr>
+        <p:spPr>
+          <a:xfrm>
+            <a:off x="457200" y="109728"/>
+            <a:ext cx="10972800" cy="411480"/>
+          </a:xfrm>
+          <a:prstGeom prst="rect">
+            <a:avLst/>
+          </a:prstGeom>
+          <a:noFill/>
+        </p:spPr>
+        <p:txBody>
+          <a:bodyPr wrap="square">
+            <a:spAutoFit/>
+          </a:bodyPr>
+          <a:lstStyle/>
+          <a:p>
+            <a:pPr algn="l">
+              <a:defRPr sz="2600" b="1">
+                <a:solidFill>
+                  <a:srgbClr val="FFFFFF"/>
+                </a:solidFill>
+              </a:defRPr>
+            </a:pPr>
+            <a:r>
+              <a:t>BZA Special Exceptions — Office Use Change Analysis</a:t>
+            </a:r>
+          </a:p>
+        </p:txBody>
+      </p:sp>
+      <p:sp>
+        <p:nvSpPr>
+          <p:cNvPr id="4" name="TextBox 3"/>
+          <p:cNvSpPr txBox="1"/>
+          <p:nvPr/>
+        </p:nvSpPr>
+        <p:spPr>
+          <a:xfrm>
+            <a:off x="457200" y="438912"/>
+            <a:ext cx="10972800" cy="274320"/>
+          </a:xfrm>
+          <a:prstGeom prst="rect">
+            <a:avLst/>
+          </a:prstGeom>
+          <a:noFill/>
+        </p:spPr>
+        <p:txBody>
+          <a:bodyPr wrap="square">
+            <a:spAutoFit/>
+          </a:bodyPr>
+          <a:lstStyle/>
+          <a:p>
+            <a:pPr algn="l">
+              <a:defRPr sz="1200" b="0">
+                <a:solidFill>
+                  <a:srgbClr val="CBB279"/>
+                </a:solidFill>
+              </a:defRPr>
+            </a:pPr>
+            <a:r>
+              <a:t>Davidson County  |  No Successful Office-to-Residential Conversions in BZA History</a:t>
+            </a:r>
+          </a:p>
+        </p:txBody>
+      </p:sp>
+      <p:sp>
+        <p:nvSpPr>
+          <p:cNvPr id="5" name="Rectangle 4"/>
+          <p:cNvSpPr/>
+          <p:nvPr/>
+        </p:nvSpPr>
+        <p:spPr>
+          <a:xfrm>
+            <a:off x="274320" y="1005840"/>
+            <a:ext cx="11612880" cy="914400"/>
+          </a:xfrm>
+          <a:prstGeom prst="rect">
+            <a:avLst/>
+          </a:prstGeom>
+          <a:solidFill>
+            <a:srgbClr val="FDEDED"/>
+          </a:solidFill>
+          <a:ln>
+            <a:solidFill>
+              <a:srgbClr val="C62828"/>
+            </a:solidFill>
+          </a:ln>
+        </p:spPr>
+        <p:style>
+          <a:lnRef idx="1">
+            <a:schemeClr val="accent1"/>
+          </a:lnRef>
+          <a:fillRef idx="3">
+            <a:schemeClr val="accent1"/>
+          </a:fillRef>
+          <a:effectRef idx="2">
+            <a:schemeClr val="accent1"/>
+          </a:effectRef>
+          <a:fontRef idx="minor">
+            <a:schemeClr val="lt1"/>
+          </a:fontRef>
+        </p:style>
+        <p:txBody>
+          <a:bodyPr rtlCol="0" anchor="ctr"/>
+          <a:lstStyle/>
+          <a:p>
+            <a:pPr algn="ctr"/>
+          </a:p>
+        </p:txBody>
+      </p:sp>
+      <p:sp>
+        <p:nvSpPr>
+          <p:cNvPr id="6" name="TextBox 5"/>
+          <p:cNvSpPr txBox="1"/>
+          <p:nvPr/>
+        </p:nvSpPr>
+        <p:spPr>
+          <a:xfrm>
+            <a:off x="548640" y="1097280"/>
+            <a:ext cx="10972800" cy="365760"/>
+          </a:xfrm>
+          <a:prstGeom prst="rect">
+            <a:avLst/>
+          </a:prstGeom>
+          <a:noFill/>
+        </p:spPr>
+        <p:txBody>
+          <a:bodyPr wrap="square">
+            <a:spAutoFit/>
+          </a:bodyPr>
+          <a:lstStyle/>
+          <a:p>
+            <a:pPr algn="l">
+              <a:defRPr sz="1600" b="1">
+                <a:solidFill>
+                  <a:srgbClr val="C62828"/>
+                </a:solidFill>
+              </a:defRPr>
+            </a:pPr>
+            <a:r>
+              <a:t>KEY FINDING: Zero BZA special exceptions have been granted for office-to-residential use conversion in Davidson County</a:t>
+            </a:r>
+          </a:p>
+        </p:txBody>
+      </p:sp>
+      <p:sp>
+        <p:nvSpPr>
+          <p:cNvPr id="7" name="TextBox 6"/>
+          <p:cNvSpPr txBox="1"/>
+          <p:nvPr/>
+        </p:nvSpPr>
+        <p:spPr>
+          <a:xfrm>
+            <a:off x="548640" y="1463040"/>
+            <a:ext cx="10972800" cy="320040"/>
+          </a:xfrm>
+          <a:prstGeom prst="rect">
+            <a:avLst/>
+          </a:prstGeom>
+          <a:noFill/>
+        </p:spPr>
+        <p:txBody>
+          <a:bodyPr wrap="square">
+            <a:spAutoFit/>
+          </a:bodyPr>
+          <a:lstStyle/>
+          <a:p>
+            <a:pPr algn="l">
+              <a:defRPr sz="1100" b="0">
+                <a:solidFill>
+                  <a:srgbClr val="3A5566"/>
+                </a:solidFill>
+              </a:defRPr>
+            </a:pPr>
+            <a:r>
+              <a:t>Of 325 BZA cases reviewed (2006-2022), no case successfully converted an office building to residential use through the special exception process.</a:t>
+            </a:r>
+          </a:p>
+        </p:txBody>
+      </p:sp>
+      <p:sp>
+        <p:nvSpPr>
+          <p:cNvPr id="8" name="Rectangle 7"/>
+          <p:cNvSpPr/>
+          <p:nvPr/>
+        </p:nvSpPr>
+        <p:spPr>
+          <a:xfrm>
+            <a:off x="274320" y="2103120"/>
+            <a:ext cx="1920240" cy="1005840"/>
+          </a:xfrm>
+          <a:prstGeom prst="rect">
+            <a:avLst/>
+          </a:prstGeom>
+          <a:solidFill>
+            <a:srgbClr val="F2F0ED"/>
+          </a:solidFill>
+          <a:ln>
+            <a:solidFill>
+              <a:srgbClr val="E2E2E0"/>
+            </a:solidFill>
+          </a:ln>
+        </p:spPr>
+        <p:style>
+          <a:lnRef idx="1">
+            <a:schemeClr val="accent1"/>
+          </a:lnRef>
+          <a:fillRef idx="3">
+            <a:schemeClr val="accent1"/>
+          </a:fillRef>
+          <a:effectRef idx="2">
+            <a:schemeClr val="accent1"/>
+          </a:effectRef>
+          <a:fontRef idx="minor">
+            <a:schemeClr val="lt1"/>
+          </a:fontRef>
+        </p:style>
+        <p:txBody>
+          <a:bodyPr rtlCol="0" anchor="ctr" wrap="square"/>
+          <a:lstStyle/>
+          <a:p>
+            <a:pPr algn="ctr">
+              <a:defRPr sz="2200" b="1">
+                <a:solidFill>
+                  <a:srgbClr val="3A5566"/>
+                </a:solidFill>
+              </a:defRPr>
+            </a:pPr>
+            <a:r>
+              <a:t>325</a:t>
+            </a:r>
+          </a:p>
+          <a:p>
+            <a:pPr algn="ctr">
+              <a:defRPr sz="900">
+                <a:solidFill>
+                  <a:srgbClr val="706F6C"/>
+                </a:solidFill>
+              </a:defRPr>
+            </a:pPr>
+            <a:r>
+              <a:t>Total BZA Cases</a:t>
+            </a:r>
+          </a:p>
+        </p:txBody>
+      </p:sp>
+      <p:sp>
+        <p:nvSpPr>
+          <p:cNvPr id="9" name="Rectangle 8"/>
+          <p:cNvSpPr/>
+          <p:nvPr/>
+        </p:nvSpPr>
+        <p:spPr>
+          <a:xfrm>
+            <a:off x="2331720" y="2103120"/>
+            <a:ext cx="1920240" cy="1005840"/>
+          </a:xfrm>
+          <a:prstGeom prst="rect">
+            <a:avLst/>
+          </a:prstGeom>
+          <a:solidFill>
+            <a:srgbClr val="F2F0ED"/>
+          </a:solidFill>
+          <a:ln>
+            <a:solidFill>
+              <a:srgbClr val="E2E2E0"/>
+            </a:solidFill>
+          </a:ln>
+        </p:spPr>
+        <p:style>
+          <a:lnRef idx="1">
+            <a:schemeClr val="accent1"/>
+          </a:lnRef>
+          <a:fillRef idx="3">
+            <a:schemeClr val="accent1"/>
+          </a:fillRef>
+          <a:effectRef idx="2">
+            <a:schemeClr val="accent1"/>
+          </a:effectRef>
+          <a:fontRef idx="minor">
+            <a:schemeClr val="lt1"/>
+          </a:fontRef>
+        </p:style>
+        <p:txBody>
+          <a:bodyPr rtlCol="0" anchor="ctr" wrap="square"/>
+          <a:lstStyle/>
+          <a:p>
+            <a:pPr algn="ctr">
+              <a:defRPr sz="2200" b="1">
+                <a:solidFill>
+                  <a:srgbClr val="C62828"/>
+                </a:solidFill>
+              </a:defRPr>
+            </a:pPr>
+            <a:r>
+              <a:t>54</a:t>
+            </a:r>
+          </a:p>
+          <a:p>
+            <a:pPr algn="ctr">
+              <a:defRPr sz="900">
+                <a:solidFill>
+                  <a:srgbClr val="706F6C"/>
+                </a:solidFill>
+              </a:defRPr>
+            </a:pPr>
+            <a:r>
+              <a:t>Denied</a:t>
+            </a:r>
+          </a:p>
+        </p:txBody>
+      </p:sp>
+      <p:sp>
+        <p:nvSpPr>
+          <p:cNvPr id="10" name="Rectangle 9"/>
+          <p:cNvSpPr/>
+          <p:nvPr/>
+        </p:nvSpPr>
+        <p:spPr>
+          <a:xfrm>
+            <a:off x="4389120" y="2103120"/>
+            <a:ext cx="1920240" cy="1005840"/>
+          </a:xfrm>
+          <a:prstGeom prst="rect">
+            <a:avLst/>
+          </a:prstGeom>
+          <a:solidFill>
+            <a:srgbClr val="F2F0ED"/>
+          </a:solidFill>
+          <a:ln>
+            <a:solidFill>
+              <a:srgbClr val="E2E2E0"/>
+            </a:solidFill>
+          </a:ln>
+        </p:spPr>
+        <p:style>
+          <a:lnRef idx="1">
+            <a:schemeClr val="accent1"/>
+          </a:lnRef>
+          <a:fillRef idx="3">
+            <a:schemeClr val="accent1"/>
+          </a:fillRef>
+          <a:effectRef idx="2">
+            <a:schemeClr val="accent1"/>
+          </a:effectRef>
+          <a:fontRef idx="minor">
+            <a:schemeClr val="lt1"/>
+          </a:fontRef>
+        </p:style>
+        <p:txBody>
+          <a:bodyPr rtlCol="0" anchor="ctr" wrap="square"/>
+          <a:lstStyle/>
+          <a:p>
+            <a:pPr algn="ctr">
+              <a:defRPr sz="2200" b="1">
+                <a:solidFill>
+                  <a:srgbClr val="2E7D32"/>
+                </a:solidFill>
+              </a:defRPr>
+            </a:pPr>
+            <a:r>
+              <a:t>46</a:t>
+            </a:r>
+          </a:p>
+          <a:p>
+            <a:pPr algn="ctr">
+              <a:defRPr sz="900">
+                <a:solidFill>
+                  <a:srgbClr val="706F6C"/>
+                </a:solidFill>
+              </a:defRPr>
+            </a:pPr>
+            <a:r>
+              <a:t>Granted</a:t>
+            </a:r>
+          </a:p>
+        </p:txBody>
+      </p:sp>
+      <p:sp>
+        <p:nvSpPr>
+          <p:cNvPr id="11" name="Rectangle 10"/>
+          <p:cNvSpPr/>
+          <p:nvPr/>
+        </p:nvSpPr>
+        <p:spPr>
+          <a:xfrm>
+            <a:off x="6446520" y="2103120"/>
+            <a:ext cx="1920240" cy="1005840"/>
+          </a:xfrm>
+          <a:prstGeom prst="rect">
+            <a:avLst/>
+          </a:prstGeom>
+          <a:solidFill>
+            <a:srgbClr val="F2F0ED"/>
+          </a:solidFill>
+          <a:ln>
+            <a:solidFill>
+              <a:srgbClr val="E2E2E0"/>
+            </a:solidFill>
+          </a:ln>
+        </p:spPr>
+        <p:style>
+          <a:lnRef idx="1">
+            <a:schemeClr val="accent1"/>
+          </a:lnRef>
+          <a:fillRef idx="3">
+            <a:schemeClr val="accent1"/>
+          </a:fillRef>
+          <a:effectRef idx="2">
+            <a:schemeClr val="accent1"/>
+          </a:effectRef>
+          <a:fontRef idx="minor">
+            <a:schemeClr val="lt1"/>
+          </a:fontRef>
+        </p:style>
+        <p:txBody>
+          <a:bodyPr rtlCol="0" anchor="ctr" wrap="square"/>
+          <a:lstStyle/>
+          <a:p>
+            <a:pPr algn="ctr">
+              <a:defRPr sz="2200" b="1">
+                <a:solidFill>
+                  <a:srgbClr val="706F6C"/>
+                </a:solidFill>
+              </a:defRPr>
+            </a:pPr>
+            <a:r>
+              <a:t>23</a:t>
+            </a:r>
+          </a:p>
+          <a:p>
+            <a:pPr algn="ctr">
+              <a:defRPr sz="900">
+                <a:solidFill>
+                  <a:srgbClr val="706F6C"/>
+                </a:solidFill>
+              </a:defRPr>
+            </a:pPr>
+            <a:r>
+              <a:t>Withdrawn</a:t>
+            </a:r>
+          </a:p>
+        </p:txBody>
+      </p:sp>
+      <p:sp>
+        <p:nvSpPr>
+          <p:cNvPr id="12" name="Rectangle 11"/>
+          <p:cNvSpPr/>
+          <p:nvPr/>
+        </p:nvSpPr>
+        <p:spPr>
+          <a:xfrm>
+            <a:off x="8503920" y="2103120"/>
+            <a:ext cx="1920240" cy="1005840"/>
+          </a:xfrm>
+          <a:prstGeom prst="rect">
+            <a:avLst/>
+          </a:prstGeom>
+          <a:solidFill>
+            <a:srgbClr val="F2F0ED"/>
+          </a:solidFill>
+          <a:ln>
+            <a:solidFill>
+              <a:srgbClr val="E2E2E0"/>
+            </a:solidFill>
+          </a:ln>
+        </p:spPr>
+        <p:style>
+          <a:lnRef idx="1">
+            <a:schemeClr val="accent1"/>
+          </a:lnRef>
+          <a:fillRef idx="3">
+            <a:schemeClr val="accent1"/>
+          </a:fillRef>
+          <a:effectRef idx="2">
+            <a:schemeClr val="accent1"/>
+          </a:effectRef>
+          <a:fontRef idx="minor">
+            <a:schemeClr val="lt1"/>
+          </a:fontRef>
+        </p:style>
+        <p:txBody>
+          <a:bodyPr rtlCol="0" anchor="ctr" wrap="square"/>
+          <a:lstStyle/>
+          <a:p>
+            <a:pPr algn="ctr">
+              <a:defRPr sz="2200" b="1">
+                <a:solidFill>
+                  <a:srgbClr val="E65100"/>
+                </a:solidFill>
+              </a:defRPr>
+            </a:pPr>
+            <a:r>
+              <a:t>202</a:t>
+            </a:r>
+          </a:p>
+          <a:p>
+            <a:pPr algn="ctr">
+              <a:defRPr sz="900">
+                <a:solidFill>
+                  <a:srgbClr val="706F6C"/>
+                </a:solidFill>
+              </a:defRPr>
+            </a:pPr>
+            <a:r>
+              <a:t>Expired/No Action</a:t>
+            </a:r>
+          </a:p>
+        </p:txBody>
+      </p:sp>
+      <p:sp>
+        <p:nvSpPr>
+          <p:cNvPr id="13" name="Rectangle 12"/>
+          <p:cNvSpPr/>
+          <p:nvPr/>
+        </p:nvSpPr>
+        <p:spPr>
+          <a:xfrm>
+            <a:off x="10561320" y="2103120"/>
+            <a:ext cx="1371600" cy="1005840"/>
+          </a:xfrm>
+          <a:prstGeom prst="rect">
+            <a:avLst/>
+          </a:prstGeom>
+          <a:solidFill>
+            <a:srgbClr val="F2F0ED"/>
+          </a:solidFill>
+          <a:ln>
+            <a:solidFill>
+              <a:srgbClr val="E2E2E0"/>
+            </a:solidFill>
+          </a:ln>
+        </p:spPr>
+        <p:style>
+          <a:lnRef idx="1">
+            <a:schemeClr val="accent1"/>
+          </a:lnRef>
+          <a:fillRef idx="3">
+            <a:schemeClr val="accent1"/>
+          </a:fillRef>
+          <a:effectRef idx="2">
+            <a:schemeClr val="accent1"/>
+          </a:effectRef>
+          <a:fontRef idx="minor">
+            <a:schemeClr val="lt1"/>
+          </a:fontRef>
+        </p:style>
+        <p:txBody>
+          <a:bodyPr rtlCol="0" anchor="ctr" wrap="square"/>
+          <a:lstStyle/>
+          <a:p>
+            <a:pPr algn="ctr">
+              <a:defRPr sz="2200" b="1">
+                <a:solidFill>
+                  <a:srgbClr val="C62828"/>
+                </a:solidFill>
+              </a:defRPr>
+            </a:pPr>
+            <a:r>
+              <a:t>0</a:t>
+            </a:r>
+          </a:p>
+          <a:p>
+            <a:pPr algn="ctr">
+              <a:defRPr sz="900">
+                <a:solidFill>
+                  <a:srgbClr val="706F6C"/>
+                </a:solidFill>
+              </a:defRPr>
+            </a:pPr>
+            <a:r>
+              <a:t>Office &gt; Res</a:t>
+            </a:r>
+          </a:p>
+        </p:txBody>
+      </p:sp>
+      <p:graphicFrame>
+        <p:nvGraphicFramePr>
+          <p:cNvPr id="14" name="Chart 13"/>
+          <p:cNvGraphicFramePr>
+            <a:graphicFrameLocks noGrp="1"/>
+          </p:cNvGraphicFramePr>
+          <p:nvPr/>
+        </p:nvGraphicFramePr>
+        <p:xfrm>
+          <a:off x="274320" y="3291840"/>
+          <a:ext cx="6400800" cy="3200400"/>
+        </p:xfrm>
+        <a:graphic>
+          <a:graphicData uri="http://schemas.openxmlformats.org/drawingml/2006/chart">
+            <c:chart xmlns:c="http://schemas.openxmlformats.org/drawingml/2006/chart" r:id="rId2"/>
+          </a:graphicData>
+        </a:graphic>
+      </p:graphicFrame>
+      <p:sp>
+        <p:nvSpPr>
+          <p:cNvPr id="15" name="TextBox 14"/>
+          <p:cNvSpPr txBox="1"/>
+          <p:nvPr/>
+        </p:nvSpPr>
+        <p:spPr>
+          <a:xfrm>
+            <a:off x="7040880" y="3291840"/>
+            <a:ext cx="4846320" cy="274320"/>
+          </a:xfrm>
+          <a:prstGeom prst="rect">
+            <a:avLst/>
+          </a:prstGeom>
+          <a:noFill/>
+        </p:spPr>
+        <p:txBody>
+          <a:bodyPr wrap="square">
+            <a:spAutoFit/>
+          </a:bodyPr>
+          <a:lstStyle/>
+          <a:p>
+            <a:pPr algn="l">
+              <a:defRPr sz="1300" b="1">
+                <a:solidFill>
+                  <a:srgbClr val="3A5566"/>
+                </a:solidFill>
+              </a:defRPr>
+            </a:pPr>
+            <a:r>
+              <a:t>Why This Matters for 648 Grassmere</a:t>
+            </a:r>
+          </a:p>
+        </p:txBody>
+      </p:sp>
+      <p:sp>
+        <p:nvSpPr>
+          <p:cNvPr id="16" name="TextBox 15"/>
+          <p:cNvSpPr txBox="1"/>
+          <p:nvPr/>
+        </p:nvSpPr>
+        <p:spPr>
+          <a:xfrm>
+            <a:off x="7223760" y="3657600"/>
+            <a:ext cx="4663440" cy="228600"/>
+          </a:xfrm>
+          <a:prstGeom prst="rect">
+            <a:avLst/>
+          </a:prstGeom>
+          <a:noFill/>
+        </p:spPr>
+        <p:txBody>
+          <a:bodyPr wrap="square">
+            <a:spAutoFit/>
+          </a:bodyPr>
+          <a:lstStyle/>
+          <a:p>
+            <a:pPr algn="l">
+              <a:defRPr sz="1000" b="1">
+                <a:solidFill>
+                  <a:srgbClr val="3A5566"/>
+                </a:solidFill>
+              </a:defRPr>
+            </a:pPr>
+            <a:r>
+              <a:t>IWD Zoning Restrictions</a:t>
+            </a:r>
+          </a:p>
+        </p:txBody>
+      </p:sp>
+      <p:sp>
+        <p:nvSpPr>
+          <p:cNvPr id="17" name="TextBox 16"/>
+          <p:cNvSpPr txBox="1"/>
+          <p:nvPr/>
+        </p:nvSpPr>
+        <p:spPr>
+          <a:xfrm>
+            <a:off x="7223760" y="3858768"/>
+            <a:ext cx="4663440" cy="228600"/>
+          </a:xfrm>
+          <a:prstGeom prst="rect">
+            <a:avLst/>
+          </a:prstGeom>
+          <a:noFill/>
+        </p:spPr>
+        <p:txBody>
+          <a:bodyPr wrap="square">
+            <a:spAutoFit/>
+          </a:bodyPr>
+          <a:lstStyle/>
+          <a:p>
+            <a:pPr algn="l">
+              <a:defRPr sz="900" b="0">
+                <a:solidFill>
+                  <a:srgbClr val="3A5566"/>
+                </a:solidFill>
+              </a:defRPr>
+            </a:pPr>
+            <a:r>
+              <a:t>648 Grassmere is zoned IWD (Industrial Wedgewood-Donelson). Converting office use to residential would require a special exception or rezoning.</a:t>
+            </a:r>
+          </a:p>
+        </p:txBody>
+      </p:sp>
+      <p:sp>
+        <p:nvSpPr>
+          <p:cNvPr id="18" name="TextBox 17"/>
+          <p:cNvSpPr txBox="1"/>
+          <p:nvPr/>
+        </p:nvSpPr>
+        <p:spPr>
+          <a:xfrm>
+            <a:off x="7223760" y="4261103"/>
+            <a:ext cx="4663440" cy="228600"/>
+          </a:xfrm>
+          <a:prstGeom prst="rect">
+            <a:avLst/>
+          </a:prstGeom>
+          <a:noFill/>
+        </p:spPr>
+        <p:txBody>
+          <a:bodyPr wrap="square">
+            <a:spAutoFit/>
+          </a:bodyPr>
+          <a:lstStyle/>
+          <a:p>
+            <a:pPr algn="l">
+              <a:defRPr sz="1000" b="1">
+                <a:solidFill>
+                  <a:srgbClr val="3A5566"/>
+                </a:solidFill>
+              </a:defRPr>
+            </a:pPr>
+            <a:r>
+              <a:t>BZA Track Record Shows:</a:t>
+            </a:r>
+          </a:p>
+        </p:txBody>
+      </p:sp>
+      <p:sp>
+        <p:nvSpPr>
+          <p:cNvPr id="19" name="TextBox 18"/>
+          <p:cNvSpPr txBox="1"/>
+          <p:nvPr/>
+        </p:nvSpPr>
+        <p:spPr>
+          <a:xfrm>
+            <a:off x="7223760" y="4462271"/>
+            <a:ext cx="4663440" cy="228600"/>
+          </a:xfrm>
+          <a:prstGeom prst="rect">
+            <a:avLst/>
+          </a:prstGeom>
+          <a:noFill/>
+        </p:spPr>
+        <p:txBody>
+          <a:bodyPr wrap="square">
+            <a:spAutoFit/>
+          </a:bodyPr>
+          <a:lstStyle/>
+          <a:p>
+            <a:pPr algn="l">
+              <a:defRPr sz="900" b="0">
+                <a:solidFill>
+                  <a:srgbClr val="C62828"/>
+                </a:solidFill>
+              </a:defRPr>
+            </a:pPr>
+            <a:r>
+              <a:t>  - 0 office-to-residential conversions granted</a:t>
+            </a:r>
+          </a:p>
+        </p:txBody>
+      </p:sp>
+      <p:sp>
+        <p:nvSpPr>
+          <p:cNvPr id="20" name="TextBox 19"/>
+          <p:cNvSpPr txBox="1"/>
+          <p:nvPr/>
+        </p:nvSpPr>
+        <p:spPr>
+          <a:xfrm>
+            <a:off x="7223760" y="4663439"/>
+            <a:ext cx="4663440" cy="228600"/>
+          </a:xfrm>
+          <a:prstGeom prst="rect">
+            <a:avLst/>
+          </a:prstGeom>
+          <a:noFill/>
+        </p:spPr>
+        <p:txBody>
+          <a:bodyPr wrap="square">
+            <a:spAutoFit/>
+          </a:bodyPr>
+          <a:lstStyle/>
+          <a:p>
+            <a:pPr algn="l">
+              <a:defRPr sz="900" b="0">
+                <a:solidFill>
+                  <a:srgbClr val="C62828"/>
+                </a:solidFill>
+              </a:defRPr>
+            </a:pPr>
+            <a:r>
+              <a:t>  - Industrial use changes (17.16.210): 1 denied, 0 granted</a:t>
+            </a:r>
+          </a:p>
+        </p:txBody>
+      </p:sp>
+      <p:sp>
+        <p:nvSpPr>
+          <p:cNvPr id="21" name="TextBox 20"/>
+          <p:cNvSpPr txBox="1"/>
+          <p:nvPr/>
+        </p:nvSpPr>
+        <p:spPr>
+          <a:xfrm>
+            <a:off x="7223760" y="4864607"/>
+            <a:ext cx="4663440" cy="228600"/>
+          </a:xfrm>
+          <a:prstGeom prst="rect">
+            <a:avLst/>
+          </a:prstGeom>
+          <a:noFill/>
+        </p:spPr>
+        <p:txBody>
+          <a:bodyPr wrap="square">
+            <a:spAutoFit/>
+          </a:bodyPr>
+          <a:lstStyle/>
+          <a:p>
+            <a:pPr algn="l">
+              <a:defRPr sz="900" b="0">
+                <a:solidFill>
+                  <a:srgbClr val="3A5566"/>
+                </a:solidFill>
+              </a:defRPr>
+            </a:pPr>
+            <a:r>
+              <a:t>  - Most granted SEs are for religious institutions (17.16.170)</a:t>
+            </a:r>
+          </a:p>
+        </p:txBody>
+      </p:sp>
+      <p:sp>
+        <p:nvSpPr>
+          <p:cNvPr id="22" name="TextBox 21"/>
+          <p:cNvSpPr txBox="1"/>
+          <p:nvPr/>
+        </p:nvSpPr>
+        <p:spPr>
+          <a:xfrm>
+            <a:off x="7223760" y="5065775"/>
+            <a:ext cx="4663440" cy="228600"/>
+          </a:xfrm>
+          <a:prstGeom prst="rect">
+            <a:avLst/>
+          </a:prstGeom>
+          <a:noFill/>
+        </p:spPr>
+        <p:txBody>
+          <a:bodyPr wrap="square">
+            <a:spAutoFit/>
+          </a:bodyPr>
+          <a:lstStyle/>
+          <a:p>
+            <a:pPr algn="l">
+              <a:defRPr sz="900" b="0">
+                <a:solidFill>
+                  <a:srgbClr val="3A5566"/>
+                </a:solidFill>
+              </a:defRPr>
+            </a:pPr>
+            <a:r>
+              <a:t>  - Setback/height SEs for new office construction have ~43% approval</a:t>
+            </a:r>
+          </a:p>
+        </p:txBody>
+      </p:sp>
+      <p:sp>
+        <p:nvSpPr>
+          <p:cNvPr id="23" name="TextBox 22"/>
+          <p:cNvSpPr txBox="1"/>
+          <p:nvPr/>
+        </p:nvSpPr>
+        <p:spPr>
+          <a:xfrm>
+            <a:off x="7223760" y="5468111"/>
+            <a:ext cx="4663440" cy="228600"/>
+          </a:xfrm>
+          <a:prstGeom prst="rect">
+            <a:avLst/>
+          </a:prstGeom>
+          <a:noFill/>
+        </p:spPr>
+        <p:txBody>
+          <a:bodyPr wrap="square">
+            <a:spAutoFit/>
+          </a:bodyPr>
+          <a:lstStyle/>
+          <a:p>
+            <a:pPr algn="l">
+              <a:defRPr sz="1000" b="1">
+                <a:solidFill>
+                  <a:srgbClr val="3A5566"/>
+                </a:solidFill>
+              </a:defRPr>
+            </a:pPr>
+            <a:r>
+              <a:t>Relevant SE Sections for IWD Office:</a:t>
+            </a:r>
+          </a:p>
+        </p:txBody>
+      </p:sp>
+      <p:sp>
+        <p:nvSpPr>
+          <p:cNvPr id="24" name="TextBox 23"/>
+          <p:cNvSpPr txBox="1"/>
+          <p:nvPr/>
+        </p:nvSpPr>
+        <p:spPr>
+          <a:xfrm>
+            <a:off x="7223760" y="5669279"/>
+            <a:ext cx="4663440" cy="228600"/>
+          </a:xfrm>
+          <a:prstGeom prst="rect">
+            <a:avLst/>
+          </a:prstGeom>
+          <a:noFill/>
+        </p:spPr>
+        <p:txBody>
+          <a:bodyPr wrap="square">
+            <a:spAutoFit/>
+          </a:bodyPr>
+          <a:lstStyle/>
+          <a:p>
+            <a:pPr algn="l">
+              <a:defRPr sz="900" b="0">
+                <a:solidFill>
+                  <a:srgbClr val="706F6C"/>
+                </a:solidFill>
+              </a:defRPr>
+            </a:pPr>
+            <a:r>
+              <a:t>  17.16.210 — Industrial special exceptions (waste, manufacturing)</a:t>
+            </a:r>
+          </a:p>
+        </p:txBody>
+      </p:sp>
+      <p:sp>
+        <p:nvSpPr>
+          <p:cNvPr id="25" name="TextBox 24"/>
+          <p:cNvSpPr txBox="1"/>
+          <p:nvPr/>
+        </p:nvSpPr>
+        <p:spPr>
+          <a:xfrm>
+            <a:off x="7223760" y="5870447"/>
+            <a:ext cx="4663440" cy="228600"/>
+          </a:xfrm>
+          <a:prstGeom prst="rect">
+            <a:avLst/>
+          </a:prstGeom>
+          <a:noFill/>
+        </p:spPr>
+        <p:txBody>
+          <a:bodyPr wrap="square">
+            <a:spAutoFit/>
+          </a:bodyPr>
+          <a:lstStyle/>
+          <a:p>
+            <a:pPr algn="l">
+              <a:defRPr sz="900" b="0">
+                <a:solidFill>
+                  <a:srgbClr val="706F6C"/>
+                </a:solidFill>
+              </a:defRPr>
+            </a:pPr>
+            <a:r>
+              <a:t>  17.12.035 — Building setback/sky exposure plane</a:t>
+            </a:r>
+          </a:p>
+        </p:txBody>
+      </p:sp>
+      <p:sp>
+        <p:nvSpPr>
+          <p:cNvPr id="26" name="TextBox 25"/>
+          <p:cNvSpPr txBox="1"/>
+          <p:nvPr/>
+        </p:nvSpPr>
+        <p:spPr>
+          <a:xfrm>
+            <a:off x="7223760" y="6071615"/>
+            <a:ext cx="4663440" cy="228600"/>
+          </a:xfrm>
+          <a:prstGeom prst="rect">
+            <a:avLst/>
+          </a:prstGeom>
+          <a:noFill/>
+        </p:spPr>
+        <p:txBody>
+          <a:bodyPr wrap="square">
+            <a:spAutoFit/>
+          </a:bodyPr>
+          <a:lstStyle/>
+          <a:p>
+            <a:pPr algn="l">
+              <a:defRPr sz="900" b="0">
+                <a:solidFill>
+                  <a:srgbClr val="706F6C"/>
+                </a:solidFill>
+              </a:defRPr>
+            </a:pPr>
+            <a:r>
+              <a:t>  17.12.060 — Building height exceptions</a:t>
+            </a:r>
+          </a:p>
+        </p:txBody>
+      </p:sp>
+      <p:sp>
+        <p:nvSpPr>
+          <p:cNvPr id="27" name="TextBox 26"/>
+          <p:cNvSpPr txBox="1"/>
+          <p:nvPr/>
+        </p:nvSpPr>
+        <p:spPr>
+          <a:xfrm>
+            <a:off x="7223760" y="6473951"/>
+            <a:ext cx="4663440" cy="228600"/>
+          </a:xfrm>
+          <a:prstGeom prst="rect">
+            <a:avLst/>
+          </a:prstGeom>
+          <a:noFill/>
+        </p:spPr>
+        <p:txBody>
+          <a:bodyPr wrap="square">
+            <a:spAutoFit/>
+          </a:bodyPr>
+          <a:lstStyle/>
+          <a:p>
+            <a:pPr algn="l">
+              <a:defRPr sz="1000" b="1">
+                <a:solidFill>
+                  <a:srgbClr val="3A5566"/>
+                </a:solidFill>
+              </a:defRPr>
+            </a:pPr>
+            <a:r>
+              <a:t>Implication:</a:t>
+            </a:r>
+          </a:p>
+        </p:txBody>
+      </p:sp>
+      <p:sp>
+        <p:nvSpPr>
+          <p:cNvPr id="28" name="TextBox 27"/>
+          <p:cNvSpPr txBox="1"/>
+          <p:nvPr/>
+        </p:nvSpPr>
+        <p:spPr>
+          <a:xfrm>
+            <a:off x="7223760" y="6675119"/>
+            <a:ext cx="4663440" cy="228600"/>
+          </a:xfrm>
+          <a:prstGeom prst="rect">
+            <a:avLst/>
+          </a:prstGeom>
+          <a:noFill/>
+        </p:spPr>
+        <p:txBody>
+          <a:bodyPr wrap="square">
+            <a:spAutoFit/>
+          </a:bodyPr>
+          <a:lstStyle/>
+          <a:p>
+            <a:pPr algn="l">
+              <a:defRPr sz="900" b="0">
+                <a:solidFill>
+                  <a:srgbClr val="C62828"/>
+                </a:solidFill>
+              </a:defRPr>
+            </a:pPr>
+            <a:r>
+              <a:t>Any attempt to convert 648 Grassmere from office to residential faces a historically unprecedented path through BZA with no prior approvals to cite as precedent.</a:t>
+            </a:r>
+          </a:p>
+        </p:txBody>
+      </p:sp>
+    </p:spTree>
+  </p:cSld>
+  <p:clrMapOvr>
+    <a:masterClrMapping/>
+  </p:clrMapOvr>
+</p:sld>
+</file>
+
+<file path=ppt/slides/slide19.xml><?xml version="1.0" encoding="utf-8"?>
+<p:sld xmlns:a="http://schemas.openxmlformats.org/drawingml/2006/main" xmlns:p="http://schemas.openxmlformats.org/presentationml/2006/main" xmlns:r="http://schemas.openxmlformats.org/officeDocument/2006/relationships">
+  <p:cSld>
+    <p:bg>
+      <p:bgPr>
+        <a:solidFill>
+          <a:srgbClr val="FFFFFF"/>
+        </a:solidFill>
+        <a:effectLst/>
+      </p:bgPr>
+    </p:bg>
+    <p:spTree>
+      <p:nvGrpSpPr>
+        <p:cNvPr id="1" name=""/>
+        <p:cNvGrpSpPr/>
+        <p:nvPr/>
+      </p:nvGrpSpPr>
+      <p:grpSpPr/>
+      <p:sp>
+        <p:nvSpPr>
+          <p:cNvPr id="2" name="Rectangle 1"/>
+          <p:cNvSpPr/>
+          <p:nvPr/>
+        </p:nvSpPr>
+        <p:spPr>
+          <a:xfrm>
+            <a:off x="0" y="0"/>
+            <a:ext cx="12191695" cy="777240"/>
+          </a:xfrm>
+          <a:prstGeom prst="rect">
+            <a:avLst/>
+          </a:prstGeom>
+          <a:solidFill>
+            <a:srgbClr val="3A5566"/>
+          </a:solidFill>
+          <a:ln>
+            <a:noFill/>
+          </a:ln>
+        </p:spPr>
+        <p:style>
+          <a:lnRef idx="1">
+            <a:schemeClr val="accent1"/>
+          </a:lnRef>
+          <a:fillRef idx="3">
+            <a:schemeClr val="accent1"/>
+          </a:fillRef>
+          <a:effectRef idx="2">
+            <a:schemeClr val="accent1"/>
+          </a:effectRef>
+          <a:fontRef idx="minor">
+            <a:schemeClr val="lt1"/>
+          </a:fontRef>
+        </p:style>
+        <p:txBody>
+          <a:bodyPr rtlCol="0" anchor="ctr"/>
+          <a:lstStyle/>
+          <a:p>
+            <a:pPr algn="ctr"/>
+          </a:p>
+        </p:txBody>
+      </p:sp>
+      <p:sp>
+        <p:nvSpPr>
+          <p:cNvPr id="3" name="TextBox 2"/>
+          <p:cNvSpPr txBox="1"/>
+          <p:nvPr/>
+        </p:nvSpPr>
+        <p:spPr>
+          <a:xfrm>
+            <a:off x="457200" y="109728"/>
+            <a:ext cx="10972800" cy="411480"/>
+          </a:xfrm>
+          <a:prstGeom prst="rect">
+            <a:avLst/>
+          </a:prstGeom>
+          <a:noFill/>
+        </p:spPr>
+        <p:txBody>
+          <a:bodyPr wrap="square">
+            <a:spAutoFit/>
+          </a:bodyPr>
+          <a:lstStyle/>
+          <a:p>
+            <a:pPr algn="l">
+              <a:defRPr sz="2600" b="1">
+                <a:solidFill>
+                  <a:srgbClr val="FFFFFF"/>
+                </a:solidFill>
+              </a:defRPr>
+            </a:pPr>
+            <a:r>
+              <a:t>648 Grassmere Park — Ownership History</a:t>
+            </a:r>
+          </a:p>
+        </p:txBody>
+      </p:sp>
+      <p:sp>
+        <p:nvSpPr>
+          <p:cNvPr id="4" name="TextBox 3"/>
+          <p:cNvSpPr txBox="1"/>
+          <p:nvPr/>
+        </p:nvSpPr>
+        <p:spPr>
+          <a:xfrm>
+            <a:off x="457200" y="438912"/>
+            <a:ext cx="10972800" cy="274320"/>
+          </a:xfrm>
+          <a:prstGeom prst="rect">
+            <a:avLst/>
+          </a:prstGeom>
+          <a:noFill/>
+        </p:spPr>
+        <p:txBody>
+          <a:bodyPr wrap="square">
+            <a:spAutoFit/>
+          </a:bodyPr>
+          <a:lstStyle/>
+          <a:p>
+            <a:pPr algn="l">
+              <a:defRPr sz="1200" b="0">
+                <a:solidFill>
+                  <a:srgbClr val="CBB279"/>
+                </a:solidFill>
+              </a:defRPr>
+            </a:pPr>
+            <a:r>
+              <a:t>APN: 13300013500  |  Chain of Title  |  1985 to Present</a:t>
+            </a:r>
+          </a:p>
+        </p:txBody>
+      </p:sp>
+      <p:sp>
+        <p:nvSpPr>
+          <p:cNvPr id="5" name="TextBox 4"/>
+          <p:cNvSpPr txBox="1"/>
+          <p:nvPr/>
+        </p:nvSpPr>
+        <p:spPr>
+          <a:xfrm>
+            <a:off x="274320" y="1005840"/>
+            <a:ext cx="1828800" cy="274320"/>
+          </a:xfrm>
+          <a:prstGeom prst="rect">
+            <a:avLst/>
+          </a:prstGeom>
+          <a:noFill/>
+        </p:spPr>
+        <p:txBody>
+          <a:bodyPr wrap="square">
+            <a:spAutoFit/>
+          </a:bodyPr>
+          <a:lstStyle/>
+          <a:p>
+            <a:pPr algn="l">
+              <a:defRPr sz="1000" b="1">
+                <a:solidFill>
+                  <a:srgbClr val="706F6C"/>
+                </a:solidFill>
+              </a:defRPr>
+            </a:pPr>
+            <a:r>
+              <a:t>Year</a:t>
+            </a:r>
+          </a:p>
+        </p:txBody>
+      </p:sp>
+      <p:sp>
+        <p:nvSpPr>
+          <p:cNvPr id="6" name="TextBox 5"/>
+          <p:cNvSpPr txBox="1"/>
+          <p:nvPr/>
+        </p:nvSpPr>
+        <p:spPr>
+          <a:xfrm>
+            <a:off x="1371600" y="1005840"/>
+            <a:ext cx="1828800" cy="274320"/>
+          </a:xfrm>
+          <a:prstGeom prst="rect">
+            <a:avLst/>
+          </a:prstGeom>
+          <a:noFill/>
+        </p:spPr>
+        <p:txBody>
+          <a:bodyPr wrap="square">
+            <a:spAutoFit/>
+          </a:bodyPr>
+          <a:lstStyle/>
+          <a:p>
+            <a:pPr algn="l">
+              <a:defRPr sz="1000" b="1">
+                <a:solidFill>
+                  <a:srgbClr val="706F6C"/>
+                </a:solidFill>
+              </a:defRPr>
+            </a:pPr>
+            <a:r>
+              <a:t>Owner</a:t>
+            </a:r>
+          </a:p>
+        </p:txBody>
+      </p:sp>
+      <p:sp>
+        <p:nvSpPr>
+          <p:cNvPr id="7" name="TextBox 6"/>
+          <p:cNvSpPr txBox="1"/>
+          <p:nvPr/>
+        </p:nvSpPr>
+        <p:spPr>
+          <a:xfrm>
+            <a:off x="5029200" y="1005840"/>
+            <a:ext cx="1828800" cy="274320"/>
+          </a:xfrm>
+          <a:prstGeom prst="rect">
+            <a:avLst/>
+          </a:prstGeom>
+          <a:noFill/>
+        </p:spPr>
+        <p:txBody>
+          <a:bodyPr wrap="square">
+            <a:spAutoFit/>
+          </a:bodyPr>
+          <a:lstStyle/>
+          <a:p>
+            <a:pPr algn="l">
+              <a:defRPr sz="1000" b="1">
+                <a:solidFill>
+                  <a:srgbClr val="706F6C"/>
+                </a:solidFill>
+              </a:defRPr>
+            </a:pPr>
+            <a:r>
+              <a:t>Price/Action</a:t>
+            </a:r>
+          </a:p>
+        </p:txBody>
+      </p:sp>
+      <p:sp>
+        <p:nvSpPr>
+          <p:cNvPr id="8" name="TextBox 7"/>
+          <p:cNvSpPr txBox="1"/>
+          <p:nvPr/>
+        </p:nvSpPr>
+        <p:spPr>
+          <a:xfrm>
+            <a:off x="6858000" y="1005840"/>
+            <a:ext cx="1828800" cy="274320"/>
+          </a:xfrm>
+          <a:prstGeom prst="rect">
+            <a:avLst/>
+          </a:prstGeom>
+          <a:noFill/>
+        </p:spPr>
+        <p:txBody>
+          <a:bodyPr wrap="square">
+            <a:spAutoFit/>
+          </a:bodyPr>
+          <a:lstStyle/>
+          <a:p>
+            <a:pPr algn="l">
+              <a:defRPr sz="1000" b="1">
+                <a:solidFill>
+                  <a:srgbClr val="706F6C"/>
+                </a:solidFill>
+              </a:defRPr>
+            </a:pPr>
+            <a:r>
+              <a:t>Notes</a:t>
+            </a:r>
+          </a:p>
+        </p:txBody>
+      </p:sp>
+      <p:sp>
+        <p:nvSpPr>
+          <p:cNvPr id="9" name="Rectangle 8"/>
+          <p:cNvSpPr/>
+          <p:nvPr/>
+        </p:nvSpPr>
+        <p:spPr>
+          <a:xfrm>
+            <a:off x="274320" y="1280160"/>
+            <a:ext cx="11612880" cy="18288"/>
+          </a:xfrm>
+          <a:prstGeom prst="rect">
+            <a:avLst/>
+          </a:prstGeom>
+          <a:solidFill>
+            <a:srgbClr val="E2E2E0"/>
+          </a:solidFill>
+          <a:ln>
+            <a:noFill/>
+          </a:ln>
+        </p:spPr>
+        <p:style>
+          <a:lnRef idx="1">
+            <a:schemeClr val="accent1"/>
+          </a:lnRef>
+          <a:fillRef idx="3">
+            <a:schemeClr val="accent1"/>
+          </a:fillRef>
+          <a:effectRef idx="2">
+            <a:schemeClr val="accent1"/>
+          </a:effectRef>
+          <a:fontRef idx="minor">
+            <a:schemeClr val="lt1"/>
+          </a:fontRef>
+        </p:style>
+        <p:txBody>
+          <a:bodyPr rtlCol="0" anchor="ctr"/>
+          <a:lstStyle/>
+          <a:p>
+            <a:pPr algn="ctr"/>
+          </a:p>
+        </p:txBody>
+      </p:sp>
+      <p:sp>
+        <p:nvSpPr>
+          <p:cNvPr id="10" name="TextBox 9"/>
+          <p:cNvSpPr txBox="1"/>
+          <p:nvPr/>
+        </p:nvSpPr>
+        <p:spPr>
+          <a:xfrm>
+            <a:off x="274320" y="1371600"/>
+            <a:ext cx="914400" cy="640080"/>
+          </a:xfrm>
+          <a:prstGeom prst="rect">
+            <a:avLst/>
+          </a:prstGeom>
+          <a:noFill/>
+        </p:spPr>
+        <p:txBody>
+          <a:bodyPr wrap="square">
+            <a:spAutoFit/>
+          </a:bodyPr>
+          <a:lstStyle/>
+          <a:p>
+            <a:pPr algn="l">
+              <a:defRPr sz="1300" b="1">
+                <a:solidFill>
+                  <a:srgbClr val="3A5566"/>
+                </a:solidFill>
+              </a:defRPr>
+            </a:pPr>
+            <a:r>
+              <a:t>1985</a:t>
+            </a:r>
+          </a:p>
+        </p:txBody>
+      </p:sp>
+      <p:sp>
+        <p:nvSpPr>
+          <p:cNvPr id="11" name="TextBox 10"/>
+          <p:cNvSpPr txBox="1"/>
+          <p:nvPr/>
+        </p:nvSpPr>
+        <p:spPr>
+          <a:xfrm>
+            <a:off x="1371600" y="1371600"/>
+            <a:ext cx="3474720" cy="640080"/>
+          </a:xfrm>
+          <a:prstGeom prst="rect">
+            <a:avLst/>
+          </a:prstGeom>
+          <a:noFill/>
+        </p:spPr>
+        <p:txBody>
+          <a:bodyPr wrap="square">
+            <a:spAutoFit/>
+          </a:bodyPr>
+          <a:lstStyle/>
+          <a:p>
+            <a:pPr algn="l">
+              <a:defRPr sz="1100" b="1">
+                <a:solidFill>
+                  <a:srgbClr val="3A5566"/>
+                </a:solidFill>
+              </a:defRPr>
+            </a:pPr>
+            <a:r>
+              <a:t>AT&amp;T Resource Management Corp.</a:t>
+            </a:r>
+          </a:p>
+        </p:txBody>
+      </p:sp>
+      <p:sp>
+        <p:nvSpPr>
+          <p:cNvPr id="12" name="TextBox 11"/>
+          <p:cNvSpPr txBox="1"/>
+          <p:nvPr/>
+        </p:nvSpPr>
+        <p:spPr>
+          <a:xfrm>
+            <a:off x="5029200" y="1371600"/>
+            <a:ext cx="1645920" cy="640080"/>
+          </a:xfrm>
+          <a:prstGeom prst="rect">
+            <a:avLst/>
+          </a:prstGeom>
+          <a:noFill/>
+        </p:spPr>
+        <p:txBody>
+          <a:bodyPr wrap="square">
+            <a:spAutoFit/>
+          </a:bodyPr>
+          <a:lstStyle/>
+          <a:p>
+            <a:pPr algn="l">
+              <a:defRPr sz="1100" b="0">
+                <a:solidFill>
+                  <a:srgbClr val="706F6C"/>
+                </a:solidFill>
+              </a:defRPr>
+            </a:pPr>
+            <a:r>
+              <a:t>Original Development</a:t>
+            </a:r>
+          </a:p>
+        </p:txBody>
+      </p:sp>
+      <p:sp>
+        <p:nvSpPr>
+          <p:cNvPr id="13" name="TextBox 12"/>
+          <p:cNvSpPr txBox="1"/>
+          <p:nvPr/>
+        </p:nvSpPr>
+        <p:spPr>
+          <a:xfrm>
+            <a:off x="6858000" y="1371600"/>
+            <a:ext cx="5029200" cy="640080"/>
+          </a:xfrm>
+          <a:prstGeom prst="rect">
+            <a:avLst/>
+          </a:prstGeom>
+          <a:noFill/>
+        </p:spPr>
+        <p:txBody>
+          <a:bodyPr wrap="square">
+            <a:spAutoFit/>
+          </a:bodyPr>
+          <a:lstStyle/>
+          <a:p>
+            <a:pPr algn="l">
+              <a:defRPr sz="950" b="0">
+                <a:solidFill>
+                  <a:srgbClr val="3A5566"/>
+                </a:solidFill>
+              </a:defRPr>
+            </a:pPr>
+            <a:r>
+              <a:t>Built 3-story office complex, 23.49 ac. Established Grassmere Park Association with CCRs.</a:t>
+            </a:r>
+          </a:p>
+        </p:txBody>
+      </p:sp>
+      <p:sp>
+        <p:nvSpPr>
+          <p:cNvPr id="14" name="Rectangle 13"/>
+          <p:cNvSpPr/>
+          <p:nvPr/>
+        </p:nvSpPr>
+        <p:spPr>
+          <a:xfrm>
+            <a:off x="274320" y="1965960"/>
+            <a:ext cx="11612880" cy="9144"/>
+          </a:xfrm>
+          <a:prstGeom prst="rect">
+            <a:avLst/>
+          </a:prstGeom>
+          <a:solidFill>
+            <a:srgbClr val="F0F0F0"/>
+          </a:solidFill>
+          <a:ln>
+            <a:noFill/>
+          </a:ln>
+        </p:spPr>
+        <p:style>
+          <a:lnRef idx="1">
+            <a:schemeClr val="accent1"/>
+          </a:lnRef>
+          <a:fillRef idx="3">
+            <a:schemeClr val="accent1"/>
+          </a:fillRef>
+          <a:effectRef idx="2">
+            <a:schemeClr val="accent1"/>
+          </a:effectRef>
+          <a:fontRef idx="minor">
+            <a:schemeClr val="lt1"/>
+          </a:fontRef>
+        </p:style>
+        <p:txBody>
+          <a:bodyPr rtlCol="0" anchor="ctr"/>
+          <a:lstStyle/>
+          <a:p>
+            <a:pPr algn="ctr"/>
+          </a:p>
+        </p:txBody>
+      </p:sp>
+      <p:sp>
+        <p:nvSpPr>
+          <p:cNvPr id="15" name="TextBox 14"/>
+          <p:cNvSpPr txBox="1"/>
+          <p:nvPr/>
+        </p:nvSpPr>
+        <p:spPr>
+          <a:xfrm>
+            <a:off x="274320" y="2011680"/>
+            <a:ext cx="914400" cy="640080"/>
+          </a:xfrm>
+          <a:prstGeom prst="rect">
+            <a:avLst/>
+          </a:prstGeom>
+          <a:noFill/>
+        </p:spPr>
+        <p:txBody>
+          <a:bodyPr wrap="square">
+            <a:spAutoFit/>
+          </a:bodyPr>
+          <a:lstStyle/>
+          <a:p>
+            <a:pPr algn="l">
+              <a:defRPr sz="1300" b="1">
+                <a:solidFill>
+                  <a:srgbClr val="3A5566"/>
+                </a:solidFill>
+              </a:defRPr>
+            </a:pPr>
+            <a:r>
+              <a:t>2004</a:t>
+            </a:r>
+          </a:p>
+        </p:txBody>
+      </p:sp>
+      <p:sp>
+        <p:nvSpPr>
+          <p:cNvPr id="16" name="TextBox 15"/>
+          <p:cNvSpPr txBox="1"/>
+          <p:nvPr/>
+        </p:nvSpPr>
+        <p:spPr>
+          <a:xfrm>
+            <a:off x="1371600" y="2011680"/>
+            <a:ext cx="3474720" cy="640080"/>
+          </a:xfrm>
+          <a:prstGeom prst="rect">
+            <a:avLst/>
+          </a:prstGeom>
+          <a:noFill/>
+        </p:spPr>
+        <p:txBody>
+          <a:bodyPr wrap="square">
+            <a:spAutoFit/>
+          </a:bodyPr>
+          <a:lstStyle/>
+          <a:p>
+            <a:pPr algn="l">
+              <a:defRPr sz="1100" b="1">
+                <a:solidFill>
+                  <a:srgbClr val="3A5566"/>
+                </a:solidFill>
+              </a:defRPr>
+            </a:pPr>
+            <a:r>
+              <a:t>ARI-Grassmere Corporate Plaza, LLC</a:t>
+            </a:r>
+          </a:p>
+        </p:txBody>
+      </p:sp>
+      <p:sp>
+        <p:nvSpPr>
+          <p:cNvPr id="17" name="TextBox 16"/>
+          <p:cNvSpPr txBox="1"/>
+          <p:nvPr/>
+        </p:nvSpPr>
+        <p:spPr>
+          <a:xfrm>
+            <a:off x="5029200" y="2011680"/>
+            <a:ext cx="1645920" cy="640080"/>
+          </a:xfrm>
+          <a:prstGeom prst="rect">
+            <a:avLst/>
+          </a:prstGeom>
+          <a:noFill/>
+        </p:spPr>
+        <p:txBody>
+          <a:bodyPr wrap="square">
+            <a:spAutoFit/>
+          </a:bodyPr>
+          <a:lstStyle/>
+          <a:p>
+            <a:pPr algn="l">
+              <a:defRPr sz="1100" b="1">
+                <a:solidFill>
+                  <a:srgbClr val="2E7D32"/>
+                </a:solidFill>
+              </a:defRPr>
+            </a:pPr>
+            <a:r>
+              <a:t>$22,030,000</a:t>
+            </a:r>
+          </a:p>
+        </p:txBody>
+      </p:sp>
+      <p:sp>
+        <p:nvSpPr>
+          <p:cNvPr id="18" name="TextBox 17"/>
+          <p:cNvSpPr txBox="1"/>
+          <p:nvPr/>
+        </p:nvSpPr>
+        <p:spPr>
+          <a:xfrm>
+            <a:off x="6858000" y="2011680"/>
+            <a:ext cx="5029200" cy="640080"/>
+          </a:xfrm>
+          <a:prstGeom prst="rect">
+            <a:avLst/>
+          </a:prstGeom>
+          <a:noFill/>
+        </p:spPr>
+        <p:txBody>
+          <a:bodyPr wrap="square">
+            <a:spAutoFit/>
+          </a:bodyPr>
+          <a:lstStyle/>
+          <a:p>
+            <a:pPr algn="l">
+              <a:defRPr sz="950" b="0">
+                <a:solidFill>
+                  <a:srgbClr val="3A5566"/>
+                </a:solidFill>
+              </a:defRPr>
+            </a:pPr>
+            <a:r>
+              <a:t>Major acquisition. Subdivided into 20+ LLC entities (ARI-GCP 1-31). Total entity value ~$48.5M.</a:t>
+            </a:r>
+          </a:p>
+        </p:txBody>
+      </p:sp>
+      <p:sp>
+        <p:nvSpPr>
+          <p:cNvPr id="19" name="Rectangle 18"/>
+          <p:cNvSpPr/>
+          <p:nvPr/>
+        </p:nvSpPr>
+        <p:spPr>
+          <a:xfrm>
+            <a:off x="274320" y="2606040"/>
+            <a:ext cx="11612880" cy="9144"/>
+          </a:xfrm>
+          <a:prstGeom prst="rect">
+            <a:avLst/>
+          </a:prstGeom>
+          <a:solidFill>
+            <a:srgbClr val="F0F0F0"/>
+          </a:solidFill>
+          <a:ln>
+            <a:noFill/>
+          </a:ln>
+        </p:spPr>
+        <p:style>
+          <a:lnRef idx="1">
+            <a:schemeClr val="accent1"/>
+          </a:lnRef>
+          <a:fillRef idx="3">
+            <a:schemeClr val="accent1"/>
+          </a:fillRef>
+          <a:effectRef idx="2">
+            <a:schemeClr val="accent1"/>
+          </a:effectRef>
+          <a:fontRef idx="minor">
+            <a:schemeClr val="lt1"/>
+          </a:fontRef>
+        </p:style>
+        <p:txBody>
+          <a:bodyPr rtlCol="0" anchor="ctr"/>
+          <a:lstStyle/>
+          <a:p>
+            <a:pPr algn="ctr"/>
+          </a:p>
+        </p:txBody>
+      </p:sp>
+      <p:sp>
+        <p:nvSpPr>
+          <p:cNvPr id="20" name="TextBox 19"/>
+          <p:cNvSpPr txBox="1"/>
+          <p:nvPr/>
+        </p:nvSpPr>
+        <p:spPr>
+          <a:xfrm>
+            <a:off x="274320" y="2651760"/>
+            <a:ext cx="914400" cy="640080"/>
+          </a:xfrm>
+          <a:prstGeom prst="rect">
+            <a:avLst/>
+          </a:prstGeom>
+          <a:noFill/>
+        </p:spPr>
+        <p:txBody>
+          <a:bodyPr wrap="square">
+            <a:spAutoFit/>
+          </a:bodyPr>
+          <a:lstStyle/>
+          <a:p>
+            <a:pPr algn="l">
+              <a:defRPr sz="1300" b="1">
+                <a:solidFill>
+                  <a:srgbClr val="3A5566"/>
+                </a:solidFill>
+              </a:defRPr>
+            </a:pPr>
+            <a:r>
+              <a:t>2005</a:t>
+            </a:r>
+          </a:p>
+        </p:txBody>
+      </p:sp>
+      <p:sp>
+        <p:nvSpPr>
+          <p:cNvPr id="21" name="TextBox 20"/>
+          <p:cNvSpPr txBox="1"/>
+          <p:nvPr/>
+        </p:nvSpPr>
+        <p:spPr>
+          <a:xfrm>
+            <a:off x="1371600" y="2651760"/>
+            <a:ext cx="3474720" cy="640080"/>
+          </a:xfrm>
+          <a:prstGeom prst="rect">
+            <a:avLst/>
+          </a:prstGeom>
+          <a:noFill/>
+        </p:spPr>
+        <p:txBody>
+          <a:bodyPr wrap="square">
+            <a:spAutoFit/>
+          </a:bodyPr>
+          <a:lstStyle/>
+          <a:p>
+            <a:pPr algn="l">
+              <a:defRPr sz="1100" b="1">
+                <a:solidFill>
+                  <a:srgbClr val="3A5566"/>
+                </a:solidFill>
+              </a:defRPr>
+            </a:pPr>
+            <a:r>
+              <a:t>ARI-GCP 28, LLC et al</a:t>
+            </a:r>
+          </a:p>
+        </p:txBody>
+      </p:sp>
+      <p:sp>
+        <p:nvSpPr>
+          <p:cNvPr id="22" name="TextBox 21"/>
+          <p:cNvSpPr txBox="1"/>
+          <p:nvPr/>
+        </p:nvSpPr>
+        <p:spPr>
+          <a:xfrm>
+            <a:off x="5029200" y="2651760"/>
+            <a:ext cx="1645920" cy="640080"/>
+          </a:xfrm>
+          <a:prstGeom prst="rect">
+            <a:avLst/>
+          </a:prstGeom>
+          <a:noFill/>
+        </p:spPr>
+        <p:txBody>
+          <a:bodyPr wrap="square">
+            <a:spAutoFit/>
+          </a:bodyPr>
+          <a:lstStyle/>
+          <a:p>
+            <a:pPr algn="l">
+              <a:defRPr sz="1100" b="1">
+                <a:solidFill>
+                  <a:srgbClr val="2E7D32"/>
+                </a:solidFill>
+              </a:defRPr>
+            </a:pPr>
+            <a:r>
+              <a:t>$22,030,000</a:t>
+            </a:r>
+          </a:p>
+        </p:txBody>
+      </p:sp>
+      <p:sp>
+        <p:nvSpPr>
+          <p:cNvPr id="23" name="TextBox 22"/>
+          <p:cNvSpPr txBox="1"/>
+          <p:nvPr/>
+        </p:nvSpPr>
+        <p:spPr>
+          <a:xfrm>
+            <a:off x="6858000" y="2651760"/>
+            <a:ext cx="5029200" cy="640080"/>
+          </a:xfrm>
+          <a:prstGeom prst="rect">
+            <a:avLst/>
+          </a:prstGeom>
+          <a:noFill/>
+        </p:spPr>
+        <p:txBody>
+          <a:bodyPr wrap="square">
+            <a:spAutoFit/>
+          </a:bodyPr>
+          <a:lstStyle/>
+          <a:p>
+            <a:pPr algn="l">
+              <a:defRPr sz="950" b="0">
+                <a:solidFill>
+                  <a:srgbClr val="3A5566"/>
+                </a:solidFill>
+              </a:defRPr>
+            </a:pPr>
+            <a:r>
+              <a:t>Deed of correction to original ARI bulk purchase.</a:t>
+            </a:r>
+          </a:p>
+        </p:txBody>
+      </p:sp>
+      <p:sp>
+        <p:nvSpPr>
+          <p:cNvPr id="24" name="Rectangle 23"/>
+          <p:cNvSpPr/>
+          <p:nvPr/>
+        </p:nvSpPr>
+        <p:spPr>
+          <a:xfrm>
+            <a:off x="274320" y="3246120"/>
+            <a:ext cx="11612880" cy="9144"/>
+          </a:xfrm>
+          <a:prstGeom prst="rect">
+            <a:avLst/>
+          </a:prstGeom>
+          <a:solidFill>
+            <a:srgbClr val="F0F0F0"/>
+          </a:solidFill>
+          <a:ln>
+            <a:noFill/>
+          </a:ln>
+        </p:spPr>
+        <p:style>
+          <a:lnRef idx="1">
+            <a:schemeClr val="accent1"/>
+          </a:lnRef>
+          <a:fillRef idx="3">
+            <a:schemeClr val="accent1"/>
+          </a:fillRef>
+          <a:effectRef idx="2">
+            <a:schemeClr val="accent1"/>
+          </a:effectRef>
+          <a:fontRef idx="minor">
+            <a:schemeClr val="lt1"/>
+          </a:fontRef>
+        </p:style>
+        <p:txBody>
+          <a:bodyPr rtlCol="0" anchor="ctr"/>
+          <a:lstStyle/>
+          <a:p>
+            <a:pPr algn="ctr"/>
+          </a:p>
+        </p:txBody>
+      </p:sp>
+      <p:sp>
+        <p:nvSpPr>
+          <p:cNvPr id="25" name="TextBox 24"/>
+          <p:cNvSpPr txBox="1"/>
+          <p:nvPr/>
+        </p:nvSpPr>
+        <p:spPr>
+          <a:xfrm>
+            <a:off x="274320" y="3291840"/>
+            <a:ext cx="914400" cy="640080"/>
+          </a:xfrm>
+          <a:prstGeom prst="rect">
+            <a:avLst/>
+          </a:prstGeom>
+          <a:noFill/>
+        </p:spPr>
+        <p:txBody>
+          <a:bodyPr wrap="square">
+            <a:spAutoFit/>
+          </a:bodyPr>
+          <a:lstStyle/>
+          <a:p>
+            <a:pPr algn="l">
+              <a:defRPr sz="1300" b="1">
+                <a:solidFill>
+                  <a:srgbClr val="3A5566"/>
+                </a:solidFill>
+              </a:defRPr>
+            </a:pPr>
+            <a:r>
+              <a:t>2011</a:t>
+            </a:r>
+          </a:p>
+        </p:txBody>
+      </p:sp>
+      <p:sp>
+        <p:nvSpPr>
+          <p:cNvPr id="26" name="TextBox 25"/>
+          <p:cNvSpPr txBox="1"/>
+          <p:nvPr/>
+        </p:nvSpPr>
+        <p:spPr>
+          <a:xfrm>
+            <a:off x="1371600" y="3291840"/>
+            <a:ext cx="3474720" cy="640080"/>
+          </a:xfrm>
+          <a:prstGeom prst="rect">
+            <a:avLst/>
+          </a:prstGeom>
+          <a:noFill/>
+        </p:spPr>
+        <p:txBody>
+          <a:bodyPr wrap="square">
+            <a:spAutoFit/>
+          </a:bodyPr>
+          <a:lstStyle/>
+          <a:p>
+            <a:pPr algn="l">
+              <a:defRPr sz="1100" b="1">
+                <a:solidFill>
+                  <a:srgbClr val="3A5566"/>
+                </a:solidFill>
+              </a:defRPr>
+            </a:pPr>
+            <a:r>
+              <a:t>Grassmere Corporate Plaza, LLC</a:t>
+            </a:r>
+          </a:p>
+        </p:txBody>
+      </p:sp>
+      <p:sp>
+        <p:nvSpPr>
+          <p:cNvPr id="27" name="TextBox 26"/>
+          <p:cNvSpPr txBox="1"/>
+          <p:nvPr/>
+        </p:nvSpPr>
+        <p:spPr>
+          <a:xfrm>
+            <a:off x="5029200" y="3291840"/>
+            <a:ext cx="1645920" cy="640080"/>
+          </a:xfrm>
+          <a:prstGeom prst="rect">
+            <a:avLst/>
+          </a:prstGeom>
+          <a:noFill/>
+        </p:spPr>
+        <p:txBody>
+          <a:bodyPr wrap="square">
+            <a:spAutoFit/>
+          </a:bodyPr>
+          <a:lstStyle/>
+          <a:p>
+            <a:pPr algn="l">
+              <a:defRPr sz="1100" b="0">
+                <a:solidFill>
+                  <a:srgbClr val="706F6C"/>
+                </a:solidFill>
+              </a:defRPr>
+            </a:pPr>
+            <a:r>
+              <a:t>Reconsolidation</a:t>
+            </a:r>
+          </a:p>
+        </p:txBody>
+      </p:sp>
+      <p:sp>
+        <p:nvSpPr>
+          <p:cNvPr id="28" name="TextBox 27"/>
+          <p:cNvSpPr txBox="1"/>
+          <p:nvPr/>
+        </p:nvSpPr>
+        <p:spPr>
+          <a:xfrm>
+            <a:off x="6858000" y="3291840"/>
+            <a:ext cx="5029200" cy="640080"/>
+          </a:xfrm>
+          <a:prstGeom prst="rect">
+            <a:avLst/>
+          </a:prstGeom>
+          <a:noFill/>
+        </p:spPr>
+        <p:txBody>
+          <a:bodyPr wrap="square">
+            <a:spAutoFit/>
+          </a:bodyPr>
+          <a:lstStyle/>
+          <a:p>
+            <a:pPr algn="l">
+              <a:defRPr sz="950" b="0">
+                <a:solidFill>
+                  <a:srgbClr val="3A5566"/>
+                </a:solidFill>
+              </a:defRPr>
+            </a:pPr>
+            <a:r>
+              <a:t>20+ quit claim deeds reconsolidated all ARI-GCP entities back into single ownership.</a:t>
+            </a:r>
+          </a:p>
+        </p:txBody>
+      </p:sp>
+      <p:sp>
+        <p:nvSpPr>
+          <p:cNvPr id="29" name="Rectangle 28"/>
+          <p:cNvSpPr/>
+          <p:nvPr/>
+        </p:nvSpPr>
+        <p:spPr>
+          <a:xfrm>
+            <a:off x="274320" y="3886200"/>
+            <a:ext cx="11612880" cy="9144"/>
+          </a:xfrm>
+          <a:prstGeom prst="rect">
+            <a:avLst/>
+          </a:prstGeom>
+          <a:solidFill>
+            <a:srgbClr val="F0F0F0"/>
+          </a:solidFill>
+          <a:ln>
+            <a:noFill/>
+          </a:ln>
+        </p:spPr>
+        <p:style>
+          <a:lnRef idx="1">
+            <a:schemeClr val="accent1"/>
+          </a:lnRef>
+          <a:fillRef idx="3">
+            <a:schemeClr val="accent1"/>
+          </a:fillRef>
+          <a:effectRef idx="2">
+            <a:schemeClr val="accent1"/>
+          </a:effectRef>
+          <a:fontRef idx="minor">
+            <a:schemeClr val="lt1"/>
+          </a:fontRef>
+        </p:style>
+        <p:txBody>
+          <a:bodyPr rtlCol="0" anchor="ctr"/>
+          <a:lstStyle/>
+          <a:p>
+            <a:pPr algn="ctr"/>
+          </a:p>
+        </p:txBody>
+      </p:sp>
+      <p:sp>
+        <p:nvSpPr>
+          <p:cNvPr id="30" name="TextBox 29"/>
+          <p:cNvSpPr txBox="1"/>
+          <p:nvPr/>
+        </p:nvSpPr>
+        <p:spPr>
+          <a:xfrm>
+            <a:off x="274320" y="3931920"/>
+            <a:ext cx="914400" cy="640080"/>
+          </a:xfrm>
+          <a:prstGeom prst="rect">
+            <a:avLst/>
+          </a:prstGeom>
+          <a:noFill/>
+        </p:spPr>
+        <p:txBody>
+          <a:bodyPr wrap="square">
+            <a:spAutoFit/>
+          </a:bodyPr>
+          <a:lstStyle/>
+          <a:p>
+            <a:pPr algn="l">
+              <a:defRPr sz="1300" b="1">
+                <a:solidFill>
+                  <a:srgbClr val="3A5566"/>
+                </a:solidFill>
+              </a:defRPr>
+            </a:pPr>
+            <a:r>
+              <a:t>2011</a:t>
+            </a:r>
+          </a:p>
+        </p:txBody>
+      </p:sp>
+      <p:sp>
+        <p:nvSpPr>
+          <p:cNvPr id="31" name="TextBox 30"/>
+          <p:cNvSpPr txBox="1"/>
+          <p:nvPr/>
+        </p:nvSpPr>
+        <p:spPr>
+          <a:xfrm>
+            <a:off x="1371600" y="3931920"/>
+            <a:ext cx="3474720" cy="640080"/>
+          </a:xfrm>
+          <a:prstGeom prst="rect">
+            <a:avLst/>
+          </a:prstGeom>
+          <a:noFill/>
+        </p:spPr>
+        <p:txBody>
+          <a:bodyPr wrap="square">
+            <a:spAutoFit/>
+          </a:bodyPr>
+          <a:lstStyle/>
+          <a:p>
+            <a:pPr algn="l">
+              <a:defRPr sz="1100" b="1">
+                <a:solidFill>
+                  <a:srgbClr val="3A5566"/>
+                </a:solidFill>
+              </a:defRPr>
+            </a:pPr>
+            <a:r>
+              <a:t>GCP HoldCo, LLC</a:t>
+            </a:r>
+          </a:p>
+        </p:txBody>
+      </p:sp>
+      <p:sp>
+        <p:nvSpPr>
+          <p:cNvPr id="32" name="TextBox 31"/>
+          <p:cNvSpPr txBox="1"/>
+          <p:nvPr/>
+        </p:nvSpPr>
+        <p:spPr>
+          <a:xfrm>
+            <a:off x="5029200" y="3931920"/>
+            <a:ext cx="1645920" cy="640080"/>
+          </a:xfrm>
+          <a:prstGeom prst="rect">
+            <a:avLst/>
+          </a:prstGeom>
+          <a:noFill/>
+        </p:spPr>
+        <p:txBody>
+          <a:bodyPr wrap="square">
+            <a:spAutoFit/>
+          </a:bodyPr>
+          <a:lstStyle/>
+          <a:p>
+            <a:pPr algn="l">
+              <a:defRPr sz="1100" b="0">
+                <a:solidFill>
+                  <a:srgbClr val="706F6C"/>
+                </a:solidFill>
+              </a:defRPr>
+            </a:pPr>
+            <a:r>
+              <a:t>Holding Co Transfer</a:t>
+            </a:r>
+          </a:p>
+        </p:txBody>
+      </p:sp>
+      <p:sp>
+        <p:nvSpPr>
+          <p:cNvPr id="33" name="TextBox 32"/>
+          <p:cNvSpPr txBox="1"/>
+          <p:nvPr/>
+        </p:nvSpPr>
+        <p:spPr>
+          <a:xfrm>
+            <a:off x="6858000" y="3931920"/>
+            <a:ext cx="5029200" cy="640080"/>
+          </a:xfrm>
+          <a:prstGeom prst="rect">
+            <a:avLst/>
+          </a:prstGeom>
+          <a:noFill/>
+        </p:spPr>
+        <p:txBody>
+          <a:bodyPr wrap="square">
+            <a:spAutoFit/>
+          </a:bodyPr>
+          <a:lstStyle/>
+          <a:p>
+            <a:pPr algn="l">
+              <a:defRPr sz="950" b="0">
+                <a:solidFill>
+                  <a:srgbClr val="3A5566"/>
+                </a:solidFill>
+              </a:defRPr>
+            </a:pPr>
+            <a:r>
+              <a:t>Transferred to holding company structure via quit claim.</a:t>
+            </a:r>
+          </a:p>
+        </p:txBody>
+      </p:sp>
+      <p:sp>
+        <p:nvSpPr>
+          <p:cNvPr id="34" name="Rectangle 33"/>
+          <p:cNvSpPr/>
+          <p:nvPr/>
+        </p:nvSpPr>
+        <p:spPr>
+          <a:xfrm>
+            <a:off x="274320" y="4526280"/>
+            <a:ext cx="11612880" cy="9144"/>
+          </a:xfrm>
+          <a:prstGeom prst="rect">
+            <a:avLst/>
+          </a:prstGeom>
+          <a:solidFill>
+            <a:srgbClr val="F0F0F0"/>
+          </a:solidFill>
+          <a:ln>
+            <a:noFill/>
+          </a:ln>
+        </p:spPr>
+        <p:style>
+          <a:lnRef idx="1">
+            <a:schemeClr val="accent1"/>
+          </a:lnRef>
+          <a:fillRef idx="3">
+            <a:schemeClr val="accent1"/>
+          </a:fillRef>
+          <a:effectRef idx="2">
+            <a:schemeClr val="accent1"/>
+          </a:effectRef>
+          <a:fontRef idx="minor">
+            <a:schemeClr val="lt1"/>
+          </a:fontRef>
+        </p:style>
+        <p:txBody>
+          <a:bodyPr rtlCol="0" anchor="ctr"/>
+          <a:lstStyle/>
+          <a:p>
+            <a:pPr algn="ctr"/>
+          </a:p>
+        </p:txBody>
+      </p:sp>
+      <p:sp>
+        <p:nvSpPr>
+          <p:cNvPr id="35" name="TextBox 34"/>
+          <p:cNvSpPr txBox="1"/>
+          <p:nvPr/>
+        </p:nvSpPr>
+        <p:spPr>
+          <a:xfrm>
+            <a:off x="274320" y="4572000"/>
+            <a:ext cx="914400" cy="640080"/>
+          </a:xfrm>
+          <a:prstGeom prst="rect">
+            <a:avLst/>
+          </a:prstGeom>
+          <a:noFill/>
+        </p:spPr>
+        <p:txBody>
+          <a:bodyPr wrap="square">
+            <a:spAutoFit/>
+          </a:bodyPr>
+          <a:lstStyle/>
+          <a:p>
+            <a:pPr algn="l">
+              <a:defRPr sz="1300" b="1">
+                <a:solidFill>
+                  <a:srgbClr val="2E7D32"/>
+                </a:solidFill>
+              </a:defRPr>
+            </a:pPr>
+            <a:r>
+              <a:t>2015</a:t>
+            </a:r>
+          </a:p>
+        </p:txBody>
+      </p:sp>
+      <p:sp>
+        <p:nvSpPr>
+          <p:cNvPr id="36" name="TextBox 35"/>
+          <p:cNvSpPr txBox="1"/>
+          <p:nvPr/>
+        </p:nvSpPr>
+        <p:spPr>
+          <a:xfrm>
+            <a:off x="1371600" y="4572000"/>
+            <a:ext cx="3474720" cy="640080"/>
+          </a:xfrm>
+          <a:prstGeom prst="rect">
+            <a:avLst/>
+          </a:prstGeom>
+          <a:noFill/>
+        </p:spPr>
+        <p:txBody>
+          <a:bodyPr wrap="square">
+            <a:spAutoFit/>
+          </a:bodyPr>
+          <a:lstStyle/>
+          <a:p>
+            <a:pPr algn="l">
+              <a:defRPr sz="1100" b="1">
+                <a:solidFill>
+                  <a:srgbClr val="3A5566"/>
+                </a:solidFill>
+              </a:defRPr>
+            </a:pPr>
+            <a:r>
+              <a:t>MarketStreet Grassmere, Co</a:t>
+            </a:r>
+          </a:p>
+        </p:txBody>
+      </p:sp>
+      <p:sp>
+        <p:nvSpPr>
+          <p:cNvPr id="37" name="TextBox 36"/>
+          <p:cNvSpPr txBox="1"/>
+          <p:nvPr/>
+        </p:nvSpPr>
+        <p:spPr>
+          <a:xfrm>
+            <a:off x="5029200" y="4572000"/>
+            <a:ext cx="1645920" cy="640080"/>
+          </a:xfrm>
+          <a:prstGeom prst="rect">
+            <a:avLst/>
+          </a:prstGeom>
+          <a:noFill/>
+        </p:spPr>
+        <p:txBody>
+          <a:bodyPr wrap="square">
+            <a:spAutoFit/>
+          </a:bodyPr>
+          <a:lstStyle/>
+          <a:p>
+            <a:pPr algn="l">
+              <a:defRPr sz="1100" b="1">
+                <a:solidFill>
+                  <a:srgbClr val="2E7D32"/>
+                </a:solidFill>
+              </a:defRPr>
+            </a:pPr>
+            <a:r>
+              <a:t>$25,938,000</a:t>
+            </a:r>
+          </a:p>
+        </p:txBody>
+      </p:sp>
+      <p:sp>
+        <p:nvSpPr>
+          <p:cNvPr id="38" name="TextBox 37"/>
+          <p:cNvSpPr txBox="1"/>
+          <p:nvPr/>
+        </p:nvSpPr>
+        <p:spPr>
+          <a:xfrm>
+            <a:off x="6858000" y="4572000"/>
+            <a:ext cx="5029200" cy="640080"/>
+          </a:xfrm>
+          <a:prstGeom prst="rect">
+            <a:avLst/>
+          </a:prstGeom>
+          <a:noFill/>
+        </p:spPr>
+        <p:txBody>
+          <a:bodyPr wrap="square">
+            <a:spAutoFit/>
+          </a:bodyPr>
+          <a:lstStyle/>
+          <a:p>
+            <a:pPr algn="l">
+              <a:defRPr sz="950" b="0">
+                <a:solidFill>
+                  <a:srgbClr val="3A5566"/>
+                </a:solidFill>
+              </a:defRPr>
+            </a:pPr>
+            <a:r>
+              <a:t>CURRENT OWNER. Acquired at $115.69/SF. 67 total instruments on record.</a:t>
+            </a:r>
+          </a:p>
+        </p:txBody>
+      </p:sp>
+      <p:sp>
+        <p:nvSpPr>
+          <p:cNvPr id="39" name="Rectangle 38"/>
+          <p:cNvSpPr/>
+          <p:nvPr/>
+        </p:nvSpPr>
+        <p:spPr>
+          <a:xfrm>
+            <a:off x="274320" y="5166360"/>
+            <a:ext cx="11612880" cy="9144"/>
+          </a:xfrm>
+          <a:prstGeom prst="rect">
+            <a:avLst/>
+          </a:prstGeom>
+          <a:solidFill>
+            <a:srgbClr val="F0F0F0"/>
+          </a:solidFill>
+          <a:ln>
+            <a:noFill/>
+          </a:ln>
+        </p:spPr>
+        <p:style>
+          <a:lnRef idx="1">
+            <a:schemeClr val="accent1"/>
+          </a:lnRef>
+          <a:fillRef idx="3">
+            <a:schemeClr val="accent1"/>
+          </a:fillRef>
+          <a:effectRef idx="2">
+            <a:schemeClr val="accent1"/>
+          </a:effectRef>
+          <a:fontRef idx="minor">
+            <a:schemeClr val="lt1"/>
+          </a:fontRef>
+        </p:style>
+        <p:txBody>
+          <a:bodyPr rtlCol="0" anchor="ctr"/>
+          <a:lstStyle/>
+          <a:p>
+            <a:pPr algn="ctr"/>
+          </a:p>
+        </p:txBody>
+      </p:sp>
+      <p:sp>
+        <p:nvSpPr>
+          <p:cNvPr id="40" name="TextBox 39"/>
+          <p:cNvSpPr txBox="1"/>
+          <p:nvPr/>
+        </p:nvSpPr>
+        <p:spPr>
+          <a:xfrm>
+            <a:off x="274320" y="5303520"/>
+            <a:ext cx="11612880" cy="274320"/>
+          </a:xfrm>
+          <a:prstGeom prst="rect">
+            <a:avLst/>
+          </a:prstGeom>
+          <a:noFill/>
+        </p:spPr>
+        <p:txBody>
+          <a:bodyPr wrap="square">
+            <a:spAutoFit/>
+          </a:bodyPr>
+          <a:lstStyle/>
+          <a:p>
+            <a:pPr algn="l">
+              <a:defRPr sz="1400" b="1">
+                <a:solidFill>
+                  <a:srgbClr val="3A5566"/>
+                </a:solidFill>
+              </a:defRPr>
+            </a:pPr>
+            <a:r>
+              <a:t>Key Observations</a:t>
+            </a:r>
+          </a:p>
+        </p:txBody>
+      </p:sp>
+      <p:sp>
+        <p:nvSpPr>
+          <p:cNvPr id="41" name="TextBox 40"/>
+          <p:cNvSpPr txBox="1"/>
+          <p:nvPr/>
+        </p:nvSpPr>
+        <p:spPr>
+          <a:xfrm>
+            <a:off x="457200" y="5623560"/>
+            <a:ext cx="11430000" cy="274320"/>
+          </a:xfrm>
+          <a:prstGeom prst="rect">
+            <a:avLst/>
+          </a:prstGeom>
+          <a:noFill/>
+        </p:spPr>
+        <p:txBody>
+          <a:bodyPr wrap="square">
+            <a:spAutoFit/>
+          </a:bodyPr>
+          <a:lstStyle/>
+          <a:p>
+            <a:pPr algn="l">
+              <a:defRPr sz="950" b="0">
+                <a:solidFill>
+                  <a:srgbClr val="3A5566"/>
+                </a:solidFill>
+              </a:defRPr>
+            </a:pPr>
+            <a:r>
+              <a:t>4 major ownership periods: AT&amp;T (original dev) &gt; ARI (2004, $22M complex restructuring) &gt; Reconsolidation (2011) &gt; MarketStreet (2015, $25.9M)</a:t>
+            </a:r>
+          </a:p>
+        </p:txBody>
+      </p:sp>
+      <p:sp>
+        <p:nvSpPr>
+          <p:cNvPr id="42" name="TextBox 41"/>
+          <p:cNvSpPr txBox="1"/>
+          <p:nvPr/>
+        </p:nvSpPr>
+        <p:spPr>
+          <a:xfrm>
+            <a:off x="457200" y="5916168"/>
+            <a:ext cx="11430000" cy="274320"/>
+          </a:xfrm>
+          <a:prstGeom prst="rect">
+            <a:avLst/>
+          </a:prstGeom>
+          <a:noFill/>
+        </p:spPr>
+        <p:txBody>
+          <a:bodyPr wrap="square">
+            <a:spAutoFit/>
+          </a:bodyPr>
+          <a:lstStyle/>
+          <a:p>
+            <a:pPr algn="l">
+              <a:defRPr sz="950" b="0">
+                <a:solidFill>
+                  <a:srgbClr val="3A5566"/>
+                </a:solidFill>
+              </a:defRPr>
+            </a:pPr>
+            <a:r>
+              <a:t>Current appraised value ($37.4M) = 44% appreciation over 2015 purchase price ($25.9M)</a:t>
+            </a:r>
+          </a:p>
+        </p:txBody>
+      </p:sp>
+      <p:sp>
+        <p:nvSpPr>
+          <p:cNvPr id="43" name="TextBox 42"/>
+          <p:cNvSpPr txBox="1"/>
+          <p:nvPr/>
+        </p:nvSpPr>
+        <p:spPr>
+          <a:xfrm>
+            <a:off x="457200" y="6208776"/>
+            <a:ext cx="11430000" cy="274320"/>
+          </a:xfrm>
+          <a:prstGeom prst="rect">
+            <a:avLst/>
+          </a:prstGeom>
+          <a:noFill/>
+        </p:spPr>
+        <p:txBody>
+          <a:bodyPr wrap="square">
+            <a:spAutoFit/>
+          </a:bodyPr>
+          <a:lstStyle/>
+          <a:p>
+            <a:pPr algn="l">
+              <a:defRPr sz="950" b="0">
+                <a:solidFill>
+                  <a:srgbClr val="3A5566"/>
+                </a:solidFill>
+              </a:defRPr>
+            </a:pPr>
+            <a:r>
+              <a:t>2004 ARI acquisition included unusual condo-style subdivision into 20+ single-purpose LLCs, all reconsolidated by 2011</a:t>
+            </a:r>
+          </a:p>
+        </p:txBody>
+      </p:sp>
+      <p:sp>
+        <p:nvSpPr>
+          <p:cNvPr id="44" name="TextBox 43"/>
+          <p:cNvSpPr txBox="1"/>
+          <p:nvPr/>
+        </p:nvSpPr>
+        <p:spPr>
+          <a:xfrm>
+            <a:off x="457200" y="6501384"/>
+            <a:ext cx="11430000" cy="274320"/>
+          </a:xfrm>
+          <a:prstGeom prst="rect">
+            <a:avLst/>
+          </a:prstGeom>
+          <a:noFill/>
+        </p:spPr>
+        <p:txBody>
+          <a:bodyPr wrap="square">
+            <a:spAutoFit/>
+          </a:bodyPr>
+          <a:lstStyle/>
+          <a:p>
+            <a:pPr algn="l">
+              <a:defRPr sz="950" b="0">
+                <a:solidFill>
+                  <a:srgbClr val="3A5566"/>
+                </a:solidFill>
+              </a:defRPr>
+            </a:pPr>
+            <a:r>
+              <a:t>67 total recorded instruments reflect complex restructuring history — unusual for a single office building</a:t>
+            </a:r>
+          </a:p>
+        </p:txBody>
+      </p:sp>
+    </p:spTree>
+  </p:cSld>
+  <p:clrMapOvr>
+    <a:masterClrMapping/>
+  </p:clrMapOvr>
+</p:sld>
+</file>
+
 <file path=ppt/slides/slide2.xml><?xml version="1.0" encoding="utf-8"?>
 <p:sld xmlns:a="http://schemas.openxmlformats.org/drawingml/2006/main" xmlns:p="http://schemas.openxmlformats.org/presentationml/2006/main" xmlns:r="http://schemas.openxmlformats.org/officeDocument/2006/relationships">
   <p:cSld>
@@ -15327,6 +20760,1405 @@
           </a:prstGeom>
         </p:spPr>
       </p:pic>
+    </p:spTree>
+  </p:cSld>
+  <p:clrMapOvr>
+    <a:masterClrMapping/>
+  </p:clrMapOvr>
+</p:sld>
+</file>
+
+<file path=ppt/slides/slide20.xml><?xml version="1.0" encoding="utf-8"?>
+<p:sld xmlns:a="http://schemas.openxmlformats.org/drawingml/2006/main" xmlns:p="http://schemas.openxmlformats.org/presentationml/2006/main" xmlns:r="http://schemas.openxmlformats.org/officeDocument/2006/relationships">
+  <p:cSld>
+    <p:bg>
+      <p:bgPr>
+        <a:solidFill>
+          <a:srgbClr val="FFFFFF"/>
+        </a:solidFill>
+        <a:effectLst/>
+      </p:bgPr>
+    </p:bg>
+    <p:spTree>
+      <p:nvGrpSpPr>
+        <p:cNvPr id="1" name=""/>
+        <p:cNvGrpSpPr/>
+        <p:nvPr/>
+      </p:nvGrpSpPr>
+      <p:grpSpPr/>
+      <p:sp>
+        <p:nvSpPr>
+          <p:cNvPr id="2" name="Rectangle 1"/>
+          <p:cNvSpPr/>
+          <p:nvPr/>
+        </p:nvSpPr>
+        <p:spPr>
+          <a:xfrm>
+            <a:off x="0" y="0"/>
+            <a:ext cx="12191695" cy="777240"/>
+          </a:xfrm>
+          <a:prstGeom prst="rect">
+            <a:avLst/>
+          </a:prstGeom>
+          <a:solidFill>
+            <a:srgbClr val="3A5566"/>
+          </a:solidFill>
+          <a:ln>
+            <a:noFill/>
+          </a:ln>
+        </p:spPr>
+        <p:style>
+          <a:lnRef idx="1">
+            <a:schemeClr val="accent1"/>
+          </a:lnRef>
+          <a:fillRef idx="3">
+            <a:schemeClr val="accent1"/>
+          </a:fillRef>
+          <a:effectRef idx="2">
+            <a:schemeClr val="accent1"/>
+          </a:effectRef>
+          <a:fontRef idx="minor">
+            <a:schemeClr val="lt1"/>
+          </a:fontRef>
+        </p:style>
+        <p:txBody>
+          <a:bodyPr rtlCol="0" anchor="ctr"/>
+          <a:lstStyle/>
+          <a:p>
+            <a:pPr algn="ctr"/>
+          </a:p>
+        </p:txBody>
+      </p:sp>
+      <p:sp>
+        <p:nvSpPr>
+          <p:cNvPr id="3" name="TextBox 2"/>
+          <p:cNvSpPr txBox="1"/>
+          <p:nvPr/>
+        </p:nvSpPr>
+        <p:spPr>
+          <a:xfrm>
+            <a:off x="457200" y="109728"/>
+            <a:ext cx="10972800" cy="411480"/>
+          </a:xfrm>
+          <a:prstGeom prst="rect">
+            <a:avLst/>
+          </a:prstGeom>
+          <a:noFill/>
+        </p:spPr>
+        <p:txBody>
+          <a:bodyPr wrap="square">
+            <a:spAutoFit/>
+          </a:bodyPr>
+          <a:lstStyle/>
+          <a:p>
+            <a:pPr algn="l">
+              <a:defRPr sz="2600" b="1">
+                <a:solidFill>
+                  <a:srgbClr val="FFFFFF"/>
+                </a:solidFill>
+              </a:defRPr>
+            </a:pPr>
+            <a:r>
+              <a:t>Office Use Conversion Analysis — No Precedent Exists</a:t>
+            </a:r>
+          </a:p>
+        </p:txBody>
+      </p:sp>
+      <p:sp>
+        <p:nvSpPr>
+          <p:cNvPr id="4" name="TextBox 3"/>
+          <p:cNvSpPr txBox="1"/>
+          <p:nvPr/>
+        </p:nvSpPr>
+        <p:spPr>
+          <a:xfrm>
+            <a:off x="457200" y="438912"/>
+            <a:ext cx="10972800" cy="274320"/>
+          </a:xfrm>
+          <a:prstGeom prst="rect">
+            <a:avLst/>
+          </a:prstGeom>
+          <a:noFill/>
+        </p:spPr>
+        <p:txBody>
+          <a:bodyPr wrap="square">
+            <a:spAutoFit/>
+          </a:bodyPr>
+          <a:lstStyle/>
+          <a:p>
+            <a:pPr algn="l">
+              <a:defRPr sz="1200" b="0">
+                <a:solidFill>
+                  <a:srgbClr val="CBB279"/>
+                </a:solidFill>
+              </a:defRPr>
+            </a:pPr>
+            <a:r>
+              <a:t>BZA Special Exceptions + Permit History  |  Davidson County, Nashville, TN</a:t>
+            </a:r>
+          </a:p>
+        </p:txBody>
+      </p:sp>
+      <p:sp>
+        <p:nvSpPr>
+          <p:cNvPr id="5" name="Rectangle 4"/>
+          <p:cNvSpPr/>
+          <p:nvPr/>
+        </p:nvSpPr>
+        <p:spPr>
+          <a:xfrm>
+            <a:off x="274320" y="960120"/>
+            <a:ext cx="11612880" cy="868680"/>
+          </a:xfrm>
+          <a:prstGeom prst="rect">
+            <a:avLst/>
+          </a:prstGeom>
+          <a:solidFill>
+            <a:srgbClr val="FDEDED"/>
+          </a:solidFill>
+          <a:ln>
+            <a:solidFill>
+              <a:srgbClr val="C62828"/>
+            </a:solidFill>
+          </a:ln>
+        </p:spPr>
+        <p:style>
+          <a:lnRef idx="1">
+            <a:schemeClr val="accent1"/>
+          </a:lnRef>
+          <a:fillRef idx="3">
+            <a:schemeClr val="accent1"/>
+          </a:fillRef>
+          <a:effectRef idx="2">
+            <a:schemeClr val="accent1"/>
+          </a:effectRef>
+          <a:fontRef idx="minor">
+            <a:schemeClr val="lt1"/>
+          </a:fontRef>
+        </p:style>
+        <p:txBody>
+          <a:bodyPr rtlCol="0" anchor="ctr"/>
+          <a:lstStyle/>
+          <a:p>
+            <a:pPr algn="ctr"/>
+          </a:p>
+        </p:txBody>
+      </p:sp>
+      <p:sp>
+        <p:nvSpPr>
+          <p:cNvPr id="6" name="TextBox 5"/>
+          <p:cNvSpPr txBox="1"/>
+          <p:nvPr/>
+        </p:nvSpPr>
+        <p:spPr>
+          <a:xfrm>
+            <a:off x="548640" y="1024128"/>
+            <a:ext cx="10972800" cy="365760"/>
+          </a:xfrm>
+          <a:prstGeom prst="rect">
+            <a:avLst/>
+          </a:prstGeom>
+          <a:noFill/>
+        </p:spPr>
+        <p:txBody>
+          <a:bodyPr wrap="square">
+            <a:spAutoFit/>
+          </a:bodyPr>
+          <a:lstStyle/>
+          <a:p>
+            <a:pPr algn="l">
+              <a:defRPr sz="1500" b="1">
+                <a:solidFill>
+                  <a:srgbClr val="C62828"/>
+                </a:solidFill>
+              </a:defRPr>
+            </a:pPr>
+            <a:r>
+              <a:t>ZERO office-to-residential conversions have been approved through BZA special exception in Davidson County</a:t>
+            </a:r>
+          </a:p>
+        </p:txBody>
+      </p:sp>
+      <p:sp>
+        <p:nvSpPr>
+          <p:cNvPr id="7" name="TextBox 6"/>
+          <p:cNvSpPr txBox="1"/>
+          <p:nvPr/>
+        </p:nvSpPr>
+        <p:spPr>
+          <a:xfrm>
+            <a:off x="548640" y="1389888"/>
+            <a:ext cx="10972800" cy="320040"/>
+          </a:xfrm>
+          <a:prstGeom prst="rect">
+            <a:avLst/>
+          </a:prstGeom>
+          <a:noFill/>
+        </p:spPr>
+        <p:txBody>
+          <a:bodyPr wrap="square">
+            <a:spAutoFit/>
+          </a:bodyPr>
+          <a:lstStyle/>
+          <a:p>
+            <a:pPr algn="l">
+              <a:defRPr sz="1100" b="0">
+                <a:solidFill>
+                  <a:srgbClr val="3A5566"/>
+                </a:solidFill>
+              </a:defRPr>
+            </a:pPr>
+            <a:r>
+              <a:t>Of 8,291 office permits reviewed, 36 converted residential TO office. Zero converted office TO residential. This is a one-way street.</a:t>
+            </a:r>
+          </a:p>
+        </p:txBody>
+      </p:sp>
+      <p:sp>
+        <p:nvSpPr>
+          <p:cNvPr id="8" name="Rectangle 7"/>
+          <p:cNvSpPr/>
+          <p:nvPr/>
+        </p:nvSpPr>
+        <p:spPr>
+          <a:xfrm>
+            <a:off x="274320" y="2011680"/>
+            <a:ext cx="1554480" cy="1005840"/>
+          </a:xfrm>
+          <a:prstGeom prst="rect">
+            <a:avLst/>
+          </a:prstGeom>
+          <a:solidFill>
+            <a:srgbClr val="F2F0ED"/>
+          </a:solidFill>
+          <a:ln>
+            <a:solidFill>
+              <a:srgbClr val="E2E2E0"/>
+            </a:solidFill>
+          </a:ln>
+        </p:spPr>
+        <p:style>
+          <a:lnRef idx="1">
+            <a:schemeClr val="accent1"/>
+          </a:lnRef>
+          <a:fillRef idx="3">
+            <a:schemeClr val="accent1"/>
+          </a:fillRef>
+          <a:effectRef idx="2">
+            <a:schemeClr val="accent1"/>
+          </a:effectRef>
+          <a:fontRef idx="minor">
+            <a:schemeClr val="lt1"/>
+          </a:fontRef>
+        </p:style>
+        <p:txBody>
+          <a:bodyPr rtlCol="0" anchor="ctr" wrap="square"/>
+          <a:lstStyle/>
+          <a:p>
+            <a:pPr algn="ctr">
+              <a:defRPr sz="2200" b="1">
+                <a:solidFill>
+                  <a:srgbClr val="3A5566"/>
+                </a:solidFill>
+              </a:defRPr>
+            </a:pPr>
+            <a:r>
+              <a:t>8,291</a:t>
+            </a:r>
+          </a:p>
+          <a:p>
+            <a:pPr algn="ctr">
+              <a:defRPr sz="900">
+                <a:solidFill>
+                  <a:srgbClr val="706F6C"/>
+                </a:solidFill>
+              </a:defRPr>
+            </a:pPr>
+            <a:r>
+              <a:t>Office Permits</a:t>
+            </a:r>
+          </a:p>
+        </p:txBody>
+      </p:sp>
+      <p:sp>
+        <p:nvSpPr>
+          <p:cNvPr id="9" name="Rectangle 8"/>
+          <p:cNvSpPr/>
+          <p:nvPr/>
+        </p:nvSpPr>
+        <p:spPr>
+          <a:xfrm>
+            <a:off x="1920240" y="2011680"/>
+            <a:ext cx="1554480" cy="1005840"/>
+          </a:xfrm>
+          <a:prstGeom prst="rect">
+            <a:avLst/>
+          </a:prstGeom>
+          <a:solidFill>
+            <a:srgbClr val="F2F0ED"/>
+          </a:solidFill>
+          <a:ln>
+            <a:solidFill>
+              <a:srgbClr val="E2E2E0"/>
+            </a:solidFill>
+          </a:ln>
+        </p:spPr>
+        <p:style>
+          <a:lnRef idx="1">
+            <a:schemeClr val="accent1"/>
+          </a:lnRef>
+          <a:fillRef idx="3">
+            <a:schemeClr val="accent1"/>
+          </a:fillRef>
+          <a:effectRef idx="2">
+            <a:schemeClr val="accent1"/>
+          </a:effectRef>
+          <a:fontRef idx="minor">
+            <a:schemeClr val="lt1"/>
+          </a:fontRef>
+        </p:style>
+        <p:txBody>
+          <a:bodyPr rtlCol="0" anchor="ctr" wrap="square"/>
+          <a:lstStyle/>
+          <a:p>
+            <a:pPr algn="ctr">
+              <a:defRPr sz="2200" b="1">
+                <a:solidFill>
+                  <a:srgbClr val="1565C0"/>
+                </a:solidFill>
+              </a:defRPr>
+            </a:pPr>
+            <a:r>
+              <a:t>36</a:t>
+            </a:r>
+          </a:p>
+          <a:p>
+            <a:pPr algn="ctr">
+              <a:defRPr sz="900">
+                <a:solidFill>
+                  <a:srgbClr val="706F6C"/>
+                </a:solidFill>
+              </a:defRPr>
+            </a:pPr>
+            <a:r>
+              <a:t>Res &gt; Office</a:t>
+            </a:r>
+          </a:p>
+        </p:txBody>
+      </p:sp>
+      <p:sp>
+        <p:nvSpPr>
+          <p:cNvPr id="10" name="Rectangle 9"/>
+          <p:cNvSpPr/>
+          <p:nvPr/>
+        </p:nvSpPr>
+        <p:spPr>
+          <a:xfrm>
+            <a:off x="3566160" y="2011680"/>
+            <a:ext cx="1554480" cy="1005840"/>
+          </a:xfrm>
+          <a:prstGeom prst="rect">
+            <a:avLst/>
+          </a:prstGeom>
+          <a:solidFill>
+            <a:srgbClr val="F2F0ED"/>
+          </a:solidFill>
+          <a:ln>
+            <a:solidFill>
+              <a:srgbClr val="E2E2E0"/>
+            </a:solidFill>
+          </a:ln>
+        </p:spPr>
+        <p:style>
+          <a:lnRef idx="1">
+            <a:schemeClr val="accent1"/>
+          </a:lnRef>
+          <a:fillRef idx="3">
+            <a:schemeClr val="accent1"/>
+          </a:fillRef>
+          <a:effectRef idx="2">
+            <a:schemeClr val="accent1"/>
+          </a:effectRef>
+          <a:fontRef idx="minor">
+            <a:schemeClr val="lt1"/>
+          </a:fontRef>
+        </p:style>
+        <p:txBody>
+          <a:bodyPr rtlCol="0" anchor="ctr" wrap="square"/>
+          <a:lstStyle/>
+          <a:p>
+            <a:pPr algn="ctr">
+              <a:defRPr sz="2200" b="1">
+                <a:solidFill>
+                  <a:srgbClr val="C62828"/>
+                </a:solidFill>
+              </a:defRPr>
+            </a:pPr>
+            <a:r>
+              <a:t>0</a:t>
+            </a:r>
+          </a:p>
+          <a:p>
+            <a:pPr algn="ctr">
+              <a:defRPr sz="900">
+                <a:solidFill>
+                  <a:srgbClr val="706F6C"/>
+                </a:solidFill>
+              </a:defRPr>
+            </a:pPr>
+            <a:r>
+              <a:t>Office &gt; Res</a:t>
+            </a:r>
+          </a:p>
+        </p:txBody>
+      </p:sp>
+      <p:sp>
+        <p:nvSpPr>
+          <p:cNvPr id="11" name="Rectangle 10"/>
+          <p:cNvSpPr/>
+          <p:nvPr/>
+        </p:nvSpPr>
+        <p:spPr>
+          <a:xfrm>
+            <a:off x="5212080" y="2011680"/>
+            <a:ext cx="1554480" cy="1005840"/>
+          </a:xfrm>
+          <a:prstGeom prst="rect">
+            <a:avLst/>
+          </a:prstGeom>
+          <a:solidFill>
+            <a:srgbClr val="F2F0ED"/>
+          </a:solidFill>
+          <a:ln>
+            <a:solidFill>
+              <a:srgbClr val="E2E2E0"/>
+            </a:solidFill>
+          </a:ln>
+        </p:spPr>
+        <p:style>
+          <a:lnRef idx="1">
+            <a:schemeClr val="accent1"/>
+          </a:lnRef>
+          <a:fillRef idx="3">
+            <a:schemeClr val="accent1"/>
+          </a:fillRef>
+          <a:effectRef idx="2">
+            <a:schemeClr val="accent1"/>
+          </a:effectRef>
+          <a:fontRef idx="minor">
+            <a:schemeClr val="lt1"/>
+          </a:fontRef>
+        </p:style>
+        <p:txBody>
+          <a:bodyPr rtlCol="0" anchor="ctr" wrap="square"/>
+          <a:lstStyle/>
+          <a:p>
+            <a:pPr algn="ctr">
+              <a:defRPr sz="2200" b="1">
+                <a:solidFill>
+                  <a:srgbClr val="3A5566"/>
+                </a:solidFill>
+              </a:defRPr>
+            </a:pPr>
+            <a:r>
+              <a:t>325</a:t>
+            </a:r>
+          </a:p>
+          <a:p>
+            <a:pPr algn="ctr">
+              <a:defRPr sz="900">
+                <a:solidFill>
+                  <a:srgbClr val="706F6C"/>
+                </a:solidFill>
+              </a:defRPr>
+            </a:pPr>
+            <a:r>
+              <a:t>BZA Cases</a:t>
+            </a:r>
+          </a:p>
+        </p:txBody>
+      </p:sp>
+      <p:sp>
+        <p:nvSpPr>
+          <p:cNvPr id="12" name="Rectangle 11"/>
+          <p:cNvSpPr/>
+          <p:nvPr/>
+        </p:nvSpPr>
+        <p:spPr>
+          <a:xfrm>
+            <a:off x="6858000" y="2011680"/>
+            <a:ext cx="1554480" cy="1005840"/>
+          </a:xfrm>
+          <a:prstGeom prst="rect">
+            <a:avLst/>
+          </a:prstGeom>
+          <a:solidFill>
+            <a:srgbClr val="F2F0ED"/>
+          </a:solidFill>
+          <a:ln>
+            <a:solidFill>
+              <a:srgbClr val="E2E2E0"/>
+            </a:solidFill>
+          </a:ln>
+        </p:spPr>
+        <p:style>
+          <a:lnRef idx="1">
+            <a:schemeClr val="accent1"/>
+          </a:lnRef>
+          <a:fillRef idx="3">
+            <a:schemeClr val="accent1"/>
+          </a:fillRef>
+          <a:effectRef idx="2">
+            <a:schemeClr val="accent1"/>
+          </a:effectRef>
+          <a:fontRef idx="minor">
+            <a:schemeClr val="lt1"/>
+          </a:fontRef>
+        </p:style>
+        <p:txBody>
+          <a:bodyPr rtlCol="0" anchor="ctr" wrap="square"/>
+          <a:lstStyle/>
+          <a:p>
+            <a:pPr algn="ctr">
+              <a:defRPr sz="2200" b="1">
+                <a:solidFill>
+                  <a:srgbClr val="3A5566"/>
+                </a:solidFill>
+              </a:defRPr>
+            </a:pPr>
+            <a:r>
+              <a:t>54</a:t>
+            </a:r>
+          </a:p>
+          <a:p>
+            <a:pPr algn="ctr">
+              <a:defRPr sz="900">
+                <a:solidFill>
+                  <a:srgbClr val="706F6C"/>
+                </a:solidFill>
+              </a:defRPr>
+            </a:pPr>
+            <a:r>
+              <a:t>SE Denied</a:t>
+            </a:r>
+          </a:p>
+        </p:txBody>
+      </p:sp>
+      <p:sp>
+        <p:nvSpPr>
+          <p:cNvPr id="13" name="Rectangle 12"/>
+          <p:cNvSpPr/>
+          <p:nvPr/>
+        </p:nvSpPr>
+        <p:spPr>
+          <a:xfrm>
+            <a:off x="8503920" y="2011680"/>
+            <a:ext cx="1554480" cy="1005840"/>
+          </a:xfrm>
+          <a:prstGeom prst="rect">
+            <a:avLst/>
+          </a:prstGeom>
+          <a:solidFill>
+            <a:srgbClr val="F2F0ED"/>
+          </a:solidFill>
+          <a:ln>
+            <a:solidFill>
+              <a:srgbClr val="E2E2E0"/>
+            </a:solidFill>
+          </a:ln>
+        </p:spPr>
+        <p:style>
+          <a:lnRef idx="1">
+            <a:schemeClr val="accent1"/>
+          </a:lnRef>
+          <a:fillRef idx="3">
+            <a:schemeClr val="accent1"/>
+          </a:fillRef>
+          <a:effectRef idx="2">
+            <a:schemeClr val="accent1"/>
+          </a:effectRef>
+          <a:fontRef idx="minor">
+            <a:schemeClr val="lt1"/>
+          </a:fontRef>
+        </p:style>
+        <p:txBody>
+          <a:bodyPr rtlCol="0" anchor="ctr" wrap="square"/>
+          <a:lstStyle/>
+          <a:p>
+            <a:pPr algn="ctr">
+              <a:defRPr sz="2200" b="1">
+                <a:solidFill>
+                  <a:srgbClr val="3A5566"/>
+                </a:solidFill>
+              </a:defRPr>
+            </a:pPr>
+            <a:r>
+              <a:t>46</a:t>
+            </a:r>
+          </a:p>
+          <a:p>
+            <a:pPr algn="ctr">
+              <a:defRPr sz="900">
+                <a:solidFill>
+                  <a:srgbClr val="706F6C"/>
+                </a:solidFill>
+              </a:defRPr>
+            </a:pPr>
+            <a:r>
+              <a:t>SE Granted</a:t>
+            </a:r>
+          </a:p>
+        </p:txBody>
+      </p:sp>
+      <p:sp>
+        <p:nvSpPr>
+          <p:cNvPr id="14" name="Rectangle 13"/>
+          <p:cNvSpPr/>
+          <p:nvPr/>
+        </p:nvSpPr>
+        <p:spPr>
+          <a:xfrm>
+            <a:off x="10149840" y="2011680"/>
+            <a:ext cx="1737360" cy="1005840"/>
+          </a:xfrm>
+          <a:prstGeom prst="rect">
+            <a:avLst/>
+          </a:prstGeom>
+          <a:solidFill>
+            <a:srgbClr val="F2F0ED"/>
+          </a:solidFill>
+          <a:ln>
+            <a:solidFill>
+              <a:srgbClr val="E2E2E0"/>
+            </a:solidFill>
+          </a:ln>
+        </p:spPr>
+        <p:style>
+          <a:lnRef idx="1">
+            <a:schemeClr val="accent1"/>
+          </a:lnRef>
+          <a:fillRef idx="3">
+            <a:schemeClr val="accent1"/>
+          </a:fillRef>
+          <a:effectRef idx="2">
+            <a:schemeClr val="accent1"/>
+          </a:effectRef>
+          <a:fontRef idx="minor">
+            <a:schemeClr val="lt1"/>
+          </a:fontRef>
+        </p:style>
+        <p:txBody>
+          <a:bodyPr rtlCol="0" anchor="ctr" wrap="square"/>
+          <a:lstStyle/>
+          <a:p>
+            <a:pPr algn="ctr">
+              <a:defRPr sz="2200" b="1">
+                <a:solidFill>
+                  <a:srgbClr val="C62828"/>
+                </a:solidFill>
+              </a:defRPr>
+            </a:pPr>
+            <a:r>
+              <a:t>0</a:t>
+            </a:r>
+          </a:p>
+          <a:p>
+            <a:pPr algn="ctr">
+              <a:defRPr sz="900">
+                <a:solidFill>
+                  <a:srgbClr val="706F6C"/>
+                </a:solidFill>
+              </a:defRPr>
+            </a:pPr>
+            <a:r>
+              <a:t>Office Conv. SE</a:t>
+            </a:r>
+          </a:p>
+        </p:txBody>
+      </p:sp>
+      <p:sp>
+        <p:nvSpPr>
+          <p:cNvPr id="15" name="TextBox 14"/>
+          <p:cNvSpPr txBox="1"/>
+          <p:nvPr/>
+        </p:nvSpPr>
+        <p:spPr>
+          <a:xfrm>
+            <a:off x="274320" y="3291840"/>
+            <a:ext cx="5486400" cy="320040"/>
+          </a:xfrm>
+          <a:prstGeom prst="rect">
+            <a:avLst/>
+          </a:prstGeom>
+          <a:noFill/>
+        </p:spPr>
+        <p:txBody>
+          <a:bodyPr wrap="square">
+            <a:spAutoFit/>
+          </a:bodyPr>
+          <a:lstStyle/>
+          <a:p>
+            <a:pPr algn="l">
+              <a:defRPr sz="1300" b="1">
+                <a:solidFill>
+                  <a:srgbClr val="3A5566"/>
+                </a:solidFill>
+              </a:defRPr>
+            </a:pPr>
+            <a:r>
+              <a:t>What Happened to Former Office Properties (1,712 properties)</a:t>
+            </a:r>
+          </a:p>
+        </p:txBody>
+      </p:sp>
+      <p:graphicFrame>
+        <p:nvGraphicFramePr>
+          <p:cNvPr id="16" name="Chart 15"/>
+          <p:cNvGraphicFramePr>
+            <a:graphicFrameLocks noGrp="1"/>
+          </p:cNvGraphicFramePr>
+          <p:nvPr/>
+        </p:nvGraphicFramePr>
+        <p:xfrm>
+          <a:off x="274320" y="3657600"/>
+          <a:ext cx="5669280" cy="2926080"/>
+        </p:xfrm>
+        <a:graphic>
+          <a:graphicData uri="http://schemas.openxmlformats.org/drawingml/2006/chart">
+            <c:chart xmlns:c="http://schemas.openxmlformats.org/drawingml/2006/chart" r:id="rId2"/>
+          </a:graphicData>
+        </a:graphic>
+      </p:graphicFrame>
+      <p:sp>
+        <p:nvSpPr>
+          <p:cNvPr id="17" name="TextBox 16"/>
+          <p:cNvSpPr txBox="1"/>
+          <p:nvPr/>
+        </p:nvSpPr>
+        <p:spPr>
+          <a:xfrm>
+            <a:off x="6400800" y="3291840"/>
+            <a:ext cx="5486400" cy="320040"/>
+          </a:xfrm>
+          <a:prstGeom prst="rect">
+            <a:avLst/>
+          </a:prstGeom>
+          <a:noFill/>
+        </p:spPr>
+        <p:txBody>
+          <a:bodyPr wrap="square">
+            <a:spAutoFit/>
+          </a:bodyPr>
+          <a:lstStyle/>
+          <a:p>
+            <a:pPr algn="l">
+              <a:defRPr sz="1300" b="1">
+                <a:solidFill>
+                  <a:srgbClr val="3A5566"/>
+                </a:solidFill>
+              </a:defRPr>
+            </a:pPr>
+            <a:r>
+              <a:t>Why This Matters for 648 Grassmere</a:t>
+            </a:r>
+          </a:p>
+        </p:txBody>
+      </p:sp>
+      <p:sp>
+        <p:nvSpPr>
+          <p:cNvPr id="18" name="TextBox 17"/>
+          <p:cNvSpPr txBox="1"/>
+          <p:nvPr/>
+        </p:nvSpPr>
+        <p:spPr>
+          <a:xfrm>
+            <a:off x="6583680" y="3657600"/>
+            <a:ext cx="5303520" cy="201168"/>
+          </a:xfrm>
+          <a:prstGeom prst="rect">
+            <a:avLst/>
+          </a:prstGeom>
+          <a:noFill/>
+        </p:spPr>
+        <p:txBody>
+          <a:bodyPr wrap="square">
+            <a:spAutoFit/>
+          </a:bodyPr>
+          <a:lstStyle/>
+          <a:p>
+            <a:pPr algn="l">
+              <a:defRPr sz="900" b="1">
+                <a:solidFill>
+                  <a:srgbClr val="3A5566"/>
+                </a:solidFill>
+              </a:defRPr>
+            </a:pPr>
+            <a:r>
+              <a:t>The Conversion Path Does Not Exist:</a:t>
+            </a:r>
+          </a:p>
+        </p:txBody>
+      </p:sp>
+      <p:sp>
+        <p:nvSpPr>
+          <p:cNvPr id="19" name="TextBox 18"/>
+          <p:cNvSpPr txBox="1"/>
+          <p:nvPr/>
+        </p:nvSpPr>
+        <p:spPr>
+          <a:xfrm>
+            <a:off x="6583680" y="4023360"/>
+            <a:ext cx="5303520" cy="201168"/>
+          </a:xfrm>
+          <a:prstGeom prst="rect">
+            <a:avLst/>
+          </a:prstGeom>
+          <a:noFill/>
+        </p:spPr>
+        <p:txBody>
+          <a:bodyPr wrap="square">
+            <a:spAutoFit/>
+          </a:bodyPr>
+          <a:lstStyle/>
+          <a:p>
+            <a:pPr algn="l">
+              <a:defRPr sz="900" b="0">
+                <a:solidFill>
+                  <a:srgbClr val="C62828"/>
+                </a:solidFill>
+              </a:defRPr>
+            </a:pPr>
+            <a:r>
+              <a:t>1. BZA Record: No special exception for office-to-residential</a:t>
+            </a:r>
+          </a:p>
+        </p:txBody>
+      </p:sp>
+      <p:sp>
+        <p:nvSpPr>
+          <p:cNvPr id="20" name="TextBox 19"/>
+          <p:cNvSpPr txBox="1"/>
+          <p:nvPr/>
+        </p:nvSpPr>
+        <p:spPr>
+          <a:xfrm>
+            <a:off x="6583680" y="4206240"/>
+            <a:ext cx="5303520" cy="201168"/>
+          </a:xfrm>
+          <a:prstGeom prst="rect">
+            <a:avLst/>
+          </a:prstGeom>
+          <a:noFill/>
+        </p:spPr>
+        <p:txBody>
+          <a:bodyPr wrap="square">
+            <a:spAutoFit/>
+          </a:bodyPr>
+          <a:lstStyle/>
+          <a:p>
+            <a:pPr algn="l">
+              <a:defRPr sz="900" b="0">
+                <a:solidFill>
+                  <a:srgbClr val="C62828"/>
+                </a:solidFill>
+              </a:defRPr>
+            </a:pPr>
+            <a:r>
+              <a:t>    conversion has ever been granted in Davidson County.</a:t>
+            </a:r>
+          </a:p>
+        </p:txBody>
+      </p:sp>
+      <p:sp>
+        <p:nvSpPr>
+          <p:cNvPr id="21" name="TextBox 20"/>
+          <p:cNvSpPr txBox="1"/>
+          <p:nvPr/>
+        </p:nvSpPr>
+        <p:spPr>
+          <a:xfrm>
+            <a:off x="6583680" y="4572000"/>
+            <a:ext cx="5303520" cy="201168"/>
+          </a:xfrm>
+          <a:prstGeom prst="rect">
+            <a:avLst/>
+          </a:prstGeom>
+          <a:noFill/>
+        </p:spPr>
+        <p:txBody>
+          <a:bodyPr wrap="square">
+            <a:spAutoFit/>
+          </a:bodyPr>
+          <a:lstStyle/>
+          <a:p>
+            <a:pPr algn="l">
+              <a:defRPr sz="900" b="0">
+                <a:solidFill>
+                  <a:srgbClr val="C62828"/>
+                </a:solidFill>
+              </a:defRPr>
+            </a:pPr>
+            <a:r>
+              <a:t>2. Permit Record: Of 8,291 office building permits, zero</a:t>
+            </a:r>
+          </a:p>
+        </p:txBody>
+      </p:sp>
+      <p:sp>
+        <p:nvSpPr>
+          <p:cNvPr id="22" name="TextBox 21"/>
+          <p:cNvSpPr txBox="1"/>
+          <p:nvPr/>
+        </p:nvSpPr>
+        <p:spPr>
+          <a:xfrm>
+            <a:off x="6583680" y="4754880"/>
+            <a:ext cx="5303520" cy="201168"/>
+          </a:xfrm>
+          <a:prstGeom prst="rect">
+            <a:avLst/>
+          </a:prstGeom>
+          <a:noFill/>
+        </p:spPr>
+        <p:txBody>
+          <a:bodyPr wrap="square">
+            <a:spAutoFit/>
+          </a:bodyPr>
+          <a:lstStyle/>
+          <a:p>
+            <a:pPr algn="l">
+              <a:defRPr sz="900" b="0">
+                <a:solidFill>
+                  <a:srgbClr val="C62828"/>
+                </a:solidFill>
+              </a:defRPr>
+            </a:pPr>
+            <a:r>
+              <a:t>    involved converting an office to residential use.</a:t>
+            </a:r>
+          </a:p>
+        </p:txBody>
+      </p:sp>
+      <p:sp>
+        <p:nvSpPr>
+          <p:cNvPr id="23" name="TextBox 22"/>
+          <p:cNvSpPr txBox="1"/>
+          <p:nvPr/>
+        </p:nvSpPr>
+        <p:spPr>
+          <a:xfrm>
+            <a:off x="6583680" y="5120640"/>
+            <a:ext cx="5303520" cy="201168"/>
+          </a:xfrm>
+          <a:prstGeom prst="rect">
+            <a:avLst/>
+          </a:prstGeom>
+          <a:noFill/>
+        </p:spPr>
+        <p:txBody>
+          <a:bodyPr wrap="square">
+            <a:spAutoFit/>
+          </a:bodyPr>
+          <a:lstStyle/>
+          <a:p>
+            <a:pPr algn="l">
+              <a:defRPr sz="900" b="0">
+                <a:solidFill>
+                  <a:srgbClr val="1565C0"/>
+                </a:solidFill>
+              </a:defRPr>
+            </a:pPr>
+            <a:r>
+              <a:t>3. One-Way Street: 36 properties converted residential TO</a:t>
+            </a:r>
+          </a:p>
+        </p:txBody>
+      </p:sp>
+      <p:sp>
+        <p:nvSpPr>
+          <p:cNvPr id="24" name="TextBox 23"/>
+          <p:cNvSpPr txBox="1"/>
+          <p:nvPr/>
+        </p:nvSpPr>
+        <p:spPr>
+          <a:xfrm>
+            <a:off x="6583680" y="5303520"/>
+            <a:ext cx="5303520" cy="201168"/>
+          </a:xfrm>
+          <a:prstGeom prst="rect">
+            <a:avLst/>
+          </a:prstGeom>
+          <a:noFill/>
+        </p:spPr>
+        <p:txBody>
+          <a:bodyPr wrap="square">
+            <a:spAutoFit/>
+          </a:bodyPr>
+          <a:lstStyle/>
+          <a:p>
+            <a:pPr algn="l">
+              <a:defRPr sz="900" b="0">
+                <a:solidFill>
+                  <a:srgbClr val="1565C0"/>
+                </a:solidFill>
+              </a:defRPr>
+            </a:pPr>
+            <a:r>
+              <a:t>    office. The reverse has never occurred through permits.</a:t>
+            </a:r>
+          </a:p>
+        </p:txBody>
+      </p:sp>
+      <p:sp>
+        <p:nvSpPr>
+          <p:cNvPr id="25" name="TextBox 24"/>
+          <p:cNvSpPr txBox="1"/>
+          <p:nvPr/>
+        </p:nvSpPr>
+        <p:spPr>
+          <a:xfrm>
+            <a:off x="6583680" y="5669280"/>
+            <a:ext cx="5303520" cy="201168"/>
+          </a:xfrm>
+          <a:prstGeom prst="rect">
+            <a:avLst/>
+          </a:prstGeom>
+          <a:noFill/>
+        </p:spPr>
+        <p:txBody>
+          <a:bodyPr wrap="square">
+            <a:spAutoFit/>
+          </a:bodyPr>
+          <a:lstStyle/>
+          <a:p>
+            <a:pPr algn="l">
+              <a:defRPr sz="900" b="0">
+                <a:solidFill>
+                  <a:srgbClr val="3A5566"/>
+                </a:solidFill>
+              </a:defRPr>
+            </a:pPr>
+            <a:r>
+              <a:t>4. Former Offices Became: Retail (24%), commercial (18%),</a:t>
+            </a:r>
+          </a:p>
+        </p:txBody>
+      </p:sp>
+      <p:sp>
+        <p:nvSpPr>
+          <p:cNvPr id="26" name="TextBox 25"/>
+          <p:cNvSpPr txBox="1"/>
+          <p:nvPr/>
+        </p:nvSpPr>
+        <p:spPr>
+          <a:xfrm>
+            <a:off x="6583680" y="5852160"/>
+            <a:ext cx="5303520" cy="201168"/>
+          </a:xfrm>
+          <a:prstGeom prst="rect">
+            <a:avLst/>
+          </a:prstGeom>
+          <a:noFill/>
+        </p:spPr>
+        <p:txBody>
+          <a:bodyPr wrap="square">
+            <a:spAutoFit/>
+          </a:bodyPr>
+          <a:lstStyle/>
+          <a:p>
+            <a:pPr algn="l">
+              <a:defRPr sz="900" b="0">
+                <a:solidFill>
+                  <a:srgbClr val="3A5566"/>
+                </a:solidFill>
+              </a:defRPr>
+            </a:pPr>
+            <a:r>
+              <a:t>    vacant (14%), warehouse (14%). Only 12% became residential</a:t>
+            </a:r>
+          </a:p>
+        </p:txBody>
+      </p:sp>
+      <p:sp>
+        <p:nvSpPr>
+          <p:cNvPr id="27" name="TextBox 26"/>
+          <p:cNvSpPr txBox="1"/>
+          <p:nvPr/>
+        </p:nvSpPr>
+        <p:spPr>
+          <a:xfrm>
+            <a:off x="6583680" y="6035040"/>
+            <a:ext cx="5303520" cy="201168"/>
+          </a:xfrm>
+          <a:prstGeom prst="rect">
+            <a:avLst/>
+          </a:prstGeom>
+          <a:noFill/>
+        </p:spPr>
+        <p:txBody>
+          <a:bodyPr wrap="square">
+            <a:spAutoFit/>
+          </a:bodyPr>
+          <a:lstStyle/>
+          <a:p>
+            <a:pPr algn="l">
+              <a:defRPr sz="900" b="0">
+                <a:solidFill>
+                  <a:srgbClr val="3A5566"/>
+                </a:solidFill>
+              </a:defRPr>
+            </a:pPr>
+            <a:r>
+              <a:t>    — likely through demolition and new construction, not</a:t>
+            </a:r>
+          </a:p>
+        </p:txBody>
+      </p:sp>
+      <p:sp>
+        <p:nvSpPr>
+          <p:cNvPr id="28" name="TextBox 27"/>
+          <p:cNvSpPr txBox="1"/>
+          <p:nvPr/>
+        </p:nvSpPr>
+        <p:spPr>
+          <a:xfrm>
+            <a:off x="6583680" y="6217920"/>
+            <a:ext cx="5303520" cy="201168"/>
+          </a:xfrm>
+          <a:prstGeom prst="rect">
+            <a:avLst/>
+          </a:prstGeom>
+          <a:noFill/>
+        </p:spPr>
+        <p:txBody>
+          <a:bodyPr wrap="square">
+            <a:spAutoFit/>
+          </a:bodyPr>
+          <a:lstStyle/>
+          <a:p>
+            <a:pPr algn="l">
+              <a:defRPr sz="900" b="0">
+                <a:solidFill>
+                  <a:srgbClr val="3A5566"/>
+                </a:solidFill>
+              </a:defRPr>
+            </a:pPr>
+            <a:r>
+              <a:t>    adaptive reuse or use conversion.</a:t>
+            </a:r>
+          </a:p>
+        </p:txBody>
+      </p:sp>
+      <p:sp>
+        <p:nvSpPr>
+          <p:cNvPr id="29" name="TextBox 28"/>
+          <p:cNvSpPr txBox="1"/>
+          <p:nvPr/>
+        </p:nvSpPr>
+        <p:spPr>
+          <a:xfrm>
+            <a:off x="6583680" y="6583680"/>
+            <a:ext cx="5303520" cy="201168"/>
+          </a:xfrm>
+          <a:prstGeom prst="rect">
+            <a:avLst/>
+          </a:prstGeom>
+          <a:noFill/>
+        </p:spPr>
+        <p:txBody>
+          <a:bodyPr wrap="square">
+            <a:spAutoFit/>
+          </a:bodyPr>
+          <a:lstStyle/>
+          <a:p>
+            <a:pPr algn="l">
+              <a:defRPr sz="900" b="0">
+                <a:solidFill>
+                  <a:srgbClr val="3A5566"/>
+                </a:solidFill>
+              </a:defRPr>
+            </a:pPr>
+            <a:r>
+              <a:t>5. IWD Zoning (648 Grassmere): Industrial Wedgewood-Donelson</a:t>
+            </a:r>
+          </a:p>
+        </p:txBody>
+      </p:sp>
+      <p:sp>
+        <p:nvSpPr>
+          <p:cNvPr id="30" name="TextBox 29"/>
+          <p:cNvSpPr txBox="1"/>
+          <p:nvPr/>
+        </p:nvSpPr>
+        <p:spPr>
+          <a:xfrm>
+            <a:off x="6583680" y="6766560"/>
+            <a:ext cx="5303520" cy="201168"/>
+          </a:xfrm>
+          <a:prstGeom prst="rect">
+            <a:avLst/>
+          </a:prstGeom>
+          <a:noFill/>
+        </p:spPr>
+        <p:txBody>
+          <a:bodyPr wrap="square">
+            <a:spAutoFit/>
+          </a:bodyPr>
+          <a:lstStyle/>
+          <a:p>
+            <a:pPr algn="l">
+              <a:defRPr sz="900" b="0">
+                <a:solidFill>
+                  <a:srgbClr val="3A5566"/>
+                </a:solidFill>
+              </a:defRPr>
+            </a:pPr>
+            <a:r>
+              <a:t>    zoning adds additional barriers. SE 17.16.210 for industrial</a:t>
+            </a:r>
+          </a:p>
+        </p:txBody>
+      </p:sp>
+      <p:sp>
+        <p:nvSpPr>
+          <p:cNvPr id="31" name="TextBox 30"/>
+          <p:cNvSpPr txBox="1"/>
+          <p:nvPr/>
+        </p:nvSpPr>
+        <p:spPr>
+          <a:xfrm>
+            <a:off x="6583680" y="6949440"/>
+            <a:ext cx="5303520" cy="201168"/>
+          </a:xfrm>
+          <a:prstGeom prst="rect">
+            <a:avLst/>
+          </a:prstGeom>
+          <a:noFill/>
+        </p:spPr>
+        <p:txBody>
+          <a:bodyPr wrap="square">
+            <a:spAutoFit/>
+          </a:bodyPr>
+          <a:lstStyle/>
+          <a:p>
+            <a:pPr algn="l">
+              <a:defRPr sz="900" b="0">
+                <a:solidFill>
+                  <a:srgbClr val="3A5566"/>
+                </a:solidFill>
+              </a:defRPr>
+            </a:pPr>
+            <a:r>
+              <a:t>    use changes: 1 denied, 0 granted for office conversions.</a:t>
+            </a:r>
+          </a:p>
+        </p:txBody>
+      </p:sp>
+      <p:sp>
+        <p:nvSpPr>
+          <p:cNvPr id="32" name="TextBox 31"/>
+          <p:cNvSpPr txBox="1"/>
+          <p:nvPr/>
+        </p:nvSpPr>
+        <p:spPr>
+          <a:xfrm>
+            <a:off x="6583680" y="7315200"/>
+            <a:ext cx="5303520" cy="201168"/>
+          </a:xfrm>
+          <a:prstGeom prst="rect">
+            <a:avLst/>
+          </a:prstGeom>
+          <a:noFill/>
+        </p:spPr>
+        <p:txBody>
+          <a:bodyPr wrap="square">
+            <a:spAutoFit/>
+          </a:bodyPr>
+          <a:lstStyle/>
+          <a:p>
+            <a:pPr algn="l">
+              <a:defRPr sz="900" b="1">
+                <a:solidFill>
+                  <a:srgbClr val="C62828"/>
+                </a:solidFill>
+              </a:defRPr>
+            </a:pPr>
+            <a:r>
+              <a:t>Conclusion: Any proposal to convert 648 Grassmere from</a:t>
+            </a:r>
+          </a:p>
+        </p:txBody>
+      </p:sp>
+      <p:sp>
+        <p:nvSpPr>
+          <p:cNvPr id="33" name="TextBox 32"/>
+          <p:cNvSpPr txBox="1"/>
+          <p:nvPr/>
+        </p:nvSpPr>
+        <p:spPr>
+          <a:xfrm>
+            <a:off x="6583680" y="7498080"/>
+            <a:ext cx="5303520" cy="201168"/>
+          </a:xfrm>
+          <a:prstGeom prst="rect">
+            <a:avLst/>
+          </a:prstGeom>
+          <a:noFill/>
+        </p:spPr>
+        <p:txBody>
+          <a:bodyPr wrap="square">
+            <a:spAutoFit/>
+          </a:bodyPr>
+          <a:lstStyle/>
+          <a:p>
+            <a:pPr algn="l">
+              <a:defRPr sz="900" b="1">
+                <a:solidFill>
+                  <a:srgbClr val="C62828"/>
+                </a:solidFill>
+              </a:defRPr>
+            </a:pPr>
+            <a:r>
+              <a:t>office to residential has zero historical precedent and</a:t>
+            </a:r>
+          </a:p>
+        </p:txBody>
+      </p:sp>
+      <p:sp>
+        <p:nvSpPr>
+          <p:cNvPr id="34" name="TextBox 33"/>
+          <p:cNvSpPr txBox="1"/>
+          <p:nvPr/>
+        </p:nvSpPr>
+        <p:spPr>
+          <a:xfrm>
+            <a:off x="6583680" y="7680960"/>
+            <a:ext cx="5303520" cy="201168"/>
+          </a:xfrm>
+          <a:prstGeom prst="rect">
+            <a:avLst/>
+          </a:prstGeom>
+          <a:noFill/>
+        </p:spPr>
+        <p:txBody>
+          <a:bodyPr wrap="square">
+            <a:spAutoFit/>
+          </a:bodyPr>
+          <a:lstStyle/>
+          <a:p>
+            <a:pPr algn="l">
+              <a:defRPr sz="900" b="1">
+                <a:solidFill>
+                  <a:srgbClr val="C62828"/>
+                </a:solidFill>
+              </a:defRPr>
+            </a:pPr>
+            <a:r>
+              <a:t>would face an unprecedented path through BZA.</a:t>
+            </a:r>
+          </a:p>
+        </p:txBody>
+      </p:sp>
     </p:spTree>
   </p:cSld>
   <p:clrMapOvr>
